--- a/etc/_팀교육/플랜트건축설계팀_BIM 팀 교육자료(2024).pptx
+++ b/etc/_팀교육/플랜트건축설계팀_BIM 팀 교육자료(2024).pptx
@@ -5,7 +5,7 @@
     <p:sldMasterId id="2147483648" r:id="rId4"/>
   </p:sldMasterIdLst>
   <p:notesMasterIdLst>
-    <p:notesMasterId r:id="rId32"/>
+    <p:notesMasterId r:id="rId33"/>
   </p:notesMasterIdLst>
   <p:sldIdLst>
     <p:sldId id="356" r:id="rId5"/>
@@ -35,6 +35,7 @@
     <p:sldId id="388" r:id="rId29"/>
     <p:sldId id="379" r:id="rId30"/>
     <p:sldId id="380" r:id="rId31"/>
+    <p:sldId id="389" r:id="rId32"/>
   </p:sldIdLst>
   <p:sldSz cx="12192000" cy="6858000"/>
   <p:notesSz cx="6858000" cy="9144000"/>
@@ -168,7 +169,9 @@
           </p14:sldIdLst>
         </p14:section>
         <p14:section name="미결" id="{4B97F56F-B5FE-4785-BEE1-5DE2E75A4DD5}">
-          <p14:sldIdLst/>
+          <p14:sldIdLst>
+            <p14:sldId id="389"/>
+          </p14:sldIdLst>
         </p14:section>
       </p14:sectionLst>
     </p:ext>
@@ -261,7 +264,7 @@
           <a:p>
             <a:fld id="{7A051C67-A29D-4784-80AB-75E6BD6E7D84}" type="datetimeFigureOut">
               <a:rPr lang="ko-KR" altLang="en-US" smtClean="0"/>
-              <a:t>2024-01-31</a:t>
+              <a:t>2024-02-01</a:t>
             </a:fld>
             <a:endParaRPr lang="ko-KR" altLang="en-US"/>
           </a:p>
@@ -7857,7 +7860,7 @@
           <a:p>
             <a:fld id="{35A32851-9663-46D8-AEC4-64DFD4E932B5}" type="datetimeFigureOut">
               <a:rPr lang="ko-KR" altLang="en-US" smtClean="0"/>
-              <a:t>2024-01-31</a:t>
+              <a:t>2024-02-01</a:t>
             </a:fld>
             <a:endParaRPr lang="ko-KR" altLang="en-US"/>
           </a:p>
@@ -8025,7 +8028,7 @@
           <a:p>
             <a:fld id="{35A32851-9663-46D8-AEC4-64DFD4E932B5}" type="datetimeFigureOut">
               <a:rPr lang="ko-KR" altLang="en-US" smtClean="0"/>
-              <a:t>2024-01-31</a:t>
+              <a:t>2024-02-01</a:t>
             </a:fld>
             <a:endParaRPr lang="ko-KR" altLang="en-US"/>
           </a:p>
@@ -8203,7 +8206,7 @@
           <a:p>
             <a:fld id="{35A32851-9663-46D8-AEC4-64DFD4E932B5}" type="datetimeFigureOut">
               <a:rPr lang="ko-KR" altLang="en-US" smtClean="0"/>
-              <a:t>2024-01-31</a:t>
+              <a:t>2024-02-01</a:t>
             </a:fld>
             <a:endParaRPr lang="ko-KR" altLang="en-US"/>
           </a:p>
@@ -8566,7 +8569,7 @@
           <a:p>
             <a:fld id="{35A32851-9663-46D8-AEC4-64DFD4E932B5}" type="datetimeFigureOut">
               <a:rPr lang="ko-KR" altLang="en-US" smtClean="0"/>
-              <a:t>2024-01-31</a:t>
+              <a:t>2024-02-01</a:t>
             </a:fld>
             <a:endParaRPr lang="ko-KR" altLang="en-US"/>
           </a:p>
@@ -8811,7 +8814,7 @@
           <a:p>
             <a:fld id="{35A32851-9663-46D8-AEC4-64DFD4E932B5}" type="datetimeFigureOut">
               <a:rPr lang="ko-KR" altLang="en-US" smtClean="0"/>
-              <a:t>2024-01-31</a:t>
+              <a:t>2024-02-01</a:t>
             </a:fld>
             <a:endParaRPr lang="ko-KR" altLang="en-US"/>
           </a:p>
@@ -9040,7 +9043,7 @@
           <a:p>
             <a:fld id="{35A32851-9663-46D8-AEC4-64DFD4E932B5}" type="datetimeFigureOut">
               <a:rPr lang="ko-KR" altLang="en-US" smtClean="0"/>
-              <a:t>2024-01-31</a:t>
+              <a:t>2024-02-01</a:t>
             </a:fld>
             <a:endParaRPr lang="ko-KR" altLang="en-US"/>
           </a:p>
@@ -9404,7 +9407,7 @@
           <a:p>
             <a:fld id="{35A32851-9663-46D8-AEC4-64DFD4E932B5}" type="datetimeFigureOut">
               <a:rPr lang="ko-KR" altLang="en-US" smtClean="0"/>
-              <a:t>2024-01-31</a:t>
+              <a:t>2024-02-01</a:t>
             </a:fld>
             <a:endParaRPr lang="ko-KR" altLang="en-US"/>
           </a:p>
@@ -9521,7 +9524,7 @@
           <a:p>
             <a:fld id="{35A32851-9663-46D8-AEC4-64DFD4E932B5}" type="datetimeFigureOut">
               <a:rPr lang="ko-KR" altLang="en-US" smtClean="0"/>
-              <a:t>2024-01-31</a:t>
+              <a:t>2024-02-01</a:t>
             </a:fld>
             <a:endParaRPr lang="ko-KR" altLang="en-US"/>
           </a:p>
@@ -9616,7 +9619,7 @@
           <a:p>
             <a:fld id="{35A32851-9663-46D8-AEC4-64DFD4E932B5}" type="datetimeFigureOut">
               <a:rPr lang="ko-KR" altLang="en-US" smtClean="0"/>
-              <a:t>2024-01-31</a:t>
+              <a:t>2024-02-01</a:t>
             </a:fld>
             <a:endParaRPr lang="ko-KR" altLang="en-US"/>
           </a:p>
@@ -9891,7 +9894,7 @@
           <a:p>
             <a:fld id="{35A32851-9663-46D8-AEC4-64DFD4E932B5}" type="datetimeFigureOut">
               <a:rPr lang="ko-KR" altLang="en-US" smtClean="0"/>
-              <a:t>2024-01-31</a:t>
+              <a:t>2024-02-01</a:t>
             </a:fld>
             <a:endParaRPr lang="ko-KR" altLang="en-US"/>
           </a:p>
@@ -10143,7 +10146,7 @@
           <a:p>
             <a:fld id="{35A32851-9663-46D8-AEC4-64DFD4E932B5}" type="datetimeFigureOut">
               <a:rPr lang="ko-KR" altLang="en-US" smtClean="0"/>
-              <a:t>2024-01-31</a:t>
+              <a:t>2024-02-01</a:t>
             </a:fld>
             <a:endParaRPr lang="ko-KR" altLang="en-US"/>
           </a:p>
@@ -10354,7 +10357,7 @@
           <a:p>
             <a:fld id="{35A32851-9663-46D8-AEC4-64DFD4E932B5}" type="datetimeFigureOut">
               <a:rPr lang="ko-KR" altLang="en-US" smtClean="0"/>
-              <a:t>2024-01-31</a:t>
+              <a:t>2024-02-01</a:t>
             </a:fld>
             <a:endParaRPr lang="ko-KR" altLang="en-US"/>
           </a:p>
@@ -14666,7 +14669,7 @@
         <p:spPr>
           <a:xfrm>
             <a:off x="2204264" y="3701537"/>
-            <a:ext cx="2682061" cy="1200329"/>
+            <a:ext cx="2682061" cy="1338828"/>
           </a:xfrm>
           <a:prstGeom prst="rect">
             <a:avLst/>
@@ -14727,32 +14730,41 @@
               <a:t> 이용한다</a:t>
             </a:r>
             <a:r>
+              <a:rPr lang="en-US" altLang="ko-KR" sz="900">
+                <a:latin typeface="현대하모니 L" panose="02020603020101020101" pitchFamily="18" charset="-127"/>
+                <a:ea typeface="현대하모니 L" panose="02020603020101020101" pitchFamily="18" charset="-127"/>
+              </a:rPr>
+              <a:t>.</a:t>
+            </a:r>
+          </a:p>
+          <a:p>
+            <a:r>
+              <a:rPr lang="en-US" altLang="ko-KR" sz="900">
+                <a:latin typeface="현대하모니 L" panose="02020603020101020101" pitchFamily="18" charset="-127"/>
+                <a:ea typeface="현대하모니 L" panose="02020603020101020101" pitchFamily="18" charset="-127"/>
+              </a:rPr>
+              <a:t>(</a:t>
+            </a:r>
+            <a:r>
+              <a:rPr lang="en-US" altLang="ko-KR" sz="900" dirty="0" err="1">
+                <a:latin typeface="현대하모니 L" panose="02020603020101020101" pitchFamily="18" charset="-127"/>
+                <a:ea typeface="현대하모니 L" panose="02020603020101020101" pitchFamily="18" charset="-127"/>
+              </a:rPr>
+              <a:t>Bidding_Room</a:t>
+            </a:r>
+            <a:r>
               <a:rPr lang="en-US" altLang="ko-KR" sz="900" dirty="0">
                 <a:latin typeface="현대하모니 L" panose="02020603020101020101" pitchFamily="18" charset="-127"/>
                 <a:ea typeface="현대하모니 L" panose="02020603020101020101" pitchFamily="18" charset="-127"/>
               </a:rPr>
-              <a:t>. (</a:t>
+              <a:t> Size and </a:t>
             </a:r>
             <a:r>
               <a:rPr lang="en-US" altLang="ko-KR" sz="900" dirty="0" err="1">
                 <a:latin typeface="현대하모니 L" panose="02020603020101020101" pitchFamily="18" charset="-127"/>
                 <a:ea typeface="현대하모니 L" panose="02020603020101020101" pitchFamily="18" charset="-127"/>
               </a:rPr>
-              <a:t>Bidding_Room</a:t>
-            </a:r>
-            <a:r>
-              <a:rPr lang="en-US" altLang="ko-KR" sz="900" dirty="0">
-                <a:latin typeface="현대하모니 L" panose="02020603020101020101" pitchFamily="18" charset="-127"/>
-                <a:ea typeface="현대하모니 L" panose="02020603020101020101" pitchFamily="18" charset="-127"/>
-              </a:rPr>
-              <a:t> </a:t>
-            </a:r>
-            <a:r>
-              <a:rPr lang="en-US" altLang="ko-KR" sz="900" dirty="0" err="1">
-                <a:latin typeface="현대하모니 L" panose="02020603020101020101" pitchFamily="18" charset="-127"/>
-                <a:ea typeface="현대하모니 L" panose="02020603020101020101" pitchFamily="18" charset="-127"/>
-              </a:rPr>
-              <a:t>Size_Injector.dyn</a:t>
+              <a:t>Style_Injector.dyn</a:t>
             </a:r>
             <a:r>
               <a:rPr lang="en-US" altLang="ko-KR" sz="900" dirty="0">
@@ -26529,10 +26541,10 @@
       </p:sp>
       <p:pic>
         <p:nvPicPr>
-          <p:cNvPr id="11" name="그림 10">
+          <p:cNvPr id="13" name="그림 12">
             <a:extLst>
               <a:ext uri="{FF2B5EF4-FFF2-40B4-BE49-F238E27FC236}">
-                <a16:creationId xmlns:a16="http://schemas.microsoft.com/office/drawing/2014/main" id="{B79727EC-B4F2-9E2A-8865-DCE214E3DF62}"/>
+                <a16:creationId xmlns:a16="http://schemas.microsoft.com/office/drawing/2014/main" id="{712604E6-68B2-56A5-458C-18F124963D76}"/>
               </a:ext>
             </a:extLst>
           </p:cNvPr>
@@ -26549,36 +26561,6 @@
         </p:blipFill>
         <p:spPr>
           <a:xfrm>
-            <a:off x="6472730" y="3866549"/>
-            <a:ext cx="3970333" cy="676369"/>
-          </a:xfrm>
-          <a:prstGeom prst="rect">
-            <a:avLst/>
-          </a:prstGeom>
-        </p:spPr>
-      </p:pic>
-      <p:pic>
-        <p:nvPicPr>
-          <p:cNvPr id="13" name="그림 12">
-            <a:extLst>
-              <a:ext uri="{FF2B5EF4-FFF2-40B4-BE49-F238E27FC236}">
-                <a16:creationId xmlns:a16="http://schemas.microsoft.com/office/drawing/2014/main" id="{712604E6-68B2-56A5-458C-18F124963D76}"/>
-              </a:ext>
-            </a:extLst>
-          </p:cNvPr>
-          <p:cNvPicPr>
-            <a:picLocks noChangeAspect="1"/>
-          </p:cNvPicPr>
-          <p:nvPr/>
-        </p:nvPicPr>
-        <p:blipFill>
-          <a:blip r:embed="rId5"/>
-          <a:stretch>
-            <a:fillRect/>
-          </a:stretch>
-        </p:blipFill>
-        <p:spPr>
-          <a:xfrm>
             <a:off x="4200625" y="734720"/>
             <a:ext cx="2939301" cy="1228159"/>
           </a:xfrm>
@@ -26587,63 +26569,6 @@
           </a:prstGeom>
         </p:spPr>
       </p:pic>
-      <p:sp>
-        <p:nvSpPr>
-          <p:cNvPr id="17" name="직사각형 16">
-            <a:extLst>
-              <a:ext uri="{FF2B5EF4-FFF2-40B4-BE49-F238E27FC236}">
-                <a16:creationId xmlns:a16="http://schemas.microsoft.com/office/drawing/2014/main" id="{CE533DEF-DF19-EE86-70E3-92408C1449A7}"/>
-              </a:ext>
-            </a:extLst>
-          </p:cNvPr>
-          <p:cNvSpPr/>
-          <p:nvPr/>
-        </p:nvSpPr>
-        <p:spPr>
-          <a:xfrm>
-            <a:off x="6472730" y="3847759"/>
-            <a:ext cx="3970333" cy="356975"/>
-          </a:xfrm>
-          <a:prstGeom prst="rect">
-            <a:avLst/>
-          </a:prstGeom>
-          <a:solidFill>
-            <a:srgbClr val="00B050">
-              <a:alpha val="10000"/>
-            </a:srgbClr>
-          </a:solidFill>
-          <a:ln w="15875">
-            <a:solidFill>
-              <a:srgbClr val="00B050"/>
-            </a:solidFill>
-            <a:prstDash val="sysDash"/>
-          </a:ln>
-        </p:spPr>
-        <p:style>
-          <a:lnRef idx="2">
-            <a:schemeClr val="accent1">
-              <a:shade val="15000"/>
-            </a:schemeClr>
-          </a:lnRef>
-          <a:fillRef idx="1">
-            <a:schemeClr val="accent1"/>
-          </a:fillRef>
-          <a:effectRef idx="0">
-            <a:schemeClr val="accent1"/>
-          </a:effectRef>
-          <a:fontRef idx="minor">
-            <a:schemeClr val="lt1"/>
-          </a:fontRef>
-        </p:style>
-        <p:txBody>
-          <a:bodyPr rtlCol="0" anchor="ctr"/>
-          <a:lstStyle/>
-          <a:p>
-            <a:pPr algn="ctr"/>
-            <a:endParaRPr lang="ko-KR" altLang="en-US"/>
-          </a:p>
-        </p:txBody>
-      </p:sp>
       <p:sp>
         <p:nvSpPr>
           <p:cNvPr id="18" name="TextBox 17">
@@ -27938,165 +27863,6 @@
       </p:sp>
       <p:sp>
         <p:nvSpPr>
-          <p:cNvPr id="41" name="자유형: 도형 40">
-            <a:extLst>
-              <a:ext uri="{FF2B5EF4-FFF2-40B4-BE49-F238E27FC236}">
-                <a16:creationId xmlns:a16="http://schemas.microsoft.com/office/drawing/2014/main" id="{B3A5BE14-5763-07A4-3E67-AB5ECA288F7C}"/>
-              </a:ext>
-            </a:extLst>
-          </p:cNvPr>
-          <p:cNvSpPr/>
-          <p:nvPr/>
-        </p:nvSpPr>
-        <p:spPr>
-          <a:xfrm>
-            <a:off x="3783777" y="5333909"/>
-            <a:ext cx="4526443" cy="608685"/>
-          </a:xfrm>
-          <a:custGeom>
-            <a:avLst/>
-            <a:gdLst>
-              <a:gd name="connsiteX0" fmla="*/ 4179123 w 4526443"/>
-              <a:gd name="connsiteY0" fmla="*/ 562066 h 608685"/>
-              <a:gd name="connsiteX1" fmla="*/ 311973 w 4526443"/>
-              <a:gd name="connsiteY1" fmla="*/ 533491 h 608685"/>
-              <a:gd name="connsiteX2" fmla="*/ 397698 w 4526443"/>
-              <a:gd name="connsiteY2" fmla="*/ 19141 h 608685"/>
-              <a:gd name="connsiteX3" fmla="*/ 1721673 w 4526443"/>
-              <a:gd name="connsiteY3" fmla="*/ 142966 h 608685"/>
-              <a:gd name="connsiteX4" fmla="*/ 1912173 w 4526443"/>
-              <a:gd name="connsiteY4" fmla="*/ 457291 h 608685"/>
-              <a:gd name="connsiteX5" fmla="*/ 2493198 w 4526443"/>
-              <a:gd name="connsiteY5" fmla="*/ 485866 h 608685"/>
-              <a:gd name="connsiteX6" fmla="*/ 2540823 w 4526443"/>
-              <a:gd name="connsiteY6" fmla="*/ 181066 h 608685"/>
-              <a:gd name="connsiteX7" fmla="*/ 2940873 w 4526443"/>
-              <a:gd name="connsiteY7" fmla="*/ 38191 h 608685"/>
-              <a:gd name="connsiteX8" fmla="*/ 4198173 w 4526443"/>
-              <a:gd name="connsiteY8" fmla="*/ 114391 h 608685"/>
-              <a:gd name="connsiteX9" fmla="*/ 4179123 w 4526443"/>
-              <a:gd name="connsiteY9" fmla="*/ 562066 h 608685"/>
-            </a:gdLst>
-            <a:ahLst/>
-            <a:cxnLst>
-              <a:cxn ang="0">
-                <a:pos x="connsiteX0" y="connsiteY0"/>
-              </a:cxn>
-              <a:cxn ang="0">
-                <a:pos x="connsiteX1" y="connsiteY1"/>
-              </a:cxn>
-              <a:cxn ang="0">
-                <a:pos x="connsiteX2" y="connsiteY2"/>
-              </a:cxn>
-              <a:cxn ang="0">
-                <a:pos x="connsiteX3" y="connsiteY3"/>
-              </a:cxn>
-              <a:cxn ang="0">
-                <a:pos x="connsiteX4" y="connsiteY4"/>
-              </a:cxn>
-              <a:cxn ang="0">
-                <a:pos x="connsiteX5" y="connsiteY5"/>
-              </a:cxn>
-              <a:cxn ang="0">
-                <a:pos x="connsiteX6" y="connsiteY6"/>
-              </a:cxn>
-              <a:cxn ang="0">
-                <a:pos x="connsiteX7" y="connsiteY7"/>
-              </a:cxn>
-              <a:cxn ang="0">
-                <a:pos x="connsiteX8" y="connsiteY8"/>
-              </a:cxn>
-              <a:cxn ang="0">
-                <a:pos x="connsiteX9" y="connsiteY9"/>
-              </a:cxn>
-            </a:cxnLst>
-            <a:rect l="l" t="t" r="r" b="b"/>
-            <a:pathLst>
-              <a:path w="4526443" h="608685">
-                <a:moveTo>
-                  <a:pt x="4179123" y="562066"/>
-                </a:moveTo>
-                <a:cubicBezTo>
-                  <a:pt x="3531423" y="631916"/>
-                  <a:pt x="942210" y="623978"/>
-                  <a:pt x="311973" y="533491"/>
-                </a:cubicBezTo>
-                <a:cubicBezTo>
-                  <a:pt x="-318264" y="443004"/>
-                  <a:pt x="162748" y="84228"/>
-                  <a:pt x="397698" y="19141"/>
-                </a:cubicBezTo>
-                <a:cubicBezTo>
-                  <a:pt x="632648" y="-45946"/>
-                  <a:pt x="1469260" y="69941"/>
-                  <a:pt x="1721673" y="142966"/>
-                </a:cubicBezTo>
-                <a:cubicBezTo>
-                  <a:pt x="1974085" y="215991"/>
-                  <a:pt x="1783586" y="400141"/>
-                  <a:pt x="1912173" y="457291"/>
-                </a:cubicBezTo>
-                <a:cubicBezTo>
-                  <a:pt x="2040760" y="514441"/>
-                  <a:pt x="2388423" y="531903"/>
-                  <a:pt x="2493198" y="485866"/>
-                </a:cubicBezTo>
-                <a:cubicBezTo>
-                  <a:pt x="2597973" y="439828"/>
-                  <a:pt x="2466211" y="255678"/>
-                  <a:pt x="2540823" y="181066"/>
-                </a:cubicBezTo>
-                <a:cubicBezTo>
-                  <a:pt x="2615435" y="106454"/>
-                  <a:pt x="2664648" y="49303"/>
-                  <a:pt x="2940873" y="38191"/>
-                </a:cubicBezTo>
-                <a:cubicBezTo>
-                  <a:pt x="3217098" y="27079"/>
-                  <a:pt x="3987036" y="31841"/>
-                  <a:pt x="4198173" y="114391"/>
-                </a:cubicBezTo>
-                <a:cubicBezTo>
-                  <a:pt x="4409310" y="196941"/>
-                  <a:pt x="4826823" y="492216"/>
-                  <a:pt x="4179123" y="562066"/>
-                </a:cubicBezTo>
-                <a:close/>
-              </a:path>
-            </a:pathLst>
-          </a:custGeom>
-          <a:noFill/>
-          <a:ln>
-            <a:prstDash val="dash"/>
-          </a:ln>
-        </p:spPr>
-        <p:style>
-          <a:lnRef idx="2">
-            <a:schemeClr val="accent1">
-              <a:shade val="15000"/>
-            </a:schemeClr>
-          </a:lnRef>
-          <a:fillRef idx="1">
-            <a:schemeClr val="accent1"/>
-          </a:fillRef>
-          <a:effectRef idx="0">
-            <a:schemeClr val="accent1"/>
-          </a:effectRef>
-          <a:fontRef idx="minor">
-            <a:schemeClr val="lt1"/>
-          </a:fontRef>
-        </p:style>
-        <p:txBody>
-          <a:bodyPr rtlCol="0" anchor="ctr"/>
-          <a:lstStyle/>
-          <a:p>
-            <a:pPr algn="ctr"/>
-            <a:endParaRPr lang="ko-KR" altLang="en-US"/>
-          </a:p>
-        </p:txBody>
-      </p:sp>
-      <p:sp>
-        <p:nvSpPr>
           <p:cNvPr id="42" name="TextBox 41">
             <a:extLst>
               <a:ext uri="{FF2B5EF4-FFF2-40B4-BE49-F238E27FC236}">
@@ -28500,7 +28266,7 @@
             <p:nvPr/>
           </p:nvPicPr>
           <p:blipFill rotWithShape="1">
-            <a:blip r:embed="rId6"/>
+            <a:blip r:embed="rId5"/>
             <a:srcRect r="24077"/>
             <a:stretch/>
           </p:blipFill>
@@ -28678,12 +28444,440 @@
           </p:txBody>
         </p:sp>
       </p:grpSp>
+      <p:grpSp>
+        <p:nvGrpSpPr>
+          <p:cNvPr id="10" name="그룹 9">
+            <a:extLst>
+              <a:ext uri="{FF2B5EF4-FFF2-40B4-BE49-F238E27FC236}">
+                <a16:creationId xmlns:a16="http://schemas.microsoft.com/office/drawing/2014/main" id="{F8C7A933-3C5F-0C6A-D6F2-04C6E3A7F6D1}"/>
+              </a:ext>
+            </a:extLst>
+          </p:cNvPr>
+          <p:cNvGrpSpPr/>
+          <p:nvPr/>
+        </p:nvGrpSpPr>
+        <p:grpSpPr>
+          <a:xfrm>
+            <a:off x="6472731" y="3847759"/>
+            <a:ext cx="3448510" cy="606875"/>
+            <a:chOff x="6472730" y="3847759"/>
+            <a:chExt cx="3970333" cy="698706"/>
+          </a:xfrm>
+        </p:grpSpPr>
+        <p:pic>
+          <p:nvPicPr>
+            <p:cNvPr id="11" name="그림 10">
+              <a:extLst>
+                <a:ext uri="{FF2B5EF4-FFF2-40B4-BE49-F238E27FC236}">
+                  <a16:creationId xmlns:a16="http://schemas.microsoft.com/office/drawing/2014/main" id="{B79727EC-B4F2-9E2A-8865-DCE214E3DF62}"/>
+                </a:ext>
+              </a:extLst>
+            </p:cNvPr>
+            <p:cNvPicPr>
+              <a:picLocks noChangeAspect="1"/>
+            </p:cNvPicPr>
+            <p:nvPr/>
+          </p:nvPicPr>
+          <p:blipFill>
+            <a:blip r:embed="rId6"/>
+            <a:stretch>
+              <a:fillRect/>
+            </a:stretch>
+          </p:blipFill>
+          <p:spPr>
+            <a:xfrm>
+              <a:off x="6472730" y="3866549"/>
+              <a:ext cx="3970333" cy="676369"/>
+            </a:xfrm>
+            <a:prstGeom prst="rect">
+              <a:avLst/>
+            </a:prstGeom>
+          </p:spPr>
+        </p:pic>
+        <p:sp>
+          <p:nvSpPr>
+            <p:cNvPr id="17" name="직사각형 16">
+              <a:extLst>
+                <a:ext uri="{FF2B5EF4-FFF2-40B4-BE49-F238E27FC236}">
+                  <a16:creationId xmlns:a16="http://schemas.microsoft.com/office/drawing/2014/main" id="{CE533DEF-DF19-EE86-70E3-92408C1449A7}"/>
+                </a:ext>
+              </a:extLst>
+            </p:cNvPr>
+            <p:cNvSpPr/>
+            <p:nvPr/>
+          </p:nvSpPr>
+          <p:spPr>
+            <a:xfrm>
+              <a:off x="6472730" y="3847759"/>
+              <a:ext cx="3970333" cy="356975"/>
+            </a:xfrm>
+            <a:prstGeom prst="rect">
+              <a:avLst/>
+            </a:prstGeom>
+            <a:solidFill>
+              <a:srgbClr val="00B050">
+                <a:alpha val="10000"/>
+              </a:srgbClr>
+            </a:solidFill>
+            <a:ln w="15875">
+              <a:solidFill>
+                <a:srgbClr val="00B050"/>
+              </a:solidFill>
+              <a:prstDash val="sysDash"/>
+            </a:ln>
+          </p:spPr>
+          <p:style>
+            <a:lnRef idx="2">
+              <a:schemeClr val="accent1">
+                <a:shade val="15000"/>
+              </a:schemeClr>
+            </a:lnRef>
+            <a:fillRef idx="1">
+              <a:schemeClr val="accent1"/>
+            </a:fillRef>
+            <a:effectRef idx="0">
+              <a:schemeClr val="accent1"/>
+            </a:effectRef>
+            <a:fontRef idx="minor">
+              <a:schemeClr val="lt1"/>
+            </a:fontRef>
+          </p:style>
+          <p:txBody>
+            <a:bodyPr rtlCol="0" anchor="ctr"/>
+            <a:lstStyle/>
+            <a:p>
+              <a:pPr algn="ctr"/>
+              <a:endParaRPr lang="ko-KR" altLang="en-US"/>
+            </a:p>
+          </p:txBody>
+        </p:sp>
+        <p:sp>
+          <p:nvSpPr>
+            <p:cNvPr id="53" name="직사각형 52">
+              <a:extLst>
+                <a:ext uri="{FF2B5EF4-FFF2-40B4-BE49-F238E27FC236}">
+                  <a16:creationId xmlns:a16="http://schemas.microsoft.com/office/drawing/2014/main" id="{08CAE289-4CDE-1D22-A703-FCB25303D362}"/>
+                </a:ext>
+              </a:extLst>
+            </p:cNvPr>
+            <p:cNvSpPr/>
+            <p:nvPr/>
+          </p:nvSpPr>
+          <p:spPr>
+            <a:xfrm>
+              <a:off x="6504701" y="4231507"/>
+              <a:ext cx="2629581" cy="138806"/>
+            </a:xfrm>
+            <a:prstGeom prst="rect">
+              <a:avLst/>
+            </a:prstGeom>
+            <a:solidFill>
+              <a:schemeClr val="bg1"/>
+            </a:solidFill>
+            <a:ln w="15875">
+              <a:noFill/>
+              <a:prstDash val="sysDash"/>
+            </a:ln>
+          </p:spPr>
+          <p:style>
+            <a:lnRef idx="2">
+              <a:schemeClr val="accent1">
+                <a:shade val="15000"/>
+              </a:schemeClr>
+            </a:lnRef>
+            <a:fillRef idx="1">
+              <a:schemeClr val="accent1"/>
+            </a:fillRef>
+            <a:effectRef idx="0">
+              <a:schemeClr val="accent1"/>
+            </a:effectRef>
+            <a:fontRef idx="minor">
+              <a:schemeClr val="lt1"/>
+            </a:fontRef>
+          </p:style>
+          <p:txBody>
+            <a:bodyPr rtlCol="0" anchor="ctr"/>
+            <a:lstStyle/>
+            <a:p>
+              <a:pPr algn="ctr"/>
+              <a:endParaRPr lang="ko-KR" altLang="en-US"/>
+            </a:p>
+          </p:txBody>
+        </p:sp>
+        <p:sp>
+          <p:nvSpPr>
+            <p:cNvPr id="54" name="직사각형 53">
+              <a:extLst>
+                <a:ext uri="{FF2B5EF4-FFF2-40B4-BE49-F238E27FC236}">
+                  <a16:creationId xmlns:a16="http://schemas.microsoft.com/office/drawing/2014/main" id="{16337946-5C86-2D7B-058D-A7DADCC55EAE}"/>
+                </a:ext>
+              </a:extLst>
+            </p:cNvPr>
+            <p:cNvSpPr/>
+            <p:nvPr/>
+          </p:nvSpPr>
+          <p:spPr>
+            <a:xfrm>
+              <a:off x="6504701" y="4407659"/>
+              <a:ext cx="2629581" cy="138806"/>
+            </a:xfrm>
+            <a:prstGeom prst="rect">
+              <a:avLst/>
+            </a:prstGeom>
+            <a:solidFill>
+              <a:schemeClr val="bg1"/>
+            </a:solidFill>
+            <a:ln w="15875">
+              <a:noFill/>
+              <a:prstDash val="sysDash"/>
+            </a:ln>
+          </p:spPr>
+          <p:style>
+            <a:lnRef idx="2">
+              <a:schemeClr val="accent1">
+                <a:shade val="15000"/>
+              </a:schemeClr>
+            </a:lnRef>
+            <a:fillRef idx="1">
+              <a:schemeClr val="accent1"/>
+            </a:fillRef>
+            <a:effectRef idx="0">
+              <a:schemeClr val="accent1"/>
+            </a:effectRef>
+            <a:fontRef idx="minor">
+              <a:schemeClr val="lt1"/>
+            </a:fontRef>
+          </p:style>
+          <p:txBody>
+            <a:bodyPr rtlCol="0" anchor="ctr"/>
+            <a:lstStyle/>
+            <a:p>
+              <a:pPr algn="ctr"/>
+              <a:endParaRPr lang="ko-KR" altLang="en-US"/>
+            </a:p>
+          </p:txBody>
+        </p:sp>
+      </p:grpSp>
+      <p:grpSp>
+        <p:nvGrpSpPr>
+          <p:cNvPr id="12" name="그룹 11">
+            <a:extLst>
+              <a:ext uri="{FF2B5EF4-FFF2-40B4-BE49-F238E27FC236}">
+                <a16:creationId xmlns:a16="http://schemas.microsoft.com/office/drawing/2014/main" id="{D6E7C8BB-969A-FB6C-52DF-7F539EB50D53}"/>
+              </a:ext>
+            </a:extLst>
+          </p:cNvPr>
+          <p:cNvGrpSpPr/>
+          <p:nvPr/>
+        </p:nvGrpSpPr>
+        <p:grpSpPr>
+          <a:xfrm>
+            <a:off x="6472731" y="4869945"/>
+            <a:ext cx="3448510" cy="606874"/>
+            <a:chOff x="6472730" y="3847760"/>
+            <a:chExt cx="3970333" cy="698705"/>
+          </a:xfrm>
+        </p:grpSpPr>
+        <p:pic>
+          <p:nvPicPr>
+            <p:cNvPr id="16" name="그림 15">
+              <a:extLst>
+                <a:ext uri="{FF2B5EF4-FFF2-40B4-BE49-F238E27FC236}">
+                  <a16:creationId xmlns:a16="http://schemas.microsoft.com/office/drawing/2014/main" id="{882FD380-4892-69A3-1E3C-014E26C75C81}"/>
+                </a:ext>
+              </a:extLst>
+            </p:cNvPr>
+            <p:cNvPicPr>
+              <a:picLocks noChangeAspect="1"/>
+            </p:cNvPicPr>
+            <p:nvPr/>
+          </p:nvPicPr>
+          <p:blipFill>
+            <a:blip r:embed="rId6"/>
+            <a:stretch>
+              <a:fillRect/>
+            </a:stretch>
+          </p:blipFill>
+          <p:spPr>
+            <a:xfrm>
+              <a:off x="6472730" y="3866549"/>
+              <a:ext cx="3970333" cy="676369"/>
+            </a:xfrm>
+            <a:prstGeom prst="rect">
+              <a:avLst/>
+            </a:prstGeom>
+          </p:spPr>
+        </p:pic>
+        <p:sp>
+          <p:nvSpPr>
+            <p:cNvPr id="24" name="직사각형 23">
+              <a:extLst>
+                <a:ext uri="{FF2B5EF4-FFF2-40B4-BE49-F238E27FC236}">
+                  <a16:creationId xmlns:a16="http://schemas.microsoft.com/office/drawing/2014/main" id="{55F5F0CA-9737-69E3-55F1-84C1DDB54089}"/>
+                </a:ext>
+              </a:extLst>
+            </p:cNvPr>
+            <p:cNvSpPr/>
+            <p:nvPr/>
+          </p:nvSpPr>
+          <p:spPr>
+            <a:xfrm>
+              <a:off x="6472730" y="3847760"/>
+              <a:ext cx="3970333" cy="175721"/>
+            </a:xfrm>
+            <a:prstGeom prst="rect">
+              <a:avLst/>
+            </a:prstGeom>
+            <a:solidFill>
+              <a:srgbClr val="00B050">
+                <a:alpha val="10000"/>
+              </a:srgbClr>
+            </a:solidFill>
+            <a:ln w="15875">
+              <a:solidFill>
+                <a:srgbClr val="00B050"/>
+              </a:solidFill>
+              <a:prstDash val="sysDash"/>
+            </a:ln>
+          </p:spPr>
+          <p:style>
+            <a:lnRef idx="2">
+              <a:schemeClr val="accent1">
+                <a:shade val="15000"/>
+              </a:schemeClr>
+            </a:lnRef>
+            <a:fillRef idx="1">
+              <a:schemeClr val="accent1"/>
+            </a:fillRef>
+            <a:effectRef idx="0">
+              <a:schemeClr val="accent1"/>
+            </a:effectRef>
+            <a:fontRef idx="minor">
+              <a:schemeClr val="lt1"/>
+            </a:fontRef>
+          </p:style>
+          <p:txBody>
+            <a:bodyPr rtlCol="0" anchor="ctr"/>
+            <a:lstStyle/>
+            <a:p>
+              <a:pPr algn="ctr"/>
+              <a:endParaRPr lang="ko-KR" altLang="en-US"/>
+            </a:p>
+          </p:txBody>
+        </p:sp>
+        <p:sp>
+          <p:nvSpPr>
+            <p:cNvPr id="25" name="직사각형 24">
+              <a:extLst>
+                <a:ext uri="{FF2B5EF4-FFF2-40B4-BE49-F238E27FC236}">
+                  <a16:creationId xmlns:a16="http://schemas.microsoft.com/office/drawing/2014/main" id="{77469E69-62C0-E1E3-2520-267AFA2BC372}"/>
+                </a:ext>
+              </a:extLst>
+            </p:cNvPr>
+            <p:cNvSpPr/>
+            <p:nvPr/>
+          </p:nvSpPr>
+          <p:spPr>
+            <a:xfrm>
+              <a:off x="6504701" y="4042272"/>
+              <a:ext cx="2629581" cy="328043"/>
+            </a:xfrm>
+            <a:prstGeom prst="rect">
+              <a:avLst/>
+            </a:prstGeom>
+            <a:solidFill>
+              <a:schemeClr val="bg1"/>
+            </a:solidFill>
+            <a:ln w="15875">
+              <a:noFill/>
+              <a:prstDash val="sysDash"/>
+            </a:ln>
+          </p:spPr>
+          <p:style>
+            <a:lnRef idx="2">
+              <a:schemeClr val="accent1">
+                <a:shade val="15000"/>
+              </a:schemeClr>
+            </a:lnRef>
+            <a:fillRef idx="1">
+              <a:schemeClr val="accent1"/>
+            </a:fillRef>
+            <a:effectRef idx="0">
+              <a:schemeClr val="accent1"/>
+            </a:effectRef>
+            <a:fontRef idx="minor">
+              <a:schemeClr val="lt1"/>
+            </a:fontRef>
+          </p:style>
+          <p:txBody>
+            <a:bodyPr rtlCol="0" anchor="ctr"/>
+            <a:lstStyle/>
+            <a:p>
+              <a:pPr algn="ctr"/>
+              <a:endParaRPr lang="ko-KR" altLang="en-US"/>
+            </a:p>
+          </p:txBody>
+        </p:sp>
+        <p:sp>
+          <p:nvSpPr>
+            <p:cNvPr id="31" name="직사각형 30">
+              <a:extLst>
+                <a:ext uri="{FF2B5EF4-FFF2-40B4-BE49-F238E27FC236}">
+                  <a16:creationId xmlns:a16="http://schemas.microsoft.com/office/drawing/2014/main" id="{4F8AC7FE-908F-F5A3-637E-2F12D73637BC}"/>
+                </a:ext>
+              </a:extLst>
+            </p:cNvPr>
+            <p:cNvSpPr/>
+            <p:nvPr/>
+          </p:nvSpPr>
+          <p:spPr>
+            <a:xfrm>
+              <a:off x="6504701" y="4407659"/>
+              <a:ext cx="2629581" cy="138806"/>
+            </a:xfrm>
+            <a:prstGeom prst="rect">
+              <a:avLst/>
+            </a:prstGeom>
+            <a:solidFill>
+              <a:schemeClr val="bg1"/>
+            </a:solidFill>
+            <a:ln w="15875">
+              <a:noFill/>
+              <a:prstDash val="sysDash"/>
+            </a:ln>
+          </p:spPr>
+          <p:style>
+            <a:lnRef idx="2">
+              <a:schemeClr val="accent1">
+                <a:shade val="15000"/>
+              </a:schemeClr>
+            </a:lnRef>
+            <a:fillRef idx="1">
+              <a:schemeClr val="accent1"/>
+            </a:fillRef>
+            <a:effectRef idx="0">
+              <a:schemeClr val="accent1"/>
+            </a:effectRef>
+            <a:fontRef idx="minor">
+              <a:schemeClr val="lt1"/>
+            </a:fontRef>
+          </p:style>
+          <p:txBody>
+            <a:bodyPr rtlCol="0" anchor="ctr"/>
+            <a:lstStyle/>
+            <a:p>
+              <a:pPr algn="ctr"/>
+              <a:endParaRPr lang="ko-KR" altLang="en-US"/>
+            </a:p>
+          </p:txBody>
+        </p:sp>
+      </p:grpSp>
       <p:sp>
         <p:nvSpPr>
-          <p:cNvPr id="53" name="직사각형 52">
+          <p:cNvPr id="41" name="자유형: 도형 40">
             <a:extLst>
               <a:ext uri="{FF2B5EF4-FFF2-40B4-BE49-F238E27FC236}">
-                <a16:creationId xmlns:a16="http://schemas.microsoft.com/office/drawing/2014/main" id="{08CAE289-4CDE-1D22-A703-FCB25303D362}"/>
+                <a16:creationId xmlns:a16="http://schemas.microsoft.com/office/drawing/2014/main" id="{B3A5BE14-5763-07A4-3E67-AB5ECA288F7C}"/>
               </a:ext>
             </a:extLst>
           </p:cNvPr>
@@ -28692,71 +28886,124 @@
         </p:nvSpPr>
         <p:spPr>
           <a:xfrm>
-            <a:off x="6504701" y="4231507"/>
-            <a:ext cx="2629581" cy="138806"/>
+            <a:off x="3783777" y="5333909"/>
+            <a:ext cx="4526443" cy="608685"/>
           </a:xfrm>
-          <a:prstGeom prst="rect">
+          <a:custGeom>
             <a:avLst/>
-          </a:prstGeom>
-          <a:solidFill>
-            <a:schemeClr val="bg1"/>
-          </a:solidFill>
-          <a:ln w="15875">
-            <a:noFill/>
-            <a:prstDash val="sysDash"/>
-          </a:ln>
-        </p:spPr>
-        <p:style>
-          <a:lnRef idx="2">
-            <a:schemeClr val="accent1">
-              <a:shade val="15000"/>
-            </a:schemeClr>
-          </a:lnRef>
-          <a:fillRef idx="1">
-            <a:schemeClr val="accent1"/>
-          </a:fillRef>
-          <a:effectRef idx="0">
-            <a:schemeClr val="accent1"/>
-          </a:effectRef>
-          <a:fontRef idx="minor">
-            <a:schemeClr val="lt1"/>
-          </a:fontRef>
-        </p:style>
-        <p:txBody>
-          <a:bodyPr rtlCol="0" anchor="ctr"/>
-          <a:lstStyle/>
-          <a:p>
-            <a:pPr algn="ctr"/>
-            <a:endParaRPr lang="ko-KR" altLang="en-US"/>
-          </a:p>
-        </p:txBody>
-      </p:sp>
-      <p:sp>
-        <p:nvSpPr>
-          <p:cNvPr id="54" name="직사각형 53">
-            <a:extLst>
-              <a:ext uri="{FF2B5EF4-FFF2-40B4-BE49-F238E27FC236}">
-                <a16:creationId xmlns:a16="http://schemas.microsoft.com/office/drawing/2014/main" id="{16337946-5C86-2D7B-058D-A7DADCC55EAE}"/>
-              </a:ext>
-            </a:extLst>
-          </p:cNvPr>
-          <p:cNvSpPr/>
-          <p:nvPr/>
-        </p:nvSpPr>
-        <p:spPr>
-          <a:xfrm>
-            <a:off x="6504701" y="4407659"/>
-            <a:ext cx="2629581" cy="138806"/>
-          </a:xfrm>
-          <a:prstGeom prst="rect">
-            <a:avLst/>
-          </a:prstGeom>
-          <a:solidFill>
-            <a:schemeClr val="bg1"/>
-          </a:solidFill>
-          <a:ln w="15875">
-            <a:noFill/>
-            <a:prstDash val="sysDash"/>
+            <a:gdLst>
+              <a:gd name="connsiteX0" fmla="*/ 4179123 w 4526443"/>
+              <a:gd name="connsiteY0" fmla="*/ 562066 h 608685"/>
+              <a:gd name="connsiteX1" fmla="*/ 311973 w 4526443"/>
+              <a:gd name="connsiteY1" fmla="*/ 533491 h 608685"/>
+              <a:gd name="connsiteX2" fmla="*/ 397698 w 4526443"/>
+              <a:gd name="connsiteY2" fmla="*/ 19141 h 608685"/>
+              <a:gd name="connsiteX3" fmla="*/ 1721673 w 4526443"/>
+              <a:gd name="connsiteY3" fmla="*/ 142966 h 608685"/>
+              <a:gd name="connsiteX4" fmla="*/ 1912173 w 4526443"/>
+              <a:gd name="connsiteY4" fmla="*/ 457291 h 608685"/>
+              <a:gd name="connsiteX5" fmla="*/ 2493198 w 4526443"/>
+              <a:gd name="connsiteY5" fmla="*/ 485866 h 608685"/>
+              <a:gd name="connsiteX6" fmla="*/ 2540823 w 4526443"/>
+              <a:gd name="connsiteY6" fmla="*/ 181066 h 608685"/>
+              <a:gd name="connsiteX7" fmla="*/ 2940873 w 4526443"/>
+              <a:gd name="connsiteY7" fmla="*/ 38191 h 608685"/>
+              <a:gd name="connsiteX8" fmla="*/ 4198173 w 4526443"/>
+              <a:gd name="connsiteY8" fmla="*/ 114391 h 608685"/>
+              <a:gd name="connsiteX9" fmla="*/ 4179123 w 4526443"/>
+              <a:gd name="connsiteY9" fmla="*/ 562066 h 608685"/>
+            </a:gdLst>
+            <a:ahLst/>
+            <a:cxnLst>
+              <a:cxn ang="0">
+                <a:pos x="connsiteX0" y="connsiteY0"/>
+              </a:cxn>
+              <a:cxn ang="0">
+                <a:pos x="connsiteX1" y="connsiteY1"/>
+              </a:cxn>
+              <a:cxn ang="0">
+                <a:pos x="connsiteX2" y="connsiteY2"/>
+              </a:cxn>
+              <a:cxn ang="0">
+                <a:pos x="connsiteX3" y="connsiteY3"/>
+              </a:cxn>
+              <a:cxn ang="0">
+                <a:pos x="connsiteX4" y="connsiteY4"/>
+              </a:cxn>
+              <a:cxn ang="0">
+                <a:pos x="connsiteX5" y="connsiteY5"/>
+              </a:cxn>
+              <a:cxn ang="0">
+                <a:pos x="connsiteX6" y="connsiteY6"/>
+              </a:cxn>
+              <a:cxn ang="0">
+                <a:pos x="connsiteX7" y="connsiteY7"/>
+              </a:cxn>
+              <a:cxn ang="0">
+                <a:pos x="connsiteX8" y="connsiteY8"/>
+              </a:cxn>
+              <a:cxn ang="0">
+                <a:pos x="connsiteX9" y="connsiteY9"/>
+              </a:cxn>
+            </a:cxnLst>
+            <a:rect l="l" t="t" r="r" b="b"/>
+            <a:pathLst>
+              <a:path w="4526443" h="608685">
+                <a:moveTo>
+                  <a:pt x="4179123" y="562066"/>
+                </a:moveTo>
+                <a:cubicBezTo>
+                  <a:pt x="3531423" y="631916"/>
+                  <a:pt x="942210" y="623978"/>
+                  <a:pt x="311973" y="533491"/>
+                </a:cubicBezTo>
+                <a:cubicBezTo>
+                  <a:pt x="-318264" y="443004"/>
+                  <a:pt x="162748" y="84228"/>
+                  <a:pt x="397698" y="19141"/>
+                </a:cubicBezTo>
+                <a:cubicBezTo>
+                  <a:pt x="632648" y="-45946"/>
+                  <a:pt x="1469260" y="69941"/>
+                  <a:pt x="1721673" y="142966"/>
+                </a:cubicBezTo>
+                <a:cubicBezTo>
+                  <a:pt x="1974085" y="215991"/>
+                  <a:pt x="1783586" y="400141"/>
+                  <a:pt x="1912173" y="457291"/>
+                </a:cubicBezTo>
+                <a:cubicBezTo>
+                  <a:pt x="2040760" y="514441"/>
+                  <a:pt x="2388423" y="531903"/>
+                  <a:pt x="2493198" y="485866"/>
+                </a:cubicBezTo>
+                <a:cubicBezTo>
+                  <a:pt x="2597973" y="439828"/>
+                  <a:pt x="2466211" y="255678"/>
+                  <a:pt x="2540823" y="181066"/>
+                </a:cubicBezTo>
+                <a:cubicBezTo>
+                  <a:pt x="2615435" y="106454"/>
+                  <a:pt x="2664648" y="49303"/>
+                  <a:pt x="2940873" y="38191"/>
+                </a:cubicBezTo>
+                <a:cubicBezTo>
+                  <a:pt x="3217098" y="27079"/>
+                  <a:pt x="3987036" y="31841"/>
+                  <a:pt x="4198173" y="114391"/>
+                </a:cubicBezTo>
+                <a:cubicBezTo>
+                  <a:pt x="4409310" y="196941"/>
+                  <a:pt x="4826823" y="492216"/>
+                  <a:pt x="4179123" y="562066"/>
+                </a:cubicBezTo>
+                <a:close/>
+              </a:path>
+            </a:pathLst>
+          </a:custGeom>
+          <a:noFill/>
+          <a:ln>
+            <a:prstDash val="dash"/>
           </a:ln>
         </p:spPr>
         <p:style>
@@ -30817,6 +31064,66 @@
     <p:extLst>
       <p:ext uri="{BB962C8B-B14F-4D97-AF65-F5344CB8AC3E}">
         <p14:creationId xmlns:p14="http://schemas.microsoft.com/office/powerpoint/2010/main" val="1949963175"/>
+      </p:ext>
+    </p:extLst>
+  </p:cSld>
+  <p:clrMapOvr>
+    <a:masterClrMapping/>
+  </p:clrMapOvr>
+</p:sld>
+</file>
+
+<file path=ppt/slides/slide28.xml><?xml version="1.0" encoding="utf-8"?>
+<p:sld xmlns:a="http://schemas.openxmlformats.org/drawingml/2006/main" xmlns:r="http://schemas.openxmlformats.org/officeDocument/2006/relationships" xmlns:p="http://schemas.openxmlformats.org/presentationml/2006/main">
+  <p:cSld>
+    <p:spTree>
+      <p:nvGrpSpPr>
+        <p:cNvPr id="1" name=""/>
+        <p:cNvGrpSpPr/>
+        <p:nvPr/>
+      </p:nvGrpSpPr>
+      <p:grpSpPr>
+        <a:xfrm>
+          <a:off x="0" y="0"/>
+          <a:ext cx="0" cy="0"/>
+          <a:chOff x="0" y="0"/>
+          <a:chExt cx="0" cy="0"/>
+        </a:xfrm>
+      </p:grpSpPr>
+      <p:pic>
+        <p:nvPicPr>
+          <p:cNvPr id="7" name="그림 6">
+            <a:extLst>
+              <a:ext uri="{FF2B5EF4-FFF2-40B4-BE49-F238E27FC236}">
+                <a16:creationId xmlns:a16="http://schemas.microsoft.com/office/drawing/2014/main" id="{015885C4-1C13-B662-E9E0-09CFDCADD785}"/>
+              </a:ext>
+            </a:extLst>
+          </p:cNvPr>
+          <p:cNvPicPr>
+            <a:picLocks noChangeAspect="1"/>
+          </p:cNvPicPr>
+          <p:nvPr/>
+        </p:nvPicPr>
+        <p:blipFill>
+          <a:blip r:embed="rId2"/>
+          <a:stretch>
+            <a:fillRect/>
+          </a:stretch>
+        </p:blipFill>
+        <p:spPr>
+          <a:xfrm>
+            <a:off x="1409700" y="727464"/>
+            <a:ext cx="9372600" cy="5612622"/>
+          </a:xfrm>
+          <a:prstGeom prst="rect">
+            <a:avLst/>
+          </a:prstGeom>
+        </p:spPr>
+      </p:pic>
+    </p:spTree>
+    <p:extLst>
+      <p:ext uri="{BB962C8B-B14F-4D97-AF65-F5344CB8AC3E}">
+        <p14:creationId xmlns:p14="http://schemas.microsoft.com/office/powerpoint/2010/main" val="1663510607"/>
       </p:ext>
     </p:extLst>
   </p:cSld>

--- a/etc/_팀교육/플랜트건축설계팀_BIM 팀 교육자료(2024).pptx
+++ b/etc/_팀교육/플랜트건축설계팀_BIM 팀 교육자료(2024).pptx
@@ -5,7 +5,7 @@
     <p:sldMasterId id="2147483648" r:id="rId4"/>
   </p:sldMasterIdLst>
   <p:notesMasterIdLst>
-    <p:notesMasterId r:id="rId33"/>
+    <p:notesMasterId r:id="rId34"/>
   </p:notesMasterIdLst>
   <p:sldIdLst>
     <p:sldId id="356" r:id="rId5"/>
@@ -25,17 +25,18 @@
     <p:sldId id="383" r:id="rId19"/>
     <p:sldId id="384" r:id="rId20"/>
     <p:sldId id="386" r:id="rId21"/>
-    <p:sldId id="369" r:id="rId22"/>
-    <p:sldId id="370" r:id="rId23"/>
-    <p:sldId id="373" r:id="rId24"/>
-    <p:sldId id="382" r:id="rId25"/>
-    <p:sldId id="387" r:id="rId26"/>
-    <p:sldId id="374" r:id="rId27"/>
-    <p:sldId id="378" r:id="rId28"/>
-    <p:sldId id="388" r:id="rId29"/>
-    <p:sldId id="379" r:id="rId30"/>
-    <p:sldId id="380" r:id="rId31"/>
-    <p:sldId id="389" r:id="rId32"/>
+    <p:sldId id="390" r:id="rId22"/>
+    <p:sldId id="369" r:id="rId23"/>
+    <p:sldId id="370" r:id="rId24"/>
+    <p:sldId id="373" r:id="rId25"/>
+    <p:sldId id="382" r:id="rId26"/>
+    <p:sldId id="387" r:id="rId27"/>
+    <p:sldId id="374" r:id="rId28"/>
+    <p:sldId id="378" r:id="rId29"/>
+    <p:sldId id="388" r:id="rId30"/>
+    <p:sldId id="379" r:id="rId31"/>
+    <p:sldId id="380" r:id="rId32"/>
+    <p:sldId id="389" r:id="rId33"/>
   </p:sldIdLst>
   <p:sldSz cx="12192000" cy="6858000"/>
   <p:notesSz cx="6858000" cy="9144000"/>
@@ -156,6 +157,7 @@
             <p14:sldId id="383"/>
             <p14:sldId id="384"/>
             <p14:sldId id="386"/>
+            <p14:sldId id="390"/>
             <p14:sldId id="369"/>
             <p14:sldId id="370"/>
             <p14:sldId id="373"/>
@@ -264,7 +266,7 @@
           <a:p>
             <a:fld id="{7A051C67-A29D-4784-80AB-75E6BD6E7D84}" type="datetimeFigureOut">
               <a:rPr lang="ko-KR" altLang="en-US" smtClean="0"/>
-              <a:t>2024-02-01</a:t>
+              <a:t>2024-02-05</a:t>
             </a:fld>
             <a:endParaRPr lang="ko-KR" altLang="en-US"/>
           </a:p>
@@ -1616,7 +1618,13 @@
   <p:cSld>
     <p:spTree>
       <p:nvGrpSpPr>
-        <p:cNvPr id="1" name=""/>
+        <p:cNvPr id="1" name="">
+          <a:extLst>
+            <a:ext uri="{FF2B5EF4-FFF2-40B4-BE49-F238E27FC236}">
+              <a16:creationId xmlns:a16="http://schemas.microsoft.com/office/drawing/2014/main" id="{2F504F40-423B-8147-4748-94536BD4C815}"/>
+            </a:ext>
+          </a:extLst>
+        </p:cNvPr>
         <p:cNvGrpSpPr/>
         <p:nvPr/>
       </p:nvGrpSpPr>
@@ -1630,7 +1638,13 @@
       </p:grpSpPr>
       <p:sp>
         <p:nvSpPr>
-          <p:cNvPr id="2" name="슬라이드 이미지 개체 틀 1"/>
+          <p:cNvPr id="2" name="슬라이드 이미지 개체 틀 1">
+            <a:extLst>
+              <a:ext uri="{FF2B5EF4-FFF2-40B4-BE49-F238E27FC236}">
+                <a16:creationId xmlns:a16="http://schemas.microsoft.com/office/drawing/2014/main" id="{AC86CCF5-43BE-C2BB-B8B1-8C05D1707EF2}"/>
+              </a:ext>
+            </a:extLst>
+          </p:cNvPr>
           <p:cNvSpPr>
             <a:spLocks noGrp="1" noRot="1" noChangeAspect="1"/>
           </p:cNvSpPr>
@@ -1647,7 +1661,13 @@
       </p:sp>
       <p:sp>
         <p:nvSpPr>
-          <p:cNvPr id="3" name="슬라이드 노트 개체 틀 2"/>
+          <p:cNvPr id="3" name="슬라이드 노트 개체 틀 2">
+            <a:extLst>
+              <a:ext uri="{FF2B5EF4-FFF2-40B4-BE49-F238E27FC236}">
+                <a16:creationId xmlns:a16="http://schemas.microsoft.com/office/drawing/2014/main" id="{1C89C749-F625-D2E0-1474-48191F255C12}"/>
+              </a:ext>
+            </a:extLst>
+          </p:cNvPr>
           <p:cNvSpPr>
             <a:spLocks noGrp="1"/>
           </p:cNvSpPr>
@@ -1931,7 +1951,13 @@
       </p:sp>
       <p:sp>
         <p:nvSpPr>
-          <p:cNvPr id="4" name="슬라이드 번호 개체 틀 3"/>
+          <p:cNvPr id="4" name="슬라이드 번호 개체 틀 3">
+            <a:extLst>
+              <a:ext uri="{FF2B5EF4-FFF2-40B4-BE49-F238E27FC236}">
+                <a16:creationId xmlns:a16="http://schemas.microsoft.com/office/drawing/2014/main" id="{187AAAD2-5ADE-2624-B40B-E4DA52553BFA}"/>
+              </a:ext>
+            </a:extLst>
+          </p:cNvPr>
           <p:cNvSpPr>
             <a:spLocks noGrp="1"/>
           </p:cNvSpPr>
@@ -1952,7 +1978,7 @@
               <a:pPr>
                 <a:defRPr/>
               </a:pPr>
-              <a:t>19</a:t>
+              <a:t>18</a:t>
             </a:fld>
             <a:endParaRPr lang="ko-KR" altLang="en-US"/>
           </a:p>
@@ -1961,7 +1987,7 @@
     </p:spTree>
     <p:extLst>
       <p:ext uri="{BB962C8B-B14F-4D97-AF65-F5344CB8AC3E}">
-        <p14:creationId xmlns:p14="http://schemas.microsoft.com/office/powerpoint/2010/main" val="1453188628"/>
+        <p14:creationId xmlns:p14="http://schemas.microsoft.com/office/powerpoint/2010/main" val="138595373"/>
       </p:ext>
     </p:extLst>
   </p:cSld>
@@ -2321,7 +2347,7 @@
     </p:spTree>
     <p:extLst>
       <p:ext uri="{BB962C8B-B14F-4D97-AF65-F5344CB8AC3E}">
-        <p14:creationId xmlns:p14="http://schemas.microsoft.com/office/powerpoint/2010/main" val="2466436438"/>
+        <p14:creationId xmlns:p14="http://schemas.microsoft.com/office/powerpoint/2010/main" val="1453188628"/>
       </p:ext>
     </p:extLst>
   </p:cSld>
@@ -2681,7 +2707,7 @@
     </p:spTree>
     <p:extLst>
       <p:ext uri="{BB962C8B-B14F-4D97-AF65-F5344CB8AC3E}">
-        <p14:creationId xmlns:p14="http://schemas.microsoft.com/office/powerpoint/2010/main" val="811039516"/>
+        <p14:creationId xmlns:p14="http://schemas.microsoft.com/office/powerpoint/2010/main" val="2466436438"/>
       </p:ext>
     </p:extLst>
   </p:cSld>
@@ -3041,7 +3067,7 @@
     </p:spTree>
     <p:extLst>
       <p:ext uri="{BB962C8B-B14F-4D97-AF65-F5344CB8AC3E}">
-        <p14:creationId xmlns:p14="http://schemas.microsoft.com/office/powerpoint/2010/main" val="3869576287"/>
+        <p14:creationId xmlns:p14="http://schemas.microsoft.com/office/powerpoint/2010/main" val="811039516"/>
       </p:ext>
     </p:extLst>
   </p:cSld>
@@ -3401,7 +3427,7 @@
     </p:spTree>
     <p:extLst>
       <p:ext uri="{BB962C8B-B14F-4D97-AF65-F5344CB8AC3E}">
-        <p14:creationId xmlns:p14="http://schemas.microsoft.com/office/powerpoint/2010/main" val="1457799262"/>
+        <p14:creationId xmlns:p14="http://schemas.microsoft.com/office/powerpoint/2010/main" val="3869576287"/>
       </p:ext>
     </p:extLst>
   </p:cSld>
@@ -3761,7 +3787,7 @@
     </p:spTree>
     <p:extLst>
       <p:ext uri="{BB962C8B-B14F-4D97-AF65-F5344CB8AC3E}">
-        <p14:creationId xmlns:p14="http://schemas.microsoft.com/office/powerpoint/2010/main" val="299921569"/>
+        <p14:creationId xmlns:p14="http://schemas.microsoft.com/office/powerpoint/2010/main" val="1457799262"/>
       </p:ext>
     </p:extLst>
   </p:cSld>
@@ -4121,7 +4147,7 @@
     </p:spTree>
     <p:extLst>
       <p:ext uri="{BB962C8B-B14F-4D97-AF65-F5344CB8AC3E}">
-        <p14:creationId xmlns:p14="http://schemas.microsoft.com/office/powerpoint/2010/main" val="867500872"/>
+        <p14:creationId xmlns:p14="http://schemas.microsoft.com/office/powerpoint/2010/main" val="299921569"/>
       </p:ext>
     </p:extLst>
   </p:cSld>
@@ -4481,7 +4507,7 @@
     </p:spTree>
     <p:extLst>
       <p:ext uri="{BB962C8B-B14F-4D97-AF65-F5344CB8AC3E}">
-        <p14:creationId xmlns:p14="http://schemas.microsoft.com/office/powerpoint/2010/main" val="3468157977"/>
+        <p14:creationId xmlns:p14="http://schemas.microsoft.com/office/powerpoint/2010/main" val="867500872"/>
       </p:ext>
     </p:extLst>
   </p:cSld>
@@ -5201,6 +5227,366 @@
     </p:spTree>
     <p:extLst>
       <p:ext uri="{BB962C8B-B14F-4D97-AF65-F5344CB8AC3E}">
+        <p14:creationId xmlns:p14="http://schemas.microsoft.com/office/powerpoint/2010/main" val="3468157977"/>
+      </p:ext>
+    </p:extLst>
+  </p:cSld>
+  <p:clrMapOvr>
+    <a:masterClrMapping/>
+  </p:clrMapOvr>
+</p:notes>
+</file>
+
+<file path=ppt/notesSlides/notesSlide21.xml><?xml version="1.0" encoding="utf-8"?>
+<p:notes xmlns:a="http://schemas.openxmlformats.org/drawingml/2006/main" xmlns:r="http://schemas.openxmlformats.org/officeDocument/2006/relationships" xmlns:p="http://schemas.openxmlformats.org/presentationml/2006/main">
+  <p:cSld>
+    <p:spTree>
+      <p:nvGrpSpPr>
+        <p:cNvPr id="1" name=""/>
+        <p:cNvGrpSpPr/>
+        <p:nvPr/>
+      </p:nvGrpSpPr>
+      <p:grpSpPr>
+        <a:xfrm>
+          <a:off x="0" y="0"/>
+          <a:ext cx="0" cy="0"/>
+          <a:chOff x="0" y="0"/>
+          <a:chExt cx="0" cy="0"/>
+        </a:xfrm>
+      </p:grpSpPr>
+      <p:sp>
+        <p:nvSpPr>
+          <p:cNvPr id="2" name="슬라이드 이미지 개체 틀 1"/>
+          <p:cNvSpPr>
+            <a:spLocks noGrp="1" noRot="1" noChangeAspect="1"/>
+          </p:cNvSpPr>
+          <p:nvPr>
+            <p:ph type="sldImg"/>
+          </p:nvPr>
+        </p:nvSpPr>
+        <p:spPr>
+          <a:xfrm>
+            <a:off x="685800" y="1143000"/>
+            <a:ext cx="5486400" cy="3086100"/>
+          </a:xfrm>
+        </p:spPr>
+      </p:sp>
+      <p:sp>
+        <p:nvSpPr>
+          <p:cNvPr id="3" name="슬라이드 노트 개체 틀 2"/>
+          <p:cNvSpPr>
+            <a:spLocks noGrp="1"/>
+          </p:cNvSpPr>
+          <p:nvPr>
+            <p:ph type="body" idx="1"/>
+          </p:nvPr>
+        </p:nvSpPr>
+        <p:spPr>
+          <a:xfrm>
+            <a:off x="673100" y="4748213"/>
+            <a:ext cx="5389563" cy="3884612"/>
+          </a:xfrm>
+          <a:prstGeom prst="rect">
+            <a:avLst/>
+          </a:prstGeom>
+        </p:spPr>
+        <p:txBody>
+          <a:bodyPr/>
+          <a:lstStyle/>
+          <a:p>
+            <a:r>
+              <a:rPr lang="en-US" altLang="ko-KR" dirty="0"/>
+              <a:t>0. </a:t>
+            </a:r>
+            <a:r>
+              <a:rPr lang="ko-KR" altLang="en-US" dirty="0"/>
+              <a:t>작성자 </a:t>
+            </a:r>
+            <a:r>
+              <a:rPr lang="en-US" altLang="ko-KR" dirty="0"/>
+              <a:t>: </a:t>
+            </a:r>
+            <a:r>
+              <a:rPr lang="ko-KR" altLang="en-US" dirty="0" err="1"/>
+              <a:t>김청산</a:t>
+            </a:r>
+            <a:endParaRPr lang="en-US" altLang="ko-KR" dirty="0"/>
+          </a:p>
+          <a:p>
+            <a:r>
+              <a:rPr lang="en-US" altLang="ko-KR" dirty="0"/>
+              <a:t>1.</a:t>
+            </a:r>
+            <a:r>
+              <a:rPr lang="en-US" altLang="ko-KR" baseline="0" dirty="0"/>
+              <a:t> </a:t>
+            </a:r>
+            <a:r>
+              <a:rPr lang="ko-KR" altLang="en-US" dirty="0"/>
+              <a:t>건물 </a:t>
+            </a:r>
+            <a:r>
+              <a:rPr lang="en-US" altLang="ko-KR" dirty="0"/>
+              <a:t>: FIRE</a:t>
+            </a:r>
+            <a:r>
+              <a:rPr lang="en-US" altLang="ko-KR" baseline="0" dirty="0"/>
+              <a:t> FIGHTING PUMP HOUSE</a:t>
+            </a:r>
+          </a:p>
+          <a:p>
+            <a:r>
+              <a:rPr lang="en-US" altLang="ko-KR" baseline="0" dirty="0"/>
+              <a:t>2. </a:t>
+            </a:r>
+            <a:r>
+              <a:rPr lang="ko-KR" altLang="en-US" baseline="0" dirty="0"/>
+              <a:t>평면상 위치</a:t>
+            </a:r>
+            <a:r>
+              <a:rPr lang="en-US" altLang="ko-KR" baseline="0" dirty="0"/>
+              <a:t>(GRID)</a:t>
+            </a:r>
+            <a:r>
+              <a:rPr lang="ko-KR" altLang="en-US" baseline="0" dirty="0"/>
+              <a:t> </a:t>
+            </a:r>
+            <a:r>
+              <a:rPr lang="en-US" altLang="ko-KR" baseline="0" dirty="0"/>
+              <a:t>: N/A</a:t>
+            </a:r>
+          </a:p>
+          <a:p>
+            <a:r>
+              <a:rPr lang="en-US" altLang="ko-KR" baseline="0" dirty="0"/>
+              <a:t>3. </a:t>
+            </a:r>
+            <a:r>
+              <a:rPr lang="ko-KR" altLang="en-US" baseline="0" dirty="0" err="1"/>
+              <a:t>참조뷰</a:t>
+            </a:r>
+            <a:r>
+              <a:rPr lang="ko-KR" altLang="en-US" baseline="0" dirty="0"/>
+              <a:t> </a:t>
+            </a:r>
+            <a:r>
+              <a:rPr lang="en-US" altLang="ko-KR" baseline="0" dirty="0"/>
+              <a:t>: Revit </a:t>
+            </a:r>
+            <a:r>
+              <a:rPr lang="ko-KR" altLang="en-US" baseline="0" dirty="0"/>
+              <a:t>프로젝트파일에 해당 </a:t>
+            </a:r>
+            <a:r>
+              <a:rPr lang="en-US" altLang="ko-KR" baseline="0" dirty="0"/>
+              <a:t>Family</a:t>
+            </a:r>
+            <a:r>
+              <a:rPr lang="ko-KR" altLang="en-US" baseline="0" dirty="0"/>
+              <a:t>를 제작</a:t>
+            </a:r>
+            <a:r>
+              <a:rPr lang="en-US" altLang="ko-KR" baseline="0" dirty="0"/>
+              <a:t>Steel Family </a:t>
+            </a:r>
+            <a:r>
+              <a:rPr lang="ko-KR" altLang="en-US" baseline="0" dirty="0"/>
+              <a:t>복제에 사용된 </a:t>
+            </a:r>
+            <a:r>
+              <a:rPr lang="en-US" altLang="ko-KR" baseline="0" dirty="0"/>
+              <a:t>Dynamo </a:t>
+            </a:r>
+            <a:r>
+              <a:rPr lang="ko-KR" altLang="en-US" baseline="0" dirty="0"/>
+              <a:t>및 </a:t>
+            </a:r>
+            <a:r>
+              <a:rPr lang="en-US" altLang="ko-KR" baseline="0" dirty="0"/>
+              <a:t>excel </a:t>
+            </a:r>
+            <a:r>
+              <a:rPr lang="ko-KR" altLang="en-US" baseline="0" dirty="0"/>
+              <a:t>파일</a:t>
+            </a:r>
+            <a:r>
+              <a:rPr lang="en-US" altLang="ko-KR" baseline="0" dirty="0"/>
+              <a:t>, Family file</a:t>
+            </a:r>
+            <a:r>
+              <a:rPr lang="ko-KR" altLang="en-US" baseline="0" dirty="0"/>
+              <a:t> 첨부하였습니다</a:t>
+            </a:r>
+            <a:r>
+              <a:rPr lang="en-US" altLang="ko-KR" baseline="0" dirty="0"/>
+              <a:t>.</a:t>
+            </a:r>
+          </a:p>
+          <a:p>
+            <a:r>
+              <a:rPr lang="en-US" altLang="ko-KR" baseline="0" dirty="0"/>
+              <a:t>4. </a:t>
+            </a:r>
+            <a:r>
+              <a:rPr lang="ko-KR" altLang="en-US" baseline="0" dirty="0"/>
+              <a:t>부연설명</a:t>
+            </a:r>
+            <a:endParaRPr lang="en-US" altLang="ko-KR" baseline="0" dirty="0"/>
+          </a:p>
+          <a:p>
+            <a:r>
+              <a:rPr lang="en-US" altLang="ko-KR" baseline="0" dirty="0"/>
+              <a:t> </a:t>
+            </a:r>
+            <a:r>
+              <a:rPr lang="ko-KR" altLang="en-US" baseline="0" dirty="0"/>
+              <a:t>해당 질문의 요지는</a:t>
+            </a:r>
+            <a:r>
+              <a:rPr lang="en-US" altLang="ko-KR" baseline="0" dirty="0"/>
+              <a:t> </a:t>
+            </a:r>
+            <a:r>
+              <a:rPr lang="ko-KR" altLang="en-US" baseline="0" dirty="0"/>
+              <a:t>국가별 </a:t>
+            </a:r>
+            <a:r>
+              <a:rPr lang="en-US" altLang="ko-KR" baseline="0" dirty="0"/>
+              <a:t>Steel Member Family</a:t>
+            </a:r>
+            <a:r>
+              <a:rPr lang="ko-KR" altLang="en-US" baseline="0" dirty="0"/>
+              <a:t>를 제작하여 사용하기 위함입니다</a:t>
+            </a:r>
+            <a:r>
+              <a:rPr lang="en-US" altLang="ko-KR" baseline="0" dirty="0"/>
+              <a:t>.</a:t>
+            </a:r>
+          </a:p>
+          <a:p>
+            <a:r>
+              <a:rPr lang="en-US" altLang="ko-KR" baseline="0" dirty="0"/>
+              <a:t> Revit</a:t>
+            </a:r>
+            <a:r>
+              <a:rPr lang="ko-KR" altLang="en-US" baseline="0" dirty="0"/>
+              <a:t>에서 제공하는 </a:t>
+            </a:r>
+            <a:r>
+              <a:rPr lang="en-US" altLang="ko-KR" baseline="0" dirty="0"/>
+              <a:t>Universal Beam &amp; Column Family </a:t>
+            </a:r>
+            <a:r>
+              <a:rPr lang="ko-KR" altLang="en-US" baseline="0" dirty="0"/>
+              <a:t>외 필요한 정보만 사용하여 </a:t>
+            </a:r>
+            <a:r>
+              <a:rPr lang="en-US" altLang="ko-KR" baseline="0" dirty="0"/>
+              <a:t>Family</a:t>
+            </a:r>
+            <a:r>
+              <a:rPr lang="ko-KR" altLang="en-US" baseline="0" dirty="0"/>
+              <a:t>를 제작하여 사용하고자 했으나</a:t>
+            </a:r>
+            <a:r>
+              <a:rPr lang="en-US" altLang="ko-KR" baseline="0" dirty="0"/>
+              <a:t>, connection </a:t>
+            </a:r>
+            <a:r>
+              <a:rPr lang="ko-KR" altLang="en-US" baseline="0" dirty="0"/>
+              <a:t>에서 오류가 발생하였습니다</a:t>
+            </a:r>
+            <a:r>
+              <a:rPr lang="en-US" altLang="ko-KR" baseline="0" dirty="0"/>
+              <a:t>.</a:t>
+            </a:r>
+          </a:p>
+          <a:p>
+            <a:r>
+              <a:rPr lang="en-US" altLang="ko-KR" baseline="0" dirty="0"/>
+              <a:t> Steel Connection </a:t>
+            </a:r>
+            <a:r>
+              <a:rPr lang="ko-KR" altLang="en-US" baseline="0" dirty="0"/>
+              <a:t>및 </a:t>
+            </a:r>
+            <a:r>
+              <a:rPr lang="en-US" altLang="ko-KR" baseline="0" dirty="0"/>
+              <a:t>Steel Family </a:t>
+            </a:r>
+            <a:r>
+              <a:rPr lang="ko-KR" altLang="en-US" baseline="0" dirty="0"/>
+              <a:t>제작 관련 교육을 요청하는 내용입니다</a:t>
+            </a:r>
+            <a:r>
+              <a:rPr lang="en-US" altLang="ko-KR" baseline="0" dirty="0"/>
+              <a:t>.</a:t>
+            </a:r>
+          </a:p>
+          <a:p>
+            <a:endParaRPr lang="en-US" altLang="ko-KR" dirty="0"/>
+          </a:p>
+          <a:p>
+            <a:r>
+              <a:rPr lang="ko-KR" altLang="en-US" dirty="0"/>
+              <a:t>해결방안 </a:t>
+            </a:r>
+            <a:r>
+              <a:rPr lang="en-US" altLang="ko-KR" dirty="0"/>
+              <a:t>: </a:t>
+            </a:r>
+            <a:r>
+              <a:rPr lang="ko-KR" altLang="en-US" dirty="0"/>
+              <a:t>기존 패밀리를 수정 </a:t>
+            </a:r>
+            <a:r>
+              <a:rPr lang="en-US" altLang="ko-KR" dirty="0"/>
+              <a:t>(</a:t>
+            </a:r>
+            <a:r>
+              <a:rPr lang="ko-KR" altLang="en-US" dirty="0" err="1"/>
+              <a:t>신규생성</a:t>
+            </a:r>
+            <a:r>
+              <a:rPr lang="en-US" altLang="ko-KR" dirty="0"/>
+              <a:t>X)</a:t>
+            </a:r>
+            <a:endParaRPr lang="ko-KR" altLang="en-US" dirty="0"/>
+          </a:p>
+        </p:txBody>
+      </p:sp>
+      <p:sp>
+        <p:nvSpPr>
+          <p:cNvPr id="4" name="슬라이드 번호 개체 틀 3"/>
+          <p:cNvSpPr>
+            <a:spLocks noGrp="1"/>
+          </p:cNvSpPr>
+          <p:nvPr>
+            <p:ph type="sldNum" sz="quarter" idx="10"/>
+          </p:nvPr>
+        </p:nvSpPr>
+        <p:spPr/>
+        <p:txBody>
+          <a:bodyPr/>
+          <a:lstStyle/>
+          <a:p>
+            <a:pPr>
+              <a:defRPr/>
+            </a:pPr>
+            <a:fld id="{8092176F-0855-447C-AFC3-AE19EC7A4380}" type="slidenum">
+              <a:rPr lang="ko-KR" altLang="en-US" smtClean="0"/>
+              <a:pPr>
+                <a:defRPr/>
+              </a:pPr>
+              <a:t>28</a:t>
+            </a:fld>
+            <a:endParaRPr lang="ko-KR" altLang="en-US"/>
+          </a:p>
+        </p:txBody>
+      </p:sp>
+    </p:spTree>
+    <p:extLst>
+      <p:ext uri="{BB962C8B-B14F-4D97-AF65-F5344CB8AC3E}">
         <p14:creationId xmlns:p14="http://schemas.microsoft.com/office/powerpoint/2010/main" val="3053297532"/>
       </p:ext>
     </p:extLst>
@@ -7860,7 +8246,7 @@
           <a:p>
             <a:fld id="{35A32851-9663-46D8-AEC4-64DFD4E932B5}" type="datetimeFigureOut">
               <a:rPr lang="ko-KR" altLang="en-US" smtClean="0"/>
-              <a:t>2024-02-01</a:t>
+              <a:t>2024-02-05</a:t>
             </a:fld>
             <a:endParaRPr lang="ko-KR" altLang="en-US"/>
           </a:p>
@@ -8028,7 +8414,7 @@
           <a:p>
             <a:fld id="{35A32851-9663-46D8-AEC4-64DFD4E932B5}" type="datetimeFigureOut">
               <a:rPr lang="ko-KR" altLang="en-US" smtClean="0"/>
-              <a:t>2024-02-01</a:t>
+              <a:t>2024-02-05</a:t>
             </a:fld>
             <a:endParaRPr lang="ko-KR" altLang="en-US"/>
           </a:p>
@@ -8206,7 +8592,7 @@
           <a:p>
             <a:fld id="{35A32851-9663-46D8-AEC4-64DFD4E932B5}" type="datetimeFigureOut">
               <a:rPr lang="ko-KR" altLang="en-US" smtClean="0"/>
-              <a:t>2024-02-01</a:t>
+              <a:t>2024-02-05</a:t>
             </a:fld>
             <a:endParaRPr lang="ko-KR" altLang="en-US"/>
           </a:p>
@@ -8569,7 +8955,7 @@
           <a:p>
             <a:fld id="{35A32851-9663-46D8-AEC4-64DFD4E932B5}" type="datetimeFigureOut">
               <a:rPr lang="ko-KR" altLang="en-US" smtClean="0"/>
-              <a:t>2024-02-01</a:t>
+              <a:t>2024-02-05</a:t>
             </a:fld>
             <a:endParaRPr lang="ko-KR" altLang="en-US"/>
           </a:p>
@@ -8814,7 +9200,7 @@
           <a:p>
             <a:fld id="{35A32851-9663-46D8-AEC4-64DFD4E932B5}" type="datetimeFigureOut">
               <a:rPr lang="ko-KR" altLang="en-US" smtClean="0"/>
-              <a:t>2024-02-01</a:t>
+              <a:t>2024-02-05</a:t>
             </a:fld>
             <a:endParaRPr lang="ko-KR" altLang="en-US"/>
           </a:p>
@@ -9043,7 +9429,7 @@
           <a:p>
             <a:fld id="{35A32851-9663-46D8-AEC4-64DFD4E932B5}" type="datetimeFigureOut">
               <a:rPr lang="ko-KR" altLang="en-US" smtClean="0"/>
-              <a:t>2024-02-01</a:t>
+              <a:t>2024-02-05</a:t>
             </a:fld>
             <a:endParaRPr lang="ko-KR" altLang="en-US"/>
           </a:p>
@@ -9407,7 +9793,7 @@
           <a:p>
             <a:fld id="{35A32851-9663-46D8-AEC4-64DFD4E932B5}" type="datetimeFigureOut">
               <a:rPr lang="ko-KR" altLang="en-US" smtClean="0"/>
-              <a:t>2024-02-01</a:t>
+              <a:t>2024-02-05</a:t>
             </a:fld>
             <a:endParaRPr lang="ko-KR" altLang="en-US"/>
           </a:p>
@@ -9524,7 +9910,7 @@
           <a:p>
             <a:fld id="{35A32851-9663-46D8-AEC4-64DFD4E932B5}" type="datetimeFigureOut">
               <a:rPr lang="ko-KR" altLang="en-US" smtClean="0"/>
-              <a:t>2024-02-01</a:t>
+              <a:t>2024-02-05</a:t>
             </a:fld>
             <a:endParaRPr lang="ko-KR" altLang="en-US"/>
           </a:p>
@@ -9619,7 +10005,7 @@
           <a:p>
             <a:fld id="{35A32851-9663-46D8-AEC4-64DFD4E932B5}" type="datetimeFigureOut">
               <a:rPr lang="ko-KR" altLang="en-US" smtClean="0"/>
-              <a:t>2024-02-01</a:t>
+              <a:t>2024-02-05</a:t>
             </a:fld>
             <a:endParaRPr lang="ko-KR" altLang="en-US"/>
           </a:p>
@@ -9894,7 +10280,7 @@
           <a:p>
             <a:fld id="{35A32851-9663-46D8-AEC4-64DFD4E932B5}" type="datetimeFigureOut">
               <a:rPr lang="ko-KR" altLang="en-US" smtClean="0"/>
-              <a:t>2024-02-01</a:t>
+              <a:t>2024-02-05</a:t>
             </a:fld>
             <a:endParaRPr lang="ko-KR" altLang="en-US"/>
           </a:p>
@@ -10146,7 +10532,7 @@
           <a:p>
             <a:fld id="{35A32851-9663-46D8-AEC4-64DFD4E932B5}" type="datetimeFigureOut">
               <a:rPr lang="ko-KR" altLang="en-US" smtClean="0"/>
-              <a:t>2024-02-01</a:t>
+              <a:t>2024-02-05</a:t>
             </a:fld>
             <a:endParaRPr lang="ko-KR" altLang="en-US"/>
           </a:p>
@@ -10357,7 +10743,7 @@
           <a:p>
             <a:fld id="{35A32851-9663-46D8-AEC4-64DFD4E932B5}" type="datetimeFigureOut">
               <a:rPr lang="ko-KR" altLang="en-US" smtClean="0"/>
-              <a:t>2024-02-01</a:t>
+              <a:t>2024-02-05</a:t>
             </a:fld>
             <a:endParaRPr lang="ko-KR" altLang="en-US"/>
           </a:p>
@@ -13244,28 +13630,28 @@
                 <a:latin typeface="현대하모니 L" panose="02020603020101020101" pitchFamily="18" charset="-127"/>
                 <a:ea typeface="현대하모니 L" panose="02020603020101020101" pitchFamily="18" charset="-127"/>
               </a:rPr>
-              <a:t>플로어를</a:t>
+              <a:t>플로어와</a:t>
+            </a:r>
+            <a:r>
+              <a:rPr lang="en-US" altLang="ko-KR" sz="900" dirty="0">
+                <a:latin typeface="현대하모니 L" panose="02020603020101020101" pitchFamily="18" charset="-127"/>
+                <a:ea typeface="현대하모니 L" panose="02020603020101020101" pitchFamily="18" charset="-127"/>
+              </a:rPr>
+              <a:t> </a:t>
+            </a:r>
+            <a:r>
+              <a:rPr lang="ko-KR" altLang="en-US" sz="900" dirty="0" err="1">
+                <a:latin typeface="현대하모니 L" panose="02020603020101020101" pitchFamily="18" charset="-127"/>
+                <a:ea typeface="현대하모니 L" panose="02020603020101020101" pitchFamily="18" charset="-127"/>
+              </a:rPr>
+              <a:t>어색하게배치되는</a:t>
             </a:r>
             <a:r>
               <a:rPr lang="ko-KR" altLang="en-US" sz="900" dirty="0">
                 <a:latin typeface="현대하모니 L" panose="02020603020101020101" pitchFamily="18" charset="-127"/>
                 <a:ea typeface="현대하모니 L" panose="02020603020101020101" pitchFamily="18" charset="-127"/>
               </a:rPr>
-              <a:t> 통과하거나 </a:t>
-            </a:r>
-            <a:r>
-              <a:rPr lang="ko-KR" altLang="en-US" sz="900" dirty="0" err="1">
-                <a:latin typeface="현대하모니 L" panose="02020603020101020101" pitchFamily="18" charset="-127"/>
-                <a:ea typeface="현대하모니 L" panose="02020603020101020101" pitchFamily="18" charset="-127"/>
-              </a:rPr>
-              <a:t>플로어에</a:t>
-            </a:r>
-            <a:r>
-              <a:rPr lang="ko-KR" altLang="en-US" sz="900" dirty="0">
-                <a:latin typeface="현대하모니 L" panose="02020603020101020101" pitchFamily="18" charset="-127"/>
-                <a:ea typeface="현대하모니 L" panose="02020603020101020101" pitchFamily="18" charset="-127"/>
-              </a:rPr>
-              <a:t> 닿지 못하는 경우가 있다</a:t>
+              <a:t> 경우가 있다</a:t>
             </a:r>
             <a:r>
               <a:rPr lang="en-US" altLang="ko-KR" sz="900" dirty="0">
@@ -17506,23 +17892,6 @@
               </a:spcBef>
             </a:pPr>
             <a:r>
-              <a:rPr lang="ko-KR" altLang="en-US" sz="800" dirty="0" err="1">
-                <a:ln>
-                  <a:solidFill>
-                    <a:prstClr val="white">
-                      <a:alpha val="0"/>
-                    </a:prstClr>
-                  </a:solidFill>
-                </a:ln>
-                <a:solidFill>
-                  <a:schemeClr val="tx1"/>
-                </a:solidFill>
-                <a:latin typeface="현대하모니 L" panose="02020603020101020101" pitchFamily="18" charset="-127"/>
-                <a:ea typeface="현대하모니 L" panose="02020603020101020101" pitchFamily="18" charset="-127"/>
-              </a:rPr>
-              <a:t>스투프</a:t>
-            </a:r>
-            <a:r>
               <a:rPr lang="ko-KR" altLang="en-US" sz="800" dirty="0">
                 <a:ln>
                   <a:solidFill>
@@ -17537,7 +17906,7 @@
                 <a:latin typeface="현대하모니 L" panose="02020603020101020101" pitchFamily="18" charset="-127"/>
                 <a:ea typeface="현대하모니 L" panose="02020603020101020101" pitchFamily="18" charset="-127"/>
               </a:rPr>
-              <a:t> 등 생성</a:t>
+              <a:t>계단 생성</a:t>
             </a:r>
             <a:endParaRPr lang="en-US" altLang="ko-KR" sz="800" dirty="0">
               <a:ln>
@@ -17865,7 +18234,7 @@
                 <a:latin typeface="현대하모니 L" panose="02020603020101020101" pitchFamily="18" charset="-127"/>
                 <a:ea typeface="현대하모니 L" panose="02020603020101020101" pitchFamily="18" charset="-127"/>
               </a:rPr>
-              <a:t>&lt;Stoop&gt;</a:t>
+              <a:t>&lt;Stair&gt;</a:t>
             </a:r>
           </a:p>
           <a:p>
@@ -17901,7 +18270,7 @@
                 <a:latin typeface="현대하모니 L" panose="02020603020101020101" pitchFamily="18" charset="-127"/>
                 <a:ea typeface="현대하모니 L" panose="02020603020101020101" pitchFamily="18" charset="-127"/>
               </a:rPr>
-              <a:t>Structural Foundations &gt; Ramp &amp; Pathway with Haunch_R0</a:t>
+              <a:t>Architecture &gt; Circulation</a:t>
             </a:r>
             <a:r>
               <a:rPr lang="ko-KR" altLang="en-US" sz="900" dirty="0">
@@ -17922,21 +18291,30 @@
                 <a:latin typeface="현대하모니 L" panose="02020603020101020101" pitchFamily="18" charset="-127"/>
                 <a:ea typeface="현대하모니 L" panose="02020603020101020101" pitchFamily="18" charset="-127"/>
               </a:rPr>
-              <a:t>H_SF_ACM_Stoop T200</a:t>
+              <a:t>Stair </a:t>
+            </a:r>
+            <a:r>
+              <a:rPr lang="ko-KR" altLang="en-US" sz="900" dirty="0">
+                <a:latin typeface="현대하모니 L" panose="02020603020101020101" pitchFamily="18" charset="-127"/>
+                <a:ea typeface="현대하모니 L" panose="02020603020101020101" pitchFamily="18" charset="-127"/>
+              </a:rPr>
+              <a:t>버튼으로 계단 작성 모드 진입</a:t>
             </a:r>
             <a:r>
               <a:rPr lang="en-US" altLang="ko-KR" sz="900" dirty="0">
                 <a:latin typeface="현대하모니 L" panose="02020603020101020101" pitchFamily="18" charset="-127"/>
                 <a:ea typeface="현대하모니 L" panose="02020603020101020101" pitchFamily="18" charset="-127"/>
               </a:rPr>
-              <a:t> </a:t>
-            </a:r>
+              <a:t>.</a:t>
+            </a:r>
+          </a:p>
+          <a:p>
             <a:r>
               <a:rPr lang="ko-KR" altLang="en-US" sz="900" dirty="0">
                 <a:latin typeface="현대하모니 L" panose="02020603020101020101" pitchFamily="18" charset="-127"/>
                 <a:ea typeface="현대하모니 L" panose="02020603020101020101" pitchFamily="18" charset="-127"/>
               </a:rPr>
-              <a:t>패밀리타입을 활용하여 부재 생성</a:t>
+              <a:t>적정 계단 타입을 활용하여 부재 생성</a:t>
             </a:r>
             <a:endParaRPr lang="en-US" altLang="ko-KR" sz="900" dirty="0">
               <a:latin typeface="현대하모니 L" panose="02020603020101020101" pitchFamily="18" charset="-127"/>
@@ -18090,6 +18468,23 @@
               </a:spcBef>
             </a:pPr>
             <a:r>
+              <a:rPr lang="en-US" altLang="ko-KR" sz="800" dirty="0">
+                <a:ln>
+                  <a:solidFill>
+                    <a:prstClr val="white">
+                      <a:alpha val="0"/>
+                    </a:prstClr>
+                  </a:solidFill>
+                </a:ln>
+                <a:solidFill>
+                  <a:schemeClr val="tx1"/>
+                </a:solidFill>
+                <a:latin typeface="현대하모니 L" panose="02020603020101020101" pitchFamily="18" charset="-127"/>
+                <a:ea typeface="현대하모니 L" panose="02020603020101020101" pitchFamily="18" charset="-127"/>
+              </a:rPr>
+              <a:t>Ramp </a:t>
+            </a:r>
+            <a:r>
               <a:rPr lang="ko-KR" altLang="en-US" sz="800" dirty="0">
                 <a:ln>
                   <a:solidFill>
@@ -18104,7 +18499,7 @@
                 <a:latin typeface="현대하모니 L" panose="02020603020101020101" pitchFamily="18" charset="-127"/>
                 <a:ea typeface="현대하모니 L" panose="02020603020101020101" pitchFamily="18" charset="-127"/>
               </a:rPr>
-              <a:t>객체 별 정보 관리</a:t>
+              <a:t>생성</a:t>
             </a:r>
             <a:endParaRPr lang="en-US" altLang="ko-KR" sz="800" dirty="0">
               <a:ln>
@@ -18123,12 +18518,948 @@
           </a:p>
         </p:txBody>
       </p:sp>
+      <p:sp>
+        <p:nvSpPr>
+          <p:cNvPr id="6" name="TextBox 5">
+            <a:extLst>
+              <a:ext uri="{FF2B5EF4-FFF2-40B4-BE49-F238E27FC236}">
+                <a16:creationId xmlns:a16="http://schemas.microsoft.com/office/drawing/2014/main" id="{3D84A1B7-9AA9-9A50-5C05-5ABEA94425E3}"/>
+              </a:ext>
+            </a:extLst>
+          </p:cNvPr>
+          <p:cNvSpPr txBox="1"/>
+          <p:nvPr/>
+        </p:nvSpPr>
+        <p:spPr>
+          <a:xfrm>
+            <a:off x="2204264" y="3907625"/>
+            <a:ext cx="3143334" cy="784830"/>
+          </a:xfrm>
+          <a:prstGeom prst="rect">
+            <a:avLst/>
+          </a:prstGeom>
+          <a:noFill/>
+        </p:spPr>
+        <p:txBody>
+          <a:bodyPr wrap="square" rtlCol="0">
+            <a:spAutoFit/>
+          </a:bodyPr>
+          <a:lstStyle/>
+          <a:p>
+            <a:r>
+              <a:rPr lang="en-US" altLang="ko-KR" sz="900" dirty="0">
+                <a:latin typeface="현대하모니 L" panose="02020603020101020101" pitchFamily="18" charset="-127"/>
+                <a:ea typeface="현대하모니 L" panose="02020603020101020101" pitchFamily="18" charset="-127"/>
+              </a:rPr>
+              <a:t>&lt;Ramp&gt;</a:t>
+            </a:r>
+          </a:p>
+          <a:p>
+            <a:r>
+              <a:rPr lang="ko-KR" altLang="en-US" sz="900" dirty="0">
+                <a:latin typeface="현대하모니 L" panose="02020603020101020101" pitchFamily="18" charset="-127"/>
+                <a:ea typeface="현대하모니 L" panose="02020603020101020101" pitchFamily="18" charset="-127"/>
+              </a:rPr>
+              <a:t>평면 혹은 </a:t>
+            </a:r>
+            <a:r>
+              <a:rPr lang="en-US" altLang="ko-KR" sz="900" dirty="0">
+                <a:latin typeface="현대하모니 L" panose="02020603020101020101" pitchFamily="18" charset="-127"/>
+                <a:ea typeface="현대하모니 L" panose="02020603020101020101" pitchFamily="18" charset="-127"/>
+              </a:rPr>
+              <a:t>3D</a:t>
+            </a:r>
+            <a:r>
+              <a:rPr lang="ko-KR" altLang="en-US" sz="900" dirty="0">
+                <a:latin typeface="현대하모니 L" panose="02020603020101020101" pitchFamily="18" charset="-127"/>
+                <a:ea typeface="현대하모니 L" panose="02020603020101020101" pitchFamily="18" charset="-127"/>
+              </a:rPr>
+              <a:t>뷰에서</a:t>
+            </a:r>
+            <a:endParaRPr lang="en-US" altLang="ko-KR" sz="900" dirty="0">
+              <a:latin typeface="현대하모니 L" panose="02020603020101020101" pitchFamily="18" charset="-127"/>
+              <a:ea typeface="현대하모니 L" panose="02020603020101020101" pitchFamily="18" charset="-127"/>
+            </a:endParaRPr>
+          </a:p>
+          <a:p>
+            <a:r>
+              <a:rPr lang="en-US" altLang="ko-KR" sz="900" dirty="0">
+                <a:latin typeface="현대하모니 L" panose="02020603020101020101" pitchFamily="18" charset="-127"/>
+                <a:ea typeface="현대하모니 L" panose="02020603020101020101" pitchFamily="18" charset="-127"/>
+              </a:rPr>
+              <a:t>Architecture &gt; Circulation</a:t>
+            </a:r>
+            <a:r>
+              <a:rPr lang="ko-KR" altLang="en-US" sz="900" dirty="0">
+                <a:latin typeface="현대하모니 L" panose="02020603020101020101" pitchFamily="18" charset="-127"/>
+                <a:ea typeface="현대하모니 L" panose="02020603020101020101" pitchFamily="18" charset="-127"/>
+              </a:rPr>
+              <a:t> </a:t>
+            </a:r>
+            <a:r>
+              <a:rPr lang="en-US" altLang="ko-KR" sz="900" dirty="0">
+                <a:latin typeface="현대하모니 L" panose="02020603020101020101" pitchFamily="18" charset="-127"/>
+                <a:ea typeface="현대하모니 L" panose="02020603020101020101" pitchFamily="18" charset="-127"/>
+              </a:rPr>
+              <a:t>&gt; </a:t>
+            </a:r>
+            <a:r>
+              <a:rPr lang="nl-NL" altLang="ko-KR" sz="900" dirty="0">
+                <a:latin typeface="현대하모니 L" panose="02020603020101020101" pitchFamily="18" charset="-127"/>
+                <a:ea typeface="현대하모니 L" panose="02020603020101020101" pitchFamily="18" charset="-127"/>
+              </a:rPr>
+              <a:t>Stair </a:t>
+            </a:r>
+            <a:r>
+              <a:rPr lang="ko-KR" altLang="en-US" sz="900" dirty="0">
+                <a:latin typeface="현대하모니 L" panose="02020603020101020101" pitchFamily="18" charset="-127"/>
+                <a:ea typeface="현대하모니 L" panose="02020603020101020101" pitchFamily="18" charset="-127"/>
+              </a:rPr>
+              <a:t>버튼으로 계단 작성 모드 진입</a:t>
+            </a:r>
+            <a:r>
+              <a:rPr lang="en-US" altLang="ko-KR" sz="900" dirty="0">
+                <a:latin typeface="현대하모니 L" panose="02020603020101020101" pitchFamily="18" charset="-127"/>
+                <a:ea typeface="현대하모니 L" panose="02020603020101020101" pitchFamily="18" charset="-127"/>
+              </a:rPr>
+              <a:t>.</a:t>
+            </a:r>
+          </a:p>
+          <a:p>
+            <a:r>
+              <a:rPr lang="ko-KR" altLang="en-US" sz="900" dirty="0">
+                <a:latin typeface="현대하모니 L" panose="02020603020101020101" pitchFamily="18" charset="-127"/>
+                <a:ea typeface="현대하모니 L" panose="02020603020101020101" pitchFamily="18" charset="-127"/>
+              </a:rPr>
+              <a:t>적정 램프 타입을 활용하여 부재 생성</a:t>
+            </a:r>
+            <a:endParaRPr lang="en-US" altLang="ko-KR" sz="900" dirty="0">
+              <a:latin typeface="현대하모니 L" panose="02020603020101020101" pitchFamily="18" charset="-127"/>
+              <a:ea typeface="현대하모니 L" panose="02020603020101020101" pitchFamily="18" charset="-127"/>
+            </a:endParaRPr>
+          </a:p>
+        </p:txBody>
+      </p:sp>
+      <p:pic>
+        <p:nvPicPr>
+          <p:cNvPr id="8" name="그림 7">
+            <a:extLst>
+              <a:ext uri="{FF2B5EF4-FFF2-40B4-BE49-F238E27FC236}">
+                <a16:creationId xmlns:a16="http://schemas.microsoft.com/office/drawing/2014/main" id="{FC56E08F-6934-BD8D-06BF-273ECDDDA4B9}"/>
+              </a:ext>
+            </a:extLst>
+          </p:cNvPr>
+          <p:cNvPicPr>
+            <a:picLocks noChangeAspect="1"/>
+          </p:cNvPicPr>
+          <p:nvPr/>
+        </p:nvPicPr>
+        <p:blipFill rotWithShape="1">
+          <a:blip r:embed="rId3"/>
+          <a:srcRect r="6977"/>
+          <a:stretch/>
+        </p:blipFill>
+        <p:spPr>
+          <a:xfrm>
+            <a:off x="6803089" y="1412780"/>
+            <a:ext cx="3585882" cy="2248930"/>
+          </a:xfrm>
+          <a:prstGeom prst="rect">
+            <a:avLst/>
+          </a:prstGeom>
+        </p:spPr>
+      </p:pic>
+      <p:pic>
+        <p:nvPicPr>
+          <p:cNvPr id="10" name="그림 9">
+            <a:extLst>
+              <a:ext uri="{FF2B5EF4-FFF2-40B4-BE49-F238E27FC236}">
+                <a16:creationId xmlns:a16="http://schemas.microsoft.com/office/drawing/2014/main" id="{5D2C86C8-8F01-8641-417F-3080E5CBCD35}"/>
+              </a:ext>
+            </a:extLst>
+          </p:cNvPr>
+          <p:cNvPicPr>
+            <a:picLocks noChangeAspect="1"/>
+          </p:cNvPicPr>
+          <p:nvPr/>
+        </p:nvPicPr>
+        <p:blipFill>
+          <a:blip r:embed="rId4"/>
+          <a:stretch>
+            <a:fillRect/>
+          </a:stretch>
+        </p:blipFill>
+        <p:spPr>
+          <a:xfrm>
+            <a:off x="7637930" y="3907625"/>
+            <a:ext cx="3585882" cy="2260594"/>
+          </a:xfrm>
+          <a:prstGeom prst="rect">
+            <a:avLst/>
+          </a:prstGeom>
+        </p:spPr>
+      </p:pic>
+      <p:pic>
+        <p:nvPicPr>
+          <p:cNvPr id="12" name="그림 11">
+            <a:extLst>
+              <a:ext uri="{FF2B5EF4-FFF2-40B4-BE49-F238E27FC236}">
+                <a16:creationId xmlns:a16="http://schemas.microsoft.com/office/drawing/2014/main" id="{2E6908F4-703F-E1A2-5193-8A4E7B039962}"/>
+              </a:ext>
+            </a:extLst>
+          </p:cNvPr>
+          <p:cNvPicPr>
+            <a:picLocks noChangeAspect="1"/>
+          </p:cNvPicPr>
+          <p:nvPr/>
+        </p:nvPicPr>
+        <p:blipFill>
+          <a:blip r:embed="rId5"/>
+          <a:stretch>
+            <a:fillRect/>
+          </a:stretch>
+        </p:blipFill>
+        <p:spPr>
+          <a:xfrm>
+            <a:off x="5628197" y="3748078"/>
+            <a:ext cx="1910975" cy="1785372"/>
+          </a:xfrm>
+          <a:prstGeom prst="rect">
+            <a:avLst/>
+          </a:prstGeom>
+        </p:spPr>
+      </p:pic>
+    </p:spTree>
+    <p:extLst>
+      <p:ext uri="{BB962C8B-B14F-4D97-AF65-F5344CB8AC3E}">
+        <p14:creationId xmlns:p14="http://schemas.microsoft.com/office/powerpoint/2010/main" val="1389559555"/>
+      </p:ext>
+    </p:extLst>
+  </p:cSld>
+  <p:clrMapOvr>
+    <a:masterClrMapping/>
+  </p:clrMapOvr>
+</p:sld>
+</file>
+
+<file path=ppt/slides/slide18.xml><?xml version="1.0" encoding="utf-8"?>
+<p:sld xmlns:a="http://schemas.openxmlformats.org/drawingml/2006/main" xmlns:r="http://schemas.openxmlformats.org/officeDocument/2006/relationships" xmlns:p="http://schemas.openxmlformats.org/presentationml/2006/main">
+  <p:cSld>
+    <p:spTree>
+      <p:nvGrpSpPr>
+        <p:cNvPr id="1" name="">
+          <a:extLst>
+            <a:ext uri="{FF2B5EF4-FFF2-40B4-BE49-F238E27FC236}">
+              <a16:creationId xmlns:a16="http://schemas.microsoft.com/office/drawing/2014/main" id="{0B8074F5-0AEB-C8E5-E622-8D165EACCD9B}"/>
+            </a:ext>
+          </a:extLst>
+        </p:cNvPr>
+        <p:cNvGrpSpPr/>
+        <p:nvPr/>
+      </p:nvGrpSpPr>
+      <p:grpSpPr>
+        <a:xfrm>
+          <a:off x="0" y="0"/>
+          <a:ext cx="0" cy="0"/>
+          <a:chOff x="0" y="0"/>
+          <a:chExt cx="0" cy="0"/>
+        </a:xfrm>
+      </p:grpSpPr>
+      <p:sp>
+        <p:nvSpPr>
+          <p:cNvPr id="31" name="직사각형 30">
+            <a:extLst>
+              <a:ext uri="{FF2B5EF4-FFF2-40B4-BE49-F238E27FC236}">
+                <a16:creationId xmlns:a16="http://schemas.microsoft.com/office/drawing/2014/main" id="{A182D27C-C8FC-2766-C10F-7D8532495411}"/>
+              </a:ext>
+            </a:extLst>
+          </p:cNvPr>
+          <p:cNvSpPr/>
+          <p:nvPr/>
+        </p:nvSpPr>
+        <p:spPr>
+          <a:xfrm>
+            <a:off x="1487491" y="1412780"/>
+            <a:ext cx="576065" cy="507831"/>
+          </a:xfrm>
+          <a:prstGeom prst="rect">
+            <a:avLst/>
+          </a:prstGeom>
+          <a:solidFill>
+            <a:schemeClr val="tx2">
+              <a:lumMod val="40000"/>
+              <a:lumOff val="60000"/>
+            </a:schemeClr>
+          </a:solidFill>
+          <a:ln w="12700">
+            <a:solidFill>
+              <a:schemeClr val="bg1">
+                <a:lumMod val="65000"/>
+              </a:schemeClr>
+            </a:solidFill>
+          </a:ln>
+        </p:spPr>
+        <p:style>
+          <a:lnRef idx="2">
+            <a:schemeClr val="accent1">
+              <a:shade val="50000"/>
+            </a:schemeClr>
+          </a:lnRef>
+          <a:fillRef idx="1">
+            <a:schemeClr val="accent1"/>
+          </a:fillRef>
+          <a:effectRef idx="0">
+            <a:schemeClr val="accent1"/>
+          </a:effectRef>
+          <a:fontRef idx="minor">
+            <a:schemeClr val="lt1"/>
+          </a:fontRef>
+        </p:style>
+        <p:txBody>
+          <a:bodyPr lIns="36000" tIns="36000" rIns="36000" bIns="36000" rtlCol="0" anchor="ctr"/>
+          <a:lstStyle/>
+          <a:p>
+            <a:pPr algn="ctr" latinLnBrk="0">
+              <a:spcBef>
+                <a:spcPts val="300"/>
+              </a:spcBef>
+            </a:pPr>
+            <a:r>
+              <a:rPr lang="en-US" altLang="ko-KR" sz="800" dirty="0">
+                <a:ln>
+                  <a:solidFill>
+                    <a:prstClr val="white">
+                      <a:alpha val="0"/>
+                    </a:prstClr>
+                  </a:solidFill>
+                </a:ln>
+                <a:solidFill>
+                  <a:schemeClr val="tx1"/>
+                </a:solidFill>
+                <a:latin typeface="현대하모니 L" panose="02020603020101020101" pitchFamily="18" charset="-127"/>
+                <a:ea typeface="현대하모니 L" panose="02020603020101020101" pitchFamily="18" charset="-127"/>
+              </a:rPr>
+              <a:t>Stoop</a:t>
+            </a:r>
+            <a:r>
+              <a:rPr lang="ko-KR" altLang="en-US" sz="800" dirty="0">
+                <a:ln>
+                  <a:solidFill>
+                    <a:prstClr val="white">
+                      <a:alpha val="0"/>
+                    </a:prstClr>
+                  </a:solidFill>
+                </a:ln>
+                <a:solidFill>
+                  <a:schemeClr val="tx1"/>
+                </a:solidFill>
+                <a:latin typeface="현대하모니 L" panose="02020603020101020101" pitchFamily="18" charset="-127"/>
+                <a:ea typeface="현대하모니 L" panose="02020603020101020101" pitchFamily="18" charset="-127"/>
+              </a:rPr>
+              <a:t> 등 생성</a:t>
+            </a:r>
+            <a:endParaRPr lang="en-US" altLang="ko-KR" sz="800" dirty="0">
+              <a:ln>
+                <a:solidFill>
+                  <a:prstClr val="white">
+                    <a:alpha val="0"/>
+                  </a:prstClr>
+                </a:solidFill>
+              </a:ln>
+              <a:solidFill>
+                <a:schemeClr val="tx1"/>
+              </a:solidFill>
+              <a:latin typeface="현대하모니 L" panose="02020603020101020101" pitchFamily="18" charset="-127"/>
+              <a:ea typeface="현대하모니 L" panose="02020603020101020101" pitchFamily="18" charset="-127"/>
+            </a:endParaRPr>
+          </a:p>
+        </p:txBody>
+      </p:sp>
+      <p:sp>
+        <p:nvSpPr>
+          <p:cNvPr id="40" name="직사각형 39">
+            <a:extLst>
+              <a:ext uri="{FF2B5EF4-FFF2-40B4-BE49-F238E27FC236}">
+                <a16:creationId xmlns:a16="http://schemas.microsoft.com/office/drawing/2014/main" id="{3C5D5FA4-38F9-426E-0669-50B85BB89462}"/>
+              </a:ext>
+            </a:extLst>
+          </p:cNvPr>
+          <p:cNvSpPr/>
+          <p:nvPr/>
+        </p:nvSpPr>
+        <p:spPr>
+          <a:xfrm>
+            <a:off x="1320132" y="233484"/>
+            <a:ext cx="4503156" cy="369332"/>
+          </a:xfrm>
+          <a:prstGeom prst="rect">
+            <a:avLst/>
+          </a:prstGeom>
+        </p:spPr>
+        <p:txBody>
+          <a:bodyPr wrap="none">
+            <a:spAutoFit/>
+          </a:bodyPr>
+          <a:lstStyle/>
+          <a:p>
+            <a:pPr defTabSz="900086" eaLnBrk="0" latinLnBrk="0" hangingPunct="0">
+              <a:defRPr/>
+            </a:pPr>
+            <a:r>
+              <a:rPr lang="en-US" altLang="ko-KR" b="1" dirty="0">
+                <a:ln>
+                  <a:solidFill>
+                    <a:srgbClr val="4F81BD">
+                      <a:alpha val="0"/>
+                    </a:srgbClr>
+                  </a:solidFill>
+                </a:ln>
+                <a:latin typeface="현대하모니 M" panose="02020603020101020101" pitchFamily="18" charset="-127"/>
+                <a:ea typeface="현대하모니 M" panose="02020603020101020101" pitchFamily="18" charset="-127"/>
+              </a:rPr>
+              <a:t>III. </a:t>
+            </a:r>
+            <a:r>
+              <a:rPr lang="ko-KR" altLang="en-US" b="1" dirty="0">
+                <a:ln>
+                  <a:solidFill>
+                    <a:srgbClr val="4F81BD">
+                      <a:alpha val="0"/>
+                    </a:srgbClr>
+                  </a:solidFill>
+                </a:ln>
+                <a:latin typeface="현대하모니 M" panose="02020603020101020101" pitchFamily="18" charset="-127"/>
+                <a:ea typeface="현대하모니 M" panose="02020603020101020101" pitchFamily="18" charset="-127"/>
+              </a:rPr>
+              <a:t>입찰 모델 진행 시 룸 객체 생성 및 주의사항</a:t>
+            </a:r>
+          </a:p>
+        </p:txBody>
+      </p:sp>
+      <p:sp>
+        <p:nvSpPr>
+          <p:cNvPr id="14" name="직사각형 13">
+            <a:extLst>
+              <a:ext uri="{FF2B5EF4-FFF2-40B4-BE49-F238E27FC236}">
+                <a16:creationId xmlns:a16="http://schemas.microsoft.com/office/drawing/2014/main" id="{275DD653-D9D9-67CF-0B9D-02C648D9F652}"/>
+              </a:ext>
+            </a:extLst>
+          </p:cNvPr>
+          <p:cNvSpPr/>
+          <p:nvPr/>
+        </p:nvSpPr>
+        <p:spPr>
+          <a:xfrm>
+            <a:off x="1487491" y="836713"/>
+            <a:ext cx="4922274" cy="428071"/>
+          </a:xfrm>
+          <a:prstGeom prst="rect">
+            <a:avLst/>
+          </a:prstGeom>
+          <a:solidFill>
+            <a:schemeClr val="tx2"/>
+          </a:solidFill>
+          <a:ln w="12700">
+            <a:solidFill>
+              <a:schemeClr val="bg1">
+                <a:lumMod val="65000"/>
+              </a:schemeClr>
+            </a:solidFill>
+          </a:ln>
+        </p:spPr>
+        <p:style>
+          <a:lnRef idx="2">
+            <a:schemeClr val="accent1">
+              <a:shade val="50000"/>
+            </a:schemeClr>
+          </a:lnRef>
+          <a:fillRef idx="1">
+            <a:schemeClr val="accent1"/>
+          </a:fillRef>
+          <a:effectRef idx="0">
+            <a:schemeClr val="accent1"/>
+          </a:effectRef>
+          <a:fontRef idx="minor">
+            <a:schemeClr val="lt1"/>
+          </a:fontRef>
+        </p:style>
+        <p:txBody>
+          <a:bodyPr lIns="36000" tIns="36000" rIns="36000" bIns="36000" rtlCol="0" anchor="ctr"/>
+          <a:lstStyle/>
+          <a:p>
+            <a:pPr marL="90483" defTabSz="914256" eaLnBrk="0" latinLnBrk="0" hangingPunct="0">
+              <a:lnSpc>
+                <a:spcPct val="120000"/>
+              </a:lnSpc>
+              <a:defRPr/>
+            </a:pPr>
+            <a:r>
+              <a:rPr lang="en-US" altLang="ko-KR" sz="1400" b="1" dirty="0">
+                <a:ln>
+                  <a:solidFill>
+                    <a:schemeClr val="bg1">
+                      <a:alpha val="0"/>
+                    </a:schemeClr>
+                  </a:solidFill>
+                </a:ln>
+                <a:solidFill>
+                  <a:schemeClr val="bg1"/>
+                </a:solidFill>
+                <a:latin typeface="현대하모니 L" panose="02020603020101020101" pitchFamily="18" charset="-127"/>
+                <a:ea typeface="현대하모니 L" panose="02020603020101020101" pitchFamily="18" charset="-127"/>
+              </a:rPr>
+              <a:t>B-3. </a:t>
+            </a:r>
+            <a:r>
+              <a:rPr lang="ko-KR" altLang="en-US" sz="1400" b="1" dirty="0">
+                <a:ln>
+                  <a:solidFill>
+                    <a:schemeClr val="bg1">
+                      <a:alpha val="0"/>
+                    </a:schemeClr>
+                  </a:solidFill>
+                </a:ln>
+                <a:solidFill>
+                  <a:schemeClr val="bg1"/>
+                </a:solidFill>
+                <a:latin typeface="현대하모니 L" panose="02020603020101020101" pitchFamily="18" charset="-127"/>
+                <a:ea typeface="현대하모니 L" panose="02020603020101020101" pitchFamily="18" charset="-127"/>
+              </a:rPr>
+              <a:t>계단 </a:t>
+            </a:r>
+            <a:r>
+              <a:rPr lang="en-US" altLang="ko-KR" sz="1400" b="1" dirty="0">
+                <a:ln>
+                  <a:solidFill>
+                    <a:schemeClr val="bg1">
+                      <a:alpha val="0"/>
+                    </a:schemeClr>
+                  </a:solidFill>
+                </a:ln>
+                <a:solidFill>
+                  <a:schemeClr val="bg1"/>
+                </a:solidFill>
+                <a:latin typeface="현대하모니 L" panose="02020603020101020101" pitchFamily="18" charset="-127"/>
+                <a:ea typeface="현대하모니 L" panose="02020603020101020101" pitchFamily="18" charset="-127"/>
+              </a:rPr>
+              <a:t>/ </a:t>
+            </a:r>
+            <a:r>
+              <a:rPr lang="ko-KR" altLang="en-US" sz="1400" b="1" dirty="0">
+                <a:ln>
+                  <a:solidFill>
+                    <a:schemeClr val="bg1">
+                      <a:alpha val="0"/>
+                    </a:schemeClr>
+                  </a:solidFill>
+                </a:ln>
+                <a:solidFill>
+                  <a:schemeClr val="bg1"/>
+                </a:solidFill>
+                <a:latin typeface="현대하모니 L" panose="02020603020101020101" pitchFamily="18" charset="-127"/>
+                <a:ea typeface="현대하모니 L" panose="02020603020101020101" pitchFamily="18" charset="-127"/>
+              </a:rPr>
+              <a:t>램프 </a:t>
+            </a:r>
+            <a:r>
+              <a:rPr lang="en-US" altLang="ko-KR" sz="1400" b="1" dirty="0">
+                <a:ln>
+                  <a:solidFill>
+                    <a:schemeClr val="bg1">
+                      <a:alpha val="0"/>
+                    </a:schemeClr>
+                  </a:solidFill>
+                </a:ln>
+                <a:solidFill>
+                  <a:schemeClr val="bg1"/>
+                </a:solidFill>
+                <a:latin typeface="현대하모니 L" panose="02020603020101020101" pitchFamily="18" charset="-127"/>
+                <a:ea typeface="현대하모니 L" panose="02020603020101020101" pitchFamily="18" charset="-127"/>
+              </a:rPr>
+              <a:t>/ </a:t>
+            </a:r>
+            <a:r>
+              <a:rPr lang="ko-KR" altLang="en-US" sz="1400" b="1" dirty="0" err="1">
+                <a:ln>
+                  <a:solidFill>
+                    <a:schemeClr val="bg1">
+                      <a:alpha val="0"/>
+                    </a:schemeClr>
+                  </a:solidFill>
+                </a:ln>
+                <a:solidFill>
+                  <a:schemeClr val="bg1"/>
+                </a:solidFill>
+                <a:latin typeface="현대하모니 L" panose="02020603020101020101" pitchFamily="18" charset="-127"/>
+                <a:ea typeface="현대하모니 L" panose="02020603020101020101" pitchFamily="18" charset="-127"/>
+              </a:rPr>
+              <a:t>스투프</a:t>
+            </a:r>
+            <a:r>
+              <a:rPr lang="ko-KR" altLang="en-US" sz="1400" b="1" dirty="0">
+                <a:ln>
+                  <a:solidFill>
+                    <a:schemeClr val="bg1">
+                      <a:alpha val="0"/>
+                    </a:schemeClr>
+                  </a:solidFill>
+                </a:ln>
+                <a:solidFill>
+                  <a:schemeClr val="bg1"/>
+                </a:solidFill>
+                <a:latin typeface="현대하모니 L" panose="02020603020101020101" pitchFamily="18" charset="-127"/>
+                <a:ea typeface="현대하모니 L" panose="02020603020101020101" pitchFamily="18" charset="-127"/>
+              </a:rPr>
+              <a:t> 배치 </a:t>
+            </a:r>
+            <a:r>
+              <a:rPr lang="en-US" altLang="ko-KR" sz="1400" b="1" dirty="0">
+                <a:ln>
+                  <a:solidFill>
+                    <a:schemeClr val="bg1">
+                      <a:alpha val="0"/>
+                    </a:schemeClr>
+                  </a:solidFill>
+                </a:ln>
+                <a:solidFill>
+                  <a:schemeClr val="bg1"/>
+                </a:solidFill>
+                <a:latin typeface="현대하모니 L" panose="02020603020101020101" pitchFamily="18" charset="-127"/>
+                <a:ea typeface="현대하모니 L" panose="02020603020101020101" pitchFamily="18" charset="-127"/>
+              </a:rPr>
+              <a:t>&amp; </a:t>
+            </a:r>
+            <a:r>
+              <a:rPr lang="ko-KR" altLang="en-US" sz="1400" b="1" dirty="0">
+                <a:ln>
+                  <a:solidFill>
+                    <a:schemeClr val="bg1">
+                      <a:alpha val="0"/>
+                    </a:schemeClr>
+                  </a:solidFill>
+                </a:ln>
+                <a:solidFill>
+                  <a:schemeClr val="bg1"/>
+                </a:solidFill>
+                <a:latin typeface="현대하모니 L" panose="02020603020101020101" pitchFamily="18" charset="-127"/>
+                <a:ea typeface="현대하모니 L" panose="02020603020101020101" pitchFamily="18" charset="-127"/>
+              </a:rPr>
+              <a:t>기타 아이템 배치</a:t>
+            </a:r>
+            <a:endParaRPr lang="en-US" altLang="ko-KR" sz="1400" b="1" dirty="0">
+              <a:ln>
+                <a:solidFill>
+                  <a:schemeClr val="bg1">
+                    <a:alpha val="0"/>
+                  </a:schemeClr>
+                </a:solidFill>
+              </a:ln>
+              <a:solidFill>
+                <a:schemeClr val="bg1"/>
+              </a:solidFill>
+              <a:latin typeface="현대하모니 L" panose="02020603020101020101" pitchFamily="18" charset="-127"/>
+              <a:ea typeface="현대하모니 L" panose="02020603020101020101" pitchFamily="18" charset="-127"/>
+            </a:endParaRPr>
+          </a:p>
+        </p:txBody>
+      </p:sp>
+      <p:sp>
+        <p:nvSpPr>
+          <p:cNvPr id="7" name="TextBox 6">
+            <a:extLst>
+              <a:ext uri="{FF2B5EF4-FFF2-40B4-BE49-F238E27FC236}">
+                <a16:creationId xmlns:a16="http://schemas.microsoft.com/office/drawing/2014/main" id="{8D7CBD83-88AF-AC57-1121-B9AE680EFE90}"/>
+              </a:ext>
+            </a:extLst>
+          </p:cNvPr>
+          <p:cNvSpPr txBox="1"/>
+          <p:nvPr/>
+        </p:nvSpPr>
+        <p:spPr>
+          <a:xfrm>
+            <a:off x="2204264" y="1412780"/>
+            <a:ext cx="3143334" cy="784830"/>
+          </a:xfrm>
+          <a:prstGeom prst="rect">
+            <a:avLst/>
+          </a:prstGeom>
+          <a:noFill/>
+        </p:spPr>
+        <p:txBody>
+          <a:bodyPr wrap="square" rtlCol="0">
+            <a:spAutoFit/>
+          </a:bodyPr>
+          <a:lstStyle/>
+          <a:p>
+            <a:r>
+              <a:rPr lang="en-US" altLang="ko-KR" sz="900" dirty="0">
+                <a:latin typeface="현대하모니 L" panose="02020603020101020101" pitchFamily="18" charset="-127"/>
+                <a:ea typeface="현대하모니 L" panose="02020603020101020101" pitchFamily="18" charset="-127"/>
+              </a:rPr>
+              <a:t>&lt;Stoop&gt;</a:t>
+            </a:r>
+          </a:p>
+          <a:p>
+            <a:r>
+              <a:rPr lang="ko-KR" altLang="en-US" sz="900" dirty="0">
+                <a:latin typeface="현대하모니 L" panose="02020603020101020101" pitchFamily="18" charset="-127"/>
+                <a:ea typeface="현대하모니 L" panose="02020603020101020101" pitchFamily="18" charset="-127"/>
+              </a:rPr>
+              <a:t>평면 혹은 </a:t>
+            </a:r>
+            <a:r>
+              <a:rPr lang="en-US" altLang="ko-KR" sz="900" dirty="0">
+                <a:latin typeface="현대하모니 L" panose="02020603020101020101" pitchFamily="18" charset="-127"/>
+                <a:ea typeface="현대하모니 L" panose="02020603020101020101" pitchFamily="18" charset="-127"/>
+              </a:rPr>
+              <a:t>3D</a:t>
+            </a:r>
+            <a:r>
+              <a:rPr lang="ko-KR" altLang="en-US" sz="900" dirty="0">
+                <a:latin typeface="현대하모니 L" panose="02020603020101020101" pitchFamily="18" charset="-127"/>
+                <a:ea typeface="현대하모니 L" panose="02020603020101020101" pitchFamily="18" charset="-127"/>
+              </a:rPr>
+              <a:t>뷰에서</a:t>
+            </a:r>
+            <a:endParaRPr lang="en-US" altLang="ko-KR" sz="900" dirty="0">
+              <a:latin typeface="현대하모니 L" panose="02020603020101020101" pitchFamily="18" charset="-127"/>
+              <a:ea typeface="현대하모니 L" panose="02020603020101020101" pitchFamily="18" charset="-127"/>
+            </a:endParaRPr>
+          </a:p>
+          <a:p>
+            <a:r>
+              <a:rPr lang="en-US" altLang="ko-KR" sz="900" dirty="0">
+                <a:latin typeface="현대하모니 L" panose="02020603020101020101" pitchFamily="18" charset="-127"/>
+                <a:ea typeface="현대하모니 L" panose="02020603020101020101" pitchFamily="18" charset="-127"/>
+              </a:rPr>
+              <a:t>Structural Foundations &gt; Ramp &amp; Pathway with Haunch_R0</a:t>
+            </a:r>
+            <a:r>
+              <a:rPr lang="ko-KR" altLang="en-US" sz="900" dirty="0">
+                <a:latin typeface="현대하모니 L" panose="02020603020101020101" pitchFamily="18" charset="-127"/>
+                <a:ea typeface="현대하모니 L" panose="02020603020101020101" pitchFamily="18" charset="-127"/>
+              </a:rPr>
+              <a:t> </a:t>
+            </a:r>
+            <a:r>
+              <a:rPr lang="en-US" altLang="ko-KR" sz="900" dirty="0">
+                <a:latin typeface="현대하모니 L" panose="02020603020101020101" pitchFamily="18" charset="-127"/>
+                <a:ea typeface="현대하모니 L" panose="02020603020101020101" pitchFamily="18" charset="-127"/>
+              </a:rPr>
+              <a:t>&gt; </a:t>
+            </a:r>
+            <a:r>
+              <a:rPr lang="nl-NL" altLang="ko-KR" sz="900" dirty="0">
+                <a:latin typeface="현대하모니 L" panose="02020603020101020101" pitchFamily="18" charset="-127"/>
+                <a:ea typeface="현대하모니 L" panose="02020603020101020101" pitchFamily="18" charset="-127"/>
+              </a:rPr>
+              <a:t>H_SF_ACM_Stoop T200</a:t>
+            </a:r>
+            <a:r>
+              <a:rPr lang="en-US" altLang="ko-KR" sz="900" dirty="0">
+                <a:latin typeface="현대하모니 L" panose="02020603020101020101" pitchFamily="18" charset="-127"/>
+                <a:ea typeface="현대하모니 L" panose="02020603020101020101" pitchFamily="18" charset="-127"/>
+              </a:rPr>
+              <a:t> </a:t>
+            </a:r>
+            <a:r>
+              <a:rPr lang="ko-KR" altLang="en-US" sz="900" dirty="0">
+                <a:latin typeface="현대하모니 L" panose="02020603020101020101" pitchFamily="18" charset="-127"/>
+                <a:ea typeface="현대하모니 L" panose="02020603020101020101" pitchFamily="18" charset="-127"/>
+              </a:rPr>
+              <a:t>패밀리타입을 활용하여 부재 생성</a:t>
+            </a:r>
+            <a:endParaRPr lang="en-US" altLang="ko-KR" sz="900" dirty="0">
+              <a:latin typeface="현대하모니 L" panose="02020603020101020101" pitchFamily="18" charset="-127"/>
+              <a:ea typeface="현대하모니 L" panose="02020603020101020101" pitchFamily="18" charset="-127"/>
+            </a:endParaRPr>
+          </a:p>
+        </p:txBody>
+      </p:sp>
+      <p:sp>
+        <p:nvSpPr>
+          <p:cNvPr id="3" name="Rectangle 14">
+            <a:extLst>
+              <a:ext uri="{FF2B5EF4-FFF2-40B4-BE49-F238E27FC236}">
+                <a16:creationId xmlns:a16="http://schemas.microsoft.com/office/drawing/2014/main" id="{E3F9472B-81ED-7591-05AE-DB7B42017F49}"/>
+              </a:ext>
+            </a:extLst>
+          </p:cNvPr>
+          <p:cNvSpPr>
+            <a:spLocks noChangeArrowheads="1"/>
+          </p:cNvSpPr>
+          <p:nvPr/>
+        </p:nvSpPr>
+        <p:spPr bwMode="auto">
+          <a:xfrm>
+            <a:off x="9221619" y="266582"/>
+            <a:ext cx="1436292" cy="246221"/>
+          </a:xfrm>
+          <a:prstGeom prst="rect">
+            <a:avLst/>
+          </a:prstGeom>
+          <a:noFill/>
+          <a:ln w="12700">
+            <a:noFill/>
+            <a:miter lim="800000"/>
+            <a:headEnd/>
+            <a:tailEnd/>
+          </a:ln>
+        </p:spPr>
+        <p:txBody>
+          <a:bodyPr wrap="none" lIns="0" tIns="0" rIns="0" bIns="0" anchor="ctr">
+            <a:spAutoFit/>
+          </a:bodyPr>
+          <a:lstStyle/>
+          <a:p>
+            <a:pPr defTabSz="900086" eaLnBrk="0" latinLnBrk="0" hangingPunct="0">
+              <a:spcBef>
+                <a:spcPct val="0"/>
+              </a:spcBef>
+              <a:spcAft>
+                <a:spcPct val="0"/>
+              </a:spcAft>
+              <a:defRPr/>
+            </a:pPr>
+            <a:r>
+              <a:rPr kumimoji="1" lang="ko-KR" altLang="en-US" sz="1600">
+                <a:ln>
+                  <a:solidFill>
+                    <a:srgbClr val="4F81BD">
+                      <a:alpha val="0"/>
+                    </a:srgbClr>
+                  </a:solidFill>
+                </a:ln>
+                <a:solidFill>
+                  <a:schemeClr val="tx1">
+                    <a:lumMod val="65000"/>
+                    <a:lumOff val="35000"/>
+                  </a:schemeClr>
+                </a:solidFill>
+                <a:latin typeface="현대하모니 M" panose="02020603020101020101" pitchFamily="18" charset="-127"/>
+                <a:ea typeface="현대하모니 M" panose="02020603020101020101" pitchFamily="18" charset="-127"/>
+              </a:rPr>
+              <a:t>플랜트건축설계팀</a:t>
+            </a:r>
+            <a:endParaRPr kumimoji="1" lang="ko-KR" altLang="en-US" sz="1600" dirty="0">
+              <a:ln>
+                <a:solidFill>
+                  <a:srgbClr val="4F81BD">
+                    <a:alpha val="0"/>
+                  </a:srgbClr>
+                </a:solidFill>
+              </a:ln>
+              <a:solidFill>
+                <a:schemeClr val="tx1">
+                  <a:lumMod val="65000"/>
+                  <a:lumOff val="35000"/>
+                </a:schemeClr>
+              </a:solidFill>
+              <a:latin typeface="현대하모니 M" panose="02020603020101020101" pitchFamily="18" charset="-127"/>
+              <a:ea typeface="현대하모니 M" panose="02020603020101020101" pitchFamily="18" charset="-127"/>
+            </a:endParaRPr>
+          </a:p>
+        </p:txBody>
+      </p:sp>
+      <p:sp>
+        <p:nvSpPr>
+          <p:cNvPr id="2" name="직사각형 1">
+            <a:extLst>
+              <a:ext uri="{FF2B5EF4-FFF2-40B4-BE49-F238E27FC236}">
+                <a16:creationId xmlns:a16="http://schemas.microsoft.com/office/drawing/2014/main" id="{B0BA3BB7-850A-51F0-D330-82ABEF998D80}"/>
+              </a:ext>
+            </a:extLst>
+          </p:cNvPr>
+          <p:cNvSpPr/>
+          <p:nvPr/>
+        </p:nvSpPr>
+        <p:spPr>
+          <a:xfrm>
+            <a:off x="1487491" y="3907625"/>
+            <a:ext cx="576065" cy="371329"/>
+          </a:xfrm>
+          <a:prstGeom prst="rect">
+            <a:avLst/>
+          </a:prstGeom>
+          <a:solidFill>
+            <a:schemeClr val="tx2">
+              <a:lumMod val="40000"/>
+              <a:lumOff val="60000"/>
+            </a:schemeClr>
+          </a:solidFill>
+          <a:ln w="12700">
+            <a:solidFill>
+              <a:schemeClr val="bg1">
+                <a:lumMod val="65000"/>
+              </a:schemeClr>
+            </a:solidFill>
+          </a:ln>
+        </p:spPr>
+        <p:style>
+          <a:lnRef idx="2">
+            <a:schemeClr val="accent1">
+              <a:shade val="50000"/>
+            </a:schemeClr>
+          </a:lnRef>
+          <a:fillRef idx="1">
+            <a:schemeClr val="accent1"/>
+          </a:fillRef>
+          <a:effectRef idx="0">
+            <a:schemeClr val="accent1"/>
+          </a:effectRef>
+          <a:fontRef idx="minor">
+            <a:schemeClr val="lt1"/>
+          </a:fontRef>
+        </p:style>
+        <p:txBody>
+          <a:bodyPr lIns="36000" tIns="36000" rIns="36000" bIns="36000" rtlCol="0" anchor="ctr"/>
+          <a:lstStyle/>
+          <a:p>
+            <a:pPr algn="ctr" latinLnBrk="0">
+              <a:spcBef>
+                <a:spcPts val="300"/>
+              </a:spcBef>
+            </a:pPr>
+            <a:r>
+              <a:rPr lang="ko-KR" altLang="en-US" sz="800" dirty="0">
+                <a:ln>
+                  <a:solidFill>
+                    <a:prstClr val="white">
+                      <a:alpha val="0"/>
+                    </a:prstClr>
+                  </a:solidFill>
+                </a:ln>
+                <a:solidFill>
+                  <a:schemeClr val="tx1"/>
+                </a:solidFill>
+                <a:latin typeface="현대하모니 L" panose="02020603020101020101" pitchFamily="18" charset="-127"/>
+                <a:ea typeface="현대하모니 L" panose="02020603020101020101" pitchFamily="18" charset="-127"/>
+              </a:rPr>
+              <a:t>객체 별 정보 관리</a:t>
+            </a:r>
+            <a:endParaRPr lang="en-US" altLang="ko-KR" sz="800" dirty="0">
+              <a:ln>
+                <a:solidFill>
+                  <a:prstClr val="white">
+                    <a:alpha val="0"/>
+                  </a:prstClr>
+                </a:solidFill>
+              </a:ln>
+              <a:solidFill>
+                <a:schemeClr val="tx1"/>
+              </a:solidFill>
+              <a:latin typeface="현대하모니 L" panose="02020603020101020101" pitchFamily="18" charset="-127"/>
+              <a:ea typeface="현대하모니 L" panose="02020603020101020101" pitchFamily="18" charset="-127"/>
+            </a:endParaRPr>
+          </a:p>
+        </p:txBody>
+      </p:sp>
       <p:pic>
         <p:nvPicPr>
           <p:cNvPr id="5" name="그림 4">
             <a:extLst>
               <a:ext uri="{FF2B5EF4-FFF2-40B4-BE49-F238E27FC236}">
-                <a16:creationId xmlns:a16="http://schemas.microsoft.com/office/drawing/2014/main" id="{0D5AA5DF-91AF-AF72-A24E-BC5800F75AF6}"/>
+                <a16:creationId xmlns:a16="http://schemas.microsoft.com/office/drawing/2014/main" id="{47FDBBBA-9FD0-CB82-37E8-7EF9D773A4C7}"/>
               </a:ext>
             </a:extLst>
           </p:cNvPr>
@@ -18158,7 +19489,7 @@
           <p:cNvPr id="6" name="TextBox 5">
             <a:extLst>
               <a:ext uri="{FF2B5EF4-FFF2-40B4-BE49-F238E27FC236}">
-                <a16:creationId xmlns:a16="http://schemas.microsoft.com/office/drawing/2014/main" id="{3D84A1B7-9AA9-9A50-5C05-5ABEA94425E3}"/>
+                <a16:creationId xmlns:a16="http://schemas.microsoft.com/office/drawing/2014/main" id="{E4538577-DD15-BC2D-CFE7-C11266BDC753}"/>
               </a:ext>
             </a:extLst>
           </p:cNvPr>
@@ -18198,7 +19529,7 @@
     </p:spTree>
     <p:extLst>
       <p:ext uri="{BB962C8B-B14F-4D97-AF65-F5344CB8AC3E}">
-        <p14:creationId xmlns:p14="http://schemas.microsoft.com/office/powerpoint/2010/main" val="1389559555"/>
+        <p14:creationId xmlns:p14="http://schemas.microsoft.com/office/powerpoint/2010/main" val="390541450"/>
       </p:ext>
     </p:extLst>
   </p:cSld>
@@ -18208,7 +19539,7 @@
 </p:sld>
 </file>
 
-<file path=ppt/slides/slide18.xml><?xml version="1.0" encoding="utf-8"?>
+<file path=ppt/slides/slide19.xml><?xml version="1.0" encoding="utf-8"?>
 <p:sld xmlns:a="http://schemas.openxmlformats.org/drawingml/2006/main" xmlns:r="http://schemas.openxmlformats.org/officeDocument/2006/relationships" xmlns:p="http://schemas.openxmlformats.org/presentationml/2006/main">
   <p:cSld>
     <p:spTree>
@@ -18321,7 +19652,432 @@
 </p:sld>
 </file>
 
-<file path=ppt/slides/slide19.xml><?xml version="1.0" encoding="utf-8"?>
+<file path=ppt/slides/slide2.xml><?xml version="1.0" encoding="utf-8"?>
+<p:sld xmlns:a="http://schemas.openxmlformats.org/drawingml/2006/main" xmlns:r="http://schemas.openxmlformats.org/officeDocument/2006/relationships" xmlns:p="http://schemas.openxmlformats.org/presentationml/2006/main">
+  <p:cSld>
+    <p:spTree>
+      <p:nvGrpSpPr>
+        <p:cNvPr id="1" name=""/>
+        <p:cNvGrpSpPr/>
+        <p:nvPr/>
+      </p:nvGrpSpPr>
+      <p:grpSpPr>
+        <a:xfrm>
+          <a:off x="0" y="0"/>
+          <a:ext cx="0" cy="0"/>
+          <a:chOff x="0" y="0"/>
+          <a:chExt cx="0" cy="0"/>
+        </a:xfrm>
+      </p:grpSpPr>
+      <p:sp>
+        <p:nvSpPr>
+          <p:cNvPr id="2" name="직사각형 1"/>
+          <p:cNvSpPr/>
+          <p:nvPr/>
+        </p:nvSpPr>
+        <p:spPr>
+          <a:xfrm>
+            <a:off x="1320130" y="1477115"/>
+            <a:ext cx="9471371" cy="523220"/>
+          </a:xfrm>
+          <a:prstGeom prst="rect">
+            <a:avLst/>
+          </a:prstGeom>
+        </p:spPr>
+        <p:txBody>
+          <a:bodyPr wrap="square">
+            <a:spAutoFit/>
+          </a:bodyPr>
+          <a:lstStyle/>
+          <a:p>
+            <a:pPr algn="ctr" defTabSz="900086" eaLnBrk="0" latinLnBrk="0" hangingPunct="0">
+              <a:defRPr/>
+            </a:pPr>
+            <a:r>
+              <a:rPr lang="en-US" altLang="ko-KR" sz="2800" b="1" dirty="0">
+                <a:ln>
+                  <a:solidFill>
+                    <a:srgbClr val="4F81BD">
+                      <a:alpha val="0"/>
+                    </a:srgbClr>
+                  </a:solidFill>
+                </a:ln>
+                <a:latin typeface="현대하모니 M" panose="02020603020101020101" pitchFamily="18" charset="-127"/>
+                <a:ea typeface="현대하모니 M" panose="02020603020101020101" pitchFamily="18" charset="-127"/>
+              </a:rPr>
+              <a:t>I. </a:t>
+            </a:r>
+            <a:r>
+              <a:rPr lang="ko-KR" altLang="en-US" sz="2800" b="1" dirty="0">
+                <a:ln>
+                  <a:solidFill>
+                    <a:srgbClr val="4F81BD">
+                      <a:alpha val="0"/>
+                    </a:srgbClr>
+                  </a:solidFill>
+                </a:ln>
+                <a:latin typeface="현대하모니 M" panose="02020603020101020101" pitchFamily="18" charset="-127"/>
+                <a:ea typeface="현대하모니 M" panose="02020603020101020101" pitchFamily="18" charset="-127"/>
+              </a:rPr>
+              <a:t>입찰 툴 구동 전 세팅</a:t>
+            </a:r>
+          </a:p>
+        </p:txBody>
+      </p:sp>
+      <p:sp>
+        <p:nvSpPr>
+          <p:cNvPr id="3" name="직사각형 2"/>
+          <p:cNvSpPr/>
+          <p:nvPr/>
+        </p:nvSpPr>
+        <p:spPr>
+          <a:xfrm>
+            <a:off x="1472530" y="2388634"/>
+            <a:ext cx="9471371" cy="523220"/>
+          </a:xfrm>
+          <a:prstGeom prst="rect">
+            <a:avLst/>
+          </a:prstGeom>
+        </p:spPr>
+        <p:txBody>
+          <a:bodyPr wrap="square">
+            <a:spAutoFit/>
+          </a:bodyPr>
+          <a:lstStyle/>
+          <a:p>
+            <a:pPr algn="ctr" defTabSz="900086" eaLnBrk="0" latinLnBrk="0" hangingPunct="0">
+              <a:defRPr/>
+            </a:pPr>
+            <a:r>
+              <a:rPr lang="en-US" altLang="ko-KR" sz="2800" b="1" dirty="0">
+                <a:ln>
+                  <a:solidFill>
+                    <a:srgbClr val="4F81BD">
+                      <a:alpha val="0"/>
+                    </a:srgbClr>
+                  </a:solidFill>
+                </a:ln>
+                <a:latin typeface="현대하모니 M" panose="02020603020101020101" pitchFamily="18" charset="-127"/>
+                <a:ea typeface="현대하모니 M" panose="02020603020101020101" pitchFamily="18" charset="-127"/>
+              </a:rPr>
+              <a:t>II. </a:t>
+            </a:r>
+            <a:r>
+              <a:rPr lang="ko-KR" altLang="en-US" sz="2800" b="1" dirty="0">
+                <a:ln>
+                  <a:solidFill>
+                    <a:srgbClr val="4F81BD">
+                      <a:alpha val="0"/>
+                    </a:srgbClr>
+                  </a:solidFill>
+                </a:ln>
+                <a:latin typeface="현대하모니 M" panose="02020603020101020101" pitchFamily="18" charset="-127"/>
+                <a:ea typeface="현대하모니 M" panose="02020603020101020101" pitchFamily="18" charset="-127"/>
+              </a:rPr>
+              <a:t>입찰 툴 구동 및 모델링 수동 조정</a:t>
+            </a:r>
+          </a:p>
+        </p:txBody>
+      </p:sp>
+      <p:sp>
+        <p:nvSpPr>
+          <p:cNvPr id="4" name="직사각형 3"/>
+          <p:cNvSpPr/>
+          <p:nvPr/>
+        </p:nvSpPr>
+        <p:spPr>
+          <a:xfrm>
+            <a:off x="1320130" y="4228927"/>
+            <a:ext cx="9471371" cy="523220"/>
+          </a:xfrm>
+          <a:prstGeom prst="rect">
+            <a:avLst/>
+          </a:prstGeom>
+        </p:spPr>
+        <p:txBody>
+          <a:bodyPr wrap="square">
+            <a:spAutoFit/>
+          </a:bodyPr>
+          <a:lstStyle/>
+          <a:p>
+            <a:pPr algn="ctr" defTabSz="900086" eaLnBrk="0" latinLnBrk="0" hangingPunct="0">
+              <a:defRPr/>
+            </a:pPr>
+            <a:r>
+              <a:rPr lang="en-US" altLang="ko-KR" sz="2800" b="1" dirty="0">
+                <a:ln>
+                  <a:solidFill>
+                    <a:srgbClr val="4F81BD">
+                      <a:alpha val="0"/>
+                    </a:srgbClr>
+                  </a:solidFill>
+                </a:ln>
+                <a:latin typeface="현대하모니 M" panose="02020603020101020101" pitchFamily="18" charset="-127"/>
+                <a:ea typeface="현대하모니 M" panose="02020603020101020101" pitchFamily="18" charset="-127"/>
+              </a:rPr>
+              <a:t>Ⅳ. </a:t>
+            </a:r>
+            <a:r>
+              <a:rPr lang="ko-KR" altLang="en-US" sz="2800" b="1" dirty="0">
+                <a:ln>
+                  <a:solidFill>
+                    <a:srgbClr val="4F81BD">
+                      <a:alpha val="0"/>
+                    </a:srgbClr>
+                  </a:solidFill>
+                </a:ln>
+                <a:latin typeface="현대하모니 M" panose="02020603020101020101" pitchFamily="18" charset="-127"/>
+                <a:ea typeface="현대하모니 M" panose="02020603020101020101" pitchFamily="18" charset="-127"/>
+              </a:rPr>
+              <a:t>스케줄을 활용한 마감 </a:t>
+            </a:r>
+            <a:r>
+              <a:rPr lang="ko-KR" altLang="en-US" sz="2800" b="1" dirty="0" err="1">
+                <a:ln>
+                  <a:solidFill>
+                    <a:srgbClr val="4F81BD">
+                      <a:alpha val="0"/>
+                    </a:srgbClr>
+                  </a:solidFill>
+                </a:ln>
+                <a:latin typeface="현대하모니 M" panose="02020603020101020101" pitchFamily="18" charset="-127"/>
+                <a:ea typeface="현대하모니 M" panose="02020603020101020101" pitchFamily="18" charset="-127"/>
+              </a:rPr>
+              <a:t>설계안</a:t>
+            </a:r>
+            <a:r>
+              <a:rPr lang="ko-KR" altLang="en-US" sz="2800" b="1" dirty="0">
+                <a:ln>
+                  <a:solidFill>
+                    <a:srgbClr val="4F81BD">
+                      <a:alpha val="0"/>
+                    </a:srgbClr>
+                  </a:solidFill>
+                </a:ln>
+                <a:latin typeface="현대하모니 M" panose="02020603020101020101" pitchFamily="18" charset="-127"/>
+                <a:ea typeface="현대하모니 M" panose="02020603020101020101" pitchFamily="18" charset="-127"/>
+              </a:rPr>
+              <a:t> 입력 및 출력</a:t>
+            </a:r>
+          </a:p>
+        </p:txBody>
+      </p:sp>
+      <p:sp>
+        <p:nvSpPr>
+          <p:cNvPr id="5" name="직사각형 4"/>
+          <p:cNvSpPr/>
+          <p:nvPr/>
+        </p:nvSpPr>
+        <p:spPr>
+          <a:xfrm>
+            <a:off x="1472530" y="3268530"/>
+            <a:ext cx="9471371" cy="523220"/>
+          </a:xfrm>
+          <a:prstGeom prst="rect">
+            <a:avLst/>
+          </a:prstGeom>
+        </p:spPr>
+        <p:txBody>
+          <a:bodyPr wrap="square">
+            <a:spAutoFit/>
+          </a:bodyPr>
+          <a:lstStyle/>
+          <a:p>
+            <a:pPr algn="ctr" defTabSz="900086" eaLnBrk="0" latinLnBrk="0" hangingPunct="0">
+              <a:defRPr/>
+            </a:pPr>
+            <a:r>
+              <a:rPr lang="en-US" altLang="ko-KR" sz="2800" b="1" dirty="0">
+                <a:ln>
+                  <a:solidFill>
+                    <a:srgbClr val="4F81BD">
+                      <a:alpha val="0"/>
+                    </a:srgbClr>
+                  </a:solidFill>
+                </a:ln>
+                <a:latin typeface="현대하모니 M" panose="02020603020101020101" pitchFamily="18" charset="-127"/>
+                <a:ea typeface="현대하모니 M" panose="02020603020101020101" pitchFamily="18" charset="-127"/>
+              </a:rPr>
+              <a:t>III. </a:t>
+            </a:r>
+            <a:r>
+              <a:rPr lang="ko-KR" altLang="en-US" sz="2800" b="1" dirty="0">
+                <a:ln>
+                  <a:solidFill>
+                    <a:srgbClr val="4F81BD">
+                      <a:alpha val="0"/>
+                    </a:srgbClr>
+                  </a:solidFill>
+                </a:ln>
+                <a:latin typeface="현대하모니 M" panose="02020603020101020101" pitchFamily="18" charset="-127"/>
+                <a:ea typeface="현대하모니 M" panose="02020603020101020101" pitchFamily="18" charset="-127"/>
+              </a:rPr>
+              <a:t>룸 객체 생성 및 누락 부재 입력</a:t>
+            </a:r>
+          </a:p>
+        </p:txBody>
+      </p:sp>
+      <p:sp>
+        <p:nvSpPr>
+          <p:cNvPr id="9" name="직사각형 8">
+            <a:extLst>
+              <a:ext uri="{FF2B5EF4-FFF2-40B4-BE49-F238E27FC236}">
+                <a16:creationId xmlns:a16="http://schemas.microsoft.com/office/drawing/2014/main" id="{FF35B9C0-77EB-4ECD-DEA3-3C67366D626A}"/>
+              </a:ext>
+            </a:extLst>
+          </p:cNvPr>
+          <p:cNvSpPr/>
+          <p:nvPr/>
+        </p:nvSpPr>
+        <p:spPr>
+          <a:xfrm>
+            <a:off x="286870" y="633137"/>
+            <a:ext cx="4874795" cy="400110"/>
+          </a:xfrm>
+          <a:prstGeom prst="rect">
+            <a:avLst/>
+          </a:prstGeom>
+        </p:spPr>
+        <p:txBody>
+          <a:bodyPr wrap="square">
+            <a:spAutoFit/>
+          </a:bodyPr>
+          <a:lstStyle/>
+          <a:p>
+            <a:pPr defTabSz="900086" eaLnBrk="0" latinLnBrk="0" hangingPunct="0">
+              <a:defRPr/>
+            </a:pPr>
+            <a:r>
+              <a:rPr lang="en-US" altLang="ko-KR" sz="2000" b="1" dirty="0">
+                <a:ln>
+                  <a:solidFill>
+                    <a:srgbClr val="4F81BD">
+                      <a:alpha val="0"/>
+                    </a:srgbClr>
+                  </a:solidFill>
+                </a:ln>
+                <a:latin typeface="현대하모니 M" panose="02020603020101020101" pitchFamily="18" charset="-127"/>
+                <a:ea typeface="현대하모니 M" panose="02020603020101020101" pitchFamily="18" charset="-127"/>
+              </a:rPr>
+              <a:t>&lt;</a:t>
+            </a:r>
+            <a:r>
+              <a:rPr lang="ko-KR" altLang="en-US" sz="2000" b="1" dirty="0">
+                <a:ln>
+                  <a:solidFill>
+                    <a:srgbClr val="4F81BD">
+                      <a:alpha val="0"/>
+                    </a:srgbClr>
+                  </a:solidFill>
+                </a:ln>
+                <a:latin typeface="현대하모니 M" panose="02020603020101020101" pitchFamily="18" charset="-127"/>
+                <a:ea typeface="현대하모니 M" panose="02020603020101020101" pitchFamily="18" charset="-127"/>
+              </a:rPr>
+              <a:t>입찰 베이스 모델링</a:t>
+            </a:r>
+            <a:r>
+              <a:rPr lang="en-US" altLang="ko-KR" sz="2000" b="1" dirty="0">
+                <a:ln>
+                  <a:solidFill>
+                    <a:srgbClr val="4F81BD">
+                      <a:alpha val="0"/>
+                    </a:srgbClr>
+                  </a:solidFill>
+                </a:ln>
+                <a:latin typeface="현대하모니 M" panose="02020603020101020101" pitchFamily="18" charset="-127"/>
+                <a:ea typeface="현대하모니 M" panose="02020603020101020101" pitchFamily="18" charset="-127"/>
+              </a:rPr>
+              <a:t>-LOD200&gt;</a:t>
+            </a:r>
+            <a:endParaRPr lang="ko-KR" altLang="en-US" sz="2000" b="1" dirty="0">
+              <a:ln>
+                <a:solidFill>
+                  <a:srgbClr val="4F81BD">
+                    <a:alpha val="0"/>
+                  </a:srgbClr>
+                </a:solidFill>
+              </a:ln>
+              <a:latin typeface="현대하모니 M" panose="02020603020101020101" pitchFamily="18" charset="-127"/>
+              <a:ea typeface="현대하모니 M" panose="02020603020101020101" pitchFamily="18" charset="-127"/>
+            </a:endParaRPr>
+          </a:p>
+        </p:txBody>
+      </p:sp>
+      <p:sp>
+        <p:nvSpPr>
+          <p:cNvPr id="10" name="직사각형 9">
+            <a:extLst>
+              <a:ext uri="{FF2B5EF4-FFF2-40B4-BE49-F238E27FC236}">
+                <a16:creationId xmlns:a16="http://schemas.microsoft.com/office/drawing/2014/main" id="{A4C1FB42-7430-6DB3-E65D-C46E14761D82}"/>
+              </a:ext>
+            </a:extLst>
+          </p:cNvPr>
+          <p:cNvSpPr/>
+          <p:nvPr/>
+        </p:nvSpPr>
+        <p:spPr>
+          <a:xfrm>
+            <a:off x="1320130" y="5189324"/>
+            <a:ext cx="9471371" cy="523220"/>
+          </a:xfrm>
+          <a:prstGeom prst="rect">
+            <a:avLst/>
+          </a:prstGeom>
+        </p:spPr>
+        <p:txBody>
+          <a:bodyPr wrap="square">
+            <a:spAutoFit/>
+          </a:bodyPr>
+          <a:lstStyle/>
+          <a:p>
+            <a:pPr algn="ctr" defTabSz="900086" eaLnBrk="0" latinLnBrk="0" hangingPunct="0">
+              <a:defRPr/>
+            </a:pPr>
+            <a:r>
+              <a:rPr lang="en-US" altLang="ko-KR" sz="2800" b="1" dirty="0">
+                <a:ln>
+                  <a:solidFill>
+                    <a:srgbClr val="4F81BD">
+                      <a:alpha val="0"/>
+                    </a:srgbClr>
+                  </a:solidFill>
+                </a:ln>
+                <a:latin typeface="현대하모니 M" panose="02020603020101020101" pitchFamily="18" charset="-127"/>
+                <a:ea typeface="현대하모니 M" panose="02020603020101020101" pitchFamily="18" charset="-127"/>
+              </a:rPr>
+              <a:t>Ⅴ. </a:t>
+            </a:r>
+            <a:r>
+              <a:rPr lang="ko-KR" altLang="en-US" sz="2800" b="1" dirty="0">
+                <a:ln>
+                  <a:solidFill>
+                    <a:srgbClr val="4F81BD">
+                      <a:alpha val="0"/>
+                    </a:srgbClr>
+                  </a:solidFill>
+                </a:ln>
+                <a:latin typeface="현대하모니 M" panose="02020603020101020101" pitchFamily="18" charset="-127"/>
+                <a:ea typeface="현대하모니 M" panose="02020603020101020101" pitchFamily="18" charset="-127"/>
+              </a:rPr>
+              <a:t>입찰 모델링 도면화</a:t>
+            </a:r>
+          </a:p>
+        </p:txBody>
+      </p:sp>
+    </p:spTree>
+    <p:extLst>
+      <p:ext uri="{BB962C8B-B14F-4D97-AF65-F5344CB8AC3E}">
+        <p14:creationId xmlns:p14="http://schemas.microsoft.com/office/powerpoint/2010/main" val="3806311272"/>
+      </p:ext>
+    </p:extLst>
+  </p:cSld>
+  <p:clrMapOvr>
+    <a:masterClrMapping/>
+  </p:clrMapOvr>
+</p:sld>
+</file>
+
+<file path=ppt/slides/slide20.xml><?xml version="1.0" encoding="utf-8"?>
 <p:sld xmlns:a="http://schemas.openxmlformats.org/drawingml/2006/main" xmlns:r="http://schemas.openxmlformats.org/officeDocument/2006/relationships" xmlns:p="http://schemas.openxmlformats.org/presentationml/2006/main">
   <p:cSld>
     <p:spTree>
@@ -19218,432 +20974,7 @@
 </p:sld>
 </file>
 
-<file path=ppt/slides/slide2.xml><?xml version="1.0" encoding="utf-8"?>
-<p:sld xmlns:a="http://schemas.openxmlformats.org/drawingml/2006/main" xmlns:r="http://schemas.openxmlformats.org/officeDocument/2006/relationships" xmlns:p="http://schemas.openxmlformats.org/presentationml/2006/main">
-  <p:cSld>
-    <p:spTree>
-      <p:nvGrpSpPr>
-        <p:cNvPr id="1" name=""/>
-        <p:cNvGrpSpPr/>
-        <p:nvPr/>
-      </p:nvGrpSpPr>
-      <p:grpSpPr>
-        <a:xfrm>
-          <a:off x="0" y="0"/>
-          <a:ext cx="0" cy="0"/>
-          <a:chOff x="0" y="0"/>
-          <a:chExt cx="0" cy="0"/>
-        </a:xfrm>
-      </p:grpSpPr>
-      <p:sp>
-        <p:nvSpPr>
-          <p:cNvPr id="2" name="직사각형 1"/>
-          <p:cNvSpPr/>
-          <p:nvPr/>
-        </p:nvSpPr>
-        <p:spPr>
-          <a:xfrm>
-            <a:off x="1320130" y="1477115"/>
-            <a:ext cx="9471371" cy="523220"/>
-          </a:xfrm>
-          <a:prstGeom prst="rect">
-            <a:avLst/>
-          </a:prstGeom>
-        </p:spPr>
-        <p:txBody>
-          <a:bodyPr wrap="square">
-            <a:spAutoFit/>
-          </a:bodyPr>
-          <a:lstStyle/>
-          <a:p>
-            <a:pPr algn="ctr" defTabSz="900086" eaLnBrk="0" latinLnBrk="0" hangingPunct="0">
-              <a:defRPr/>
-            </a:pPr>
-            <a:r>
-              <a:rPr lang="en-US" altLang="ko-KR" sz="2800" b="1" dirty="0">
-                <a:ln>
-                  <a:solidFill>
-                    <a:srgbClr val="4F81BD">
-                      <a:alpha val="0"/>
-                    </a:srgbClr>
-                  </a:solidFill>
-                </a:ln>
-                <a:latin typeface="현대하모니 M" panose="02020603020101020101" pitchFamily="18" charset="-127"/>
-                <a:ea typeface="현대하모니 M" panose="02020603020101020101" pitchFamily="18" charset="-127"/>
-              </a:rPr>
-              <a:t>I. </a:t>
-            </a:r>
-            <a:r>
-              <a:rPr lang="ko-KR" altLang="en-US" sz="2800" b="1" dirty="0">
-                <a:ln>
-                  <a:solidFill>
-                    <a:srgbClr val="4F81BD">
-                      <a:alpha val="0"/>
-                    </a:srgbClr>
-                  </a:solidFill>
-                </a:ln>
-                <a:latin typeface="현대하모니 M" panose="02020603020101020101" pitchFamily="18" charset="-127"/>
-                <a:ea typeface="현대하모니 M" panose="02020603020101020101" pitchFamily="18" charset="-127"/>
-              </a:rPr>
-              <a:t>입찰 툴 구동 전 세팅</a:t>
-            </a:r>
-          </a:p>
-        </p:txBody>
-      </p:sp>
-      <p:sp>
-        <p:nvSpPr>
-          <p:cNvPr id="3" name="직사각형 2"/>
-          <p:cNvSpPr/>
-          <p:nvPr/>
-        </p:nvSpPr>
-        <p:spPr>
-          <a:xfrm>
-            <a:off x="1472530" y="2388634"/>
-            <a:ext cx="9471371" cy="523220"/>
-          </a:xfrm>
-          <a:prstGeom prst="rect">
-            <a:avLst/>
-          </a:prstGeom>
-        </p:spPr>
-        <p:txBody>
-          <a:bodyPr wrap="square">
-            <a:spAutoFit/>
-          </a:bodyPr>
-          <a:lstStyle/>
-          <a:p>
-            <a:pPr algn="ctr" defTabSz="900086" eaLnBrk="0" latinLnBrk="0" hangingPunct="0">
-              <a:defRPr/>
-            </a:pPr>
-            <a:r>
-              <a:rPr lang="en-US" altLang="ko-KR" sz="2800" b="1" dirty="0">
-                <a:ln>
-                  <a:solidFill>
-                    <a:srgbClr val="4F81BD">
-                      <a:alpha val="0"/>
-                    </a:srgbClr>
-                  </a:solidFill>
-                </a:ln>
-                <a:latin typeface="현대하모니 M" panose="02020603020101020101" pitchFamily="18" charset="-127"/>
-                <a:ea typeface="현대하모니 M" panose="02020603020101020101" pitchFamily="18" charset="-127"/>
-              </a:rPr>
-              <a:t>II. </a:t>
-            </a:r>
-            <a:r>
-              <a:rPr lang="ko-KR" altLang="en-US" sz="2800" b="1" dirty="0">
-                <a:ln>
-                  <a:solidFill>
-                    <a:srgbClr val="4F81BD">
-                      <a:alpha val="0"/>
-                    </a:srgbClr>
-                  </a:solidFill>
-                </a:ln>
-                <a:latin typeface="현대하모니 M" panose="02020603020101020101" pitchFamily="18" charset="-127"/>
-                <a:ea typeface="현대하모니 M" panose="02020603020101020101" pitchFamily="18" charset="-127"/>
-              </a:rPr>
-              <a:t>입찰 툴 구동 및 모델링 수동 조정</a:t>
-            </a:r>
-          </a:p>
-        </p:txBody>
-      </p:sp>
-      <p:sp>
-        <p:nvSpPr>
-          <p:cNvPr id="4" name="직사각형 3"/>
-          <p:cNvSpPr/>
-          <p:nvPr/>
-        </p:nvSpPr>
-        <p:spPr>
-          <a:xfrm>
-            <a:off x="1320130" y="4228927"/>
-            <a:ext cx="9471371" cy="523220"/>
-          </a:xfrm>
-          <a:prstGeom prst="rect">
-            <a:avLst/>
-          </a:prstGeom>
-        </p:spPr>
-        <p:txBody>
-          <a:bodyPr wrap="square">
-            <a:spAutoFit/>
-          </a:bodyPr>
-          <a:lstStyle/>
-          <a:p>
-            <a:pPr algn="ctr" defTabSz="900086" eaLnBrk="0" latinLnBrk="0" hangingPunct="0">
-              <a:defRPr/>
-            </a:pPr>
-            <a:r>
-              <a:rPr lang="en-US" altLang="ko-KR" sz="2800" b="1" dirty="0">
-                <a:ln>
-                  <a:solidFill>
-                    <a:srgbClr val="4F81BD">
-                      <a:alpha val="0"/>
-                    </a:srgbClr>
-                  </a:solidFill>
-                </a:ln>
-                <a:latin typeface="현대하모니 M" panose="02020603020101020101" pitchFamily="18" charset="-127"/>
-                <a:ea typeface="현대하모니 M" panose="02020603020101020101" pitchFamily="18" charset="-127"/>
-              </a:rPr>
-              <a:t>Ⅳ. </a:t>
-            </a:r>
-            <a:r>
-              <a:rPr lang="ko-KR" altLang="en-US" sz="2800" b="1" dirty="0">
-                <a:ln>
-                  <a:solidFill>
-                    <a:srgbClr val="4F81BD">
-                      <a:alpha val="0"/>
-                    </a:srgbClr>
-                  </a:solidFill>
-                </a:ln>
-                <a:latin typeface="현대하모니 M" panose="02020603020101020101" pitchFamily="18" charset="-127"/>
-                <a:ea typeface="현대하모니 M" panose="02020603020101020101" pitchFamily="18" charset="-127"/>
-              </a:rPr>
-              <a:t>스케줄을 활용한 마감 </a:t>
-            </a:r>
-            <a:r>
-              <a:rPr lang="ko-KR" altLang="en-US" sz="2800" b="1" dirty="0" err="1">
-                <a:ln>
-                  <a:solidFill>
-                    <a:srgbClr val="4F81BD">
-                      <a:alpha val="0"/>
-                    </a:srgbClr>
-                  </a:solidFill>
-                </a:ln>
-                <a:latin typeface="현대하모니 M" panose="02020603020101020101" pitchFamily="18" charset="-127"/>
-                <a:ea typeface="현대하모니 M" panose="02020603020101020101" pitchFamily="18" charset="-127"/>
-              </a:rPr>
-              <a:t>설계안</a:t>
-            </a:r>
-            <a:r>
-              <a:rPr lang="ko-KR" altLang="en-US" sz="2800" b="1" dirty="0">
-                <a:ln>
-                  <a:solidFill>
-                    <a:srgbClr val="4F81BD">
-                      <a:alpha val="0"/>
-                    </a:srgbClr>
-                  </a:solidFill>
-                </a:ln>
-                <a:latin typeface="현대하모니 M" panose="02020603020101020101" pitchFamily="18" charset="-127"/>
-                <a:ea typeface="현대하모니 M" panose="02020603020101020101" pitchFamily="18" charset="-127"/>
-              </a:rPr>
-              <a:t> 입력 및 출력</a:t>
-            </a:r>
-          </a:p>
-        </p:txBody>
-      </p:sp>
-      <p:sp>
-        <p:nvSpPr>
-          <p:cNvPr id="5" name="직사각형 4"/>
-          <p:cNvSpPr/>
-          <p:nvPr/>
-        </p:nvSpPr>
-        <p:spPr>
-          <a:xfrm>
-            <a:off x="1472530" y="3268530"/>
-            <a:ext cx="9471371" cy="523220"/>
-          </a:xfrm>
-          <a:prstGeom prst="rect">
-            <a:avLst/>
-          </a:prstGeom>
-        </p:spPr>
-        <p:txBody>
-          <a:bodyPr wrap="square">
-            <a:spAutoFit/>
-          </a:bodyPr>
-          <a:lstStyle/>
-          <a:p>
-            <a:pPr algn="ctr" defTabSz="900086" eaLnBrk="0" latinLnBrk="0" hangingPunct="0">
-              <a:defRPr/>
-            </a:pPr>
-            <a:r>
-              <a:rPr lang="en-US" altLang="ko-KR" sz="2800" b="1" dirty="0">
-                <a:ln>
-                  <a:solidFill>
-                    <a:srgbClr val="4F81BD">
-                      <a:alpha val="0"/>
-                    </a:srgbClr>
-                  </a:solidFill>
-                </a:ln>
-                <a:latin typeface="현대하모니 M" panose="02020603020101020101" pitchFamily="18" charset="-127"/>
-                <a:ea typeface="현대하모니 M" panose="02020603020101020101" pitchFamily="18" charset="-127"/>
-              </a:rPr>
-              <a:t>III. </a:t>
-            </a:r>
-            <a:r>
-              <a:rPr lang="ko-KR" altLang="en-US" sz="2800" b="1" dirty="0">
-                <a:ln>
-                  <a:solidFill>
-                    <a:srgbClr val="4F81BD">
-                      <a:alpha val="0"/>
-                    </a:srgbClr>
-                  </a:solidFill>
-                </a:ln>
-                <a:latin typeface="현대하모니 M" panose="02020603020101020101" pitchFamily="18" charset="-127"/>
-                <a:ea typeface="현대하모니 M" panose="02020603020101020101" pitchFamily="18" charset="-127"/>
-              </a:rPr>
-              <a:t>룸 객체 생성 및 누락 부재 입력</a:t>
-            </a:r>
-          </a:p>
-        </p:txBody>
-      </p:sp>
-      <p:sp>
-        <p:nvSpPr>
-          <p:cNvPr id="9" name="직사각형 8">
-            <a:extLst>
-              <a:ext uri="{FF2B5EF4-FFF2-40B4-BE49-F238E27FC236}">
-                <a16:creationId xmlns:a16="http://schemas.microsoft.com/office/drawing/2014/main" id="{FF35B9C0-77EB-4ECD-DEA3-3C67366D626A}"/>
-              </a:ext>
-            </a:extLst>
-          </p:cNvPr>
-          <p:cNvSpPr/>
-          <p:nvPr/>
-        </p:nvSpPr>
-        <p:spPr>
-          <a:xfrm>
-            <a:off x="286870" y="633137"/>
-            <a:ext cx="4874795" cy="400110"/>
-          </a:xfrm>
-          <a:prstGeom prst="rect">
-            <a:avLst/>
-          </a:prstGeom>
-        </p:spPr>
-        <p:txBody>
-          <a:bodyPr wrap="square">
-            <a:spAutoFit/>
-          </a:bodyPr>
-          <a:lstStyle/>
-          <a:p>
-            <a:pPr defTabSz="900086" eaLnBrk="0" latinLnBrk="0" hangingPunct="0">
-              <a:defRPr/>
-            </a:pPr>
-            <a:r>
-              <a:rPr lang="en-US" altLang="ko-KR" sz="2000" b="1" dirty="0">
-                <a:ln>
-                  <a:solidFill>
-                    <a:srgbClr val="4F81BD">
-                      <a:alpha val="0"/>
-                    </a:srgbClr>
-                  </a:solidFill>
-                </a:ln>
-                <a:latin typeface="현대하모니 M" panose="02020603020101020101" pitchFamily="18" charset="-127"/>
-                <a:ea typeface="현대하모니 M" panose="02020603020101020101" pitchFamily="18" charset="-127"/>
-              </a:rPr>
-              <a:t>&lt;</a:t>
-            </a:r>
-            <a:r>
-              <a:rPr lang="ko-KR" altLang="en-US" sz="2000" b="1" dirty="0">
-                <a:ln>
-                  <a:solidFill>
-                    <a:srgbClr val="4F81BD">
-                      <a:alpha val="0"/>
-                    </a:srgbClr>
-                  </a:solidFill>
-                </a:ln>
-                <a:latin typeface="현대하모니 M" panose="02020603020101020101" pitchFamily="18" charset="-127"/>
-                <a:ea typeface="현대하모니 M" panose="02020603020101020101" pitchFamily="18" charset="-127"/>
-              </a:rPr>
-              <a:t>입찰 베이스 모델링</a:t>
-            </a:r>
-            <a:r>
-              <a:rPr lang="en-US" altLang="ko-KR" sz="2000" b="1" dirty="0">
-                <a:ln>
-                  <a:solidFill>
-                    <a:srgbClr val="4F81BD">
-                      <a:alpha val="0"/>
-                    </a:srgbClr>
-                  </a:solidFill>
-                </a:ln>
-                <a:latin typeface="현대하모니 M" panose="02020603020101020101" pitchFamily="18" charset="-127"/>
-                <a:ea typeface="현대하모니 M" panose="02020603020101020101" pitchFamily="18" charset="-127"/>
-              </a:rPr>
-              <a:t>-LOD200&gt;</a:t>
-            </a:r>
-            <a:endParaRPr lang="ko-KR" altLang="en-US" sz="2000" b="1" dirty="0">
-              <a:ln>
-                <a:solidFill>
-                  <a:srgbClr val="4F81BD">
-                    <a:alpha val="0"/>
-                  </a:srgbClr>
-                </a:solidFill>
-              </a:ln>
-              <a:latin typeface="현대하모니 M" panose="02020603020101020101" pitchFamily="18" charset="-127"/>
-              <a:ea typeface="현대하모니 M" panose="02020603020101020101" pitchFamily="18" charset="-127"/>
-            </a:endParaRPr>
-          </a:p>
-        </p:txBody>
-      </p:sp>
-      <p:sp>
-        <p:nvSpPr>
-          <p:cNvPr id="10" name="직사각형 9">
-            <a:extLst>
-              <a:ext uri="{FF2B5EF4-FFF2-40B4-BE49-F238E27FC236}">
-                <a16:creationId xmlns:a16="http://schemas.microsoft.com/office/drawing/2014/main" id="{A4C1FB42-7430-6DB3-E65D-C46E14761D82}"/>
-              </a:ext>
-            </a:extLst>
-          </p:cNvPr>
-          <p:cNvSpPr/>
-          <p:nvPr/>
-        </p:nvSpPr>
-        <p:spPr>
-          <a:xfrm>
-            <a:off x="1320130" y="5189324"/>
-            <a:ext cx="9471371" cy="523220"/>
-          </a:xfrm>
-          <a:prstGeom prst="rect">
-            <a:avLst/>
-          </a:prstGeom>
-        </p:spPr>
-        <p:txBody>
-          <a:bodyPr wrap="square">
-            <a:spAutoFit/>
-          </a:bodyPr>
-          <a:lstStyle/>
-          <a:p>
-            <a:pPr algn="ctr" defTabSz="900086" eaLnBrk="0" latinLnBrk="0" hangingPunct="0">
-              <a:defRPr/>
-            </a:pPr>
-            <a:r>
-              <a:rPr lang="en-US" altLang="ko-KR" sz="2800" b="1" dirty="0">
-                <a:ln>
-                  <a:solidFill>
-                    <a:srgbClr val="4F81BD">
-                      <a:alpha val="0"/>
-                    </a:srgbClr>
-                  </a:solidFill>
-                </a:ln>
-                <a:latin typeface="현대하모니 M" panose="02020603020101020101" pitchFamily="18" charset="-127"/>
-                <a:ea typeface="현대하모니 M" panose="02020603020101020101" pitchFamily="18" charset="-127"/>
-              </a:rPr>
-              <a:t>Ⅴ. </a:t>
-            </a:r>
-            <a:r>
-              <a:rPr lang="ko-KR" altLang="en-US" sz="2800" b="1" dirty="0">
-                <a:ln>
-                  <a:solidFill>
-                    <a:srgbClr val="4F81BD">
-                      <a:alpha val="0"/>
-                    </a:srgbClr>
-                  </a:solidFill>
-                </a:ln>
-                <a:latin typeface="현대하모니 M" panose="02020603020101020101" pitchFamily="18" charset="-127"/>
-                <a:ea typeface="현대하모니 M" panose="02020603020101020101" pitchFamily="18" charset="-127"/>
-              </a:rPr>
-              <a:t>입찰 모델링 도면화</a:t>
-            </a:r>
-          </a:p>
-        </p:txBody>
-      </p:sp>
-    </p:spTree>
-    <p:extLst>
-      <p:ext uri="{BB962C8B-B14F-4D97-AF65-F5344CB8AC3E}">
-        <p14:creationId xmlns:p14="http://schemas.microsoft.com/office/powerpoint/2010/main" val="3806311272"/>
-      </p:ext>
-    </p:extLst>
-  </p:cSld>
-  <p:clrMapOvr>
-    <a:masterClrMapping/>
-  </p:clrMapOvr>
-</p:sld>
-</file>
-
-<file path=ppt/slides/slide20.xml><?xml version="1.0" encoding="utf-8"?>
+<file path=ppt/slides/slide21.xml><?xml version="1.0" encoding="utf-8"?>
 <p:sld xmlns:a="http://schemas.openxmlformats.org/drawingml/2006/main" xmlns:r="http://schemas.openxmlformats.org/officeDocument/2006/relationships" xmlns:p="http://schemas.openxmlformats.org/presentationml/2006/main">
   <p:cSld>
     <p:spTree>
@@ -21443,7 +22774,7 @@
 </p:sld>
 </file>
 
-<file path=ppt/slides/slide21.xml><?xml version="1.0" encoding="utf-8"?>
+<file path=ppt/slides/slide22.xml><?xml version="1.0" encoding="utf-8"?>
 <p:sld xmlns:a="http://schemas.openxmlformats.org/drawingml/2006/main" xmlns:r="http://schemas.openxmlformats.org/officeDocument/2006/relationships" xmlns:p="http://schemas.openxmlformats.org/presentationml/2006/main">
   <p:cSld>
     <p:spTree>
@@ -22379,7 +23710,7 @@
 </p:sld>
 </file>
 
-<file path=ppt/slides/slide22.xml><?xml version="1.0" encoding="utf-8"?>
+<file path=ppt/slides/slide23.xml><?xml version="1.0" encoding="utf-8"?>
 <p:sld xmlns:a="http://schemas.openxmlformats.org/drawingml/2006/main" xmlns:r="http://schemas.openxmlformats.org/officeDocument/2006/relationships" xmlns:p="http://schemas.openxmlformats.org/presentationml/2006/main">
   <p:cSld>
     <p:spTree>
@@ -23707,7 +25038,7 @@
 </p:sld>
 </file>
 
-<file path=ppt/slides/slide23.xml><?xml version="1.0" encoding="utf-8"?>
+<file path=ppt/slides/slide24.xml><?xml version="1.0" encoding="utf-8"?>
 <p:sld xmlns:a="http://schemas.openxmlformats.org/drawingml/2006/main" xmlns:r="http://schemas.openxmlformats.org/officeDocument/2006/relationships" xmlns:p="http://schemas.openxmlformats.org/presentationml/2006/main">
   <p:cSld>
     <p:spTree>
@@ -24820,7 +26151,7 @@
 </p:sld>
 </file>
 
-<file path=ppt/slides/slide24.xml><?xml version="1.0" encoding="utf-8"?>
+<file path=ppt/slides/slide25.xml><?xml version="1.0" encoding="utf-8"?>
 <p:sld xmlns:a="http://schemas.openxmlformats.org/drawingml/2006/main" xmlns:r="http://schemas.openxmlformats.org/officeDocument/2006/relationships" xmlns:p="http://schemas.openxmlformats.org/presentationml/2006/main">
   <p:cSld>
     <p:spTree>
@@ -25846,7 +27177,7 @@
 </p:sld>
 </file>
 
-<file path=ppt/slides/slide25.xml><?xml version="1.0" encoding="utf-8"?>
+<file path=ppt/slides/slide26.xml><?xml version="1.0" encoding="utf-8"?>
 <p:sld xmlns:a="http://schemas.openxmlformats.org/drawingml/2006/main" xmlns:r="http://schemas.openxmlformats.org/officeDocument/2006/relationships" xmlns:p="http://schemas.openxmlformats.org/presentationml/2006/main">
   <p:cSld>
     <p:spTree>
@@ -29044,7 +30375,7 @@
 </p:sld>
 </file>
 
-<file path=ppt/slides/slide26.xml><?xml version="1.0" encoding="utf-8"?>
+<file path=ppt/slides/slide27.xml><?xml version="1.0" encoding="utf-8"?>
 <p:sld xmlns:a="http://schemas.openxmlformats.org/drawingml/2006/main" xmlns:r="http://schemas.openxmlformats.org/officeDocument/2006/relationships" xmlns:p="http://schemas.openxmlformats.org/presentationml/2006/main">
   <p:cSld>
     <p:spTree>
@@ -30023,7 +31354,7 @@
 </p:sld>
 </file>
 
-<file path=ppt/slides/slide27.xml><?xml version="1.0" encoding="utf-8"?>
+<file path=ppt/slides/slide28.xml><?xml version="1.0" encoding="utf-8"?>
 <p:sld xmlns:a="http://schemas.openxmlformats.org/drawingml/2006/main" xmlns:r="http://schemas.openxmlformats.org/officeDocument/2006/relationships" xmlns:p="http://schemas.openxmlformats.org/presentationml/2006/main">
   <p:cSld>
     <p:spTree>
@@ -31073,7 +32404,7 @@
 </p:sld>
 </file>
 
-<file path=ppt/slides/slide28.xml><?xml version="1.0" encoding="utf-8"?>
+<file path=ppt/slides/slide29.xml><?xml version="1.0" encoding="utf-8"?>
 <p:sld xmlns:a="http://schemas.openxmlformats.org/drawingml/2006/main" xmlns:r="http://schemas.openxmlformats.org/officeDocument/2006/relationships" xmlns:p="http://schemas.openxmlformats.org/presentationml/2006/main">
   <p:cSld>
     <p:spTree>
@@ -37392,17 +38723,6 @@
 </file>
 
 <file path=customXml/item1.xml><?xml version="1.0" encoding="utf-8"?>
-<p:properties xmlns:p="http://schemas.microsoft.com/office/2006/metadata/properties" xmlns:xsi="http://www.w3.org/2001/XMLSchema-instance" xmlns:pc="http://schemas.microsoft.com/office/infopath/2007/PartnerControls">
-  <documentManagement>
-    <TaxCatchAll xmlns="1df8d749-692d-49a0-b17f-039abb75530b" xsi:nil="true"/>
-    <lcf76f155ced4ddcb4097134ff3c332f xmlns="31d58751-bbf6-4d52-983e-b571b4cec1a2">
-      <Terms xmlns="http://schemas.microsoft.com/office/infopath/2007/PartnerControls"/>
-    </lcf76f155ced4ddcb4097134ff3c332f>
-  </documentManagement>
-</p:properties>
-</file>
-
-<file path=customXml/item2.xml><?xml version="1.0" encoding="utf-8"?>
 <ct:contentTypeSchema xmlns:ct="http://schemas.microsoft.com/office/2006/metadata/contentType" xmlns:ma="http://schemas.microsoft.com/office/2006/metadata/properties/metaAttributes" ct:_="" ma:_="" ma:contentTypeName="Document" ma:contentTypeID="0x0101001708ADEC9AB2D74E8EF8811BBC4F9F5F" ma:contentTypeVersion="13" ma:contentTypeDescription="Create a new document." ma:contentTypeScope="" ma:versionID="a3b06910737554b5ac940bb5c49a8122">
   <xsd:schema xmlns:xsd="http://www.w3.org/2001/XMLSchema" xmlns:xs="http://www.w3.org/2001/XMLSchema" xmlns:p="http://schemas.microsoft.com/office/2006/metadata/properties" xmlns:ns2="31d58751-bbf6-4d52-983e-b571b4cec1a2" xmlns:ns3="1df8d749-692d-49a0-b17f-039abb75530b" targetNamespace="http://schemas.microsoft.com/office/2006/metadata/properties" ma:root="true" ma:fieldsID="e65be07af5111e27d94503899b5835e0" ns2:_="" ns3:_="">
     <xsd:import namespace="31d58751-bbf6-4d52-983e-b571b4cec1a2"/>
@@ -37625,6 +38945,17 @@
 </ct:contentTypeSchema>
 </file>
 
+<file path=customXml/item2.xml><?xml version="1.0" encoding="utf-8"?>
+<p:properties xmlns:p="http://schemas.microsoft.com/office/2006/metadata/properties" xmlns:xsi="http://www.w3.org/2001/XMLSchema-instance" xmlns:pc="http://schemas.microsoft.com/office/infopath/2007/PartnerControls">
+  <documentManagement>
+    <TaxCatchAll xmlns="1df8d749-692d-49a0-b17f-039abb75530b" xsi:nil="true"/>
+    <lcf76f155ced4ddcb4097134ff3c332f xmlns="31d58751-bbf6-4d52-983e-b571b4cec1a2">
+      <Terms xmlns="http://schemas.microsoft.com/office/infopath/2007/PartnerControls"/>
+    </lcf76f155ced4ddcb4097134ff3c332f>
+  </documentManagement>
+</p:properties>
+</file>
+
 <file path=customXml/item3.xml><?xml version="1.0" encoding="utf-8"?>
 <?mso-contentType ?>
 <FormTemplates xmlns="http://schemas.microsoft.com/sharepoint/v3/contenttype/forms">
@@ -37635,23 +38966,6 @@
 </file>
 
 <file path=customXml/itemProps1.xml><?xml version="1.0" encoding="utf-8"?>
-<ds:datastoreItem xmlns:ds="http://schemas.openxmlformats.org/officeDocument/2006/customXml" ds:itemID="{AFAF279A-332D-4A43-AAEA-37BADD2E9B0D}">
-  <ds:schemaRefs>
-    <ds:schemaRef ds:uri="http://purl.org/dc/terms/"/>
-    <ds:schemaRef ds:uri="1df8d749-692d-49a0-b17f-039abb75530b"/>
-    <ds:schemaRef ds:uri="http://schemas.microsoft.com/office/infopath/2007/PartnerControls"/>
-    <ds:schemaRef ds:uri="http://schemas.openxmlformats.org/package/2006/metadata/core-properties"/>
-    <ds:schemaRef ds:uri="http://www.w3.org/XML/1998/namespace"/>
-    <ds:schemaRef ds:uri="http://schemas.microsoft.com/office/2006/metadata/properties"/>
-    <ds:schemaRef ds:uri="http://schemas.microsoft.com/office/2006/documentManagement/types"/>
-    <ds:schemaRef ds:uri="http://purl.org/dc/dcmitype/"/>
-    <ds:schemaRef ds:uri="31d58751-bbf6-4d52-983e-b571b4cec1a2"/>
-    <ds:schemaRef ds:uri="http://purl.org/dc/elements/1.1/"/>
-  </ds:schemaRefs>
-</ds:datastoreItem>
-</file>
-
-<file path=customXml/itemProps2.xml><?xml version="1.0" encoding="utf-8"?>
 <ds:datastoreItem xmlns:ds="http://schemas.openxmlformats.org/officeDocument/2006/customXml" ds:itemID="{47108C31-B407-4318-9A85-98FFD0EFF9B6}">
   <ds:schemaRefs>
     <ds:schemaRef ds:uri="http://schemas.microsoft.com/office/2006/metadata/contentType"/>
@@ -37670,6 +38984,23 @@
 </ds:datastoreItem>
 </file>
 
+<file path=customXml/itemProps2.xml><?xml version="1.0" encoding="utf-8"?>
+<ds:datastoreItem xmlns:ds="http://schemas.openxmlformats.org/officeDocument/2006/customXml" ds:itemID="{AFAF279A-332D-4A43-AAEA-37BADD2E9B0D}">
+  <ds:schemaRefs>
+    <ds:schemaRef ds:uri="http://purl.org/dc/terms/"/>
+    <ds:schemaRef ds:uri="1df8d749-692d-49a0-b17f-039abb75530b"/>
+    <ds:schemaRef ds:uri="http://schemas.microsoft.com/office/infopath/2007/PartnerControls"/>
+    <ds:schemaRef ds:uri="http://schemas.openxmlformats.org/package/2006/metadata/core-properties"/>
+    <ds:schemaRef ds:uri="http://www.w3.org/XML/1998/namespace"/>
+    <ds:schemaRef ds:uri="http://schemas.microsoft.com/office/2006/metadata/properties"/>
+    <ds:schemaRef ds:uri="http://schemas.microsoft.com/office/2006/documentManagement/types"/>
+    <ds:schemaRef ds:uri="http://purl.org/dc/dcmitype/"/>
+    <ds:schemaRef ds:uri="31d58751-bbf6-4d52-983e-b571b4cec1a2"/>
+    <ds:schemaRef ds:uri="http://purl.org/dc/elements/1.1/"/>
+  </ds:schemaRefs>
+</ds:datastoreItem>
+</file>
+
 <file path=customXml/itemProps3.xml><?xml version="1.0" encoding="utf-8"?>
 <ds:datastoreItem xmlns:ds="http://schemas.openxmlformats.org/officeDocument/2006/customXml" ds:itemID="{5F75E257-10B3-4CDF-A4F0-C9CCDA83B5D5}">
   <ds:schemaRefs>

--- a/etc/_팀교육/플랜트건축설계팀_BIM 팀 교육자료(2024).pptx
+++ b/etc/_팀교육/플랜트건축설계팀_BIM 팀 교육자료(2024).pptx
@@ -12032,35 +12032,7 @@
                 <a:latin typeface="현대하모니 L" panose="02020603020101020101" pitchFamily="18" charset="-127"/>
                 <a:ea typeface="현대하모니 L" panose="02020603020101020101" pitchFamily="18" charset="-127"/>
               </a:rPr>
-              <a:t>(</a:t>
-            </a:r>
-            <a:r>
-              <a:rPr lang="en-US" altLang="ko-KR" sz="900" dirty="0" err="1">
-                <a:latin typeface="현대하모니 L" panose="02020603020101020101" pitchFamily="18" charset="-127"/>
-                <a:ea typeface="현대하모니 L" panose="02020603020101020101" pitchFamily="18" charset="-127"/>
-              </a:rPr>
-              <a:t>Bidding_Elements</a:t>
-            </a:r>
-            <a:r>
-              <a:rPr lang="en-US" altLang="ko-KR" sz="900" dirty="0">
-                <a:latin typeface="현대하모니 L" panose="02020603020101020101" pitchFamily="18" charset="-127"/>
-                <a:ea typeface="현대하모니 L" panose="02020603020101020101" pitchFamily="18" charset="-127"/>
-              </a:rPr>
-              <a:t> Join Order </a:t>
-            </a:r>
-            <a:r>
-              <a:rPr lang="en-US" altLang="ko-KR" sz="900" dirty="0" err="1">
-                <a:latin typeface="현대하모니 L" panose="02020603020101020101" pitchFamily="18" charset="-127"/>
-                <a:ea typeface="현대하모니 L" panose="02020603020101020101" pitchFamily="18" charset="-127"/>
-              </a:rPr>
-              <a:t>Organizer.dyn</a:t>
-            </a:r>
-            <a:r>
-              <a:rPr lang="en-US" altLang="ko-KR" sz="900" dirty="0">
-                <a:latin typeface="현대하모니 L" panose="02020603020101020101" pitchFamily="18" charset="-127"/>
-                <a:ea typeface="현대하모니 L" panose="02020603020101020101" pitchFamily="18" charset="-127"/>
-              </a:rPr>
-              <a:t>)</a:t>
+              <a:t>(##_Bid_Elements Join Order Organizer.dyn)</a:t>
             </a:r>
           </a:p>
         </p:txBody>
@@ -15116,7 +15088,7 @@
               <a:t> 이용한다</a:t>
             </a:r>
             <a:r>
-              <a:rPr lang="en-US" altLang="ko-KR" sz="900">
+              <a:rPr lang="en-US" altLang="ko-KR" sz="900" dirty="0">
                 <a:latin typeface="현대하모니 L" panose="02020603020101020101" pitchFamily="18" charset="-127"/>
                 <a:ea typeface="현대하모니 L" panose="02020603020101020101" pitchFamily="18" charset="-127"/>
               </a:rPr>
@@ -15125,39 +15097,11 @@
           </a:p>
           <a:p>
             <a:r>
-              <a:rPr lang="en-US" altLang="ko-KR" sz="900">
-                <a:latin typeface="현대하모니 L" panose="02020603020101020101" pitchFamily="18" charset="-127"/>
-                <a:ea typeface="현대하모니 L" panose="02020603020101020101" pitchFamily="18" charset="-127"/>
-              </a:rPr>
-              <a:t>(</a:t>
-            </a:r>
-            <a:r>
-              <a:rPr lang="en-US" altLang="ko-KR" sz="900" dirty="0" err="1">
-                <a:latin typeface="현대하모니 L" panose="02020603020101020101" pitchFamily="18" charset="-127"/>
-                <a:ea typeface="현대하모니 L" panose="02020603020101020101" pitchFamily="18" charset="-127"/>
-              </a:rPr>
-              <a:t>Bidding_Room</a:t>
-            </a:r>
-            <a:r>
               <a:rPr lang="en-US" altLang="ko-KR" sz="900" dirty="0">
                 <a:latin typeface="현대하모니 L" panose="02020603020101020101" pitchFamily="18" charset="-127"/>
                 <a:ea typeface="현대하모니 L" panose="02020603020101020101" pitchFamily="18" charset="-127"/>
               </a:rPr>
-              <a:t> Size and </a:t>
-            </a:r>
-            <a:r>
-              <a:rPr lang="en-US" altLang="ko-KR" sz="900" dirty="0" err="1">
-                <a:latin typeface="현대하모니 L" panose="02020603020101020101" pitchFamily="18" charset="-127"/>
-                <a:ea typeface="현대하모니 L" panose="02020603020101020101" pitchFamily="18" charset="-127"/>
-              </a:rPr>
-              <a:t>Style_Injector.dyn</a:t>
-            </a:r>
-            <a:r>
-              <a:rPr lang="en-US" altLang="ko-KR" sz="900" dirty="0">
-                <a:latin typeface="현대하모니 L" panose="02020603020101020101" pitchFamily="18" charset="-127"/>
-                <a:ea typeface="현대하모니 L" panose="02020603020101020101" pitchFamily="18" charset="-127"/>
-              </a:rPr>
-              <a:t>)</a:t>
+              <a:t>(#2_Bid_Room Size and Style_Injector.dyn)</a:t>
             </a:r>
           </a:p>
           <a:p>
@@ -23297,7 +23241,35 @@
                 <a:latin typeface="현대하모니 L" panose="02020603020101020101" pitchFamily="18" charset="-127"/>
                 <a:ea typeface="현대하모니 L" panose="02020603020101020101" pitchFamily="18" charset="-127"/>
               </a:rPr>
-              <a:t>“Bidding_Finish Style Injector.dyn”</a:t>
+              <a:t>“##_</a:t>
+            </a:r>
+            <a:r>
+              <a:rPr lang="en-US" altLang="ko-KR" sz="900" dirty="0" err="1">
+                <a:latin typeface="현대하모니 L" panose="02020603020101020101" pitchFamily="18" charset="-127"/>
+                <a:ea typeface="현대하모니 L" panose="02020603020101020101" pitchFamily="18" charset="-127"/>
+              </a:rPr>
+              <a:t>Bid_Finish</a:t>
+            </a:r>
+            <a:r>
+              <a:rPr lang="en-US" altLang="ko-KR" sz="900" dirty="0">
+                <a:latin typeface="현대하모니 L" panose="02020603020101020101" pitchFamily="18" charset="-127"/>
+                <a:ea typeface="현대하모니 L" panose="02020603020101020101" pitchFamily="18" charset="-127"/>
+              </a:rPr>
+              <a:t> Style </a:t>
+            </a:r>
+            <a:r>
+              <a:rPr lang="en-US" altLang="ko-KR" sz="900" dirty="0" err="1">
+                <a:latin typeface="현대하모니 L" panose="02020603020101020101" pitchFamily="18" charset="-127"/>
+                <a:ea typeface="현대하모니 L" panose="02020603020101020101" pitchFamily="18" charset="-127"/>
+              </a:rPr>
+              <a:t>Injector.dyn</a:t>
+            </a:r>
+            <a:r>
+              <a:rPr lang="en-US" altLang="ko-KR" sz="900" dirty="0">
+                <a:latin typeface="현대하모니 L" panose="02020603020101020101" pitchFamily="18" charset="-127"/>
+                <a:ea typeface="현대하모니 L" panose="02020603020101020101" pitchFamily="18" charset="-127"/>
+              </a:rPr>
+              <a:t>”</a:t>
             </a:r>
             <a:r>
               <a:rPr lang="ko-KR" altLang="en-US" sz="900" dirty="0">
@@ -23670,10 +23642,10 @@
       </p:sp>
       <p:pic>
         <p:nvPicPr>
-          <p:cNvPr id="11" name="그림 10">
+          <p:cNvPr id="9" name="그림 8">
             <a:extLst>
               <a:ext uri="{FF2B5EF4-FFF2-40B4-BE49-F238E27FC236}">
-                <a16:creationId xmlns:a16="http://schemas.microsoft.com/office/drawing/2014/main" id="{03F54B08-6CA4-743B-546D-278B09C16D03}"/>
+                <a16:creationId xmlns:a16="http://schemas.microsoft.com/office/drawing/2014/main" id="{C4378938-D378-09D6-885F-AF2AF22C5CAC}"/>
               </a:ext>
             </a:extLst>
           </p:cNvPr>
@@ -23682,15 +23654,16 @@
           </p:cNvPicPr>
           <p:nvPr/>
         </p:nvPicPr>
-        <p:blipFill rotWithShape="1">
+        <p:blipFill>
           <a:blip r:embed="rId4"/>
-          <a:srcRect l="1710" t="55207" r="2716" b="29637"/>
-          <a:stretch/>
+          <a:stretch>
+            <a:fillRect/>
+          </a:stretch>
         </p:blipFill>
         <p:spPr>
           <a:xfrm>
-            <a:off x="5347598" y="5422234"/>
-            <a:ext cx="2986778" cy="683291"/>
+            <a:off x="5347599" y="5377245"/>
+            <a:ext cx="3285414" cy="719662"/>
           </a:xfrm>
           <a:prstGeom prst="rect">
             <a:avLst/>
@@ -25020,6 +24993,233 @@
             <a:endParaRPr lang="ko-KR" altLang="en-US" dirty="0">
               <a:solidFill>
                 <a:srgbClr val="0000FF"/>
+              </a:solidFill>
+            </a:endParaRPr>
+          </a:p>
+        </p:txBody>
+      </p:sp>
+      <p:sp>
+        <p:nvSpPr>
+          <p:cNvPr id="2" name="직사각형 1">
+            <a:extLst>
+              <a:ext uri="{FF2B5EF4-FFF2-40B4-BE49-F238E27FC236}">
+                <a16:creationId xmlns:a16="http://schemas.microsoft.com/office/drawing/2014/main" id="{2B581FFF-399D-4B5B-3044-97A69E4B60EE}"/>
+              </a:ext>
+            </a:extLst>
+          </p:cNvPr>
+          <p:cNvSpPr/>
+          <p:nvPr/>
+        </p:nvSpPr>
+        <p:spPr>
+          <a:xfrm>
+            <a:off x="6095999" y="3780145"/>
+            <a:ext cx="2124635" cy="293264"/>
+          </a:xfrm>
+          <a:prstGeom prst="rect">
+            <a:avLst/>
+          </a:prstGeom>
+          <a:noFill/>
+          <a:ln w="15875">
+            <a:solidFill>
+              <a:srgbClr val="00FF00"/>
+            </a:solidFill>
+            <a:prstDash val="sysDash"/>
+          </a:ln>
+        </p:spPr>
+        <p:style>
+          <a:lnRef idx="2">
+            <a:schemeClr val="accent1">
+              <a:shade val="15000"/>
+            </a:schemeClr>
+          </a:lnRef>
+          <a:fillRef idx="1">
+            <a:schemeClr val="accent1"/>
+          </a:fillRef>
+          <a:effectRef idx="0">
+            <a:schemeClr val="accent1"/>
+          </a:effectRef>
+          <a:fontRef idx="minor">
+            <a:schemeClr val="lt1"/>
+          </a:fontRef>
+        </p:style>
+        <p:txBody>
+          <a:bodyPr rtlCol="0" anchor="ctr"/>
+          <a:lstStyle/>
+          <a:p>
+            <a:pPr algn="ctr"/>
+            <a:endParaRPr lang="ko-KR" altLang="en-US"/>
+          </a:p>
+        </p:txBody>
+      </p:sp>
+      <p:sp>
+        <p:nvSpPr>
+          <p:cNvPr id="4" name="자유형: 도형 3">
+            <a:extLst>
+              <a:ext uri="{FF2B5EF4-FFF2-40B4-BE49-F238E27FC236}">
+                <a16:creationId xmlns:a16="http://schemas.microsoft.com/office/drawing/2014/main" id="{F93C032C-FB9F-F0FE-E623-9EB2187132A4}"/>
+              </a:ext>
+            </a:extLst>
+          </p:cNvPr>
+          <p:cNvSpPr/>
+          <p:nvPr/>
+        </p:nvSpPr>
+        <p:spPr>
+          <a:xfrm>
+            <a:off x="4089400" y="3994150"/>
+            <a:ext cx="2006600" cy="298450"/>
+          </a:xfrm>
+          <a:custGeom>
+            <a:avLst/>
+            <a:gdLst>
+              <a:gd name="connsiteX0" fmla="*/ 2006600 w 2006600"/>
+              <a:gd name="connsiteY0" fmla="*/ 0 h 298450"/>
+              <a:gd name="connsiteX1" fmla="*/ 1708150 w 2006600"/>
+              <a:gd name="connsiteY1" fmla="*/ 298450 h 298450"/>
+              <a:gd name="connsiteX2" fmla="*/ 971550 w 2006600"/>
+              <a:gd name="connsiteY2" fmla="*/ 298450 h 298450"/>
+              <a:gd name="connsiteX3" fmla="*/ 692150 w 2006600"/>
+              <a:gd name="connsiteY3" fmla="*/ 19050 h 298450"/>
+              <a:gd name="connsiteX4" fmla="*/ 0 w 2006600"/>
+              <a:gd name="connsiteY4" fmla="*/ 19050 h 298450"/>
+            </a:gdLst>
+            <a:ahLst/>
+            <a:cxnLst>
+              <a:cxn ang="0">
+                <a:pos x="connsiteX0" y="connsiteY0"/>
+              </a:cxn>
+              <a:cxn ang="0">
+                <a:pos x="connsiteX1" y="connsiteY1"/>
+              </a:cxn>
+              <a:cxn ang="0">
+                <a:pos x="connsiteX2" y="connsiteY2"/>
+              </a:cxn>
+              <a:cxn ang="0">
+                <a:pos x="connsiteX3" y="connsiteY3"/>
+              </a:cxn>
+              <a:cxn ang="0">
+                <a:pos x="connsiteX4" y="connsiteY4"/>
+              </a:cxn>
+            </a:cxnLst>
+            <a:rect l="l" t="t" r="r" b="b"/>
+            <a:pathLst>
+              <a:path w="2006600" h="298450">
+                <a:moveTo>
+                  <a:pt x="2006600" y="0"/>
+                </a:moveTo>
+                <a:lnTo>
+                  <a:pt x="1708150" y="298450"/>
+                </a:lnTo>
+                <a:lnTo>
+                  <a:pt x="971550" y="298450"/>
+                </a:lnTo>
+                <a:lnTo>
+                  <a:pt x="692150" y="19050"/>
+                </a:lnTo>
+                <a:lnTo>
+                  <a:pt x="0" y="19050"/>
+                </a:lnTo>
+              </a:path>
+            </a:pathLst>
+          </a:custGeom>
+          <a:noFill/>
+          <a:ln w="15875">
+            <a:solidFill>
+              <a:srgbClr val="00FF00"/>
+            </a:solidFill>
+            <a:prstDash val="sysDash"/>
+          </a:ln>
+        </p:spPr>
+        <p:style>
+          <a:lnRef idx="2">
+            <a:schemeClr val="accent1">
+              <a:shade val="15000"/>
+            </a:schemeClr>
+          </a:lnRef>
+          <a:fillRef idx="1">
+            <a:schemeClr val="accent1"/>
+          </a:fillRef>
+          <a:effectRef idx="0">
+            <a:schemeClr val="accent1"/>
+          </a:effectRef>
+          <a:fontRef idx="minor">
+            <a:schemeClr val="lt1"/>
+          </a:fontRef>
+        </p:style>
+        <p:txBody>
+          <a:bodyPr rtlCol="0" anchor="ctr"/>
+          <a:lstStyle/>
+          <a:p>
+            <a:pPr algn="ctr"/>
+            <a:endParaRPr lang="ko-KR" altLang="en-US"/>
+          </a:p>
+        </p:txBody>
+      </p:sp>
+      <p:sp>
+        <p:nvSpPr>
+          <p:cNvPr id="5" name="TextBox 4">
+            <a:extLst>
+              <a:ext uri="{FF2B5EF4-FFF2-40B4-BE49-F238E27FC236}">
+                <a16:creationId xmlns:a16="http://schemas.microsoft.com/office/drawing/2014/main" id="{7AA9EFB9-8684-C7AE-A08C-CEA6E382834F}"/>
+              </a:ext>
+            </a:extLst>
+          </p:cNvPr>
+          <p:cNvSpPr txBox="1"/>
+          <p:nvPr/>
+        </p:nvSpPr>
+        <p:spPr>
+          <a:xfrm>
+            <a:off x="3967222" y="3634250"/>
+            <a:ext cx="1853252" cy="393890"/>
+          </a:xfrm>
+          <a:prstGeom prst="rect">
+            <a:avLst/>
+          </a:prstGeom>
+          <a:noFill/>
+        </p:spPr>
+        <p:txBody>
+          <a:bodyPr wrap="square" rtlCol="0">
+            <a:spAutoFit/>
+          </a:bodyPr>
+          <a:lstStyle/>
+          <a:p>
+            <a:pPr>
+              <a:lnSpc>
+                <a:spcPct val="150000"/>
+              </a:lnSpc>
+            </a:pPr>
+            <a:r>
+              <a:rPr lang="ko-KR" altLang="en-US" sz="700" dirty="0">
+                <a:solidFill>
+                  <a:srgbClr val="00B050"/>
+                </a:solidFill>
+                <a:latin typeface="현대하모니 L" panose="02020603020101020101" pitchFamily="18" charset="-127"/>
+                <a:ea typeface="현대하모니 L" panose="02020603020101020101" pitchFamily="18" charset="-127"/>
+              </a:rPr>
+              <a:t>도면화에 활용될 파라미터라면 </a:t>
+            </a:r>
+            <a:r>
+              <a:rPr lang="en-US" altLang="ko-KR" sz="700" dirty="0">
+                <a:solidFill>
+                  <a:srgbClr val="00B050"/>
+                </a:solidFill>
+                <a:latin typeface="현대하모니 L" panose="02020603020101020101" pitchFamily="18" charset="-127"/>
+                <a:ea typeface="현대하모니 L" panose="02020603020101020101" pitchFamily="18" charset="-127"/>
+              </a:rPr>
+              <a:t>Shared parameter </a:t>
+            </a:r>
+            <a:r>
+              <a:rPr lang="ko-KR" altLang="en-US" sz="700" dirty="0">
+                <a:solidFill>
+                  <a:srgbClr val="00B050"/>
+                </a:solidFill>
+                <a:latin typeface="현대하모니 L" panose="02020603020101020101" pitchFamily="18" charset="-127"/>
+                <a:ea typeface="현대하모니 L" panose="02020603020101020101" pitchFamily="18" charset="-127"/>
+              </a:rPr>
+              <a:t>를 통해 이름 선택 요</a:t>
+            </a:r>
+            <a:endParaRPr lang="en-US" altLang="ko-KR" sz="700" b="1" dirty="0">
+              <a:solidFill>
+                <a:srgbClr val="00B050"/>
               </a:solidFill>
             </a:endParaRPr>
           </a:p>
@@ -34850,7 +35050,7 @@
                 <a:latin typeface="현대하모니 L" panose="02020603020101020101" pitchFamily="18" charset="-127"/>
                 <a:ea typeface="현대하모니 L" panose="02020603020101020101" pitchFamily="18" charset="-127"/>
               </a:rPr>
-              <a:t>Bidding_Draft Model_Automation.dyn</a:t>
+              <a:t>#1_Bid_Draft Model_Automation.dyn</a:t>
             </a:r>
             <a:r>
               <a:rPr lang="en-US" altLang="ko-KR" sz="900" dirty="0">
@@ -35273,7 +35473,7 @@
                 <a:latin typeface="현대하모니 L" panose="02020603020101020101" pitchFamily="18" charset="-127"/>
                 <a:ea typeface="현대하모니 L" panose="02020603020101020101" pitchFamily="18" charset="-127"/>
               </a:rPr>
-              <a:t>Bidding_Draft Model_Automation.dyn</a:t>
+              <a:t>#1_Bid_Draft Model_Automation.dyn</a:t>
             </a:r>
             <a:r>
               <a:rPr lang="en-US" altLang="ko-KR" sz="900" dirty="0">
@@ -35886,7 +36086,7 @@
                 <a:latin typeface="현대하모니 L" panose="02020603020101020101" pitchFamily="18" charset="-127"/>
                 <a:ea typeface="현대하모니 L" panose="02020603020101020101" pitchFamily="18" charset="-127"/>
               </a:rPr>
-              <a:t>Bidding_Draft Model_Automation.dyn</a:t>
+              <a:t>#1_Bid_Draft Model_Automation.dyn</a:t>
             </a:r>
             <a:r>
               <a:rPr lang="en-US" altLang="ko-KR" sz="900" dirty="0">

--- a/etc/_팀교육/플랜트건축설계팀_BIM 팀 교육자료(2024).pptx
+++ b/etc/_팀교육/플랜트건축설계팀_BIM 팀 교육자료(2024).pptx
@@ -5,7 +5,7 @@
     <p:sldMasterId id="2147483648" r:id="rId4"/>
   </p:sldMasterIdLst>
   <p:notesMasterIdLst>
-    <p:notesMasterId r:id="rId34"/>
+    <p:notesMasterId r:id="rId36"/>
   </p:notesMasterIdLst>
   <p:sldIdLst>
     <p:sldId id="356" r:id="rId5"/>
@@ -34,9 +34,11 @@
     <p:sldId id="374" r:id="rId28"/>
     <p:sldId id="378" r:id="rId29"/>
     <p:sldId id="388" r:id="rId30"/>
-    <p:sldId id="379" r:id="rId31"/>
-    <p:sldId id="380" r:id="rId32"/>
-    <p:sldId id="389" r:id="rId33"/>
+    <p:sldId id="392" r:id="rId31"/>
+    <p:sldId id="391" r:id="rId32"/>
+    <p:sldId id="379" r:id="rId33"/>
+    <p:sldId id="380" r:id="rId34"/>
+    <p:sldId id="389" r:id="rId35"/>
   </p:sldIdLst>
   <p:sldSz cx="12192000" cy="6858000"/>
   <p:notesSz cx="6858000" cy="9144000"/>
@@ -166,6 +168,8 @@
             <p14:sldId id="374"/>
             <p14:sldId id="378"/>
             <p14:sldId id="388"/>
+            <p14:sldId id="392"/>
+            <p14:sldId id="391"/>
             <p14:sldId id="379"/>
             <p14:sldId id="380"/>
           </p14:sldIdLst>
@@ -266,7 +270,7 @@
           <a:p>
             <a:fld id="{7A051C67-A29D-4784-80AB-75E6BD6E7D84}" type="datetimeFigureOut">
               <a:rPr lang="ko-KR" altLang="en-US" smtClean="0"/>
-              <a:t>2024-02-05</a:t>
+              <a:t>2024-02-19</a:t>
             </a:fld>
             <a:endParaRPr lang="ko-KR" altLang="en-US"/>
           </a:p>
@@ -4882,7 +4886,13 @@
   <p:cSld>
     <p:spTree>
       <p:nvGrpSpPr>
-        <p:cNvPr id="1" name=""/>
+        <p:cNvPr id="1" name="">
+          <a:extLst>
+            <a:ext uri="{FF2B5EF4-FFF2-40B4-BE49-F238E27FC236}">
+              <a16:creationId xmlns:a16="http://schemas.microsoft.com/office/drawing/2014/main" id="{E9B0C29B-B63F-F44D-9F7B-04E87AA1302C}"/>
+            </a:ext>
+          </a:extLst>
+        </p:cNvPr>
         <p:cNvGrpSpPr/>
         <p:nvPr/>
       </p:nvGrpSpPr>
@@ -4896,7 +4906,13 @@
       </p:grpSpPr>
       <p:sp>
         <p:nvSpPr>
-          <p:cNvPr id="2" name="슬라이드 이미지 개체 틀 1"/>
+          <p:cNvPr id="2" name="슬라이드 이미지 개체 틀 1">
+            <a:extLst>
+              <a:ext uri="{FF2B5EF4-FFF2-40B4-BE49-F238E27FC236}">
+                <a16:creationId xmlns:a16="http://schemas.microsoft.com/office/drawing/2014/main" id="{1A086C9A-129A-5E66-BE26-607B9A95221B}"/>
+              </a:ext>
+            </a:extLst>
+          </p:cNvPr>
           <p:cNvSpPr>
             <a:spLocks noGrp="1" noRot="1" noChangeAspect="1"/>
           </p:cNvSpPr>
@@ -4913,7 +4929,13 @@
       </p:sp>
       <p:sp>
         <p:nvSpPr>
-          <p:cNvPr id="3" name="슬라이드 노트 개체 틀 2"/>
+          <p:cNvPr id="3" name="슬라이드 노트 개체 틀 2">
+            <a:extLst>
+              <a:ext uri="{FF2B5EF4-FFF2-40B4-BE49-F238E27FC236}">
+                <a16:creationId xmlns:a16="http://schemas.microsoft.com/office/drawing/2014/main" id="{6BF087A2-FF8D-71D1-935F-3982E42525DE}"/>
+              </a:ext>
+            </a:extLst>
+          </p:cNvPr>
           <p:cNvSpPr>
             <a:spLocks noGrp="1"/>
           </p:cNvSpPr>
@@ -5197,7 +5219,13 @@
       </p:sp>
       <p:sp>
         <p:nvSpPr>
-          <p:cNvPr id="4" name="슬라이드 번호 개체 틀 3"/>
+          <p:cNvPr id="4" name="슬라이드 번호 개체 틀 3">
+            <a:extLst>
+              <a:ext uri="{FF2B5EF4-FFF2-40B4-BE49-F238E27FC236}">
+                <a16:creationId xmlns:a16="http://schemas.microsoft.com/office/drawing/2014/main" id="{FAFB9F4E-6A6A-1E20-3BAB-F7C9448D4D52}"/>
+              </a:ext>
+            </a:extLst>
+          </p:cNvPr>
           <p:cNvSpPr>
             <a:spLocks noGrp="1"/>
           </p:cNvSpPr>
@@ -5227,7 +5255,7 @@
     </p:spTree>
     <p:extLst>
       <p:ext uri="{BB962C8B-B14F-4D97-AF65-F5344CB8AC3E}">
-        <p14:creationId xmlns:p14="http://schemas.microsoft.com/office/powerpoint/2010/main" val="3468157977"/>
+        <p14:creationId xmlns:p14="http://schemas.microsoft.com/office/powerpoint/2010/main" val="1967365267"/>
       </p:ext>
     </p:extLst>
   </p:cSld>
@@ -5238,6 +5266,390 @@
 </file>
 
 <file path=ppt/notesSlides/notesSlide21.xml><?xml version="1.0" encoding="utf-8"?>
+<p:notes xmlns:a="http://schemas.openxmlformats.org/drawingml/2006/main" xmlns:r="http://schemas.openxmlformats.org/officeDocument/2006/relationships" xmlns:p="http://schemas.openxmlformats.org/presentationml/2006/main">
+  <p:cSld>
+    <p:spTree>
+      <p:nvGrpSpPr>
+        <p:cNvPr id="1" name="">
+          <a:extLst>
+            <a:ext uri="{FF2B5EF4-FFF2-40B4-BE49-F238E27FC236}">
+              <a16:creationId xmlns:a16="http://schemas.microsoft.com/office/drawing/2014/main" id="{2A8E61F4-933A-AF93-8CC3-8ACA817DCCBC}"/>
+            </a:ext>
+          </a:extLst>
+        </p:cNvPr>
+        <p:cNvGrpSpPr/>
+        <p:nvPr/>
+      </p:nvGrpSpPr>
+      <p:grpSpPr>
+        <a:xfrm>
+          <a:off x="0" y="0"/>
+          <a:ext cx="0" cy="0"/>
+          <a:chOff x="0" y="0"/>
+          <a:chExt cx="0" cy="0"/>
+        </a:xfrm>
+      </p:grpSpPr>
+      <p:sp>
+        <p:nvSpPr>
+          <p:cNvPr id="2" name="슬라이드 이미지 개체 틀 1">
+            <a:extLst>
+              <a:ext uri="{FF2B5EF4-FFF2-40B4-BE49-F238E27FC236}">
+                <a16:creationId xmlns:a16="http://schemas.microsoft.com/office/drawing/2014/main" id="{1E1AD7E2-74B7-D986-17CF-D46D293B6B50}"/>
+              </a:ext>
+            </a:extLst>
+          </p:cNvPr>
+          <p:cNvSpPr>
+            <a:spLocks noGrp="1" noRot="1" noChangeAspect="1"/>
+          </p:cNvSpPr>
+          <p:nvPr>
+            <p:ph type="sldImg"/>
+          </p:nvPr>
+        </p:nvSpPr>
+        <p:spPr>
+          <a:xfrm>
+            <a:off x="685800" y="1143000"/>
+            <a:ext cx="5486400" cy="3086100"/>
+          </a:xfrm>
+        </p:spPr>
+      </p:sp>
+      <p:sp>
+        <p:nvSpPr>
+          <p:cNvPr id="3" name="슬라이드 노트 개체 틀 2">
+            <a:extLst>
+              <a:ext uri="{FF2B5EF4-FFF2-40B4-BE49-F238E27FC236}">
+                <a16:creationId xmlns:a16="http://schemas.microsoft.com/office/drawing/2014/main" id="{B0E826C6-0173-F2F6-FFDD-39CB2715C022}"/>
+              </a:ext>
+            </a:extLst>
+          </p:cNvPr>
+          <p:cNvSpPr>
+            <a:spLocks noGrp="1"/>
+          </p:cNvSpPr>
+          <p:nvPr>
+            <p:ph type="body" idx="1"/>
+          </p:nvPr>
+        </p:nvSpPr>
+        <p:spPr>
+          <a:xfrm>
+            <a:off x="673100" y="4748213"/>
+            <a:ext cx="5389563" cy="3884612"/>
+          </a:xfrm>
+          <a:prstGeom prst="rect">
+            <a:avLst/>
+          </a:prstGeom>
+        </p:spPr>
+        <p:txBody>
+          <a:bodyPr/>
+          <a:lstStyle/>
+          <a:p>
+            <a:r>
+              <a:rPr lang="en-US" altLang="ko-KR" dirty="0"/>
+              <a:t>0. </a:t>
+            </a:r>
+            <a:r>
+              <a:rPr lang="ko-KR" altLang="en-US" dirty="0"/>
+              <a:t>작성자 </a:t>
+            </a:r>
+            <a:r>
+              <a:rPr lang="en-US" altLang="ko-KR" dirty="0"/>
+              <a:t>: </a:t>
+            </a:r>
+            <a:r>
+              <a:rPr lang="ko-KR" altLang="en-US" dirty="0" err="1"/>
+              <a:t>김청산</a:t>
+            </a:r>
+            <a:endParaRPr lang="en-US" altLang="ko-KR" dirty="0"/>
+          </a:p>
+          <a:p>
+            <a:r>
+              <a:rPr lang="en-US" altLang="ko-KR" dirty="0"/>
+              <a:t>1.</a:t>
+            </a:r>
+            <a:r>
+              <a:rPr lang="en-US" altLang="ko-KR" baseline="0" dirty="0"/>
+              <a:t> </a:t>
+            </a:r>
+            <a:r>
+              <a:rPr lang="ko-KR" altLang="en-US" dirty="0"/>
+              <a:t>건물 </a:t>
+            </a:r>
+            <a:r>
+              <a:rPr lang="en-US" altLang="ko-KR" dirty="0"/>
+              <a:t>: FIRE</a:t>
+            </a:r>
+            <a:r>
+              <a:rPr lang="en-US" altLang="ko-KR" baseline="0" dirty="0"/>
+              <a:t> FIGHTING PUMP HOUSE</a:t>
+            </a:r>
+          </a:p>
+          <a:p>
+            <a:r>
+              <a:rPr lang="en-US" altLang="ko-KR" baseline="0" dirty="0"/>
+              <a:t>2. </a:t>
+            </a:r>
+            <a:r>
+              <a:rPr lang="ko-KR" altLang="en-US" baseline="0" dirty="0"/>
+              <a:t>평면상 위치</a:t>
+            </a:r>
+            <a:r>
+              <a:rPr lang="en-US" altLang="ko-KR" baseline="0" dirty="0"/>
+              <a:t>(GRID)</a:t>
+            </a:r>
+            <a:r>
+              <a:rPr lang="ko-KR" altLang="en-US" baseline="0" dirty="0"/>
+              <a:t> </a:t>
+            </a:r>
+            <a:r>
+              <a:rPr lang="en-US" altLang="ko-KR" baseline="0" dirty="0"/>
+              <a:t>: N/A</a:t>
+            </a:r>
+          </a:p>
+          <a:p>
+            <a:r>
+              <a:rPr lang="en-US" altLang="ko-KR" baseline="0" dirty="0"/>
+              <a:t>3. </a:t>
+            </a:r>
+            <a:r>
+              <a:rPr lang="ko-KR" altLang="en-US" baseline="0" dirty="0" err="1"/>
+              <a:t>참조뷰</a:t>
+            </a:r>
+            <a:r>
+              <a:rPr lang="ko-KR" altLang="en-US" baseline="0" dirty="0"/>
+              <a:t> </a:t>
+            </a:r>
+            <a:r>
+              <a:rPr lang="en-US" altLang="ko-KR" baseline="0" dirty="0"/>
+              <a:t>: Revit </a:t>
+            </a:r>
+            <a:r>
+              <a:rPr lang="ko-KR" altLang="en-US" baseline="0" dirty="0"/>
+              <a:t>프로젝트파일에 해당 </a:t>
+            </a:r>
+            <a:r>
+              <a:rPr lang="en-US" altLang="ko-KR" baseline="0" dirty="0"/>
+              <a:t>Family</a:t>
+            </a:r>
+            <a:r>
+              <a:rPr lang="ko-KR" altLang="en-US" baseline="0" dirty="0"/>
+              <a:t>를 제작</a:t>
+            </a:r>
+            <a:r>
+              <a:rPr lang="en-US" altLang="ko-KR" baseline="0" dirty="0"/>
+              <a:t>Steel Family </a:t>
+            </a:r>
+            <a:r>
+              <a:rPr lang="ko-KR" altLang="en-US" baseline="0" dirty="0"/>
+              <a:t>복제에 사용된 </a:t>
+            </a:r>
+            <a:r>
+              <a:rPr lang="en-US" altLang="ko-KR" baseline="0" dirty="0"/>
+              <a:t>Dynamo </a:t>
+            </a:r>
+            <a:r>
+              <a:rPr lang="ko-KR" altLang="en-US" baseline="0" dirty="0"/>
+              <a:t>및 </a:t>
+            </a:r>
+            <a:r>
+              <a:rPr lang="en-US" altLang="ko-KR" baseline="0" dirty="0"/>
+              <a:t>excel </a:t>
+            </a:r>
+            <a:r>
+              <a:rPr lang="ko-KR" altLang="en-US" baseline="0" dirty="0"/>
+              <a:t>파일</a:t>
+            </a:r>
+            <a:r>
+              <a:rPr lang="en-US" altLang="ko-KR" baseline="0" dirty="0"/>
+              <a:t>, Family file</a:t>
+            </a:r>
+            <a:r>
+              <a:rPr lang="ko-KR" altLang="en-US" baseline="0" dirty="0"/>
+              <a:t> 첨부하였습니다</a:t>
+            </a:r>
+            <a:r>
+              <a:rPr lang="en-US" altLang="ko-KR" baseline="0" dirty="0"/>
+              <a:t>.</a:t>
+            </a:r>
+          </a:p>
+          <a:p>
+            <a:r>
+              <a:rPr lang="en-US" altLang="ko-KR" baseline="0" dirty="0"/>
+              <a:t>4. </a:t>
+            </a:r>
+            <a:r>
+              <a:rPr lang="ko-KR" altLang="en-US" baseline="0" dirty="0"/>
+              <a:t>부연설명</a:t>
+            </a:r>
+            <a:endParaRPr lang="en-US" altLang="ko-KR" baseline="0" dirty="0"/>
+          </a:p>
+          <a:p>
+            <a:r>
+              <a:rPr lang="en-US" altLang="ko-KR" baseline="0" dirty="0"/>
+              <a:t> </a:t>
+            </a:r>
+            <a:r>
+              <a:rPr lang="ko-KR" altLang="en-US" baseline="0" dirty="0"/>
+              <a:t>해당 질문의 요지는</a:t>
+            </a:r>
+            <a:r>
+              <a:rPr lang="en-US" altLang="ko-KR" baseline="0" dirty="0"/>
+              <a:t> </a:t>
+            </a:r>
+            <a:r>
+              <a:rPr lang="ko-KR" altLang="en-US" baseline="0" dirty="0"/>
+              <a:t>국가별 </a:t>
+            </a:r>
+            <a:r>
+              <a:rPr lang="en-US" altLang="ko-KR" baseline="0" dirty="0"/>
+              <a:t>Steel Member Family</a:t>
+            </a:r>
+            <a:r>
+              <a:rPr lang="ko-KR" altLang="en-US" baseline="0" dirty="0"/>
+              <a:t>를 제작하여 사용하기 위함입니다</a:t>
+            </a:r>
+            <a:r>
+              <a:rPr lang="en-US" altLang="ko-KR" baseline="0" dirty="0"/>
+              <a:t>.</a:t>
+            </a:r>
+          </a:p>
+          <a:p>
+            <a:r>
+              <a:rPr lang="en-US" altLang="ko-KR" baseline="0" dirty="0"/>
+              <a:t> Revit</a:t>
+            </a:r>
+            <a:r>
+              <a:rPr lang="ko-KR" altLang="en-US" baseline="0" dirty="0"/>
+              <a:t>에서 제공하는 </a:t>
+            </a:r>
+            <a:r>
+              <a:rPr lang="en-US" altLang="ko-KR" baseline="0" dirty="0"/>
+              <a:t>Universal Beam &amp; Column Family </a:t>
+            </a:r>
+            <a:r>
+              <a:rPr lang="ko-KR" altLang="en-US" baseline="0" dirty="0"/>
+              <a:t>외 필요한 정보만 사용하여 </a:t>
+            </a:r>
+            <a:r>
+              <a:rPr lang="en-US" altLang="ko-KR" baseline="0" dirty="0"/>
+              <a:t>Family</a:t>
+            </a:r>
+            <a:r>
+              <a:rPr lang="ko-KR" altLang="en-US" baseline="0" dirty="0"/>
+              <a:t>를 제작하여 사용하고자 했으나</a:t>
+            </a:r>
+            <a:r>
+              <a:rPr lang="en-US" altLang="ko-KR" baseline="0" dirty="0"/>
+              <a:t>, connection </a:t>
+            </a:r>
+            <a:r>
+              <a:rPr lang="ko-KR" altLang="en-US" baseline="0" dirty="0"/>
+              <a:t>에서 오류가 발생하였습니다</a:t>
+            </a:r>
+            <a:r>
+              <a:rPr lang="en-US" altLang="ko-KR" baseline="0" dirty="0"/>
+              <a:t>.</a:t>
+            </a:r>
+          </a:p>
+          <a:p>
+            <a:r>
+              <a:rPr lang="en-US" altLang="ko-KR" baseline="0" dirty="0"/>
+              <a:t> Steel Connection </a:t>
+            </a:r>
+            <a:r>
+              <a:rPr lang="ko-KR" altLang="en-US" baseline="0" dirty="0"/>
+              <a:t>및 </a:t>
+            </a:r>
+            <a:r>
+              <a:rPr lang="en-US" altLang="ko-KR" baseline="0" dirty="0"/>
+              <a:t>Steel Family </a:t>
+            </a:r>
+            <a:r>
+              <a:rPr lang="ko-KR" altLang="en-US" baseline="0" dirty="0"/>
+              <a:t>제작 관련 교육을 요청하는 내용입니다</a:t>
+            </a:r>
+            <a:r>
+              <a:rPr lang="en-US" altLang="ko-KR" baseline="0" dirty="0"/>
+              <a:t>.</a:t>
+            </a:r>
+          </a:p>
+          <a:p>
+            <a:endParaRPr lang="en-US" altLang="ko-KR" dirty="0"/>
+          </a:p>
+          <a:p>
+            <a:r>
+              <a:rPr lang="ko-KR" altLang="en-US" dirty="0"/>
+              <a:t>해결방안 </a:t>
+            </a:r>
+            <a:r>
+              <a:rPr lang="en-US" altLang="ko-KR" dirty="0"/>
+              <a:t>: </a:t>
+            </a:r>
+            <a:r>
+              <a:rPr lang="ko-KR" altLang="en-US" dirty="0"/>
+              <a:t>기존 패밀리를 수정 </a:t>
+            </a:r>
+            <a:r>
+              <a:rPr lang="en-US" altLang="ko-KR" dirty="0"/>
+              <a:t>(</a:t>
+            </a:r>
+            <a:r>
+              <a:rPr lang="ko-KR" altLang="en-US" dirty="0" err="1"/>
+              <a:t>신규생성</a:t>
+            </a:r>
+            <a:r>
+              <a:rPr lang="en-US" altLang="ko-KR" dirty="0"/>
+              <a:t>X)</a:t>
+            </a:r>
+            <a:endParaRPr lang="ko-KR" altLang="en-US" dirty="0"/>
+          </a:p>
+        </p:txBody>
+      </p:sp>
+      <p:sp>
+        <p:nvSpPr>
+          <p:cNvPr id="4" name="슬라이드 번호 개체 틀 3">
+            <a:extLst>
+              <a:ext uri="{FF2B5EF4-FFF2-40B4-BE49-F238E27FC236}">
+                <a16:creationId xmlns:a16="http://schemas.microsoft.com/office/drawing/2014/main" id="{9952F4D1-726F-BEC1-C653-01A72EC4651D}"/>
+              </a:ext>
+            </a:extLst>
+          </p:cNvPr>
+          <p:cNvSpPr>
+            <a:spLocks noGrp="1"/>
+          </p:cNvSpPr>
+          <p:nvPr>
+            <p:ph type="sldNum" sz="quarter" idx="10"/>
+          </p:nvPr>
+        </p:nvSpPr>
+        <p:spPr/>
+        <p:txBody>
+          <a:bodyPr/>
+          <a:lstStyle/>
+          <a:p>
+            <a:pPr>
+              <a:defRPr/>
+            </a:pPr>
+            <a:fld id="{8092176F-0855-447C-AFC3-AE19EC7A4380}" type="slidenum">
+              <a:rPr lang="ko-KR" altLang="en-US" smtClean="0"/>
+              <a:pPr>
+                <a:defRPr/>
+              </a:pPr>
+              <a:t>28</a:t>
+            </a:fld>
+            <a:endParaRPr lang="ko-KR" altLang="en-US"/>
+          </a:p>
+        </p:txBody>
+      </p:sp>
+    </p:spTree>
+    <p:extLst>
+      <p:ext uri="{BB962C8B-B14F-4D97-AF65-F5344CB8AC3E}">
+        <p14:creationId xmlns:p14="http://schemas.microsoft.com/office/powerpoint/2010/main" val="1769685703"/>
+      </p:ext>
+    </p:extLst>
+  </p:cSld>
+  <p:clrMapOvr>
+    <a:masterClrMapping/>
+  </p:clrMapOvr>
+</p:notes>
+</file>
+
+<file path=ppt/notesSlides/notesSlide22.xml><?xml version="1.0" encoding="utf-8"?>
 <p:notes xmlns:a="http://schemas.openxmlformats.org/drawingml/2006/main" xmlns:r="http://schemas.openxmlformats.org/officeDocument/2006/relationships" xmlns:p="http://schemas.openxmlformats.org/presentationml/2006/main">
   <p:cSld>
     <p:spTree>
@@ -5578,7 +5990,367 @@
               <a:pPr>
                 <a:defRPr/>
               </a:pPr>
-              <a:t>28</a:t>
+              <a:t>29</a:t>
+            </a:fld>
+            <a:endParaRPr lang="ko-KR" altLang="en-US"/>
+          </a:p>
+        </p:txBody>
+      </p:sp>
+    </p:spTree>
+    <p:extLst>
+      <p:ext uri="{BB962C8B-B14F-4D97-AF65-F5344CB8AC3E}">
+        <p14:creationId xmlns:p14="http://schemas.microsoft.com/office/powerpoint/2010/main" val="3468157977"/>
+      </p:ext>
+    </p:extLst>
+  </p:cSld>
+  <p:clrMapOvr>
+    <a:masterClrMapping/>
+  </p:clrMapOvr>
+</p:notes>
+</file>
+
+<file path=ppt/notesSlides/notesSlide23.xml><?xml version="1.0" encoding="utf-8"?>
+<p:notes xmlns:a="http://schemas.openxmlformats.org/drawingml/2006/main" xmlns:r="http://schemas.openxmlformats.org/officeDocument/2006/relationships" xmlns:p="http://schemas.openxmlformats.org/presentationml/2006/main">
+  <p:cSld>
+    <p:spTree>
+      <p:nvGrpSpPr>
+        <p:cNvPr id="1" name=""/>
+        <p:cNvGrpSpPr/>
+        <p:nvPr/>
+      </p:nvGrpSpPr>
+      <p:grpSpPr>
+        <a:xfrm>
+          <a:off x="0" y="0"/>
+          <a:ext cx="0" cy="0"/>
+          <a:chOff x="0" y="0"/>
+          <a:chExt cx="0" cy="0"/>
+        </a:xfrm>
+      </p:grpSpPr>
+      <p:sp>
+        <p:nvSpPr>
+          <p:cNvPr id="2" name="슬라이드 이미지 개체 틀 1"/>
+          <p:cNvSpPr>
+            <a:spLocks noGrp="1" noRot="1" noChangeAspect="1"/>
+          </p:cNvSpPr>
+          <p:nvPr>
+            <p:ph type="sldImg"/>
+          </p:nvPr>
+        </p:nvSpPr>
+        <p:spPr>
+          <a:xfrm>
+            <a:off x="685800" y="1143000"/>
+            <a:ext cx="5486400" cy="3086100"/>
+          </a:xfrm>
+        </p:spPr>
+      </p:sp>
+      <p:sp>
+        <p:nvSpPr>
+          <p:cNvPr id="3" name="슬라이드 노트 개체 틀 2"/>
+          <p:cNvSpPr>
+            <a:spLocks noGrp="1"/>
+          </p:cNvSpPr>
+          <p:nvPr>
+            <p:ph type="body" idx="1"/>
+          </p:nvPr>
+        </p:nvSpPr>
+        <p:spPr>
+          <a:xfrm>
+            <a:off x="673100" y="4748213"/>
+            <a:ext cx="5389563" cy="3884612"/>
+          </a:xfrm>
+          <a:prstGeom prst="rect">
+            <a:avLst/>
+          </a:prstGeom>
+        </p:spPr>
+        <p:txBody>
+          <a:bodyPr/>
+          <a:lstStyle/>
+          <a:p>
+            <a:r>
+              <a:rPr lang="en-US" altLang="ko-KR" dirty="0"/>
+              <a:t>0. </a:t>
+            </a:r>
+            <a:r>
+              <a:rPr lang="ko-KR" altLang="en-US" dirty="0"/>
+              <a:t>작성자 </a:t>
+            </a:r>
+            <a:r>
+              <a:rPr lang="en-US" altLang="ko-KR" dirty="0"/>
+              <a:t>: </a:t>
+            </a:r>
+            <a:r>
+              <a:rPr lang="ko-KR" altLang="en-US" dirty="0" err="1"/>
+              <a:t>김청산</a:t>
+            </a:r>
+            <a:endParaRPr lang="en-US" altLang="ko-KR" dirty="0"/>
+          </a:p>
+          <a:p>
+            <a:r>
+              <a:rPr lang="en-US" altLang="ko-KR" dirty="0"/>
+              <a:t>1.</a:t>
+            </a:r>
+            <a:r>
+              <a:rPr lang="en-US" altLang="ko-KR" baseline="0" dirty="0"/>
+              <a:t> </a:t>
+            </a:r>
+            <a:r>
+              <a:rPr lang="ko-KR" altLang="en-US" dirty="0"/>
+              <a:t>건물 </a:t>
+            </a:r>
+            <a:r>
+              <a:rPr lang="en-US" altLang="ko-KR" dirty="0"/>
+              <a:t>: FIRE</a:t>
+            </a:r>
+            <a:r>
+              <a:rPr lang="en-US" altLang="ko-KR" baseline="0" dirty="0"/>
+              <a:t> FIGHTING PUMP HOUSE</a:t>
+            </a:r>
+          </a:p>
+          <a:p>
+            <a:r>
+              <a:rPr lang="en-US" altLang="ko-KR" baseline="0" dirty="0"/>
+              <a:t>2. </a:t>
+            </a:r>
+            <a:r>
+              <a:rPr lang="ko-KR" altLang="en-US" baseline="0" dirty="0"/>
+              <a:t>평면상 위치</a:t>
+            </a:r>
+            <a:r>
+              <a:rPr lang="en-US" altLang="ko-KR" baseline="0" dirty="0"/>
+              <a:t>(GRID)</a:t>
+            </a:r>
+            <a:r>
+              <a:rPr lang="ko-KR" altLang="en-US" baseline="0" dirty="0"/>
+              <a:t> </a:t>
+            </a:r>
+            <a:r>
+              <a:rPr lang="en-US" altLang="ko-KR" baseline="0" dirty="0"/>
+              <a:t>: N/A</a:t>
+            </a:r>
+          </a:p>
+          <a:p>
+            <a:r>
+              <a:rPr lang="en-US" altLang="ko-KR" baseline="0" dirty="0"/>
+              <a:t>3. </a:t>
+            </a:r>
+            <a:r>
+              <a:rPr lang="ko-KR" altLang="en-US" baseline="0" dirty="0" err="1"/>
+              <a:t>참조뷰</a:t>
+            </a:r>
+            <a:r>
+              <a:rPr lang="ko-KR" altLang="en-US" baseline="0" dirty="0"/>
+              <a:t> </a:t>
+            </a:r>
+            <a:r>
+              <a:rPr lang="en-US" altLang="ko-KR" baseline="0" dirty="0"/>
+              <a:t>: Revit </a:t>
+            </a:r>
+            <a:r>
+              <a:rPr lang="ko-KR" altLang="en-US" baseline="0" dirty="0"/>
+              <a:t>프로젝트파일에 해당 </a:t>
+            </a:r>
+            <a:r>
+              <a:rPr lang="en-US" altLang="ko-KR" baseline="0" dirty="0"/>
+              <a:t>Family</a:t>
+            </a:r>
+            <a:r>
+              <a:rPr lang="ko-KR" altLang="en-US" baseline="0" dirty="0"/>
+              <a:t>를 제작</a:t>
+            </a:r>
+            <a:r>
+              <a:rPr lang="en-US" altLang="ko-KR" baseline="0" dirty="0"/>
+              <a:t>Steel Family </a:t>
+            </a:r>
+            <a:r>
+              <a:rPr lang="ko-KR" altLang="en-US" baseline="0" dirty="0"/>
+              <a:t>복제에 사용된 </a:t>
+            </a:r>
+            <a:r>
+              <a:rPr lang="en-US" altLang="ko-KR" baseline="0" dirty="0"/>
+              <a:t>Dynamo </a:t>
+            </a:r>
+            <a:r>
+              <a:rPr lang="ko-KR" altLang="en-US" baseline="0" dirty="0"/>
+              <a:t>및 </a:t>
+            </a:r>
+            <a:r>
+              <a:rPr lang="en-US" altLang="ko-KR" baseline="0" dirty="0"/>
+              <a:t>excel </a:t>
+            </a:r>
+            <a:r>
+              <a:rPr lang="ko-KR" altLang="en-US" baseline="0" dirty="0"/>
+              <a:t>파일</a:t>
+            </a:r>
+            <a:r>
+              <a:rPr lang="en-US" altLang="ko-KR" baseline="0" dirty="0"/>
+              <a:t>, Family file</a:t>
+            </a:r>
+            <a:r>
+              <a:rPr lang="ko-KR" altLang="en-US" baseline="0" dirty="0"/>
+              <a:t> 첨부하였습니다</a:t>
+            </a:r>
+            <a:r>
+              <a:rPr lang="en-US" altLang="ko-KR" baseline="0" dirty="0"/>
+              <a:t>.</a:t>
+            </a:r>
+          </a:p>
+          <a:p>
+            <a:r>
+              <a:rPr lang="en-US" altLang="ko-KR" baseline="0" dirty="0"/>
+              <a:t>4. </a:t>
+            </a:r>
+            <a:r>
+              <a:rPr lang="ko-KR" altLang="en-US" baseline="0" dirty="0"/>
+              <a:t>부연설명</a:t>
+            </a:r>
+            <a:endParaRPr lang="en-US" altLang="ko-KR" baseline="0" dirty="0"/>
+          </a:p>
+          <a:p>
+            <a:r>
+              <a:rPr lang="en-US" altLang="ko-KR" baseline="0" dirty="0"/>
+              <a:t> </a:t>
+            </a:r>
+            <a:r>
+              <a:rPr lang="ko-KR" altLang="en-US" baseline="0" dirty="0"/>
+              <a:t>해당 질문의 요지는</a:t>
+            </a:r>
+            <a:r>
+              <a:rPr lang="en-US" altLang="ko-KR" baseline="0" dirty="0"/>
+              <a:t> </a:t>
+            </a:r>
+            <a:r>
+              <a:rPr lang="ko-KR" altLang="en-US" baseline="0" dirty="0"/>
+              <a:t>국가별 </a:t>
+            </a:r>
+            <a:r>
+              <a:rPr lang="en-US" altLang="ko-KR" baseline="0" dirty="0"/>
+              <a:t>Steel Member Family</a:t>
+            </a:r>
+            <a:r>
+              <a:rPr lang="ko-KR" altLang="en-US" baseline="0" dirty="0"/>
+              <a:t>를 제작하여 사용하기 위함입니다</a:t>
+            </a:r>
+            <a:r>
+              <a:rPr lang="en-US" altLang="ko-KR" baseline="0" dirty="0"/>
+              <a:t>.</a:t>
+            </a:r>
+          </a:p>
+          <a:p>
+            <a:r>
+              <a:rPr lang="en-US" altLang="ko-KR" baseline="0" dirty="0"/>
+              <a:t> Revit</a:t>
+            </a:r>
+            <a:r>
+              <a:rPr lang="ko-KR" altLang="en-US" baseline="0" dirty="0"/>
+              <a:t>에서 제공하는 </a:t>
+            </a:r>
+            <a:r>
+              <a:rPr lang="en-US" altLang="ko-KR" baseline="0" dirty="0"/>
+              <a:t>Universal Beam &amp; Column Family </a:t>
+            </a:r>
+            <a:r>
+              <a:rPr lang="ko-KR" altLang="en-US" baseline="0" dirty="0"/>
+              <a:t>외 필요한 정보만 사용하여 </a:t>
+            </a:r>
+            <a:r>
+              <a:rPr lang="en-US" altLang="ko-KR" baseline="0" dirty="0"/>
+              <a:t>Family</a:t>
+            </a:r>
+            <a:r>
+              <a:rPr lang="ko-KR" altLang="en-US" baseline="0" dirty="0"/>
+              <a:t>를 제작하여 사용하고자 했으나</a:t>
+            </a:r>
+            <a:r>
+              <a:rPr lang="en-US" altLang="ko-KR" baseline="0" dirty="0"/>
+              <a:t>, connection </a:t>
+            </a:r>
+            <a:r>
+              <a:rPr lang="ko-KR" altLang="en-US" baseline="0" dirty="0"/>
+              <a:t>에서 오류가 발생하였습니다</a:t>
+            </a:r>
+            <a:r>
+              <a:rPr lang="en-US" altLang="ko-KR" baseline="0" dirty="0"/>
+              <a:t>.</a:t>
+            </a:r>
+          </a:p>
+          <a:p>
+            <a:r>
+              <a:rPr lang="en-US" altLang="ko-KR" baseline="0" dirty="0"/>
+              <a:t> Steel Connection </a:t>
+            </a:r>
+            <a:r>
+              <a:rPr lang="ko-KR" altLang="en-US" baseline="0" dirty="0"/>
+              <a:t>및 </a:t>
+            </a:r>
+            <a:r>
+              <a:rPr lang="en-US" altLang="ko-KR" baseline="0" dirty="0"/>
+              <a:t>Steel Family </a:t>
+            </a:r>
+            <a:r>
+              <a:rPr lang="ko-KR" altLang="en-US" baseline="0" dirty="0"/>
+              <a:t>제작 관련 교육을 요청하는 내용입니다</a:t>
+            </a:r>
+            <a:r>
+              <a:rPr lang="en-US" altLang="ko-KR" baseline="0" dirty="0"/>
+              <a:t>.</a:t>
+            </a:r>
+          </a:p>
+          <a:p>
+            <a:endParaRPr lang="en-US" altLang="ko-KR" dirty="0"/>
+          </a:p>
+          <a:p>
+            <a:r>
+              <a:rPr lang="ko-KR" altLang="en-US" dirty="0"/>
+              <a:t>해결방안 </a:t>
+            </a:r>
+            <a:r>
+              <a:rPr lang="en-US" altLang="ko-KR" dirty="0"/>
+              <a:t>: </a:t>
+            </a:r>
+            <a:r>
+              <a:rPr lang="ko-KR" altLang="en-US" dirty="0"/>
+              <a:t>기존 패밀리를 수정 </a:t>
+            </a:r>
+            <a:r>
+              <a:rPr lang="en-US" altLang="ko-KR" dirty="0"/>
+              <a:t>(</a:t>
+            </a:r>
+            <a:r>
+              <a:rPr lang="ko-KR" altLang="en-US" dirty="0" err="1"/>
+              <a:t>신규생성</a:t>
+            </a:r>
+            <a:r>
+              <a:rPr lang="en-US" altLang="ko-KR" dirty="0"/>
+              <a:t>X)</a:t>
+            </a:r>
+            <a:endParaRPr lang="ko-KR" altLang="en-US" dirty="0"/>
+          </a:p>
+        </p:txBody>
+      </p:sp>
+      <p:sp>
+        <p:nvSpPr>
+          <p:cNvPr id="4" name="슬라이드 번호 개체 틀 3"/>
+          <p:cNvSpPr>
+            <a:spLocks noGrp="1"/>
+          </p:cNvSpPr>
+          <p:nvPr>
+            <p:ph type="sldNum" sz="quarter" idx="10"/>
+          </p:nvPr>
+        </p:nvSpPr>
+        <p:spPr/>
+        <p:txBody>
+          <a:bodyPr/>
+          <a:lstStyle/>
+          <a:p>
+            <a:pPr>
+              <a:defRPr/>
+            </a:pPr>
+            <a:fld id="{8092176F-0855-447C-AFC3-AE19EC7A4380}" type="slidenum">
+              <a:rPr lang="ko-KR" altLang="en-US" smtClean="0"/>
+              <a:pPr>
+                <a:defRPr/>
+              </a:pPr>
+              <a:t>30</a:t>
             </a:fld>
             <a:endParaRPr lang="ko-KR" altLang="en-US"/>
           </a:p>
@@ -8246,7 +9018,7 @@
           <a:p>
             <a:fld id="{35A32851-9663-46D8-AEC4-64DFD4E932B5}" type="datetimeFigureOut">
               <a:rPr lang="ko-KR" altLang="en-US" smtClean="0"/>
-              <a:t>2024-02-05</a:t>
+              <a:t>2024-02-19</a:t>
             </a:fld>
             <a:endParaRPr lang="ko-KR" altLang="en-US"/>
           </a:p>
@@ -8414,7 +9186,7 @@
           <a:p>
             <a:fld id="{35A32851-9663-46D8-AEC4-64DFD4E932B5}" type="datetimeFigureOut">
               <a:rPr lang="ko-KR" altLang="en-US" smtClean="0"/>
-              <a:t>2024-02-05</a:t>
+              <a:t>2024-02-19</a:t>
             </a:fld>
             <a:endParaRPr lang="ko-KR" altLang="en-US"/>
           </a:p>
@@ -8592,7 +9364,7 @@
           <a:p>
             <a:fld id="{35A32851-9663-46D8-AEC4-64DFD4E932B5}" type="datetimeFigureOut">
               <a:rPr lang="ko-KR" altLang="en-US" smtClean="0"/>
-              <a:t>2024-02-05</a:t>
+              <a:t>2024-02-19</a:t>
             </a:fld>
             <a:endParaRPr lang="ko-KR" altLang="en-US"/>
           </a:p>
@@ -8955,7 +9727,7 @@
           <a:p>
             <a:fld id="{35A32851-9663-46D8-AEC4-64DFD4E932B5}" type="datetimeFigureOut">
               <a:rPr lang="ko-KR" altLang="en-US" smtClean="0"/>
-              <a:t>2024-02-05</a:t>
+              <a:t>2024-02-19</a:t>
             </a:fld>
             <a:endParaRPr lang="ko-KR" altLang="en-US"/>
           </a:p>
@@ -9200,7 +9972,7 @@
           <a:p>
             <a:fld id="{35A32851-9663-46D8-AEC4-64DFD4E932B5}" type="datetimeFigureOut">
               <a:rPr lang="ko-KR" altLang="en-US" smtClean="0"/>
-              <a:t>2024-02-05</a:t>
+              <a:t>2024-02-19</a:t>
             </a:fld>
             <a:endParaRPr lang="ko-KR" altLang="en-US"/>
           </a:p>
@@ -9429,7 +10201,7 @@
           <a:p>
             <a:fld id="{35A32851-9663-46D8-AEC4-64DFD4E932B5}" type="datetimeFigureOut">
               <a:rPr lang="ko-KR" altLang="en-US" smtClean="0"/>
-              <a:t>2024-02-05</a:t>
+              <a:t>2024-02-19</a:t>
             </a:fld>
             <a:endParaRPr lang="ko-KR" altLang="en-US"/>
           </a:p>
@@ -9793,7 +10565,7 @@
           <a:p>
             <a:fld id="{35A32851-9663-46D8-AEC4-64DFD4E932B5}" type="datetimeFigureOut">
               <a:rPr lang="ko-KR" altLang="en-US" smtClean="0"/>
-              <a:t>2024-02-05</a:t>
+              <a:t>2024-02-19</a:t>
             </a:fld>
             <a:endParaRPr lang="ko-KR" altLang="en-US"/>
           </a:p>
@@ -9910,7 +10682,7 @@
           <a:p>
             <a:fld id="{35A32851-9663-46D8-AEC4-64DFD4E932B5}" type="datetimeFigureOut">
               <a:rPr lang="ko-KR" altLang="en-US" smtClean="0"/>
-              <a:t>2024-02-05</a:t>
+              <a:t>2024-02-19</a:t>
             </a:fld>
             <a:endParaRPr lang="ko-KR" altLang="en-US"/>
           </a:p>
@@ -10005,7 +10777,7 @@
           <a:p>
             <a:fld id="{35A32851-9663-46D8-AEC4-64DFD4E932B5}" type="datetimeFigureOut">
               <a:rPr lang="ko-KR" altLang="en-US" smtClean="0"/>
-              <a:t>2024-02-05</a:t>
+              <a:t>2024-02-19</a:t>
             </a:fld>
             <a:endParaRPr lang="ko-KR" altLang="en-US"/>
           </a:p>
@@ -10280,7 +11052,7 @@
           <a:p>
             <a:fld id="{35A32851-9663-46D8-AEC4-64DFD4E932B5}" type="datetimeFigureOut">
               <a:rPr lang="ko-KR" altLang="en-US" smtClean="0"/>
-              <a:t>2024-02-05</a:t>
+              <a:t>2024-02-19</a:t>
             </a:fld>
             <a:endParaRPr lang="ko-KR" altLang="en-US"/>
           </a:p>
@@ -10532,7 +11304,7 @@
           <a:p>
             <a:fld id="{35A32851-9663-46D8-AEC4-64DFD4E932B5}" type="datetimeFigureOut">
               <a:rPr lang="ko-KR" altLang="en-US" smtClean="0"/>
-              <a:t>2024-02-05</a:t>
+              <a:t>2024-02-19</a:t>
             </a:fld>
             <a:endParaRPr lang="ko-KR" altLang="en-US"/>
           </a:p>
@@ -10743,7 +11515,7 @@
           <a:p>
             <a:fld id="{35A32851-9663-46D8-AEC4-64DFD4E932B5}" type="datetimeFigureOut">
               <a:rPr lang="ko-KR" altLang="en-US" smtClean="0"/>
-              <a:t>2024-02-05</a:t>
+              <a:t>2024-02-19</a:t>
             </a:fld>
             <a:endParaRPr lang="ko-KR" altLang="en-US"/>
           </a:p>
@@ -20523,16 +21295,15 @@
           </p:cNvPicPr>
           <p:nvPr/>
         </p:nvPicPr>
-        <p:blipFill>
+        <p:blipFill rotWithShape="1">
           <a:blip r:embed="rId3"/>
-          <a:stretch>
-            <a:fillRect/>
-          </a:stretch>
+          <a:srcRect b="27020"/>
+          <a:stretch/>
         </p:blipFill>
         <p:spPr>
           <a:xfrm>
             <a:off x="6241225" y="1142518"/>
-            <a:ext cx="2448267" cy="2572109"/>
+            <a:ext cx="2448267" cy="1877129"/>
           </a:xfrm>
           <a:prstGeom prst="rect">
             <a:avLst/>
@@ -20606,8 +21377,8 @@
         </p:nvSpPr>
         <p:spPr>
           <a:xfrm>
-            <a:off x="6305550" y="2345403"/>
-            <a:ext cx="2406650" cy="1369223"/>
+            <a:off x="6305550" y="2345404"/>
+            <a:ext cx="2406650" cy="846176"/>
           </a:xfrm>
           <a:prstGeom prst="rect">
             <a:avLst/>
@@ -20660,7 +21431,7 @@
         <p:spPr>
           <a:xfrm>
             <a:off x="8776525" y="2931890"/>
-            <a:ext cx="1802574" cy="230832"/>
+            <a:ext cx="1802574" cy="923330"/>
           </a:xfrm>
           <a:prstGeom prst="rect">
             <a:avLst/>
@@ -20713,6 +21484,124 @@
               </a:rPr>
               <a:t>Key Schedule</a:t>
             </a:r>
+          </a:p>
+          <a:p>
+            <a:endParaRPr lang="en-US" altLang="ko-KR" sz="900" dirty="0">
+              <a:solidFill>
+                <a:srgbClr val="0000FF"/>
+              </a:solidFill>
+              <a:latin typeface="현대하모니 L" panose="02020603020101020101" pitchFamily="18" charset="-127"/>
+              <a:ea typeface="현대하모니 L" panose="02020603020101020101" pitchFamily="18" charset="-127"/>
+            </a:endParaRPr>
+          </a:p>
+          <a:p>
+            <a:r>
+              <a:rPr lang="en-US" altLang="ko-KR" sz="900" dirty="0">
+                <a:solidFill>
+                  <a:srgbClr val="0000FF"/>
+                </a:solidFill>
+                <a:latin typeface="현대하모니 L" panose="02020603020101020101" pitchFamily="18" charset="-127"/>
+                <a:ea typeface="현대하모니 L" panose="02020603020101020101" pitchFamily="18" charset="-127"/>
+              </a:rPr>
+              <a:t>※ Wall,</a:t>
+            </a:r>
+            <a:r>
+              <a:rPr lang="ko-KR" altLang="en-US" sz="900" dirty="0">
+                <a:solidFill>
+                  <a:srgbClr val="0000FF"/>
+                </a:solidFill>
+                <a:latin typeface="현대하모니 L" panose="02020603020101020101" pitchFamily="18" charset="-127"/>
+                <a:ea typeface="현대하모니 L" panose="02020603020101020101" pitchFamily="18" charset="-127"/>
+              </a:rPr>
+              <a:t> </a:t>
+            </a:r>
+            <a:r>
+              <a:rPr lang="en-US" altLang="ko-KR" sz="900" dirty="0">
+                <a:solidFill>
+                  <a:srgbClr val="0000FF"/>
+                </a:solidFill>
+                <a:latin typeface="현대하모니 L" panose="02020603020101020101" pitchFamily="18" charset="-127"/>
+                <a:ea typeface="현대하모니 L" panose="02020603020101020101" pitchFamily="18" charset="-127"/>
+              </a:rPr>
+              <a:t>Roof,</a:t>
+            </a:r>
+            <a:r>
+              <a:rPr lang="ko-KR" altLang="en-US" sz="900" dirty="0">
+                <a:solidFill>
+                  <a:srgbClr val="0000FF"/>
+                </a:solidFill>
+                <a:latin typeface="현대하모니 L" panose="02020603020101020101" pitchFamily="18" charset="-127"/>
+                <a:ea typeface="현대하모니 L" panose="02020603020101020101" pitchFamily="18" charset="-127"/>
+              </a:rPr>
+              <a:t> </a:t>
+            </a:r>
+            <a:r>
+              <a:rPr lang="en-US" altLang="ko-KR" sz="900" dirty="0">
+                <a:solidFill>
+                  <a:srgbClr val="0000FF"/>
+                </a:solidFill>
+                <a:latin typeface="현대하모니 L" panose="02020603020101020101" pitchFamily="18" charset="-127"/>
+                <a:ea typeface="현대하모니 L" panose="02020603020101020101" pitchFamily="18" charset="-127"/>
+              </a:rPr>
+              <a:t>Door,</a:t>
+            </a:r>
+            <a:r>
+              <a:rPr lang="ko-KR" altLang="en-US" sz="900" dirty="0">
+                <a:solidFill>
+                  <a:srgbClr val="0000FF"/>
+                </a:solidFill>
+                <a:latin typeface="현대하모니 L" panose="02020603020101020101" pitchFamily="18" charset="-127"/>
+                <a:ea typeface="현대하모니 L" panose="02020603020101020101" pitchFamily="18" charset="-127"/>
+              </a:rPr>
+              <a:t> </a:t>
+            </a:r>
+            <a:r>
+              <a:rPr lang="en-US" altLang="ko-KR" sz="900" dirty="0">
+                <a:solidFill>
+                  <a:srgbClr val="0000FF"/>
+                </a:solidFill>
+                <a:latin typeface="현대하모니 L" panose="02020603020101020101" pitchFamily="18" charset="-127"/>
+                <a:ea typeface="현대하모니 L" panose="02020603020101020101" pitchFamily="18" charset="-127"/>
+              </a:rPr>
+              <a:t>Window</a:t>
+            </a:r>
+            <a:r>
+              <a:rPr lang="ko-KR" altLang="en-US" sz="900" dirty="0">
+                <a:solidFill>
+                  <a:srgbClr val="0000FF"/>
+                </a:solidFill>
+                <a:latin typeface="현대하모니 L" panose="02020603020101020101" pitchFamily="18" charset="-127"/>
+                <a:ea typeface="현대하모니 L" panose="02020603020101020101" pitchFamily="18" charset="-127"/>
+              </a:rPr>
+              <a:t>의 경우 별도의 </a:t>
+            </a:r>
+            <a:r>
+              <a:rPr lang="en-US" altLang="ko-KR" sz="900" dirty="0">
+                <a:solidFill>
+                  <a:srgbClr val="0000FF"/>
+                </a:solidFill>
+                <a:latin typeface="현대하모니 L" panose="02020603020101020101" pitchFamily="18" charset="-127"/>
+                <a:ea typeface="현대하모니 L" panose="02020603020101020101" pitchFamily="18" charset="-127"/>
+              </a:rPr>
+              <a:t>Key Schedule</a:t>
+            </a:r>
+            <a:r>
+              <a:rPr lang="ko-KR" altLang="en-US" sz="900" dirty="0">
+                <a:solidFill>
+                  <a:srgbClr val="0000FF"/>
+                </a:solidFill>
+                <a:latin typeface="현대하모니 L" panose="02020603020101020101" pitchFamily="18" charset="-127"/>
+                <a:ea typeface="현대하모니 L" panose="02020603020101020101" pitchFamily="18" charset="-127"/>
+              </a:rPr>
+              <a:t> 없이 입찰용 패밀리를 이용해 입력</a:t>
+            </a:r>
+            <a:endParaRPr lang="en-US" altLang="ko-KR" sz="900" dirty="0">
+              <a:solidFill>
+                <a:srgbClr val="0000FF"/>
+              </a:solidFill>
+              <a:latin typeface="현대하모니 L" panose="02020603020101020101" pitchFamily="18" charset="-127"/>
+              <a:ea typeface="현대하모니 L" panose="02020603020101020101" pitchFamily="18" charset="-127"/>
+            </a:endParaRPr>
           </a:p>
         </p:txBody>
       </p:sp>
@@ -26852,41 +27741,11 @@
           <a:p>
             <a:r>
               <a:rPr lang="en-US" altLang="ko-KR" dirty="0"/>
-              <a:t>&lt;E_Wall Style Schedule&gt;</a:t>
+              <a:t>&lt;E_Wall Style – Bidding Family&gt;</a:t>
             </a:r>
           </a:p>
         </p:txBody>
       </p:sp>
-      <p:pic>
-        <p:nvPicPr>
-          <p:cNvPr id="9" name="그림 8">
-            <a:extLst>
-              <a:ext uri="{FF2B5EF4-FFF2-40B4-BE49-F238E27FC236}">
-                <a16:creationId xmlns:a16="http://schemas.microsoft.com/office/drawing/2014/main" id="{069D5E1D-E95E-826D-9F49-02B6B1F6E80E}"/>
-              </a:ext>
-            </a:extLst>
-          </p:cNvPr>
-          <p:cNvPicPr>
-            <a:picLocks noChangeAspect="1"/>
-          </p:cNvPicPr>
-          <p:nvPr/>
-        </p:nvPicPr>
-        <p:blipFill>
-          <a:blip r:embed="rId3"/>
-          <a:stretch>
-            <a:fillRect/>
-          </a:stretch>
-        </p:blipFill>
-        <p:spPr>
-          <a:xfrm>
-            <a:off x="7362731" y="1264784"/>
-            <a:ext cx="3717776" cy="4762500"/>
-          </a:xfrm>
-          <a:prstGeom prst="rect">
-            <a:avLst/>
-          </a:prstGeom>
-        </p:spPr>
-      </p:pic>
       <p:sp>
         <p:nvSpPr>
           <p:cNvPr id="10" name="직사각형 9">
@@ -27158,7 +28017,7 @@
                 <a:latin typeface="현대하모니 L" panose="02020603020101020101" pitchFamily="18" charset="-127"/>
                 <a:ea typeface="현대하모니 L" panose="02020603020101020101" pitchFamily="18" charset="-127"/>
               </a:rPr>
-              <a:t> 스타일이 저장된 스케줄로서</a:t>
+              <a:t> 스타일이 저장된 패밀리로서</a:t>
             </a:r>
             <a:r>
               <a:rPr lang="en-US" altLang="ko-KR" sz="900" dirty="0">
@@ -27364,6 +28223,36 @@
           </a:p>
         </p:txBody>
       </p:sp>
+      <p:pic>
+        <p:nvPicPr>
+          <p:cNvPr id="4" name="그림 3">
+            <a:extLst>
+              <a:ext uri="{FF2B5EF4-FFF2-40B4-BE49-F238E27FC236}">
+                <a16:creationId xmlns:a16="http://schemas.microsoft.com/office/drawing/2014/main" id="{DD9BA719-2D91-FC1B-C579-B12E8941FDCF}"/>
+              </a:ext>
+            </a:extLst>
+          </p:cNvPr>
+          <p:cNvPicPr>
+            <a:picLocks noChangeAspect="1"/>
+          </p:cNvPicPr>
+          <p:nvPr/>
+        </p:nvPicPr>
+        <p:blipFill>
+          <a:blip r:embed="rId3"/>
+          <a:stretch>
+            <a:fillRect/>
+          </a:stretch>
+        </p:blipFill>
+        <p:spPr>
+          <a:xfrm>
+            <a:off x="5742083" y="836713"/>
+            <a:ext cx="6172970" cy="5475768"/>
+          </a:xfrm>
+          <a:prstGeom prst="rect">
+            <a:avLst/>
+          </a:prstGeom>
+        </p:spPr>
+      </p:pic>
     </p:spTree>
     <p:extLst>
       <p:ext uri="{BB962C8B-B14F-4D97-AF65-F5344CB8AC3E}">
@@ -27666,10 +28555,4382 @@
       </p:sp>
       <p:sp>
         <p:nvSpPr>
+          <p:cNvPr id="7" name="TextBox 6">
+            <a:extLst>
+              <a:ext uri="{FF2B5EF4-FFF2-40B4-BE49-F238E27FC236}">
+                <a16:creationId xmlns:a16="http://schemas.microsoft.com/office/drawing/2014/main" id="{2E17DD5A-94F5-E1FC-4070-B53298388845}"/>
+              </a:ext>
+            </a:extLst>
+          </p:cNvPr>
+          <p:cNvSpPr txBox="1"/>
+          <p:nvPr/>
+        </p:nvSpPr>
+        <p:spPr>
+          <a:xfrm>
+            <a:off x="2193632" y="1608290"/>
+            <a:ext cx="3143334" cy="230832"/>
+          </a:xfrm>
+          <a:prstGeom prst="rect">
+            <a:avLst/>
+          </a:prstGeom>
+          <a:noFill/>
+        </p:spPr>
+        <p:txBody>
+          <a:bodyPr wrap="square" rtlCol="0">
+            <a:spAutoFit/>
+          </a:bodyPr>
+          <a:lstStyle/>
+          <a:p>
+            <a:r>
+              <a:rPr lang="ko-KR" altLang="en-US" sz="900">
+                <a:latin typeface="현대하모니 L" panose="02020603020101020101" pitchFamily="18" charset="-127"/>
+                <a:ea typeface="현대하모니 L" panose="02020603020101020101" pitchFamily="18" charset="-127"/>
+              </a:rPr>
+              <a:t>벽 구분</a:t>
+            </a:r>
+            <a:endParaRPr lang="en-US" altLang="ko-KR" sz="900" dirty="0">
+              <a:latin typeface="현대하모니 L" panose="02020603020101020101" pitchFamily="18" charset="-127"/>
+              <a:ea typeface="현대하모니 L" panose="02020603020101020101" pitchFamily="18" charset="-127"/>
+            </a:endParaRPr>
+          </a:p>
+        </p:txBody>
+      </p:sp>
+      <p:sp>
+        <p:nvSpPr>
+          <p:cNvPr id="8" name="TextBox 7">
+            <a:extLst>
+              <a:ext uri="{FF2B5EF4-FFF2-40B4-BE49-F238E27FC236}">
+                <a16:creationId xmlns:a16="http://schemas.microsoft.com/office/drawing/2014/main" id="{044D5EEB-1889-C9E5-95F1-A5684AB4C509}"/>
+              </a:ext>
+            </a:extLst>
+          </p:cNvPr>
+          <p:cNvSpPr txBox="1"/>
+          <p:nvPr/>
+        </p:nvSpPr>
+        <p:spPr>
+          <a:xfrm>
+            <a:off x="2193632" y="3429000"/>
+            <a:ext cx="3143334" cy="369332"/>
+          </a:xfrm>
+          <a:prstGeom prst="rect">
+            <a:avLst/>
+          </a:prstGeom>
+          <a:noFill/>
+        </p:spPr>
+        <p:txBody>
+          <a:bodyPr wrap="square" rtlCol="0">
+            <a:spAutoFit/>
+          </a:bodyPr>
+          <a:lstStyle/>
+          <a:p>
+            <a:r>
+              <a:rPr lang="ko-KR" altLang="en-US" sz="900" dirty="0">
+                <a:latin typeface="현대하모니 L" panose="02020603020101020101" pitchFamily="18" charset="-127"/>
+                <a:ea typeface="현대하모니 L" panose="02020603020101020101" pitchFamily="18" charset="-127"/>
+              </a:rPr>
+              <a:t>구조체</a:t>
+            </a:r>
+            <a:r>
+              <a:rPr lang="en-US" altLang="ko-KR" sz="900" dirty="0">
+                <a:latin typeface="현대하모니 L" panose="02020603020101020101" pitchFamily="18" charset="-127"/>
+                <a:ea typeface="현대하모니 L" panose="02020603020101020101" pitchFamily="18" charset="-127"/>
+              </a:rPr>
+              <a:t>(Structure) : </a:t>
+            </a:r>
+            <a:r>
+              <a:rPr lang="ko-KR" altLang="en-US" sz="900" dirty="0">
+                <a:latin typeface="현대하모니 L" panose="02020603020101020101" pitchFamily="18" charset="-127"/>
+                <a:ea typeface="현대하모니 L" panose="02020603020101020101" pitchFamily="18" charset="-127"/>
+              </a:rPr>
+              <a:t>벽을 지지하기 위한 재료</a:t>
+            </a:r>
+            <a:endParaRPr lang="en-US" altLang="ko-KR" sz="900" dirty="0">
+              <a:latin typeface="현대하모니 L" panose="02020603020101020101" pitchFamily="18" charset="-127"/>
+              <a:ea typeface="현대하모니 L" panose="02020603020101020101" pitchFamily="18" charset="-127"/>
+            </a:endParaRPr>
+          </a:p>
+          <a:p>
+            <a:r>
+              <a:rPr lang="en-US" altLang="ko-KR" sz="900" dirty="0">
+                <a:latin typeface="현대하모니 L" panose="02020603020101020101" pitchFamily="18" charset="-127"/>
+                <a:ea typeface="현대하모니 L" panose="02020603020101020101" pitchFamily="18" charset="-127"/>
+              </a:rPr>
+              <a:t>Ex&gt; RC, Brick, Block, Gypsum, Combined</a:t>
+            </a:r>
+          </a:p>
+        </p:txBody>
+      </p:sp>
+      <p:sp>
+        <p:nvSpPr>
+          <p:cNvPr id="33" name="TextBox 32">
+            <a:extLst>
+              <a:ext uri="{FF2B5EF4-FFF2-40B4-BE49-F238E27FC236}">
+                <a16:creationId xmlns:a16="http://schemas.microsoft.com/office/drawing/2014/main" id="{A1FDBADD-DCB3-0163-B929-30E96BD6DFF7}"/>
+              </a:ext>
+            </a:extLst>
+          </p:cNvPr>
+          <p:cNvSpPr txBox="1"/>
+          <p:nvPr/>
+        </p:nvSpPr>
+        <p:spPr>
+          <a:xfrm>
+            <a:off x="2193632" y="2154842"/>
+            <a:ext cx="3143334" cy="507831"/>
+          </a:xfrm>
+          <a:prstGeom prst="rect">
+            <a:avLst/>
+          </a:prstGeom>
+          <a:noFill/>
+        </p:spPr>
+        <p:txBody>
+          <a:bodyPr wrap="square" rtlCol="0">
+            <a:spAutoFit/>
+          </a:bodyPr>
+          <a:lstStyle/>
+          <a:p>
+            <a:r>
+              <a:rPr lang="ko-KR" altLang="en-US" sz="900" dirty="0">
+                <a:latin typeface="현대하모니 L" panose="02020603020101020101" pitchFamily="18" charset="-127"/>
+                <a:ea typeface="현대하모니 L" panose="02020603020101020101" pitchFamily="18" charset="-127"/>
+              </a:rPr>
+              <a:t>마감재</a:t>
+            </a:r>
+            <a:r>
+              <a:rPr lang="en-US" altLang="ko-KR" sz="900" dirty="0">
+                <a:latin typeface="현대하모니 L" panose="02020603020101020101" pitchFamily="18" charset="-127"/>
+                <a:ea typeface="현대하모니 L" panose="02020603020101020101" pitchFamily="18" charset="-127"/>
+              </a:rPr>
+              <a:t>(Finish): </a:t>
+            </a:r>
+            <a:r>
+              <a:rPr lang="ko-KR" altLang="en-US" sz="900" dirty="0">
+                <a:latin typeface="현대하모니 L" panose="02020603020101020101" pitchFamily="18" charset="-127"/>
+                <a:ea typeface="현대하모니 L" panose="02020603020101020101" pitchFamily="18" charset="-127"/>
+              </a:rPr>
+              <a:t>룸의 표면에 위치하는 마감</a:t>
+            </a:r>
+            <a:r>
+              <a:rPr lang="en-US" altLang="ko-KR" sz="900" dirty="0">
+                <a:latin typeface="현대하모니 L" panose="02020603020101020101" pitchFamily="18" charset="-127"/>
+                <a:ea typeface="현대하모니 L" panose="02020603020101020101" pitchFamily="18" charset="-127"/>
+              </a:rPr>
+              <a:t>. </a:t>
+            </a:r>
+            <a:r>
+              <a:rPr lang="ko-KR" altLang="en-US" sz="900" dirty="0">
+                <a:latin typeface="현대하모니 L" panose="02020603020101020101" pitchFamily="18" charset="-127"/>
+                <a:ea typeface="현대하모니 L" panose="02020603020101020101" pitchFamily="18" charset="-127"/>
+              </a:rPr>
+              <a:t>룸의 기능에 직접 대응하는 마감</a:t>
+            </a:r>
+            <a:endParaRPr lang="en-US" altLang="ko-KR" sz="900" dirty="0">
+              <a:latin typeface="현대하모니 L" panose="02020603020101020101" pitchFamily="18" charset="-127"/>
+              <a:ea typeface="현대하모니 L" panose="02020603020101020101" pitchFamily="18" charset="-127"/>
+            </a:endParaRPr>
+          </a:p>
+          <a:p>
+            <a:r>
+              <a:rPr lang="en-US" altLang="ko-KR" sz="900" dirty="0">
+                <a:latin typeface="현대하모니 L" panose="02020603020101020101" pitchFamily="18" charset="-127"/>
+                <a:ea typeface="현대하모니 L" panose="02020603020101020101" pitchFamily="18" charset="-127"/>
+              </a:rPr>
+              <a:t>Ex&gt; Paint, Tile </a:t>
+            </a:r>
+          </a:p>
+        </p:txBody>
+      </p:sp>
+      <p:sp>
+        <p:nvSpPr>
+          <p:cNvPr id="47" name="TextBox 46">
+            <a:extLst>
+              <a:ext uri="{FF2B5EF4-FFF2-40B4-BE49-F238E27FC236}">
+                <a16:creationId xmlns:a16="http://schemas.microsoft.com/office/drawing/2014/main" id="{02954170-2435-17CD-DB7C-A2816A5B0244}"/>
+              </a:ext>
+            </a:extLst>
+          </p:cNvPr>
+          <p:cNvSpPr txBox="1"/>
+          <p:nvPr/>
+        </p:nvSpPr>
+        <p:spPr>
+          <a:xfrm>
+            <a:off x="2193631" y="2861170"/>
+            <a:ext cx="3537317" cy="369332"/>
+          </a:xfrm>
+          <a:prstGeom prst="rect">
+            <a:avLst/>
+          </a:prstGeom>
+          <a:noFill/>
+        </p:spPr>
+        <p:txBody>
+          <a:bodyPr wrap="square" rtlCol="0">
+            <a:spAutoFit/>
+          </a:bodyPr>
+          <a:lstStyle/>
+          <a:p>
+            <a:r>
+              <a:rPr lang="ko-KR" altLang="en-US" sz="900" dirty="0">
+                <a:latin typeface="현대하모니 L" panose="02020603020101020101" pitchFamily="18" charset="-127"/>
+                <a:ea typeface="현대하모니 L" panose="02020603020101020101" pitchFamily="18" charset="-127"/>
+              </a:rPr>
+              <a:t>하지재</a:t>
+            </a:r>
+            <a:r>
+              <a:rPr lang="en-US" altLang="ko-KR" sz="900" dirty="0">
+                <a:latin typeface="현대하모니 L" panose="02020603020101020101" pitchFamily="18" charset="-127"/>
+                <a:ea typeface="현대하모니 L" panose="02020603020101020101" pitchFamily="18" charset="-127"/>
+              </a:rPr>
+              <a:t>(Substrate): </a:t>
+            </a:r>
+            <a:r>
+              <a:rPr lang="ko-KR" altLang="en-US" sz="900" dirty="0">
+                <a:latin typeface="현대하모니 L" panose="02020603020101020101" pitchFamily="18" charset="-127"/>
+                <a:ea typeface="현대하모니 L" panose="02020603020101020101" pitchFamily="18" charset="-127"/>
+              </a:rPr>
+              <a:t>다른 재료를 위한 기초가 되어주는 재료</a:t>
+            </a:r>
+            <a:endParaRPr lang="en-US" altLang="ko-KR" sz="900" dirty="0">
+              <a:latin typeface="현대하모니 L" panose="02020603020101020101" pitchFamily="18" charset="-127"/>
+              <a:ea typeface="현대하모니 L" panose="02020603020101020101" pitchFamily="18" charset="-127"/>
+            </a:endParaRPr>
+          </a:p>
+          <a:p>
+            <a:r>
+              <a:rPr lang="en-US" altLang="ko-KR" sz="900" dirty="0">
+                <a:latin typeface="현대하모니 L" panose="02020603020101020101" pitchFamily="18" charset="-127"/>
+                <a:ea typeface="현대하모니 L" panose="02020603020101020101" pitchFamily="18" charset="-127"/>
+              </a:rPr>
+              <a:t>Ex&gt;</a:t>
+            </a:r>
+            <a:r>
+              <a:rPr lang="ko-KR" altLang="en-US" sz="900" dirty="0">
+                <a:latin typeface="현대하모니 L" panose="02020603020101020101" pitchFamily="18" charset="-127"/>
+                <a:ea typeface="현대하모니 L" panose="02020603020101020101" pitchFamily="18" charset="-127"/>
+              </a:rPr>
+              <a:t> </a:t>
+            </a:r>
+            <a:r>
+              <a:rPr lang="en-US" altLang="ko-KR" sz="900" dirty="0">
+                <a:latin typeface="현대하모니 L" panose="02020603020101020101" pitchFamily="18" charset="-127"/>
+                <a:ea typeface="현대하모니 L" panose="02020603020101020101" pitchFamily="18" charset="-127"/>
+              </a:rPr>
+              <a:t>Plaster, Screed</a:t>
+            </a:r>
+          </a:p>
+        </p:txBody>
+      </p:sp>
+    </p:spTree>
+    <p:extLst>
+      <p:ext uri="{BB962C8B-B14F-4D97-AF65-F5344CB8AC3E}">
+        <p14:creationId xmlns:p14="http://schemas.microsoft.com/office/powerpoint/2010/main" val="497279712"/>
+      </p:ext>
+    </p:extLst>
+  </p:cSld>
+  <p:clrMapOvr>
+    <a:masterClrMapping/>
+  </p:clrMapOvr>
+</p:sld>
+</file>
+
+<file path=ppt/slides/slide27.xml><?xml version="1.0" encoding="utf-8"?>
+<p:sld xmlns:a="http://schemas.openxmlformats.org/drawingml/2006/main" xmlns:r="http://schemas.openxmlformats.org/officeDocument/2006/relationships" xmlns:p="http://schemas.openxmlformats.org/presentationml/2006/main">
+  <p:cSld>
+    <p:spTree>
+      <p:nvGrpSpPr>
+        <p:cNvPr id="1" name="">
+          <a:extLst>
+            <a:ext uri="{FF2B5EF4-FFF2-40B4-BE49-F238E27FC236}">
+              <a16:creationId xmlns:a16="http://schemas.microsoft.com/office/drawing/2014/main" id="{EA0F3AF9-9B83-A238-90DA-098D9A5BAFC6}"/>
+            </a:ext>
+          </a:extLst>
+        </p:cNvPr>
+        <p:cNvGrpSpPr/>
+        <p:nvPr/>
+      </p:nvGrpSpPr>
+      <p:grpSpPr>
+        <a:xfrm>
+          <a:off x="0" y="0"/>
+          <a:ext cx="0" cy="0"/>
+          <a:chOff x="0" y="0"/>
+          <a:chExt cx="0" cy="0"/>
+        </a:xfrm>
+      </p:grpSpPr>
+      <p:sp>
+        <p:nvSpPr>
+          <p:cNvPr id="40" name="직사각형 39">
+            <a:extLst>
+              <a:ext uri="{FF2B5EF4-FFF2-40B4-BE49-F238E27FC236}">
+                <a16:creationId xmlns:a16="http://schemas.microsoft.com/office/drawing/2014/main" id="{139C8FED-C2AF-FDA9-400F-BCE59D5F0AF6}"/>
+              </a:ext>
+            </a:extLst>
+          </p:cNvPr>
+          <p:cNvSpPr/>
+          <p:nvPr/>
+        </p:nvSpPr>
+        <p:spPr>
+          <a:xfrm>
+            <a:off x="1320132" y="233484"/>
+            <a:ext cx="4503156" cy="369332"/>
+          </a:xfrm>
+          <a:prstGeom prst="rect">
+            <a:avLst/>
+          </a:prstGeom>
+        </p:spPr>
+        <p:txBody>
+          <a:bodyPr wrap="none">
+            <a:spAutoFit/>
+          </a:bodyPr>
+          <a:lstStyle/>
+          <a:p>
+            <a:pPr algn="ctr" defTabSz="900086" eaLnBrk="0" latinLnBrk="0" hangingPunct="0">
+              <a:defRPr/>
+            </a:pPr>
+            <a:r>
+              <a:rPr lang="en-US" altLang="ko-KR" sz="1800" b="1" dirty="0">
+                <a:ln>
+                  <a:solidFill>
+                    <a:srgbClr val="4F81BD">
+                      <a:alpha val="0"/>
+                    </a:srgbClr>
+                  </a:solidFill>
+                </a:ln>
+                <a:latin typeface="현대하모니 M" panose="02020603020101020101" pitchFamily="18" charset="-127"/>
+                <a:ea typeface="현대하모니 M" panose="02020603020101020101" pitchFamily="18" charset="-127"/>
+              </a:rPr>
+              <a:t>Ⅳ. </a:t>
+            </a:r>
+            <a:r>
+              <a:rPr lang="ko-KR" altLang="en-US" sz="1800" b="1" dirty="0">
+                <a:ln>
+                  <a:solidFill>
+                    <a:srgbClr val="4F81BD">
+                      <a:alpha val="0"/>
+                    </a:srgbClr>
+                  </a:solidFill>
+                </a:ln>
+                <a:latin typeface="현대하모니 M" panose="02020603020101020101" pitchFamily="18" charset="-127"/>
+                <a:ea typeface="현대하모니 M" panose="02020603020101020101" pitchFamily="18" charset="-127"/>
+              </a:rPr>
+              <a:t>스케줄을 활용한 마감 </a:t>
+            </a:r>
+            <a:r>
+              <a:rPr lang="ko-KR" altLang="en-US" sz="1800" b="1" dirty="0" err="1">
+                <a:ln>
+                  <a:solidFill>
+                    <a:srgbClr val="4F81BD">
+                      <a:alpha val="0"/>
+                    </a:srgbClr>
+                  </a:solidFill>
+                </a:ln>
+                <a:latin typeface="현대하모니 M" panose="02020603020101020101" pitchFamily="18" charset="-127"/>
+                <a:ea typeface="현대하모니 M" panose="02020603020101020101" pitchFamily="18" charset="-127"/>
+              </a:rPr>
+              <a:t>설계안</a:t>
+            </a:r>
+            <a:r>
+              <a:rPr lang="ko-KR" altLang="en-US" sz="1800" b="1" dirty="0">
+                <a:ln>
+                  <a:solidFill>
+                    <a:srgbClr val="4F81BD">
+                      <a:alpha val="0"/>
+                    </a:srgbClr>
+                  </a:solidFill>
+                </a:ln>
+                <a:latin typeface="현대하모니 M" panose="02020603020101020101" pitchFamily="18" charset="-127"/>
+                <a:ea typeface="현대하모니 M" panose="02020603020101020101" pitchFamily="18" charset="-127"/>
+              </a:rPr>
+              <a:t> 입력 및 출력</a:t>
+            </a:r>
+          </a:p>
+        </p:txBody>
+      </p:sp>
+      <p:sp>
+        <p:nvSpPr>
+          <p:cNvPr id="14" name="직사각형 13">
+            <a:extLst>
+              <a:ext uri="{FF2B5EF4-FFF2-40B4-BE49-F238E27FC236}">
+                <a16:creationId xmlns:a16="http://schemas.microsoft.com/office/drawing/2014/main" id="{27F8329D-B6A3-D588-EAD8-5DFE441B2684}"/>
+              </a:ext>
+            </a:extLst>
+          </p:cNvPr>
+          <p:cNvSpPr/>
+          <p:nvPr/>
+        </p:nvSpPr>
+        <p:spPr>
+          <a:xfrm>
+            <a:off x="1487491" y="836713"/>
+            <a:ext cx="2430085" cy="428071"/>
+          </a:xfrm>
+          <a:prstGeom prst="rect">
+            <a:avLst/>
+          </a:prstGeom>
+          <a:solidFill>
+            <a:schemeClr val="tx2"/>
+          </a:solidFill>
+          <a:ln w="12700">
+            <a:solidFill>
+              <a:schemeClr val="bg1">
+                <a:lumMod val="65000"/>
+              </a:schemeClr>
+            </a:solidFill>
+          </a:ln>
+        </p:spPr>
+        <p:style>
+          <a:lnRef idx="2">
+            <a:schemeClr val="accent1">
+              <a:shade val="50000"/>
+            </a:schemeClr>
+          </a:lnRef>
+          <a:fillRef idx="1">
+            <a:schemeClr val="accent1"/>
+          </a:fillRef>
+          <a:effectRef idx="0">
+            <a:schemeClr val="accent1"/>
+          </a:effectRef>
+          <a:fontRef idx="minor">
+            <a:schemeClr val="lt1"/>
+          </a:fontRef>
+        </p:style>
+        <p:txBody>
+          <a:bodyPr lIns="36000" tIns="36000" rIns="36000" bIns="36000" rtlCol="0" anchor="ctr"/>
+          <a:lstStyle/>
+          <a:p>
+            <a:pPr marL="90483" defTabSz="914256" eaLnBrk="0" latinLnBrk="0" hangingPunct="0">
+              <a:lnSpc>
+                <a:spcPct val="120000"/>
+              </a:lnSpc>
+              <a:defRPr/>
+            </a:pPr>
+            <a:r>
+              <a:rPr lang="en-US" altLang="ko-KR" sz="1400" b="1" dirty="0">
+                <a:ln>
+                  <a:solidFill>
+                    <a:schemeClr val="bg1">
+                      <a:alpha val="0"/>
+                    </a:schemeClr>
+                  </a:solidFill>
+                </a:ln>
+                <a:solidFill>
+                  <a:schemeClr val="bg1"/>
+                </a:solidFill>
+                <a:latin typeface="현대하모니 L" panose="02020603020101020101" pitchFamily="18" charset="-127"/>
+                <a:ea typeface="현대하모니 L" panose="02020603020101020101" pitchFamily="18" charset="-127"/>
+              </a:rPr>
+              <a:t>A-1. </a:t>
+            </a:r>
+            <a:r>
+              <a:rPr lang="ko-KR" altLang="en-US" sz="1400" b="1" dirty="0">
+                <a:ln>
+                  <a:solidFill>
+                    <a:schemeClr val="bg1">
+                      <a:alpha val="0"/>
+                    </a:schemeClr>
+                  </a:solidFill>
+                </a:ln>
+                <a:solidFill>
+                  <a:schemeClr val="bg1"/>
+                </a:solidFill>
+                <a:latin typeface="현대하모니 L" panose="02020603020101020101" pitchFamily="18" charset="-127"/>
+                <a:ea typeface="현대하모니 L" panose="02020603020101020101" pitchFamily="18" charset="-127"/>
+              </a:rPr>
+              <a:t>키 스케줄</a:t>
+            </a:r>
+            <a:endParaRPr lang="en-US" altLang="ko-KR" sz="1400" b="1" dirty="0">
+              <a:ln>
+                <a:solidFill>
+                  <a:schemeClr val="bg1">
+                    <a:alpha val="0"/>
+                  </a:schemeClr>
+                </a:solidFill>
+              </a:ln>
+              <a:solidFill>
+                <a:schemeClr val="bg1"/>
+              </a:solidFill>
+              <a:latin typeface="현대하모니 L" panose="02020603020101020101" pitchFamily="18" charset="-127"/>
+              <a:ea typeface="현대하모니 L" panose="02020603020101020101" pitchFamily="18" charset="-127"/>
+            </a:endParaRPr>
+          </a:p>
+        </p:txBody>
+      </p:sp>
+      <p:sp>
+        <p:nvSpPr>
+          <p:cNvPr id="3" name="Rectangle 14">
+            <a:extLst>
+              <a:ext uri="{FF2B5EF4-FFF2-40B4-BE49-F238E27FC236}">
+                <a16:creationId xmlns:a16="http://schemas.microsoft.com/office/drawing/2014/main" id="{D5A176C4-9BD1-E306-E666-CFAB02BD6C68}"/>
+              </a:ext>
+            </a:extLst>
+          </p:cNvPr>
+          <p:cNvSpPr>
+            <a:spLocks noChangeArrowheads="1"/>
+          </p:cNvSpPr>
+          <p:nvPr/>
+        </p:nvSpPr>
+        <p:spPr bwMode="auto">
+          <a:xfrm>
+            <a:off x="9221619" y="266582"/>
+            <a:ext cx="1436292" cy="246221"/>
+          </a:xfrm>
+          <a:prstGeom prst="rect">
+            <a:avLst/>
+          </a:prstGeom>
+          <a:noFill/>
+          <a:ln w="12700">
+            <a:noFill/>
+            <a:miter lim="800000"/>
+            <a:headEnd/>
+            <a:tailEnd/>
+          </a:ln>
+        </p:spPr>
+        <p:txBody>
+          <a:bodyPr wrap="none" lIns="0" tIns="0" rIns="0" bIns="0" anchor="ctr">
+            <a:spAutoFit/>
+          </a:bodyPr>
+          <a:lstStyle/>
+          <a:p>
+            <a:pPr defTabSz="900086" eaLnBrk="0" latinLnBrk="0" hangingPunct="0">
+              <a:spcBef>
+                <a:spcPct val="0"/>
+              </a:spcBef>
+              <a:spcAft>
+                <a:spcPct val="0"/>
+              </a:spcAft>
+              <a:defRPr/>
+            </a:pPr>
+            <a:r>
+              <a:rPr kumimoji="1" lang="ko-KR" altLang="en-US" sz="1600">
+                <a:ln>
+                  <a:solidFill>
+                    <a:srgbClr val="4F81BD">
+                      <a:alpha val="0"/>
+                    </a:srgbClr>
+                  </a:solidFill>
+                </a:ln>
+                <a:solidFill>
+                  <a:schemeClr val="tx1">
+                    <a:lumMod val="65000"/>
+                    <a:lumOff val="35000"/>
+                  </a:schemeClr>
+                </a:solidFill>
+                <a:latin typeface="현대하모니 M" panose="02020603020101020101" pitchFamily="18" charset="-127"/>
+                <a:ea typeface="현대하모니 M" panose="02020603020101020101" pitchFamily="18" charset="-127"/>
+              </a:rPr>
+              <a:t>플랜트건축설계팀</a:t>
+            </a:r>
+            <a:endParaRPr kumimoji="1" lang="ko-KR" altLang="en-US" sz="1600" dirty="0">
+              <a:ln>
+                <a:solidFill>
+                  <a:srgbClr val="4F81BD">
+                    <a:alpha val="0"/>
+                  </a:srgbClr>
+                </a:solidFill>
+              </a:ln>
+              <a:solidFill>
+                <a:schemeClr val="tx1">
+                  <a:lumMod val="65000"/>
+                  <a:lumOff val="35000"/>
+                </a:schemeClr>
+              </a:solidFill>
+              <a:latin typeface="현대하모니 M" panose="02020603020101020101" pitchFamily="18" charset="-127"/>
+              <a:ea typeface="현대하모니 M" panose="02020603020101020101" pitchFamily="18" charset="-127"/>
+            </a:endParaRPr>
+          </a:p>
+        </p:txBody>
+      </p:sp>
+      <p:sp>
+        <p:nvSpPr>
+          <p:cNvPr id="7" name="TextBox 6">
+            <a:extLst>
+              <a:ext uri="{FF2B5EF4-FFF2-40B4-BE49-F238E27FC236}">
+                <a16:creationId xmlns:a16="http://schemas.microsoft.com/office/drawing/2014/main" id="{DE4FAFD9-623E-605B-5796-E907018FD7B9}"/>
+              </a:ext>
+            </a:extLst>
+          </p:cNvPr>
+          <p:cNvSpPr txBox="1"/>
+          <p:nvPr/>
+        </p:nvSpPr>
+        <p:spPr>
+          <a:xfrm>
+            <a:off x="621964" y="1463281"/>
+            <a:ext cx="3143334" cy="230832"/>
+          </a:xfrm>
+          <a:prstGeom prst="rect">
+            <a:avLst/>
+          </a:prstGeom>
+          <a:noFill/>
+        </p:spPr>
+        <p:txBody>
+          <a:bodyPr wrap="square" rtlCol="0">
+            <a:spAutoFit/>
+          </a:bodyPr>
+          <a:lstStyle/>
+          <a:p>
+            <a:r>
+              <a:rPr lang="ko-KR" altLang="en-US" sz="900">
+                <a:latin typeface="현대하모니 L" panose="02020603020101020101" pitchFamily="18" charset="-127"/>
+                <a:ea typeface="현대하모니 L" panose="02020603020101020101" pitchFamily="18" charset="-127"/>
+              </a:rPr>
+              <a:t>벽 구분</a:t>
+            </a:r>
+            <a:endParaRPr lang="en-US" altLang="ko-KR" sz="900" dirty="0">
+              <a:latin typeface="현대하모니 L" panose="02020603020101020101" pitchFamily="18" charset="-127"/>
+              <a:ea typeface="현대하모니 L" panose="02020603020101020101" pitchFamily="18" charset="-127"/>
+            </a:endParaRPr>
+          </a:p>
+        </p:txBody>
+      </p:sp>
+      <p:graphicFrame>
+        <p:nvGraphicFramePr>
+          <p:cNvPr id="5" name="표 4">
+            <a:extLst>
+              <a:ext uri="{FF2B5EF4-FFF2-40B4-BE49-F238E27FC236}">
+                <a16:creationId xmlns:a16="http://schemas.microsoft.com/office/drawing/2014/main" id="{4316A6E8-FCD4-C00E-D01F-F6AFE5760D9B}"/>
+              </a:ext>
+            </a:extLst>
+          </p:cNvPr>
+          <p:cNvGraphicFramePr>
+            <a:graphicFrameLocks noGrp="1"/>
+          </p:cNvGraphicFramePr>
+          <p:nvPr>
+            <p:extLst>
+              <p:ext uri="{D42A27DB-BD31-4B8C-83A1-F6EECF244321}">
+                <p14:modId xmlns:p14="http://schemas.microsoft.com/office/powerpoint/2010/main" val="49628481"/>
+              </p:ext>
+            </p:extLst>
+          </p:nvPr>
+        </p:nvGraphicFramePr>
+        <p:xfrm>
+          <a:off x="547594" y="2050821"/>
+          <a:ext cx="11116321" cy="3479800"/>
+        </p:xfrm>
+        <a:graphic>
+          <a:graphicData uri="http://schemas.openxmlformats.org/drawingml/2006/table">
+            <a:tbl>
+              <a:tblPr firstRow="1" bandRow="1">
+                <a:tableStyleId>{2D5ABB26-0587-4C30-8999-92F81FD0307C}</a:tableStyleId>
+              </a:tblPr>
+              <a:tblGrid>
+                <a:gridCol w="837632">
+                  <a:extLst>
+                    <a:ext uri="{9D8B030D-6E8A-4147-A177-3AD203B41FA5}">
+                      <a16:colId xmlns:a16="http://schemas.microsoft.com/office/drawing/2014/main" val="3949618515"/>
+                    </a:ext>
+                  </a:extLst>
+                </a:gridCol>
+                <a:gridCol w="1788631">
+                  <a:extLst>
+                    <a:ext uri="{9D8B030D-6E8A-4147-A177-3AD203B41FA5}">
+                      <a16:colId xmlns:a16="http://schemas.microsoft.com/office/drawing/2014/main" val="2005116701"/>
+                    </a:ext>
+                  </a:extLst>
+                </a:gridCol>
+                <a:gridCol w="2036117">
+                  <a:extLst>
+                    <a:ext uri="{9D8B030D-6E8A-4147-A177-3AD203B41FA5}">
+                      <a16:colId xmlns:a16="http://schemas.microsoft.com/office/drawing/2014/main" val="208202498"/>
+                    </a:ext>
+                  </a:extLst>
+                </a:gridCol>
+                <a:gridCol w="2006811">
+                  <a:extLst>
+                    <a:ext uri="{9D8B030D-6E8A-4147-A177-3AD203B41FA5}">
+                      <a16:colId xmlns:a16="http://schemas.microsoft.com/office/drawing/2014/main" val="2016660700"/>
+                    </a:ext>
+                  </a:extLst>
+                </a:gridCol>
+                <a:gridCol w="2271914">
+                  <a:extLst>
+                    <a:ext uri="{9D8B030D-6E8A-4147-A177-3AD203B41FA5}">
+                      <a16:colId xmlns:a16="http://schemas.microsoft.com/office/drawing/2014/main" val="296077309"/>
+                    </a:ext>
+                  </a:extLst>
+                </a:gridCol>
+                <a:gridCol w="2175216">
+                  <a:extLst>
+                    <a:ext uri="{9D8B030D-6E8A-4147-A177-3AD203B41FA5}">
+                      <a16:colId xmlns:a16="http://schemas.microsoft.com/office/drawing/2014/main" val="2047458166"/>
+                    </a:ext>
+                  </a:extLst>
+                </a:gridCol>
+              </a:tblGrid>
+              <a:tr h="0">
+                <a:tc>
+                  <a:txBody>
+                    <a:bodyPr/>
+                    <a:lstStyle/>
+                    <a:p>
+                      <a:pPr algn="ctr" latinLnBrk="1"/>
+                      <a:endParaRPr lang="en-US" altLang="ko-KR" sz="1200" dirty="0">
+                        <a:ea typeface="현대하모니 L" panose="02020603020101020101"/>
+                      </a:endParaRPr>
+                    </a:p>
+                  </a:txBody>
+                  <a:tcPr>
+                    <a:lnL w="12700" cap="flat" cmpd="sng" algn="ctr">
+                      <a:solidFill>
+                        <a:schemeClr val="tx1"/>
+                      </a:solidFill>
+                      <a:prstDash val="solid"/>
+                      <a:round/>
+                      <a:headEnd type="none" w="med" len="med"/>
+                      <a:tailEnd type="none" w="med" len="med"/>
+                    </a:lnL>
+                    <a:lnR w="12700" cap="flat" cmpd="sng" algn="ctr">
+                      <a:solidFill>
+                        <a:schemeClr val="tx1"/>
+                      </a:solidFill>
+                      <a:prstDash val="solid"/>
+                      <a:round/>
+                      <a:headEnd type="none" w="med" len="med"/>
+                      <a:tailEnd type="none" w="med" len="med"/>
+                    </a:lnR>
+                    <a:lnT w="12700" cap="flat" cmpd="sng" algn="ctr">
+                      <a:solidFill>
+                        <a:schemeClr val="tx1"/>
+                      </a:solidFill>
+                      <a:prstDash val="solid"/>
+                      <a:round/>
+                      <a:headEnd type="none" w="med" len="med"/>
+                      <a:tailEnd type="none" w="med" len="med"/>
+                    </a:lnT>
+                    <a:lnB w="12700" cap="flat" cmpd="sng" algn="ctr">
+                      <a:solidFill>
+                        <a:schemeClr val="tx1"/>
+                      </a:solidFill>
+                      <a:prstDash val="solid"/>
+                      <a:round/>
+                      <a:headEnd type="none" w="med" len="med"/>
+                      <a:tailEnd type="none" w="med" len="med"/>
+                    </a:lnB>
+                  </a:tcPr>
+                </a:tc>
+                <a:tc>
+                  <a:txBody>
+                    <a:bodyPr/>
+                    <a:lstStyle/>
+                    <a:p>
+                      <a:pPr algn="ctr" latinLnBrk="1"/>
+                      <a:endParaRPr lang="en-US" altLang="ko-KR" sz="1200" dirty="0">
+                        <a:ea typeface="현대하모니 L" panose="02020603020101020101"/>
+                      </a:endParaRPr>
+                    </a:p>
+                  </a:txBody>
+                  <a:tcPr>
+                    <a:lnL w="12700" cap="flat" cmpd="sng" algn="ctr">
+                      <a:solidFill>
+                        <a:schemeClr val="tx1"/>
+                      </a:solidFill>
+                      <a:prstDash val="solid"/>
+                      <a:round/>
+                      <a:headEnd type="none" w="med" len="med"/>
+                      <a:tailEnd type="none" w="med" len="med"/>
+                    </a:lnL>
+                    <a:lnR w="12700" cap="flat" cmpd="sng" algn="ctr">
+                      <a:solidFill>
+                        <a:schemeClr val="tx1"/>
+                      </a:solidFill>
+                      <a:prstDash val="solid"/>
+                      <a:round/>
+                      <a:headEnd type="none" w="med" len="med"/>
+                      <a:tailEnd type="none" w="med" len="med"/>
+                    </a:lnR>
+                    <a:lnT w="12700" cap="flat" cmpd="sng" algn="ctr">
+                      <a:solidFill>
+                        <a:schemeClr val="tx1"/>
+                      </a:solidFill>
+                      <a:prstDash val="solid"/>
+                      <a:round/>
+                      <a:headEnd type="none" w="med" len="med"/>
+                      <a:tailEnd type="none" w="med" len="med"/>
+                    </a:lnT>
+                    <a:lnB w="12700" cap="flat" cmpd="sng" algn="ctr">
+                      <a:solidFill>
+                        <a:schemeClr val="tx1"/>
+                      </a:solidFill>
+                      <a:prstDash val="solid"/>
+                      <a:round/>
+                      <a:headEnd type="none" w="med" len="med"/>
+                      <a:tailEnd type="none" w="med" len="med"/>
+                    </a:lnB>
+                  </a:tcPr>
+                </a:tc>
+                <a:tc gridSpan="2">
+                  <a:txBody>
+                    <a:bodyPr/>
+                    <a:lstStyle/>
+                    <a:p>
+                      <a:pPr algn="ctr" latinLnBrk="1"/>
+                      <a:r>
+                        <a:rPr lang="ko-KR" altLang="en-US" sz="1200" b="1" dirty="0">
+                          <a:ea typeface="현대하모니 L" panose="02020603020101020101"/>
+                        </a:rPr>
+                        <a:t>입찰</a:t>
+                      </a:r>
+                    </a:p>
+                  </a:txBody>
+                  <a:tcPr>
+                    <a:lnL w="12700" cap="flat" cmpd="sng" algn="ctr">
+                      <a:solidFill>
+                        <a:schemeClr val="tx1"/>
+                      </a:solidFill>
+                      <a:prstDash val="solid"/>
+                      <a:round/>
+                      <a:headEnd type="none" w="med" len="med"/>
+                      <a:tailEnd type="none" w="med" len="med"/>
+                    </a:lnL>
+                    <a:lnR w="12700" cap="flat" cmpd="sng" algn="ctr">
+                      <a:solidFill>
+                        <a:schemeClr val="tx1"/>
+                      </a:solidFill>
+                      <a:prstDash val="solid"/>
+                      <a:round/>
+                      <a:headEnd type="none" w="med" len="med"/>
+                      <a:tailEnd type="none" w="med" len="med"/>
+                    </a:lnR>
+                    <a:lnT w="12700" cap="flat" cmpd="sng" algn="ctr">
+                      <a:solidFill>
+                        <a:schemeClr val="tx1"/>
+                      </a:solidFill>
+                      <a:prstDash val="solid"/>
+                      <a:round/>
+                      <a:headEnd type="none" w="med" len="med"/>
+                      <a:tailEnd type="none" w="med" len="med"/>
+                    </a:lnT>
+                    <a:lnB w="12700" cap="flat" cmpd="sng" algn="ctr">
+                      <a:solidFill>
+                        <a:schemeClr val="tx1"/>
+                      </a:solidFill>
+                      <a:prstDash val="solid"/>
+                      <a:round/>
+                      <a:headEnd type="none" w="med" len="med"/>
+                      <a:tailEnd type="none" w="med" len="med"/>
+                    </a:lnB>
+                  </a:tcPr>
+                </a:tc>
+                <a:tc hMerge="1">
+                  <a:txBody>
+                    <a:bodyPr/>
+                    <a:lstStyle/>
+                    <a:p>
+                      <a:pPr latinLnBrk="1"/>
+                      <a:endParaRPr lang="ko-KR" altLang="en-US"/>
+                    </a:p>
+                  </a:txBody>
+                  <a:tcPr/>
+                </a:tc>
+                <a:tc gridSpan="2">
+                  <a:txBody>
+                    <a:bodyPr/>
+                    <a:lstStyle/>
+                    <a:p>
+                      <a:pPr algn="ctr" latinLnBrk="1"/>
+                      <a:r>
+                        <a:rPr lang="ko-KR" altLang="en-US" sz="1200" b="1" dirty="0">
+                          <a:ea typeface="현대하모니 L" panose="02020603020101020101"/>
+                        </a:rPr>
+                        <a:t>실행</a:t>
+                      </a:r>
+                    </a:p>
+                  </a:txBody>
+                  <a:tcPr>
+                    <a:lnL w="12700" cap="flat" cmpd="sng" algn="ctr">
+                      <a:solidFill>
+                        <a:schemeClr val="tx1"/>
+                      </a:solidFill>
+                      <a:prstDash val="solid"/>
+                      <a:round/>
+                      <a:headEnd type="none" w="med" len="med"/>
+                      <a:tailEnd type="none" w="med" len="med"/>
+                    </a:lnL>
+                    <a:lnR w="12700" cap="flat" cmpd="sng" algn="ctr">
+                      <a:solidFill>
+                        <a:schemeClr val="tx1"/>
+                      </a:solidFill>
+                      <a:prstDash val="solid"/>
+                      <a:round/>
+                      <a:headEnd type="none" w="med" len="med"/>
+                      <a:tailEnd type="none" w="med" len="med"/>
+                    </a:lnR>
+                    <a:lnT w="12700" cap="flat" cmpd="sng" algn="ctr">
+                      <a:solidFill>
+                        <a:schemeClr val="tx1"/>
+                      </a:solidFill>
+                      <a:prstDash val="solid"/>
+                      <a:round/>
+                      <a:headEnd type="none" w="med" len="med"/>
+                      <a:tailEnd type="none" w="med" len="med"/>
+                    </a:lnT>
+                    <a:lnB w="12700" cap="flat" cmpd="sng" algn="ctr">
+                      <a:solidFill>
+                        <a:schemeClr val="tx1"/>
+                      </a:solidFill>
+                      <a:prstDash val="solid"/>
+                      <a:round/>
+                      <a:headEnd type="none" w="med" len="med"/>
+                      <a:tailEnd type="none" w="med" len="med"/>
+                    </a:lnB>
+                  </a:tcPr>
+                </a:tc>
+                <a:tc hMerge="1">
+                  <a:txBody>
+                    <a:bodyPr/>
+                    <a:lstStyle/>
+                    <a:p>
+                      <a:pPr latinLnBrk="1"/>
+                      <a:endParaRPr lang="ko-KR" altLang="en-US"/>
+                    </a:p>
+                  </a:txBody>
+                  <a:tcPr/>
+                </a:tc>
+                <a:extLst>
+                  <a:ext uri="{0D108BD9-81ED-4DB2-BD59-A6C34878D82A}">
+                    <a16:rowId xmlns:a16="http://schemas.microsoft.com/office/drawing/2014/main" val="309470060"/>
+                  </a:ext>
+                </a:extLst>
+              </a:tr>
+              <a:tr h="370840">
+                <a:tc>
+                  <a:txBody>
+                    <a:bodyPr/>
+                    <a:lstStyle/>
+                    <a:p>
+                      <a:pPr algn="ctr" latinLnBrk="1"/>
+                      <a:endParaRPr lang="en-US" altLang="ko-KR" sz="1200" b="1" dirty="0">
+                        <a:ea typeface="현대하모니 L" panose="02020603020101020101"/>
+                      </a:endParaRPr>
+                    </a:p>
+                  </a:txBody>
+                  <a:tcPr>
+                    <a:lnL w="12700" cap="flat" cmpd="sng" algn="ctr">
+                      <a:solidFill>
+                        <a:schemeClr val="tx1"/>
+                      </a:solidFill>
+                      <a:prstDash val="solid"/>
+                      <a:round/>
+                      <a:headEnd type="none" w="med" len="med"/>
+                      <a:tailEnd type="none" w="med" len="med"/>
+                    </a:lnL>
+                    <a:lnR w="12700" cap="flat" cmpd="sng" algn="ctr">
+                      <a:solidFill>
+                        <a:schemeClr val="tx1"/>
+                      </a:solidFill>
+                      <a:prstDash val="solid"/>
+                      <a:round/>
+                      <a:headEnd type="none" w="med" len="med"/>
+                      <a:tailEnd type="none" w="med" len="med"/>
+                    </a:lnR>
+                    <a:lnT w="12700" cap="flat" cmpd="sng" algn="ctr">
+                      <a:solidFill>
+                        <a:schemeClr val="tx1"/>
+                      </a:solidFill>
+                      <a:prstDash val="solid"/>
+                      <a:round/>
+                      <a:headEnd type="none" w="med" len="med"/>
+                      <a:tailEnd type="none" w="med" len="med"/>
+                    </a:lnT>
+                    <a:lnB w="28575" cap="flat" cmpd="sng" algn="ctr">
+                      <a:solidFill>
+                        <a:schemeClr val="tx1"/>
+                      </a:solidFill>
+                      <a:prstDash val="solid"/>
+                      <a:round/>
+                      <a:headEnd type="none" w="med" len="med"/>
+                      <a:tailEnd type="none" w="med" len="med"/>
+                    </a:lnB>
+                  </a:tcPr>
+                </a:tc>
+                <a:tc>
+                  <a:txBody>
+                    <a:bodyPr/>
+                    <a:lstStyle/>
+                    <a:p>
+                      <a:pPr algn="ctr" latinLnBrk="1"/>
+                      <a:endParaRPr lang="en-US" altLang="ko-KR" sz="1200" b="1" dirty="0">
+                        <a:ea typeface="현대하모니 L" panose="02020603020101020101"/>
+                      </a:endParaRPr>
+                    </a:p>
+                  </a:txBody>
+                  <a:tcPr>
+                    <a:lnL w="12700" cap="flat" cmpd="sng" algn="ctr">
+                      <a:solidFill>
+                        <a:schemeClr val="tx1"/>
+                      </a:solidFill>
+                      <a:prstDash val="solid"/>
+                      <a:round/>
+                      <a:headEnd type="none" w="med" len="med"/>
+                      <a:tailEnd type="none" w="med" len="med"/>
+                    </a:lnL>
+                    <a:lnR w="12700" cap="flat" cmpd="sng" algn="ctr">
+                      <a:solidFill>
+                        <a:schemeClr val="tx1"/>
+                      </a:solidFill>
+                      <a:prstDash val="solid"/>
+                      <a:round/>
+                      <a:headEnd type="none" w="med" len="med"/>
+                      <a:tailEnd type="none" w="med" len="med"/>
+                    </a:lnR>
+                    <a:lnT w="12700" cap="flat" cmpd="sng" algn="ctr">
+                      <a:solidFill>
+                        <a:schemeClr val="tx1"/>
+                      </a:solidFill>
+                      <a:prstDash val="solid"/>
+                      <a:round/>
+                      <a:headEnd type="none" w="med" len="med"/>
+                      <a:tailEnd type="none" w="med" len="med"/>
+                    </a:lnT>
+                    <a:lnB w="28575" cap="flat" cmpd="sng" algn="ctr">
+                      <a:solidFill>
+                        <a:schemeClr val="tx1"/>
+                      </a:solidFill>
+                      <a:prstDash val="solid"/>
+                      <a:round/>
+                      <a:headEnd type="none" w="med" len="med"/>
+                      <a:tailEnd type="none" w="med" len="med"/>
+                    </a:lnB>
+                  </a:tcPr>
+                </a:tc>
+                <a:tc>
+                  <a:txBody>
+                    <a:bodyPr/>
+                    <a:lstStyle/>
+                    <a:p>
+                      <a:pPr algn="ctr" latinLnBrk="1"/>
+                      <a:r>
+                        <a:rPr lang="ko-KR" altLang="en-US" sz="1200" dirty="0">
+                          <a:ea typeface="현대하모니 L" panose="02020603020101020101"/>
+                        </a:rPr>
+                        <a:t>도면화</a:t>
+                      </a:r>
+                    </a:p>
+                  </a:txBody>
+                  <a:tcPr>
+                    <a:lnL w="12700" cap="flat" cmpd="sng" algn="ctr">
+                      <a:solidFill>
+                        <a:schemeClr val="tx1"/>
+                      </a:solidFill>
+                      <a:prstDash val="solid"/>
+                      <a:round/>
+                      <a:headEnd type="none" w="med" len="med"/>
+                      <a:tailEnd type="none" w="med" len="med"/>
+                    </a:lnL>
+                    <a:lnR w="12700" cap="flat" cmpd="sng" algn="ctr">
+                      <a:solidFill>
+                        <a:schemeClr val="tx1"/>
+                      </a:solidFill>
+                      <a:prstDash val="solid"/>
+                      <a:round/>
+                      <a:headEnd type="none" w="med" len="med"/>
+                      <a:tailEnd type="none" w="med" len="med"/>
+                    </a:lnR>
+                    <a:lnT w="12700" cap="flat" cmpd="sng" algn="ctr">
+                      <a:solidFill>
+                        <a:schemeClr val="tx1"/>
+                      </a:solidFill>
+                      <a:prstDash val="solid"/>
+                      <a:round/>
+                      <a:headEnd type="none" w="med" len="med"/>
+                      <a:tailEnd type="none" w="med" len="med"/>
+                    </a:lnT>
+                    <a:lnB w="28575" cap="flat" cmpd="sng" algn="ctr">
+                      <a:solidFill>
+                        <a:schemeClr val="tx1"/>
+                      </a:solidFill>
+                      <a:prstDash val="solid"/>
+                      <a:round/>
+                      <a:headEnd type="none" w="med" len="med"/>
+                      <a:tailEnd type="none" w="med" len="med"/>
+                    </a:lnB>
+                  </a:tcPr>
+                </a:tc>
+                <a:tc>
+                  <a:txBody>
+                    <a:bodyPr/>
+                    <a:lstStyle/>
+                    <a:p>
+                      <a:pPr algn="ctr" latinLnBrk="1"/>
+                      <a:r>
+                        <a:rPr lang="ko-KR" altLang="en-US" sz="1200" dirty="0">
+                          <a:ea typeface="현대하모니 L" panose="02020603020101020101"/>
+                        </a:rPr>
+                        <a:t>물량산출</a:t>
+                      </a:r>
+                    </a:p>
+                  </a:txBody>
+                  <a:tcPr>
+                    <a:lnL w="12700" cap="flat" cmpd="sng" algn="ctr">
+                      <a:solidFill>
+                        <a:schemeClr val="tx1"/>
+                      </a:solidFill>
+                      <a:prstDash val="solid"/>
+                      <a:round/>
+                      <a:headEnd type="none" w="med" len="med"/>
+                      <a:tailEnd type="none" w="med" len="med"/>
+                    </a:lnL>
+                    <a:lnR w="12700" cap="flat" cmpd="sng" algn="ctr">
+                      <a:solidFill>
+                        <a:schemeClr val="tx1"/>
+                      </a:solidFill>
+                      <a:prstDash val="solid"/>
+                      <a:round/>
+                      <a:headEnd type="none" w="med" len="med"/>
+                      <a:tailEnd type="none" w="med" len="med"/>
+                    </a:lnR>
+                    <a:lnT w="12700" cap="flat" cmpd="sng" algn="ctr">
+                      <a:solidFill>
+                        <a:schemeClr val="tx1"/>
+                      </a:solidFill>
+                      <a:prstDash val="solid"/>
+                      <a:round/>
+                      <a:headEnd type="none" w="med" len="med"/>
+                      <a:tailEnd type="none" w="med" len="med"/>
+                    </a:lnT>
+                    <a:lnB w="28575" cap="flat" cmpd="sng" algn="ctr">
+                      <a:solidFill>
+                        <a:schemeClr val="tx1"/>
+                      </a:solidFill>
+                      <a:prstDash val="solid"/>
+                      <a:round/>
+                      <a:headEnd type="none" w="med" len="med"/>
+                      <a:tailEnd type="none" w="med" len="med"/>
+                    </a:lnB>
+                  </a:tcPr>
+                </a:tc>
+                <a:tc>
+                  <a:txBody>
+                    <a:bodyPr/>
+                    <a:lstStyle/>
+                    <a:p>
+                      <a:pPr algn="ctr" latinLnBrk="1"/>
+                      <a:r>
+                        <a:rPr lang="ko-KR" altLang="en-US" sz="1200" dirty="0">
+                          <a:ea typeface="현대하모니 L" panose="02020603020101020101"/>
+                        </a:rPr>
+                        <a:t>도면화</a:t>
+                      </a:r>
+                    </a:p>
+                  </a:txBody>
+                  <a:tcPr>
+                    <a:lnL w="12700" cap="flat" cmpd="sng" algn="ctr">
+                      <a:solidFill>
+                        <a:schemeClr val="tx1"/>
+                      </a:solidFill>
+                      <a:prstDash val="solid"/>
+                      <a:round/>
+                      <a:headEnd type="none" w="med" len="med"/>
+                      <a:tailEnd type="none" w="med" len="med"/>
+                    </a:lnL>
+                    <a:lnR w="12700" cap="flat" cmpd="sng" algn="ctr">
+                      <a:solidFill>
+                        <a:schemeClr val="tx1"/>
+                      </a:solidFill>
+                      <a:prstDash val="solid"/>
+                      <a:round/>
+                      <a:headEnd type="none" w="med" len="med"/>
+                      <a:tailEnd type="none" w="med" len="med"/>
+                    </a:lnR>
+                    <a:lnT w="12700" cap="flat" cmpd="sng" algn="ctr">
+                      <a:solidFill>
+                        <a:schemeClr val="tx1"/>
+                      </a:solidFill>
+                      <a:prstDash val="solid"/>
+                      <a:round/>
+                      <a:headEnd type="none" w="med" len="med"/>
+                      <a:tailEnd type="none" w="med" len="med"/>
+                    </a:lnT>
+                    <a:lnB w="28575" cap="flat" cmpd="sng" algn="ctr">
+                      <a:solidFill>
+                        <a:schemeClr val="tx1"/>
+                      </a:solidFill>
+                      <a:prstDash val="solid"/>
+                      <a:round/>
+                      <a:headEnd type="none" w="med" len="med"/>
+                      <a:tailEnd type="none" w="med" len="med"/>
+                    </a:lnB>
+                  </a:tcPr>
+                </a:tc>
+                <a:tc>
+                  <a:txBody>
+                    <a:bodyPr/>
+                    <a:lstStyle/>
+                    <a:p>
+                      <a:pPr algn="ctr" latinLnBrk="1"/>
+                      <a:r>
+                        <a:rPr lang="ko-KR" altLang="en-US" sz="1200" dirty="0">
+                          <a:ea typeface="현대하모니 L" panose="02020603020101020101"/>
+                        </a:rPr>
+                        <a:t>물량산출</a:t>
+                      </a:r>
+                    </a:p>
+                  </a:txBody>
+                  <a:tcPr>
+                    <a:lnL w="12700" cap="flat" cmpd="sng" algn="ctr">
+                      <a:solidFill>
+                        <a:schemeClr val="tx1"/>
+                      </a:solidFill>
+                      <a:prstDash val="solid"/>
+                      <a:round/>
+                      <a:headEnd type="none" w="med" len="med"/>
+                      <a:tailEnd type="none" w="med" len="med"/>
+                    </a:lnL>
+                    <a:lnR w="12700" cap="flat" cmpd="sng" algn="ctr">
+                      <a:solidFill>
+                        <a:schemeClr val="tx1"/>
+                      </a:solidFill>
+                      <a:prstDash val="solid"/>
+                      <a:round/>
+                      <a:headEnd type="none" w="med" len="med"/>
+                      <a:tailEnd type="none" w="med" len="med"/>
+                    </a:lnR>
+                    <a:lnT w="12700" cap="flat" cmpd="sng" algn="ctr">
+                      <a:solidFill>
+                        <a:schemeClr val="tx1"/>
+                      </a:solidFill>
+                      <a:prstDash val="solid"/>
+                      <a:round/>
+                      <a:headEnd type="none" w="med" len="med"/>
+                      <a:tailEnd type="none" w="med" len="med"/>
+                    </a:lnT>
+                    <a:lnB w="28575" cap="flat" cmpd="sng" algn="ctr">
+                      <a:solidFill>
+                        <a:schemeClr val="tx1"/>
+                      </a:solidFill>
+                      <a:prstDash val="solid"/>
+                      <a:round/>
+                      <a:headEnd type="none" w="med" len="med"/>
+                      <a:tailEnd type="none" w="med" len="med"/>
+                    </a:lnB>
+                  </a:tcPr>
+                </a:tc>
+                <a:extLst>
+                  <a:ext uri="{0D108BD9-81ED-4DB2-BD59-A6C34878D82A}">
+                    <a16:rowId xmlns:a16="http://schemas.microsoft.com/office/drawing/2014/main" val="2366436857"/>
+                  </a:ext>
+                </a:extLst>
+              </a:tr>
+              <a:tr h="370840">
+                <a:tc rowSpan="3">
+                  <a:txBody>
+                    <a:bodyPr/>
+                    <a:lstStyle/>
+                    <a:p>
+                      <a:pPr algn="ctr" latinLnBrk="1"/>
+                      <a:r>
+                        <a:rPr lang="ko-KR" altLang="en-US" sz="1200" b="1" dirty="0">
+                          <a:ea typeface="현대하모니 L" panose="02020603020101020101"/>
+                        </a:rPr>
+                        <a:t>내벽 측</a:t>
+                      </a:r>
+                      <a:endParaRPr lang="en-US" altLang="ko-KR" sz="1200" b="1" dirty="0">
+                        <a:ea typeface="현대하모니 L" panose="02020603020101020101"/>
+                      </a:endParaRPr>
+                    </a:p>
+                    <a:p>
+                      <a:pPr algn="ctr" latinLnBrk="1"/>
+                      <a:r>
+                        <a:rPr lang="en-US" altLang="ko-KR" sz="1200" b="1" dirty="0">
+                          <a:ea typeface="현대하모니 L" panose="02020603020101020101"/>
+                        </a:rPr>
+                        <a:t>(</a:t>
+                      </a:r>
+                      <a:r>
+                        <a:rPr lang="ko-KR" altLang="en-US" sz="1200" b="1" dirty="0">
+                          <a:ea typeface="현대하모니 L" panose="02020603020101020101"/>
+                        </a:rPr>
+                        <a:t>룸과</a:t>
+                      </a:r>
+                      <a:endParaRPr lang="en-US" altLang="ko-KR" sz="1200" b="1" dirty="0">
+                        <a:ea typeface="현대하모니 L" panose="02020603020101020101"/>
+                      </a:endParaRPr>
+                    </a:p>
+                    <a:p>
+                      <a:pPr algn="ctr" latinLnBrk="1"/>
+                      <a:r>
+                        <a:rPr lang="ko-KR" altLang="en-US" sz="1200" b="1" dirty="0">
+                          <a:ea typeface="현대하모니 L" panose="02020603020101020101"/>
+                        </a:rPr>
+                        <a:t>접하는 면</a:t>
+                      </a:r>
+                      <a:r>
+                        <a:rPr lang="en-US" altLang="ko-KR" sz="1200" b="1" dirty="0">
+                          <a:ea typeface="현대하모니 L" panose="02020603020101020101"/>
+                        </a:rPr>
+                        <a:t>)</a:t>
+                      </a:r>
+                    </a:p>
+                  </a:txBody>
+                  <a:tcPr vert="vert270" anchor="ctr">
+                    <a:lnL w="28575" cap="flat" cmpd="sng" algn="ctr">
+                      <a:solidFill>
+                        <a:schemeClr val="tx1"/>
+                      </a:solidFill>
+                      <a:prstDash val="solid"/>
+                      <a:round/>
+                      <a:headEnd type="none" w="med" len="med"/>
+                      <a:tailEnd type="none" w="med" len="med"/>
+                    </a:lnL>
+                    <a:lnR w="12700" cap="flat" cmpd="sng" algn="ctr">
+                      <a:solidFill>
+                        <a:schemeClr val="tx1"/>
+                      </a:solidFill>
+                      <a:prstDash val="solid"/>
+                      <a:round/>
+                      <a:headEnd type="none" w="med" len="med"/>
+                      <a:tailEnd type="none" w="med" len="med"/>
+                    </a:lnR>
+                    <a:lnT w="28575" cap="flat" cmpd="sng" algn="ctr">
+                      <a:solidFill>
+                        <a:schemeClr val="tx1"/>
+                      </a:solidFill>
+                      <a:prstDash val="solid"/>
+                      <a:round/>
+                      <a:headEnd type="none" w="med" len="med"/>
+                      <a:tailEnd type="none" w="med" len="med"/>
+                    </a:lnT>
+                    <a:lnB w="28575" cap="flat" cmpd="sng" algn="ctr">
+                      <a:solidFill>
+                        <a:schemeClr val="tx1"/>
+                      </a:solidFill>
+                      <a:prstDash val="solid"/>
+                      <a:round/>
+                      <a:headEnd type="none" w="med" len="med"/>
+                      <a:tailEnd type="none" w="med" len="med"/>
+                    </a:lnB>
+                  </a:tcPr>
+                </a:tc>
+                <a:tc>
+                  <a:txBody>
+                    <a:bodyPr/>
+                    <a:lstStyle/>
+                    <a:p>
+                      <a:pPr algn="ctr" latinLnBrk="1"/>
+                      <a:r>
+                        <a:rPr lang="ko-KR" altLang="en-US" sz="1200" b="1" dirty="0">
+                          <a:ea typeface="현대하모니 L" panose="02020603020101020101"/>
+                        </a:rPr>
+                        <a:t>마감재</a:t>
+                      </a:r>
+                    </a:p>
+                    <a:p>
+                      <a:pPr algn="ctr" latinLnBrk="1"/>
+                      <a:r>
+                        <a:rPr lang="en-US" altLang="ko-KR" sz="1200" b="1" dirty="0">
+                          <a:ea typeface="현대하모니 L" panose="02020603020101020101"/>
+                        </a:rPr>
+                        <a:t>(Finish)</a:t>
+                      </a:r>
+                    </a:p>
+                  </a:txBody>
+                  <a:tcPr>
+                    <a:lnL w="12700" cap="flat" cmpd="sng" algn="ctr">
+                      <a:solidFill>
+                        <a:schemeClr val="tx1"/>
+                      </a:solidFill>
+                      <a:prstDash val="solid"/>
+                      <a:round/>
+                      <a:headEnd type="none" w="med" len="med"/>
+                      <a:tailEnd type="none" w="med" len="med"/>
+                    </a:lnL>
+                    <a:lnR w="12700" cap="flat" cmpd="sng" algn="ctr">
+                      <a:solidFill>
+                        <a:schemeClr val="tx1"/>
+                      </a:solidFill>
+                      <a:prstDash val="solid"/>
+                      <a:round/>
+                      <a:headEnd type="none" w="med" len="med"/>
+                      <a:tailEnd type="none" w="med" len="med"/>
+                    </a:lnR>
+                    <a:lnT w="28575" cap="flat" cmpd="sng" algn="ctr">
+                      <a:solidFill>
+                        <a:schemeClr val="tx1"/>
+                      </a:solidFill>
+                      <a:prstDash val="solid"/>
+                      <a:round/>
+                      <a:headEnd type="none" w="med" len="med"/>
+                      <a:tailEnd type="none" w="med" len="med"/>
+                    </a:lnT>
+                    <a:lnB w="12700" cap="flat" cmpd="sng" algn="ctr">
+                      <a:solidFill>
+                        <a:schemeClr val="tx1"/>
+                      </a:solidFill>
+                      <a:prstDash val="solid"/>
+                      <a:round/>
+                      <a:headEnd type="none" w="med" len="med"/>
+                      <a:tailEnd type="none" w="med" len="med"/>
+                    </a:lnB>
+                  </a:tcPr>
+                </a:tc>
+                <a:tc>
+                  <a:txBody>
+                    <a:bodyPr/>
+                    <a:lstStyle/>
+                    <a:p>
+                      <a:pPr algn="ctr" latinLnBrk="1"/>
+                      <a:r>
+                        <a:rPr lang="en-US" altLang="ko-KR" sz="1200" dirty="0">
+                          <a:ea typeface="현대하모니 L" panose="02020603020101020101"/>
+                        </a:rPr>
+                        <a:t>N/A</a:t>
+                      </a:r>
+                      <a:endParaRPr lang="ko-KR" altLang="en-US" sz="1200" dirty="0">
+                        <a:ea typeface="현대하모니 L" panose="02020603020101020101"/>
+                      </a:endParaRPr>
+                    </a:p>
+                  </a:txBody>
+                  <a:tcPr anchor="ctr">
+                    <a:lnL w="12700" cap="flat" cmpd="sng" algn="ctr">
+                      <a:solidFill>
+                        <a:schemeClr val="tx1"/>
+                      </a:solidFill>
+                      <a:prstDash val="solid"/>
+                      <a:round/>
+                      <a:headEnd type="none" w="med" len="med"/>
+                      <a:tailEnd type="none" w="med" len="med"/>
+                    </a:lnL>
+                    <a:lnR w="12700" cap="flat" cmpd="sng" algn="ctr">
+                      <a:solidFill>
+                        <a:schemeClr val="tx1"/>
+                      </a:solidFill>
+                      <a:prstDash val="solid"/>
+                      <a:round/>
+                      <a:headEnd type="none" w="med" len="med"/>
+                      <a:tailEnd type="none" w="med" len="med"/>
+                    </a:lnR>
+                    <a:lnT w="28575" cap="flat" cmpd="sng" algn="ctr">
+                      <a:solidFill>
+                        <a:schemeClr val="tx1"/>
+                      </a:solidFill>
+                      <a:prstDash val="solid"/>
+                      <a:round/>
+                      <a:headEnd type="none" w="med" len="med"/>
+                      <a:tailEnd type="none" w="med" len="med"/>
+                    </a:lnT>
+                    <a:lnB w="12700" cap="flat" cmpd="sng" algn="ctr">
+                      <a:solidFill>
+                        <a:schemeClr val="tx1"/>
+                      </a:solidFill>
+                      <a:prstDash val="solid"/>
+                      <a:round/>
+                      <a:headEnd type="none" w="med" len="med"/>
+                      <a:tailEnd type="none" w="med" len="med"/>
+                    </a:lnB>
+                  </a:tcPr>
+                </a:tc>
+                <a:tc>
+                  <a:txBody>
+                    <a:bodyPr/>
+                    <a:lstStyle/>
+                    <a:p>
+                      <a:pPr algn="ctr" latinLnBrk="1"/>
+                      <a:r>
+                        <a:rPr lang="ko-KR" altLang="en-US" sz="1200" dirty="0">
+                          <a:ea typeface="현대하모니 L" panose="02020603020101020101"/>
+                        </a:rPr>
+                        <a:t>룸 객체 </a:t>
+                      </a:r>
+                      <a:r>
+                        <a:rPr lang="en-US" altLang="ko-KR" sz="1200" dirty="0">
+                          <a:ea typeface="현대하모니 L" panose="02020603020101020101"/>
+                        </a:rPr>
+                        <a:t>WM</a:t>
+                      </a:r>
+                      <a:r>
+                        <a:rPr lang="ko-KR" altLang="en-US" sz="1200" dirty="0">
+                          <a:ea typeface="현대하모니 L" panose="02020603020101020101"/>
+                        </a:rPr>
+                        <a:t>할당</a:t>
+                      </a:r>
+                    </a:p>
+                  </a:txBody>
+                  <a:tcPr anchor="ctr">
+                    <a:lnL w="12700" cap="flat" cmpd="sng" algn="ctr">
+                      <a:solidFill>
+                        <a:schemeClr val="tx1"/>
+                      </a:solidFill>
+                      <a:prstDash val="solid"/>
+                      <a:round/>
+                      <a:headEnd type="none" w="med" len="med"/>
+                      <a:tailEnd type="none" w="med" len="med"/>
+                    </a:lnL>
+                    <a:lnR w="12700" cap="flat" cmpd="sng" algn="ctr">
+                      <a:solidFill>
+                        <a:schemeClr val="tx1"/>
+                      </a:solidFill>
+                      <a:prstDash val="solid"/>
+                      <a:round/>
+                      <a:headEnd type="none" w="med" len="med"/>
+                      <a:tailEnd type="none" w="med" len="med"/>
+                    </a:lnR>
+                    <a:lnT w="28575" cap="flat" cmpd="sng" algn="ctr">
+                      <a:solidFill>
+                        <a:schemeClr val="tx1"/>
+                      </a:solidFill>
+                      <a:prstDash val="solid"/>
+                      <a:round/>
+                      <a:headEnd type="none" w="med" len="med"/>
+                      <a:tailEnd type="none" w="med" len="med"/>
+                    </a:lnT>
+                    <a:lnB w="12700" cap="flat" cmpd="sng" algn="ctr">
+                      <a:solidFill>
+                        <a:schemeClr val="tx1"/>
+                      </a:solidFill>
+                      <a:prstDash val="solid"/>
+                      <a:round/>
+                      <a:headEnd type="none" w="med" len="med"/>
+                      <a:tailEnd type="none" w="med" len="med"/>
+                    </a:lnB>
+                    <a:solidFill>
+                      <a:schemeClr val="accent6">
+                        <a:lumMod val="40000"/>
+                        <a:lumOff val="60000"/>
+                      </a:schemeClr>
+                    </a:solidFill>
+                  </a:tcPr>
+                </a:tc>
+                <a:tc>
+                  <a:txBody>
+                    <a:bodyPr/>
+                    <a:lstStyle/>
+                    <a:p>
+                      <a:pPr marL="0" marR="0" lvl="0" indent="0" algn="ctr" defTabSz="914400" rtl="0" eaLnBrk="1" fontAlgn="auto" latinLnBrk="1" hangingPunct="1">
+                        <a:lnSpc>
+                          <a:spcPct val="100000"/>
+                        </a:lnSpc>
+                        <a:spcBef>
+                          <a:spcPts val="0"/>
+                        </a:spcBef>
+                        <a:spcAft>
+                          <a:spcPts val="0"/>
+                        </a:spcAft>
+                        <a:buClrTx/>
+                        <a:buSzTx/>
+                        <a:buFontTx/>
+                        <a:buNone/>
+                        <a:tabLst/>
+                        <a:defRPr/>
+                      </a:pPr>
+                      <a:r>
+                        <a:rPr lang="ko-KR" altLang="en-US" sz="1000" dirty="0">
+                          <a:ea typeface="현대하모니 L" panose="02020603020101020101"/>
+                        </a:rPr>
+                        <a:t>도면화 필요한 경우 마감재 벽 객체 작성</a:t>
+                      </a:r>
+                      <a:r>
+                        <a:rPr lang="en-US" altLang="ko-KR" sz="1000" dirty="0">
+                          <a:ea typeface="현대하모니 L" panose="02020603020101020101"/>
+                        </a:rPr>
+                        <a:t>(</a:t>
+                      </a:r>
+                      <a:r>
+                        <a:rPr lang="ko-KR" altLang="en-US" sz="1000" dirty="0">
+                          <a:ea typeface="현대하모니 L" panose="02020603020101020101"/>
+                        </a:rPr>
+                        <a:t>타일 등</a:t>
+                      </a:r>
+                      <a:r>
+                        <a:rPr lang="en-US" altLang="ko-KR" sz="1000" dirty="0">
+                          <a:ea typeface="현대하모니 L" panose="02020603020101020101"/>
+                        </a:rPr>
+                        <a:t>)</a:t>
+                      </a:r>
+                      <a:endParaRPr lang="ko-KR" altLang="en-US" sz="1000" dirty="0">
+                        <a:ea typeface="현대하모니 L" panose="02020603020101020101"/>
+                      </a:endParaRPr>
+                    </a:p>
+                  </a:txBody>
+                  <a:tcPr anchor="ctr">
+                    <a:lnL w="12700" cap="flat" cmpd="sng" algn="ctr">
+                      <a:solidFill>
+                        <a:schemeClr val="tx1"/>
+                      </a:solidFill>
+                      <a:prstDash val="solid"/>
+                      <a:round/>
+                      <a:headEnd type="none" w="med" len="med"/>
+                      <a:tailEnd type="none" w="med" len="med"/>
+                    </a:lnL>
+                    <a:lnR w="12700" cap="flat" cmpd="sng" algn="ctr">
+                      <a:solidFill>
+                        <a:schemeClr val="tx1"/>
+                      </a:solidFill>
+                      <a:prstDash val="solid"/>
+                      <a:round/>
+                      <a:headEnd type="none" w="med" len="med"/>
+                      <a:tailEnd type="none" w="med" len="med"/>
+                    </a:lnR>
+                    <a:lnT w="28575" cap="flat" cmpd="sng" algn="ctr">
+                      <a:solidFill>
+                        <a:schemeClr val="tx1"/>
+                      </a:solidFill>
+                      <a:prstDash val="solid"/>
+                      <a:round/>
+                      <a:headEnd type="none" w="med" len="med"/>
+                      <a:tailEnd type="none" w="med" len="med"/>
+                    </a:lnT>
+                    <a:lnB w="12700" cap="flat" cmpd="sng" algn="ctr">
+                      <a:solidFill>
+                        <a:schemeClr val="tx1"/>
+                      </a:solidFill>
+                      <a:prstDash val="solid"/>
+                      <a:round/>
+                      <a:headEnd type="none" w="med" len="med"/>
+                      <a:tailEnd type="none" w="med" len="med"/>
+                    </a:lnB>
+                  </a:tcPr>
+                </a:tc>
+                <a:tc>
+                  <a:txBody>
+                    <a:bodyPr/>
+                    <a:lstStyle/>
+                    <a:p>
+                      <a:pPr algn="ctr" latinLnBrk="1"/>
+                      <a:r>
+                        <a:rPr lang="ko-KR" altLang="en-US" sz="1200" dirty="0">
+                          <a:ea typeface="현대하모니 L" panose="02020603020101020101"/>
+                        </a:rPr>
+                        <a:t>룸 객체 </a:t>
+                      </a:r>
+                      <a:r>
+                        <a:rPr lang="en-US" altLang="ko-KR" sz="1200" dirty="0">
+                          <a:ea typeface="현대하모니 L" panose="02020603020101020101"/>
+                        </a:rPr>
+                        <a:t>WM</a:t>
+                      </a:r>
+                      <a:r>
+                        <a:rPr lang="ko-KR" altLang="en-US" sz="1200" dirty="0">
+                          <a:ea typeface="현대하모니 L" panose="02020603020101020101"/>
+                        </a:rPr>
+                        <a:t>할당</a:t>
+                      </a:r>
+                    </a:p>
+                  </a:txBody>
+                  <a:tcPr anchor="ctr">
+                    <a:lnL w="12700" cap="flat" cmpd="sng" algn="ctr">
+                      <a:solidFill>
+                        <a:schemeClr val="tx1"/>
+                      </a:solidFill>
+                      <a:prstDash val="solid"/>
+                      <a:round/>
+                      <a:headEnd type="none" w="med" len="med"/>
+                      <a:tailEnd type="none" w="med" len="med"/>
+                    </a:lnL>
+                    <a:lnR w="28575" cap="flat" cmpd="sng" algn="ctr">
+                      <a:solidFill>
+                        <a:schemeClr val="tx1"/>
+                      </a:solidFill>
+                      <a:prstDash val="solid"/>
+                      <a:round/>
+                      <a:headEnd type="none" w="med" len="med"/>
+                      <a:tailEnd type="none" w="med" len="med"/>
+                    </a:lnR>
+                    <a:lnT w="28575" cap="flat" cmpd="sng" algn="ctr">
+                      <a:solidFill>
+                        <a:schemeClr val="tx1"/>
+                      </a:solidFill>
+                      <a:prstDash val="solid"/>
+                      <a:round/>
+                      <a:headEnd type="none" w="med" len="med"/>
+                      <a:tailEnd type="none" w="med" len="med"/>
+                    </a:lnT>
+                    <a:lnB w="12700" cap="flat" cmpd="sng" algn="ctr">
+                      <a:solidFill>
+                        <a:schemeClr val="tx1"/>
+                      </a:solidFill>
+                      <a:prstDash val="solid"/>
+                      <a:round/>
+                      <a:headEnd type="none" w="med" len="med"/>
+                      <a:tailEnd type="none" w="med" len="med"/>
+                    </a:lnB>
+                    <a:solidFill>
+                      <a:schemeClr val="accent6">
+                        <a:lumMod val="40000"/>
+                        <a:lumOff val="60000"/>
+                      </a:schemeClr>
+                    </a:solidFill>
+                  </a:tcPr>
+                </a:tc>
+                <a:extLst>
+                  <a:ext uri="{0D108BD9-81ED-4DB2-BD59-A6C34878D82A}">
+                    <a16:rowId xmlns:a16="http://schemas.microsoft.com/office/drawing/2014/main" val="3145999850"/>
+                  </a:ext>
+                </a:extLst>
+              </a:tr>
+              <a:tr h="370840">
+                <a:tc vMerge="1">
+                  <a:txBody>
+                    <a:bodyPr/>
+                    <a:lstStyle/>
+                    <a:p>
+                      <a:pPr algn="ctr" latinLnBrk="1"/>
+                      <a:endParaRPr lang="en-US" altLang="ko-KR" sz="1200" b="1" dirty="0">
+                        <a:ea typeface="현대하모니 L" panose="02020603020101020101"/>
+                      </a:endParaRPr>
+                    </a:p>
+                  </a:txBody>
+                  <a:tcPr>
+                    <a:lnL w="12700" cap="flat" cmpd="sng" algn="ctr">
+                      <a:solidFill>
+                        <a:schemeClr val="tx1"/>
+                      </a:solidFill>
+                      <a:prstDash val="solid"/>
+                      <a:round/>
+                      <a:headEnd type="none" w="med" len="med"/>
+                      <a:tailEnd type="none" w="med" len="med"/>
+                    </a:lnL>
+                    <a:lnR w="12700" cap="flat" cmpd="sng" algn="ctr">
+                      <a:solidFill>
+                        <a:schemeClr val="tx1"/>
+                      </a:solidFill>
+                      <a:prstDash val="solid"/>
+                      <a:round/>
+                      <a:headEnd type="none" w="med" len="med"/>
+                      <a:tailEnd type="none" w="med" len="med"/>
+                    </a:lnR>
+                    <a:lnT w="12700" cap="flat" cmpd="sng" algn="ctr">
+                      <a:solidFill>
+                        <a:schemeClr val="tx1"/>
+                      </a:solidFill>
+                      <a:prstDash val="solid"/>
+                      <a:round/>
+                      <a:headEnd type="none" w="med" len="med"/>
+                      <a:tailEnd type="none" w="med" len="med"/>
+                    </a:lnT>
+                    <a:lnB w="12700" cap="flat" cmpd="sng" algn="ctr">
+                      <a:solidFill>
+                        <a:schemeClr val="tx1"/>
+                      </a:solidFill>
+                      <a:prstDash val="solid"/>
+                      <a:round/>
+                      <a:headEnd type="none" w="med" len="med"/>
+                      <a:tailEnd type="none" w="med" len="med"/>
+                    </a:lnB>
+                  </a:tcPr>
+                </a:tc>
+                <a:tc>
+                  <a:txBody>
+                    <a:bodyPr/>
+                    <a:lstStyle/>
+                    <a:p>
+                      <a:pPr algn="ctr" latinLnBrk="1"/>
+                      <a:r>
+                        <a:rPr lang="ko-KR" altLang="en-US" sz="1200" b="1" dirty="0">
+                          <a:ea typeface="현대하모니 L" panose="02020603020101020101"/>
+                        </a:rPr>
+                        <a:t>하지재</a:t>
+                      </a:r>
+                      <a:endParaRPr lang="en-US" altLang="ko-KR" sz="1200" b="1" dirty="0">
+                        <a:ea typeface="현대하모니 L" panose="02020603020101020101"/>
+                      </a:endParaRPr>
+                    </a:p>
+                    <a:p>
+                      <a:pPr algn="ctr" latinLnBrk="1"/>
+                      <a:r>
+                        <a:rPr lang="en-US" altLang="ko-KR" sz="1200" b="1" dirty="0">
+                          <a:ea typeface="현대하모니 L" panose="02020603020101020101"/>
+                        </a:rPr>
+                        <a:t>(Substrate)</a:t>
+                      </a:r>
+                    </a:p>
+                  </a:txBody>
+                  <a:tcPr>
+                    <a:lnL w="12700" cap="flat" cmpd="sng" algn="ctr">
+                      <a:solidFill>
+                        <a:schemeClr val="tx1"/>
+                      </a:solidFill>
+                      <a:prstDash val="solid"/>
+                      <a:round/>
+                      <a:headEnd type="none" w="med" len="med"/>
+                      <a:tailEnd type="none" w="med" len="med"/>
+                    </a:lnL>
+                    <a:lnR w="12700" cap="flat" cmpd="sng" algn="ctr">
+                      <a:solidFill>
+                        <a:schemeClr val="tx1"/>
+                      </a:solidFill>
+                      <a:prstDash val="solid"/>
+                      <a:round/>
+                      <a:headEnd type="none" w="med" len="med"/>
+                      <a:tailEnd type="none" w="med" len="med"/>
+                    </a:lnR>
+                    <a:lnT w="12700" cap="flat" cmpd="sng" algn="ctr">
+                      <a:solidFill>
+                        <a:schemeClr val="tx1"/>
+                      </a:solidFill>
+                      <a:prstDash val="solid"/>
+                      <a:round/>
+                      <a:headEnd type="none" w="med" len="med"/>
+                      <a:tailEnd type="none" w="med" len="med"/>
+                    </a:lnT>
+                    <a:lnB w="12700" cap="flat" cmpd="sng" algn="ctr">
+                      <a:solidFill>
+                        <a:schemeClr val="tx1"/>
+                      </a:solidFill>
+                      <a:prstDash val="solid"/>
+                      <a:round/>
+                      <a:headEnd type="none" w="med" len="med"/>
+                      <a:tailEnd type="none" w="med" len="med"/>
+                    </a:lnB>
+                  </a:tcPr>
+                </a:tc>
+                <a:tc>
+                  <a:txBody>
+                    <a:bodyPr/>
+                    <a:lstStyle/>
+                    <a:p>
+                      <a:pPr algn="ctr" latinLnBrk="1"/>
+                      <a:r>
+                        <a:rPr lang="en-US" altLang="ko-KR" sz="1200" dirty="0">
+                          <a:ea typeface="현대하모니 L" panose="02020603020101020101"/>
+                        </a:rPr>
+                        <a:t>N/A</a:t>
+                      </a:r>
+                      <a:endParaRPr lang="ko-KR" altLang="en-US" sz="1200" dirty="0">
+                        <a:ea typeface="현대하모니 L" panose="02020603020101020101"/>
+                      </a:endParaRPr>
+                    </a:p>
+                  </a:txBody>
+                  <a:tcPr anchor="ctr">
+                    <a:lnL w="12700" cap="flat" cmpd="sng" algn="ctr">
+                      <a:solidFill>
+                        <a:schemeClr val="tx1"/>
+                      </a:solidFill>
+                      <a:prstDash val="solid"/>
+                      <a:round/>
+                      <a:headEnd type="none" w="med" len="med"/>
+                      <a:tailEnd type="none" w="med" len="med"/>
+                    </a:lnL>
+                    <a:lnR w="12700" cap="flat" cmpd="sng" algn="ctr">
+                      <a:solidFill>
+                        <a:schemeClr val="tx1"/>
+                      </a:solidFill>
+                      <a:prstDash val="solid"/>
+                      <a:round/>
+                      <a:headEnd type="none" w="med" len="med"/>
+                      <a:tailEnd type="none" w="med" len="med"/>
+                    </a:lnR>
+                    <a:lnT w="12700" cap="flat" cmpd="sng" algn="ctr">
+                      <a:solidFill>
+                        <a:schemeClr val="tx1"/>
+                      </a:solidFill>
+                      <a:prstDash val="solid"/>
+                      <a:round/>
+                      <a:headEnd type="none" w="med" len="med"/>
+                      <a:tailEnd type="none" w="med" len="med"/>
+                    </a:lnT>
+                    <a:lnB w="12700" cap="flat" cmpd="sng" algn="ctr">
+                      <a:solidFill>
+                        <a:schemeClr val="tx1"/>
+                      </a:solidFill>
+                      <a:prstDash val="solid"/>
+                      <a:round/>
+                      <a:headEnd type="none" w="med" len="med"/>
+                      <a:tailEnd type="none" w="med" len="med"/>
+                    </a:lnB>
+                  </a:tcPr>
+                </a:tc>
+                <a:tc>
+                  <a:txBody>
+                    <a:bodyPr/>
+                    <a:lstStyle/>
+                    <a:p>
+                      <a:pPr algn="ctr" latinLnBrk="1"/>
+                      <a:r>
+                        <a:rPr lang="ko-KR" altLang="en-US" sz="1200" dirty="0">
+                          <a:ea typeface="현대하모니 L" panose="02020603020101020101"/>
+                        </a:rPr>
+                        <a:t>룸 객체 </a:t>
+                      </a:r>
+                      <a:r>
+                        <a:rPr lang="en-US" altLang="ko-KR" sz="1200" dirty="0">
+                          <a:ea typeface="현대하모니 L" panose="02020603020101020101"/>
+                        </a:rPr>
+                        <a:t>WM</a:t>
+                      </a:r>
+                      <a:r>
+                        <a:rPr lang="ko-KR" altLang="en-US" sz="1200" dirty="0">
+                          <a:ea typeface="현대하모니 L" panose="02020603020101020101"/>
+                        </a:rPr>
+                        <a:t>할당</a:t>
+                      </a:r>
+                      <a:endParaRPr lang="en-US" altLang="ko-KR" sz="1200" dirty="0">
+                        <a:ea typeface="현대하모니 L" panose="02020603020101020101"/>
+                      </a:endParaRPr>
+                    </a:p>
+                    <a:p>
+                      <a:pPr algn="ctr" latinLnBrk="1"/>
+                      <a:r>
+                        <a:rPr lang="en-US" altLang="ko-KR" sz="900" dirty="0">
+                          <a:ea typeface="현대하모니 L" panose="02020603020101020101"/>
+                        </a:rPr>
+                        <a:t>(</a:t>
+                      </a:r>
+                      <a:r>
+                        <a:rPr lang="ko-KR" altLang="en-US" sz="900" dirty="0">
+                          <a:ea typeface="현대하모니 L" panose="02020603020101020101"/>
+                        </a:rPr>
+                        <a:t>하지재 불필요벽 물량 오차 감수</a:t>
+                      </a:r>
+                      <a:r>
+                        <a:rPr lang="en-US" altLang="ko-KR" sz="900" dirty="0">
+                          <a:ea typeface="현대하모니 L" panose="02020603020101020101"/>
+                        </a:rPr>
+                        <a:t>)</a:t>
+                      </a:r>
+                      <a:endParaRPr lang="ko-KR" altLang="en-US" sz="1200" dirty="0">
+                        <a:ea typeface="현대하모니 L" panose="02020603020101020101"/>
+                      </a:endParaRPr>
+                    </a:p>
+                  </a:txBody>
+                  <a:tcPr anchor="ctr">
+                    <a:lnL w="12700" cap="flat" cmpd="sng" algn="ctr">
+                      <a:solidFill>
+                        <a:schemeClr val="tx1"/>
+                      </a:solidFill>
+                      <a:prstDash val="solid"/>
+                      <a:round/>
+                      <a:headEnd type="none" w="med" len="med"/>
+                      <a:tailEnd type="none" w="med" len="med"/>
+                    </a:lnL>
+                    <a:lnR w="12700" cap="flat" cmpd="sng" algn="ctr">
+                      <a:solidFill>
+                        <a:schemeClr val="tx1"/>
+                      </a:solidFill>
+                      <a:prstDash val="solid"/>
+                      <a:round/>
+                      <a:headEnd type="none" w="med" len="med"/>
+                      <a:tailEnd type="none" w="med" len="med"/>
+                    </a:lnR>
+                    <a:lnT w="12700" cap="flat" cmpd="sng" algn="ctr">
+                      <a:solidFill>
+                        <a:schemeClr val="tx1"/>
+                      </a:solidFill>
+                      <a:prstDash val="solid"/>
+                      <a:round/>
+                      <a:headEnd type="none" w="med" len="med"/>
+                      <a:tailEnd type="none" w="med" len="med"/>
+                    </a:lnT>
+                    <a:lnB w="12700" cap="flat" cmpd="sng" algn="ctr">
+                      <a:solidFill>
+                        <a:schemeClr val="tx1"/>
+                      </a:solidFill>
+                      <a:prstDash val="solid"/>
+                      <a:round/>
+                      <a:headEnd type="none" w="med" len="med"/>
+                      <a:tailEnd type="none" w="med" len="med"/>
+                    </a:lnB>
+                    <a:solidFill>
+                      <a:schemeClr val="accent6">
+                        <a:lumMod val="40000"/>
+                        <a:lumOff val="60000"/>
+                      </a:schemeClr>
+                    </a:solidFill>
+                  </a:tcPr>
+                </a:tc>
+                <a:tc>
+                  <a:txBody>
+                    <a:bodyPr/>
+                    <a:lstStyle/>
+                    <a:p>
+                      <a:pPr algn="ctr" latinLnBrk="1"/>
+                      <a:r>
+                        <a:rPr lang="ko-KR" altLang="en-US" sz="1200" dirty="0">
+                          <a:ea typeface="현대하모니 L" panose="02020603020101020101"/>
+                        </a:rPr>
+                        <a:t>하지재 벽 객체 </a:t>
+                      </a:r>
+                      <a:r>
+                        <a:rPr lang="en-US" altLang="ko-KR" sz="1200" dirty="0">
+                          <a:ea typeface="현대하모니 L" panose="02020603020101020101"/>
+                        </a:rPr>
+                        <a:t>‘</a:t>
+                      </a:r>
+                      <a:r>
+                        <a:rPr lang="ko-KR" altLang="en-US" sz="1200" dirty="0">
+                          <a:ea typeface="현대하모니 L" panose="02020603020101020101"/>
+                        </a:rPr>
+                        <a:t>별도</a:t>
+                      </a:r>
+                      <a:r>
+                        <a:rPr lang="en-US" altLang="ko-KR" sz="1200" dirty="0">
+                          <a:ea typeface="현대하모니 L" panose="02020603020101020101"/>
+                        </a:rPr>
+                        <a:t>’</a:t>
+                      </a:r>
+                      <a:r>
+                        <a:rPr lang="ko-KR" altLang="en-US" sz="1200" dirty="0">
+                          <a:ea typeface="현대하모니 L" panose="02020603020101020101"/>
+                        </a:rPr>
+                        <a:t> 작성</a:t>
+                      </a:r>
+                    </a:p>
+                  </a:txBody>
+                  <a:tcPr anchor="ctr">
+                    <a:lnL w="12700" cap="flat" cmpd="sng" algn="ctr">
+                      <a:solidFill>
+                        <a:schemeClr val="tx1"/>
+                      </a:solidFill>
+                      <a:prstDash val="solid"/>
+                      <a:round/>
+                      <a:headEnd type="none" w="med" len="med"/>
+                      <a:tailEnd type="none" w="med" len="med"/>
+                    </a:lnL>
+                    <a:lnR w="12700" cap="flat" cmpd="sng" algn="ctr">
+                      <a:solidFill>
+                        <a:schemeClr val="tx1"/>
+                      </a:solidFill>
+                      <a:prstDash val="solid"/>
+                      <a:round/>
+                      <a:headEnd type="none" w="med" len="med"/>
+                      <a:tailEnd type="none" w="med" len="med"/>
+                    </a:lnR>
+                    <a:lnT w="12700" cap="flat" cmpd="sng" algn="ctr">
+                      <a:solidFill>
+                        <a:schemeClr val="tx1"/>
+                      </a:solidFill>
+                      <a:prstDash val="solid"/>
+                      <a:round/>
+                      <a:headEnd type="none" w="med" len="med"/>
+                      <a:tailEnd type="none" w="med" len="med"/>
+                    </a:lnT>
+                    <a:lnB w="12700" cap="flat" cmpd="sng" algn="ctr">
+                      <a:solidFill>
+                        <a:schemeClr val="tx1"/>
+                      </a:solidFill>
+                      <a:prstDash val="solid"/>
+                      <a:round/>
+                      <a:headEnd type="none" w="med" len="med"/>
+                      <a:tailEnd type="none" w="med" len="med"/>
+                    </a:lnB>
+                  </a:tcPr>
+                </a:tc>
+                <a:tc>
+                  <a:txBody>
+                    <a:bodyPr/>
+                    <a:lstStyle/>
+                    <a:p>
+                      <a:pPr marL="0" marR="0" lvl="0" indent="0" algn="ctr" defTabSz="914400" rtl="0" eaLnBrk="1" fontAlgn="auto" latinLnBrk="1" hangingPunct="1">
+                        <a:lnSpc>
+                          <a:spcPct val="100000"/>
+                        </a:lnSpc>
+                        <a:spcBef>
+                          <a:spcPts val="0"/>
+                        </a:spcBef>
+                        <a:spcAft>
+                          <a:spcPts val="0"/>
+                        </a:spcAft>
+                        <a:buClrTx/>
+                        <a:buSzTx/>
+                        <a:buFontTx/>
+                        <a:buNone/>
+                        <a:tabLst/>
+                        <a:defRPr/>
+                      </a:pPr>
+                      <a:r>
+                        <a:rPr lang="ko-KR" altLang="en-US" sz="1200" dirty="0">
+                          <a:ea typeface="현대하모니 L" panose="02020603020101020101"/>
+                        </a:rPr>
+                        <a:t>하지재 벽 객체 </a:t>
+                      </a:r>
+                      <a:r>
+                        <a:rPr lang="en-US" altLang="ko-KR" sz="1200" dirty="0">
+                          <a:ea typeface="현대하모니 L" panose="02020603020101020101"/>
+                        </a:rPr>
+                        <a:t>WM</a:t>
+                      </a:r>
+                      <a:r>
+                        <a:rPr lang="ko-KR" altLang="en-US" sz="1200" dirty="0">
+                          <a:ea typeface="현대하모니 L" panose="02020603020101020101"/>
+                        </a:rPr>
+                        <a:t>할당</a:t>
+                      </a:r>
+                    </a:p>
+                  </a:txBody>
+                  <a:tcPr anchor="ctr">
+                    <a:lnL w="12700" cap="flat" cmpd="sng" algn="ctr">
+                      <a:solidFill>
+                        <a:schemeClr val="tx1"/>
+                      </a:solidFill>
+                      <a:prstDash val="solid"/>
+                      <a:round/>
+                      <a:headEnd type="none" w="med" len="med"/>
+                      <a:tailEnd type="none" w="med" len="med"/>
+                    </a:lnL>
+                    <a:lnR w="28575" cap="flat" cmpd="sng" algn="ctr">
+                      <a:solidFill>
+                        <a:schemeClr val="tx1"/>
+                      </a:solidFill>
+                      <a:prstDash val="solid"/>
+                      <a:round/>
+                      <a:headEnd type="none" w="med" len="med"/>
+                      <a:tailEnd type="none" w="med" len="med"/>
+                    </a:lnR>
+                    <a:lnT w="12700" cap="flat" cmpd="sng" algn="ctr">
+                      <a:solidFill>
+                        <a:schemeClr val="tx1"/>
+                      </a:solidFill>
+                      <a:prstDash val="solid"/>
+                      <a:round/>
+                      <a:headEnd type="none" w="med" len="med"/>
+                      <a:tailEnd type="none" w="med" len="med"/>
+                    </a:lnT>
+                    <a:lnB w="12700" cap="flat" cmpd="sng" algn="ctr">
+                      <a:solidFill>
+                        <a:schemeClr val="tx1"/>
+                      </a:solidFill>
+                      <a:prstDash val="solid"/>
+                      <a:round/>
+                      <a:headEnd type="none" w="med" len="med"/>
+                      <a:tailEnd type="none" w="med" len="med"/>
+                    </a:lnB>
+                    <a:solidFill>
+                      <a:schemeClr val="accent1">
+                        <a:lumMod val="20000"/>
+                        <a:lumOff val="80000"/>
+                      </a:schemeClr>
+                    </a:solidFill>
+                  </a:tcPr>
+                </a:tc>
+                <a:extLst>
+                  <a:ext uri="{0D108BD9-81ED-4DB2-BD59-A6C34878D82A}">
+                    <a16:rowId xmlns:a16="http://schemas.microsoft.com/office/drawing/2014/main" val="1776158607"/>
+                  </a:ext>
+                </a:extLst>
+              </a:tr>
+              <a:tr h="370840">
+                <a:tc vMerge="1">
+                  <a:txBody>
+                    <a:bodyPr/>
+                    <a:lstStyle/>
+                    <a:p>
+                      <a:pPr algn="ctr" latinLnBrk="1"/>
+                      <a:endParaRPr lang="en-US" altLang="ko-KR" sz="1200" b="1" dirty="0">
+                        <a:ea typeface="현대하모니 L" panose="02020603020101020101"/>
+                      </a:endParaRPr>
+                    </a:p>
+                  </a:txBody>
+                  <a:tcPr>
+                    <a:lnL w="12700" cap="flat" cmpd="sng" algn="ctr">
+                      <a:solidFill>
+                        <a:schemeClr val="tx1"/>
+                      </a:solidFill>
+                      <a:prstDash val="solid"/>
+                      <a:round/>
+                      <a:headEnd type="none" w="med" len="med"/>
+                      <a:tailEnd type="none" w="med" len="med"/>
+                    </a:lnL>
+                    <a:lnR w="12700" cap="flat" cmpd="sng" algn="ctr">
+                      <a:solidFill>
+                        <a:schemeClr val="tx1"/>
+                      </a:solidFill>
+                      <a:prstDash val="solid"/>
+                      <a:round/>
+                      <a:headEnd type="none" w="med" len="med"/>
+                      <a:tailEnd type="none" w="med" len="med"/>
+                    </a:lnR>
+                    <a:lnT w="12700" cap="flat" cmpd="sng" algn="ctr">
+                      <a:solidFill>
+                        <a:schemeClr val="tx1"/>
+                      </a:solidFill>
+                      <a:prstDash val="solid"/>
+                      <a:round/>
+                      <a:headEnd type="none" w="med" len="med"/>
+                      <a:tailEnd type="none" w="med" len="med"/>
+                    </a:lnT>
+                    <a:lnB w="12700" cap="flat" cmpd="sng" algn="ctr">
+                      <a:solidFill>
+                        <a:schemeClr val="tx1"/>
+                      </a:solidFill>
+                      <a:prstDash val="solid"/>
+                      <a:round/>
+                      <a:headEnd type="none" w="med" len="med"/>
+                      <a:tailEnd type="none" w="med" len="med"/>
+                    </a:lnB>
+                  </a:tcPr>
+                </a:tc>
+                <a:tc>
+                  <a:txBody>
+                    <a:bodyPr/>
+                    <a:lstStyle/>
+                    <a:p>
+                      <a:pPr algn="ctr" latinLnBrk="1"/>
+                      <a:r>
+                        <a:rPr lang="ko-KR" altLang="en-US" sz="1200" b="1" dirty="0">
+                          <a:ea typeface="현대하모니 L" panose="02020603020101020101"/>
+                        </a:rPr>
+                        <a:t>구조체</a:t>
+                      </a:r>
+                      <a:endParaRPr lang="en-US" altLang="ko-KR" sz="1200" b="1" dirty="0">
+                        <a:ea typeface="현대하모니 L" panose="02020603020101020101"/>
+                      </a:endParaRPr>
+                    </a:p>
+                    <a:p>
+                      <a:pPr algn="ctr" latinLnBrk="1"/>
+                      <a:r>
+                        <a:rPr lang="en-US" altLang="ko-KR" sz="1200" b="1" dirty="0">
+                          <a:ea typeface="현대하모니 L" panose="02020603020101020101"/>
+                        </a:rPr>
+                        <a:t>(Structure)</a:t>
+                      </a:r>
+                    </a:p>
+                  </a:txBody>
+                  <a:tcPr>
+                    <a:lnL w="12700" cap="flat" cmpd="sng" algn="ctr">
+                      <a:solidFill>
+                        <a:schemeClr val="tx1"/>
+                      </a:solidFill>
+                      <a:prstDash val="solid"/>
+                      <a:round/>
+                      <a:headEnd type="none" w="med" len="med"/>
+                      <a:tailEnd type="none" w="med" len="med"/>
+                    </a:lnL>
+                    <a:lnR w="12700" cap="flat" cmpd="sng" algn="ctr">
+                      <a:solidFill>
+                        <a:schemeClr val="tx1"/>
+                      </a:solidFill>
+                      <a:prstDash val="solid"/>
+                      <a:round/>
+                      <a:headEnd type="none" w="med" len="med"/>
+                      <a:tailEnd type="none" w="med" len="med"/>
+                    </a:lnR>
+                    <a:lnT w="12700" cap="flat" cmpd="sng" algn="ctr">
+                      <a:solidFill>
+                        <a:schemeClr val="tx1"/>
+                      </a:solidFill>
+                      <a:prstDash val="solid"/>
+                      <a:round/>
+                      <a:headEnd type="none" w="med" len="med"/>
+                      <a:tailEnd type="none" w="med" len="med"/>
+                    </a:lnT>
+                    <a:lnB w="28575" cap="flat" cmpd="sng" algn="ctr">
+                      <a:solidFill>
+                        <a:schemeClr val="tx1"/>
+                      </a:solidFill>
+                      <a:prstDash val="solid"/>
+                      <a:round/>
+                      <a:headEnd type="none" w="med" len="med"/>
+                      <a:tailEnd type="none" w="med" len="med"/>
+                    </a:lnB>
+                  </a:tcPr>
+                </a:tc>
+                <a:tc>
+                  <a:txBody>
+                    <a:bodyPr/>
+                    <a:lstStyle/>
+                    <a:p>
+                      <a:pPr algn="ctr" latinLnBrk="1"/>
+                      <a:r>
+                        <a:rPr lang="ko-KR" altLang="en-US" sz="1200" dirty="0">
+                          <a:ea typeface="현대하모니 L" panose="02020603020101020101"/>
+                        </a:rPr>
+                        <a:t>구조체 벽 객체 작성</a:t>
+                      </a:r>
+                    </a:p>
+                  </a:txBody>
+                  <a:tcPr anchor="ctr">
+                    <a:lnL w="12700" cap="flat" cmpd="sng" algn="ctr">
+                      <a:solidFill>
+                        <a:schemeClr val="tx1"/>
+                      </a:solidFill>
+                      <a:prstDash val="solid"/>
+                      <a:round/>
+                      <a:headEnd type="none" w="med" len="med"/>
+                      <a:tailEnd type="none" w="med" len="med"/>
+                    </a:lnL>
+                    <a:lnR w="12700" cap="flat" cmpd="sng" algn="ctr">
+                      <a:solidFill>
+                        <a:schemeClr val="tx1"/>
+                      </a:solidFill>
+                      <a:prstDash val="solid"/>
+                      <a:round/>
+                      <a:headEnd type="none" w="med" len="med"/>
+                      <a:tailEnd type="none" w="med" len="med"/>
+                    </a:lnR>
+                    <a:lnT w="12700" cap="flat" cmpd="sng" algn="ctr">
+                      <a:solidFill>
+                        <a:schemeClr val="tx1"/>
+                      </a:solidFill>
+                      <a:prstDash val="solid"/>
+                      <a:round/>
+                      <a:headEnd type="none" w="med" len="med"/>
+                      <a:tailEnd type="none" w="med" len="med"/>
+                    </a:lnT>
+                    <a:lnB w="28575" cap="flat" cmpd="sng" algn="ctr">
+                      <a:solidFill>
+                        <a:schemeClr val="tx1"/>
+                      </a:solidFill>
+                      <a:prstDash val="solid"/>
+                      <a:round/>
+                      <a:headEnd type="none" w="med" len="med"/>
+                      <a:tailEnd type="none" w="med" len="med"/>
+                    </a:lnB>
+                  </a:tcPr>
+                </a:tc>
+                <a:tc>
+                  <a:txBody>
+                    <a:bodyPr/>
+                    <a:lstStyle/>
+                    <a:p>
+                      <a:pPr marL="0" marR="0" lvl="0" indent="0" algn="ctr" defTabSz="914400" rtl="0" eaLnBrk="1" fontAlgn="auto" latinLnBrk="1" hangingPunct="1">
+                        <a:lnSpc>
+                          <a:spcPct val="100000"/>
+                        </a:lnSpc>
+                        <a:spcBef>
+                          <a:spcPts val="0"/>
+                        </a:spcBef>
+                        <a:spcAft>
+                          <a:spcPts val="0"/>
+                        </a:spcAft>
+                        <a:buClrTx/>
+                        <a:buSzTx/>
+                        <a:buFontTx/>
+                        <a:buNone/>
+                        <a:tabLst/>
+                        <a:defRPr/>
+                      </a:pPr>
+                      <a:r>
+                        <a:rPr lang="ko-KR" altLang="en-US" sz="1200" dirty="0">
+                          <a:ea typeface="현대하모니 L" panose="02020603020101020101"/>
+                        </a:rPr>
+                        <a:t>구조체 벽 객체 </a:t>
+                      </a:r>
+                      <a:r>
+                        <a:rPr lang="en-US" altLang="ko-KR" sz="1200" dirty="0">
+                          <a:ea typeface="현대하모니 L" panose="02020603020101020101"/>
+                        </a:rPr>
+                        <a:t>WM</a:t>
+                      </a:r>
+                      <a:r>
+                        <a:rPr lang="ko-KR" altLang="en-US" sz="1200" dirty="0">
+                          <a:ea typeface="현대하모니 L" panose="02020603020101020101"/>
+                        </a:rPr>
+                        <a:t>할당</a:t>
+                      </a:r>
+                    </a:p>
+                  </a:txBody>
+                  <a:tcPr anchor="ctr">
+                    <a:lnL w="12700" cap="flat" cmpd="sng" algn="ctr">
+                      <a:solidFill>
+                        <a:schemeClr val="tx1"/>
+                      </a:solidFill>
+                      <a:prstDash val="solid"/>
+                      <a:round/>
+                      <a:headEnd type="none" w="med" len="med"/>
+                      <a:tailEnd type="none" w="med" len="med"/>
+                    </a:lnL>
+                    <a:lnR w="12700" cap="flat" cmpd="sng" algn="ctr">
+                      <a:solidFill>
+                        <a:schemeClr val="tx1"/>
+                      </a:solidFill>
+                      <a:prstDash val="solid"/>
+                      <a:round/>
+                      <a:headEnd type="none" w="med" len="med"/>
+                      <a:tailEnd type="none" w="med" len="med"/>
+                    </a:lnR>
+                    <a:lnT w="12700" cap="flat" cmpd="sng" algn="ctr">
+                      <a:solidFill>
+                        <a:schemeClr val="tx1"/>
+                      </a:solidFill>
+                      <a:prstDash val="solid"/>
+                      <a:round/>
+                      <a:headEnd type="none" w="med" len="med"/>
+                      <a:tailEnd type="none" w="med" len="med"/>
+                    </a:lnT>
+                    <a:lnB w="28575" cap="flat" cmpd="sng" algn="ctr">
+                      <a:solidFill>
+                        <a:schemeClr val="tx1"/>
+                      </a:solidFill>
+                      <a:prstDash val="solid"/>
+                      <a:round/>
+                      <a:headEnd type="none" w="med" len="med"/>
+                      <a:tailEnd type="none" w="med" len="med"/>
+                    </a:lnB>
+                    <a:solidFill>
+                      <a:schemeClr val="accent1">
+                        <a:lumMod val="40000"/>
+                        <a:lumOff val="60000"/>
+                      </a:schemeClr>
+                    </a:solidFill>
+                  </a:tcPr>
+                </a:tc>
+                <a:tc>
+                  <a:txBody>
+                    <a:bodyPr/>
+                    <a:lstStyle/>
+                    <a:p>
+                      <a:pPr algn="ctr" latinLnBrk="1"/>
+                      <a:r>
+                        <a:rPr lang="ko-KR" altLang="en-US" sz="1200" dirty="0">
+                          <a:ea typeface="현대하모니 L" panose="02020603020101020101"/>
+                        </a:rPr>
+                        <a:t>구조체 벽 객체 작성</a:t>
+                      </a:r>
+                    </a:p>
+                  </a:txBody>
+                  <a:tcPr anchor="ctr">
+                    <a:lnL w="12700" cap="flat" cmpd="sng" algn="ctr">
+                      <a:solidFill>
+                        <a:schemeClr val="tx1"/>
+                      </a:solidFill>
+                      <a:prstDash val="solid"/>
+                      <a:round/>
+                      <a:headEnd type="none" w="med" len="med"/>
+                      <a:tailEnd type="none" w="med" len="med"/>
+                    </a:lnL>
+                    <a:lnR w="12700" cap="flat" cmpd="sng" algn="ctr">
+                      <a:solidFill>
+                        <a:schemeClr val="tx1"/>
+                      </a:solidFill>
+                      <a:prstDash val="solid"/>
+                      <a:round/>
+                      <a:headEnd type="none" w="med" len="med"/>
+                      <a:tailEnd type="none" w="med" len="med"/>
+                    </a:lnR>
+                    <a:lnT w="12700" cap="flat" cmpd="sng" algn="ctr">
+                      <a:solidFill>
+                        <a:schemeClr val="tx1"/>
+                      </a:solidFill>
+                      <a:prstDash val="solid"/>
+                      <a:round/>
+                      <a:headEnd type="none" w="med" len="med"/>
+                      <a:tailEnd type="none" w="med" len="med"/>
+                    </a:lnT>
+                    <a:lnB w="28575" cap="flat" cmpd="sng" algn="ctr">
+                      <a:solidFill>
+                        <a:schemeClr val="tx1"/>
+                      </a:solidFill>
+                      <a:prstDash val="solid"/>
+                      <a:round/>
+                      <a:headEnd type="none" w="med" len="med"/>
+                      <a:tailEnd type="none" w="med" len="med"/>
+                    </a:lnB>
+                  </a:tcPr>
+                </a:tc>
+                <a:tc>
+                  <a:txBody>
+                    <a:bodyPr/>
+                    <a:lstStyle/>
+                    <a:p>
+                      <a:pPr marL="0" marR="0" lvl="0" indent="0" algn="ctr" defTabSz="914400" rtl="0" eaLnBrk="1" fontAlgn="auto" latinLnBrk="1" hangingPunct="1">
+                        <a:lnSpc>
+                          <a:spcPct val="100000"/>
+                        </a:lnSpc>
+                        <a:spcBef>
+                          <a:spcPts val="0"/>
+                        </a:spcBef>
+                        <a:spcAft>
+                          <a:spcPts val="0"/>
+                        </a:spcAft>
+                        <a:buClrTx/>
+                        <a:buSzTx/>
+                        <a:buFontTx/>
+                        <a:buNone/>
+                        <a:tabLst/>
+                        <a:defRPr/>
+                      </a:pPr>
+                      <a:r>
+                        <a:rPr lang="ko-KR" altLang="en-US" sz="1200" dirty="0">
+                          <a:ea typeface="현대하모니 L" panose="02020603020101020101"/>
+                        </a:rPr>
+                        <a:t>구조체 벽 객체 </a:t>
+                      </a:r>
+                      <a:r>
+                        <a:rPr lang="en-US" altLang="ko-KR" sz="1200" dirty="0">
+                          <a:ea typeface="현대하모니 L" panose="02020603020101020101"/>
+                        </a:rPr>
+                        <a:t>WM</a:t>
+                      </a:r>
+                      <a:r>
+                        <a:rPr lang="ko-KR" altLang="en-US" sz="1200" dirty="0">
+                          <a:ea typeface="현대하모니 L" panose="02020603020101020101"/>
+                        </a:rPr>
+                        <a:t>할당</a:t>
+                      </a:r>
+                    </a:p>
+                  </a:txBody>
+                  <a:tcPr anchor="ctr">
+                    <a:lnL w="12700" cap="flat" cmpd="sng" algn="ctr">
+                      <a:solidFill>
+                        <a:schemeClr val="tx1"/>
+                      </a:solidFill>
+                      <a:prstDash val="solid"/>
+                      <a:round/>
+                      <a:headEnd type="none" w="med" len="med"/>
+                      <a:tailEnd type="none" w="med" len="med"/>
+                    </a:lnL>
+                    <a:lnR w="28575" cap="flat" cmpd="sng" algn="ctr">
+                      <a:solidFill>
+                        <a:schemeClr val="tx1"/>
+                      </a:solidFill>
+                      <a:prstDash val="solid"/>
+                      <a:round/>
+                      <a:headEnd type="none" w="med" len="med"/>
+                      <a:tailEnd type="none" w="med" len="med"/>
+                    </a:lnR>
+                    <a:lnT w="12700" cap="flat" cmpd="sng" algn="ctr">
+                      <a:solidFill>
+                        <a:schemeClr val="tx1"/>
+                      </a:solidFill>
+                      <a:prstDash val="solid"/>
+                      <a:round/>
+                      <a:headEnd type="none" w="med" len="med"/>
+                      <a:tailEnd type="none" w="med" len="med"/>
+                    </a:lnT>
+                    <a:lnB w="28575" cap="flat" cmpd="sng" algn="ctr">
+                      <a:solidFill>
+                        <a:schemeClr val="tx1"/>
+                      </a:solidFill>
+                      <a:prstDash val="solid"/>
+                      <a:round/>
+                      <a:headEnd type="none" w="med" len="med"/>
+                      <a:tailEnd type="none" w="med" len="med"/>
+                    </a:lnB>
+                    <a:solidFill>
+                      <a:schemeClr val="accent1">
+                        <a:lumMod val="40000"/>
+                        <a:lumOff val="60000"/>
+                      </a:schemeClr>
+                    </a:solidFill>
+                  </a:tcPr>
+                </a:tc>
+                <a:extLst>
+                  <a:ext uri="{0D108BD9-81ED-4DB2-BD59-A6C34878D82A}">
+                    <a16:rowId xmlns:a16="http://schemas.microsoft.com/office/drawing/2014/main" val="1584670199"/>
+                  </a:ext>
+                </a:extLst>
+              </a:tr>
+              <a:tr h="370840">
+                <a:tc rowSpan="3">
+                  <a:txBody>
+                    <a:bodyPr/>
+                    <a:lstStyle/>
+                    <a:p>
+                      <a:pPr algn="ctr" latinLnBrk="1"/>
+                      <a:r>
+                        <a:rPr lang="ko-KR" altLang="en-US" sz="1200" b="1" dirty="0">
+                          <a:ea typeface="현대하모니 L" panose="02020603020101020101"/>
+                        </a:rPr>
+                        <a:t>외벽 측</a:t>
+                      </a:r>
+                      <a:endParaRPr lang="en-US" altLang="ko-KR" sz="1200" b="1" dirty="0">
+                        <a:ea typeface="현대하모니 L" panose="02020603020101020101"/>
+                      </a:endParaRPr>
+                    </a:p>
+                    <a:p>
+                      <a:pPr marL="0" marR="0" lvl="0" indent="0" algn="ctr" defTabSz="914400" rtl="0" eaLnBrk="1" fontAlgn="auto" latinLnBrk="1" hangingPunct="1">
+                        <a:lnSpc>
+                          <a:spcPct val="100000"/>
+                        </a:lnSpc>
+                        <a:spcBef>
+                          <a:spcPts val="0"/>
+                        </a:spcBef>
+                        <a:spcAft>
+                          <a:spcPts val="0"/>
+                        </a:spcAft>
+                        <a:buClrTx/>
+                        <a:buSzTx/>
+                        <a:buFontTx/>
+                        <a:buNone/>
+                        <a:tabLst/>
+                        <a:defRPr/>
+                      </a:pPr>
+                      <a:r>
+                        <a:rPr lang="en-US" altLang="ko-KR" sz="1200" b="1" dirty="0">
+                          <a:ea typeface="현대하모니 L" panose="02020603020101020101"/>
+                        </a:rPr>
+                        <a:t>(</a:t>
+                      </a:r>
+                      <a:r>
+                        <a:rPr lang="ko-KR" altLang="en-US" sz="1200" b="1" dirty="0">
+                          <a:ea typeface="현대하모니 L" panose="02020603020101020101"/>
+                        </a:rPr>
+                        <a:t>룸과</a:t>
+                      </a:r>
+                      <a:endParaRPr lang="en-US" altLang="ko-KR" sz="1200" b="1" dirty="0">
+                        <a:ea typeface="현대하모니 L" panose="02020603020101020101"/>
+                      </a:endParaRPr>
+                    </a:p>
+                    <a:p>
+                      <a:pPr marL="0" marR="0" lvl="0" indent="0" algn="ctr" defTabSz="914400" rtl="0" eaLnBrk="1" fontAlgn="auto" latinLnBrk="1" hangingPunct="1">
+                        <a:lnSpc>
+                          <a:spcPct val="100000"/>
+                        </a:lnSpc>
+                        <a:spcBef>
+                          <a:spcPts val="0"/>
+                        </a:spcBef>
+                        <a:spcAft>
+                          <a:spcPts val="0"/>
+                        </a:spcAft>
+                        <a:buClrTx/>
+                        <a:buSzTx/>
+                        <a:buFontTx/>
+                        <a:buNone/>
+                        <a:tabLst/>
+                        <a:defRPr/>
+                      </a:pPr>
+                      <a:r>
+                        <a:rPr lang="ko-KR" altLang="en-US" sz="1200" b="1" dirty="0">
+                          <a:ea typeface="현대하모니 L" panose="02020603020101020101"/>
+                        </a:rPr>
+                        <a:t>접하지 않는 면</a:t>
+                      </a:r>
+                      <a:r>
+                        <a:rPr lang="en-US" altLang="ko-KR" sz="1200" b="1" dirty="0">
+                          <a:ea typeface="현대하모니 L" panose="02020603020101020101"/>
+                        </a:rPr>
+                        <a:t>)</a:t>
+                      </a:r>
+                    </a:p>
+                  </a:txBody>
+                  <a:tcPr vert="vert270" anchor="ctr">
+                    <a:lnL w="28575" cap="flat" cmpd="sng" algn="ctr">
+                      <a:solidFill>
+                        <a:schemeClr val="tx1"/>
+                      </a:solidFill>
+                      <a:prstDash val="solid"/>
+                      <a:round/>
+                      <a:headEnd type="none" w="med" len="med"/>
+                      <a:tailEnd type="none" w="med" len="med"/>
+                    </a:lnL>
+                    <a:lnR w="12700" cap="flat" cmpd="sng" algn="ctr">
+                      <a:solidFill>
+                        <a:schemeClr val="tx1"/>
+                      </a:solidFill>
+                      <a:prstDash val="solid"/>
+                      <a:round/>
+                      <a:headEnd type="none" w="med" len="med"/>
+                      <a:tailEnd type="none" w="med" len="med"/>
+                    </a:lnR>
+                    <a:lnT w="28575" cap="flat" cmpd="sng" algn="ctr">
+                      <a:solidFill>
+                        <a:schemeClr val="tx1"/>
+                      </a:solidFill>
+                      <a:prstDash val="solid"/>
+                      <a:round/>
+                      <a:headEnd type="none" w="med" len="med"/>
+                      <a:tailEnd type="none" w="med" len="med"/>
+                    </a:lnT>
+                    <a:lnB w="28575" cap="flat" cmpd="sng" algn="ctr">
+                      <a:solidFill>
+                        <a:schemeClr val="tx1"/>
+                      </a:solidFill>
+                      <a:prstDash val="solid"/>
+                      <a:round/>
+                      <a:headEnd type="none" w="med" len="med"/>
+                      <a:tailEnd type="none" w="med" len="med"/>
+                    </a:lnB>
+                  </a:tcPr>
+                </a:tc>
+                <a:tc>
+                  <a:txBody>
+                    <a:bodyPr/>
+                    <a:lstStyle/>
+                    <a:p>
+                      <a:pPr algn="ctr" latinLnBrk="1"/>
+                      <a:r>
+                        <a:rPr lang="ko-KR" altLang="en-US" sz="1200" b="1" dirty="0">
+                          <a:ea typeface="현대하모니 L" panose="02020603020101020101"/>
+                        </a:rPr>
+                        <a:t>구조체</a:t>
+                      </a:r>
+                      <a:endParaRPr lang="en-US" altLang="ko-KR" sz="1200" b="1" dirty="0">
+                        <a:ea typeface="현대하모니 L" panose="02020603020101020101"/>
+                      </a:endParaRPr>
+                    </a:p>
+                    <a:p>
+                      <a:pPr algn="ctr" latinLnBrk="1"/>
+                      <a:r>
+                        <a:rPr lang="en-US" altLang="ko-KR" sz="1200" b="1" dirty="0">
+                          <a:ea typeface="현대하모니 L" panose="02020603020101020101"/>
+                        </a:rPr>
+                        <a:t>(Structure)</a:t>
+                      </a:r>
+                    </a:p>
+                  </a:txBody>
+                  <a:tcPr>
+                    <a:lnL w="12700" cap="flat" cmpd="sng" algn="ctr">
+                      <a:solidFill>
+                        <a:schemeClr val="tx1"/>
+                      </a:solidFill>
+                      <a:prstDash val="solid"/>
+                      <a:round/>
+                      <a:headEnd type="none" w="med" len="med"/>
+                      <a:tailEnd type="none" w="med" len="med"/>
+                    </a:lnL>
+                    <a:lnR w="12700" cap="flat" cmpd="sng" algn="ctr">
+                      <a:solidFill>
+                        <a:schemeClr val="tx1"/>
+                      </a:solidFill>
+                      <a:prstDash val="solid"/>
+                      <a:round/>
+                      <a:headEnd type="none" w="med" len="med"/>
+                      <a:tailEnd type="none" w="med" len="med"/>
+                    </a:lnR>
+                    <a:lnT w="28575" cap="flat" cmpd="sng" algn="ctr">
+                      <a:solidFill>
+                        <a:schemeClr val="tx1"/>
+                      </a:solidFill>
+                      <a:prstDash val="solid"/>
+                      <a:round/>
+                      <a:headEnd type="none" w="med" len="med"/>
+                      <a:tailEnd type="none" w="med" len="med"/>
+                    </a:lnT>
+                    <a:lnB w="12700" cap="flat" cmpd="sng" algn="ctr">
+                      <a:solidFill>
+                        <a:schemeClr val="tx1"/>
+                      </a:solidFill>
+                      <a:prstDash val="solid"/>
+                      <a:round/>
+                      <a:headEnd type="none" w="med" len="med"/>
+                      <a:tailEnd type="none" w="med" len="med"/>
+                    </a:lnB>
+                  </a:tcPr>
+                </a:tc>
+                <a:tc>
+                  <a:txBody>
+                    <a:bodyPr/>
+                    <a:lstStyle/>
+                    <a:p>
+                      <a:pPr algn="ctr" latinLnBrk="1"/>
+                      <a:r>
+                        <a:rPr lang="ko-KR" altLang="en-US" sz="1200" dirty="0">
+                          <a:ea typeface="현대하모니 L" panose="02020603020101020101"/>
+                        </a:rPr>
+                        <a:t>구조체 벽 객체 작성</a:t>
+                      </a:r>
+                    </a:p>
+                  </a:txBody>
+                  <a:tcPr anchor="ctr">
+                    <a:lnL w="12700" cap="flat" cmpd="sng" algn="ctr">
+                      <a:solidFill>
+                        <a:schemeClr val="tx1"/>
+                      </a:solidFill>
+                      <a:prstDash val="solid"/>
+                      <a:round/>
+                      <a:headEnd type="none" w="med" len="med"/>
+                      <a:tailEnd type="none" w="med" len="med"/>
+                    </a:lnL>
+                    <a:lnR w="12700" cap="flat" cmpd="sng" algn="ctr">
+                      <a:solidFill>
+                        <a:schemeClr val="tx1"/>
+                      </a:solidFill>
+                      <a:prstDash val="solid"/>
+                      <a:round/>
+                      <a:headEnd type="none" w="med" len="med"/>
+                      <a:tailEnd type="none" w="med" len="med"/>
+                    </a:lnR>
+                    <a:lnT w="28575" cap="flat" cmpd="sng" algn="ctr">
+                      <a:solidFill>
+                        <a:schemeClr val="tx1"/>
+                      </a:solidFill>
+                      <a:prstDash val="solid"/>
+                      <a:round/>
+                      <a:headEnd type="none" w="med" len="med"/>
+                      <a:tailEnd type="none" w="med" len="med"/>
+                    </a:lnT>
+                    <a:lnB w="12700" cap="flat" cmpd="sng" algn="ctr">
+                      <a:solidFill>
+                        <a:schemeClr val="tx1"/>
+                      </a:solidFill>
+                      <a:prstDash val="solid"/>
+                      <a:round/>
+                      <a:headEnd type="none" w="med" len="med"/>
+                      <a:tailEnd type="none" w="med" len="med"/>
+                    </a:lnB>
+                  </a:tcPr>
+                </a:tc>
+                <a:tc>
+                  <a:txBody>
+                    <a:bodyPr/>
+                    <a:lstStyle/>
+                    <a:p>
+                      <a:pPr marL="0" marR="0" lvl="0" indent="0" algn="ctr" defTabSz="914400" rtl="0" eaLnBrk="1" fontAlgn="auto" latinLnBrk="1" hangingPunct="1">
+                        <a:lnSpc>
+                          <a:spcPct val="100000"/>
+                        </a:lnSpc>
+                        <a:spcBef>
+                          <a:spcPts val="0"/>
+                        </a:spcBef>
+                        <a:spcAft>
+                          <a:spcPts val="0"/>
+                        </a:spcAft>
+                        <a:buClrTx/>
+                        <a:buSzTx/>
+                        <a:buFontTx/>
+                        <a:buNone/>
+                        <a:tabLst/>
+                        <a:defRPr/>
+                      </a:pPr>
+                      <a:r>
+                        <a:rPr lang="ko-KR" altLang="en-US" sz="1200" dirty="0">
+                          <a:ea typeface="현대하모니 L" panose="02020603020101020101"/>
+                        </a:rPr>
+                        <a:t>구조체 벽 객체 </a:t>
+                      </a:r>
+                      <a:r>
+                        <a:rPr lang="en-US" altLang="ko-KR" sz="1200" dirty="0">
+                          <a:ea typeface="현대하모니 L" panose="02020603020101020101"/>
+                        </a:rPr>
+                        <a:t>WM</a:t>
+                      </a:r>
+                      <a:r>
+                        <a:rPr lang="ko-KR" altLang="en-US" sz="1200" dirty="0">
+                          <a:ea typeface="현대하모니 L" panose="02020603020101020101"/>
+                        </a:rPr>
+                        <a:t>할당</a:t>
+                      </a:r>
+                    </a:p>
+                  </a:txBody>
+                  <a:tcPr anchor="ctr">
+                    <a:lnL w="12700" cap="flat" cmpd="sng" algn="ctr">
+                      <a:solidFill>
+                        <a:schemeClr val="tx1"/>
+                      </a:solidFill>
+                      <a:prstDash val="solid"/>
+                      <a:round/>
+                      <a:headEnd type="none" w="med" len="med"/>
+                      <a:tailEnd type="none" w="med" len="med"/>
+                    </a:lnL>
+                    <a:lnR w="12700" cap="flat" cmpd="sng" algn="ctr">
+                      <a:solidFill>
+                        <a:schemeClr val="tx1"/>
+                      </a:solidFill>
+                      <a:prstDash val="solid"/>
+                      <a:round/>
+                      <a:headEnd type="none" w="med" len="med"/>
+                      <a:tailEnd type="none" w="med" len="med"/>
+                    </a:lnR>
+                    <a:lnT w="28575" cap="flat" cmpd="sng" algn="ctr">
+                      <a:solidFill>
+                        <a:schemeClr val="tx1"/>
+                      </a:solidFill>
+                      <a:prstDash val="solid"/>
+                      <a:round/>
+                      <a:headEnd type="none" w="med" len="med"/>
+                      <a:tailEnd type="none" w="med" len="med"/>
+                    </a:lnT>
+                    <a:lnB w="12700" cap="flat" cmpd="sng" algn="ctr">
+                      <a:solidFill>
+                        <a:schemeClr val="tx1"/>
+                      </a:solidFill>
+                      <a:prstDash val="solid"/>
+                      <a:round/>
+                      <a:headEnd type="none" w="med" len="med"/>
+                      <a:tailEnd type="none" w="med" len="med"/>
+                    </a:lnB>
+                    <a:solidFill>
+                      <a:schemeClr val="accent1">
+                        <a:lumMod val="40000"/>
+                        <a:lumOff val="60000"/>
+                      </a:schemeClr>
+                    </a:solidFill>
+                  </a:tcPr>
+                </a:tc>
+                <a:tc>
+                  <a:txBody>
+                    <a:bodyPr/>
+                    <a:lstStyle/>
+                    <a:p>
+                      <a:pPr algn="ctr" latinLnBrk="1"/>
+                      <a:r>
+                        <a:rPr lang="ko-KR" altLang="en-US" sz="1200" dirty="0">
+                          <a:ea typeface="현대하모니 L" panose="02020603020101020101"/>
+                        </a:rPr>
+                        <a:t>구조체 벽 객체 작성</a:t>
+                      </a:r>
+                      <a:endParaRPr lang="en-US" altLang="ko-KR" sz="1200" dirty="0">
+                        <a:ea typeface="현대하모니 L" panose="02020603020101020101"/>
+                      </a:endParaRPr>
+                    </a:p>
+                    <a:p>
+                      <a:pPr algn="ctr" latinLnBrk="1"/>
+                      <a:r>
+                        <a:rPr lang="en-US" altLang="ko-KR" sz="1000" dirty="0">
+                          <a:ea typeface="현대하모니 L" panose="02020603020101020101"/>
+                        </a:rPr>
+                        <a:t>(</a:t>
+                      </a:r>
+                      <a:r>
+                        <a:rPr lang="ko-KR" altLang="en-US" sz="1000" dirty="0">
+                          <a:ea typeface="현대하모니 L" panose="02020603020101020101"/>
+                        </a:rPr>
+                        <a:t>단일벽</a:t>
+                      </a:r>
+                      <a:r>
+                        <a:rPr lang="en-US" altLang="ko-KR" sz="1000" dirty="0">
+                          <a:ea typeface="현대하모니 L" panose="02020603020101020101"/>
+                        </a:rPr>
+                        <a:t>/</a:t>
+                      </a:r>
+                      <a:r>
+                        <a:rPr lang="ko-KR" altLang="en-US" sz="1000" dirty="0">
+                          <a:ea typeface="현대하모니 L" panose="02020603020101020101"/>
+                        </a:rPr>
+                        <a:t>복합벽 무관</a:t>
+                      </a:r>
+                      <a:r>
+                        <a:rPr lang="en-US" altLang="ko-KR" sz="1000" dirty="0">
+                          <a:ea typeface="현대하모니 L" panose="02020603020101020101"/>
+                        </a:rPr>
+                        <a:t>)</a:t>
+                      </a:r>
+                      <a:endParaRPr lang="ko-KR" altLang="en-US" sz="1200" dirty="0">
+                        <a:ea typeface="현대하모니 L" panose="02020603020101020101"/>
+                      </a:endParaRPr>
+                    </a:p>
+                  </a:txBody>
+                  <a:tcPr anchor="ctr">
+                    <a:lnL w="12700" cap="flat" cmpd="sng" algn="ctr">
+                      <a:solidFill>
+                        <a:schemeClr val="tx1"/>
+                      </a:solidFill>
+                      <a:prstDash val="solid"/>
+                      <a:round/>
+                      <a:headEnd type="none" w="med" len="med"/>
+                      <a:tailEnd type="none" w="med" len="med"/>
+                    </a:lnL>
+                    <a:lnR w="12700" cap="flat" cmpd="sng" algn="ctr">
+                      <a:solidFill>
+                        <a:schemeClr val="tx1"/>
+                      </a:solidFill>
+                      <a:prstDash val="solid"/>
+                      <a:round/>
+                      <a:headEnd type="none" w="med" len="med"/>
+                      <a:tailEnd type="none" w="med" len="med"/>
+                    </a:lnR>
+                    <a:lnT w="28575" cap="flat" cmpd="sng" algn="ctr">
+                      <a:solidFill>
+                        <a:schemeClr val="tx1"/>
+                      </a:solidFill>
+                      <a:prstDash val="solid"/>
+                      <a:round/>
+                      <a:headEnd type="none" w="med" len="med"/>
+                      <a:tailEnd type="none" w="med" len="med"/>
+                    </a:lnT>
+                    <a:lnB w="12700" cap="flat" cmpd="sng" algn="ctr">
+                      <a:solidFill>
+                        <a:schemeClr val="tx1"/>
+                      </a:solidFill>
+                      <a:prstDash val="solid"/>
+                      <a:round/>
+                      <a:headEnd type="none" w="med" len="med"/>
+                      <a:tailEnd type="none" w="med" len="med"/>
+                    </a:lnB>
+                  </a:tcPr>
+                </a:tc>
+                <a:tc>
+                  <a:txBody>
+                    <a:bodyPr/>
+                    <a:lstStyle/>
+                    <a:p>
+                      <a:pPr marL="0" marR="0" lvl="0" indent="0" algn="ctr" defTabSz="914400" rtl="0" eaLnBrk="1" fontAlgn="auto" latinLnBrk="1" hangingPunct="1">
+                        <a:lnSpc>
+                          <a:spcPct val="100000"/>
+                        </a:lnSpc>
+                        <a:spcBef>
+                          <a:spcPts val="0"/>
+                        </a:spcBef>
+                        <a:spcAft>
+                          <a:spcPts val="0"/>
+                        </a:spcAft>
+                        <a:buClrTx/>
+                        <a:buSzTx/>
+                        <a:buFontTx/>
+                        <a:buNone/>
+                        <a:tabLst/>
+                        <a:defRPr/>
+                      </a:pPr>
+                      <a:r>
+                        <a:rPr lang="ko-KR" altLang="en-US" sz="1200" dirty="0">
+                          <a:ea typeface="현대하모니 L" panose="02020603020101020101"/>
+                        </a:rPr>
+                        <a:t>구조체 벽 객체 </a:t>
+                      </a:r>
+                      <a:r>
+                        <a:rPr lang="en-US" altLang="ko-KR" sz="1200" dirty="0">
+                          <a:ea typeface="현대하모니 L" panose="02020603020101020101"/>
+                        </a:rPr>
+                        <a:t>WM</a:t>
+                      </a:r>
+                      <a:r>
+                        <a:rPr lang="ko-KR" altLang="en-US" sz="1200" dirty="0">
+                          <a:ea typeface="현대하모니 L" panose="02020603020101020101"/>
+                        </a:rPr>
+                        <a:t>할당</a:t>
+                      </a:r>
+                    </a:p>
+                  </a:txBody>
+                  <a:tcPr anchor="ctr">
+                    <a:lnL w="12700" cap="flat" cmpd="sng" algn="ctr">
+                      <a:solidFill>
+                        <a:schemeClr val="tx1"/>
+                      </a:solidFill>
+                      <a:prstDash val="solid"/>
+                      <a:round/>
+                      <a:headEnd type="none" w="med" len="med"/>
+                      <a:tailEnd type="none" w="med" len="med"/>
+                    </a:lnL>
+                    <a:lnR w="28575" cap="flat" cmpd="sng" algn="ctr">
+                      <a:solidFill>
+                        <a:schemeClr val="tx1"/>
+                      </a:solidFill>
+                      <a:prstDash val="solid"/>
+                      <a:round/>
+                      <a:headEnd type="none" w="med" len="med"/>
+                      <a:tailEnd type="none" w="med" len="med"/>
+                    </a:lnR>
+                    <a:lnT w="28575" cap="flat" cmpd="sng" algn="ctr">
+                      <a:solidFill>
+                        <a:schemeClr val="tx1"/>
+                      </a:solidFill>
+                      <a:prstDash val="solid"/>
+                      <a:round/>
+                      <a:headEnd type="none" w="med" len="med"/>
+                      <a:tailEnd type="none" w="med" len="med"/>
+                    </a:lnT>
+                    <a:lnB w="12700" cap="flat" cmpd="sng" algn="ctr">
+                      <a:solidFill>
+                        <a:schemeClr val="tx1"/>
+                      </a:solidFill>
+                      <a:prstDash val="solid"/>
+                      <a:round/>
+                      <a:headEnd type="none" w="med" len="med"/>
+                      <a:tailEnd type="none" w="med" len="med"/>
+                    </a:lnB>
+                    <a:solidFill>
+                      <a:schemeClr val="accent1">
+                        <a:lumMod val="40000"/>
+                        <a:lumOff val="60000"/>
+                      </a:schemeClr>
+                    </a:solidFill>
+                  </a:tcPr>
+                </a:tc>
+                <a:extLst>
+                  <a:ext uri="{0D108BD9-81ED-4DB2-BD59-A6C34878D82A}">
+                    <a16:rowId xmlns:a16="http://schemas.microsoft.com/office/drawing/2014/main" val="511814471"/>
+                  </a:ext>
+                </a:extLst>
+              </a:tr>
+              <a:tr h="370840">
+                <a:tc vMerge="1">
+                  <a:txBody>
+                    <a:bodyPr/>
+                    <a:lstStyle/>
+                    <a:p>
+                      <a:pPr algn="ctr" latinLnBrk="1"/>
+                      <a:endParaRPr lang="en-US" altLang="ko-KR" sz="1200" b="1" dirty="0">
+                        <a:ea typeface="현대하모니 L" panose="02020603020101020101"/>
+                      </a:endParaRPr>
+                    </a:p>
+                  </a:txBody>
+                  <a:tcPr>
+                    <a:lnL w="12700" cap="flat" cmpd="sng" algn="ctr">
+                      <a:solidFill>
+                        <a:schemeClr val="tx1"/>
+                      </a:solidFill>
+                      <a:prstDash val="solid"/>
+                      <a:round/>
+                      <a:headEnd type="none" w="med" len="med"/>
+                      <a:tailEnd type="none" w="med" len="med"/>
+                    </a:lnL>
+                    <a:lnR w="12700" cap="flat" cmpd="sng" algn="ctr">
+                      <a:solidFill>
+                        <a:schemeClr val="tx1"/>
+                      </a:solidFill>
+                      <a:prstDash val="solid"/>
+                      <a:round/>
+                      <a:headEnd type="none" w="med" len="med"/>
+                      <a:tailEnd type="none" w="med" len="med"/>
+                    </a:lnR>
+                    <a:lnT w="12700" cap="flat" cmpd="sng" algn="ctr">
+                      <a:solidFill>
+                        <a:schemeClr val="tx1"/>
+                      </a:solidFill>
+                      <a:prstDash val="solid"/>
+                      <a:round/>
+                      <a:headEnd type="none" w="med" len="med"/>
+                      <a:tailEnd type="none" w="med" len="med"/>
+                    </a:lnT>
+                    <a:lnB w="12700" cap="flat" cmpd="sng" algn="ctr">
+                      <a:solidFill>
+                        <a:schemeClr val="tx1"/>
+                      </a:solidFill>
+                      <a:prstDash val="solid"/>
+                      <a:round/>
+                      <a:headEnd type="none" w="med" len="med"/>
+                      <a:tailEnd type="none" w="med" len="med"/>
+                    </a:lnB>
+                  </a:tcPr>
+                </a:tc>
+                <a:tc>
+                  <a:txBody>
+                    <a:bodyPr/>
+                    <a:lstStyle/>
+                    <a:p>
+                      <a:pPr algn="ctr" latinLnBrk="1"/>
+                      <a:r>
+                        <a:rPr lang="ko-KR" altLang="en-US" sz="1200" b="1" dirty="0">
+                          <a:ea typeface="현대하모니 L" panose="02020603020101020101"/>
+                        </a:rPr>
+                        <a:t>하지재</a:t>
+                      </a:r>
+                      <a:endParaRPr lang="en-US" altLang="ko-KR" sz="1200" b="1" dirty="0">
+                        <a:ea typeface="현대하모니 L" panose="02020603020101020101"/>
+                      </a:endParaRPr>
+                    </a:p>
+                    <a:p>
+                      <a:pPr algn="ctr" latinLnBrk="1"/>
+                      <a:r>
+                        <a:rPr lang="en-US" altLang="ko-KR" sz="1200" b="1" dirty="0">
+                          <a:ea typeface="현대하모니 L" panose="02020603020101020101"/>
+                        </a:rPr>
+                        <a:t>(Substrate)</a:t>
+                      </a:r>
+                    </a:p>
+                  </a:txBody>
+                  <a:tcPr>
+                    <a:lnL w="12700" cap="flat" cmpd="sng" algn="ctr">
+                      <a:solidFill>
+                        <a:schemeClr val="tx1"/>
+                      </a:solidFill>
+                      <a:prstDash val="solid"/>
+                      <a:round/>
+                      <a:headEnd type="none" w="med" len="med"/>
+                      <a:tailEnd type="none" w="med" len="med"/>
+                    </a:lnL>
+                    <a:lnR w="12700" cap="flat" cmpd="sng" algn="ctr">
+                      <a:solidFill>
+                        <a:schemeClr val="tx1"/>
+                      </a:solidFill>
+                      <a:prstDash val="solid"/>
+                      <a:round/>
+                      <a:headEnd type="none" w="med" len="med"/>
+                      <a:tailEnd type="none" w="med" len="med"/>
+                    </a:lnR>
+                    <a:lnT w="12700" cap="flat" cmpd="sng" algn="ctr">
+                      <a:solidFill>
+                        <a:schemeClr val="tx1"/>
+                      </a:solidFill>
+                      <a:prstDash val="solid"/>
+                      <a:round/>
+                      <a:headEnd type="none" w="med" len="med"/>
+                      <a:tailEnd type="none" w="med" len="med"/>
+                    </a:lnT>
+                    <a:lnB w="12700" cap="flat" cmpd="sng" algn="ctr">
+                      <a:solidFill>
+                        <a:schemeClr val="tx1"/>
+                      </a:solidFill>
+                      <a:prstDash val="solid"/>
+                      <a:round/>
+                      <a:headEnd type="none" w="med" len="med"/>
+                      <a:tailEnd type="none" w="med" len="med"/>
+                    </a:lnB>
+                  </a:tcPr>
+                </a:tc>
+                <a:tc>
+                  <a:txBody>
+                    <a:bodyPr/>
+                    <a:lstStyle/>
+                    <a:p>
+                      <a:pPr marL="0" marR="0" lvl="0" indent="0" algn="ctr" defTabSz="914400" rtl="0" eaLnBrk="1" fontAlgn="auto" latinLnBrk="1" hangingPunct="1">
+                        <a:lnSpc>
+                          <a:spcPct val="100000"/>
+                        </a:lnSpc>
+                        <a:spcBef>
+                          <a:spcPts val="0"/>
+                        </a:spcBef>
+                        <a:spcAft>
+                          <a:spcPts val="0"/>
+                        </a:spcAft>
+                        <a:buClrTx/>
+                        <a:buSzTx/>
+                        <a:buFontTx/>
+                        <a:buNone/>
+                        <a:tabLst/>
+                        <a:defRPr/>
+                      </a:pPr>
+                      <a:r>
+                        <a:rPr lang="en-US" altLang="ko-KR" sz="1200" dirty="0">
+                          <a:ea typeface="현대하모니 L" panose="02020603020101020101"/>
+                        </a:rPr>
+                        <a:t>N/A</a:t>
+                      </a:r>
+                      <a:endParaRPr lang="ko-KR" altLang="en-US" sz="1200" dirty="0">
+                        <a:ea typeface="현대하모니 L" panose="02020603020101020101"/>
+                      </a:endParaRPr>
+                    </a:p>
+                  </a:txBody>
+                  <a:tcPr anchor="ctr">
+                    <a:lnL w="12700" cap="flat" cmpd="sng" algn="ctr">
+                      <a:solidFill>
+                        <a:schemeClr val="tx1"/>
+                      </a:solidFill>
+                      <a:prstDash val="solid"/>
+                      <a:round/>
+                      <a:headEnd type="none" w="med" len="med"/>
+                      <a:tailEnd type="none" w="med" len="med"/>
+                    </a:lnL>
+                    <a:lnR w="12700" cap="flat" cmpd="sng" algn="ctr">
+                      <a:solidFill>
+                        <a:schemeClr val="tx1"/>
+                      </a:solidFill>
+                      <a:prstDash val="solid"/>
+                      <a:round/>
+                      <a:headEnd type="none" w="med" len="med"/>
+                      <a:tailEnd type="none" w="med" len="med"/>
+                    </a:lnR>
+                    <a:lnT w="12700" cap="flat" cmpd="sng" algn="ctr">
+                      <a:solidFill>
+                        <a:schemeClr val="tx1"/>
+                      </a:solidFill>
+                      <a:prstDash val="solid"/>
+                      <a:round/>
+                      <a:headEnd type="none" w="med" len="med"/>
+                      <a:tailEnd type="none" w="med" len="med"/>
+                    </a:lnT>
+                    <a:lnB w="12700" cap="flat" cmpd="sng" algn="ctr">
+                      <a:solidFill>
+                        <a:schemeClr val="tx1"/>
+                      </a:solidFill>
+                      <a:prstDash val="solid"/>
+                      <a:round/>
+                      <a:headEnd type="none" w="med" len="med"/>
+                      <a:tailEnd type="none" w="med" len="med"/>
+                    </a:lnB>
+                  </a:tcPr>
+                </a:tc>
+                <a:tc>
+                  <a:txBody>
+                    <a:bodyPr/>
+                    <a:lstStyle/>
+                    <a:p>
+                      <a:pPr marL="0" marR="0" lvl="0" indent="0" algn="ctr" defTabSz="914400" rtl="0" eaLnBrk="1" fontAlgn="auto" latinLnBrk="1" hangingPunct="1">
+                        <a:lnSpc>
+                          <a:spcPct val="100000"/>
+                        </a:lnSpc>
+                        <a:spcBef>
+                          <a:spcPts val="0"/>
+                        </a:spcBef>
+                        <a:spcAft>
+                          <a:spcPts val="0"/>
+                        </a:spcAft>
+                        <a:buClrTx/>
+                        <a:buSzTx/>
+                        <a:buFontTx/>
+                        <a:buNone/>
+                        <a:tabLst/>
+                        <a:defRPr/>
+                      </a:pPr>
+                      <a:r>
+                        <a:rPr lang="ko-KR" altLang="en-US" sz="1200" dirty="0">
+                          <a:ea typeface="현대하모니 L" panose="02020603020101020101"/>
+                        </a:rPr>
+                        <a:t>구조체 벽 객체 </a:t>
+                      </a:r>
+                      <a:r>
+                        <a:rPr lang="en-US" altLang="ko-KR" sz="1200" dirty="0">
+                          <a:ea typeface="현대하모니 L" panose="02020603020101020101"/>
+                        </a:rPr>
+                        <a:t>WM</a:t>
+                      </a:r>
+                      <a:r>
+                        <a:rPr lang="ko-KR" altLang="en-US" sz="1200" dirty="0">
+                          <a:ea typeface="현대하모니 L" panose="02020603020101020101"/>
+                        </a:rPr>
+                        <a:t>할당</a:t>
+                      </a:r>
+                    </a:p>
+                  </a:txBody>
+                  <a:tcPr anchor="ctr">
+                    <a:lnL w="12700" cap="flat" cmpd="sng" algn="ctr">
+                      <a:solidFill>
+                        <a:schemeClr val="tx1"/>
+                      </a:solidFill>
+                      <a:prstDash val="solid"/>
+                      <a:round/>
+                      <a:headEnd type="none" w="med" len="med"/>
+                      <a:tailEnd type="none" w="med" len="med"/>
+                    </a:lnL>
+                    <a:lnR w="12700" cap="flat" cmpd="sng" algn="ctr">
+                      <a:solidFill>
+                        <a:schemeClr val="tx1"/>
+                      </a:solidFill>
+                      <a:prstDash val="solid"/>
+                      <a:round/>
+                      <a:headEnd type="none" w="med" len="med"/>
+                      <a:tailEnd type="none" w="med" len="med"/>
+                    </a:lnR>
+                    <a:lnT w="12700" cap="flat" cmpd="sng" algn="ctr">
+                      <a:solidFill>
+                        <a:schemeClr val="tx1"/>
+                      </a:solidFill>
+                      <a:prstDash val="solid"/>
+                      <a:round/>
+                      <a:headEnd type="none" w="med" len="med"/>
+                      <a:tailEnd type="none" w="med" len="med"/>
+                    </a:lnT>
+                    <a:lnB w="12700" cap="flat" cmpd="sng" algn="ctr">
+                      <a:solidFill>
+                        <a:schemeClr val="tx1"/>
+                      </a:solidFill>
+                      <a:prstDash val="solid"/>
+                      <a:round/>
+                      <a:headEnd type="none" w="med" len="med"/>
+                      <a:tailEnd type="none" w="med" len="med"/>
+                    </a:lnB>
+                    <a:solidFill>
+                      <a:schemeClr val="accent1">
+                        <a:lumMod val="40000"/>
+                        <a:lumOff val="60000"/>
+                      </a:schemeClr>
+                    </a:solidFill>
+                  </a:tcPr>
+                </a:tc>
+                <a:tc>
+                  <a:txBody>
+                    <a:bodyPr/>
+                    <a:lstStyle/>
+                    <a:p>
+                      <a:pPr algn="ctr" latinLnBrk="1"/>
+                      <a:r>
+                        <a:rPr lang="ko-KR" altLang="en-US" sz="1200" dirty="0">
+                          <a:ea typeface="현대하모니 L" panose="02020603020101020101"/>
+                        </a:rPr>
+                        <a:t>하지재 벽 객체 작성</a:t>
+                      </a:r>
+                      <a:endParaRPr lang="en-US" altLang="ko-KR" sz="1200" dirty="0">
+                        <a:ea typeface="현대하모니 L" panose="02020603020101020101"/>
+                      </a:endParaRPr>
+                    </a:p>
+                    <a:p>
+                      <a:pPr algn="ctr" latinLnBrk="1"/>
+                      <a:r>
+                        <a:rPr lang="en-US" altLang="ko-KR" sz="1000" dirty="0">
+                          <a:ea typeface="현대하모니 L" panose="02020603020101020101"/>
+                        </a:rPr>
+                        <a:t>(</a:t>
+                      </a:r>
+                      <a:r>
+                        <a:rPr lang="ko-KR" altLang="en-US" sz="1000" dirty="0">
+                          <a:ea typeface="현대하모니 L" panose="02020603020101020101"/>
+                        </a:rPr>
+                        <a:t>단일벽</a:t>
+                      </a:r>
+                      <a:r>
+                        <a:rPr lang="en-US" altLang="ko-KR" sz="1000" dirty="0">
+                          <a:ea typeface="현대하모니 L" panose="02020603020101020101"/>
+                        </a:rPr>
+                        <a:t>/</a:t>
+                      </a:r>
+                      <a:r>
+                        <a:rPr lang="ko-KR" altLang="en-US" sz="1000" dirty="0">
+                          <a:ea typeface="현대하모니 L" panose="02020603020101020101"/>
+                        </a:rPr>
+                        <a:t>복합벽 무관</a:t>
+                      </a:r>
+                      <a:r>
+                        <a:rPr lang="en-US" altLang="ko-KR" sz="1000" dirty="0">
+                          <a:ea typeface="현대하모니 L" panose="02020603020101020101"/>
+                        </a:rPr>
+                        <a:t>)</a:t>
+                      </a:r>
+                      <a:endParaRPr lang="ko-KR" altLang="en-US" sz="1200" dirty="0">
+                        <a:ea typeface="현대하모니 L" panose="02020603020101020101"/>
+                      </a:endParaRPr>
+                    </a:p>
+                  </a:txBody>
+                  <a:tcPr anchor="ctr">
+                    <a:lnL w="12700" cap="flat" cmpd="sng" algn="ctr">
+                      <a:solidFill>
+                        <a:schemeClr val="tx1"/>
+                      </a:solidFill>
+                      <a:prstDash val="solid"/>
+                      <a:round/>
+                      <a:headEnd type="none" w="med" len="med"/>
+                      <a:tailEnd type="none" w="med" len="med"/>
+                    </a:lnL>
+                    <a:lnR w="12700" cap="flat" cmpd="sng" algn="ctr">
+                      <a:solidFill>
+                        <a:schemeClr val="tx1"/>
+                      </a:solidFill>
+                      <a:prstDash val="solid"/>
+                      <a:round/>
+                      <a:headEnd type="none" w="med" len="med"/>
+                      <a:tailEnd type="none" w="med" len="med"/>
+                    </a:lnR>
+                    <a:lnT w="12700" cap="flat" cmpd="sng" algn="ctr">
+                      <a:solidFill>
+                        <a:schemeClr val="tx1"/>
+                      </a:solidFill>
+                      <a:prstDash val="solid"/>
+                      <a:round/>
+                      <a:headEnd type="none" w="med" len="med"/>
+                      <a:tailEnd type="none" w="med" len="med"/>
+                    </a:lnT>
+                    <a:lnB w="12700" cap="flat" cmpd="sng" algn="ctr">
+                      <a:solidFill>
+                        <a:schemeClr val="tx1"/>
+                      </a:solidFill>
+                      <a:prstDash val="solid"/>
+                      <a:round/>
+                      <a:headEnd type="none" w="med" len="med"/>
+                      <a:tailEnd type="none" w="med" len="med"/>
+                    </a:lnB>
+                  </a:tcPr>
+                </a:tc>
+                <a:tc>
+                  <a:txBody>
+                    <a:bodyPr/>
+                    <a:lstStyle/>
+                    <a:p>
+                      <a:pPr marL="0" marR="0" lvl="0" indent="0" algn="ctr" defTabSz="914400" rtl="0" eaLnBrk="1" fontAlgn="auto" latinLnBrk="1" hangingPunct="1">
+                        <a:lnSpc>
+                          <a:spcPct val="100000"/>
+                        </a:lnSpc>
+                        <a:spcBef>
+                          <a:spcPts val="0"/>
+                        </a:spcBef>
+                        <a:spcAft>
+                          <a:spcPts val="0"/>
+                        </a:spcAft>
+                        <a:buClrTx/>
+                        <a:buSzTx/>
+                        <a:buFontTx/>
+                        <a:buNone/>
+                        <a:tabLst/>
+                        <a:defRPr/>
+                      </a:pPr>
+                      <a:r>
+                        <a:rPr lang="ko-KR" altLang="en-US" sz="1200" dirty="0">
+                          <a:ea typeface="현대하모니 L" panose="02020603020101020101"/>
+                        </a:rPr>
+                        <a:t>구조체 벽 객체 </a:t>
+                      </a:r>
+                      <a:r>
+                        <a:rPr lang="en-US" altLang="ko-KR" sz="1200" dirty="0">
+                          <a:ea typeface="현대하모니 L" panose="02020603020101020101"/>
+                        </a:rPr>
+                        <a:t>WM</a:t>
+                      </a:r>
+                      <a:r>
+                        <a:rPr lang="ko-KR" altLang="en-US" sz="1200" dirty="0">
+                          <a:ea typeface="현대하모니 L" panose="02020603020101020101"/>
+                        </a:rPr>
+                        <a:t>할당</a:t>
+                      </a:r>
+                    </a:p>
+                  </a:txBody>
+                  <a:tcPr anchor="ctr">
+                    <a:lnL w="12700" cap="flat" cmpd="sng" algn="ctr">
+                      <a:solidFill>
+                        <a:schemeClr val="tx1"/>
+                      </a:solidFill>
+                      <a:prstDash val="solid"/>
+                      <a:round/>
+                      <a:headEnd type="none" w="med" len="med"/>
+                      <a:tailEnd type="none" w="med" len="med"/>
+                    </a:lnL>
+                    <a:lnR w="28575" cap="flat" cmpd="sng" algn="ctr">
+                      <a:solidFill>
+                        <a:schemeClr val="tx1"/>
+                      </a:solidFill>
+                      <a:prstDash val="solid"/>
+                      <a:round/>
+                      <a:headEnd type="none" w="med" len="med"/>
+                      <a:tailEnd type="none" w="med" len="med"/>
+                    </a:lnR>
+                    <a:lnT w="12700" cap="flat" cmpd="sng" algn="ctr">
+                      <a:solidFill>
+                        <a:schemeClr val="tx1"/>
+                      </a:solidFill>
+                      <a:prstDash val="solid"/>
+                      <a:round/>
+                      <a:headEnd type="none" w="med" len="med"/>
+                      <a:tailEnd type="none" w="med" len="med"/>
+                    </a:lnT>
+                    <a:lnB w="12700" cap="flat" cmpd="sng" algn="ctr">
+                      <a:solidFill>
+                        <a:schemeClr val="tx1"/>
+                      </a:solidFill>
+                      <a:prstDash val="solid"/>
+                      <a:round/>
+                      <a:headEnd type="none" w="med" len="med"/>
+                      <a:tailEnd type="none" w="med" len="med"/>
+                    </a:lnB>
+                    <a:solidFill>
+                      <a:schemeClr val="accent1">
+                        <a:lumMod val="40000"/>
+                        <a:lumOff val="60000"/>
+                      </a:schemeClr>
+                    </a:solidFill>
+                  </a:tcPr>
+                </a:tc>
+                <a:extLst>
+                  <a:ext uri="{0D108BD9-81ED-4DB2-BD59-A6C34878D82A}">
+                    <a16:rowId xmlns:a16="http://schemas.microsoft.com/office/drawing/2014/main" val="997857392"/>
+                  </a:ext>
+                </a:extLst>
+              </a:tr>
+              <a:tr h="370840">
+                <a:tc vMerge="1">
+                  <a:txBody>
+                    <a:bodyPr/>
+                    <a:lstStyle/>
+                    <a:p>
+                      <a:pPr algn="ctr" latinLnBrk="1"/>
+                      <a:endParaRPr lang="en-US" altLang="ko-KR" sz="1200" b="1" dirty="0">
+                        <a:ea typeface="현대하모니 L" panose="02020603020101020101"/>
+                      </a:endParaRPr>
+                    </a:p>
+                  </a:txBody>
+                  <a:tcPr>
+                    <a:lnL w="12700" cap="flat" cmpd="sng" algn="ctr">
+                      <a:solidFill>
+                        <a:schemeClr val="tx1"/>
+                      </a:solidFill>
+                      <a:prstDash val="solid"/>
+                      <a:round/>
+                      <a:headEnd type="none" w="med" len="med"/>
+                      <a:tailEnd type="none" w="med" len="med"/>
+                    </a:lnL>
+                    <a:lnR w="12700" cap="flat" cmpd="sng" algn="ctr">
+                      <a:solidFill>
+                        <a:schemeClr val="tx1"/>
+                      </a:solidFill>
+                      <a:prstDash val="solid"/>
+                      <a:round/>
+                      <a:headEnd type="none" w="med" len="med"/>
+                      <a:tailEnd type="none" w="med" len="med"/>
+                    </a:lnR>
+                    <a:lnT w="12700" cap="flat" cmpd="sng" algn="ctr">
+                      <a:solidFill>
+                        <a:schemeClr val="tx1"/>
+                      </a:solidFill>
+                      <a:prstDash val="solid"/>
+                      <a:round/>
+                      <a:headEnd type="none" w="med" len="med"/>
+                      <a:tailEnd type="none" w="med" len="med"/>
+                    </a:lnT>
+                    <a:lnB w="12700" cap="flat" cmpd="sng" algn="ctr">
+                      <a:solidFill>
+                        <a:schemeClr val="tx1"/>
+                      </a:solidFill>
+                      <a:prstDash val="solid"/>
+                      <a:round/>
+                      <a:headEnd type="none" w="med" len="med"/>
+                      <a:tailEnd type="none" w="med" len="med"/>
+                    </a:lnB>
+                  </a:tcPr>
+                </a:tc>
+                <a:tc>
+                  <a:txBody>
+                    <a:bodyPr/>
+                    <a:lstStyle/>
+                    <a:p>
+                      <a:pPr algn="ctr" latinLnBrk="1"/>
+                      <a:r>
+                        <a:rPr lang="ko-KR" altLang="en-US" sz="1200" b="1" dirty="0">
+                          <a:ea typeface="현대하모니 L" panose="02020603020101020101"/>
+                        </a:rPr>
+                        <a:t>마감재</a:t>
+                      </a:r>
+                    </a:p>
+                    <a:p>
+                      <a:pPr algn="ctr" latinLnBrk="1"/>
+                      <a:r>
+                        <a:rPr lang="en-US" altLang="ko-KR" sz="1200" b="1" dirty="0">
+                          <a:ea typeface="현대하모니 L" panose="02020603020101020101"/>
+                        </a:rPr>
+                        <a:t>(Finish)</a:t>
+                      </a:r>
+                    </a:p>
+                  </a:txBody>
+                  <a:tcPr>
+                    <a:lnL w="12700" cap="flat" cmpd="sng" algn="ctr">
+                      <a:solidFill>
+                        <a:schemeClr val="tx1"/>
+                      </a:solidFill>
+                      <a:prstDash val="solid"/>
+                      <a:round/>
+                      <a:headEnd type="none" w="med" len="med"/>
+                      <a:tailEnd type="none" w="med" len="med"/>
+                    </a:lnL>
+                    <a:lnR w="12700" cap="flat" cmpd="sng" algn="ctr">
+                      <a:solidFill>
+                        <a:schemeClr val="tx1"/>
+                      </a:solidFill>
+                      <a:prstDash val="solid"/>
+                      <a:round/>
+                      <a:headEnd type="none" w="med" len="med"/>
+                      <a:tailEnd type="none" w="med" len="med"/>
+                    </a:lnR>
+                    <a:lnT w="12700" cap="flat" cmpd="sng" algn="ctr">
+                      <a:solidFill>
+                        <a:schemeClr val="tx1"/>
+                      </a:solidFill>
+                      <a:prstDash val="solid"/>
+                      <a:round/>
+                      <a:headEnd type="none" w="med" len="med"/>
+                      <a:tailEnd type="none" w="med" len="med"/>
+                    </a:lnT>
+                    <a:lnB w="28575" cap="flat" cmpd="sng" algn="ctr">
+                      <a:solidFill>
+                        <a:schemeClr val="tx1"/>
+                      </a:solidFill>
+                      <a:prstDash val="solid"/>
+                      <a:round/>
+                      <a:headEnd type="none" w="med" len="med"/>
+                      <a:tailEnd type="none" w="med" len="med"/>
+                    </a:lnB>
+                  </a:tcPr>
+                </a:tc>
+                <a:tc>
+                  <a:txBody>
+                    <a:bodyPr/>
+                    <a:lstStyle/>
+                    <a:p>
+                      <a:pPr marL="0" marR="0" lvl="0" indent="0" algn="ctr" defTabSz="914400" rtl="0" eaLnBrk="1" fontAlgn="auto" latinLnBrk="1" hangingPunct="1">
+                        <a:lnSpc>
+                          <a:spcPct val="100000"/>
+                        </a:lnSpc>
+                        <a:spcBef>
+                          <a:spcPts val="0"/>
+                        </a:spcBef>
+                        <a:spcAft>
+                          <a:spcPts val="0"/>
+                        </a:spcAft>
+                        <a:buClrTx/>
+                        <a:buSzTx/>
+                        <a:buFontTx/>
+                        <a:buNone/>
+                        <a:tabLst/>
+                        <a:defRPr/>
+                      </a:pPr>
+                      <a:r>
+                        <a:rPr lang="en-US" altLang="ko-KR" sz="1200" dirty="0">
+                          <a:ea typeface="현대하모니 L" panose="02020603020101020101"/>
+                        </a:rPr>
+                        <a:t>N/A</a:t>
+                      </a:r>
+                      <a:endParaRPr lang="ko-KR" altLang="en-US" sz="1200" dirty="0">
+                        <a:ea typeface="현대하모니 L" panose="02020603020101020101"/>
+                      </a:endParaRPr>
+                    </a:p>
+                  </a:txBody>
+                  <a:tcPr anchor="ctr">
+                    <a:lnL w="12700" cap="flat" cmpd="sng" algn="ctr">
+                      <a:solidFill>
+                        <a:schemeClr val="tx1"/>
+                      </a:solidFill>
+                      <a:prstDash val="solid"/>
+                      <a:round/>
+                      <a:headEnd type="none" w="med" len="med"/>
+                      <a:tailEnd type="none" w="med" len="med"/>
+                    </a:lnL>
+                    <a:lnR w="12700" cap="flat" cmpd="sng" algn="ctr">
+                      <a:solidFill>
+                        <a:schemeClr val="tx1"/>
+                      </a:solidFill>
+                      <a:prstDash val="solid"/>
+                      <a:round/>
+                      <a:headEnd type="none" w="med" len="med"/>
+                      <a:tailEnd type="none" w="med" len="med"/>
+                    </a:lnR>
+                    <a:lnT w="12700" cap="flat" cmpd="sng" algn="ctr">
+                      <a:solidFill>
+                        <a:schemeClr val="tx1"/>
+                      </a:solidFill>
+                      <a:prstDash val="solid"/>
+                      <a:round/>
+                      <a:headEnd type="none" w="med" len="med"/>
+                      <a:tailEnd type="none" w="med" len="med"/>
+                    </a:lnT>
+                    <a:lnB w="28575" cap="flat" cmpd="sng" algn="ctr">
+                      <a:solidFill>
+                        <a:schemeClr val="tx1"/>
+                      </a:solidFill>
+                      <a:prstDash val="solid"/>
+                      <a:round/>
+                      <a:headEnd type="none" w="med" len="med"/>
+                      <a:tailEnd type="none" w="med" len="med"/>
+                    </a:lnB>
+                  </a:tcPr>
+                </a:tc>
+                <a:tc>
+                  <a:txBody>
+                    <a:bodyPr/>
+                    <a:lstStyle/>
+                    <a:p>
+                      <a:pPr marL="0" marR="0" lvl="0" indent="0" algn="ctr" defTabSz="914400" rtl="0" eaLnBrk="1" fontAlgn="auto" latinLnBrk="1" hangingPunct="1">
+                        <a:lnSpc>
+                          <a:spcPct val="100000"/>
+                        </a:lnSpc>
+                        <a:spcBef>
+                          <a:spcPts val="0"/>
+                        </a:spcBef>
+                        <a:spcAft>
+                          <a:spcPts val="0"/>
+                        </a:spcAft>
+                        <a:buClrTx/>
+                        <a:buSzTx/>
+                        <a:buFontTx/>
+                        <a:buNone/>
+                        <a:tabLst/>
+                        <a:defRPr/>
+                      </a:pPr>
+                      <a:r>
+                        <a:rPr lang="ko-KR" altLang="en-US" sz="1200" dirty="0">
+                          <a:ea typeface="현대하모니 L" panose="02020603020101020101"/>
+                        </a:rPr>
+                        <a:t>구조체 벽 객체 </a:t>
+                      </a:r>
+                      <a:r>
+                        <a:rPr lang="en-US" altLang="ko-KR" sz="1200" dirty="0">
+                          <a:ea typeface="현대하모니 L" panose="02020603020101020101"/>
+                        </a:rPr>
+                        <a:t>WM</a:t>
+                      </a:r>
+                      <a:r>
+                        <a:rPr lang="ko-KR" altLang="en-US" sz="1200" dirty="0">
+                          <a:ea typeface="현대하모니 L" panose="02020603020101020101"/>
+                        </a:rPr>
+                        <a:t>할당</a:t>
+                      </a:r>
+                    </a:p>
+                  </a:txBody>
+                  <a:tcPr anchor="ctr">
+                    <a:lnL w="12700" cap="flat" cmpd="sng" algn="ctr">
+                      <a:solidFill>
+                        <a:schemeClr val="tx1"/>
+                      </a:solidFill>
+                      <a:prstDash val="solid"/>
+                      <a:round/>
+                      <a:headEnd type="none" w="med" len="med"/>
+                      <a:tailEnd type="none" w="med" len="med"/>
+                    </a:lnL>
+                    <a:lnR w="12700" cap="flat" cmpd="sng" algn="ctr">
+                      <a:solidFill>
+                        <a:schemeClr val="tx1"/>
+                      </a:solidFill>
+                      <a:prstDash val="solid"/>
+                      <a:round/>
+                      <a:headEnd type="none" w="med" len="med"/>
+                      <a:tailEnd type="none" w="med" len="med"/>
+                    </a:lnR>
+                    <a:lnT w="12700" cap="flat" cmpd="sng" algn="ctr">
+                      <a:solidFill>
+                        <a:schemeClr val="tx1"/>
+                      </a:solidFill>
+                      <a:prstDash val="solid"/>
+                      <a:round/>
+                      <a:headEnd type="none" w="med" len="med"/>
+                      <a:tailEnd type="none" w="med" len="med"/>
+                    </a:lnT>
+                    <a:lnB w="28575" cap="flat" cmpd="sng" algn="ctr">
+                      <a:solidFill>
+                        <a:schemeClr val="tx1"/>
+                      </a:solidFill>
+                      <a:prstDash val="solid"/>
+                      <a:round/>
+                      <a:headEnd type="none" w="med" len="med"/>
+                      <a:tailEnd type="none" w="med" len="med"/>
+                    </a:lnB>
+                    <a:solidFill>
+                      <a:schemeClr val="accent1">
+                        <a:lumMod val="40000"/>
+                        <a:lumOff val="60000"/>
+                      </a:schemeClr>
+                    </a:solidFill>
+                  </a:tcPr>
+                </a:tc>
+                <a:tc>
+                  <a:txBody>
+                    <a:bodyPr/>
+                    <a:lstStyle/>
+                    <a:p>
+                      <a:pPr marL="0" marR="0" lvl="0" indent="0" algn="ctr" defTabSz="914400" rtl="0" eaLnBrk="1" fontAlgn="auto" latinLnBrk="1" hangingPunct="1">
+                        <a:lnSpc>
+                          <a:spcPct val="100000"/>
+                        </a:lnSpc>
+                        <a:spcBef>
+                          <a:spcPts val="0"/>
+                        </a:spcBef>
+                        <a:spcAft>
+                          <a:spcPts val="0"/>
+                        </a:spcAft>
+                        <a:buClrTx/>
+                        <a:buSzTx/>
+                        <a:buFontTx/>
+                        <a:buNone/>
+                        <a:tabLst/>
+                        <a:defRPr/>
+                      </a:pPr>
+                      <a:r>
+                        <a:rPr lang="ko-KR" altLang="en-US" sz="1000" dirty="0">
+                          <a:ea typeface="현대하모니 L" panose="02020603020101020101"/>
+                        </a:rPr>
+                        <a:t>도면화 필요한 경우 마감재 벽 객체 작성</a:t>
+                      </a:r>
+                      <a:r>
+                        <a:rPr lang="en-US" altLang="ko-KR" sz="1000" dirty="0">
+                          <a:ea typeface="현대하모니 L" panose="02020603020101020101"/>
+                        </a:rPr>
+                        <a:t>(</a:t>
+                      </a:r>
+                      <a:r>
+                        <a:rPr lang="ko-KR" altLang="en-US" sz="1000" dirty="0">
+                          <a:ea typeface="현대하모니 L" panose="02020603020101020101"/>
+                        </a:rPr>
+                        <a:t>타일 등</a:t>
+                      </a:r>
+                      <a:r>
+                        <a:rPr lang="en-US" altLang="ko-KR" sz="1000" dirty="0">
+                          <a:ea typeface="현대하모니 L" panose="02020603020101020101"/>
+                        </a:rPr>
+                        <a:t>)</a:t>
+                      </a:r>
+                    </a:p>
+                    <a:p>
+                      <a:pPr marL="0" marR="0" lvl="0" indent="0" algn="ctr" defTabSz="914400" rtl="0" eaLnBrk="1" fontAlgn="auto" latinLnBrk="1" hangingPunct="1">
+                        <a:lnSpc>
+                          <a:spcPct val="100000"/>
+                        </a:lnSpc>
+                        <a:spcBef>
+                          <a:spcPts val="0"/>
+                        </a:spcBef>
+                        <a:spcAft>
+                          <a:spcPts val="0"/>
+                        </a:spcAft>
+                        <a:buClrTx/>
+                        <a:buSzTx/>
+                        <a:buFontTx/>
+                        <a:buNone/>
+                        <a:tabLst/>
+                        <a:defRPr/>
+                      </a:pPr>
+                      <a:r>
+                        <a:rPr lang="en-US" altLang="ko-KR" sz="1000" dirty="0">
+                          <a:ea typeface="현대하모니 L" panose="02020603020101020101"/>
+                        </a:rPr>
+                        <a:t>(</a:t>
+                      </a:r>
+                      <a:r>
+                        <a:rPr lang="ko-KR" altLang="en-US" sz="1000" dirty="0">
+                          <a:ea typeface="현대하모니 L" panose="02020603020101020101"/>
+                        </a:rPr>
+                        <a:t>단일벽</a:t>
+                      </a:r>
+                      <a:r>
+                        <a:rPr lang="en-US" altLang="ko-KR" sz="1000" dirty="0">
+                          <a:ea typeface="현대하모니 L" panose="02020603020101020101"/>
+                        </a:rPr>
+                        <a:t>/</a:t>
+                      </a:r>
+                      <a:r>
+                        <a:rPr lang="ko-KR" altLang="en-US" sz="1000" dirty="0">
+                          <a:ea typeface="현대하모니 L" panose="02020603020101020101"/>
+                        </a:rPr>
+                        <a:t>복합벽 무관</a:t>
+                      </a:r>
+                      <a:r>
+                        <a:rPr lang="en-US" altLang="ko-KR" sz="1000" dirty="0">
+                          <a:ea typeface="현대하모니 L" panose="02020603020101020101"/>
+                        </a:rPr>
+                        <a:t>)</a:t>
+                      </a:r>
+                      <a:endParaRPr lang="ko-KR" altLang="en-US" sz="1000" dirty="0">
+                        <a:ea typeface="현대하모니 L" panose="02020603020101020101"/>
+                      </a:endParaRPr>
+                    </a:p>
+                  </a:txBody>
+                  <a:tcPr anchor="ctr">
+                    <a:lnL w="12700" cap="flat" cmpd="sng" algn="ctr">
+                      <a:solidFill>
+                        <a:schemeClr val="tx1"/>
+                      </a:solidFill>
+                      <a:prstDash val="solid"/>
+                      <a:round/>
+                      <a:headEnd type="none" w="med" len="med"/>
+                      <a:tailEnd type="none" w="med" len="med"/>
+                    </a:lnL>
+                    <a:lnR w="12700" cap="flat" cmpd="sng" algn="ctr">
+                      <a:solidFill>
+                        <a:schemeClr val="tx1"/>
+                      </a:solidFill>
+                      <a:prstDash val="solid"/>
+                      <a:round/>
+                      <a:headEnd type="none" w="med" len="med"/>
+                      <a:tailEnd type="none" w="med" len="med"/>
+                    </a:lnR>
+                    <a:lnT w="12700" cap="flat" cmpd="sng" algn="ctr">
+                      <a:solidFill>
+                        <a:schemeClr val="tx1"/>
+                      </a:solidFill>
+                      <a:prstDash val="solid"/>
+                      <a:round/>
+                      <a:headEnd type="none" w="med" len="med"/>
+                      <a:tailEnd type="none" w="med" len="med"/>
+                    </a:lnT>
+                    <a:lnB w="28575" cap="flat" cmpd="sng" algn="ctr">
+                      <a:solidFill>
+                        <a:schemeClr val="tx1"/>
+                      </a:solidFill>
+                      <a:prstDash val="solid"/>
+                      <a:round/>
+                      <a:headEnd type="none" w="med" len="med"/>
+                      <a:tailEnd type="none" w="med" len="med"/>
+                    </a:lnB>
+                  </a:tcPr>
+                </a:tc>
+                <a:tc>
+                  <a:txBody>
+                    <a:bodyPr/>
+                    <a:lstStyle/>
+                    <a:p>
+                      <a:pPr marL="0" marR="0" lvl="0" indent="0" algn="ctr" defTabSz="914400" rtl="0" eaLnBrk="1" fontAlgn="auto" latinLnBrk="1" hangingPunct="1">
+                        <a:lnSpc>
+                          <a:spcPct val="100000"/>
+                        </a:lnSpc>
+                        <a:spcBef>
+                          <a:spcPts val="0"/>
+                        </a:spcBef>
+                        <a:spcAft>
+                          <a:spcPts val="0"/>
+                        </a:spcAft>
+                        <a:buClrTx/>
+                        <a:buSzTx/>
+                        <a:buFontTx/>
+                        <a:buNone/>
+                        <a:tabLst/>
+                        <a:defRPr/>
+                      </a:pPr>
+                      <a:r>
+                        <a:rPr kumimoji="0" lang="ko-KR" altLang="en-US" sz="1200" b="0" i="0" u="none" strike="noStrike" kern="1200" cap="none" spc="0" normalizeH="0" baseline="0" noProof="0" dirty="0">
+                          <a:ln>
+                            <a:noFill/>
+                          </a:ln>
+                          <a:solidFill>
+                            <a:prstClr val="black"/>
+                          </a:solidFill>
+                          <a:effectLst/>
+                          <a:uLnTx/>
+                          <a:uFillTx/>
+                          <a:latin typeface="맑은 고딕" panose="020F0502020204030204"/>
+                          <a:ea typeface="현대하모니 L" panose="02020603020101020101"/>
+                          <a:cs typeface="+mn-cs"/>
+                        </a:rPr>
+                        <a:t>구조체 벽 객체 </a:t>
+                      </a:r>
+                      <a:r>
+                        <a:rPr kumimoji="0" lang="en-US" altLang="ko-KR" sz="1200" b="0" i="0" u="none" strike="noStrike" kern="1200" cap="none" spc="0" normalizeH="0" baseline="0" noProof="0" dirty="0">
+                          <a:ln>
+                            <a:noFill/>
+                          </a:ln>
+                          <a:solidFill>
+                            <a:prstClr val="black"/>
+                          </a:solidFill>
+                          <a:effectLst/>
+                          <a:uLnTx/>
+                          <a:uFillTx/>
+                          <a:latin typeface="맑은 고딕" panose="020F0502020204030204"/>
+                          <a:ea typeface="현대하모니 L" panose="02020603020101020101"/>
+                          <a:cs typeface="+mn-cs"/>
+                        </a:rPr>
+                        <a:t>WM</a:t>
+                      </a:r>
+                      <a:r>
+                        <a:rPr kumimoji="0" lang="ko-KR" altLang="en-US" sz="1200" b="0" i="0" u="none" strike="noStrike" kern="1200" cap="none" spc="0" normalizeH="0" baseline="0" noProof="0" dirty="0">
+                          <a:ln>
+                            <a:noFill/>
+                          </a:ln>
+                          <a:solidFill>
+                            <a:prstClr val="black"/>
+                          </a:solidFill>
+                          <a:effectLst/>
+                          <a:uLnTx/>
+                          <a:uFillTx/>
+                          <a:latin typeface="맑은 고딕" panose="020F0502020204030204"/>
+                          <a:ea typeface="현대하모니 L" panose="02020603020101020101"/>
+                          <a:cs typeface="+mn-cs"/>
+                        </a:rPr>
+                        <a:t>할당</a:t>
+                      </a:r>
+                    </a:p>
+                  </a:txBody>
+                  <a:tcPr anchor="ctr">
+                    <a:lnL w="12700" cap="flat" cmpd="sng" algn="ctr">
+                      <a:solidFill>
+                        <a:schemeClr val="tx1"/>
+                      </a:solidFill>
+                      <a:prstDash val="solid"/>
+                      <a:round/>
+                      <a:headEnd type="none" w="med" len="med"/>
+                      <a:tailEnd type="none" w="med" len="med"/>
+                    </a:lnL>
+                    <a:lnR w="28575" cap="flat" cmpd="sng" algn="ctr">
+                      <a:solidFill>
+                        <a:schemeClr val="tx1"/>
+                      </a:solidFill>
+                      <a:prstDash val="solid"/>
+                      <a:round/>
+                      <a:headEnd type="none" w="med" len="med"/>
+                      <a:tailEnd type="none" w="med" len="med"/>
+                    </a:lnR>
+                    <a:lnT w="12700" cap="flat" cmpd="sng" algn="ctr">
+                      <a:solidFill>
+                        <a:schemeClr val="tx1"/>
+                      </a:solidFill>
+                      <a:prstDash val="solid"/>
+                      <a:round/>
+                      <a:headEnd type="none" w="med" len="med"/>
+                      <a:tailEnd type="none" w="med" len="med"/>
+                    </a:lnT>
+                    <a:lnB w="28575" cap="flat" cmpd="sng" algn="ctr">
+                      <a:solidFill>
+                        <a:schemeClr val="tx1"/>
+                      </a:solidFill>
+                      <a:prstDash val="solid"/>
+                      <a:round/>
+                      <a:headEnd type="none" w="med" len="med"/>
+                      <a:tailEnd type="none" w="med" len="med"/>
+                    </a:lnB>
+                    <a:solidFill>
+                      <a:schemeClr val="accent1">
+                        <a:lumMod val="40000"/>
+                        <a:lumOff val="60000"/>
+                      </a:schemeClr>
+                    </a:solidFill>
+                  </a:tcPr>
+                </a:tc>
+                <a:extLst>
+                  <a:ext uri="{0D108BD9-81ED-4DB2-BD59-A6C34878D82A}">
+                    <a16:rowId xmlns:a16="http://schemas.microsoft.com/office/drawing/2014/main" val="1428762415"/>
+                  </a:ext>
+                </a:extLst>
+              </a:tr>
+            </a:tbl>
+          </a:graphicData>
+        </a:graphic>
+      </p:graphicFrame>
+    </p:spTree>
+    <p:extLst>
+      <p:ext uri="{BB962C8B-B14F-4D97-AF65-F5344CB8AC3E}">
+        <p14:creationId xmlns:p14="http://schemas.microsoft.com/office/powerpoint/2010/main" val="1292124794"/>
+      </p:ext>
+    </p:extLst>
+  </p:cSld>
+  <p:clrMapOvr>
+    <a:masterClrMapping/>
+  </p:clrMapOvr>
+</p:sld>
+</file>
+
+<file path=ppt/slides/slide28.xml><?xml version="1.0" encoding="utf-8"?>
+<p:sld xmlns:a="http://schemas.openxmlformats.org/drawingml/2006/main" xmlns:r="http://schemas.openxmlformats.org/officeDocument/2006/relationships" xmlns:p="http://schemas.openxmlformats.org/presentationml/2006/main">
+  <p:cSld>
+    <p:spTree>
+      <p:nvGrpSpPr>
+        <p:cNvPr id="1" name="">
+          <a:extLst>
+            <a:ext uri="{FF2B5EF4-FFF2-40B4-BE49-F238E27FC236}">
+              <a16:creationId xmlns:a16="http://schemas.microsoft.com/office/drawing/2014/main" id="{092CB95A-D62D-7D89-F5E2-DCE53BC51657}"/>
+            </a:ext>
+          </a:extLst>
+        </p:cNvPr>
+        <p:cNvGrpSpPr/>
+        <p:nvPr/>
+      </p:nvGrpSpPr>
+      <p:grpSpPr>
+        <a:xfrm>
+          <a:off x="0" y="0"/>
+          <a:ext cx="0" cy="0"/>
+          <a:chOff x="0" y="0"/>
+          <a:chExt cx="0" cy="0"/>
+        </a:xfrm>
+      </p:grpSpPr>
+      <p:sp>
+        <p:nvSpPr>
+          <p:cNvPr id="40" name="직사각형 39">
+            <a:extLst>
+              <a:ext uri="{FF2B5EF4-FFF2-40B4-BE49-F238E27FC236}">
+                <a16:creationId xmlns:a16="http://schemas.microsoft.com/office/drawing/2014/main" id="{6524E8AF-AE1D-02F1-F7DC-6D1F127568A4}"/>
+              </a:ext>
+            </a:extLst>
+          </p:cNvPr>
+          <p:cNvSpPr/>
+          <p:nvPr/>
+        </p:nvSpPr>
+        <p:spPr>
+          <a:xfrm>
+            <a:off x="1320132" y="233484"/>
+            <a:ext cx="4503156" cy="369332"/>
+          </a:xfrm>
+          <a:prstGeom prst="rect">
+            <a:avLst/>
+          </a:prstGeom>
+        </p:spPr>
+        <p:txBody>
+          <a:bodyPr wrap="none">
+            <a:spAutoFit/>
+          </a:bodyPr>
+          <a:lstStyle/>
+          <a:p>
+            <a:pPr algn="ctr" defTabSz="900086" eaLnBrk="0" latinLnBrk="0" hangingPunct="0">
+              <a:defRPr/>
+            </a:pPr>
+            <a:r>
+              <a:rPr lang="en-US" altLang="ko-KR" sz="1800" b="1" dirty="0">
+                <a:ln>
+                  <a:solidFill>
+                    <a:srgbClr val="4F81BD">
+                      <a:alpha val="0"/>
+                    </a:srgbClr>
+                  </a:solidFill>
+                </a:ln>
+                <a:latin typeface="현대하모니 M" panose="02020603020101020101" pitchFamily="18" charset="-127"/>
+                <a:ea typeface="현대하모니 M" panose="02020603020101020101" pitchFamily="18" charset="-127"/>
+              </a:rPr>
+              <a:t>Ⅳ. </a:t>
+            </a:r>
+            <a:r>
+              <a:rPr lang="ko-KR" altLang="en-US" sz="1800" b="1" dirty="0">
+                <a:ln>
+                  <a:solidFill>
+                    <a:srgbClr val="4F81BD">
+                      <a:alpha val="0"/>
+                    </a:srgbClr>
+                  </a:solidFill>
+                </a:ln>
+                <a:latin typeface="현대하모니 M" panose="02020603020101020101" pitchFamily="18" charset="-127"/>
+                <a:ea typeface="현대하모니 M" panose="02020603020101020101" pitchFamily="18" charset="-127"/>
+              </a:rPr>
+              <a:t>스케줄을 활용한 마감 </a:t>
+            </a:r>
+            <a:r>
+              <a:rPr lang="ko-KR" altLang="en-US" sz="1800" b="1" dirty="0" err="1">
+                <a:ln>
+                  <a:solidFill>
+                    <a:srgbClr val="4F81BD">
+                      <a:alpha val="0"/>
+                    </a:srgbClr>
+                  </a:solidFill>
+                </a:ln>
+                <a:latin typeface="현대하모니 M" panose="02020603020101020101" pitchFamily="18" charset="-127"/>
+                <a:ea typeface="현대하모니 M" panose="02020603020101020101" pitchFamily="18" charset="-127"/>
+              </a:rPr>
+              <a:t>설계안</a:t>
+            </a:r>
+            <a:r>
+              <a:rPr lang="ko-KR" altLang="en-US" sz="1800" b="1" dirty="0">
+                <a:ln>
+                  <a:solidFill>
+                    <a:srgbClr val="4F81BD">
+                      <a:alpha val="0"/>
+                    </a:srgbClr>
+                  </a:solidFill>
+                </a:ln>
+                <a:latin typeface="현대하모니 M" panose="02020603020101020101" pitchFamily="18" charset="-127"/>
+                <a:ea typeface="현대하모니 M" panose="02020603020101020101" pitchFamily="18" charset="-127"/>
+              </a:rPr>
+              <a:t> 입력 및 출력</a:t>
+            </a:r>
+          </a:p>
+        </p:txBody>
+      </p:sp>
+      <p:sp>
+        <p:nvSpPr>
+          <p:cNvPr id="14" name="직사각형 13">
+            <a:extLst>
+              <a:ext uri="{FF2B5EF4-FFF2-40B4-BE49-F238E27FC236}">
+                <a16:creationId xmlns:a16="http://schemas.microsoft.com/office/drawing/2014/main" id="{1FAD947E-AACF-872B-B6DC-F0C028DE55C1}"/>
+              </a:ext>
+            </a:extLst>
+          </p:cNvPr>
+          <p:cNvSpPr/>
+          <p:nvPr/>
+        </p:nvSpPr>
+        <p:spPr>
+          <a:xfrm>
+            <a:off x="1487491" y="836713"/>
+            <a:ext cx="2430085" cy="428071"/>
+          </a:xfrm>
+          <a:prstGeom prst="rect">
+            <a:avLst/>
+          </a:prstGeom>
+          <a:solidFill>
+            <a:schemeClr val="tx2"/>
+          </a:solidFill>
+          <a:ln w="12700">
+            <a:solidFill>
+              <a:schemeClr val="bg1">
+                <a:lumMod val="65000"/>
+              </a:schemeClr>
+            </a:solidFill>
+          </a:ln>
+        </p:spPr>
+        <p:style>
+          <a:lnRef idx="2">
+            <a:schemeClr val="accent1">
+              <a:shade val="50000"/>
+            </a:schemeClr>
+          </a:lnRef>
+          <a:fillRef idx="1">
+            <a:schemeClr val="accent1"/>
+          </a:fillRef>
+          <a:effectRef idx="0">
+            <a:schemeClr val="accent1"/>
+          </a:effectRef>
+          <a:fontRef idx="minor">
+            <a:schemeClr val="lt1"/>
+          </a:fontRef>
+        </p:style>
+        <p:txBody>
+          <a:bodyPr lIns="36000" tIns="36000" rIns="36000" bIns="36000" rtlCol="0" anchor="ctr"/>
+          <a:lstStyle/>
+          <a:p>
+            <a:pPr marL="90483" defTabSz="914256" eaLnBrk="0" latinLnBrk="0" hangingPunct="0">
+              <a:lnSpc>
+                <a:spcPct val="120000"/>
+              </a:lnSpc>
+              <a:defRPr/>
+            </a:pPr>
+            <a:r>
+              <a:rPr lang="en-US" altLang="ko-KR" sz="1400" b="1" dirty="0">
+                <a:ln>
+                  <a:solidFill>
+                    <a:schemeClr val="bg1">
+                      <a:alpha val="0"/>
+                    </a:schemeClr>
+                  </a:solidFill>
+                </a:ln>
+                <a:solidFill>
+                  <a:schemeClr val="bg1"/>
+                </a:solidFill>
+                <a:latin typeface="현대하모니 L" panose="02020603020101020101" pitchFamily="18" charset="-127"/>
+                <a:ea typeface="현대하모니 L" panose="02020603020101020101" pitchFamily="18" charset="-127"/>
+              </a:rPr>
+              <a:t>A-1. </a:t>
+            </a:r>
+            <a:r>
+              <a:rPr lang="ko-KR" altLang="en-US" sz="1400" b="1" dirty="0">
+                <a:ln>
+                  <a:solidFill>
+                    <a:schemeClr val="bg1">
+                      <a:alpha val="0"/>
+                    </a:schemeClr>
+                  </a:solidFill>
+                </a:ln>
+                <a:solidFill>
+                  <a:schemeClr val="bg1"/>
+                </a:solidFill>
+                <a:latin typeface="현대하모니 L" panose="02020603020101020101" pitchFamily="18" charset="-127"/>
+                <a:ea typeface="현대하모니 L" panose="02020603020101020101" pitchFamily="18" charset="-127"/>
+              </a:rPr>
+              <a:t>키 스케줄</a:t>
+            </a:r>
+            <a:endParaRPr lang="en-US" altLang="ko-KR" sz="1400" b="1" dirty="0">
+              <a:ln>
+                <a:solidFill>
+                  <a:schemeClr val="bg1">
+                    <a:alpha val="0"/>
+                  </a:schemeClr>
+                </a:solidFill>
+              </a:ln>
+              <a:solidFill>
+                <a:schemeClr val="bg1"/>
+              </a:solidFill>
+              <a:latin typeface="현대하모니 L" panose="02020603020101020101" pitchFamily="18" charset="-127"/>
+              <a:ea typeface="현대하모니 L" panose="02020603020101020101" pitchFamily="18" charset="-127"/>
+            </a:endParaRPr>
+          </a:p>
+        </p:txBody>
+      </p:sp>
+      <p:sp>
+        <p:nvSpPr>
+          <p:cNvPr id="3" name="Rectangle 14">
+            <a:extLst>
+              <a:ext uri="{FF2B5EF4-FFF2-40B4-BE49-F238E27FC236}">
+                <a16:creationId xmlns:a16="http://schemas.microsoft.com/office/drawing/2014/main" id="{4C705FE3-D651-52CC-9C55-5742D8B8070A}"/>
+              </a:ext>
+            </a:extLst>
+          </p:cNvPr>
+          <p:cNvSpPr>
+            <a:spLocks noChangeArrowheads="1"/>
+          </p:cNvSpPr>
+          <p:nvPr/>
+        </p:nvSpPr>
+        <p:spPr bwMode="auto">
+          <a:xfrm>
+            <a:off x="9221619" y="266582"/>
+            <a:ext cx="1436292" cy="246221"/>
+          </a:xfrm>
+          <a:prstGeom prst="rect">
+            <a:avLst/>
+          </a:prstGeom>
+          <a:noFill/>
+          <a:ln w="12700">
+            <a:noFill/>
+            <a:miter lim="800000"/>
+            <a:headEnd/>
+            <a:tailEnd/>
+          </a:ln>
+        </p:spPr>
+        <p:txBody>
+          <a:bodyPr wrap="none" lIns="0" tIns="0" rIns="0" bIns="0" anchor="ctr">
+            <a:spAutoFit/>
+          </a:bodyPr>
+          <a:lstStyle/>
+          <a:p>
+            <a:pPr defTabSz="900086" eaLnBrk="0" latinLnBrk="0" hangingPunct="0">
+              <a:spcBef>
+                <a:spcPct val="0"/>
+              </a:spcBef>
+              <a:spcAft>
+                <a:spcPct val="0"/>
+              </a:spcAft>
+              <a:defRPr/>
+            </a:pPr>
+            <a:r>
+              <a:rPr kumimoji="1" lang="ko-KR" altLang="en-US" sz="1600">
+                <a:ln>
+                  <a:solidFill>
+                    <a:srgbClr val="4F81BD">
+                      <a:alpha val="0"/>
+                    </a:srgbClr>
+                  </a:solidFill>
+                </a:ln>
+                <a:solidFill>
+                  <a:schemeClr val="tx1">
+                    <a:lumMod val="65000"/>
+                    <a:lumOff val="35000"/>
+                  </a:schemeClr>
+                </a:solidFill>
+                <a:latin typeface="현대하모니 M" panose="02020603020101020101" pitchFamily="18" charset="-127"/>
+                <a:ea typeface="현대하모니 M" panose="02020603020101020101" pitchFamily="18" charset="-127"/>
+              </a:rPr>
+              <a:t>플랜트건축설계팀</a:t>
+            </a:r>
+            <a:endParaRPr kumimoji="1" lang="ko-KR" altLang="en-US" sz="1600" dirty="0">
+              <a:ln>
+                <a:solidFill>
+                  <a:srgbClr val="4F81BD">
+                    <a:alpha val="0"/>
+                  </a:srgbClr>
+                </a:solidFill>
+              </a:ln>
+              <a:solidFill>
+                <a:schemeClr val="tx1">
+                  <a:lumMod val="65000"/>
+                  <a:lumOff val="35000"/>
+                </a:schemeClr>
+              </a:solidFill>
+              <a:latin typeface="현대하모니 M" panose="02020603020101020101" pitchFamily="18" charset="-127"/>
+              <a:ea typeface="현대하모니 M" panose="02020603020101020101" pitchFamily="18" charset="-127"/>
+            </a:endParaRPr>
+          </a:p>
+        </p:txBody>
+      </p:sp>
+      <p:sp>
+        <p:nvSpPr>
           <p:cNvPr id="15" name="TextBox 14">
             <a:extLst>
               <a:ext uri="{FF2B5EF4-FFF2-40B4-BE49-F238E27FC236}">
-                <a16:creationId xmlns:a16="http://schemas.microsoft.com/office/drawing/2014/main" id="{FFA3DEAD-6514-2F3F-87D1-0DE881F8DADF}"/>
+                <a16:creationId xmlns:a16="http://schemas.microsoft.com/office/drawing/2014/main" id="{A5EFB860-7B2C-A422-CD75-530F310BBAA2}"/>
               </a:ext>
             </a:extLst>
           </p:cNvPr>
@@ -27718,7 +32979,7 @@
           <p:cNvPr id="4" name="그림 3">
             <a:extLst>
               <a:ext uri="{FF2B5EF4-FFF2-40B4-BE49-F238E27FC236}">
-                <a16:creationId xmlns:a16="http://schemas.microsoft.com/office/drawing/2014/main" id="{FFE643AD-ADC8-D4E5-104D-76827C44D5C9}"/>
+                <a16:creationId xmlns:a16="http://schemas.microsoft.com/office/drawing/2014/main" id="{D11F00EA-990C-8D1A-F985-9AD95351C7FA}"/>
               </a:ext>
             </a:extLst>
           </p:cNvPr>
@@ -27748,7 +33009,7 @@
           <p:cNvPr id="2" name="직사각형 1">
             <a:extLst>
               <a:ext uri="{FF2B5EF4-FFF2-40B4-BE49-F238E27FC236}">
-                <a16:creationId xmlns:a16="http://schemas.microsoft.com/office/drawing/2014/main" id="{F2D47252-65DF-5D58-0C00-3D75ABCF09FD}"/>
+                <a16:creationId xmlns:a16="http://schemas.microsoft.com/office/drawing/2014/main" id="{66420C2D-30C1-A4E7-9188-903BDD58941A}"/>
               </a:ext>
             </a:extLst>
           </p:cNvPr>
@@ -27814,7 +33075,7 @@
           <p:cNvPr id="5" name="직사각형 4">
             <a:extLst>
               <a:ext uri="{FF2B5EF4-FFF2-40B4-BE49-F238E27FC236}">
-                <a16:creationId xmlns:a16="http://schemas.microsoft.com/office/drawing/2014/main" id="{86E8E077-300E-7EB6-D978-9A56B4DB0DFF}"/>
+                <a16:creationId xmlns:a16="http://schemas.microsoft.com/office/drawing/2014/main" id="{DDD25B4C-B15A-475C-E8AD-31D39190FF7D}"/>
               </a:ext>
             </a:extLst>
           </p:cNvPr>
@@ -27868,7 +33129,7 @@
           <p:cNvPr id="6" name="직사각형 5">
             <a:extLst>
               <a:ext uri="{FF2B5EF4-FFF2-40B4-BE49-F238E27FC236}">
-                <a16:creationId xmlns:a16="http://schemas.microsoft.com/office/drawing/2014/main" id="{2DE9B8ED-2CA2-7862-20FC-5A4D2E4E3EA7}"/>
+                <a16:creationId xmlns:a16="http://schemas.microsoft.com/office/drawing/2014/main" id="{FAF8AFCD-42E1-4C37-0D4F-29D665A17563}"/>
               </a:ext>
             </a:extLst>
           </p:cNvPr>
@@ -27922,7 +33183,7 @@
           <p:cNvPr id="9" name="자유형: 도형 8">
             <a:extLst>
               <a:ext uri="{FF2B5EF4-FFF2-40B4-BE49-F238E27FC236}">
-                <a16:creationId xmlns:a16="http://schemas.microsoft.com/office/drawing/2014/main" id="{1DE4CB93-85A0-0872-C44C-DEB8E681C3EF}"/>
+                <a16:creationId xmlns:a16="http://schemas.microsoft.com/office/drawing/2014/main" id="{21DE38E0-77BD-6BDF-0F54-5AB07925C1DA}"/>
               </a:ext>
             </a:extLst>
           </p:cNvPr>
@@ -28075,7 +33336,7 @@
           <p:cNvPr id="13" name="그림 12">
             <a:extLst>
               <a:ext uri="{FF2B5EF4-FFF2-40B4-BE49-F238E27FC236}">
-                <a16:creationId xmlns:a16="http://schemas.microsoft.com/office/drawing/2014/main" id="{712604E6-68B2-56A5-458C-18F124963D76}"/>
+                <a16:creationId xmlns:a16="http://schemas.microsoft.com/office/drawing/2014/main" id="{EE64AFC0-68F9-EBB4-C367-ED4951122868}"/>
               </a:ext>
             </a:extLst>
           </p:cNvPr>
@@ -28105,7 +33366,7 @@
           <p:cNvPr id="18" name="TextBox 17">
             <a:extLst>
               <a:ext uri="{FF2B5EF4-FFF2-40B4-BE49-F238E27FC236}">
-                <a16:creationId xmlns:a16="http://schemas.microsoft.com/office/drawing/2014/main" id="{056D59B7-7C94-4D25-453E-768ECD506CCF}"/>
+                <a16:creationId xmlns:a16="http://schemas.microsoft.com/office/drawing/2014/main" id="{16FF9001-2838-7230-2439-0FA753976F30}"/>
               </a:ext>
             </a:extLst>
           </p:cNvPr>
@@ -28141,7 +33402,7 @@
           <p:cNvPr id="19" name="TextBox 18">
             <a:extLst>
               <a:ext uri="{FF2B5EF4-FFF2-40B4-BE49-F238E27FC236}">
-                <a16:creationId xmlns:a16="http://schemas.microsoft.com/office/drawing/2014/main" id="{75B813B2-B4B1-536F-D55A-6D71E030C2AA}"/>
+                <a16:creationId xmlns:a16="http://schemas.microsoft.com/office/drawing/2014/main" id="{9525ED3D-2F1F-9F15-3CE6-D7F6F67F27EF}"/>
               </a:ext>
             </a:extLst>
           </p:cNvPr>
@@ -28177,7 +33438,7 @@
           <p:cNvPr id="20" name="자유형: 도형 19">
             <a:extLst>
               <a:ext uri="{FF2B5EF4-FFF2-40B4-BE49-F238E27FC236}">
-                <a16:creationId xmlns:a16="http://schemas.microsoft.com/office/drawing/2014/main" id="{F19DC83C-CED5-497E-E4DB-7E04A35557D1}"/>
+                <a16:creationId xmlns:a16="http://schemas.microsoft.com/office/drawing/2014/main" id="{8C5380F6-04A5-D9D5-0290-193BCDB6FDEC}"/>
               </a:ext>
             </a:extLst>
           </p:cNvPr>
@@ -28336,7 +33597,7 @@
           <p:cNvPr id="21" name="직사각형 20">
             <a:extLst>
               <a:ext uri="{FF2B5EF4-FFF2-40B4-BE49-F238E27FC236}">
-                <a16:creationId xmlns:a16="http://schemas.microsoft.com/office/drawing/2014/main" id="{767786DF-DF77-56EA-F092-F4D5B7ED29B4}"/>
+                <a16:creationId xmlns:a16="http://schemas.microsoft.com/office/drawing/2014/main" id="{4D0A9649-365E-7C4E-3F84-4AA534920071}"/>
               </a:ext>
             </a:extLst>
           </p:cNvPr>
@@ -28402,7 +33663,7 @@
           <p:cNvPr id="22" name="직사각형 21">
             <a:extLst>
               <a:ext uri="{FF2B5EF4-FFF2-40B4-BE49-F238E27FC236}">
-                <a16:creationId xmlns:a16="http://schemas.microsoft.com/office/drawing/2014/main" id="{61448356-C64C-C0D5-E203-99C3FE4A5F43}"/>
+                <a16:creationId xmlns:a16="http://schemas.microsoft.com/office/drawing/2014/main" id="{17FABB5C-7765-E0CB-5A38-84D1D8740E99}"/>
               </a:ext>
             </a:extLst>
           </p:cNvPr>
@@ -28456,7 +33717,7 @@
           <p:cNvPr id="23" name="직사각형 22">
             <a:extLst>
               <a:ext uri="{FF2B5EF4-FFF2-40B4-BE49-F238E27FC236}">
-                <a16:creationId xmlns:a16="http://schemas.microsoft.com/office/drawing/2014/main" id="{6FEF235F-2F9F-E2EC-344D-5DD296069DD8}"/>
+                <a16:creationId xmlns:a16="http://schemas.microsoft.com/office/drawing/2014/main" id="{97EC38FC-0799-25C9-D974-6D5836FEB5A9}"/>
               </a:ext>
             </a:extLst>
           </p:cNvPr>
@@ -28510,7 +33771,7 @@
           <p:cNvPr id="26" name="TextBox 25">
             <a:extLst>
               <a:ext uri="{FF2B5EF4-FFF2-40B4-BE49-F238E27FC236}">
-                <a16:creationId xmlns:a16="http://schemas.microsoft.com/office/drawing/2014/main" id="{CF1AB3CD-C2F8-E018-A138-1CEDC33E27A9}"/>
+                <a16:creationId xmlns:a16="http://schemas.microsoft.com/office/drawing/2014/main" id="{31803A78-F080-ADC7-3A64-5D03BE78EC0C}"/>
               </a:ext>
             </a:extLst>
           </p:cNvPr>
@@ -28559,7 +33820,7 @@
           <p:cNvPr id="27" name="자유형: 도형 26">
             <a:extLst>
               <a:ext uri="{FF2B5EF4-FFF2-40B4-BE49-F238E27FC236}">
-                <a16:creationId xmlns:a16="http://schemas.microsoft.com/office/drawing/2014/main" id="{D791DFF5-2916-B691-9B0F-0D92DFABA006}"/>
+                <a16:creationId xmlns:a16="http://schemas.microsoft.com/office/drawing/2014/main" id="{327B8227-AE5D-5AB3-DA1D-910443A56506}"/>
               </a:ext>
             </a:extLst>
           </p:cNvPr>
@@ -28712,7 +33973,7 @@
           <p:cNvPr id="28" name="직사각형 27">
             <a:extLst>
               <a:ext uri="{FF2B5EF4-FFF2-40B4-BE49-F238E27FC236}">
-                <a16:creationId xmlns:a16="http://schemas.microsoft.com/office/drawing/2014/main" id="{A153DC5D-F0B0-CBB1-9350-6D3B46EBC58A}"/>
+                <a16:creationId xmlns:a16="http://schemas.microsoft.com/office/drawing/2014/main" id="{746788B0-6871-8E2D-DC0F-AB0FFFA3A073}"/>
               </a:ext>
             </a:extLst>
           </p:cNvPr>
@@ -28778,7 +34039,7 @@
           <p:cNvPr id="29" name="직사각형 28">
             <a:extLst>
               <a:ext uri="{FF2B5EF4-FFF2-40B4-BE49-F238E27FC236}">
-                <a16:creationId xmlns:a16="http://schemas.microsoft.com/office/drawing/2014/main" id="{98D19A48-D020-25AB-E7B7-24B1C73985FF}"/>
+                <a16:creationId xmlns:a16="http://schemas.microsoft.com/office/drawing/2014/main" id="{734A9025-C0EF-0905-4555-6199D3B7152F}"/>
               </a:ext>
             </a:extLst>
           </p:cNvPr>
@@ -28832,7 +34093,7 @@
           <p:cNvPr id="30" name="직사각형 29">
             <a:extLst>
               <a:ext uri="{FF2B5EF4-FFF2-40B4-BE49-F238E27FC236}">
-                <a16:creationId xmlns:a16="http://schemas.microsoft.com/office/drawing/2014/main" id="{E440DAB3-5993-10C1-2157-4ABB516710A3}"/>
+                <a16:creationId xmlns:a16="http://schemas.microsoft.com/office/drawing/2014/main" id="{73ED6C25-C2FA-880B-2CCB-5FAF443544EC}"/>
               </a:ext>
             </a:extLst>
           </p:cNvPr>
@@ -28886,7 +34147,7 @@
           <p:cNvPr id="32" name="자유형: 도형 31">
             <a:extLst>
               <a:ext uri="{FF2B5EF4-FFF2-40B4-BE49-F238E27FC236}">
-                <a16:creationId xmlns:a16="http://schemas.microsoft.com/office/drawing/2014/main" id="{EB57C0A0-38D3-73C4-2288-9DADCFF3C912}"/>
+                <a16:creationId xmlns:a16="http://schemas.microsoft.com/office/drawing/2014/main" id="{CEB7B313-04EB-B6BE-8784-DD0843BD501F}"/>
               </a:ext>
             </a:extLst>
           </p:cNvPr>
@@ -28967,7 +34228,7 @@
           <p:cNvPr id="34" name="자유형: 도형 33">
             <a:extLst>
               <a:ext uri="{FF2B5EF4-FFF2-40B4-BE49-F238E27FC236}">
-                <a16:creationId xmlns:a16="http://schemas.microsoft.com/office/drawing/2014/main" id="{34BD1DC7-1935-2124-D50F-88909D4C2385}"/>
+                <a16:creationId xmlns:a16="http://schemas.microsoft.com/office/drawing/2014/main" id="{B85F2962-E2CC-7561-7429-1E813A770BD6}"/>
               </a:ext>
             </a:extLst>
           </p:cNvPr>
@@ -29076,7 +34337,7 @@
           <p:cNvPr id="35" name="자유형: 도형 34">
             <a:extLst>
               <a:ext uri="{FF2B5EF4-FFF2-40B4-BE49-F238E27FC236}">
-                <a16:creationId xmlns:a16="http://schemas.microsoft.com/office/drawing/2014/main" id="{536ECFC1-D26A-F007-35A3-24C1A9406FAE}"/>
+                <a16:creationId xmlns:a16="http://schemas.microsoft.com/office/drawing/2014/main" id="{6F5055DE-4C54-C747-56FF-0BB84F4960B9}"/>
               </a:ext>
             </a:extLst>
           </p:cNvPr>
@@ -29157,7 +34418,7 @@
           <p:cNvPr id="36" name="TextBox 35">
             <a:extLst>
               <a:ext uri="{FF2B5EF4-FFF2-40B4-BE49-F238E27FC236}">
-                <a16:creationId xmlns:a16="http://schemas.microsoft.com/office/drawing/2014/main" id="{F4D5CC35-257C-BEC8-544C-0F141ECF2A58}"/>
+                <a16:creationId xmlns:a16="http://schemas.microsoft.com/office/drawing/2014/main" id="{28AF499E-9F85-B5DB-04F5-349E57F43507}"/>
               </a:ext>
             </a:extLst>
           </p:cNvPr>
@@ -29206,7 +34467,7 @@
           <p:cNvPr id="37" name="TextBox 36">
             <a:extLst>
               <a:ext uri="{FF2B5EF4-FFF2-40B4-BE49-F238E27FC236}">
-                <a16:creationId xmlns:a16="http://schemas.microsoft.com/office/drawing/2014/main" id="{B9A92DBD-295E-90D6-A1FA-2F67512A4AA2}"/>
+                <a16:creationId xmlns:a16="http://schemas.microsoft.com/office/drawing/2014/main" id="{49D5E96C-1F0F-E80A-0D71-1EB7AA726CAE}"/>
               </a:ext>
             </a:extLst>
           </p:cNvPr>
@@ -29242,7 +34503,7 @@
           <p:cNvPr id="38" name="TextBox 37">
             <a:extLst>
               <a:ext uri="{FF2B5EF4-FFF2-40B4-BE49-F238E27FC236}">
-                <a16:creationId xmlns:a16="http://schemas.microsoft.com/office/drawing/2014/main" id="{E716711E-A5A0-06B2-159C-BBF72ADAE1B0}"/>
+                <a16:creationId xmlns:a16="http://schemas.microsoft.com/office/drawing/2014/main" id="{E19B21CC-1C2A-CEE3-84D0-36C90ECD056E}"/>
               </a:ext>
             </a:extLst>
           </p:cNvPr>
@@ -29278,7 +34539,7 @@
           <p:cNvPr id="39" name="자유형: 도형 38">
             <a:extLst>
               <a:ext uri="{FF2B5EF4-FFF2-40B4-BE49-F238E27FC236}">
-                <a16:creationId xmlns:a16="http://schemas.microsoft.com/office/drawing/2014/main" id="{C5F2C6E0-51E6-7EEC-CF64-39910A24C75B}"/>
+                <a16:creationId xmlns:a16="http://schemas.microsoft.com/office/drawing/2014/main" id="{7ACD65D5-051D-4F1A-0E94-4B17EBF50FD4}"/>
               </a:ext>
             </a:extLst>
           </p:cNvPr>
@@ -29397,7 +34658,7 @@
           <p:cNvPr id="42" name="TextBox 41">
             <a:extLst>
               <a:ext uri="{FF2B5EF4-FFF2-40B4-BE49-F238E27FC236}">
-                <a16:creationId xmlns:a16="http://schemas.microsoft.com/office/drawing/2014/main" id="{BAEE0315-943B-9D25-A6D1-AB18E93CD451}"/>
+                <a16:creationId xmlns:a16="http://schemas.microsoft.com/office/drawing/2014/main" id="{F9CFE1CD-2D7C-2111-D5F6-DB142B430D05}"/>
               </a:ext>
             </a:extLst>
           </p:cNvPr>
@@ -29446,7 +34707,7 @@
           <p:cNvPr id="43" name="TextBox 42">
             <a:extLst>
               <a:ext uri="{FF2B5EF4-FFF2-40B4-BE49-F238E27FC236}">
-                <a16:creationId xmlns:a16="http://schemas.microsoft.com/office/drawing/2014/main" id="{49183020-7D57-2A8D-5E55-9232ABDCBD1E}"/>
+                <a16:creationId xmlns:a16="http://schemas.microsoft.com/office/drawing/2014/main" id="{743CD8A1-5C8D-46AB-8D6D-5EE84F181894}"/>
               </a:ext>
             </a:extLst>
           </p:cNvPr>
@@ -29495,7 +34756,7 @@
           <p:cNvPr id="44" name="자유형: 도형 43">
             <a:extLst>
               <a:ext uri="{FF2B5EF4-FFF2-40B4-BE49-F238E27FC236}">
-                <a16:creationId xmlns:a16="http://schemas.microsoft.com/office/drawing/2014/main" id="{D895614B-DF87-0D22-4B57-063C2D3A2AA2}"/>
+                <a16:creationId xmlns:a16="http://schemas.microsoft.com/office/drawing/2014/main" id="{27C53652-9D47-D5F3-187E-70D6B11ECBBA}"/>
               </a:ext>
             </a:extLst>
           </p:cNvPr>
@@ -29576,7 +34837,7 @@
           <p:cNvPr id="45" name="자유형: 도형 44">
             <a:extLst>
               <a:ext uri="{FF2B5EF4-FFF2-40B4-BE49-F238E27FC236}">
-                <a16:creationId xmlns:a16="http://schemas.microsoft.com/office/drawing/2014/main" id="{BD8557D6-15EA-3BB7-4162-E51A2B1044A5}"/>
+                <a16:creationId xmlns:a16="http://schemas.microsoft.com/office/drawing/2014/main" id="{585DED3F-FBAF-5177-F5E7-DB963D9B5FD7}"/>
               </a:ext>
             </a:extLst>
           </p:cNvPr>
@@ -29657,7 +34918,7 @@
           <p:cNvPr id="46" name="직사각형 45">
             <a:extLst>
               <a:ext uri="{FF2B5EF4-FFF2-40B4-BE49-F238E27FC236}">
-                <a16:creationId xmlns:a16="http://schemas.microsoft.com/office/drawing/2014/main" id="{0CDC380A-258E-2C67-0838-9147FFC4A8FF}"/>
+                <a16:creationId xmlns:a16="http://schemas.microsoft.com/office/drawing/2014/main" id="{5C018EA3-AEBE-3992-ACD2-7825DE56199B}"/>
               </a:ext>
             </a:extLst>
           </p:cNvPr>
@@ -29714,7 +34975,7 @@
           <p:cNvPr id="50" name="직사각형 49">
             <a:extLst>
               <a:ext uri="{FF2B5EF4-FFF2-40B4-BE49-F238E27FC236}">
-                <a16:creationId xmlns:a16="http://schemas.microsoft.com/office/drawing/2014/main" id="{33E0AF99-24EC-4E11-60FB-6B849844B864}"/>
+                <a16:creationId xmlns:a16="http://schemas.microsoft.com/office/drawing/2014/main" id="{DDEBD9BE-0878-128D-02A2-1519777335AE}"/>
               </a:ext>
             </a:extLst>
           </p:cNvPr>
@@ -29767,7 +35028,7 @@
           <p:cNvPr id="55" name="그룹 54">
             <a:extLst>
               <a:ext uri="{FF2B5EF4-FFF2-40B4-BE49-F238E27FC236}">
-                <a16:creationId xmlns:a16="http://schemas.microsoft.com/office/drawing/2014/main" id="{1FB52097-6F1F-27F5-75D1-80803892E820}"/>
+                <a16:creationId xmlns:a16="http://schemas.microsoft.com/office/drawing/2014/main" id="{4727F9B1-1862-9B49-7B7E-FE4689A2A235}"/>
               </a:ext>
             </a:extLst>
           </p:cNvPr>
@@ -29787,7 +35048,7 @@
             <p:cNvPr id="48" name="그림 47">
               <a:extLst>
                 <a:ext uri="{FF2B5EF4-FFF2-40B4-BE49-F238E27FC236}">
-                  <a16:creationId xmlns:a16="http://schemas.microsoft.com/office/drawing/2014/main" id="{C7F4FEF5-978D-6527-B7D0-D3E3F62D367E}"/>
+                  <a16:creationId xmlns:a16="http://schemas.microsoft.com/office/drawing/2014/main" id="{BE018A3A-B0E9-80DF-B06C-24E1E175BD17}"/>
                 </a:ext>
               </a:extLst>
             </p:cNvPr>
@@ -29816,7 +35077,7 @@
             <p:cNvPr id="49" name="직사각형 48">
               <a:extLst>
                 <a:ext uri="{FF2B5EF4-FFF2-40B4-BE49-F238E27FC236}">
-                  <a16:creationId xmlns:a16="http://schemas.microsoft.com/office/drawing/2014/main" id="{42018C76-E3E4-9626-AFF9-308B80292D9F}"/>
+                  <a16:creationId xmlns:a16="http://schemas.microsoft.com/office/drawing/2014/main" id="{B3AAF2A9-0D32-7E49-3A6F-F2417D9FBB12}"/>
                 </a:ext>
               </a:extLst>
             </p:cNvPr>
@@ -29873,7 +35134,7 @@
             <p:cNvPr id="51" name="직사각형 50">
               <a:extLst>
                 <a:ext uri="{FF2B5EF4-FFF2-40B4-BE49-F238E27FC236}">
-                  <a16:creationId xmlns:a16="http://schemas.microsoft.com/office/drawing/2014/main" id="{3DF5F85D-6D21-A005-0CD8-3F16E000A9CB}"/>
+                  <a16:creationId xmlns:a16="http://schemas.microsoft.com/office/drawing/2014/main" id="{6DE12890-A7E1-5CC8-AB80-6EF597FAD6FA}"/>
                 </a:ext>
               </a:extLst>
             </p:cNvPr>
@@ -29926,7 +35187,7 @@
             <p:cNvPr id="52" name="직사각형 51">
               <a:extLst>
                 <a:ext uri="{FF2B5EF4-FFF2-40B4-BE49-F238E27FC236}">
-                  <a16:creationId xmlns:a16="http://schemas.microsoft.com/office/drawing/2014/main" id="{FBC6FF4D-F154-D227-16C7-2F3AE9C0F59F}"/>
+                  <a16:creationId xmlns:a16="http://schemas.microsoft.com/office/drawing/2014/main" id="{910AC371-EE35-6514-1597-2C7E4B3D111A}"/>
                 </a:ext>
               </a:extLst>
             </p:cNvPr>
@@ -29980,7 +35241,7 @@
           <p:cNvPr id="10" name="그룹 9">
             <a:extLst>
               <a:ext uri="{FF2B5EF4-FFF2-40B4-BE49-F238E27FC236}">
-                <a16:creationId xmlns:a16="http://schemas.microsoft.com/office/drawing/2014/main" id="{F8C7A933-3C5F-0C6A-D6F2-04C6E3A7F6D1}"/>
+                <a16:creationId xmlns:a16="http://schemas.microsoft.com/office/drawing/2014/main" id="{5A72D370-375F-5BD2-99C1-3A00512AA548}"/>
               </a:ext>
             </a:extLst>
           </p:cNvPr>
@@ -30000,7 +35261,7 @@
             <p:cNvPr id="11" name="그림 10">
               <a:extLst>
                 <a:ext uri="{FF2B5EF4-FFF2-40B4-BE49-F238E27FC236}">
-                  <a16:creationId xmlns:a16="http://schemas.microsoft.com/office/drawing/2014/main" id="{B79727EC-B4F2-9E2A-8865-DCE214E3DF62}"/>
+                  <a16:creationId xmlns:a16="http://schemas.microsoft.com/office/drawing/2014/main" id="{7C11020C-FD31-EFA4-F3C1-8050A188862C}"/>
                 </a:ext>
               </a:extLst>
             </p:cNvPr>
@@ -30030,7 +35291,7 @@
             <p:cNvPr id="17" name="직사각형 16">
               <a:extLst>
                 <a:ext uri="{FF2B5EF4-FFF2-40B4-BE49-F238E27FC236}">
-                  <a16:creationId xmlns:a16="http://schemas.microsoft.com/office/drawing/2014/main" id="{CE533DEF-DF19-EE86-70E3-92408C1449A7}"/>
+                  <a16:creationId xmlns:a16="http://schemas.microsoft.com/office/drawing/2014/main" id="{49EAB55A-DE3E-1692-42A9-BCFA7ADE75D6}"/>
                 </a:ext>
               </a:extLst>
             </p:cNvPr>
@@ -30087,7 +35348,7 @@
             <p:cNvPr id="53" name="직사각형 52">
               <a:extLst>
                 <a:ext uri="{FF2B5EF4-FFF2-40B4-BE49-F238E27FC236}">
-                  <a16:creationId xmlns:a16="http://schemas.microsoft.com/office/drawing/2014/main" id="{08CAE289-4CDE-1D22-A703-FCB25303D362}"/>
+                  <a16:creationId xmlns:a16="http://schemas.microsoft.com/office/drawing/2014/main" id="{7AFFDB83-7AC5-6388-3E21-1DDEAA3216F6}"/>
                 </a:ext>
               </a:extLst>
             </p:cNvPr>
@@ -30140,7 +35401,7 @@
             <p:cNvPr id="54" name="직사각형 53">
               <a:extLst>
                 <a:ext uri="{FF2B5EF4-FFF2-40B4-BE49-F238E27FC236}">
-                  <a16:creationId xmlns:a16="http://schemas.microsoft.com/office/drawing/2014/main" id="{16337946-5C86-2D7B-058D-A7DADCC55EAE}"/>
+                  <a16:creationId xmlns:a16="http://schemas.microsoft.com/office/drawing/2014/main" id="{B20AE5C6-C7A8-68F0-B1E8-8A494DC2DFB9}"/>
                 </a:ext>
               </a:extLst>
             </p:cNvPr>
@@ -30194,7 +35455,7 @@
           <p:cNvPr id="12" name="그룹 11">
             <a:extLst>
               <a:ext uri="{FF2B5EF4-FFF2-40B4-BE49-F238E27FC236}">
-                <a16:creationId xmlns:a16="http://schemas.microsoft.com/office/drawing/2014/main" id="{D6E7C8BB-969A-FB6C-52DF-7F539EB50D53}"/>
+                <a16:creationId xmlns:a16="http://schemas.microsoft.com/office/drawing/2014/main" id="{E49C631C-4EC0-700A-5ACF-767123DF4563}"/>
               </a:ext>
             </a:extLst>
           </p:cNvPr>
@@ -30214,7 +35475,7 @@
             <p:cNvPr id="16" name="그림 15">
               <a:extLst>
                 <a:ext uri="{FF2B5EF4-FFF2-40B4-BE49-F238E27FC236}">
-                  <a16:creationId xmlns:a16="http://schemas.microsoft.com/office/drawing/2014/main" id="{882FD380-4892-69A3-1E3C-014E26C75C81}"/>
+                  <a16:creationId xmlns:a16="http://schemas.microsoft.com/office/drawing/2014/main" id="{272D5F9C-03F8-11FC-B38C-7B75C92866C1}"/>
                 </a:ext>
               </a:extLst>
             </p:cNvPr>
@@ -30244,7 +35505,7 @@
             <p:cNvPr id="24" name="직사각형 23">
               <a:extLst>
                 <a:ext uri="{FF2B5EF4-FFF2-40B4-BE49-F238E27FC236}">
-                  <a16:creationId xmlns:a16="http://schemas.microsoft.com/office/drawing/2014/main" id="{55F5F0CA-9737-69E3-55F1-84C1DDB54089}"/>
+                  <a16:creationId xmlns:a16="http://schemas.microsoft.com/office/drawing/2014/main" id="{1673B1E7-0882-0D2B-9DDA-28BAA8F00B0D}"/>
                 </a:ext>
               </a:extLst>
             </p:cNvPr>
@@ -30301,7 +35562,7 @@
             <p:cNvPr id="25" name="직사각형 24">
               <a:extLst>
                 <a:ext uri="{FF2B5EF4-FFF2-40B4-BE49-F238E27FC236}">
-                  <a16:creationId xmlns:a16="http://schemas.microsoft.com/office/drawing/2014/main" id="{77469E69-62C0-E1E3-2520-267AFA2BC372}"/>
+                  <a16:creationId xmlns:a16="http://schemas.microsoft.com/office/drawing/2014/main" id="{6F1732B9-9F2F-1E7C-192F-9743F8EE7444}"/>
                 </a:ext>
               </a:extLst>
             </p:cNvPr>
@@ -30354,7 +35615,7 @@
             <p:cNvPr id="31" name="직사각형 30">
               <a:extLst>
                 <a:ext uri="{FF2B5EF4-FFF2-40B4-BE49-F238E27FC236}">
-                  <a16:creationId xmlns:a16="http://schemas.microsoft.com/office/drawing/2014/main" id="{4F8AC7FE-908F-F5A3-637E-2F12D73637BC}"/>
+                  <a16:creationId xmlns:a16="http://schemas.microsoft.com/office/drawing/2014/main" id="{3467B73D-D2B7-EE89-3128-7E1599840D41}"/>
                 </a:ext>
               </a:extLst>
             </p:cNvPr>
@@ -30408,7 +35669,7 @@
           <p:cNvPr id="41" name="자유형: 도형 40">
             <a:extLst>
               <a:ext uri="{FF2B5EF4-FFF2-40B4-BE49-F238E27FC236}">
-                <a16:creationId xmlns:a16="http://schemas.microsoft.com/office/drawing/2014/main" id="{B3A5BE14-5763-07A4-3E67-AB5ECA288F7C}"/>
+                <a16:creationId xmlns:a16="http://schemas.microsoft.com/office/drawing/2014/main" id="{22E59FC2-70D2-531F-11DC-837483931411}"/>
               </a:ext>
             </a:extLst>
           </p:cNvPr>
@@ -30565,7 +35826,7 @@
     </p:spTree>
     <p:extLst>
       <p:ext uri="{BB962C8B-B14F-4D97-AF65-F5344CB8AC3E}">
-        <p14:creationId xmlns:p14="http://schemas.microsoft.com/office/powerpoint/2010/main" val="497279712"/>
+        <p14:creationId xmlns:p14="http://schemas.microsoft.com/office/powerpoint/2010/main" val="2477644609"/>
       </p:ext>
     </p:extLst>
   </p:cSld>
@@ -30575,7 +35836,7 @@
 </p:sld>
 </file>
 
-<file path=ppt/slides/slide27.xml><?xml version="1.0" encoding="utf-8"?>
+<file path=ppt/slides/slide29.xml><?xml version="1.0" encoding="utf-8"?>
 <p:sld xmlns:a="http://schemas.openxmlformats.org/drawingml/2006/main" xmlns:r="http://schemas.openxmlformats.org/officeDocument/2006/relationships" xmlns:p="http://schemas.openxmlformats.org/presentationml/2006/main">
   <p:cSld>
     <p:spTree>
@@ -30907,7 +36168,7 @@
           <a:p>
             <a:r>
               <a:rPr lang="en-US" altLang="ko-KR" dirty="0"/>
-              <a:t>&lt;F_Roof Style Schedule&gt;</a:t>
+              <a:t>&lt;F_Roof Style – Bidding Family&gt;</a:t>
             </a:r>
           </a:p>
         </p:txBody>
@@ -31554,7 +36815,371 @@
 </p:sld>
 </file>
 
-<file path=ppt/slides/slide28.xml><?xml version="1.0" encoding="utf-8"?>
+<file path=ppt/slides/slide3.xml><?xml version="1.0" encoding="utf-8"?>
+<p:sld xmlns:a="http://schemas.openxmlformats.org/drawingml/2006/main" xmlns:r="http://schemas.openxmlformats.org/officeDocument/2006/relationships" xmlns:p="http://schemas.openxmlformats.org/presentationml/2006/main">
+  <p:cSld>
+    <p:spTree>
+      <p:nvGrpSpPr>
+        <p:cNvPr id="1" name=""/>
+        <p:cNvGrpSpPr/>
+        <p:nvPr/>
+      </p:nvGrpSpPr>
+      <p:grpSpPr>
+        <a:xfrm>
+          <a:off x="0" y="0"/>
+          <a:ext cx="0" cy="0"/>
+          <a:chOff x="0" y="0"/>
+          <a:chExt cx="0" cy="0"/>
+        </a:xfrm>
+      </p:grpSpPr>
+      <p:sp>
+        <p:nvSpPr>
+          <p:cNvPr id="2" name="직사각형 1"/>
+          <p:cNvSpPr/>
+          <p:nvPr/>
+        </p:nvSpPr>
+        <p:spPr>
+          <a:xfrm>
+            <a:off x="1320130" y="1477115"/>
+            <a:ext cx="9471371" cy="523220"/>
+          </a:xfrm>
+          <a:prstGeom prst="rect">
+            <a:avLst/>
+          </a:prstGeom>
+        </p:spPr>
+        <p:txBody>
+          <a:bodyPr wrap="square">
+            <a:spAutoFit/>
+          </a:bodyPr>
+          <a:lstStyle/>
+          <a:p>
+            <a:pPr algn="ctr" defTabSz="900086" eaLnBrk="0" latinLnBrk="0" hangingPunct="0">
+              <a:defRPr/>
+            </a:pPr>
+            <a:r>
+              <a:rPr lang="en-US" altLang="ko-KR" sz="2800" b="1" dirty="0">
+                <a:ln>
+                  <a:solidFill>
+                    <a:srgbClr val="4F81BD">
+                      <a:alpha val="0"/>
+                    </a:srgbClr>
+                  </a:solidFill>
+                </a:ln>
+                <a:latin typeface="현대하모니 M" panose="02020603020101020101" pitchFamily="18" charset="-127"/>
+                <a:ea typeface="현대하모니 M" panose="02020603020101020101" pitchFamily="18" charset="-127"/>
+              </a:rPr>
+              <a:t>I. </a:t>
+            </a:r>
+            <a:r>
+              <a:rPr lang="ko-KR" altLang="en-US" sz="2800" b="1" dirty="0">
+                <a:ln>
+                  <a:solidFill>
+                    <a:srgbClr val="4F81BD">
+                      <a:alpha val="0"/>
+                    </a:srgbClr>
+                  </a:solidFill>
+                </a:ln>
+                <a:latin typeface="현대하모니 M" panose="02020603020101020101" pitchFamily="18" charset="-127"/>
+                <a:ea typeface="현대하모니 M" panose="02020603020101020101" pitchFamily="18" charset="-127"/>
+              </a:rPr>
+              <a:t>협력업체 작업지시를 위한 기본 세팅</a:t>
+            </a:r>
+          </a:p>
+        </p:txBody>
+      </p:sp>
+      <p:sp>
+        <p:nvSpPr>
+          <p:cNvPr id="3" name="직사각형 2"/>
+          <p:cNvSpPr/>
+          <p:nvPr/>
+        </p:nvSpPr>
+        <p:spPr>
+          <a:xfrm>
+            <a:off x="1472530" y="2388634"/>
+            <a:ext cx="9471371" cy="523220"/>
+          </a:xfrm>
+          <a:prstGeom prst="rect">
+            <a:avLst/>
+          </a:prstGeom>
+        </p:spPr>
+        <p:txBody>
+          <a:bodyPr wrap="square">
+            <a:spAutoFit/>
+          </a:bodyPr>
+          <a:lstStyle/>
+          <a:p>
+            <a:pPr algn="ctr" defTabSz="900086" eaLnBrk="0" latinLnBrk="0" hangingPunct="0">
+              <a:defRPr/>
+            </a:pPr>
+            <a:r>
+              <a:rPr lang="en-US" altLang="ko-KR" sz="2800" b="1" dirty="0">
+                <a:ln>
+                  <a:solidFill>
+                    <a:srgbClr val="4F81BD">
+                      <a:alpha val="0"/>
+                    </a:srgbClr>
+                  </a:solidFill>
+                </a:ln>
+                <a:latin typeface="현대하모니 M" panose="02020603020101020101" pitchFamily="18" charset="-127"/>
+                <a:ea typeface="현대하모니 M" panose="02020603020101020101" pitchFamily="18" charset="-127"/>
+              </a:rPr>
+              <a:t>II. </a:t>
+            </a:r>
+            <a:r>
+              <a:rPr lang="ko-KR" altLang="en-US" sz="2800" b="1" dirty="0">
+                <a:ln>
+                  <a:solidFill>
+                    <a:srgbClr val="4F81BD">
+                      <a:alpha val="0"/>
+                    </a:srgbClr>
+                  </a:solidFill>
+                </a:ln>
+                <a:latin typeface="현대하모니 M" panose="02020603020101020101" pitchFamily="18" charset="-127"/>
+                <a:ea typeface="현대하모니 M" panose="02020603020101020101" pitchFamily="18" charset="-127"/>
+              </a:rPr>
+              <a:t>모델링 접수 후 검토할 사항</a:t>
+            </a:r>
+          </a:p>
+        </p:txBody>
+      </p:sp>
+      <p:sp>
+        <p:nvSpPr>
+          <p:cNvPr id="4" name="직사각형 3"/>
+          <p:cNvSpPr/>
+          <p:nvPr/>
+        </p:nvSpPr>
+        <p:spPr>
+          <a:xfrm>
+            <a:off x="1320130" y="4228927"/>
+            <a:ext cx="9471371" cy="523220"/>
+          </a:xfrm>
+          <a:prstGeom prst="rect">
+            <a:avLst/>
+          </a:prstGeom>
+        </p:spPr>
+        <p:txBody>
+          <a:bodyPr wrap="square">
+            <a:spAutoFit/>
+          </a:bodyPr>
+          <a:lstStyle/>
+          <a:p>
+            <a:pPr algn="ctr" defTabSz="900086" eaLnBrk="0" latinLnBrk="0" hangingPunct="0">
+              <a:defRPr/>
+            </a:pPr>
+            <a:r>
+              <a:rPr lang="en-US" altLang="ko-KR" sz="2800" b="1" dirty="0">
+                <a:ln>
+                  <a:solidFill>
+                    <a:srgbClr val="4F81BD">
+                      <a:alpha val="0"/>
+                    </a:srgbClr>
+                  </a:solidFill>
+                </a:ln>
+                <a:latin typeface="현대하모니 M" panose="02020603020101020101" pitchFamily="18" charset="-127"/>
+                <a:ea typeface="현대하모니 M" panose="02020603020101020101" pitchFamily="18" charset="-127"/>
+              </a:rPr>
+              <a:t>Ⅳ. </a:t>
+            </a:r>
+            <a:r>
+              <a:rPr lang="ko-KR" altLang="en-US" sz="2800" b="1" dirty="0">
+                <a:ln>
+                  <a:solidFill>
+                    <a:srgbClr val="4F81BD">
+                      <a:alpha val="0"/>
+                    </a:srgbClr>
+                  </a:solidFill>
+                </a:ln>
+                <a:latin typeface="현대하모니 M" panose="02020603020101020101" pitchFamily="18" charset="-127"/>
+                <a:ea typeface="현대하모니 M" panose="02020603020101020101" pitchFamily="18" charset="-127"/>
+              </a:rPr>
+              <a:t>물량산출자동화 툴을 이용한 빌딩 별 물량 산출</a:t>
+            </a:r>
+          </a:p>
+        </p:txBody>
+      </p:sp>
+      <p:sp>
+        <p:nvSpPr>
+          <p:cNvPr id="5" name="직사각형 4"/>
+          <p:cNvSpPr/>
+          <p:nvPr/>
+        </p:nvSpPr>
+        <p:spPr>
+          <a:xfrm>
+            <a:off x="1472530" y="3268530"/>
+            <a:ext cx="9471371" cy="523220"/>
+          </a:xfrm>
+          <a:prstGeom prst="rect">
+            <a:avLst/>
+          </a:prstGeom>
+        </p:spPr>
+        <p:txBody>
+          <a:bodyPr wrap="square">
+            <a:spAutoFit/>
+          </a:bodyPr>
+          <a:lstStyle/>
+          <a:p>
+            <a:pPr algn="ctr" defTabSz="900086" eaLnBrk="0" latinLnBrk="0" hangingPunct="0">
+              <a:defRPr/>
+            </a:pPr>
+            <a:r>
+              <a:rPr lang="en-US" altLang="ko-KR" sz="2800" b="1" dirty="0">
+                <a:ln>
+                  <a:solidFill>
+                    <a:srgbClr val="4F81BD">
+                      <a:alpha val="0"/>
+                    </a:srgbClr>
+                  </a:solidFill>
+                </a:ln>
+                <a:latin typeface="현대하모니 M" panose="02020603020101020101" pitchFamily="18" charset="-127"/>
+                <a:ea typeface="현대하모니 M" panose="02020603020101020101" pitchFamily="18" charset="-127"/>
+              </a:rPr>
+              <a:t>III. </a:t>
+            </a:r>
+            <a:r>
+              <a:rPr lang="ko-KR" altLang="en-US" sz="2800" b="1" dirty="0">
+                <a:ln>
+                  <a:solidFill>
+                    <a:srgbClr val="4F81BD">
+                      <a:alpha val="0"/>
+                    </a:srgbClr>
+                  </a:solidFill>
+                </a:ln>
+                <a:latin typeface="현대하모니 M" panose="02020603020101020101" pitchFamily="18" charset="-127"/>
+                <a:ea typeface="현대하모니 M" panose="02020603020101020101" pitchFamily="18" charset="-127"/>
+              </a:rPr>
+              <a:t>실행 모델링 도면화</a:t>
+            </a:r>
+          </a:p>
+        </p:txBody>
+      </p:sp>
+      <p:sp>
+        <p:nvSpPr>
+          <p:cNvPr id="8" name="직사각형 7">
+            <a:extLst>
+              <a:ext uri="{FF2B5EF4-FFF2-40B4-BE49-F238E27FC236}">
+                <a16:creationId xmlns:a16="http://schemas.microsoft.com/office/drawing/2014/main" id="{26E70ACE-BCF7-DD68-2B38-6EA7529A08E3}"/>
+              </a:ext>
+            </a:extLst>
+          </p:cNvPr>
+          <p:cNvSpPr/>
+          <p:nvPr/>
+        </p:nvSpPr>
+        <p:spPr>
+          <a:xfrm>
+            <a:off x="286870" y="633137"/>
+            <a:ext cx="4874795" cy="400110"/>
+          </a:xfrm>
+          <a:prstGeom prst="rect">
+            <a:avLst/>
+          </a:prstGeom>
+        </p:spPr>
+        <p:txBody>
+          <a:bodyPr wrap="square">
+            <a:spAutoFit/>
+          </a:bodyPr>
+          <a:lstStyle/>
+          <a:p>
+            <a:pPr defTabSz="900086" eaLnBrk="0" latinLnBrk="0" hangingPunct="0">
+              <a:defRPr/>
+            </a:pPr>
+            <a:r>
+              <a:rPr lang="en-US" altLang="ko-KR" sz="2000" b="1" dirty="0">
+                <a:ln>
+                  <a:solidFill>
+                    <a:srgbClr val="4F81BD">
+                      <a:alpha val="0"/>
+                    </a:srgbClr>
+                  </a:solidFill>
+                </a:ln>
+                <a:latin typeface="현대하모니 M" panose="02020603020101020101" pitchFamily="18" charset="-127"/>
+                <a:ea typeface="현대하모니 M" panose="02020603020101020101" pitchFamily="18" charset="-127"/>
+              </a:rPr>
+              <a:t>&lt;</a:t>
+            </a:r>
+            <a:r>
+              <a:rPr lang="ko-KR" altLang="en-US" sz="2000" b="1" dirty="0">
+                <a:ln>
+                  <a:solidFill>
+                    <a:srgbClr val="4F81BD">
+                      <a:alpha val="0"/>
+                    </a:srgbClr>
+                  </a:solidFill>
+                </a:ln>
+                <a:latin typeface="현대하모니 M" panose="02020603020101020101" pitchFamily="18" charset="-127"/>
+                <a:ea typeface="현대하모니 M" panose="02020603020101020101" pitchFamily="18" charset="-127"/>
+              </a:rPr>
+              <a:t>실행 베이스 </a:t>
+            </a:r>
+            <a:r>
+              <a:rPr lang="en-US" altLang="ko-KR" sz="2000" b="1" dirty="0">
+                <a:ln>
+                  <a:solidFill>
+                    <a:srgbClr val="4F81BD">
+                      <a:alpha val="0"/>
+                    </a:srgbClr>
+                  </a:solidFill>
+                </a:ln>
+                <a:latin typeface="현대하모니 M" panose="02020603020101020101" pitchFamily="18" charset="-127"/>
+                <a:ea typeface="현대하모니 M" panose="02020603020101020101" pitchFamily="18" charset="-127"/>
+              </a:rPr>
+              <a:t>RC</a:t>
+            </a:r>
+            <a:r>
+              <a:rPr lang="ko-KR" altLang="en-US" sz="2000" b="1" dirty="0">
+                <a:ln>
+                  <a:solidFill>
+                    <a:srgbClr val="4F81BD">
+                      <a:alpha val="0"/>
+                    </a:srgbClr>
+                  </a:solidFill>
+                </a:ln>
+                <a:latin typeface="현대하모니 M" panose="02020603020101020101" pitchFamily="18" charset="-127"/>
+                <a:ea typeface="현대하모니 M" panose="02020603020101020101" pitchFamily="18" charset="-127"/>
+              </a:rPr>
+              <a:t> 모델링</a:t>
+            </a:r>
+            <a:r>
+              <a:rPr lang="en-US" altLang="ko-KR" sz="2000" b="1" dirty="0">
+                <a:ln>
+                  <a:solidFill>
+                    <a:srgbClr val="4F81BD">
+                      <a:alpha val="0"/>
+                    </a:srgbClr>
+                  </a:solidFill>
+                </a:ln>
+                <a:latin typeface="현대하모니 M" panose="02020603020101020101" pitchFamily="18" charset="-127"/>
+                <a:ea typeface="현대하모니 M" panose="02020603020101020101" pitchFamily="18" charset="-127"/>
+              </a:rPr>
+              <a:t>-LOD350&gt;</a:t>
+            </a:r>
+            <a:endParaRPr lang="ko-KR" altLang="en-US" sz="2000" b="1" dirty="0">
+              <a:ln>
+                <a:solidFill>
+                  <a:srgbClr val="4F81BD">
+                    <a:alpha val="0"/>
+                  </a:srgbClr>
+                </a:solidFill>
+              </a:ln>
+              <a:latin typeface="현대하모니 M" panose="02020603020101020101" pitchFamily="18" charset="-127"/>
+              <a:ea typeface="현대하모니 M" panose="02020603020101020101" pitchFamily="18" charset="-127"/>
+            </a:endParaRPr>
+          </a:p>
+        </p:txBody>
+      </p:sp>
+    </p:spTree>
+    <p:extLst>
+      <p:ext uri="{BB962C8B-B14F-4D97-AF65-F5344CB8AC3E}">
+        <p14:creationId xmlns:p14="http://schemas.microsoft.com/office/powerpoint/2010/main" val="3060912237"/>
+      </p:ext>
+    </p:extLst>
+  </p:cSld>
+  <p:clrMapOvr>
+    <a:masterClrMapping/>
+  </p:clrMapOvr>
+</p:sld>
+</file>
+
+<file path=ppt/slides/slide30.xml><?xml version="1.0" encoding="utf-8"?>
 <p:sld xmlns:a="http://schemas.openxmlformats.org/drawingml/2006/main" xmlns:r="http://schemas.openxmlformats.org/officeDocument/2006/relationships" xmlns:p="http://schemas.openxmlformats.org/presentationml/2006/main">
   <p:cSld>
     <p:spTree>
@@ -31886,13 +37511,13 @@
           <a:p>
             <a:r>
               <a:rPr lang="en-US" altLang="ko-KR" dirty="0"/>
-              <a:t>&lt;G_Door Style Schedule&gt;</a:t>
+              <a:t>&lt;G_Door Style – Bidding Family&gt;</a:t>
             </a:r>
           </a:p>
           <a:p>
             <a:r>
               <a:rPr lang="en-US" altLang="ko-KR" dirty="0"/>
-              <a:t>&lt;H_Window Style Schedule&gt;</a:t>
+              <a:t>&lt;H_Window Style – Bidding Family&gt;</a:t>
             </a:r>
           </a:p>
         </p:txBody>
@@ -32604,7 +38229,7 @@
 </p:sld>
 </file>
 
-<file path=ppt/slides/slide29.xml><?xml version="1.0" encoding="utf-8"?>
+<file path=ppt/slides/slide31.xml><?xml version="1.0" encoding="utf-8"?>
 <p:sld xmlns:a="http://schemas.openxmlformats.org/drawingml/2006/main" xmlns:r="http://schemas.openxmlformats.org/officeDocument/2006/relationships" xmlns:p="http://schemas.openxmlformats.org/presentationml/2006/main">
   <p:cSld>
     <p:spTree>
@@ -32655,370 +38280,6 @@
     <p:extLst>
       <p:ext uri="{BB962C8B-B14F-4D97-AF65-F5344CB8AC3E}">
         <p14:creationId xmlns:p14="http://schemas.microsoft.com/office/powerpoint/2010/main" val="1663510607"/>
-      </p:ext>
-    </p:extLst>
-  </p:cSld>
-  <p:clrMapOvr>
-    <a:masterClrMapping/>
-  </p:clrMapOvr>
-</p:sld>
-</file>
-
-<file path=ppt/slides/slide3.xml><?xml version="1.0" encoding="utf-8"?>
-<p:sld xmlns:a="http://schemas.openxmlformats.org/drawingml/2006/main" xmlns:r="http://schemas.openxmlformats.org/officeDocument/2006/relationships" xmlns:p="http://schemas.openxmlformats.org/presentationml/2006/main">
-  <p:cSld>
-    <p:spTree>
-      <p:nvGrpSpPr>
-        <p:cNvPr id="1" name=""/>
-        <p:cNvGrpSpPr/>
-        <p:nvPr/>
-      </p:nvGrpSpPr>
-      <p:grpSpPr>
-        <a:xfrm>
-          <a:off x="0" y="0"/>
-          <a:ext cx="0" cy="0"/>
-          <a:chOff x="0" y="0"/>
-          <a:chExt cx="0" cy="0"/>
-        </a:xfrm>
-      </p:grpSpPr>
-      <p:sp>
-        <p:nvSpPr>
-          <p:cNvPr id="2" name="직사각형 1"/>
-          <p:cNvSpPr/>
-          <p:nvPr/>
-        </p:nvSpPr>
-        <p:spPr>
-          <a:xfrm>
-            <a:off x="1320130" y="1477115"/>
-            <a:ext cx="9471371" cy="523220"/>
-          </a:xfrm>
-          <a:prstGeom prst="rect">
-            <a:avLst/>
-          </a:prstGeom>
-        </p:spPr>
-        <p:txBody>
-          <a:bodyPr wrap="square">
-            <a:spAutoFit/>
-          </a:bodyPr>
-          <a:lstStyle/>
-          <a:p>
-            <a:pPr algn="ctr" defTabSz="900086" eaLnBrk="0" latinLnBrk="0" hangingPunct="0">
-              <a:defRPr/>
-            </a:pPr>
-            <a:r>
-              <a:rPr lang="en-US" altLang="ko-KR" sz="2800" b="1" dirty="0">
-                <a:ln>
-                  <a:solidFill>
-                    <a:srgbClr val="4F81BD">
-                      <a:alpha val="0"/>
-                    </a:srgbClr>
-                  </a:solidFill>
-                </a:ln>
-                <a:latin typeface="현대하모니 M" panose="02020603020101020101" pitchFamily="18" charset="-127"/>
-                <a:ea typeface="현대하모니 M" panose="02020603020101020101" pitchFamily="18" charset="-127"/>
-              </a:rPr>
-              <a:t>I. </a:t>
-            </a:r>
-            <a:r>
-              <a:rPr lang="ko-KR" altLang="en-US" sz="2800" b="1" dirty="0">
-                <a:ln>
-                  <a:solidFill>
-                    <a:srgbClr val="4F81BD">
-                      <a:alpha val="0"/>
-                    </a:srgbClr>
-                  </a:solidFill>
-                </a:ln>
-                <a:latin typeface="현대하모니 M" panose="02020603020101020101" pitchFamily="18" charset="-127"/>
-                <a:ea typeface="현대하모니 M" panose="02020603020101020101" pitchFamily="18" charset="-127"/>
-              </a:rPr>
-              <a:t>협력업체 작업지시를 위한 기본 세팅</a:t>
-            </a:r>
-          </a:p>
-        </p:txBody>
-      </p:sp>
-      <p:sp>
-        <p:nvSpPr>
-          <p:cNvPr id="3" name="직사각형 2"/>
-          <p:cNvSpPr/>
-          <p:nvPr/>
-        </p:nvSpPr>
-        <p:spPr>
-          <a:xfrm>
-            <a:off x="1472530" y="2388634"/>
-            <a:ext cx="9471371" cy="523220"/>
-          </a:xfrm>
-          <a:prstGeom prst="rect">
-            <a:avLst/>
-          </a:prstGeom>
-        </p:spPr>
-        <p:txBody>
-          <a:bodyPr wrap="square">
-            <a:spAutoFit/>
-          </a:bodyPr>
-          <a:lstStyle/>
-          <a:p>
-            <a:pPr algn="ctr" defTabSz="900086" eaLnBrk="0" latinLnBrk="0" hangingPunct="0">
-              <a:defRPr/>
-            </a:pPr>
-            <a:r>
-              <a:rPr lang="en-US" altLang="ko-KR" sz="2800" b="1" dirty="0">
-                <a:ln>
-                  <a:solidFill>
-                    <a:srgbClr val="4F81BD">
-                      <a:alpha val="0"/>
-                    </a:srgbClr>
-                  </a:solidFill>
-                </a:ln>
-                <a:latin typeface="현대하모니 M" panose="02020603020101020101" pitchFamily="18" charset="-127"/>
-                <a:ea typeface="현대하모니 M" panose="02020603020101020101" pitchFamily="18" charset="-127"/>
-              </a:rPr>
-              <a:t>II. </a:t>
-            </a:r>
-            <a:r>
-              <a:rPr lang="ko-KR" altLang="en-US" sz="2800" b="1" dirty="0">
-                <a:ln>
-                  <a:solidFill>
-                    <a:srgbClr val="4F81BD">
-                      <a:alpha val="0"/>
-                    </a:srgbClr>
-                  </a:solidFill>
-                </a:ln>
-                <a:latin typeface="현대하모니 M" panose="02020603020101020101" pitchFamily="18" charset="-127"/>
-                <a:ea typeface="현대하모니 M" panose="02020603020101020101" pitchFamily="18" charset="-127"/>
-              </a:rPr>
-              <a:t>모델링 접수 후 검토할 사항</a:t>
-            </a:r>
-          </a:p>
-        </p:txBody>
-      </p:sp>
-      <p:sp>
-        <p:nvSpPr>
-          <p:cNvPr id="4" name="직사각형 3"/>
-          <p:cNvSpPr/>
-          <p:nvPr/>
-        </p:nvSpPr>
-        <p:spPr>
-          <a:xfrm>
-            <a:off x="1320130" y="4228927"/>
-            <a:ext cx="9471371" cy="523220"/>
-          </a:xfrm>
-          <a:prstGeom prst="rect">
-            <a:avLst/>
-          </a:prstGeom>
-        </p:spPr>
-        <p:txBody>
-          <a:bodyPr wrap="square">
-            <a:spAutoFit/>
-          </a:bodyPr>
-          <a:lstStyle/>
-          <a:p>
-            <a:pPr algn="ctr" defTabSz="900086" eaLnBrk="0" latinLnBrk="0" hangingPunct="0">
-              <a:defRPr/>
-            </a:pPr>
-            <a:r>
-              <a:rPr lang="en-US" altLang="ko-KR" sz="2800" b="1" dirty="0">
-                <a:ln>
-                  <a:solidFill>
-                    <a:srgbClr val="4F81BD">
-                      <a:alpha val="0"/>
-                    </a:srgbClr>
-                  </a:solidFill>
-                </a:ln>
-                <a:latin typeface="현대하모니 M" panose="02020603020101020101" pitchFamily="18" charset="-127"/>
-                <a:ea typeface="현대하모니 M" panose="02020603020101020101" pitchFamily="18" charset="-127"/>
-              </a:rPr>
-              <a:t>Ⅳ. </a:t>
-            </a:r>
-            <a:r>
-              <a:rPr lang="ko-KR" altLang="en-US" sz="2800" b="1" dirty="0">
-                <a:ln>
-                  <a:solidFill>
-                    <a:srgbClr val="4F81BD">
-                      <a:alpha val="0"/>
-                    </a:srgbClr>
-                  </a:solidFill>
-                </a:ln>
-                <a:latin typeface="현대하모니 M" panose="02020603020101020101" pitchFamily="18" charset="-127"/>
-                <a:ea typeface="현대하모니 M" panose="02020603020101020101" pitchFamily="18" charset="-127"/>
-              </a:rPr>
-              <a:t>물량산출자동화 툴을 이용한 빌딩 별 물량 산출</a:t>
-            </a:r>
-          </a:p>
-        </p:txBody>
-      </p:sp>
-      <p:sp>
-        <p:nvSpPr>
-          <p:cNvPr id="5" name="직사각형 4"/>
-          <p:cNvSpPr/>
-          <p:nvPr/>
-        </p:nvSpPr>
-        <p:spPr>
-          <a:xfrm>
-            <a:off x="1472530" y="3268530"/>
-            <a:ext cx="9471371" cy="523220"/>
-          </a:xfrm>
-          <a:prstGeom prst="rect">
-            <a:avLst/>
-          </a:prstGeom>
-        </p:spPr>
-        <p:txBody>
-          <a:bodyPr wrap="square">
-            <a:spAutoFit/>
-          </a:bodyPr>
-          <a:lstStyle/>
-          <a:p>
-            <a:pPr algn="ctr" defTabSz="900086" eaLnBrk="0" latinLnBrk="0" hangingPunct="0">
-              <a:defRPr/>
-            </a:pPr>
-            <a:r>
-              <a:rPr lang="en-US" altLang="ko-KR" sz="2800" b="1" dirty="0">
-                <a:ln>
-                  <a:solidFill>
-                    <a:srgbClr val="4F81BD">
-                      <a:alpha val="0"/>
-                    </a:srgbClr>
-                  </a:solidFill>
-                </a:ln>
-                <a:latin typeface="현대하모니 M" panose="02020603020101020101" pitchFamily="18" charset="-127"/>
-                <a:ea typeface="현대하모니 M" panose="02020603020101020101" pitchFamily="18" charset="-127"/>
-              </a:rPr>
-              <a:t>III. </a:t>
-            </a:r>
-            <a:r>
-              <a:rPr lang="ko-KR" altLang="en-US" sz="2800" b="1" dirty="0">
-                <a:ln>
-                  <a:solidFill>
-                    <a:srgbClr val="4F81BD">
-                      <a:alpha val="0"/>
-                    </a:srgbClr>
-                  </a:solidFill>
-                </a:ln>
-                <a:latin typeface="현대하모니 M" panose="02020603020101020101" pitchFamily="18" charset="-127"/>
-                <a:ea typeface="현대하모니 M" panose="02020603020101020101" pitchFamily="18" charset="-127"/>
-              </a:rPr>
-              <a:t>실행 모델링 도면화</a:t>
-            </a:r>
-          </a:p>
-        </p:txBody>
-      </p:sp>
-      <p:sp>
-        <p:nvSpPr>
-          <p:cNvPr id="8" name="직사각형 7">
-            <a:extLst>
-              <a:ext uri="{FF2B5EF4-FFF2-40B4-BE49-F238E27FC236}">
-                <a16:creationId xmlns:a16="http://schemas.microsoft.com/office/drawing/2014/main" id="{26E70ACE-BCF7-DD68-2B38-6EA7529A08E3}"/>
-              </a:ext>
-            </a:extLst>
-          </p:cNvPr>
-          <p:cNvSpPr/>
-          <p:nvPr/>
-        </p:nvSpPr>
-        <p:spPr>
-          <a:xfrm>
-            <a:off x="286870" y="633137"/>
-            <a:ext cx="4874795" cy="400110"/>
-          </a:xfrm>
-          <a:prstGeom prst="rect">
-            <a:avLst/>
-          </a:prstGeom>
-        </p:spPr>
-        <p:txBody>
-          <a:bodyPr wrap="square">
-            <a:spAutoFit/>
-          </a:bodyPr>
-          <a:lstStyle/>
-          <a:p>
-            <a:pPr defTabSz="900086" eaLnBrk="0" latinLnBrk="0" hangingPunct="0">
-              <a:defRPr/>
-            </a:pPr>
-            <a:r>
-              <a:rPr lang="en-US" altLang="ko-KR" sz="2000" b="1" dirty="0">
-                <a:ln>
-                  <a:solidFill>
-                    <a:srgbClr val="4F81BD">
-                      <a:alpha val="0"/>
-                    </a:srgbClr>
-                  </a:solidFill>
-                </a:ln>
-                <a:latin typeface="현대하모니 M" panose="02020603020101020101" pitchFamily="18" charset="-127"/>
-                <a:ea typeface="현대하모니 M" panose="02020603020101020101" pitchFamily="18" charset="-127"/>
-              </a:rPr>
-              <a:t>&lt;</a:t>
-            </a:r>
-            <a:r>
-              <a:rPr lang="ko-KR" altLang="en-US" sz="2000" b="1" dirty="0">
-                <a:ln>
-                  <a:solidFill>
-                    <a:srgbClr val="4F81BD">
-                      <a:alpha val="0"/>
-                    </a:srgbClr>
-                  </a:solidFill>
-                </a:ln>
-                <a:latin typeface="현대하모니 M" panose="02020603020101020101" pitchFamily="18" charset="-127"/>
-                <a:ea typeface="현대하모니 M" panose="02020603020101020101" pitchFamily="18" charset="-127"/>
-              </a:rPr>
-              <a:t>실행 베이스 </a:t>
-            </a:r>
-            <a:r>
-              <a:rPr lang="en-US" altLang="ko-KR" sz="2000" b="1" dirty="0">
-                <a:ln>
-                  <a:solidFill>
-                    <a:srgbClr val="4F81BD">
-                      <a:alpha val="0"/>
-                    </a:srgbClr>
-                  </a:solidFill>
-                </a:ln>
-                <a:latin typeface="현대하모니 M" panose="02020603020101020101" pitchFamily="18" charset="-127"/>
-                <a:ea typeface="현대하모니 M" panose="02020603020101020101" pitchFamily="18" charset="-127"/>
-              </a:rPr>
-              <a:t>RC</a:t>
-            </a:r>
-            <a:r>
-              <a:rPr lang="ko-KR" altLang="en-US" sz="2000" b="1" dirty="0">
-                <a:ln>
-                  <a:solidFill>
-                    <a:srgbClr val="4F81BD">
-                      <a:alpha val="0"/>
-                    </a:srgbClr>
-                  </a:solidFill>
-                </a:ln>
-                <a:latin typeface="현대하모니 M" panose="02020603020101020101" pitchFamily="18" charset="-127"/>
-                <a:ea typeface="현대하모니 M" panose="02020603020101020101" pitchFamily="18" charset="-127"/>
-              </a:rPr>
-              <a:t> 모델링</a:t>
-            </a:r>
-            <a:r>
-              <a:rPr lang="en-US" altLang="ko-KR" sz="2000" b="1" dirty="0">
-                <a:ln>
-                  <a:solidFill>
-                    <a:srgbClr val="4F81BD">
-                      <a:alpha val="0"/>
-                    </a:srgbClr>
-                  </a:solidFill>
-                </a:ln>
-                <a:latin typeface="현대하모니 M" panose="02020603020101020101" pitchFamily="18" charset="-127"/>
-                <a:ea typeface="현대하모니 M" panose="02020603020101020101" pitchFamily="18" charset="-127"/>
-              </a:rPr>
-              <a:t>-LOD350&gt;</a:t>
-            </a:r>
-            <a:endParaRPr lang="ko-KR" altLang="en-US" sz="2000" b="1" dirty="0">
-              <a:ln>
-                <a:solidFill>
-                  <a:srgbClr val="4F81BD">
-                    <a:alpha val="0"/>
-                  </a:srgbClr>
-                </a:solidFill>
-              </a:ln>
-              <a:latin typeface="현대하모니 M" panose="02020603020101020101" pitchFamily="18" charset="-127"/>
-              <a:ea typeface="현대하모니 M" panose="02020603020101020101" pitchFamily="18" charset="-127"/>
-            </a:endParaRPr>
-          </a:p>
-        </p:txBody>
-      </p:sp>
-    </p:spTree>
-    <p:extLst>
-      <p:ext uri="{BB962C8B-B14F-4D97-AF65-F5344CB8AC3E}">
-        <p14:creationId xmlns:p14="http://schemas.microsoft.com/office/powerpoint/2010/main" val="3060912237"/>
       </p:ext>
     </p:extLst>
   </p:cSld>
@@ -38923,6 +44184,17 @@
 </file>
 
 <file path=customXml/item1.xml><?xml version="1.0" encoding="utf-8"?>
+<p:properties xmlns:p="http://schemas.microsoft.com/office/2006/metadata/properties" xmlns:xsi="http://www.w3.org/2001/XMLSchema-instance" xmlns:pc="http://schemas.microsoft.com/office/infopath/2007/PartnerControls">
+  <documentManagement>
+    <TaxCatchAll xmlns="1df8d749-692d-49a0-b17f-039abb75530b" xsi:nil="true"/>
+    <lcf76f155ced4ddcb4097134ff3c332f xmlns="31d58751-bbf6-4d52-983e-b571b4cec1a2">
+      <Terms xmlns="http://schemas.microsoft.com/office/infopath/2007/PartnerControls"/>
+    </lcf76f155ced4ddcb4097134ff3c332f>
+  </documentManagement>
+</p:properties>
+</file>
+
+<file path=customXml/item2.xml><?xml version="1.0" encoding="utf-8"?>
 <ct:contentTypeSchema xmlns:ct="http://schemas.microsoft.com/office/2006/metadata/contentType" xmlns:ma="http://schemas.microsoft.com/office/2006/metadata/properties/metaAttributes" ct:_="" ma:_="" ma:contentTypeName="Document" ma:contentTypeID="0x0101001708ADEC9AB2D74E8EF8811BBC4F9F5F" ma:contentTypeVersion="13" ma:contentTypeDescription="Create a new document." ma:contentTypeScope="" ma:versionID="a3b06910737554b5ac940bb5c49a8122">
   <xsd:schema xmlns:xsd="http://www.w3.org/2001/XMLSchema" xmlns:xs="http://www.w3.org/2001/XMLSchema" xmlns:p="http://schemas.microsoft.com/office/2006/metadata/properties" xmlns:ns2="31d58751-bbf6-4d52-983e-b571b4cec1a2" xmlns:ns3="1df8d749-692d-49a0-b17f-039abb75530b" targetNamespace="http://schemas.microsoft.com/office/2006/metadata/properties" ma:root="true" ma:fieldsID="e65be07af5111e27d94503899b5835e0" ns2:_="" ns3:_="">
     <xsd:import namespace="31d58751-bbf6-4d52-983e-b571b4cec1a2"/>
@@ -39145,17 +44417,6 @@
 </ct:contentTypeSchema>
 </file>
 
-<file path=customXml/item2.xml><?xml version="1.0" encoding="utf-8"?>
-<p:properties xmlns:p="http://schemas.microsoft.com/office/2006/metadata/properties" xmlns:xsi="http://www.w3.org/2001/XMLSchema-instance" xmlns:pc="http://schemas.microsoft.com/office/infopath/2007/PartnerControls">
-  <documentManagement>
-    <TaxCatchAll xmlns="1df8d749-692d-49a0-b17f-039abb75530b" xsi:nil="true"/>
-    <lcf76f155ced4ddcb4097134ff3c332f xmlns="31d58751-bbf6-4d52-983e-b571b4cec1a2">
-      <Terms xmlns="http://schemas.microsoft.com/office/infopath/2007/PartnerControls"/>
-    </lcf76f155ced4ddcb4097134ff3c332f>
-  </documentManagement>
-</p:properties>
-</file>
-
 <file path=customXml/item3.xml><?xml version="1.0" encoding="utf-8"?>
 <?mso-contentType ?>
 <FormTemplates xmlns="http://schemas.microsoft.com/sharepoint/v3/contenttype/forms">
@@ -39166,6 +44427,23 @@
 </file>
 
 <file path=customXml/itemProps1.xml><?xml version="1.0" encoding="utf-8"?>
+<ds:datastoreItem xmlns:ds="http://schemas.openxmlformats.org/officeDocument/2006/customXml" ds:itemID="{AFAF279A-332D-4A43-AAEA-37BADD2E9B0D}">
+  <ds:schemaRefs>
+    <ds:schemaRef ds:uri="http://purl.org/dc/terms/"/>
+    <ds:schemaRef ds:uri="1df8d749-692d-49a0-b17f-039abb75530b"/>
+    <ds:schemaRef ds:uri="http://schemas.microsoft.com/office/infopath/2007/PartnerControls"/>
+    <ds:schemaRef ds:uri="http://schemas.openxmlformats.org/package/2006/metadata/core-properties"/>
+    <ds:schemaRef ds:uri="http://www.w3.org/XML/1998/namespace"/>
+    <ds:schemaRef ds:uri="http://schemas.microsoft.com/office/2006/metadata/properties"/>
+    <ds:schemaRef ds:uri="http://schemas.microsoft.com/office/2006/documentManagement/types"/>
+    <ds:schemaRef ds:uri="http://purl.org/dc/dcmitype/"/>
+    <ds:schemaRef ds:uri="31d58751-bbf6-4d52-983e-b571b4cec1a2"/>
+    <ds:schemaRef ds:uri="http://purl.org/dc/elements/1.1/"/>
+  </ds:schemaRefs>
+</ds:datastoreItem>
+</file>
+
+<file path=customXml/itemProps2.xml><?xml version="1.0" encoding="utf-8"?>
 <ds:datastoreItem xmlns:ds="http://schemas.openxmlformats.org/officeDocument/2006/customXml" ds:itemID="{47108C31-B407-4318-9A85-98FFD0EFF9B6}">
   <ds:schemaRefs>
     <ds:schemaRef ds:uri="http://schemas.microsoft.com/office/2006/metadata/contentType"/>
@@ -39184,23 +44462,6 @@
 </ds:datastoreItem>
 </file>
 
-<file path=customXml/itemProps2.xml><?xml version="1.0" encoding="utf-8"?>
-<ds:datastoreItem xmlns:ds="http://schemas.openxmlformats.org/officeDocument/2006/customXml" ds:itemID="{AFAF279A-332D-4A43-AAEA-37BADD2E9B0D}">
-  <ds:schemaRefs>
-    <ds:schemaRef ds:uri="http://purl.org/dc/terms/"/>
-    <ds:schemaRef ds:uri="1df8d749-692d-49a0-b17f-039abb75530b"/>
-    <ds:schemaRef ds:uri="http://schemas.microsoft.com/office/infopath/2007/PartnerControls"/>
-    <ds:schemaRef ds:uri="http://schemas.openxmlformats.org/package/2006/metadata/core-properties"/>
-    <ds:schemaRef ds:uri="http://www.w3.org/XML/1998/namespace"/>
-    <ds:schemaRef ds:uri="http://schemas.microsoft.com/office/2006/metadata/properties"/>
-    <ds:schemaRef ds:uri="http://schemas.microsoft.com/office/2006/documentManagement/types"/>
-    <ds:schemaRef ds:uri="http://purl.org/dc/dcmitype/"/>
-    <ds:schemaRef ds:uri="31d58751-bbf6-4d52-983e-b571b4cec1a2"/>
-    <ds:schemaRef ds:uri="http://purl.org/dc/elements/1.1/"/>
-  </ds:schemaRefs>
-</ds:datastoreItem>
-</file>
-
 <file path=customXml/itemProps3.xml><?xml version="1.0" encoding="utf-8"?>
 <ds:datastoreItem xmlns:ds="http://schemas.openxmlformats.org/officeDocument/2006/customXml" ds:itemID="{5F75E257-10B3-4CDF-A4F0-C9CCDA83B5D5}">
   <ds:schemaRefs>

--- a/etc/_팀교육/플랜트건축설계팀_BIM 팀 교육자료(2024).pptx
+++ b/etc/_팀교육/플랜트건축설계팀_BIM 팀 교육자료(2024).pptx
@@ -41,7 +41,7 @@
     <p:sldId id="389" r:id="rId35"/>
   </p:sldIdLst>
   <p:sldSz cx="12192000" cy="6858000"/>
-  <p:notesSz cx="6858000" cy="9144000"/>
+  <p:notesSz cx="6735763" cy="9866313"/>
   <p:defaultTextStyle>
     <a:defPPr>
       <a:defRPr lang="ko-KR"/>
@@ -223,7 +223,7 @@
         <p:spPr>
           <a:xfrm>
             <a:off x="0" y="0"/>
-            <a:ext cx="2971800" cy="458788"/>
+            <a:ext cx="2918831" cy="495029"/>
           </a:xfrm>
           <a:prstGeom prst="rect">
             <a:avLst/>
@@ -253,8 +253,8 @@
         </p:nvSpPr>
         <p:spPr>
           <a:xfrm>
-            <a:off x="3884613" y="0"/>
-            <a:ext cx="2971800" cy="458788"/>
+            <a:off x="3815373" y="0"/>
+            <a:ext cx="2918831" cy="495029"/>
           </a:xfrm>
           <a:prstGeom prst="rect">
             <a:avLst/>
@@ -270,7 +270,7 @@
           <a:p>
             <a:fld id="{7A051C67-A29D-4784-80AB-75E6BD6E7D84}" type="datetimeFigureOut">
               <a:rPr lang="ko-KR" altLang="en-US" smtClean="0"/>
-              <a:t>2024-02-19</a:t>
+              <a:t>2024-02-20</a:t>
             </a:fld>
             <a:endParaRPr lang="ko-KR" altLang="en-US"/>
           </a:p>
@@ -288,8 +288,8 @@
         </p:nvSpPr>
         <p:spPr>
           <a:xfrm>
-            <a:off x="685800" y="1143000"/>
-            <a:ext cx="5486400" cy="3086100"/>
+            <a:off x="409575" y="1233488"/>
+            <a:ext cx="5916613" cy="3328987"/>
           </a:xfrm>
           <a:prstGeom prst="rect">
             <a:avLst/>
@@ -321,8 +321,8 @@
         </p:nvSpPr>
         <p:spPr>
           <a:xfrm>
-            <a:off x="685800" y="4400550"/>
-            <a:ext cx="5486400" cy="3600450"/>
+            <a:off x="673577" y="4748163"/>
+            <a:ext cx="5388610" cy="3884861"/>
           </a:xfrm>
           <a:prstGeom prst="rect">
             <a:avLst/>
@@ -380,8 +380,8 @@
         </p:nvSpPr>
         <p:spPr>
           <a:xfrm>
-            <a:off x="0" y="8685213"/>
-            <a:ext cx="2971800" cy="458787"/>
+            <a:off x="0" y="9371286"/>
+            <a:ext cx="2918831" cy="495028"/>
           </a:xfrm>
           <a:prstGeom prst="rect">
             <a:avLst/>
@@ -411,8 +411,8 @@
         </p:nvSpPr>
         <p:spPr>
           <a:xfrm>
-            <a:off x="3884613" y="8685213"/>
-            <a:ext cx="2971800" cy="458787"/>
+            <a:off x="3815373" y="9371286"/>
+            <a:ext cx="2918831" cy="495028"/>
           </a:xfrm>
           <a:prstGeom prst="rect">
             <a:avLst/>
@@ -566,8 +566,8 @@
         </p:nvSpPr>
         <p:spPr>
           <a:xfrm>
-            <a:off x="685800" y="1143000"/>
-            <a:ext cx="5486400" cy="3086100"/>
+            <a:off x="409575" y="1233488"/>
+            <a:ext cx="5916613" cy="3328987"/>
           </a:xfrm>
         </p:spPr>
       </p:sp>
@@ -583,8 +583,8 @@
         </p:nvSpPr>
         <p:spPr>
           <a:xfrm>
-            <a:off x="673100" y="4748213"/>
-            <a:ext cx="5389563" cy="3884612"/>
+            <a:off x="661103" y="5123289"/>
+            <a:ext cx="5293499" cy="4191470"/>
           </a:xfrm>
           <a:prstGeom prst="rect">
             <a:avLst/>
@@ -926,8 +926,8 @@
         </p:nvSpPr>
         <p:spPr>
           <a:xfrm>
-            <a:off x="685800" y="1143000"/>
-            <a:ext cx="5486400" cy="3086100"/>
+            <a:off x="409575" y="1233488"/>
+            <a:ext cx="5916613" cy="3328987"/>
           </a:xfrm>
         </p:spPr>
       </p:sp>
@@ -943,8 +943,8 @@
         </p:nvSpPr>
         <p:spPr>
           <a:xfrm>
-            <a:off x="673100" y="4748213"/>
-            <a:ext cx="5389563" cy="3884612"/>
+            <a:off x="661103" y="5123289"/>
+            <a:ext cx="5293499" cy="4191470"/>
           </a:xfrm>
           <a:prstGeom prst="rect">
             <a:avLst/>
@@ -1286,8 +1286,8 @@
         </p:nvSpPr>
         <p:spPr>
           <a:xfrm>
-            <a:off x="685800" y="1143000"/>
-            <a:ext cx="5486400" cy="3086100"/>
+            <a:off x="409575" y="1233488"/>
+            <a:ext cx="5916613" cy="3328987"/>
           </a:xfrm>
         </p:spPr>
       </p:sp>
@@ -1303,8 +1303,8 @@
         </p:nvSpPr>
         <p:spPr>
           <a:xfrm>
-            <a:off x="673100" y="4748213"/>
-            <a:ext cx="5389563" cy="3884612"/>
+            <a:off x="661103" y="5123289"/>
+            <a:ext cx="5293499" cy="4191470"/>
           </a:xfrm>
           <a:prstGeom prst="rect">
             <a:avLst/>
@@ -1658,8 +1658,8 @@
         </p:nvSpPr>
         <p:spPr>
           <a:xfrm>
-            <a:off x="685800" y="1143000"/>
-            <a:ext cx="5486400" cy="3086100"/>
+            <a:off x="409575" y="1233488"/>
+            <a:ext cx="5916613" cy="3328987"/>
           </a:xfrm>
         </p:spPr>
       </p:sp>
@@ -1681,8 +1681,8 @@
         </p:nvSpPr>
         <p:spPr>
           <a:xfrm>
-            <a:off x="673100" y="4748213"/>
-            <a:ext cx="5389563" cy="3884612"/>
+            <a:off x="661103" y="5123289"/>
+            <a:ext cx="5293499" cy="4191470"/>
           </a:xfrm>
           <a:prstGeom prst="rect">
             <a:avLst/>
@@ -2030,8 +2030,8 @@
         </p:nvSpPr>
         <p:spPr>
           <a:xfrm>
-            <a:off x="685800" y="1143000"/>
-            <a:ext cx="5486400" cy="3086100"/>
+            <a:off x="409575" y="1233488"/>
+            <a:ext cx="5916613" cy="3328987"/>
           </a:xfrm>
         </p:spPr>
       </p:sp>
@@ -2047,8 +2047,8 @@
         </p:nvSpPr>
         <p:spPr>
           <a:xfrm>
-            <a:off x="673100" y="4748213"/>
-            <a:ext cx="5389563" cy="3884612"/>
+            <a:off x="661103" y="5123289"/>
+            <a:ext cx="5293499" cy="4191470"/>
           </a:xfrm>
           <a:prstGeom prst="rect">
             <a:avLst/>
@@ -2390,8 +2390,8 @@
         </p:nvSpPr>
         <p:spPr>
           <a:xfrm>
-            <a:off x="685800" y="1143000"/>
-            <a:ext cx="5486400" cy="3086100"/>
+            <a:off x="409575" y="1233488"/>
+            <a:ext cx="5916613" cy="3328987"/>
           </a:xfrm>
         </p:spPr>
       </p:sp>
@@ -2407,8 +2407,8 @@
         </p:nvSpPr>
         <p:spPr>
           <a:xfrm>
-            <a:off x="673100" y="4748213"/>
-            <a:ext cx="5389563" cy="3884612"/>
+            <a:off x="661103" y="5123289"/>
+            <a:ext cx="5293499" cy="4191470"/>
           </a:xfrm>
           <a:prstGeom prst="rect">
             <a:avLst/>
@@ -2750,8 +2750,8 @@
         </p:nvSpPr>
         <p:spPr>
           <a:xfrm>
-            <a:off x="685800" y="1143000"/>
-            <a:ext cx="5486400" cy="3086100"/>
+            <a:off x="409575" y="1233488"/>
+            <a:ext cx="5916613" cy="3328987"/>
           </a:xfrm>
         </p:spPr>
       </p:sp>
@@ -2767,8 +2767,8 @@
         </p:nvSpPr>
         <p:spPr>
           <a:xfrm>
-            <a:off x="673100" y="4748213"/>
-            <a:ext cx="5389563" cy="3884612"/>
+            <a:off x="661103" y="5123289"/>
+            <a:ext cx="5293499" cy="4191470"/>
           </a:xfrm>
           <a:prstGeom prst="rect">
             <a:avLst/>
@@ -3110,8 +3110,8 @@
         </p:nvSpPr>
         <p:spPr>
           <a:xfrm>
-            <a:off x="685800" y="1143000"/>
-            <a:ext cx="5486400" cy="3086100"/>
+            <a:off x="409575" y="1233488"/>
+            <a:ext cx="5916613" cy="3328987"/>
           </a:xfrm>
         </p:spPr>
       </p:sp>
@@ -3127,8 +3127,8 @@
         </p:nvSpPr>
         <p:spPr>
           <a:xfrm>
-            <a:off x="673100" y="4748213"/>
-            <a:ext cx="5389563" cy="3884612"/>
+            <a:off x="661103" y="5123289"/>
+            <a:ext cx="5293499" cy="4191470"/>
           </a:xfrm>
           <a:prstGeom prst="rect">
             <a:avLst/>
@@ -3470,8 +3470,8 @@
         </p:nvSpPr>
         <p:spPr>
           <a:xfrm>
-            <a:off x="685800" y="1143000"/>
-            <a:ext cx="5486400" cy="3086100"/>
+            <a:off x="409575" y="1233488"/>
+            <a:ext cx="5916613" cy="3328987"/>
           </a:xfrm>
         </p:spPr>
       </p:sp>
@@ -3487,8 +3487,8 @@
         </p:nvSpPr>
         <p:spPr>
           <a:xfrm>
-            <a:off x="673100" y="4748213"/>
-            <a:ext cx="5389563" cy="3884612"/>
+            <a:off x="661103" y="5123289"/>
+            <a:ext cx="5293499" cy="4191470"/>
           </a:xfrm>
           <a:prstGeom prst="rect">
             <a:avLst/>
@@ -3830,8 +3830,8 @@
         </p:nvSpPr>
         <p:spPr>
           <a:xfrm>
-            <a:off x="685800" y="1143000"/>
-            <a:ext cx="5486400" cy="3086100"/>
+            <a:off x="409575" y="1233488"/>
+            <a:ext cx="5916613" cy="3328987"/>
           </a:xfrm>
         </p:spPr>
       </p:sp>
@@ -3847,8 +3847,8 @@
         </p:nvSpPr>
         <p:spPr>
           <a:xfrm>
-            <a:off x="673100" y="4748213"/>
-            <a:ext cx="5389563" cy="3884612"/>
+            <a:off x="661103" y="5123289"/>
+            <a:ext cx="5293499" cy="4191470"/>
           </a:xfrm>
           <a:prstGeom prst="rect">
             <a:avLst/>
@@ -4190,8 +4190,8 @@
         </p:nvSpPr>
         <p:spPr>
           <a:xfrm>
-            <a:off x="685800" y="1143000"/>
-            <a:ext cx="5486400" cy="3086100"/>
+            <a:off x="409575" y="1233488"/>
+            <a:ext cx="5916613" cy="3328987"/>
           </a:xfrm>
         </p:spPr>
       </p:sp>
@@ -4207,8 +4207,8 @@
         </p:nvSpPr>
         <p:spPr>
           <a:xfrm>
-            <a:off x="673100" y="4748213"/>
-            <a:ext cx="5389563" cy="3884612"/>
+            <a:off x="661103" y="5123289"/>
+            <a:ext cx="5293499" cy="4191470"/>
           </a:xfrm>
           <a:prstGeom prst="rect">
             <a:avLst/>
@@ -4550,8 +4550,8 @@
         </p:nvSpPr>
         <p:spPr>
           <a:xfrm>
-            <a:off x="685800" y="1143000"/>
-            <a:ext cx="5486400" cy="3086100"/>
+            <a:off x="409575" y="1233488"/>
+            <a:ext cx="5916613" cy="3328987"/>
           </a:xfrm>
         </p:spPr>
       </p:sp>
@@ -4567,8 +4567,8 @@
         </p:nvSpPr>
         <p:spPr>
           <a:xfrm>
-            <a:off x="673100" y="4748213"/>
-            <a:ext cx="5389563" cy="3884612"/>
+            <a:off x="661103" y="5123289"/>
+            <a:ext cx="5293499" cy="4191470"/>
           </a:xfrm>
           <a:prstGeom prst="rect">
             <a:avLst/>
@@ -4922,8 +4922,8 @@
         </p:nvSpPr>
         <p:spPr>
           <a:xfrm>
-            <a:off x="685800" y="1143000"/>
-            <a:ext cx="5486400" cy="3086100"/>
+            <a:off x="409575" y="1233488"/>
+            <a:ext cx="5916613" cy="3328987"/>
           </a:xfrm>
         </p:spPr>
       </p:sp>
@@ -4945,8 +4945,8 @@
         </p:nvSpPr>
         <p:spPr>
           <a:xfrm>
-            <a:off x="673100" y="4748213"/>
-            <a:ext cx="5389563" cy="3884612"/>
+            <a:off x="661103" y="5123289"/>
+            <a:ext cx="5293499" cy="4191470"/>
           </a:xfrm>
           <a:prstGeom prst="rect">
             <a:avLst/>
@@ -5306,8 +5306,8 @@
         </p:nvSpPr>
         <p:spPr>
           <a:xfrm>
-            <a:off x="685800" y="1143000"/>
-            <a:ext cx="5486400" cy="3086100"/>
+            <a:off x="409575" y="1233488"/>
+            <a:ext cx="5916613" cy="3328987"/>
           </a:xfrm>
         </p:spPr>
       </p:sp>
@@ -5329,8 +5329,8 @@
         </p:nvSpPr>
         <p:spPr>
           <a:xfrm>
-            <a:off x="673100" y="4748213"/>
-            <a:ext cx="5389563" cy="3884612"/>
+            <a:off x="661103" y="5123289"/>
+            <a:ext cx="5293499" cy="4191470"/>
           </a:xfrm>
           <a:prstGeom prst="rect">
             <a:avLst/>
@@ -5678,8 +5678,8 @@
         </p:nvSpPr>
         <p:spPr>
           <a:xfrm>
-            <a:off x="685800" y="1143000"/>
-            <a:ext cx="5486400" cy="3086100"/>
+            <a:off x="409575" y="1233488"/>
+            <a:ext cx="5916613" cy="3328987"/>
           </a:xfrm>
         </p:spPr>
       </p:sp>
@@ -5695,8 +5695,8 @@
         </p:nvSpPr>
         <p:spPr>
           <a:xfrm>
-            <a:off x="673100" y="4748213"/>
-            <a:ext cx="5389563" cy="3884612"/>
+            <a:off x="661103" y="5123289"/>
+            <a:ext cx="5293499" cy="4191470"/>
           </a:xfrm>
           <a:prstGeom prst="rect">
             <a:avLst/>
@@ -6038,8 +6038,8 @@
         </p:nvSpPr>
         <p:spPr>
           <a:xfrm>
-            <a:off x="685800" y="1143000"/>
-            <a:ext cx="5486400" cy="3086100"/>
+            <a:off x="409575" y="1233488"/>
+            <a:ext cx="5916613" cy="3328987"/>
           </a:xfrm>
         </p:spPr>
       </p:sp>
@@ -6055,8 +6055,8 @@
         </p:nvSpPr>
         <p:spPr>
           <a:xfrm>
-            <a:off x="673100" y="4748213"/>
-            <a:ext cx="5389563" cy="3884612"/>
+            <a:off x="661103" y="5123289"/>
+            <a:ext cx="5293499" cy="4191470"/>
           </a:xfrm>
           <a:prstGeom prst="rect">
             <a:avLst/>
@@ -6398,8 +6398,8 @@
         </p:nvSpPr>
         <p:spPr>
           <a:xfrm>
-            <a:off x="685800" y="1143000"/>
-            <a:ext cx="5486400" cy="3086100"/>
+            <a:off x="409575" y="1233488"/>
+            <a:ext cx="5916613" cy="3328987"/>
           </a:xfrm>
         </p:spPr>
       </p:sp>
@@ -6415,8 +6415,8 @@
         </p:nvSpPr>
         <p:spPr>
           <a:xfrm>
-            <a:off x="673100" y="4748213"/>
-            <a:ext cx="5389563" cy="3884612"/>
+            <a:off x="661103" y="5123289"/>
+            <a:ext cx="5293499" cy="4191470"/>
           </a:xfrm>
           <a:prstGeom prst="rect">
             <a:avLst/>
@@ -6758,8 +6758,8 @@
         </p:nvSpPr>
         <p:spPr>
           <a:xfrm>
-            <a:off x="685800" y="1143000"/>
-            <a:ext cx="5486400" cy="3086100"/>
+            <a:off x="409575" y="1233488"/>
+            <a:ext cx="5916613" cy="3328987"/>
           </a:xfrm>
         </p:spPr>
       </p:sp>
@@ -6775,8 +6775,8 @@
         </p:nvSpPr>
         <p:spPr>
           <a:xfrm>
-            <a:off x="673100" y="4748213"/>
-            <a:ext cx="5389563" cy="3884612"/>
+            <a:off x="661103" y="5123289"/>
+            <a:ext cx="5293499" cy="4191470"/>
           </a:xfrm>
           <a:prstGeom prst="rect">
             <a:avLst/>
@@ -7118,8 +7118,8 @@
         </p:nvSpPr>
         <p:spPr>
           <a:xfrm>
-            <a:off x="685800" y="1143000"/>
-            <a:ext cx="5486400" cy="3086100"/>
+            <a:off x="409575" y="1233488"/>
+            <a:ext cx="5916613" cy="3328987"/>
           </a:xfrm>
         </p:spPr>
       </p:sp>
@@ -7135,8 +7135,8 @@
         </p:nvSpPr>
         <p:spPr>
           <a:xfrm>
-            <a:off x="673100" y="4748213"/>
-            <a:ext cx="5389563" cy="3884612"/>
+            <a:off x="661103" y="5123289"/>
+            <a:ext cx="5293499" cy="4191470"/>
           </a:xfrm>
           <a:prstGeom prst="rect">
             <a:avLst/>
@@ -7478,8 +7478,8 @@
         </p:nvSpPr>
         <p:spPr>
           <a:xfrm>
-            <a:off x="685800" y="1143000"/>
-            <a:ext cx="5486400" cy="3086100"/>
+            <a:off x="409575" y="1233488"/>
+            <a:ext cx="5916613" cy="3328987"/>
           </a:xfrm>
         </p:spPr>
       </p:sp>
@@ -7495,8 +7495,8 @@
         </p:nvSpPr>
         <p:spPr>
           <a:xfrm>
-            <a:off x="673100" y="4748213"/>
-            <a:ext cx="5389563" cy="3884612"/>
+            <a:off x="661103" y="5123289"/>
+            <a:ext cx="5293499" cy="4191470"/>
           </a:xfrm>
           <a:prstGeom prst="rect">
             <a:avLst/>
@@ -7838,8 +7838,8 @@
         </p:nvSpPr>
         <p:spPr>
           <a:xfrm>
-            <a:off x="685800" y="1143000"/>
-            <a:ext cx="5486400" cy="3086100"/>
+            <a:off x="409575" y="1233488"/>
+            <a:ext cx="5916613" cy="3328987"/>
           </a:xfrm>
         </p:spPr>
       </p:sp>
@@ -7855,8 +7855,8 @@
         </p:nvSpPr>
         <p:spPr>
           <a:xfrm>
-            <a:off x="673100" y="4748213"/>
-            <a:ext cx="5389563" cy="3884612"/>
+            <a:off x="661103" y="5123289"/>
+            <a:ext cx="5293499" cy="4191470"/>
           </a:xfrm>
           <a:prstGeom prst="rect">
             <a:avLst/>
@@ -8198,8 +8198,8 @@
         </p:nvSpPr>
         <p:spPr>
           <a:xfrm>
-            <a:off x="685800" y="1143000"/>
-            <a:ext cx="5486400" cy="3086100"/>
+            <a:off x="409575" y="1233488"/>
+            <a:ext cx="5916613" cy="3328987"/>
           </a:xfrm>
         </p:spPr>
       </p:sp>
@@ -8215,8 +8215,8 @@
         </p:nvSpPr>
         <p:spPr>
           <a:xfrm>
-            <a:off x="673100" y="4748213"/>
-            <a:ext cx="5389563" cy="3884612"/>
+            <a:off x="661103" y="5123289"/>
+            <a:ext cx="5293499" cy="4191470"/>
           </a:xfrm>
           <a:prstGeom prst="rect">
             <a:avLst/>
@@ -8558,8 +8558,8 @@
         </p:nvSpPr>
         <p:spPr>
           <a:xfrm>
-            <a:off x="685800" y="1143000"/>
-            <a:ext cx="5486400" cy="3086100"/>
+            <a:off x="409575" y="1233488"/>
+            <a:ext cx="5916613" cy="3328987"/>
           </a:xfrm>
         </p:spPr>
       </p:sp>
@@ -8575,8 +8575,8 @@
         </p:nvSpPr>
         <p:spPr>
           <a:xfrm>
-            <a:off x="673100" y="4748213"/>
-            <a:ext cx="5389563" cy="3884612"/>
+            <a:off x="661103" y="5123289"/>
+            <a:ext cx="5293499" cy="4191470"/>
           </a:xfrm>
           <a:prstGeom prst="rect">
             <a:avLst/>
@@ -9018,7 +9018,7 @@
           <a:p>
             <a:fld id="{35A32851-9663-46D8-AEC4-64DFD4E932B5}" type="datetimeFigureOut">
               <a:rPr lang="ko-KR" altLang="en-US" smtClean="0"/>
-              <a:t>2024-02-19</a:t>
+              <a:t>2024-02-20</a:t>
             </a:fld>
             <a:endParaRPr lang="ko-KR" altLang="en-US"/>
           </a:p>
@@ -9186,7 +9186,7 @@
           <a:p>
             <a:fld id="{35A32851-9663-46D8-AEC4-64DFD4E932B5}" type="datetimeFigureOut">
               <a:rPr lang="ko-KR" altLang="en-US" smtClean="0"/>
-              <a:t>2024-02-19</a:t>
+              <a:t>2024-02-20</a:t>
             </a:fld>
             <a:endParaRPr lang="ko-KR" altLang="en-US"/>
           </a:p>
@@ -9364,7 +9364,7 @@
           <a:p>
             <a:fld id="{35A32851-9663-46D8-AEC4-64DFD4E932B5}" type="datetimeFigureOut">
               <a:rPr lang="ko-KR" altLang="en-US" smtClean="0"/>
-              <a:t>2024-02-19</a:t>
+              <a:t>2024-02-20</a:t>
             </a:fld>
             <a:endParaRPr lang="ko-KR" altLang="en-US"/>
           </a:p>
@@ -9727,7 +9727,7 @@
           <a:p>
             <a:fld id="{35A32851-9663-46D8-AEC4-64DFD4E932B5}" type="datetimeFigureOut">
               <a:rPr lang="ko-KR" altLang="en-US" smtClean="0"/>
-              <a:t>2024-02-19</a:t>
+              <a:t>2024-02-20</a:t>
             </a:fld>
             <a:endParaRPr lang="ko-KR" altLang="en-US"/>
           </a:p>
@@ -9972,7 +9972,7 @@
           <a:p>
             <a:fld id="{35A32851-9663-46D8-AEC4-64DFD4E932B5}" type="datetimeFigureOut">
               <a:rPr lang="ko-KR" altLang="en-US" smtClean="0"/>
-              <a:t>2024-02-19</a:t>
+              <a:t>2024-02-20</a:t>
             </a:fld>
             <a:endParaRPr lang="ko-KR" altLang="en-US"/>
           </a:p>
@@ -10201,7 +10201,7 @@
           <a:p>
             <a:fld id="{35A32851-9663-46D8-AEC4-64DFD4E932B5}" type="datetimeFigureOut">
               <a:rPr lang="ko-KR" altLang="en-US" smtClean="0"/>
-              <a:t>2024-02-19</a:t>
+              <a:t>2024-02-20</a:t>
             </a:fld>
             <a:endParaRPr lang="ko-KR" altLang="en-US"/>
           </a:p>
@@ -10565,7 +10565,7 @@
           <a:p>
             <a:fld id="{35A32851-9663-46D8-AEC4-64DFD4E932B5}" type="datetimeFigureOut">
               <a:rPr lang="ko-KR" altLang="en-US" smtClean="0"/>
-              <a:t>2024-02-19</a:t>
+              <a:t>2024-02-20</a:t>
             </a:fld>
             <a:endParaRPr lang="ko-KR" altLang="en-US"/>
           </a:p>
@@ -10682,7 +10682,7 @@
           <a:p>
             <a:fld id="{35A32851-9663-46D8-AEC4-64DFD4E932B5}" type="datetimeFigureOut">
               <a:rPr lang="ko-KR" altLang="en-US" smtClean="0"/>
-              <a:t>2024-02-19</a:t>
+              <a:t>2024-02-20</a:t>
             </a:fld>
             <a:endParaRPr lang="ko-KR" altLang="en-US"/>
           </a:p>
@@ -10777,7 +10777,7 @@
           <a:p>
             <a:fld id="{35A32851-9663-46D8-AEC4-64DFD4E932B5}" type="datetimeFigureOut">
               <a:rPr lang="ko-KR" altLang="en-US" smtClean="0"/>
-              <a:t>2024-02-19</a:t>
+              <a:t>2024-02-20</a:t>
             </a:fld>
             <a:endParaRPr lang="ko-KR" altLang="en-US"/>
           </a:p>
@@ -11052,7 +11052,7 @@
           <a:p>
             <a:fld id="{35A32851-9663-46D8-AEC4-64DFD4E932B5}" type="datetimeFigureOut">
               <a:rPr lang="ko-KR" altLang="en-US" smtClean="0"/>
-              <a:t>2024-02-19</a:t>
+              <a:t>2024-02-20</a:t>
             </a:fld>
             <a:endParaRPr lang="ko-KR" altLang="en-US"/>
           </a:p>
@@ -11304,7 +11304,7 @@
           <a:p>
             <a:fld id="{35A32851-9663-46D8-AEC4-64DFD4E932B5}" type="datetimeFigureOut">
               <a:rPr lang="ko-KR" altLang="en-US" smtClean="0"/>
-              <a:t>2024-02-19</a:t>
+              <a:t>2024-02-20</a:t>
             </a:fld>
             <a:endParaRPr lang="ko-KR" altLang="en-US"/>
           </a:p>
@@ -11515,7 +11515,7 @@
           <a:p>
             <a:fld id="{35A32851-9663-46D8-AEC4-64DFD4E932B5}" type="datetimeFigureOut">
               <a:rPr lang="ko-KR" altLang="en-US" smtClean="0"/>
-              <a:t>2024-02-19</a:t>
+              <a:t>2024-02-20</a:t>
             </a:fld>
             <a:endParaRPr lang="ko-KR" altLang="en-US"/>
           </a:p>
@@ -27493,7 +27493,7 @@
                 <a:latin typeface="현대하모니 L" panose="02020603020101020101" pitchFamily="18" charset="-127"/>
                 <a:ea typeface="현대하모니 L" panose="02020603020101020101" pitchFamily="18" charset="-127"/>
               </a:rPr>
-              <a:t>A-1. </a:t>
+              <a:t>A-2. </a:t>
             </a:r>
             <a:r>
               <a:rPr lang="ko-KR" altLang="en-US" sz="1400" b="1" dirty="0">
@@ -27510,7 +27510,7 @@
                 <a:latin typeface="현대하모니 L" panose="02020603020101020101" pitchFamily="18" charset="-127"/>
                 <a:ea typeface="현대하모니 L" panose="02020603020101020101" pitchFamily="18" charset="-127"/>
               </a:rPr>
-              <a:t>키 스케줄</a:t>
+              <a:t>벽체 표준스타일</a:t>
             </a:r>
             <a:endParaRPr lang="en-US" altLang="ko-KR" sz="1400" b="1" dirty="0">
               <a:ln>
@@ -28432,7 +28432,7 @@
                 <a:latin typeface="현대하모니 L" panose="02020603020101020101" pitchFamily="18" charset="-127"/>
                 <a:ea typeface="현대하모니 L" panose="02020603020101020101" pitchFamily="18" charset="-127"/>
               </a:rPr>
-              <a:t>A-1. </a:t>
+              <a:t>A-2. </a:t>
             </a:r>
             <a:r>
               <a:rPr lang="ko-KR" altLang="en-US" sz="1400" b="1" dirty="0">
@@ -28449,7 +28449,7 @@
                 <a:latin typeface="현대하모니 L" panose="02020603020101020101" pitchFamily="18" charset="-127"/>
                 <a:ea typeface="현대하모니 L" panose="02020603020101020101" pitchFamily="18" charset="-127"/>
               </a:rPr>
-              <a:t>키 스케줄</a:t>
+              <a:t>벽체 표준스타일</a:t>
             </a:r>
             <a:endParaRPr lang="en-US" altLang="ko-KR" sz="1400" b="1" dirty="0">
               <a:ln>
@@ -28567,8 +28567,8 @@
         </p:nvSpPr>
         <p:spPr>
           <a:xfrm>
-            <a:off x="2193632" y="1608290"/>
-            <a:ext cx="3143334" cy="230832"/>
+            <a:off x="2193631" y="1608290"/>
+            <a:ext cx="6152345" cy="276999"/>
           </a:xfrm>
           <a:prstGeom prst="rect">
             <a:avLst/>
@@ -28582,13 +28582,13 @@
           <a:lstStyle/>
           <a:p>
             <a:r>
-              <a:rPr lang="ko-KR" altLang="en-US" sz="900">
+              <a:rPr lang="ko-KR" altLang="en-US" sz="1200">
                 <a:latin typeface="현대하모니 L" panose="02020603020101020101" pitchFamily="18" charset="-127"/>
                 <a:ea typeface="현대하모니 L" panose="02020603020101020101" pitchFamily="18" charset="-127"/>
               </a:rPr>
               <a:t>벽 구분</a:t>
             </a:r>
-            <a:endParaRPr lang="en-US" altLang="ko-KR" sz="900" dirty="0">
+            <a:endParaRPr lang="en-US" altLang="ko-KR" sz="1200" dirty="0">
               <a:latin typeface="현대하모니 L" panose="02020603020101020101" pitchFamily="18" charset="-127"/>
               <a:ea typeface="현대하모니 L" panose="02020603020101020101" pitchFamily="18" charset="-127"/>
             </a:endParaRPr>
@@ -28609,8 +28609,8 @@
         </p:nvSpPr>
         <p:spPr>
           <a:xfrm>
-            <a:off x="2193632" y="3429000"/>
-            <a:ext cx="3143334" cy="369332"/>
+            <a:off x="2193631" y="3592388"/>
+            <a:ext cx="6152345" cy="461665"/>
           </a:xfrm>
           <a:prstGeom prst="rect">
             <a:avLst/>
@@ -28624,38 +28624,38 @@
           <a:lstStyle/>
           <a:p>
             <a:r>
-              <a:rPr lang="ko-KR" altLang="en-US" sz="900" dirty="0">
+              <a:rPr lang="ko-KR" altLang="en-US" sz="1200" b="1" dirty="0">
                 <a:latin typeface="현대하모니 L" panose="02020603020101020101" pitchFamily="18" charset="-127"/>
                 <a:ea typeface="현대하모니 L" panose="02020603020101020101" pitchFamily="18" charset="-127"/>
               </a:rPr>
               <a:t>구조체</a:t>
             </a:r>
             <a:r>
-              <a:rPr lang="en-US" altLang="ko-KR" sz="900" dirty="0">
+              <a:rPr lang="en-US" altLang="ko-KR" sz="1200" dirty="0">
                 <a:latin typeface="현대하모니 L" panose="02020603020101020101" pitchFamily="18" charset="-127"/>
                 <a:ea typeface="현대하모니 L" panose="02020603020101020101" pitchFamily="18" charset="-127"/>
               </a:rPr>
               <a:t>(Structure) : </a:t>
             </a:r>
             <a:r>
-              <a:rPr lang="ko-KR" altLang="en-US" sz="900" dirty="0">
+              <a:rPr lang="ko-KR" altLang="en-US" sz="1200" dirty="0">
                 <a:latin typeface="현대하모니 L" panose="02020603020101020101" pitchFamily="18" charset="-127"/>
                 <a:ea typeface="현대하모니 L" panose="02020603020101020101" pitchFamily="18" charset="-127"/>
               </a:rPr>
               <a:t>벽을 지지하기 위한 재료</a:t>
             </a:r>
-            <a:endParaRPr lang="en-US" altLang="ko-KR" sz="900" dirty="0">
+            <a:endParaRPr lang="en-US" altLang="ko-KR" sz="1200" dirty="0">
               <a:latin typeface="현대하모니 L" panose="02020603020101020101" pitchFamily="18" charset="-127"/>
               <a:ea typeface="현대하모니 L" panose="02020603020101020101" pitchFamily="18" charset="-127"/>
             </a:endParaRPr>
           </a:p>
           <a:p>
             <a:r>
-              <a:rPr lang="en-US" altLang="ko-KR" sz="900" dirty="0">
-                <a:latin typeface="현대하모니 L" panose="02020603020101020101" pitchFamily="18" charset="-127"/>
-                <a:ea typeface="현대하모니 L" panose="02020603020101020101" pitchFamily="18" charset="-127"/>
-              </a:rPr>
-              <a:t>Ex&gt; RC, Brick, Block, Gypsum, Combined</a:t>
+              <a:rPr lang="en-US" altLang="ko-KR" sz="1200" dirty="0">
+                <a:latin typeface="현대하모니 L" panose="02020603020101020101" pitchFamily="18" charset="-127"/>
+                <a:ea typeface="현대하모니 L" panose="02020603020101020101" pitchFamily="18" charset="-127"/>
+              </a:rPr>
+              <a:t>Ex&gt; RC, Brick, Block, Gypsum, Combined etc..</a:t>
             </a:r>
           </a:p>
         </p:txBody>
@@ -28674,8 +28674,8 @@
         </p:nvSpPr>
         <p:spPr>
           <a:xfrm>
-            <a:off x="2193632" y="2154842"/>
-            <a:ext cx="3143334" cy="507831"/>
+            <a:off x="2193631" y="2154842"/>
+            <a:ext cx="6152345" cy="461665"/>
           </a:xfrm>
           <a:prstGeom prst="rect">
             <a:avLst/>
@@ -28689,52 +28689,52 @@
           <a:lstStyle/>
           <a:p>
             <a:r>
-              <a:rPr lang="ko-KR" altLang="en-US" sz="900" dirty="0">
+              <a:rPr lang="ko-KR" altLang="en-US" sz="1200" b="1" dirty="0">
                 <a:latin typeface="현대하모니 L" panose="02020603020101020101" pitchFamily="18" charset="-127"/>
                 <a:ea typeface="현대하모니 L" panose="02020603020101020101" pitchFamily="18" charset="-127"/>
               </a:rPr>
               <a:t>마감재</a:t>
             </a:r>
             <a:r>
-              <a:rPr lang="en-US" altLang="ko-KR" sz="900" dirty="0">
+              <a:rPr lang="en-US" altLang="ko-KR" sz="1200" dirty="0">
                 <a:latin typeface="현대하모니 L" panose="02020603020101020101" pitchFamily="18" charset="-127"/>
                 <a:ea typeface="현대하모니 L" panose="02020603020101020101" pitchFamily="18" charset="-127"/>
               </a:rPr>
               <a:t>(Finish): </a:t>
             </a:r>
             <a:r>
-              <a:rPr lang="ko-KR" altLang="en-US" sz="900" dirty="0">
+              <a:rPr lang="ko-KR" altLang="en-US" sz="1200" dirty="0">
                 <a:latin typeface="현대하모니 L" panose="02020603020101020101" pitchFamily="18" charset="-127"/>
                 <a:ea typeface="현대하모니 L" panose="02020603020101020101" pitchFamily="18" charset="-127"/>
               </a:rPr>
               <a:t>룸의 표면에 위치하는 마감</a:t>
             </a:r>
             <a:r>
-              <a:rPr lang="en-US" altLang="ko-KR" sz="900" dirty="0">
+              <a:rPr lang="en-US" altLang="ko-KR" sz="1200" dirty="0">
                 <a:latin typeface="현대하모니 L" panose="02020603020101020101" pitchFamily="18" charset="-127"/>
                 <a:ea typeface="현대하모니 L" panose="02020603020101020101" pitchFamily="18" charset="-127"/>
               </a:rPr>
               <a:t>. </a:t>
             </a:r>
             <a:r>
-              <a:rPr lang="ko-KR" altLang="en-US" sz="900" dirty="0">
+              <a:rPr lang="ko-KR" altLang="en-US" sz="1200" dirty="0">
                 <a:latin typeface="현대하모니 L" panose="02020603020101020101" pitchFamily="18" charset="-127"/>
                 <a:ea typeface="현대하모니 L" panose="02020603020101020101" pitchFamily="18" charset="-127"/>
               </a:rPr>
               <a:t>룸의 기능에 직접 대응하는 마감</a:t>
             </a:r>
-            <a:endParaRPr lang="en-US" altLang="ko-KR" sz="900" dirty="0">
+            <a:endParaRPr lang="en-US" altLang="ko-KR" sz="1200" dirty="0">
               <a:latin typeface="현대하모니 L" panose="02020603020101020101" pitchFamily="18" charset="-127"/>
               <a:ea typeface="현대하모니 L" panose="02020603020101020101" pitchFamily="18" charset="-127"/>
             </a:endParaRPr>
           </a:p>
           <a:p>
             <a:r>
-              <a:rPr lang="en-US" altLang="ko-KR" sz="900" dirty="0">
-                <a:latin typeface="현대하모니 L" panose="02020603020101020101" pitchFamily="18" charset="-127"/>
-                <a:ea typeface="현대하모니 L" panose="02020603020101020101" pitchFamily="18" charset="-127"/>
-              </a:rPr>
-              <a:t>Ex&gt; Paint, Tile </a:t>
+              <a:rPr lang="en-US" altLang="ko-KR" sz="1200" dirty="0">
+                <a:latin typeface="현대하모니 L" panose="02020603020101020101" pitchFamily="18" charset="-127"/>
+                <a:ea typeface="현대하모니 L" panose="02020603020101020101" pitchFamily="18" charset="-127"/>
+              </a:rPr>
+              <a:t>Ex&gt; Paint, Tile etc..</a:t>
             </a:r>
           </a:p>
         </p:txBody>
@@ -28754,7 +28754,7 @@
         <p:spPr>
           <a:xfrm>
             <a:off x="2193631" y="2861170"/>
-            <a:ext cx="3537317" cy="369332"/>
+            <a:ext cx="6923475" cy="461665"/>
           </a:xfrm>
           <a:prstGeom prst="rect">
             <a:avLst/>
@@ -28768,52 +28768,52 @@
           <a:lstStyle/>
           <a:p>
             <a:r>
-              <a:rPr lang="ko-KR" altLang="en-US" sz="900" dirty="0">
+              <a:rPr lang="ko-KR" altLang="en-US" sz="1200" b="1" dirty="0">
                 <a:latin typeface="현대하모니 L" panose="02020603020101020101" pitchFamily="18" charset="-127"/>
                 <a:ea typeface="현대하모니 L" panose="02020603020101020101" pitchFamily="18" charset="-127"/>
               </a:rPr>
               <a:t>하지재</a:t>
             </a:r>
             <a:r>
-              <a:rPr lang="en-US" altLang="ko-KR" sz="900" dirty="0">
+              <a:rPr lang="en-US" altLang="ko-KR" sz="1200" dirty="0">
                 <a:latin typeface="현대하모니 L" panose="02020603020101020101" pitchFamily="18" charset="-127"/>
                 <a:ea typeface="현대하모니 L" panose="02020603020101020101" pitchFamily="18" charset="-127"/>
               </a:rPr>
               <a:t>(Substrate): </a:t>
             </a:r>
             <a:r>
-              <a:rPr lang="ko-KR" altLang="en-US" sz="900" dirty="0">
+              <a:rPr lang="ko-KR" altLang="en-US" sz="1200" dirty="0">
                 <a:latin typeface="현대하모니 L" panose="02020603020101020101" pitchFamily="18" charset="-127"/>
                 <a:ea typeface="현대하모니 L" panose="02020603020101020101" pitchFamily="18" charset="-127"/>
               </a:rPr>
               <a:t>다른 재료를 위한 기초가 되어주는 재료</a:t>
             </a:r>
-            <a:endParaRPr lang="en-US" altLang="ko-KR" sz="900" dirty="0">
+            <a:endParaRPr lang="en-US" altLang="ko-KR" sz="1200" dirty="0">
               <a:latin typeface="현대하모니 L" panose="02020603020101020101" pitchFamily="18" charset="-127"/>
               <a:ea typeface="현대하모니 L" panose="02020603020101020101" pitchFamily="18" charset="-127"/>
             </a:endParaRPr>
           </a:p>
           <a:p>
             <a:r>
-              <a:rPr lang="en-US" altLang="ko-KR" sz="900" dirty="0">
+              <a:rPr lang="en-US" altLang="ko-KR" sz="1200" dirty="0">
                 <a:latin typeface="현대하모니 L" panose="02020603020101020101" pitchFamily="18" charset="-127"/>
                 <a:ea typeface="현대하모니 L" panose="02020603020101020101" pitchFamily="18" charset="-127"/>
               </a:rPr>
               <a:t>Ex&gt;</a:t>
             </a:r>
             <a:r>
-              <a:rPr lang="ko-KR" altLang="en-US" sz="900" dirty="0">
+              <a:rPr lang="ko-KR" altLang="en-US" sz="1200" dirty="0">
                 <a:latin typeface="현대하모니 L" panose="02020603020101020101" pitchFamily="18" charset="-127"/>
                 <a:ea typeface="현대하모니 L" panose="02020603020101020101" pitchFamily="18" charset="-127"/>
               </a:rPr>
               <a:t> </a:t>
             </a:r>
             <a:r>
-              <a:rPr lang="en-US" altLang="ko-KR" sz="900" dirty="0">
-                <a:latin typeface="현대하모니 L" panose="02020603020101020101" pitchFamily="18" charset="-127"/>
-                <a:ea typeface="현대하모니 L" panose="02020603020101020101" pitchFamily="18" charset="-127"/>
-              </a:rPr>
-              <a:t>Plaster, Screed</a:t>
+              <a:rPr lang="en-US" altLang="ko-KR" sz="1200" dirty="0">
+                <a:latin typeface="현대하모니 L" panose="02020603020101020101" pitchFamily="18" charset="-127"/>
+                <a:ea typeface="현대하모니 L" panose="02020603020101020101" pitchFamily="18" charset="-127"/>
+              </a:rPr>
+              <a:t>Plaster, Screed etc..</a:t>
             </a:r>
           </a:p>
         </p:txBody>
@@ -29015,7 +29015,7 @@
                 <a:latin typeface="현대하모니 L" panose="02020603020101020101" pitchFamily="18" charset="-127"/>
                 <a:ea typeface="현대하모니 L" panose="02020603020101020101" pitchFamily="18" charset="-127"/>
               </a:rPr>
-              <a:t>A-1. </a:t>
+              <a:t>A-2. </a:t>
             </a:r>
             <a:r>
               <a:rPr lang="ko-KR" altLang="en-US" sz="1400" b="1" dirty="0">
@@ -29032,7 +29032,7 @@
                 <a:latin typeface="현대하모니 L" panose="02020603020101020101" pitchFamily="18" charset="-127"/>
                 <a:ea typeface="현대하모니 L" panose="02020603020101020101" pitchFamily="18" charset="-127"/>
               </a:rPr>
-              <a:t>키 스케줄</a:t>
+              <a:t>벽체 표준스타일</a:t>
             </a:r>
             <a:endParaRPr lang="en-US" altLang="ko-KR" sz="1400" b="1" dirty="0">
               <a:ln>
@@ -32804,7 +32804,7 @@
                 <a:latin typeface="현대하모니 L" panose="02020603020101020101" pitchFamily="18" charset="-127"/>
                 <a:ea typeface="현대하모니 L" panose="02020603020101020101" pitchFamily="18" charset="-127"/>
               </a:rPr>
-              <a:t>A-1. </a:t>
+              <a:t>A-2. </a:t>
             </a:r>
             <a:r>
               <a:rPr lang="ko-KR" altLang="en-US" sz="1400" b="1" dirty="0">
@@ -32821,7 +32821,7 @@
                 <a:latin typeface="현대하모니 L" panose="02020603020101020101" pitchFamily="18" charset="-127"/>
                 <a:ea typeface="현대하모니 L" panose="02020603020101020101" pitchFamily="18" charset="-127"/>
               </a:rPr>
-              <a:t>키 스케줄</a:t>
+              <a:t>벽체 표준스타일</a:t>
             </a:r>
             <a:endParaRPr lang="en-US" altLang="ko-KR" sz="1400" b="1" dirty="0">
               <a:ln>
@@ -36002,7 +36002,7 @@
                 <a:latin typeface="현대하모니 L" panose="02020603020101020101" pitchFamily="18" charset="-127"/>
                 <a:ea typeface="현대하모니 L" panose="02020603020101020101" pitchFamily="18" charset="-127"/>
               </a:rPr>
-              <a:t>A-1. </a:t>
+              <a:t>A-3. </a:t>
             </a:r>
             <a:r>
               <a:rPr lang="ko-KR" altLang="en-US" sz="1400" b="1" dirty="0">
@@ -36019,7 +36019,7 @@
                 <a:latin typeface="현대하모니 L" panose="02020603020101020101" pitchFamily="18" charset="-127"/>
                 <a:ea typeface="현대하모니 L" panose="02020603020101020101" pitchFamily="18" charset="-127"/>
               </a:rPr>
-              <a:t>키 스케줄</a:t>
+              <a:t>지붕 표준스타일</a:t>
             </a:r>
             <a:endParaRPr lang="en-US" altLang="ko-KR" sz="1400" b="1" dirty="0">
               <a:ln>
@@ -44184,17 +44184,6 @@
 </file>
 
 <file path=customXml/item1.xml><?xml version="1.0" encoding="utf-8"?>
-<p:properties xmlns:p="http://schemas.microsoft.com/office/2006/metadata/properties" xmlns:xsi="http://www.w3.org/2001/XMLSchema-instance" xmlns:pc="http://schemas.microsoft.com/office/infopath/2007/PartnerControls">
-  <documentManagement>
-    <TaxCatchAll xmlns="1df8d749-692d-49a0-b17f-039abb75530b" xsi:nil="true"/>
-    <lcf76f155ced4ddcb4097134ff3c332f xmlns="31d58751-bbf6-4d52-983e-b571b4cec1a2">
-      <Terms xmlns="http://schemas.microsoft.com/office/infopath/2007/PartnerControls"/>
-    </lcf76f155ced4ddcb4097134ff3c332f>
-  </documentManagement>
-</p:properties>
-</file>
-
-<file path=customXml/item2.xml><?xml version="1.0" encoding="utf-8"?>
 <ct:contentTypeSchema xmlns:ct="http://schemas.microsoft.com/office/2006/metadata/contentType" xmlns:ma="http://schemas.microsoft.com/office/2006/metadata/properties/metaAttributes" ct:_="" ma:_="" ma:contentTypeName="Document" ma:contentTypeID="0x0101001708ADEC9AB2D74E8EF8811BBC4F9F5F" ma:contentTypeVersion="13" ma:contentTypeDescription="Create a new document." ma:contentTypeScope="" ma:versionID="a3b06910737554b5ac940bb5c49a8122">
   <xsd:schema xmlns:xsd="http://www.w3.org/2001/XMLSchema" xmlns:xs="http://www.w3.org/2001/XMLSchema" xmlns:p="http://schemas.microsoft.com/office/2006/metadata/properties" xmlns:ns2="31d58751-bbf6-4d52-983e-b571b4cec1a2" xmlns:ns3="1df8d749-692d-49a0-b17f-039abb75530b" targetNamespace="http://schemas.microsoft.com/office/2006/metadata/properties" ma:root="true" ma:fieldsID="e65be07af5111e27d94503899b5835e0" ns2:_="" ns3:_="">
     <xsd:import namespace="31d58751-bbf6-4d52-983e-b571b4cec1a2"/>
@@ -44417,6 +44406,17 @@
 </ct:contentTypeSchema>
 </file>
 
+<file path=customXml/item2.xml><?xml version="1.0" encoding="utf-8"?>
+<p:properties xmlns:p="http://schemas.microsoft.com/office/2006/metadata/properties" xmlns:xsi="http://www.w3.org/2001/XMLSchema-instance" xmlns:pc="http://schemas.microsoft.com/office/infopath/2007/PartnerControls">
+  <documentManagement>
+    <TaxCatchAll xmlns="1df8d749-692d-49a0-b17f-039abb75530b" xsi:nil="true"/>
+    <lcf76f155ced4ddcb4097134ff3c332f xmlns="31d58751-bbf6-4d52-983e-b571b4cec1a2">
+      <Terms xmlns="http://schemas.microsoft.com/office/infopath/2007/PartnerControls"/>
+    </lcf76f155ced4ddcb4097134ff3c332f>
+  </documentManagement>
+</p:properties>
+</file>
+
 <file path=customXml/item3.xml><?xml version="1.0" encoding="utf-8"?>
 <?mso-contentType ?>
 <FormTemplates xmlns="http://schemas.microsoft.com/sharepoint/v3/contenttype/forms">
@@ -44427,23 +44427,6 @@
 </file>
 
 <file path=customXml/itemProps1.xml><?xml version="1.0" encoding="utf-8"?>
-<ds:datastoreItem xmlns:ds="http://schemas.openxmlformats.org/officeDocument/2006/customXml" ds:itemID="{AFAF279A-332D-4A43-AAEA-37BADD2E9B0D}">
-  <ds:schemaRefs>
-    <ds:schemaRef ds:uri="http://purl.org/dc/terms/"/>
-    <ds:schemaRef ds:uri="1df8d749-692d-49a0-b17f-039abb75530b"/>
-    <ds:schemaRef ds:uri="http://schemas.microsoft.com/office/infopath/2007/PartnerControls"/>
-    <ds:schemaRef ds:uri="http://schemas.openxmlformats.org/package/2006/metadata/core-properties"/>
-    <ds:schemaRef ds:uri="http://www.w3.org/XML/1998/namespace"/>
-    <ds:schemaRef ds:uri="http://schemas.microsoft.com/office/2006/metadata/properties"/>
-    <ds:schemaRef ds:uri="http://schemas.microsoft.com/office/2006/documentManagement/types"/>
-    <ds:schemaRef ds:uri="http://purl.org/dc/dcmitype/"/>
-    <ds:schemaRef ds:uri="31d58751-bbf6-4d52-983e-b571b4cec1a2"/>
-    <ds:schemaRef ds:uri="http://purl.org/dc/elements/1.1/"/>
-  </ds:schemaRefs>
-</ds:datastoreItem>
-</file>
-
-<file path=customXml/itemProps2.xml><?xml version="1.0" encoding="utf-8"?>
 <ds:datastoreItem xmlns:ds="http://schemas.openxmlformats.org/officeDocument/2006/customXml" ds:itemID="{47108C31-B407-4318-9A85-98FFD0EFF9B6}">
   <ds:schemaRefs>
     <ds:schemaRef ds:uri="http://schemas.microsoft.com/office/2006/metadata/contentType"/>
@@ -44462,6 +44445,23 @@
 </ds:datastoreItem>
 </file>
 
+<file path=customXml/itemProps2.xml><?xml version="1.0" encoding="utf-8"?>
+<ds:datastoreItem xmlns:ds="http://schemas.openxmlformats.org/officeDocument/2006/customXml" ds:itemID="{AFAF279A-332D-4A43-AAEA-37BADD2E9B0D}">
+  <ds:schemaRefs>
+    <ds:schemaRef ds:uri="http://purl.org/dc/dcmitype/"/>
+    <ds:schemaRef ds:uri="http://schemas.microsoft.com/office/2006/documentManagement/types"/>
+    <ds:schemaRef ds:uri="http://schemas.openxmlformats.org/package/2006/metadata/core-properties"/>
+    <ds:schemaRef ds:uri="http://www.w3.org/XML/1998/namespace"/>
+    <ds:schemaRef ds:uri="http://purl.org/dc/terms/"/>
+    <ds:schemaRef ds:uri="1df8d749-692d-49a0-b17f-039abb75530b"/>
+    <ds:schemaRef ds:uri="http://purl.org/dc/elements/1.1/"/>
+    <ds:schemaRef ds:uri="http://schemas.microsoft.com/office/infopath/2007/PartnerControls"/>
+    <ds:schemaRef ds:uri="31d58751-bbf6-4d52-983e-b571b4cec1a2"/>
+    <ds:schemaRef ds:uri="http://schemas.microsoft.com/office/2006/metadata/properties"/>
+  </ds:schemaRefs>
+</ds:datastoreItem>
+</file>
+
 <file path=customXml/itemProps3.xml><?xml version="1.0" encoding="utf-8"?>
 <ds:datastoreItem xmlns:ds="http://schemas.openxmlformats.org/officeDocument/2006/customXml" ds:itemID="{5F75E257-10B3-4CDF-A4F0-C9CCDA83B5D5}">
   <ds:schemaRefs>

--- a/etc/_팀교육/플랜트건축설계팀_BIM 팀 교육자료(2024).pptx
+++ b/etc/_팀교육/플랜트건축설계팀_BIM 팀 교육자료(2024).pptx
@@ -5,7 +5,7 @@
     <p:sldMasterId id="2147483648" r:id="rId4"/>
   </p:sldMasterIdLst>
   <p:notesMasterIdLst>
-    <p:notesMasterId r:id="rId33"/>
+    <p:notesMasterId r:id="rId34"/>
   </p:notesMasterIdLst>
   <p:sldIdLst>
     <p:sldId id="356" r:id="rId5"/>
@@ -32,10 +32,11 @@
     <p:sldId id="382" r:id="rId26"/>
     <p:sldId id="387" r:id="rId27"/>
     <p:sldId id="374" r:id="rId28"/>
-    <p:sldId id="378" r:id="rId29"/>
-    <p:sldId id="379" r:id="rId30"/>
-    <p:sldId id="380" r:id="rId31"/>
-    <p:sldId id="389" r:id="rId32"/>
+    <p:sldId id="391" r:id="rId29"/>
+    <p:sldId id="378" r:id="rId30"/>
+    <p:sldId id="379" r:id="rId31"/>
+    <p:sldId id="380" r:id="rId32"/>
+    <p:sldId id="389" r:id="rId33"/>
   </p:sldIdLst>
   <p:sldSz cx="12192000" cy="6858000"/>
   <p:notesSz cx="6735763" cy="9866313"/>
@@ -163,6 +164,7 @@
             <p14:sldId id="382"/>
             <p14:sldId id="387"/>
             <p14:sldId id="374"/>
+            <p14:sldId id="391"/>
             <p14:sldId id="378"/>
             <p14:sldId id="379"/>
             <p14:sldId id="380"/>
@@ -264,7 +266,7 @@
           <a:p>
             <a:fld id="{7A051C67-A29D-4784-80AB-75E6BD6E7D84}" type="datetimeFigureOut">
               <a:rPr lang="ko-KR" altLang="en-US" smtClean="0"/>
-              <a:t>2024-02-21</a:t>
+              <a:t>2024-02-22</a:t>
             </a:fld>
             <a:endParaRPr lang="ko-KR" altLang="en-US"/>
           </a:p>
@@ -3800,7 +3802,13 @@
   <p:cSld>
     <p:spTree>
       <p:nvGrpSpPr>
-        <p:cNvPr id="1" name=""/>
+        <p:cNvPr id="1" name="">
+          <a:extLst>
+            <a:ext uri="{FF2B5EF4-FFF2-40B4-BE49-F238E27FC236}">
+              <a16:creationId xmlns:a16="http://schemas.microsoft.com/office/drawing/2014/main" id="{6FAB0523-96DA-8F0F-C7A1-B0446A15F683}"/>
+            </a:ext>
+          </a:extLst>
+        </p:cNvPr>
         <p:cNvGrpSpPr/>
         <p:nvPr/>
       </p:nvGrpSpPr>
@@ -3814,7 +3822,13 @@
       </p:grpSpPr>
       <p:sp>
         <p:nvSpPr>
-          <p:cNvPr id="2" name="슬라이드 이미지 개체 틀 1"/>
+          <p:cNvPr id="2" name="슬라이드 이미지 개체 틀 1">
+            <a:extLst>
+              <a:ext uri="{FF2B5EF4-FFF2-40B4-BE49-F238E27FC236}">
+                <a16:creationId xmlns:a16="http://schemas.microsoft.com/office/drawing/2014/main" id="{6FAFDCF2-05DC-4027-EABA-F2E45E51D124}"/>
+              </a:ext>
+            </a:extLst>
+          </p:cNvPr>
           <p:cNvSpPr>
             <a:spLocks noGrp="1" noRot="1" noChangeAspect="1"/>
           </p:cNvSpPr>
@@ -3831,7 +3845,13 @@
       </p:sp>
       <p:sp>
         <p:nvSpPr>
-          <p:cNvPr id="3" name="슬라이드 노트 개체 틀 2"/>
+          <p:cNvPr id="3" name="슬라이드 노트 개체 틀 2">
+            <a:extLst>
+              <a:ext uri="{FF2B5EF4-FFF2-40B4-BE49-F238E27FC236}">
+                <a16:creationId xmlns:a16="http://schemas.microsoft.com/office/drawing/2014/main" id="{3452D3BB-2029-208D-8D5C-538DA02A2F2D}"/>
+              </a:ext>
+            </a:extLst>
+          </p:cNvPr>
           <p:cNvSpPr>
             <a:spLocks noGrp="1"/>
           </p:cNvSpPr>
@@ -4115,7 +4135,13 @@
       </p:sp>
       <p:sp>
         <p:nvSpPr>
-          <p:cNvPr id="4" name="슬라이드 번호 개체 틀 3"/>
+          <p:cNvPr id="4" name="슬라이드 번호 개체 틀 3">
+            <a:extLst>
+              <a:ext uri="{FF2B5EF4-FFF2-40B4-BE49-F238E27FC236}">
+                <a16:creationId xmlns:a16="http://schemas.microsoft.com/office/drawing/2014/main" id="{41366D3B-CF5D-666C-9B41-64227C79AF87}"/>
+              </a:ext>
+            </a:extLst>
+          </p:cNvPr>
           <p:cNvSpPr>
             <a:spLocks noGrp="1"/>
           </p:cNvSpPr>
@@ -4145,7 +4171,7 @@
     </p:spTree>
     <p:extLst>
       <p:ext uri="{BB962C8B-B14F-4D97-AF65-F5344CB8AC3E}">
-        <p14:creationId xmlns:p14="http://schemas.microsoft.com/office/powerpoint/2010/main" val="299921569"/>
+        <p14:creationId xmlns:p14="http://schemas.microsoft.com/office/powerpoint/2010/main" val="1649082741"/>
       </p:ext>
     </p:extLst>
   </p:cSld>
@@ -4505,7 +4531,7 @@
     </p:spTree>
     <p:extLst>
       <p:ext uri="{BB962C8B-B14F-4D97-AF65-F5344CB8AC3E}">
-        <p14:creationId xmlns:p14="http://schemas.microsoft.com/office/powerpoint/2010/main" val="3468157977"/>
+        <p14:creationId xmlns:p14="http://schemas.microsoft.com/office/powerpoint/2010/main" val="299921569"/>
       </p:ext>
     </p:extLst>
   </p:cSld>
@@ -5225,6 +5251,366 @@
     </p:spTree>
     <p:extLst>
       <p:ext uri="{BB962C8B-B14F-4D97-AF65-F5344CB8AC3E}">
+        <p14:creationId xmlns:p14="http://schemas.microsoft.com/office/powerpoint/2010/main" val="3468157977"/>
+      </p:ext>
+    </p:extLst>
+  </p:cSld>
+  <p:clrMapOvr>
+    <a:masterClrMapping/>
+  </p:clrMapOvr>
+</p:notes>
+</file>
+
+<file path=ppt/notesSlides/notesSlide21.xml><?xml version="1.0" encoding="utf-8"?>
+<p:notes xmlns:a="http://schemas.openxmlformats.org/drawingml/2006/main" xmlns:r="http://schemas.openxmlformats.org/officeDocument/2006/relationships" xmlns:p="http://schemas.openxmlformats.org/presentationml/2006/main">
+  <p:cSld>
+    <p:spTree>
+      <p:nvGrpSpPr>
+        <p:cNvPr id="1" name=""/>
+        <p:cNvGrpSpPr/>
+        <p:nvPr/>
+      </p:nvGrpSpPr>
+      <p:grpSpPr>
+        <a:xfrm>
+          <a:off x="0" y="0"/>
+          <a:ext cx="0" cy="0"/>
+          <a:chOff x="0" y="0"/>
+          <a:chExt cx="0" cy="0"/>
+        </a:xfrm>
+      </p:grpSpPr>
+      <p:sp>
+        <p:nvSpPr>
+          <p:cNvPr id="2" name="슬라이드 이미지 개체 틀 1"/>
+          <p:cNvSpPr>
+            <a:spLocks noGrp="1" noRot="1" noChangeAspect="1"/>
+          </p:cNvSpPr>
+          <p:nvPr>
+            <p:ph type="sldImg"/>
+          </p:nvPr>
+        </p:nvSpPr>
+        <p:spPr>
+          <a:xfrm>
+            <a:off x="409575" y="1233488"/>
+            <a:ext cx="5916613" cy="3328987"/>
+          </a:xfrm>
+        </p:spPr>
+      </p:sp>
+      <p:sp>
+        <p:nvSpPr>
+          <p:cNvPr id="3" name="슬라이드 노트 개체 틀 2"/>
+          <p:cNvSpPr>
+            <a:spLocks noGrp="1"/>
+          </p:cNvSpPr>
+          <p:nvPr>
+            <p:ph type="body" idx="1"/>
+          </p:nvPr>
+        </p:nvSpPr>
+        <p:spPr>
+          <a:xfrm>
+            <a:off x="661103" y="5123289"/>
+            <a:ext cx="5293499" cy="4191470"/>
+          </a:xfrm>
+          <a:prstGeom prst="rect">
+            <a:avLst/>
+          </a:prstGeom>
+        </p:spPr>
+        <p:txBody>
+          <a:bodyPr/>
+          <a:lstStyle/>
+          <a:p>
+            <a:r>
+              <a:rPr lang="en-US" altLang="ko-KR" dirty="0"/>
+              <a:t>0. </a:t>
+            </a:r>
+            <a:r>
+              <a:rPr lang="ko-KR" altLang="en-US" dirty="0"/>
+              <a:t>작성자 </a:t>
+            </a:r>
+            <a:r>
+              <a:rPr lang="en-US" altLang="ko-KR" dirty="0"/>
+              <a:t>: </a:t>
+            </a:r>
+            <a:r>
+              <a:rPr lang="ko-KR" altLang="en-US" dirty="0" err="1"/>
+              <a:t>김청산</a:t>
+            </a:r>
+            <a:endParaRPr lang="en-US" altLang="ko-KR" dirty="0"/>
+          </a:p>
+          <a:p>
+            <a:r>
+              <a:rPr lang="en-US" altLang="ko-KR" dirty="0"/>
+              <a:t>1.</a:t>
+            </a:r>
+            <a:r>
+              <a:rPr lang="en-US" altLang="ko-KR" baseline="0" dirty="0"/>
+              <a:t> </a:t>
+            </a:r>
+            <a:r>
+              <a:rPr lang="ko-KR" altLang="en-US" dirty="0"/>
+              <a:t>건물 </a:t>
+            </a:r>
+            <a:r>
+              <a:rPr lang="en-US" altLang="ko-KR" dirty="0"/>
+              <a:t>: FIRE</a:t>
+            </a:r>
+            <a:r>
+              <a:rPr lang="en-US" altLang="ko-KR" baseline="0" dirty="0"/>
+              <a:t> FIGHTING PUMP HOUSE</a:t>
+            </a:r>
+          </a:p>
+          <a:p>
+            <a:r>
+              <a:rPr lang="en-US" altLang="ko-KR" baseline="0" dirty="0"/>
+              <a:t>2. </a:t>
+            </a:r>
+            <a:r>
+              <a:rPr lang="ko-KR" altLang="en-US" baseline="0" dirty="0"/>
+              <a:t>평면상 위치</a:t>
+            </a:r>
+            <a:r>
+              <a:rPr lang="en-US" altLang="ko-KR" baseline="0" dirty="0"/>
+              <a:t>(GRID)</a:t>
+            </a:r>
+            <a:r>
+              <a:rPr lang="ko-KR" altLang="en-US" baseline="0" dirty="0"/>
+              <a:t> </a:t>
+            </a:r>
+            <a:r>
+              <a:rPr lang="en-US" altLang="ko-KR" baseline="0" dirty="0"/>
+              <a:t>: N/A</a:t>
+            </a:r>
+          </a:p>
+          <a:p>
+            <a:r>
+              <a:rPr lang="en-US" altLang="ko-KR" baseline="0" dirty="0"/>
+              <a:t>3. </a:t>
+            </a:r>
+            <a:r>
+              <a:rPr lang="ko-KR" altLang="en-US" baseline="0" dirty="0" err="1"/>
+              <a:t>참조뷰</a:t>
+            </a:r>
+            <a:r>
+              <a:rPr lang="ko-KR" altLang="en-US" baseline="0" dirty="0"/>
+              <a:t> </a:t>
+            </a:r>
+            <a:r>
+              <a:rPr lang="en-US" altLang="ko-KR" baseline="0" dirty="0"/>
+              <a:t>: Revit </a:t>
+            </a:r>
+            <a:r>
+              <a:rPr lang="ko-KR" altLang="en-US" baseline="0" dirty="0"/>
+              <a:t>프로젝트파일에 해당 </a:t>
+            </a:r>
+            <a:r>
+              <a:rPr lang="en-US" altLang="ko-KR" baseline="0" dirty="0"/>
+              <a:t>Family</a:t>
+            </a:r>
+            <a:r>
+              <a:rPr lang="ko-KR" altLang="en-US" baseline="0" dirty="0"/>
+              <a:t>를 제작</a:t>
+            </a:r>
+            <a:r>
+              <a:rPr lang="en-US" altLang="ko-KR" baseline="0" dirty="0"/>
+              <a:t>Steel Family </a:t>
+            </a:r>
+            <a:r>
+              <a:rPr lang="ko-KR" altLang="en-US" baseline="0" dirty="0"/>
+              <a:t>복제에 사용된 </a:t>
+            </a:r>
+            <a:r>
+              <a:rPr lang="en-US" altLang="ko-KR" baseline="0" dirty="0"/>
+              <a:t>Dynamo </a:t>
+            </a:r>
+            <a:r>
+              <a:rPr lang="ko-KR" altLang="en-US" baseline="0" dirty="0"/>
+              <a:t>및 </a:t>
+            </a:r>
+            <a:r>
+              <a:rPr lang="en-US" altLang="ko-KR" baseline="0" dirty="0"/>
+              <a:t>excel </a:t>
+            </a:r>
+            <a:r>
+              <a:rPr lang="ko-KR" altLang="en-US" baseline="0" dirty="0"/>
+              <a:t>파일</a:t>
+            </a:r>
+            <a:r>
+              <a:rPr lang="en-US" altLang="ko-KR" baseline="0" dirty="0"/>
+              <a:t>, Family file</a:t>
+            </a:r>
+            <a:r>
+              <a:rPr lang="ko-KR" altLang="en-US" baseline="0" dirty="0"/>
+              <a:t> 첨부하였습니다</a:t>
+            </a:r>
+            <a:r>
+              <a:rPr lang="en-US" altLang="ko-KR" baseline="0" dirty="0"/>
+              <a:t>.</a:t>
+            </a:r>
+          </a:p>
+          <a:p>
+            <a:r>
+              <a:rPr lang="en-US" altLang="ko-KR" baseline="0" dirty="0"/>
+              <a:t>4. </a:t>
+            </a:r>
+            <a:r>
+              <a:rPr lang="ko-KR" altLang="en-US" baseline="0" dirty="0"/>
+              <a:t>부연설명</a:t>
+            </a:r>
+            <a:endParaRPr lang="en-US" altLang="ko-KR" baseline="0" dirty="0"/>
+          </a:p>
+          <a:p>
+            <a:r>
+              <a:rPr lang="en-US" altLang="ko-KR" baseline="0" dirty="0"/>
+              <a:t> </a:t>
+            </a:r>
+            <a:r>
+              <a:rPr lang="ko-KR" altLang="en-US" baseline="0" dirty="0"/>
+              <a:t>해당 질문의 요지는</a:t>
+            </a:r>
+            <a:r>
+              <a:rPr lang="en-US" altLang="ko-KR" baseline="0" dirty="0"/>
+              <a:t> </a:t>
+            </a:r>
+            <a:r>
+              <a:rPr lang="ko-KR" altLang="en-US" baseline="0" dirty="0"/>
+              <a:t>국가별 </a:t>
+            </a:r>
+            <a:r>
+              <a:rPr lang="en-US" altLang="ko-KR" baseline="0" dirty="0"/>
+              <a:t>Steel Member Family</a:t>
+            </a:r>
+            <a:r>
+              <a:rPr lang="ko-KR" altLang="en-US" baseline="0" dirty="0"/>
+              <a:t>를 제작하여 사용하기 위함입니다</a:t>
+            </a:r>
+            <a:r>
+              <a:rPr lang="en-US" altLang="ko-KR" baseline="0" dirty="0"/>
+              <a:t>.</a:t>
+            </a:r>
+          </a:p>
+          <a:p>
+            <a:r>
+              <a:rPr lang="en-US" altLang="ko-KR" baseline="0" dirty="0"/>
+              <a:t> Revit</a:t>
+            </a:r>
+            <a:r>
+              <a:rPr lang="ko-KR" altLang="en-US" baseline="0" dirty="0"/>
+              <a:t>에서 제공하는 </a:t>
+            </a:r>
+            <a:r>
+              <a:rPr lang="en-US" altLang="ko-KR" baseline="0" dirty="0"/>
+              <a:t>Universal Beam &amp; Column Family </a:t>
+            </a:r>
+            <a:r>
+              <a:rPr lang="ko-KR" altLang="en-US" baseline="0" dirty="0"/>
+              <a:t>외 필요한 정보만 사용하여 </a:t>
+            </a:r>
+            <a:r>
+              <a:rPr lang="en-US" altLang="ko-KR" baseline="0" dirty="0"/>
+              <a:t>Family</a:t>
+            </a:r>
+            <a:r>
+              <a:rPr lang="ko-KR" altLang="en-US" baseline="0" dirty="0"/>
+              <a:t>를 제작하여 사용하고자 했으나</a:t>
+            </a:r>
+            <a:r>
+              <a:rPr lang="en-US" altLang="ko-KR" baseline="0" dirty="0"/>
+              <a:t>, connection </a:t>
+            </a:r>
+            <a:r>
+              <a:rPr lang="ko-KR" altLang="en-US" baseline="0" dirty="0"/>
+              <a:t>에서 오류가 발생하였습니다</a:t>
+            </a:r>
+            <a:r>
+              <a:rPr lang="en-US" altLang="ko-KR" baseline="0" dirty="0"/>
+              <a:t>.</a:t>
+            </a:r>
+          </a:p>
+          <a:p>
+            <a:r>
+              <a:rPr lang="en-US" altLang="ko-KR" baseline="0" dirty="0"/>
+              <a:t> Steel Connection </a:t>
+            </a:r>
+            <a:r>
+              <a:rPr lang="ko-KR" altLang="en-US" baseline="0" dirty="0"/>
+              <a:t>및 </a:t>
+            </a:r>
+            <a:r>
+              <a:rPr lang="en-US" altLang="ko-KR" baseline="0" dirty="0"/>
+              <a:t>Steel Family </a:t>
+            </a:r>
+            <a:r>
+              <a:rPr lang="ko-KR" altLang="en-US" baseline="0" dirty="0"/>
+              <a:t>제작 관련 교육을 요청하는 내용입니다</a:t>
+            </a:r>
+            <a:r>
+              <a:rPr lang="en-US" altLang="ko-KR" baseline="0" dirty="0"/>
+              <a:t>.</a:t>
+            </a:r>
+          </a:p>
+          <a:p>
+            <a:endParaRPr lang="en-US" altLang="ko-KR" dirty="0"/>
+          </a:p>
+          <a:p>
+            <a:r>
+              <a:rPr lang="ko-KR" altLang="en-US" dirty="0"/>
+              <a:t>해결방안 </a:t>
+            </a:r>
+            <a:r>
+              <a:rPr lang="en-US" altLang="ko-KR" dirty="0"/>
+              <a:t>: </a:t>
+            </a:r>
+            <a:r>
+              <a:rPr lang="ko-KR" altLang="en-US" dirty="0"/>
+              <a:t>기존 패밀리를 수정 </a:t>
+            </a:r>
+            <a:r>
+              <a:rPr lang="en-US" altLang="ko-KR" dirty="0"/>
+              <a:t>(</a:t>
+            </a:r>
+            <a:r>
+              <a:rPr lang="ko-KR" altLang="en-US" dirty="0" err="1"/>
+              <a:t>신규생성</a:t>
+            </a:r>
+            <a:r>
+              <a:rPr lang="en-US" altLang="ko-KR" dirty="0"/>
+              <a:t>X)</a:t>
+            </a:r>
+            <a:endParaRPr lang="ko-KR" altLang="en-US" dirty="0"/>
+          </a:p>
+        </p:txBody>
+      </p:sp>
+      <p:sp>
+        <p:nvSpPr>
+          <p:cNvPr id="4" name="슬라이드 번호 개체 틀 3"/>
+          <p:cNvSpPr>
+            <a:spLocks noGrp="1"/>
+          </p:cNvSpPr>
+          <p:nvPr>
+            <p:ph type="sldNum" sz="quarter" idx="10"/>
+          </p:nvPr>
+        </p:nvSpPr>
+        <p:spPr/>
+        <p:txBody>
+          <a:bodyPr/>
+          <a:lstStyle/>
+          <a:p>
+            <a:pPr>
+              <a:defRPr/>
+            </a:pPr>
+            <a:fld id="{8092176F-0855-447C-AFC3-AE19EC7A4380}" type="slidenum">
+              <a:rPr lang="ko-KR" altLang="en-US" smtClean="0"/>
+              <a:pPr>
+                <a:defRPr/>
+              </a:pPr>
+              <a:t>28</a:t>
+            </a:fld>
+            <a:endParaRPr lang="ko-KR" altLang="en-US"/>
+          </a:p>
+        </p:txBody>
+      </p:sp>
+    </p:spTree>
+    <p:extLst>
+      <p:ext uri="{BB962C8B-B14F-4D97-AF65-F5344CB8AC3E}">
         <p14:creationId xmlns:p14="http://schemas.microsoft.com/office/powerpoint/2010/main" val="3053297532"/>
       </p:ext>
     </p:extLst>
@@ -7884,7 +8270,7 @@
           <a:p>
             <a:fld id="{35A32851-9663-46D8-AEC4-64DFD4E932B5}" type="datetimeFigureOut">
               <a:rPr lang="ko-KR" altLang="en-US" smtClean="0"/>
-              <a:t>2024-02-21</a:t>
+              <a:t>2024-02-22</a:t>
             </a:fld>
             <a:endParaRPr lang="ko-KR" altLang="en-US"/>
           </a:p>
@@ -8052,7 +8438,7 @@
           <a:p>
             <a:fld id="{35A32851-9663-46D8-AEC4-64DFD4E932B5}" type="datetimeFigureOut">
               <a:rPr lang="ko-KR" altLang="en-US" smtClean="0"/>
-              <a:t>2024-02-21</a:t>
+              <a:t>2024-02-22</a:t>
             </a:fld>
             <a:endParaRPr lang="ko-KR" altLang="en-US"/>
           </a:p>
@@ -8230,7 +8616,7 @@
           <a:p>
             <a:fld id="{35A32851-9663-46D8-AEC4-64DFD4E932B5}" type="datetimeFigureOut">
               <a:rPr lang="ko-KR" altLang="en-US" smtClean="0"/>
-              <a:t>2024-02-21</a:t>
+              <a:t>2024-02-22</a:t>
             </a:fld>
             <a:endParaRPr lang="ko-KR" altLang="en-US"/>
           </a:p>
@@ -8593,7 +8979,7 @@
           <a:p>
             <a:fld id="{35A32851-9663-46D8-AEC4-64DFD4E932B5}" type="datetimeFigureOut">
               <a:rPr lang="ko-KR" altLang="en-US" smtClean="0"/>
-              <a:t>2024-02-21</a:t>
+              <a:t>2024-02-22</a:t>
             </a:fld>
             <a:endParaRPr lang="ko-KR" altLang="en-US"/>
           </a:p>
@@ -8838,7 +9224,7 @@
           <a:p>
             <a:fld id="{35A32851-9663-46D8-AEC4-64DFD4E932B5}" type="datetimeFigureOut">
               <a:rPr lang="ko-KR" altLang="en-US" smtClean="0"/>
-              <a:t>2024-02-21</a:t>
+              <a:t>2024-02-22</a:t>
             </a:fld>
             <a:endParaRPr lang="ko-KR" altLang="en-US"/>
           </a:p>
@@ -9067,7 +9453,7 @@
           <a:p>
             <a:fld id="{35A32851-9663-46D8-AEC4-64DFD4E932B5}" type="datetimeFigureOut">
               <a:rPr lang="ko-KR" altLang="en-US" smtClean="0"/>
-              <a:t>2024-02-21</a:t>
+              <a:t>2024-02-22</a:t>
             </a:fld>
             <a:endParaRPr lang="ko-KR" altLang="en-US"/>
           </a:p>
@@ -9431,7 +9817,7 @@
           <a:p>
             <a:fld id="{35A32851-9663-46D8-AEC4-64DFD4E932B5}" type="datetimeFigureOut">
               <a:rPr lang="ko-KR" altLang="en-US" smtClean="0"/>
-              <a:t>2024-02-21</a:t>
+              <a:t>2024-02-22</a:t>
             </a:fld>
             <a:endParaRPr lang="ko-KR" altLang="en-US"/>
           </a:p>
@@ -9548,7 +9934,7 @@
           <a:p>
             <a:fld id="{35A32851-9663-46D8-AEC4-64DFD4E932B5}" type="datetimeFigureOut">
               <a:rPr lang="ko-KR" altLang="en-US" smtClean="0"/>
-              <a:t>2024-02-21</a:t>
+              <a:t>2024-02-22</a:t>
             </a:fld>
             <a:endParaRPr lang="ko-KR" altLang="en-US"/>
           </a:p>
@@ -9643,7 +10029,7 @@
           <a:p>
             <a:fld id="{35A32851-9663-46D8-AEC4-64DFD4E932B5}" type="datetimeFigureOut">
               <a:rPr lang="ko-KR" altLang="en-US" smtClean="0"/>
-              <a:t>2024-02-21</a:t>
+              <a:t>2024-02-22</a:t>
             </a:fld>
             <a:endParaRPr lang="ko-KR" altLang="en-US"/>
           </a:p>
@@ -9918,7 +10304,7 @@
           <a:p>
             <a:fld id="{35A32851-9663-46D8-AEC4-64DFD4E932B5}" type="datetimeFigureOut">
               <a:rPr lang="ko-KR" altLang="en-US" smtClean="0"/>
-              <a:t>2024-02-21</a:t>
+              <a:t>2024-02-22</a:t>
             </a:fld>
             <a:endParaRPr lang="ko-KR" altLang="en-US"/>
           </a:p>
@@ -10170,7 +10556,7 @@
           <a:p>
             <a:fld id="{35A32851-9663-46D8-AEC4-64DFD4E932B5}" type="datetimeFigureOut">
               <a:rPr lang="ko-KR" altLang="en-US" smtClean="0"/>
-              <a:t>2024-02-21</a:t>
+              <a:t>2024-02-22</a:t>
             </a:fld>
             <a:endParaRPr lang="ko-KR" altLang="en-US"/>
           </a:p>
@@ -10381,7 +10767,7 @@
           <a:p>
             <a:fld id="{35A32851-9663-46D8-AEC4-64DFD4E932B5}" type="datetimeFigureOut">
               <a:rPr lang="ko-KR" altLang="en-US" smtClean="0"/>
-              <a:t>2024-02-21</a:t>
+              <a:t>2024-02-22</a:t>
             </a:fld>
             <a:endParaRPr lang="ko-KR" altLang="en-US"/>
           </a:p>
@@ -26253,6 +26639,656 @@
   <p:cSld>
     <p:spTree>
       <p:nvGrpSpPr>
+        <p:cNvPr id="1" name="">
+          <a:extLst>
+            <a:ext uri="{FF2B5EF4-FFF2-40B4-BE49-F238E27FC236}">
+              <a16:creationId xmlns:a16="http://schemas.microsoft.com/office/drawing/2014/main" id="{1542CB29-1263-5DBB-D9BC-81749FACF9DB}"/>
+            </a:ext>
+          </a:extLst>
+        </p:cNvPr>
+        <p:cNvGrpSpPr/>
+        <p:nvPr/>
+      </p:nvGrpSpPr>
+      <p:grpSpPr>
+        <a:xfrm>
+          <a:off x="0" y="0"/>
+          <a:ext cx="0" cy="0"/>
+          <a:chOff x="0" y="0"/>
+          <a:chExt cx="0" cy="0"/>
+        </a:xfrm>
+      </p:grpSpPr>
+      <p:sp>
+        <p:nvSpPr>
+          <p:cNvPr id="40" name="직사각형 39">
+            <a:extLst>
+              <a:ext uri="{FF2B5EF4-FFF2-40B4-BE49-F238E27FC236}">
+                <a16:creationId xmlns:a16="http://schemas.microsoft.com/office/drawing/2014/main" id="{88C27386-8393-BE6E-90C8-18A3E5D666E4}"/>
+              </a:ext>
+            </a:extLst>
+          </p:cNvPr>
+          <p:cNvSpPr/>
+          <p:nvPr/>
+        </p:nvSpPr>
+        <p:spPr>
+          <a:xfrm>
+            <a:off x="1320132" y="233484"/>
+            <a:ext cx="4503156" cy="369332"/>
+          </a:xfrm>
+          <a:prstGeom prst="rect">
+            <a:avLst/>
+          </a:prstGeom>
+        </p:spPr>
+        <p:txBody>
+          <a:bodyPr wrap="none">
+            <a:spAutoFit/>
+          </a:bodyPr>
+          <a:lstStyle/>
+          <a:p>
+            <a:pPr algn="ctr" defTabSz="900086" eaLnBrk="0" latinLnBrk="0" hangingPunct="0">
+              <a:defRPr/>
+            </a:pPr>
+            <a:r>
+              <a:rPr lang="en-US" altLang="ko-KR" sz="1800" b="1" dirty="0">
+                <a:ln>
+                  <a:solidFill>
+                    <a:srgbClr val="4F81BD">
+                      <a:alpha val="0"/>
+                    </a:srgbClr>
+                  </a:solidFill>
+                </a:ln>
+                <a:latin typeface="현대하모니 M" panose="02020603020101020101" pitchFamily="18" charset="-127"/>
+                <a:ea typeface="현대하모니 M" panose="02020603020101020101" pitchFamily="18" charset="-127"/>
+              </a:rPr>
+              <a:t>Ⅳ. </a:t>
+            </a:r>
+            <a:r>
+              <a:rPr lang="ko-KR" altLang="en-US" sz="1800" b="1" dirty="0">
+                <a:ln>
+                  <a:solidFill>
+                    <a:srgbClr val="4F81BD">
+                      <a:alpha val="0"/>
+                    </a:srgbClr>
+                  </a:solidFill>
+                </a:ln>
+                <a:latin typeface="현대하모니 M" panose="02020603020101020101" pitchFamily="18" charset="-127"/>
+                <a:ea typeface="현대하모니 M" panose="02020603020101020101" pitchFamily="18" charset="-127"/>
+              </a:rPr>
+              <a:t>스케줄을 활용한 마감 </a:t>
+            </a:r>
+            <a:r>
+              <a:rPr lang="ko-KR" altLang="en-US" sz="1800" b="1" dirty="0" err="1">
+                <a:ln>
+                  <a:solidFill>
+                    <a:srgbClr val="4F81BD">
+                      <a:alpha val="0"/>
+                    </a:srgbClr>
+                  </a:solidFill>
+                </a:ln>
+                <a:latin typeface="현대하모니 M" panose="02020603020101020101" pitchFamily="18" charset="-127"/>
+                <a:ea typeface="현대하모니 M" panose="02020603020101020101" pitchFamily="18" charset="-127"/>
+              </a:rPr>
+              <a:t>설계안</a:t>
+            </a:r>
+            <a:r>
+              <a:rPr lang="ko-KR" altLang="en-US" sz="1800" b="1" dirty="0">
+                <a:ln>
+                  <a:solidFill>
+                    <a:srgbClr val="4F81BD">
+                      <a:alpha val="0"/>
+                    </a:srgbClr>
+                  </a:solidFill>
+                </a:ln>
+                <a:latin typeface="현대하모니 M" panose="02020603020101020101" pitchFamily="18" charset="-127"/>
+                <a:ea typeface="현대하모니 M" panose="02020603020101020101" pitchFamily="18" charset="-127"/>
+              </a:rPr>
+              <a:t> 입력 및 출력</a:t>
+            </a:r>
+          </a:p>
+        </p:txBody>
+      </p:sp>
+      <p:sp>
+        <p:nvSpPr>
+          <p:cNvPr id="14" name="직사각형 13">
+            <a:extLst>
+              <a:ext uri="{FF2B5EF4-FFF2-40B4-BE49-F238E27FC236}">
+                <a16:creationId xmlns:a16="http://schemas.microsoft.com/office/drawing/2014/main" id="{A86A14D5-DE40-3F88-A6B9-2AF178C203C5}"/>
+              </a:ext>
+            </a:extLst>
+          </p:cNvPr>
+          <p:cNvSpPr/>
+          <p:nvPr/>
+        </p:nvSpPr>
+        <p:spPr>
+          <a:xfrm>
+            <a:off x="1487491" y="836713"/>
+            <a:ext cx="3272768" cy="428071"/>
+          </a:xfrm>
+          <a:prstGeom prst="rect">
+            <a:avLst/>
+          </a:prstGeom>
+          <a:solidFill>
+            <a:schemeClr val="tx2"/>
+          </a:solidFill>
+          <a:ln w="12700">
+            <a:solidFill>
+              <a:schemeClr val="bg1">
+                <a:lumMod val="65000"/>
+              </a:schemeClr>
+            </a:solidFill>
+          </a:ln>
+        </p:spPr>
+        <p:style>
+          <a:lnRef idx="2">
+            <a:schemeClr val="accent1">
+              <a:shade val="50000"/>
+            </a:schemeClr>
+          </a:lnRef>
+          <a:fillRef idx="1">
+            <a:schemeClr val="accent1"/>
+          </a:fillRef>
+          <a:effectRef idx="0">
+            <a:schemeClr val="accent1"/>
+          </a:effectRef>
+          <a:fontRef idx="minor">
+            <a:schemeClr val="lt1"/>
+          </a:fontRef>
+        </p:style>
+        <p:txBody>
+          <a:bodyPr lIns="36000" tIns="36000" rIns="36000" bIns="36000" rtlCol="0" anchor="ctr"/>
+          <a:lstStyle/>
+          <a:p>
+            <a:pPr marL="90483" defTabSz="914256" eaLnBrk="0" latinLnBrk="0" hangingPunct="0">
+              <a:lnSpc>
+                <a:spcPct val="120000"/>
+              </a:lnSpc>
+              <a:defRPr/>
+            </a:pPr>
+            <a:r>
+              <a:rPr lang="en-US" altLang="ko-KR" sz="1400" b="1" dirty="0">
+                <a:ln>
+                  <a:solidFill>
+                    <a:schemeClr val="bg1">
+                      <a:alpha val="0"/>
+                    </a:schemeClr>
+                  </a:solidFill>
+                </a:ln>
+                <a:solidFill>
+                  <a:schemeClr val="bg1"/>
+                </a:solidFill>
+                <a:latin typeface="현대하모니 L" panose="02020603020101020101" pitchFamily="18" charset="-127"/>
+                <a:ea typeface="현대하모니 L" panose="02020603020101020101" pitchFamily="18" charset="-127"/>
+              </a:rPr>
+              <a:t>A-1. </a:t>
+            </a:r>
+            <a:r>
+              <a:rPr lang="ko-KR" altLang="en-US" sz="1400" b="1" dirty="0">
+                <a:ln>
+                  <a:solidFill>
+                    <a:schemeClr val="bg1">
+                      <a:alpha val="0"/>
+                    </a:schemeClr>
+                  </a:solidFill>
+                </a:ln>
+                <a:solidFill>
+                  <a:schemeClr val="bg1"/>
+                </a:solidFill>
+                <a:latin typeface="현대하모니 L" panose="02020603020101020101" pitchFamily="18" charset="-127"/>
+                <a:ea typeface="현대하모니 L" panose="02020603020101020101" pitchFamily="18" charset="-127"/>
+              </a:rPr>
+              <a:t>인테리어 표준 스타일 작성 실습</a:t>
+            </a:r>
+            <a:endParaRPr lang="en-US" altLang="ko-KR" sz="1400" b="1" dirty="0">
+              <a:ln>
+                <a:solidFill>
+                  <a:schemeClr val="bg1">
+                    <a:alpha val="0"/>
+                  </a:schemeClr>
+                </a:solidFill>
+              </a:ln>
+              <a:solidFill>
+                <a:schemeClr val="bg1"/>
+              </a:solidFill>
+              <a:latin typeface="현대하모니 L" panose="02020603020101020101" pitchFamily="18" charset="-127"/>
+              <a:ea typeface="현대하모니 L" panose="02020603020101020101" pitchFamily="18" charset="-127"/>
+            </a:endParaRPr>
+          </a:p>
+        </p:txBody>
+      </p:sp>
+      <p:sp>
+        <p:nvSpPr>
+          <p:cNvPr id="3" name="Rectangle 14">
+            <a:extLst>
+              <a:ext uri="{FF2B5EF4-FFF2-40B4-BE49-F238E27FC236}">
+                <a16:creationId xmlns:a16="http://schemas.microsoft.com/office/drawing/2014/main" id="{EE5F1340-A35B-D9BD-E517-80300A92B24E}"/>
+              </a:ext>
+            </a:extLst>
+          </p:cNvPr>
+          <p:cNvSpPr>
+            <a:spLocks noChangeArrowheads="1"/>
+          </p:cNvSpPr>
+          <p:nvPr/>
+        </p:nvSpPr>
+        <p:spPr bwMode="auto">
+          <a:xfrm>
+            <a:off x="9221619" y="266582"/>
+            <a:ext cx="1436292" cy="246221"/>
+          </a:xfrm>
+          <a:prstGeom prst="rect">
+            <a:avLst/>
+          </a:prstGeom>
+          <a:noFill/>
+          <a:ln w="12700">
+            <a:noFill/>
+            <a:miter lim="800000"/>
+            <a:headEnd/>
+            <a:tailEnd/>
+          </a:ln>
+        </p:spPr>
+        <p:txBody>
+          <a:bodyPr wrap="none" lIns="0" tIns="0" rIns="0" bIns="0" anchor="ctr">
+            <a:spAutoFit/>
+          </a:bodyPr>
+          <a:lstStyle/>
+          <a:p>
+            <a:pPr defTabSz="900086" eaLnBrk="0" latinLnBrk="0" hangingPunct="0">
+              <a:spcBef>
+                <a:spcPct val="0"/>
+              </a:spcBef>
+              <a:spcAft>
+                <a:spcPct val="0"/>
+              </a:spcAft>
+              <a:defRPr/>
+            </a:pPr>
+            <a:r>
+              <a:rPr kumimoji="1" lang="ko-KR" altLang="en-US" sz="1600">
+                <a:ln>
+                  <a:solidFill>
+                    <a:srgbClr val="4F81BD">
+                      <a:alpha val="0"/>
+                    </a:srgbClr>
+                  </a:solidFill>
+                </a:ln>
+                <a:solidFill>
+                  <a:schemeClr val="tx1">
+                    <a:lumMod val="65000"/>
+                    <a:lumOff val="35000"/>
+                  </a:schemeClr>
+                </a:solidFill>
+                <a:latin typeface="현대하모니 M" panose="02020603020101020101" pitchFamily="18" charset="-127"/>
+                <a:ea typeface="현대하모니 M" panose="02020603020101020101" pitchFamily="18" charset="-127"/>
+              </a:rPr>
+              <a:t>플랜트건축설계팀</a:t>
+            </a:r>
+            <a:endParaRPr kumimoji="1" lang="ko-KR" altLang="en-US" sz="1600" dirty="0">
+              <a:ln>
+                <a:solidFill>
+                  <a:srgbClr val="4F81BD">
+                    <a:alpha val="0"/>
+                  </a:srgbClr>
+                </a:solidFill>
+              </a:ln>
+              <a:solidFill>
+                <a:schemeClr val="tx1">
+                  <a:lumMod val="65000"/>
+                  <a:lumOff val="35000"/>
+                </a:schemeClr>
+              </a:solidFill>
+              <a:latin typeface="현대하모니 M" panose="02020603020101020101" pitchFamily="18" charset="-127"/>
+              <a:ea typeface="현대하모니 M" panose="02020603020101020101" pitchFamily="18" charset="-127"/>
+            </a:endParaRPr>
+          </a:p>
+        </p:txBody>
+      </p:sp>
+      <p:sp>
+        <p:nvSpPr>
+          <p:cNvPr id="15" name="TextBox 14">
+            <a:extLst>
+              <a:ext uri="{FF2B5EF4-FFF2-40B4-BE49-F238E27FC236}">
+                <a16:creationId xmlns:a16="http://schemas.microsoft.com/office/drawing/2014/main" id="{1E34C604-F64F-E91C-F2CD-872F2E4B470E}"/>
+              </a:ext>
+            </a:extLst>
+          </p:cNvPr>
+          <p:cNvSpPr txBox="1"/>
+          <p:nvPr/>
+        </p:nvSpPr>
+        <p:spPr>
+          <a:xfrm>
+            <a:off x="1488045" y="1498681"/>
+            <a:ext cx="3397720" cy="276999"/>
+          </a:xfrm>
+          <a:prstGeom prst="rect">
+            <a:avLst/>
+          </a:prstGeom>
+          <a:solidFill>
+            <a:schemeClr val="accent2">
+              <a:lumMod val="20000"/>
+              <a:lumOff val="80000"/>
+            </a:schemeClr>
+          </a:solidFill>
+        </p:spPr>
+        <p:txBody>
+          <a:bodyPr wrap="square">
+            <a:spAutoFit/>
+          </a:bodyPr>
+          <a:lstStyle/>
+          <a:p>
+            <a:r>
+              <a:rPr lang="en-US" altLang="ko-KR" sz="1200" dirty="0">
+                <a:latin typeface="현대하모니 L" panose="02020603020101020101" pitchFamily="18" charset="-127"/>
+                <a:ea typeface="현대하모니 L" panose="02020603020101020101" pitchFamily="18" charset="-127"/>
+              </a:rPr>
+              <a:t>&lt;</a:t>
+            </a:r>
+            <a:r>
+              <a:rPr lang="en-US" altLang="ko-KR" sz="1200" dirty="0" err="1">
+                <a:latin typeface="현대하모니 L" panose="02020603020101020101" pitchFamily="18" charset="-127"/>
+                <a:ea typeface="현대하모니 L" panose="02020603020101020101" pitchFamily="18" charset="-127"/>
+              </a:rPr>
+              <a:t>C_Key</a:t>
+            </a:r>
+            <a:r>
+              <a:rPr lang="en-US" altLang="ko-KR" sz="1200" dirty="0">
+                <a:latin typeface="현대하모니 L" panose="02020603020101020101" pitchFamily="18" charset="-127"/>
+                <a:ea typeface="현대하모니 L" panose="02020603020101020101" pitchFamily="18" charset="-127"/>
+              </a:rPr>
+              <a:t> Schedule for Interior Finish (Wall)&gt;</a:t>
+            </a:r>
+          </a:p>
+        </p:txBody>
+      </p:sp>
+      <p:sp>
+        <p:nvSpPr>
+          <p:cNvPr id="8" name="TextBox 7">
+            <a:extLst>
+              <a:ext uri="{FF2B5EF4-FFF2-40B4-BE49-F238E27FC236}">
+                <a16:creationId xmlns:a16="http://schemas.microsoft.com/office/drawing/2014/main" id="{F6FEB9FE-8614-3974-DA13-7453B34BE0A1}"/>
+              </a:ext>
+            </a:extLst>
+          </p:cNvPr>
+          <p:cNvSpPr txBox="1"/>
+          <p:nvPr/>
+        </p:nvSpPr>
+        <p:spPr>
+          <a:xfrm>
+            <a:off x="1487491" y="2009577"/>
+            <a:ext cx="3143334" cy="1477328"/>
+          </a:xfrm>
+          <a:prstGeom prst="rect">
+            <a:avLst/>
+          </a:prstGeom>
+          <a:noFill/>
+        </p:spPr>
+        <p:txBody>
+          <a:bodyPr wrap="square" rtlCol="0">
+            <a:spAutoFit/>
+          </a:bodyPr>
+          <a:lstStyle/>
+          <a:p>
+            <a:r>
+              <a:rPr lang="ko-KR" altLang="en-US" sz="900" dirty="0">
+                <a:latin typeface="현대하모니 L" panose="02020603020101020101" pitchFamily="18" charset="-127"/>
+                <a:ea typeface="현대하모니 L" panose="02020603020101020101" pitchFamily="18" charset="-127"/>
+              </a:rPr>
+              <a:t>필드항목</a:t>
+            </a:r>
+            <a:r>
+              <a:rPr lang="en-US" altLang="ko-KR" sz="900" dirty="0">
+                <a:latin typeface="현대하모니 L" panose="02020603020101020101" pitchFamily="18" charset="-127"/>
+                <a:ea typeface="현대하모니 L" panose="02020603020101020101" pitchFamily="18" charset="-127"/>
+              </a:rPr>
+              <a:t>:</a:t>
+            </a:r>
+          </a:p>
+          <a:p>
+            <a:endParaRPr lang="en-US" altLang="ko-KR" sz="900" dirty="0">
+              <a:latin typeface="현대하모니 L" panose="02020603020101020101" pitchFamily="18" charset="-127"/>
+              <a:ea typeface="현대하모니 L" panose="02020603020101020101" pitchFamily="18" charset="-127"/>
+            </a:endParaRPr>
+          </a:p>
+          <a:p>
+            <a:r>
+              <a:rPr lang="en-US" altLang="ko-KR" sz="900" dirty="0" err="1">
+                <a:latin typeface="현대하모니 L" panose="02020603020101020101" pitchFamily="18" charset="-127"/>
+                <a:ea typeface="현대하모니 L" panose="02020603020101020101" pitchFamily="18" charset="-127"/>
+              </a:rPr>
+              <a:t>H_Wall</a:t>
+            </a:r>
+            <a:r>
+              <a:rPr lang="ko-KR" altLang="en-US" sz="900" dirty="0">
+                <a:latin typeface="현대하모니 L" panose="02020603020101020101" pitchFamily="18" charset="-127"/>
+                <a:ea typeface="현대하모니 L" panose="02020603020101020101" pitchFamily="18" charset="-127"/>
+              </a:rPr>
+              <a:t> </a:t>
+            </a:r>
+            <a:r>
+              <a:rPr lang="en-US" altLang="ko-KR" sz="900" dirty="0">
+                <a:latin typeface="현대하모니 L" panose="02020603020101020101" pitchFamily="18" charset="-127"/>
+                <a:ea typeface="현대하모니 L" panose="02020603020101020101" pitchFamily="18" charset="-127"/>
+              </a:rPr>
+              <a:t>Style</a:t>
+            </a:r>
+            <a:r>
+              <a:rPr lang="ko-KR" altLang="en-US" sz="900" dirty="0">
+                <a:latin typeface="현대하모니 L" panose="02020603020101020101" pitchFamily="18" charset="-127"/>
+                <a:ea typeface="현대하모니 L" panose="02020603020101020101" pitchFamily="18" charset="-127"/>
+              </a:rPr>
+              <a:t> </a:t>
+            </a:r>
+            <a:r>
+              <a:rPr lang="en-US" altLang="ko-KR" sz="900" dirty="0">
+                <a:latin typeface="현대하모니 L" panose="02020603020101020101" pitchFamily="18" charset="-127"/>
+                <a:ea typeface="현대하모니 L" panose="02020603020101020101" pitchFamily="18" charset="-127"/>
+              </a:rPr>
+              <a:t>Name</a:t>
+            </a:r>
+          </a:p>
+          <a:p>
+            <a:r>
+              <a:rPr lang="en-US" altLang="ko-KR" sz="900" dirty="0" err="1">
+                <a:latin typeface="현대하모니 L" panose="02020603020101020101" pitchFamily="18" charset="-127"/>
+                <a:ea typeface="현대하모니 L" panose="02020603020101020101" pitchFamily="18" charset="-127"/>
+              </a:rPr>
+              <a:t>H_Wall_Finish</a:t>
+            </a:r>
+            <a:r>
+              <a:rPr lang="en-US" altLang="ko-KR" sz="900" dirty="0">
+                <a:latin typeface="현대하모니 L" panose="02020603020101020101" pitchFamily="18" charset="-127"/>
+                <a:ea typeface="현대하모니 L" panose="02020603020101020101" pitchFamily="18" charset="-127"/>
+              </a:rPr>
+              <a:t>-In</a:t>
+            </a:r>
+          </a:p>
+          <a:p>
+            <a:r>
+              <a:rPr lang="en-US" altLang="ko-KR" sz="900" dirty="0" err="1">
+                <a:latin typeface="현대하모니 L" panose="02020603020101020101" pitchFamily="18" charset="-127"/>
+                <a:ea typeface="현대하모니 L" panose="02020603020101020101" pitchFamily="18" charset="-127"/>
+              </a:rPr>
+              <a:t>H_Wall</a:t>
+            </a:r>
+            <a:r>
+              <a:rPr lang="en-US" altLang="ko-KR" sz="900" dirty="0">
+                <a:latin typeface="현대하모니 L" panose="02020603020101020101" pitchFamily="18" charset="-127"/>
+                <a:ea typeface="현대하모니 L" panose="02020603020101020101" pitchFamily="18" charset="-127"/>
+              </a:rPr>
+              <a:t>-Base Material-1</a:t>
+            </a:r>
+          </a:p>
+          <a:p>
+            <a:r>
+              <a:rPr lang="en-US" altLang="ko-KR" sz="900" dirty="0" err="1">
+                <a:latin typeface="현대하모니 L" panose="02020603020101020101" pitchFamily="18" charset="-127"/>
+                <a:ea typeface="현대하모니 L" panose="02020603020101020101" pitchFamily="18" charset="-127"/>
+              </a:rPr>
+              <a:t>H_Wall</a:t>
+            </a:r>
+            <a:r>
+              <a:rPr lang="en-US" altLang="ko-KR" sz="900" dirty="0">
+                <a:latin typeface="현대하모니 L" panose="02020603020101020101" pitchFamily="18" charset="-127"/>
+                <a:ea typeface="현대하모니 L" panose="02020603020101020101" pitchFamily="18" charset="-127"/>
+              </a:rPr>
+              <a:t>-Base Material-2</a:t>
+            </a:r>
+          </a:p>
+          <a:p>
+            <a:r>
+              <a:rPr lang="en-US" altLang="ko-KR" sz="900" dirty="0" err="1">
+                <a:latin typeface="현대하모니 L" panose="02020603020101020101" pitchFamily="18" charset="-127"/>
+                <a:ea typeface="현대하모니 L" panose="02020603020101020101" pitchFamily="18" charset="-127"/>
+              </a:rPr>
+              <a:t>H_Wall</a:t>
+            </a:r>
+            <a:r>
+              <a:rPr lang="en-US" altLang="ko-KR" sz="900" dirty="0">
+                <a:latin typeface="현대하모니 L" panose="02020603020101020101" pitchFamily="18" charset="-127"/>
+                <a:ea typeface="현대하모니 L" panose="02020603020101020101" pitchFamily="18" charset="-127"/>
+              </a:rPr>
+              <a:t>-Base Material-3</a:t>
+            </a:r>
+          </a:p>
+          <a:p>
+            <a:r>
+              <a:rPr lang="en-US" altLang="ko-KR" sz="900" dirty="0" err="1">
+                <a:latin typeface="현대하모니 L" panose="02020603020101020101" pitchFamily="18" charset="-127"/>
+                <a:ea typeface="현대하모니 L" panose="02020603020101020101" pitchFamily="18" charset="-127"/>
+              </a:rPr>
+              <a:t>H_Wall_Finish</a:t>
+            </a:r>
+            <a:r>
+              <a:rPr lang="en-US" altLang="ko-KR" sz="900" dirty="0">
+                <a:latin typeface="현대하모니 L" panose="02020603020101020101" pitchFamily="18" charset="-127"/>
+                <a:ea typeface="현대하모니 L" panose="02020603020101020101" pitchFamily="18" charset="-127"/>
+              </a:rPr>
+              <a:t>-Ex</a:t>
+            </a:r>
+          </a:p>
+          <a:p>
+            <a:r>
+              <a:rPr lang="en-US" altLang="ko-KR" sz="900" dirty="0" err="1">
+                <a:latin typeface="현대하모니 L" panose="02020603020101020101" pitchFamily="18" charset="-127"/>
+                <a:ea typeface="현대하모니 L" panose="02020603020101020101" pitchFamily="18" charset="-127"/>
+              </a:rPr>
+              <a:t>H_Wall_Style</a:t>
+            </a:r>
+            <a:r>
+              <a:rPr lang="en-US" altLang="ko-KR" sz="900" dirty="0">
+                <a:latin typeface="현대하모니 L" panose="02020603020101020101" pitchFamily="18" charset="-127"/>
+                <a:ea typeface="현대하모니 L" panose="02020603020101020101" pitchFamily="18" charset="-127"/>
+              </a:rPr>
+              <a:t> Remark</a:t>
+            </a:r>
+          </a:p>
+          <a:p>
+            <a:endParaRPr lang="en-US" altLang="ko-KR" sz="900" dirty="0">
+              <a:latin typeface="현대하모니 L" panose="02020603020101020101" pitchFamily="18" charset="-127"/>
+              <a:ea typeface="현대하모니 L" panose="02020603020101020101" pitchFamily="18" charset="-127"/>
+            </a:endParaRPr>
+          </a:p>
+        </p:txBody>
+      </p:sp>
+      <p:sp>
+        <p:nvSpPr>
+          <p:cNvPr id="9" name="TextBox 8">
+            <a:extLst>
+              <a:ext uri="{FF2B5EF4-FFF2-40B4-BE49-F238E27FC236}">
+                <a16:creationId xmlns:a16="http://schemas.microsoft.com/office/drawing/2014/main" id="{3397A302-035F-DC9B-571B-F038C13C6D5A}"/>
+              </a:ext>
+            </a:extLst>
+          </p:cNvPr>
+          <p:cNvSpPr txBox="1"/>
+          <p:nvPr/>
+        </p:nvSpPr>
+        <p:spPr>
+          <a:xfrm>
+            <a:off x="1487491" y="4231698"/>
+            <a:ext cx="3143334" cy="507831"/>
+          </a:xfrm>
+          <a:prstGeom prst="rect">
+            <a:avLst/>
+          </a:prstGeom>
+          <a:noFill/>
+        </p:spPr>
+        <p:txBody>
+          <a:bodyPr wrap="square" rtlCol="0">
+            <a:spAutoFit/>
+          </a:bodyPr>
+          <a:lstStyle/>
+          <a:p>
+            <a:r>
+              <a:rPr lang="ko-KR" altLang="en-US" sz="900" dirty="0">
+                <a:latin typeface="현대하모니 L" panose="02020603020101020101" pitchFamily="18" charset="-127"/>
+                <a:ea typeface="현대하모니 L" panose="02020603020101020101" pitchFamily="18" charset="-127"/>
+              </a:rPr>
+              <a:t>월 태그 패밀리</a:t>
+            </a:r>
+            <a:r>
+              <a:rPr lang="en-US" altLang="ko-KR" sz="900" dirty="0">
+                <a:latin typeface="현대하모니 L" panose="02020603020101020101" pitchFamily="18" charset="-127"/>
+                <a:ea typeface="현대하모니 L" panose="02020603020101020101" pitchFamily="18" charset="-127"/>
+              </a:rPr>
+              <a:t>:</a:t>
+            </a:r>
+          </a:p>
+          <a:p>
+            <a:endParaRPr lang="en-US" altLang="ko-KR" sz="900" dirty="0">
+              <a:latin typeface="현대하모니 L" panose="02020603020101020101" pitchFamily="18" charset="-127"/>
+              <a:ea typeface="현대하모니 L" panose="02020603020101020101" pitchFamily="18" charset="-127"/>
+            </a:endParaRPr>
+          </a:p>
+          <a:p>
+            <a:r>
+              <a:rPr lang="en-US" altLang="ko-KR" sz="900" dirty="0">
+                <a:latin typeface="현대하모니 L" panose="02020603020101020101" pitchFamily="18" charset="-127"/>
+                <a:ea typeface="현대하모니 L" panose="02020603020101020101" pitchFamily="18" charset="-127"/>
+              </a:rPr>
+              <a:t>HEA-</a:t>
+            </a:r>
+            <a:r>
+              <a:rPr lang="en-US" altLang="ko-KR" sz="900" dirty="0" err="1">
+                <a:latin typeface="현대하모니 L" panose="02020603020101020101" pitchFamily="18" charset="-127"/>
+                <a:ea typeface="현대하모니 L" panose="02020603020101020101" pitchFamily="18" charset="-127"/>
+              </a:rPr>
+              <a:t>ANNO_Tag_Wall</a:t>
+            </a:r>
+            <a:r>
+              <a:rPr lang="en-US" altLang="ko-KR" sz="900" dirty="0">
+                <a:latin typeface="현대하모니 L" panose="02020603020101020101" pitchFamily="18" charset="-127"/>
+                <a:ea typeface="현대하모니 L" panose="02020603020101020101" pitchFamily="18" charset="-127"/>
+              </a:rPr>
+              <a:t> </a:t>
+            </a:r>
+            <a:r>
+              <a:rPr lang="ko-KR" altLang="en-US" sz="900" dirty="0">
+                <a:latin typeface="현대하모니 L" panose="02020603020101020101" pitchFamily="18" charset="-127"/>
+                <a:ea typeface="현대하모니 L" panose="02020603020101020101" pitchFamily="18" charset="-127"/>
+              </a:rPr>
+              <a:t>기반 수정</a:t>
+            </a:r>
+            <a:endParaRPr lang="en-US" altLang="ko-KR" sz="900" dirty="0">
+              <a:latin typeface="현대하모니 L" panose="02020603020101020101" pitchFamily="18" charset="-127"/>
+              <a:ea typeface="현대하모니 L" panose="02020603020101020101" pitchFamily="18" charset="-127"/>
+            </a:endParaRPr>
+          </a:p>
+        </p:txBody>
+      </p:sp>
+    </p:spTree>
+    <p:extLst>
+      <p:ext uri="{BB962C8B-B14F-4D97-AF65-F5344CB8AC3E}">
+        <p14:creationId xmlns:p14="http://schemas.microsoft.com/office/powerpoint/2010/main" val="1921569175"/>
+      </p:ext>
+    </p:extLst>
+  </p:cSld>
+  <p:clrMapOvr>
+    <a:masterClrMapping/>
+  </p:clrMapOvr>
+</p:sld>
+</file>
+
+<file path=ppt/slides/slide26.xml><?xml version="1.0" encoding="utf-8"?>
+<p:sld xmlns:a="http://schemas.openxmlformats.org/drawingml/2006/main" xmlns:r="http://schemas.openxmlformats.org/officeDocument/2006/relationships" xmlns:p="http://schemas.openxmlformats.org/presentationml/2006/main">
+  <p:cSld>
+    <p:spTree>
+      <p:nvGrpSpPr>
         <p:cNvPr id="1" name=""/>
         <p:cNvGrpSpPr/>
         <p:nvPr/>
@@ -27228,7 +28264,7 @@
 </p:sld>
 </file>
 
-<file path=ppt/slides/slide26.xml><?xml version="1.0" encoding="utf-8"?>
+<file path=ppt/slides/slide27.xml><?xml version="1.0" encoding="utf-8"?>
 <p:sld xmlns:a="http://schemas.openxmlformats.org/drawingml/2006/main" xmlns:r="http://schemas.openxmlformats.org/officeDocument/2006/relationships" xmlns:p="http://schemas.openxmlformats.org/presentationml/2006/main">
   <p:cSld>
     <p:spTree>
@@ -28215,7 +29251,7 @@
 </p:sld>
 </file>
 
-<file path=ppt/slides/slide27.xml><?xml version="1.0" encoding="utf-8"?>
+<file path=ppt/slides/slide28.xml><?xml version="1.0" encoding="utf-8"?>
 <p:sld xmlns:a="http://schemas.openxmlformats.org/drawingml/2006/main" xmlns:r="http://schemas.openxmlformats.org/officeDocument/2006/relationships" xmlns:p="http://schemas.openxmlformats.org/presentationml/2006/main">
   <p:cSld>
     <p:spTree>
@@ -29315,7 +30351,7 @@
 </p:sld>
 </file>
 
-<file path=ppt/slides/slide28.xml><?xml version="1.0" encoding="utf-8"?>
+<file path=ppt/slides/slide29.xml><?xml version="1.0" encoding="utf-8"?>
 <p:sld xmlns:a="http://schemas.openxmlformats.org/drawingml/2006/main" xmlns:r="http://schemas.openxmlformats.org/officeDocument/2006/relationships" xmlns:p="http://schemas.openxmlformats.org/presentationml/2006/main">
   <p:cSld>
     <p:spTree>
@@ -35634,17 +36670,6 @@
 </file>
 
 <file path=customXml/item1.xml><?xml version="1.0" encoding="utf-8"?>
-<p:properties xmlns:p="http://schemas.microsoft.com/office/2006/metadata/properties" xmlns:xsi="http://www.w3.org/2001/XMLSchema-instance" xmlns:pc="http://schemas.microsoft.com/office/infopath/2007/PartnerControls">
-  <documentManagement>
-    <TaxCatchAll xmlns="1df8d749-692d-49a0-b17f-039abb75530b" xsi:nil="true"/>
-    <lcf76f155ced4ddcb4097134ff3c332f xmlns="31d58751-bbf6-4d52-983e-b571b4cec1a2">
-      <Terms xmlns="http://schemas.microsoft.com/office/infopath/2007/PartnerControls"/>
-    </lcf76f155ced4ddcb4097134ff3c332f>
-  </documentManagement>
-</p:properties>
-</file>
-
-<file path=customXml/item2.xml><?xml version="1.0" encoding="utf-8"?>
 <ct:contentTypeSchema xmlns:ct="http://schemas.microsoft.com/office/2006/metadata/contentType" xmlns:ma="http://schemas.microsoft.com/office/2006/metadata/properties/metaAttributes" ct:_="" ma:_="" ma:contentTypeName="Document" ma:contentTypeID="0x0101001708ADEC9AB2D74E8EF8811BBC4F9F5F" ma:contentTypeVersion="13" ma:contentTypeDescription="Create a new document." ma:contentTypeScope="" ma:versionID="a3b06910737554b5ac940bb5c49a8122">
   <xsd:schema xmlns:xsd="http://www.w3.org/2001/XMLSchema" xmlns:xs="http://www.w3.org/2001/XMLSchema" xmlns:p="http://schemas.microsoft.com/office/2006/metadata/properties" xmlns:ns2="31d58751-bbf6-4d52-983e-b571b4cec1a2" xmlns:ns3="1df8d749-692d-49a0-b17f-039abb75530b" targetNamespace="http://schemas.microsoft.com/office/2006/metadata/properties" ma:root="true" ma:fieldsID="e65be07af5111e27d94503899b5835e0" ns2:_="" ns3:_="">
     <xsd:import namespace="31d58751-bbf6-4d52-983e-b571b4cec1a2"/>
@@ -35867,6 +36892,17 @@
 </ct:contentTypeSchema>
 </file>
 
+<file path=customXml/item2.xml><?xml version="1.0" encoding="utf-8"?>
+<p:properties xmlns:p="http://schemas.microsoft.com/office/2006/metadata/properties" xmlns:xsi="http://www.w3.org/2001/XMLSchema-instance" xmlns:pc="http://schemas.microsoft.com/office/infopath/2007/PartnerControls">
+  <documentManagement>
+    <TaxCatchAll xmlns="1df8d749-692d-49a0-b17f-039abb75530b" xsi:nil="true"/>
+    <lcf76f155ced4ddcb4097134ff3c332f xmlns="31d58751-bbf6-4d52-983e-b571b4cec1a2">
+      <Terms xmlns="http://schemas.microsoft.com/office/infopath/2007/PartnerControls"/>
+    </lcf76f155ced4ddcb4097134ff3c332f>
+  </documentManagement>
+</p:properties>
+</file>
+
 <file path=customXml/item3.xml><?xml version="1.0" encoding="utf-8"?>
 <?mso-contentType ?>
 <FormTemplates xmlns="http://schemas.microsoft.com/sharepoint/v3/contenttype/forms">
@@ -35877,23 +36913,6 @@
 </file>
 
 <file path=customXml/itemProps1.xml><?xml version="1.0" encoding="utf-8"?>
-<ds:datastoreItem xmlns:ds="http://schemas.openxmlformats.org/officeDocument/2006/customXml" ds:itemID="{AFAF279A-332D-4A43-AAEA-37BADD2E9B0D}">
-  <ds:schemaRefs>
-    <ds:schemaRef ds:uri="http://schemas.microsoft.com/office/2006/documentManagement/types"/>
-    <ds:schemaRef ds:uri="http://purl.org/dc/dcmitype/"/>
-    <ds:schemaRef ds:uri="http://schemas.microsoft.com/office/2006/metadata/properties"/>
-    <ds:schemaRef ds:uri="http://www.w3.org/XML/1998/namespace"/>
-    <ds:schemaRef ds:uri="http://schemas.microsoft.com/office/infopath/2007/PartnerControls"/>
-    <ds:schemaRef ds:uri="1df8d749-692d-49a0-b17f-039abb75530b"/>
-    <ds:schemaRef ds:uri="http://schemas.openxmlformats.org/package/2006/metadata/core-properties"/>
-    <ds:schemaRef ds:uri="31d58751-bbf6-4d52-983e-b571b4cec1a2"/>
-    <ds:schemaRef ds:uri="http://purl.org/dc/terms/"/>
-    <ds:schemaRef ds:uri="http://purl.org/dc/elements/1.1/"/>
-  </ds:schemaRefs>
-</ds:datastoreItem>
-</file>
-
-<file path=customXml/itemProps2.xml><?xml version="1.0" encoding="utf-8"?>
 <ds:datastoreItem xmlns:ds="http://schemas.openxmlformats.org/officeDocument/2006/customXml" ds:itemID="{47108C31-B407-4318-9A85-98FFD0EFF9B6}">
   <ds:schemaRefs>
     <ds:schemaRef ds:uri="http://schemas.microsoft.com/office/2006/metadata/contentType"/>
@@ -35912,6 +36931,23 @@
 </ds:datastoreItem>
 </file>
 
+<file path=customXml/itemProps2.xml><?xml version="1.0" encoding="utf-8"?>
+<ds:datastoreItem xmlns:ds="http://schemas.openxmlformats.org/officeDocument/2006/customXml" ds:itemID="{AFAF279A-332D-4A43-AAEA-37BADD2E9B0D}">
+  <ds:schemaRefs>
+    <ds:schemaRef ds:uri="http://schemas.microsoft.com/office/2006/documentManagement/types"/>
+    <ds:schemaRef ds:uri="http://purl.org/dc/dcmitype/"/>
+    <ds:schemaRef ds:uri="http://schemas.microsoft.com/office/2006/metadata/properties"/>
+    <ds:schemaRef ds:uri="http://www.w3.org/XML/1998/namespace"/>
+    <ds:schemaRef ds:uri="http://schemas.microsoft.com/office/infopath/2007/PartnerControls"/>
+    <ds:schemaRef ds:uri="1df8d749-692d-49a0-b17f-039abb75530b"/>
+    <ds:schemaRef ds:uri="http://schemas.openxmlformats.org/package/2006/metadata/core-properties"/>
+    <ds:schemaRef ds:uri="31d58751-bbf6-4d52-983e-b571b4cec1a2"/>
+    <ds:schemaRef ds:uri="http://purl.org/dc/terms/"/>
+    <ds:schemaRef ds:uri="http://purl.org/dc/elements/1.1/"/>
+  </ds:schemaRefs>
+</ds:datastoreItem>
+</file>
+
 <file path=customXml/itemProps3.xml><?xml version="1.0" encoding="utf-8"?>
 <ds:datastoreItem xmlns:ds="http://schemas.openxmlformats.org/officeDocument/2006/customXml" ds:itemID="{5F75E257-10B3-4CDF-A4F0-C9CCDA83B5D5}">
   <ds:schemaRefs>

--- a/etc/_팀교육/플랜트건축설계팀_BIM 팀 교육자료(2024).pptx
+++ b/etc/_팀교육/플랜트건축설계팀_BIM 팀 교육자료(2024).pptx
@@ -5,7 +5,7 @@
     <p:sldMasterId id="2147483648" r:id="rId4"/>
   </p:sldMasterIdLst>
   <p:notesMasterIdLst>
-    <p:notesMasterId r:id="rId34"/>
+    <p:notesMasterId r:id="rId39"/>
   </p:notesMasterIdLst>
   <p:sldIdLst>
     <p:sldId id="356" r:id="rId5"/>
@@ -36,7 +36,12 @@
     <p:sldId id="378" r:id="rId30"/>
     <p:sldId id="379" r:id="rId31"/>
     <p:sldId id="380" r:id="rId32"/>
-    <p:sldId id="389" r:id="rId33"/>
+    <p:sldId id="392" r:id="rId33"/>
+    <p:sldId id="393" r:id="rId34"/>
+    <p:sldId id="394" r:id="rId35"/>
+    <p:sldId id="395" r:id="rId36"/>
+    <p:sldId id="396" r:id="rId37"/>
+    <p:sldId id="389" r:id="rId38"/>
   </p:sldIdLst>
   <p:sldSz cx="12192000" cy="6858000"/>
   <p:notesSz cx="6735763" cy="9866313"/>
@@ -168,6 +173,11 @@
             <p14:sldId id="378"/>
             <p14:sldId id="379"/>
             <p14:sldId id="380"/>
+            <p14:sldId id="392"/>
+            <p14:sldId id="393"/>
+            <p14:sldId id="394"/>
+            <p14:sldId id="395"/>
+            <p14:sldId id="396"/>
           </p14:sldIdLst>
         </p14:section>
         <p14:section name="미결" id="{4B97F56F-B5FE-4785-BEE1-5DE2E75A4DD5}">
@@ -266,7 +276,7 @@
           <a:p>
             <a:fld id="{7A051C67-A29D-4784-80AB-75E6BD6E7D84}" type="datetimeFigureOut">
               <a:rPr lang="ko-KR" altLang="en-US" smtClean="0"/>
-              <a:t>2024-02-22</a:t>
+              <a:t>2024-03-06</a:t>
             </a:fld>
             <a:endParaRPr lang="ko-KR" altLang="en-US"/>
           </a:p>
@@ -5621,6 +5631,1446 @@
 </p:notes>
 </file>
 
+<file path=ppt/notesSlides/notesSlide22.xml><?xml version="1.0" encoding="utf-8"?>
+<p:notes xmlns:a="http://schemas.openxmlformats.org/drawingml/2006/main" xmlns:r="http://schemas.openxmlformats.org/officeDocument/2006/relationships" xmlns:p="http://schemas.openxmlformats.org/presentationml/2006/main">
+  <p:cSld>
+    <p:spTree>
+      <p:nvGrpSpPr>
+        <p:cNvPr id="1" name=""/>
+        <p:cNvGrpSpPr/>
+        <p:nvPr/>
+      </p:nvGrpSpPr>
+      <p:grpSpPr>
+        <a:xfrm>
+          <a:off x="0" y="0"/>
+          <a:ext cx="0" cy="0"/>
+          <a:chOff x="0" y="0"/>
+          <a:chExt cx="0" cy="0"/>
+        </a:xfrm>
+      </p:grpSpPr>
+      <p:sp>
+        <p:nvSpPr>
+          <p:cNvPr id="2" name="슬라이드 이미지 개체 틀 1"/>
+          <p:cNvSpPr>
+            <a:spLocks noGrp="1" noRot="1" noChangeAspect="1"/>
+          </p:cNvSpPr>
+          <p:nvPr>
+            <p:ph type="sldImg"/>
+          </p:nvPr>
+        </p:nvSpPr>
+        <p:spPr>
+          <a:xfrm>
+            <a:off x="409575" y="1233488"/>
+            <a:ext cx="5916613" cy="3328987"/>
+          </a:xfrm>
+        </p:spPr>
+      </p:sp>
+      <p:sp>
+        <p:nvSpPr>
+          <p:cNvPr id="3" name="슬라이드 노트 개체 틀 2"/>
+          <p:cNvSpPr>
+            <a:spLocks noGrp="1"/>
+          </p:cNvSpPr>
+          <p:nvPr>
+            <p:ph type="body" idx="1"/>
+          </p:nvPr>
+        </p:nvSpPr>
+        <p:spPr>
+          <a:xfrm>
+            <a:off x="661103" y="5123289"/>
+            <a:ext cx="5293499" cy="4191470"/>
+          </a:xfrm>
+          <a:prstGeom prst="rect">
+            <a:avLst/>
+          </a:prstGeom>
+        </p:spPr>
+        <p:txBody>
+          <a:bodyPr/>
+          <a:lstStyle/>
+          <a:p>
+            <a:r>
+              <a:rPr lang="en-US" altLang="ko-KR" dirty="0"/>
+              <a:t>0. </a:t>
+            </a:r>
+            <a:r>
+              <a:rPr lang="ko-KR" altLang="en-US" dirty="0"/>
+              <a:t>작성자 </a:t>
+            </a:r>
+            <a:r>
+              <a:rPr lang="en-US" altLang="ko-KR" dirty="0"/>
+              <a:t>: </a:t>
+            </a:r>
+            <a:r>
+              <a:rPr lang="ko-KR" altLang="en-US" dirty="0" err="1"/>
+              <a:t>김청산</a:t>
+            </a:r>
+            <a:endParaRPr lang="en-US" altLang="ko-KR" dirty="0"/>
+          </a:p>
+          <a:p>
+            <a:r>
+              <a:rPr lang="en-US" altLang="ko-KR" dirty="0"/>
+              <a:t>1.</a:t>
+            </a:r>
+            <a:r>
+              <a:rPr lang="en-US" altLang="ko-KR" baseline="0" dirty="0"/>
+              <a:t> </a:t>
+            </a:r>
+            <a:r>
+              <a:rPr lang="ko-KR" altLang="en-US" dirty="0"/>
+              <a:t>건물 </a:t>
+            </a:r>
+            <a:r>
+              <a:rPr lang="en-US" altLang="ko-KR" dirty="0"/>
+              <a:t>: FIRE</a:t>
+            </a:r>
+            <a:r>
+              <a:rPr lang="en-US" altLang="ko-KR" baseline="0" dirty="0"/>
+              <a:t> FIGHTING PUMP HOUSE</a:t>
+            </a:r>
+          </a:p>
+          <a:p>
+            <a:r>
+              <a:rPr lang="en-US" altLang="ko-KR" baseline="0" dirty="0"/>
+              <a:t>2. </a:t>
+            </a:r>
+            <a:r>
+              <a:rPr lang="ko-KR" altLang="en-US" baseline="0" dirty="0"/>
+              <a:t>평면상 위치</a:t>
+            </a:r>
+            <a:r>
+              <a:rPr lang="en-US" altLang="ko-KR" baseline="0" dirty="0"/>
+              <a:t>(GRID)</a:t>
+            </a:r>
+            <a:r>
+              <a:rPr lang="ko-KR" altLang="en-US" baseline="0" dirty="0"/>
+              <a:t> </a:t>
+            </a:r>
+            <a:r>
+              <a:rPr lang="en-US" altLang="ko-KR" baseline="0" dirty="0"/>
+              <a:t>: N/A</a:t>
+            </a:r>
+          </a:p>
+          <a:p>
+            <a:r>
+              <a:rPr lang="en-US" altLang="ko-KR" baseline="0" dirty="0"/>
+              <a:t>3. </a:t>
+            </a:r>
+            <a:r>
+              <a:rPr lang="ko-KR" altLang="en-US" baseline="0" dirty="0" err="1"/>
+              <a:t>참조뷰</a:t>
+            </a:r>
+            <a:r>
+              <a:rPr lang="ko-KR" altLang="en-US" baseline="0" dirty="0"/>
+              <a:t> </a:t>
+            </a:r>
+            <a:r>
+              <a:rPr lang="en-US" altLang="ko-KR" baseline="0" dirty="0"/>
+              <a:t>: Revit </a:t>
+            </a:r>
+            <a:r>
+              <a:rPr lang="ko-KR" altLang="en-US" baseline="0" dirty="0"/>
+              <a:t>프로젝트파일에 해당 </a:t>
+            </a:r>
+            <a:r>
+              <a:rPr lang="en-US" altLang="ko-KR" baseline="0" dirty="0"/>
+              <a:t>Family</a:t>
+            </a:r>
+            <a:r>
+              <a:rPr lang="ko-KR" altLang="en-US" baseline="0" dirty="0"/>
+              <a:t>를 제작</a:t>
+            </a:r>
+            <a:r>
+              <a:rPr lang="en-US" altLang="ko-KR" baseline="0" dirty="0"/>
+              <a:t>Steel Family </a:t>
+            </a:r>
+            <a:r>
+              <a:rPr lang="ko-KR" altLang="en-US" baseline="0" dirty="0"/>
+              <a:t>복제에 사용된 </a:t>
+            </a:r>
+            <a:r>
+              <a:rPr lang="en-US" altLang="ko-KR" baseline="0" dirty="0"/>
+              <a:t>Dynamo </a:t>
+            </a:r>
+            <a:r>
+              <a:rPr lang="ko-KR" altLang="en-US" baseline="0" dirty="0"/>
+              <a:t>및 </a:t>
+            </a:r>
+            <a:r>
+              <a:rPr lang="en-US" altLang="ko-KR" baseline="0" dirty="0"/>
+              <a:t>excel </a:t>
+            </a:r>
+            <a:r>
+              <a:rPr lang="ko-KR" altLang="en-US" baseline="0" dirty="0"/>
+              <a:t>파일</a:t>
+            </a:r>
+            <a:r>
+              <a:rPr lang="en-US" altLang="ko-KR" baseline="0" dirty="0"/>
+              <a:t>, Family file</a:t>
+            </a:r>
+            <a:r>
+              <a:rPr lang="ko-KR" altLang="en-US" baseline="0" dirty="0"/>
+              <a:t> 첨부하였습니다</a:t>
+            </a:r>
+            <a:r>
+              <a:rPr lang="en-US" altLang="ko-KR" baseline="0" dirty="0"/>
+              <a:t>.</a:t>
+            </a:r>
+          </a:p>
+          <a:p>
+            <a:r>
+              <a:rPr lang="en-US" altLang="ko-KR" baseline="0" dirty="0"/>
+              <a:t>4. </a:t>
+            </a:r>
+            <a:r>
+              <a:rPr lang="ko-KR" altLang="en-US" baseline="0" dirty="0"/>
+              <a:t>부연설명</a:t>
+            </a:r>
+            <a:endParaRPr lang="en-US" altLang="ko-KR" baseline="0" dirty="0"/>
+          </a:p>
+          <a:p>
+            <a:r>
+              <a:rPr lang="en-US" altLang="ko-KR" baseline="0" dirty="0"/>
+              <a:t> </a:t>
+            </a:r>
+            <a:r>
+              <a:rPr lang="ko-KR" altLang="en-US" baseline="0" dirty="0"/>
+              <a:t>해당 질문의 요지는</a:t>
+            </a:r>
+            <a:r>
+              <a:rPr lang="en-US" altLang="ko-KR" baseline="0" dirty="0"/>
+              <a:t> </a:t>
+            </a:r>
+            <a:r>
+              <a:rPr lang="ko-KR" altLang="en-US" baseline="0" dirty="0"/>
+              <a:t>국가별 </a:t>
+            </a:r>
+            <a:r>
+              <a:rPr lang="en-US" altLang="ko-KR" baseline="0" dirty="0"/>
+              <a:t>Steel Member Family</a:t>
+            </a:r>
+            <a:r>
+              <a:rPr lang="ko-KR" altLang="en-US" baseline="0" dirty="0"/>
+              <a:t>를 제작하여 사용하기 위함입니다</a:t>
+            </a:r>
+            <a:r>
+              <a:rPr lang="en-US" altLang="ko-KR" baseline="0" dirty="0"/>
+              <a:t>.</a:t>
+            </a:r>
+          </a:p>
+          <a:p>
+            <a:r>
+              <a:rPr lang="en-US" altLang="ko-KR" baseline="0" dirty="0"/>
+              <a:t> Revit</a:t>
+            </a:r>
+            <a:r>
+              <a:rPr lang="ko-KR" altLang="en-US" baseline="0" dirty="0"/>
+              <a:t>에서 제공하는 </a:t>
+            </a:r>
+            <a:r>
+              <a:rPr lang="en-US" altLang="ko-KR" baseline="0" dirty="0"/>
+              <a:t>Universal Beam &amp; Column Family </a:t>
+            </a:r>
+            <a:r>
+              <a:rPr lang="ko-KR" altLang="en-US" baseline="0" dirty="0"/>
+              <a:t>외 필요한 정보만 사용하여 </a:t>
+            </a:r>
+            <a:r>
+              <a:rPr lang="en-US" altLang="ko-KR" baseline="0" dirty="0"/>
+              <a:t>Family</a:t>
+            </a:r>
+            <a:r>
+              <a:rPr lang="ko-KR" altLang="en-US" baseline="0" dirty="0"/>
+              <a:t>를 제작하여 사용하고자 했으나</a:t>
+            </a:r>
+            <a:r>
+              <a:rPr lang="en-US" altLang="ko-KR" baseline="0" dirty="0"/>
+              <a:t>, connection </a:t>
+            </a:r>
+            <a:r>
+              <a:rPr lang="ko-KR" altLang="en-US" baseline="0" dirty="0"/>
+              <a:t>에서 오류가 발생하였습니다</a:t>
+            </a:r>
+            <a:r>
+              <a:rPr lang="en-US" altLang="ko-KR" baseline="0" dirty="0"/>
+              <a:t>.</a:t>
+            </a:r>
+          </a:p>
+          <a:p>
+            <a:r>
+              <a:rPr lang="en-US" altLang="ko-KR" baseline="0" dirty="0"/>
+              <a:t> Steel Connection </a:t>
+            </a:r>
+            <a:r>
+              <a:rPr lang="ko-KR" altLang="en-US" baseline="0" dirty="0"/>
+              <a:t>및 </a:t>
+            </a:r>
+            <a:r>
+              <a:rPr lang="en-US" altLang="ko-KR" baseline="0" dirty="0"/>
+              <a:t>Steel Family </a:t>
+            </a:r>
+            <a:r>
+              <a:rPr lang="ko-KR" altLang="en-US" baseline="0" dirty="0"/>
+              <a:t>제작 관련 교육을 요청하는 내용입니다</a:t>
+            </a:r>
+            <a:r>
+              <a:rPr lang="en-US" altLang="ko-KR" baseline="0" dirty="0"/>
+              <a:t>.</a:t>
+            </a:r>
+          </a:p>
+          <a:p>
+            <a:endParaRPr lang="en-US" altLang="ko-KR" dirty="0"/>
+          </a:p>
+          <a:p>
+            <a:r>
+              <a:rPr lang="ko-KR" altLang="en-US" dirty="0"/>
+              <a:t>해결방안 </a:t>
+            </a:r>
+            <a:r>
+              <a:rPr lang="en-US" altLang="ko-KR" dirty="0"/>
+              <a:t>: </a:t>
+            </a:r>
+            <a:r>
+              <a:rPr lang="ko-KR" altLang="en-US" dirty="0"/>
+              <a:t>기존 패밀리를 수정 </a:t>
+            </a:r>
+            <a:r>
+              <a:rPr lang="en-US" altLang="ko-KR" dirty="0"/>
+              <a:t>(</a:t>
+            </a:r>
+            <a:r>
+              <a:rPr lang="ko-KR" altLang="en-US" dirty="0" err="1"/>
+              <a:t>신규생성</a:t>
+            </a:r>
+            <a:r>
+              <a:rPr lang="en-US" altLang="ko-KR" dirty="0"/>
+              <a:t>X)</a:t>
+            </a:r>
+            <a:endParaRPr lang="ko-KR" altLang="en-US" dirty="0"/>
+          </a:p>
+        </p:txBody>
+      </p:sp>
+      <p:sp>
+        <p:nvSpPr>
+          <p:cNvPr id="4" name="슬라이드 번호 개체 틀 3"/>
+          <p:cNvSpPr>
+            <a:spLocks noGrp="1"/>
+          </p:cNvSpPr>
+          <p:nvPr>
+            <p:ph type="sldNum" sz="quarter" idx="10"/>
+          </p:nvPr>
+        </p:nvSpPr>
+        <p:spPr/>
+        <p:txBody>
+          <a:bodyPr/>
+          <a:lstStyle/>
+          <a:p>
+            <a:pPr>
+              <a:defRPr/>
+            </a:pPr>
+            <a:fld id="{8092176F-0855-447C-AFC3-AE19EC7A4380}" type="slidenum">
+              <a:rPr lang="ko-KR" altLang="en-US" smtClean="0"/>
+              <a:pPr>
+                <a:defRPr/>
+              </a:pPr>
+              <a:t>30</a:t>
+            </a:fld>
+            <a:endParaRPr lang="ko-KR" altLang="en-US"/>
+          </a:p>
+        </p:txBody>
+      </p:sp>
+    </p:spTree>
+    <p:extLst>
+      <p:ext uri="{BB962C8B-B14F-4D97-AF65-F5344CB8AC3E}">
+        <p14:creationId xmlns:p14="http://schemas.microsoft.com/office/powerpoint/2010/main" val="1561421889"/>
+      </p:ext>
+    </p:extLst>
+  </p:cSld>
+  <p:clrMapOvr>
+    <a:masterClrMapping/>
+  </p:clrMapOvr>
+</p:notes>
+</file>
+
+<file path=ppt/notesSlides/notesSlide23.xml><?xml version="1.0" encoding="utf-8"?>
+<p:notes xmlns:a="http://schemas.openxmlformats.org/drawingml/2006/main" xmlns:r="http://schemas.openxmlformats.org/officeDocument/2006/relationships" xmlns:p="http://schemas.openxmlformats.org/presentationml/2006/main">
+  <p:cSld>
+    <p:spTree>
+      <p:nvGrpSpPr>
+        <p:cNvPr id="1" name=""/>
+        <p:cNvGrpSpPr/>
+        <p:nvPr/>
+      </p:nvGrpSpPr>
+      <p:grpSpPr>
+        <a:xfrm>
+          <a:off x="0" y="0"/>
+          <a:ext cx="0" cy="0"/>
+          <a:chOff x="0" y="0"/>
+          <a:chExt cx="0" cy="0"/>
+        </a:xfrm>
+      </p:grpSpPr>
+      <p:sp>
+        <p:nvSpPr>
+          <p:cNvPr id="2" name="슬라이드 이미지 개체 틀 1"/>
+          <p:cNvSpPr>
+            <a:spLocks noGrp="1" noRot="1" noChangeAspect="1"/>
+          </p:cNvSpPr>
+          <p:nvPr>
+            <p:ph type="sldImg"/>
+          </p:nvPr>
+        </p:nvSpPr>
+        <p:spPr>
+          <a:xfrm>
+            <a:off x="409575" y="1233488"/>
+            <a:ext cx="5916613" cy="3328987"/>
+          </a:xfrm>
+        </p:spPr>
+      </p:sp>
+      <p:sp>
+        <p:nvSpPr>
+          <p:cNvPr id="3" name="슬라이드 노트 개체 틀 2"/>
+          <p:cNvSpPr>
+            <a:spLocks noGrp="1"/>
+          </p:cNvSpPr>
+          <p:nvPr>
+            <p:ph type="body" idx="1"/>
+          </p:nvPr>
+        </p:nvSpPr>
+        <p:spPr>
+          <a:xfrm>
+            <a:off x="661103" y="5123289"/>
+            <a:ext cx="5293499" cy="4191470"/>
+          </a:xfrm>
+          <a:prstGeom prst="rect">
+            <a:avLst/>
+          </a:prstGeom>
+        </p:spPr>
+        <p:txBody>
+          <a:bodyPr/>
+          <a:lstStyle/>
+          <a:p>
+            <a:r>
+              <a:rPr lang="en-US" altLang="ko-KR" dirty="0"/>
+              <a:t>0. </a:t>
+            </a:r>
+            <a:r>
+              <a:rPr lang="ko-KR" altLang="en-US" dirty="0"/>
+              <a:t>작성자 </a:t>
+            </a:r>
+            <a:r>
+              <a:rPr lang="en-US" altLang="ko-KR" dirty="0"/>
+              <a:t>: </a:t>
+            </a:r>
+            <a:r>
+              <a:rPr lang="ko-KR" altLang="en-US" dirty="0" err="1"/>
+              <a:t>김청산</a:t>
+            </a:r>
+            <a:endParaRPr lang="en-US" altLang="ko-KR" dirty="0"/>
+          </a:p>
+          <a:p>
+            <a:r>
+              <a:rPr lang="en-US" altLang="ko-KR" dirty="0"/>
+              <a:t>1.</a:t>
+            </a:r>
+            <a:r>
+              <a:rPr lang="en-US" altLang="ko-KR" baseline="0" dirty="0"/>
+              <a:t> </a:t>
+            </a:r>
+            <a:r>
+              <a:rPr lang="ko-KR" altLang="en-US" dirty="0"/>
+              <a:t>건물 </a:t>
+            </a:r>
+            <a:r>
+              <a:rPr lang="en-US" altLang="ko-KR" dirty="0"/>
+              <a:t>: FIRE</a:t>
+            </a:r>
+            <a:r>
+              <a:rPr lang="en-US" altLang="ko-KR" baseline="0" dirty="0"/>
+              <a:t> FIGHTING PUMP HOUSE</a:t>
+            </a:r>
+          </a:p>
+          <a:p>
+            <a:r>
+              <a:rPr lang="en-US" altLang="ko-KR" baseline="0" dirty="0"/>
+              <a:t>2. </a:t>
+            </a:r>
+            <a:r>
+              <a:rPr lang="ko-KR" altLang="en-US" baseline="0" dirty="0"/>
+              <a:t>평면상 위치</a:t>
+            </a:r>
+            <a:r>
+              <a:rPr lang="en-US" altLang="ko-KR" baseline="0" dirty="0"/>
+              <a:t>(GRID)</a:t>
+            </a:r>
+            <a:r>
+              <a:rPr lang="ko-KR" altLang="en-US" baseline="0" dirty="0"/>
+              <a:t> </a:t>
+            </a:r>
+            <a:r>
+              <a:rPr lang="en-US" altLang="ko-KR" baseline="0" dirty="0"/>
+              <a:t>: N/A</a:t>
+            </a:r>
+          </a:p>
+          <a:p>
+            <a:r>
+              <a:rPr lang="en-US" altLang="ko-KR" baseline="0" dirty="0"/>
+              <a:t>3. </a:t>
+            </a:r>
+            <a:r>
+              <a:rPr lang="ko-KR" altLang="en-US" baseline="0" dirty="0" err="1"/>
+              <a:t>참조뷰</a:t>
+            </a:r>
+            <a:r>
+              <a:rPr lang="ko-KR" altLang="en-US" baseline="0" dirty="0"/>
+              <a:t> </a:t>
+            </a:r>
+            <a:r>
+              <a:rPr lang="en-US" altLang="ko-KR" baseline="0" dirty="0"/>
+              <a:t>: Revit </a:t>
+            </a:r>
+            <a:r>
+              <a:rPr lang="ko-KR" altLang="en-US" baseline="0" dirty="0"/>
+              <a:t>프로젝트파일에 해당 </a:t>
+            </a:r>
+            <a:r>
+              <a:rPr lang="en-US" altLang="ko-KR" baseline="0" dirty="0"/>
+              <a:t>Family</a:t>
+            </a:r>
+            <a:r>
+              <a:rPr lang="ko-KR" altLang="en-US" baseline="0" dirty="0"/>
+              <a:t>를 제작</a:t>
+            </a:r>
+            <a:r>
+              <a:rPr lang="en-US" altLang="ko-KR" baseline="0" dirty="0"/>
+              <a:t>Steel Family </a:t>
+            </a:r>
+            <a:r>
+              <a:rPr lang="ko-KR" altLang="en-US" baseline="0" dirty="0"/>
+              <a:t>복제에 사용된 </a:t>
+            </a:r>
+            <a:r>
+              <a:rPr lang="en-US" altLang="ko-KR" baseline="0" dirty="0"/>
+              <a:t>Dynamo </a:t>
+            </a:r>
+            <a:r>
+              <a:rPr lang="ko-KR" altLang="en-US" baseline="0" dirty="0"/>
+              <a:t>및 </a:t>
+            </a:r>
+            <a:r>
+              <a:rPr lang="en-US" altLang="ko-KR" baseline="0" dirty="0"/>
+              <a:t>excel </a:t>
+            </a:r>
+            <a:r>
+              <a:rPr lang="ko-KR" altLang="en-US" baseline="0" dirty="0"/>
+              <a:t>파일</a:t>
+            </a:r>
+            <a:r>
+              <a:rPr lang="en-US" altLang="ko-KR" baseline="0" dirty="0"/>
+              <a:t>, Family file</a:t>
+            </a:r>
+            <a:r>
+              <a:rPr lang="ko-KR" altLang="en-US" baseline="0" dirty="0"/>
+              <a:t> 첨부하였습니다</a:t>
+            </a:r>
+            <a:r>
+              <a:rPr lang="en-US" altLang="ko-KR" baseline="0" dirty="0"/>
+              <a:t>.</a:t>
+            </a:r>
+          </a:p>
+          <a:p>
+            <a:r>
+              <a:rPr lang="en-US" altLang="ko-KR" baseline="0" dirty="0"/>
+              <a:t>4. </a:t>
+            </a:r>
+            <a:r>
+              <a:rPr lang="ko-KR" altLang="en-US" baseline="0" dirty="0"/>
+              <a:t>부연설명</a:t>
+            </a:r>
+            <a:endParaRPr lang="en-US" altLang="ko-KR" baseline="0" dirty="0"/>
+          </a:p>
+          <a:p>
+            <a:r>
+              <a:rPr lang="en-US" altLang="ko-KR" baseline="0" dirty="0"/>
+              <a:t> </a:t>
+            </a:r>
+            <a:r>
+              <a:rPr lang="ko-KR" altLang="en-US" baseline="0" dirty="0"/>
+              <a:t>해당 질문의 요지는</a:t>
+            </a:r>
+            <a:r>
+              <a:rPr lang="en-US" altLang="ko-KR" baseline="0" dirty="0"/>
+              <a:t> </a:t>
+            </a:r>
+            <a:r>
+              <a:rPr lang="ko-KR" altLang="en-US" baseline="0" dirty="0"/>
+              <a:t>국가별 </a:t>
+            </a:r>
+            <a:r>
+              <a:rPr lang="en-US" altLang="ko-KR" baseline="0" dirty="0"/>
+              <a:t>Steel Member Family</a:t>
+            </a:r>
+            <a:r>
+              <a:rPr lang="ko-KR" altLang="en-US" baseline="0" dirty="0"/>
+              <a:t>를 제작하여 사용하기 위함입니다</a:t>
+            </a:r>
+            <a:r>
+              <a:rPr lang="en-US" altLang="ko-KR" baseline="0" dirty="0"/>
+              <a:t>.</a:t>
+            </a:r>
+          </a:p>
+          <a:p>
+            <a:r>
+              <a:rPr lang="en-US" altLang="ko-KR" baseline="0" dirty="0"/>
+              <a:t> Revit</a:t>
+            </a:r>
+            <a:r>
+              <a:rPr lang="ko-KR" altLang="en-US" baseline="0" dirty="0"/>
+              <a:t>에서 제공하는 </a:t>
+            </a:r>
+            <a:r>
+              <a:rPr lang="en-US" altLang="ko-KR" baseline="0" dirty="0"/>
+              <a:t>Universal Beam &amp; Column Family </a:t>
+            </a:r>
+            <a:r>
+              <a:rPr lang="ko-KR" altLang="en-US" baseline="0" dirty="0"/>
+              <a:t>외 필요한 정보만 사용하여 </a:t>
+            </a:r>
+            <a:r>
+              <a:rPr lang="en-US" altLang="ko-KR" baseline="0" dirty="0"/>
+              <a:t>Family</a:t>
+            </a:r>
+            <a:r>
+              <a:rPr lang="ko-KR" altLang="en-US" baseline="0" dirty="0"/>
+              <a:t>를 제작하여 사용하고자 했으나</a:t>
+            </a:r>
+            <a:r>
+              <a:rPr lang="en-US" altLang="ko-KR" baseline="0" dirty="0"/>
+              <a:t>, connection </a:t>
+            </a:r>
+            <a:r>
+              <a:rPr lang="ko-KR" altLang="en-US" baseline="0" dirty="0"/>
+              <a:t>에서 오류가 발생하였습니다</a:t>
+            </a:r>
+            <a:r>
+              <a:rPr lang="en-US" altLang="ko-KR" baseline="0" dirty="0"/>
+              <a:t>.</a:t>
+            </a:r>
+          </a:p>
+          <a:p>
+            <a:r>
+              <a:rPr lang="en-US" altLang="ko-KR" baseline="0" dirty="0"/>
+              <a:t> Steel Connection </a:t>
+            </a:r>
+            <a:r>
+              <a:rPr lang="ko-KR" altLang="en-US" baseline="0" dirty="0"/>
+              <a:t>및 </a:t>
+            </a:r>
+            <a:r>
+              <a:rPr lang="en-US" altLang="ko-KR" baseline="0" dirty="0"/>
+              <a:t>Steel Family </a:t>
+            </a:r>
+            <a:r>
+              <a:rPr lang="ko-KR" altLang="en-US" baseline="0" dirty="0"/>
+              <a:t>제작 관련 교육을 요청하는 내용입니다</a:t>
+            </a:r>
+            <a:r>
+              <a:rPr lang="en-US" altLang="ko-KR" baseline="0" dirty="0"/>
+              <a:t>.</a:t>
+            </a:r>
+          </a:p>
+          <a:p>
+            <a:endParaRPr lang="en-US" altLang="ko-KR" dirty="0"/>
+          </a:p>
+          <a:p>
+            <a:r>
+              <a:rPr lang="ko-KR" altLang="en-US" dirty="0"/>
+              <a:t>해결방안 </a:t>
+            </a:r>
+            <a:r>
+              <a:rPr lang="en-US" altLang="ko-KR" dirty="0"/>
+              <a:t>: </a:t>
+            </a:r>
+            <a:r>
+              <a:rPr lang="ko-KR" altLang="en-US" dirty="0"/>
+              <a:t>기존 패밀리를 수정 </a:t>
+            </a:r>
+            <a:r>
+              <a:rPr lang="en-US" altLang="ko-KR" dirty="0"/>
+              <a:t>(</a:t>
+            </a:r>
+            <a:r>
+              <a:rPr lang="ko-KR" altLang="en-US" dirty="0" err="1"/>
+              <a:t>신규생성</a:t>
+            </a:r>
+            <a:r>
+              <a:rPr lang="en-US" altLang="ko-KR" dirty="0"/>
+              <a:t>X)</a:t>
+            </a:r>
+            <a:endParaRPr lang="ko-KR" altLang="en-US" dirty="0"/>
+          </a:p>
+        </p:txBody>
+      </p:sp>
+      <p:sp>
+        <p:nvSpPr>
+          <p:cNvPr id="4" name="슬라이드 번호 개체 틀 3"/>
+          <p:cNvSpPr>
+            <a:spLocks noGrp="1"/>
+          </p:cNvSpPr>
+          <p:nvPr>
+            <p:ph type="sldNum" sz="quarter" idx="10"/>
+          </p:nvPr>
+        </p:nvSpPr>
+        <p:spPr/>
+        <p:txBody>
+          <a:bodyPr/>
+          <a:lstStyle/>
+          <a:p>
+            <a:pPr>
+              <a:defRPr/>
+            </a:pPr>
+            <a:fld id="{8092176F-0855-447C-AFC3-AE19EC7A4380}" type="slidenum">
+              <a:rPr lang="ko-KR" altLang="en-US" smtClean="0"/>
+              <a:pPr>
+                <a:defRPr/>
+              </a:pPr>
+              <a:t>31</a:t>
+            </a:fld>
+            <a:endParaRPr lang="ko-KR" altLang="en-US"/>
+          </a:p>
+        </p:txBody>
+      </p:sp>
+    </p:spTree>
+    <p:extLst>
+      <p:ext uri="{BB962C8B-B14F-4D97-AF65-F5344CB8AC3E}">
+        <p14:creationId xmlns:p14="http://schemas.microsoft.com/office/powerpoint/2010/main" val="680593367"/>
+      </p:ext>
+    </p:extLst>
+  </p:cSld>
+  <p:clrMapOvr>
+    <a:masterClrMapping/>
+  </p:clrMapOvr>
+</p:notes>
+</file>
+
+<file path=ppt/notesSlides/notesSlide24.xml><?xml version="1.0" encoding="utf-8"?>
+<p:notes xmlns:a="http://schemas.openxmlformats.org/drawingml/2006/main" xmlns:r="http://schemas.openxmlformats.org/officeDocument/2006/relationships" xmlns:p="http://schemas.openxmlformats.org/presentationml/2006/main">
+  <p:cSld>
+    <p:spTree>
+      <p:nvGrpSpPr>
+        <p:cNvPr id="1" name=""/>
+        <p:cNvGrpSpPr/>
+        <p:nvPr/>
+      </p:nvGrpSpPr>
+      <p:grpSpPr>
+        <a:xfrm>
+          <a:off x="0" y="0"/>
+          <a:ext cx="0" cy="0"/>
+          <a:chOff x="0" y="0"/>
+          <a:chExt cx="0" cy="0"/>
+        </a:xfrm>
+      </p:grpSpPr>
+      <p:sp>
+        <p:nvSpPr>
+          <p:cNvPr id="2" name="슬라이드 이미지 개체 틀 1"/>
+          <p:cNvSpPr>
+            <a:spLocks noGrp="1" noRot="1" noChangeAspect="1"/>
+          </p:cNvSpPr>
+          <p:nvPr>
+            <p:ph type="sldImg"/>
+          </p:nvPr>
+        </p:nvSpPr>
+        <p:spPr>
+          <a:xfrm>
+            <a:off x="409575" y="1233488"/>
+            <a:ext cx="5916613" cy="3328987"/>
+          </a:xfrm>
+        </p:spPr>
+      </p:sp>
+      <p:sp>
+        <p:nvSpPr>
+          <p:cNvPr id="3" name="슬라이드 노트 개체 틀 2"/>
+          <p:cNvSpPr>
+            <a:spLocks noGrp="1"/>
+          </p:cNvSpPr>
+          <p:nvPr>
+            <p:ph type="body" idx="1"/>
+          </p:nvPr>
+        </p:nvSpPr>
+        <p:spPr>
+          <a:xfrm>
+            <a:off x="661103" y="5123289"/>
+            <a:ext cx="5293499" cy="4191470"/>
+          </a:xfrm>
+          <a:prstGeom prst="rect">
+            <a:avLst/>
+          </a:prstGeom>
+        </p:spPr>
+        <p:txBody>
+          <a:bodyPr/>
+          <a:lstStyle/>
+          <a:p>
+            <a:r>
+              <a:rPr lang="en-US" altLang="ko-KR" dirty="0"/>
+              <a:t>0. </a:t>
+            </a:r>
+            <a:r>
+              <a:rPr lang="ko-KR" altLang="en-US" dirty="0"/>
+              <a:t>작성자 </a:t>
+            </a:r>
+            <a:r>
+              <a:rPr lang="en-US" altLang="ko-KR" dirty="0"/>
+              <a:t>: </a:t>
+            </a:r>
+            <a:r>
+              <a:rPr lang="ko-KR" altLang="en-US" dirty="0" err="1"/>
+              <a:t>김청산</a:t>
+            </a:r>
+            <a:endParaRPr lang="en-US" altLang="ko-KR" dirty="0"/>
+          </a:p>
+          <a:p>
+            <a:r>
+              <a:rPr lang="en-US" altLang="ko-KR" dirty="0"/>
+              <a:t>1.</a:t>
+            </a:r>
+            <a:r>
+              <a:rPr lang="en-US" altLang="ko-KR" baseline="0" dirty="0"/>
+              <a:t> </a:t>
+            </a:r>
+            <a:r>
+              <a:rPr lang="ko-KR" altLang="en-US" dirty="0"/>
+              <a:t>건물 </a:t>
+            </a:r>
+            <a:r>
+              <a:rPr lang="en-US" altLang="ko-KR" dirty="0"/>
+              <a:t>: FIRE</a:t>
+            </a:r>
+            <a:r>
+              <a:rPr lang="en-US" altLang="ko-KR" baseline="0" dirty="0"/>
+              <a:t> FIGHTING PUMP HOUSE</a:t>
+            </a:r>
+          </a:p>
+          <a:p>
+            <a:r>
+              <a:rPr lang="en-US" altLang="ko-KR" baseline="0" dirty="0"/>
+              <a:t>2. </a:t>
+            </a:r>
+            <a:r>
+              <a:rPr lang="ko-KR" altLang="en-US" baseline="0" dirty="0"/>
+              <a:t>평면상 위치</a:t>
+            </a:r>
+            <a:r>
+              <a:rPr lang="en-US" altLang="ko-KR" baseline="0" dirty="0"/>
+              <a:t>(GRID)</a:t>
+            </a:r>
+            <a:r>
+              <a:rPr lang="ko-KR" altLang="en-US" baseline="0" dirty="0"/>
+              <a:t> </a:t>
+            </a:r>
+            <a:r>
+              <a:rPr lang="en-US" altLang="ko-KR" baseline="0" dirty="0"/>
+              <a:t>: N/A</a:t>
+            </a:r>
+          </a:p>
+          <a:p>
+            <a:r>
+              <a:rPr lang="en-US" altLang="ko-KR" baseline="0" dirty="0"/>
+              <a:t>3. </a:t>
+            </a:r>
+            <a:r>
+              <a:rPr lang="ko-KR" altLang="en-US" baseline="0" dirty="0" err="1"/>
+              <a:t>참조뷰</a:t>
+            </a:r>
+            <a:r>
+              <a:rPr lang="ko-KR" altLang="en-US" baseline="0" dirty="0"/>
+              <a:t> </a:t>
+            </a:r>
+            <a:r>
+              <a:rPr lang="en-US" altLang="ko-KR" baseline="0" dirty="0"/>
+              <a:t>: Revit </a:t>
+            </a:r>
+            <a:r>
+              <a:rPr lang="ko-KR" altLang="en-US" baseline="0" dirty="0"/>
+              <a:t>프로젝트파일에 해당 </a:t>
+            </a:r>
+            <a:r>
+              <a:rPr lang="en-US" altLang="ko-KR" baseline="0" dirty="0"/>
+              <a:t>Family</a:t>
+            </a:r>
+            <a:r>
+              <a:rPr lang="ko-KR" altLang="en-US" baseline="0" dirty="0"/>
+              <a:t>를 제작</a:t>
+            </a:r>
+            <a:r>
+              <a:rPr lang="en-US" altLang="ko-KR" baseline="0" dirty="0"/>
+              <a:t>Steel Family </a:t>
+            </a:r>
+            <a:r>
+              <a:rPr lang="ko-KR" altLang="en-US" baseline="0" dirty="0"/>
+              <a:t>복제에 사용된 </a:t>
+            </a:r>
+            <a:r>
+              <a:rPr lang="en-US" altLang="ko-KR" baseline="0" dirty="0"/>
+              <a:t>Dynamo </a:t>
+            </a:r>
+            <a:r>
+              <a:rPr lang="ko-KR" altLang="en-US" baseline="0" dirty="0"/>
+              <a:t>및 </a:t>
+            </a:r>
+            <a:r>
+              <a:rPr lang="en-US" altLang="ko-KR" baseline="0" dirty="0"/>
+              <a:t>excel </a:t>
+            </a:r>
+            <a:r>
+              <a:rPr lang="ko-KR" altLang="en-US" baseline="0" dirty="0"/>
+              <a:t>파일</a:t>
+            </a:r>
+            <a:r>
+              <a:rPr lang="en-US" altLang="ko-KR" baseline="0" dirty="0"/>
+              <a:t>, Family file</a:t>
+            </a:r>
+            <a:r>
+              <a:rPr lang="ko-KR" altLang="en-US" baseline="0" dirty="0"/>
+              <a:t> 첨부하였습니다</a:t>
+            </a:r>
+            <a:r>
+              <a:rPr lang="en-US" altLang="ko-KR" baseline="0" dirty="0"/>
+              <a:t>.</a:t>
+            </a:r>
+          </a:p>
+          <a:p>
+            <a:r>
+              <a:rPr lang="en-US" altLang="ko-KR" baseline="0" dirty="0"/>
+              <a:t>4. </a:t>
+            </a:r>
+            <a:r>
+              <a:rPr lang="ko-KR" altLang="en-US" baseline="0" dirty="0"/>
+              <a:t>부연설명</a:t>
+            </a:r>
+            <a:endParaRPr lang="en-US" altLang="ko-KR" baseline="0" dirty="0"/>
+          </a:p>
+          <a:p>
+            <a:r>
+              <a:rPr lang="en-US" altLang="ko-KR" baseline="0" dirty="0"/>
+              <a:t> </a:t>
+            </a:r>
+            <a:r>
+              <a:rPr lang="ko-KR" altLang="en-US" baseline="0" dirty="0"/>
+              <a:t>해당 질문의 요지는</a:t>
+            </a:r>
+            <a:r>
+              <a:rPr lang="en-US" altLang="ko-KR" baseline="0" dirty="0"/>
+              <a:t> </a:t>
+            </a:r>
+            <a:r>
+              <a:rPr lang="ko-KR" altLang="en-US" baseline="0" dirty="0"/>
+              <a:t>국가별 </a:t>
+            </a:r>
+            <a:r>
+              <a:rPr lang="en-US" altLang="ko-KR" baseline="0" dirty="0"/>
+              <a:t>Steel Member Family</a:t>
+            </a:r>
+            <a:r>
+              <a:rPr lang="ko-KR" altLang="en-US" baseline="0" dirty="0"/>
+              <a:t>를 제작하여 사용하기 위함입니다</a:t>
+            </a:r>
+            <a:r>
+              <a:rPr lang="en-US" altLang="ko-KR" baseline="0" dirty="0"/>
+              <a:t>.</a:t>
+            </a:r>
+          </a:p>
+          <a:p>
+            <a:r>
+              <a:rPr lang="en-US" altLang="ko-KR" baseline="0" dirty="0"/>
+              <a:t> Revit</a:t>
+            </a:r>
+            <a:r>
+              <a:rPr lang="ko-KR" altLang="en-US" baseline="0" dirty="0"/>
+              <a:t>에서 제공하는 </a:t>
+            </a:r>
+            <a:r>
+              <a:rPr lang="en-US" altLang="ko-KR" baseline="0" dirty="0"/>
+              <a:t>Universal Beam &amp; Column Family </a:t>
+            </a:r>
+            <a:r>
+              <a:rPr lang="ko-KR" altLang="en-US" baseline="0" dirty="0"/>
+              <a:t>외 필요한 정보만 사용하여 </a:t>
+            </a:r>
+            <a:r>
+              <a:rPr lang="en-US" altLang="ko-KR" baseline="0" dirty="0"/>
+              <a:t>Family</a:t>
+            </a:r>
+            <a:r>
+              <a:rPr lang="ko-KR" altLang="en-US" baseline="0" dirty="0"/>
+              <a:t>를 제작하여 사용하고자 했으나</a:t>
+            </a:r>
+            <a:r>
+              <a:rPr lang="en-US" altLang="ko-KR" baseline="0" dirty="0"/>
+              <a:t>, connection </a:t>
+            </a:r>
+            <a:r>
+              <a:rPr lang="ko-KR" altLang="en-US" baseline="0" dirty="0"/>
+              <a:t>에서 오류가 발생하였습니다</a:t>
+            </a:r>
+            <a:r>
+              <a:rPr lang="en-US" altLang="ko-KR" baseline="0" dirty="0"/>
+              <a:t>.</a:t>
+            </a:r>
+          </a:p>
+          <a:p>
+            <a:r>
+              <a:rPr lang="en-US" altLang="ko-KR" baseline="0" dirty="0"/>
+              <a:t> Steel Connection </a:t>
+            </a:r>
+            <a:r>
+              <a:rPr lang="ko-KR" altLang="en-US" baseline="0" dirty="0"/>
+              <a:t>및 </a:t>
+            </a:r>
+            <a:r>
+              <a:rPr lang="en-US" altLang="ko-KR" baseline="0" dirty="0"/>
+              <a:t>Steel Family </a:t>
+            </a:r>
+            <a:r>
+              <a:rPr lang="ko-KR" altLang="en-US" baseline="0" dirty="0"/>
+              <a:t>제작 관련 교육을 요청하는 내용입니다</a:t>
+            </a:r>
+            <a:r>
+              <a:rPr lang="en-US" altLang="ko-KR" baseline="0" dirty="0"/>
+              <a:t>.</a:t>
+            </a:r>
+          </a:p>
+          <a:p>
+            <a:endParaRPr lang="en-US" altLang="ko-KR" dirty="0"/>
+          </a:p>
+          <a:p>
+            <a:r>
+              <a:rPr lang="ko-KR" altLang="en-US" dirty="0"/>
+              <a:t>해결방안 </a:t>
+            </a:r>
+            <a:r>
+              <a:rPr lang="en-US" altLang="ko-KR" dirty="0"/>
+              <a:t>: </a:t>
+            </a:r>
+            <a:r>
+              <a:rPr lang="ko-KR" altLang="en-US" dirty="0"/>
+              <a:t>기존 패밀리를 수정 </a:t>
+            </a:r>
+            <a:r>
+              <a:rPr lang="en-US" altLang="ko-KR" dirty="0"/>
+              <a:t>(</a:t>
+            </a:r>
+            <a:r>
+              <a:rPr lang="ko-KR" altLang="en-US" dirty="0" err="1"/>
+              <a:t>신규생성</a:t>
+            </a:r>
+            <a:r>
+              <a:rPr lang="en-US" altLang="ko-KR" dirty="0"/>
+              <a:t>X)</a:t>
+            </a:r>
+            <a:endParaRPr lang="ko-KR" altLang="en-US" dirty="0"/>
+          </a:p>
+        </p:txBody>
+      </p:sp>
+      <p:sp>
+        <p:nvSpPr>
+          <p:cNvPr id="4" name="슬라이드 번호 개체 틀 3"/>
+          <p:cNvSpPr>
+            <a:spLocks noGrp="1"/>
+          </p:cNvSpPr>
+          <p:nvPr>
+            <p:ph type="sldNum" sz="quarter" idx="10"/>
+          </p:nvPr>
+        </p:nvSpPr>
+        <p:spPr/>
+        <p:txBody>
+          <a:bodyPr/>
+          <a:lstStyle/>
+          <a:p>
+            <a:pPr>
+              <a:defRPr/>
+            </a:pPr>
+            <a:fld id="{8092176F-0855-447C-AFC3-AE19EC7A4380}" type="slidenum">
+              <a:rPr lang="ko-KR" altLang="en-US" smtClean="0"/>
+              <a:pPr>
+                <a:defRPr/>
+              </a:pPr>
+              <a:t>32</a:t>
+            </a:fld>
+            <a:endParaRPr lang="ko-KR" altLang="en-US"/>
+          </a:p>
+        </p:txBody>
+      </p:sp>
+    </p:spTree>
+    <p:extLst>
+      <p:ext uri="{BB962C8B-B14F-4D97-AF65-F5344CB8AC3E}">
+        <p14:creationId xmlns:p14="http://schemas.microsoft.com/office/powerpoint/2010/main" val="3615269628"/>
+      </p:ext>
+    </p:extLst>
+  </p:cSld>
+  <p:clrMapOvr>
+    <a:masterClrMapping/>
+  </p:clrMapOvr>
+</p:notes>
+</file>
+
+<file path=ppt/notesSlides/notesSlide25.xml><?xml version="1.0" encoding="utf-8"?>
+<p:notes xmlns:a="http://schemas.openxmlformats.org/drawingml/2006/main" xmlns:r="http://schemas.openxmlformats.org/officeDocument/2006/relationships" xmlns:p="http://schemas.openxmlformats.org/presentationml/2006/main">
+  <p:cSld>
+    <p:spTree>
+      <p:nvGrpSpPr>
+        <p:cNvPr id="1" name=""/>
+        <p:cNvGrpSpPr/>
+        <p:nvPr/>
+      </p:nvGrpSpPr>
+      <p:grpSpPr>
+        <a:xfrm>
+          <a:off x="0" y="0"/>
+          <a:ext cx="0" cy="0"/>
+          <a:chOff x="0" y="0"/>
+          <a:chExt cx="0" cy="0"/>
+        </a:xfrm>
+      </p:grpSpPr>
+      <p:sp>
+        <p:nvSpPr>
+          <p:cNvPr id="2" name="슬라이드 이미지 개체 틀 1"/>
+          <p:cNvSpPr>
+            <a:spLocks noGrp="1" noRot="1" noChangeAspect="1"/>
+          </p:cNvSpPr>
+          <p:nvPr>
+            <p:ph type="sldImg"/>
+          </p:nvPr>
+        </p:nvSpPr>
+        <p:spPr>
+          <a:xfrm>
+            <a:off x="409575" y="1233488"/>
+            <a:ext cx="5916613" cy="3328987"/>
+          </a:xfrm>
+        </p:spPr>
+      </p:sp>
+      <p:sp>
+        <p:nvSpPr>
+          <p:cNvPr id="3" name="슬라이드 노트 개체 틀 2"/>
+          <p:cNvSpPr>
+            <a:spLocks noGrp="1"/>
+          </p:cNvSpPr>
+          <p:nvPr>
+            <p:ph type="body" idx="1"/>
+          </p:nvPr>
+        </p:nvSpPr>
+        <p:spPr>
+          <a:xfrm>
+            <a:off x="661103" y="5123289"/>
+            <a:ext cx="5293499" cy="4191470"/>
+          </a:xfrm>
+          <a:prstGeom prst="rect">
+            <a:avLst/>
+          </a:prstGeom>
+        </p:spPr>
+        <p:txBody>
+          <a:bodyPr/>
+          <a:lstStyle/>
+          <a:p>
+            <a:r>
+              <a:rPr lang="en-US" altLang="ko-KR" dirty="0"/>
+              <a:t>0. </a:t>
+            </a:r>
+            <a:r>
+              <a:rPr lang="ko-KR" altLang="en-US" dirty="0"/>
+              <a:t>작성자 </a:t>
+            </a:r>
+            <a:r>
+              <a:rPr lang="en-US" altLang="ko-KR" dirty="0"/>
+              <a:t>: </a:t>
+            </a:r>
+            <a:r>
+              <a:rPr lang="ko-KR" altLang="en-US" dirty="0" err="1"/>
+              <a:t>김청산</a:t>
+            </a:r>
+            <a:endParaRPr lang="en-US" altLang="ko-KR" dirty="0"/>
+          </a:p>
+          <a:p>
+            <a:r>
+              <a:rPr lang="en-US" altLang="ko-KR" dirty="0"/>
+              <a:t>1.</a:t>
+            </a:r>
+            <a:r>
+              <a:rPr lang="en-US" altLang="ko-KR" baseline="0" dirty="0"/>
+              <a:t> </a:t>
+            </a:r>
+            <a:r>
+              <a:rPr lang="ko-KR" altLang="en-US" dirty="0"/>
+              <a:t>건물 </a:t>
+            </a:r>
+            <a:r>
+              <a:rPr lang="en-US" altLang="ko-KR" dirty="0"/>
+              <a:t>: FIRE</a:t>
+            </a:r>
+            <a:r>
+              <a:rPr lang="en-US" altLang="ko-KR" baseline="0" dirty="0"/>
+              <a:t> FIGHTING PUMP HOUSE</a:t>
+            </a:r>
+          </a:p>
+          <a:p>
+            <a:r>
+              <a:rPr lang="en-US" altLang="ko-KR" baseline="0" dirty="0"/>
+              <a:t>2. </a:t>
+            </a:r>
+            <a:r>
+              <a:rPr lang="ko-KR" altLang="en-US" baseline="0" dirty="0"/>
+              <a:t>평면상 위치</a:t>
+            </a:r>
+            <a:r>
+              <a:rPr lang="en-US" altLang="ko-KR" baseline="0" dirty="0"/>
+              <a:t>(GRID)</a:t>
+            </a:r>
+            <a:r>
+              <a:rPr lang="ko-KR" altLang="en-US" baseline="0" dirty="0"/>
+              <a:t> </a:t>
+            </a:r>
+            <a:r>
+              <a:rPr lang="en-US" altLang="ko-KR" baseline="0" dirty="0"/>
+              <a:t>: N/A</a:t>
+            </a:r>
+          </a:p>
+          <a:p>
+            <a:r>
+              <a:rPr lang="en-US" altLang="ko-KR" baseline="0" dirty="0"/>
+              <a:t>3. </a:t>
+            </a:r>
+            <a:r>
+              <a:rPr lang="ko-KR" altLang="en-US" baseline="0" dirty="0" err="1"/>
+              <a:t>참조뷰</a:t>
+            </a:r>
+            <a:r>
+              <a:rPr lang="ko-KR" altLang="en-US" baseline="0" dirty="0"/>
+              <a:t> </a:t>
+            </a:r>
+            <a:r>
+              <a:rPr lang="en-US" altLang="ko-KR" baseline="0" dirty="0"/>
+              <a:t>: Revit </a:t>
+            </a:r>
+            <a:r>
+              <a:rPr lang="ko-KR" altLang="en-US" baseline="0" dirty="0"/>
+              <a:t>프로젝트파일에 해당 </a:t>
+            </a:r>
+            <a:r>
+              <a:rPr lang="en-US" altLang="ko-KR" baseline="0" dirty="0"/>
+              <a:t>Family</a:t>
+            </a:r>
+            <a:r>
+              <a:rPr lang="ko-KR" altLang="en-US" baseline="0" dirty="0"/>
+              <a:t>를 제작</a:t>
+            </a:r>
+            <a:r>
+              <a:rPr lang="en-US" altLang="ko-KR" baseline="0" dirty="0"/>
+              <a:t>Steel Family </a:t>
+            </a:r>
+            <a:r>
+              <a:rPr lang="ko-KR" altLang="en-US" baseline="0" dirty="0"/>
+              <a:t>복제에 사용된 </a:t>
+            </a:r>
+            <a:r>
+              <a:rPr lang="en-US" altLang="ko-KR" baseline="0" dirty="0"/>
+              <a:t>Dynamo </a:t>
+            </a:r>
+            <a:r>
+              <a:rPr lang="ko-KR" altLang="en-US" baseline="0" dirty="0"/>
+              <a:t>및 </a:t>
+            </a:r>
+            <a:r>
+              <a:rPr lang="en-US" altLang="ko-KR" baseline="0" dirty="0"/>
+              <a:t>excel </a:t>
+            </a:r>
+            <a:r>
+              <a:rPr lang="ko-KR" altLang="en-US" baseline="0" dirty="0"/>
+              <a:t>파일</a:t>
+            </a:r>
+            <a:r>
+              <a:rPr lang="en-US" altLang="ko-KR" baseline="0" dirty="0"/>
+              <a:t>, Family file</a:t>
+            </a:r>
+            <a:r>
+              <a:rPr lang="ko-KR" altLang="en-US" baseline="0" dirty="0"/>
+              <a:t> 첨부하였습니다</a:t>
+            </a:r>
+            <a:r>
+              <a:rPr lang="en-US" altLang="ko-KR" baseline="0" dirty="0"/>
+              <a:t>.</a:t>
+            </a:r>
+          </a:p>
+          <a:p>
+            <a:r>
+              <a:rPr lang="en-US" altLang="ko-KR" baseline="0" dirty="0"/>
+              <a:t>4. </a:t>
+            </a:r>
+            <a:r>
+              <a:rPr lang="ko-KR" altLang="en-US" baseline="0" dirty="0"/>
+              <a:t>부연설명</a:t>
+            </a:r>
+            <a:endParaRPr lang="en-US" altLang="ko-KR" baseline="0" dirty="0"/>
+          </a:p>
+          <a:p>
+            <a:r>
+              <a:rPr lang="en-US" altLang="ko-KR" baseline="0" dirty="0"/>
+              <a:t> </a:t>
+            </a:r>
+            <a:r>
+              <a:rPr lang="ko-KR" altLang="en-US" baseline="0" dirty="0"/>
+              <a:t>해당 질문의 요지는</a:t>
+            </a:r>
+            <a:r>
+              <a:rPr lang="en-US" altLang="ko-KR" baseline="0" dirty="0"/>
+              <a:t> </a:t>
+            </a:r>
+            <a:r>
+              <a:rPr lang="ko-KR" altLang="en-US" baseline="0" dirty="0"/>
+              <a:t>국가별 </a:t>
+            </a:r>
+            <a:r>
+              <a:rPr lang="en-US" altLang="ko-KR" baseline="0" dirty="0"/>
+              <a:t>Steel Member Family</a:t>
+            </a:r>
+            <a:r>
+              <a:rPr lang="ko-KR" altLang="en-US" baseline="0" dirty="0"/>
+              <a:t>를 제작하여 사용하기 위함입니다</a:t>
+            </a:r>
+            <a:r>
+              <a:rPr lang="en-US" altLang="ko-KR" baseline="0" dirty="0"/>
+              <a:t>.</a:t>
+            </a:r>
+          </a:p>
+          <a:p>
+            <a:r>
+              <a:rPr lang="en-US" altLang="ko-KR" baseline="0" dirty="0"/>
+              <a:t> Revit</a:t>
+            </a:r>
+            <a:r>
+              <a:rPr lang="ko-KR" altLang="en-US" baseline="0" dirty="0"/>
+              <a:t>에서 제공하는 </a:t>
+            </a:r>
+            <a:r>
+              <a:rPr lang="en-US" altLang="ko-KR" baseline="0" dirty="0"/>
+              <a:t>Universal Beam &amp; Column Family </a:t>
+            </a:r>
+            <a:r>
+              <a:rPr lang="ko-KR" altLang="en-US" baseline="0" dirty="0"/>
+              <a:t>외 필요한 정보만 사용하여 </a:t>
+            </a:r>
+            <a:r>
+              <a:rPr lang="en-US" altLang="ko-KR" baseline="0" dirty="0"/>
+              <a:t>Family</a:t>
+            </a:r>
+            <a:r>
+              <a:rPr lang="ko-KR" altLang="en-US" baseline="0" dirty="0"/>
+              <a:t>를 제작하여 사용하고자 했으나</a:t>
+            </a:r>
+            <a:r>
+              <a:rPr lang="en-US" altLang="ko-KR" baseline="0" dirty="0"/>
+              <a:t>, connection </a:t>
+            </a:r>
+            <a:r>
+              <a:rPr lang="ko-KR" altLang="en-US" baseline="0" dirty="0"/>
+              <a:t>에서 오류가 발생하였습니다</a:t>
+            </a:r>
+            <a:r>
+              <a:rPr lang="en-US" altLang="ko-KR" baseline="0" dirty="0"/>
+              <a:t>.</a:t>
+            </a:r>
+          </a:p>
+          <a:p>
+            <a:r>
+              <a:rPr lang="en-US" altLang="ko-KR" baseline="0" dirty="0"/>
+              <a:t> Steel Connection </a:t>
+            </a:r>
+            <a:r>
+              <a:rPr lang="ko-KR" altLang="en-US" baseline="0" dirty="0"/>
+              <a:t>및 </a:t>
+            </a:r>
+            <a:r>
+              <a:rPr lang="en-US" altLang="ko-KR" baseline="0" dirty="0"/>
+              <a:t>Steel Family </a:t>
+            </a:r>
+            <a:r>
+              <a:rPr lang="ko-KR" altLang="en-US" baseline="0" dirty="0"/>
+              <a:t>제작 관련 교육을 요청하는 내용입니다</a:t>
+            </a:r>
+            <a:r>
+              <a:rPr lang="en-US" altLang="ko-KR" baseline="0" dirty="0"/>
+              <a:t>.</a:t>
+            </a:r>
+          </a:p>
+          <a:p>
+            <a:endParaRPr lang="en-US" altLang="ko-KR" dirty="0"/>
+          </a:p>
+          <a:p>
+            <a:r>
+              <a:rPr lang="ko-KR" altLang="en-US" dirty="0"/>
+              <a:t>해결방안 </a:t>
+            </a:r>
+            <a:r>
+              <a:rPr lang="en-US" altLang="ko-KR" dirty="0"/>
+              <a:t>: </a:t>
+            </a:r>
+            <a:r>
+              <a:rPr lang="ko-KR" altLang="en-US" dirty="0"/>
+              <a:t>기존 패밀리를 수정 </a:t>
+            </a:r>
+            <a:r>
+              <a:rPr lang="en-US" altLang="ko-KR" dirty="0"/>
+              <a:t>(</a:t>
+            </a:r>
+            <a:r>
+              <a:rPr lang="ko-KR" altLang="en-US" dirty="0" err="1"/>
+              <a:t>신규생성</a:t>
+            </a:r>
+            <a:r>
+              <a:rPr lang="en-US" altLang="ko-KR" dirty="0"/>
+              <a:t>X)</a:t>
+            </a:r>
+            <a:endParaRPr lang="ko-KR" altLang="en-US" dirty="0"/>
+          </a:p>
+        </p:txBody>
+      </p:sp>
+      <p:sp>
+        <p:nvSpPr>
+          <p:cNvPr id="4" name="슬라이드 번호 개체 틀 3"/>
+          <p:cNvSpPr>
+            <a:spLocks noGrp="1"/>
+          </p:cNvSpPr>
+          <p:nvPr>
+            <p:ph type="sldNum" sz="quarter" idx="10"/>
+          </p:nvPr>
+        </p:nvSpPr>
+        <p:spPr/>
+        <p:txBody>
+          <a:bodyPr/>
+          <a:lstStyle/>
+          <a:p>
+            <a:pPr>
+              <a:defRPr/>
+            </a:pPr>
+            <a:fld id="{8092176F-0855-447C-AFC3-AE19EC7A4380}" type="slidenum">
+              <a:rPr lang="ko-KR" altLang="en-US" smtClean="0"/>
+              <a:pPr>
+                <a:defRPr/>
+              </a:pPr>
+              <a:t>33</a:t>
+            </a:fld>
+            <a:endParaRPr lang="ko-KR" altLang="en-US"/>
+          </a:p>
+        </p:txBody>
+      </p:sp>
+    </p:spTree>
+    <p:extLst>
+      <p:ext uri="{BB962C8B-B14F-4D97-AF65-F5344CB8AC3E}">
+        <p14:creationId xmlns:p14="http://schemas.microsoft.com/office/powerpoint/2010/main" val="1635938182"/>
+      </p:ext>
+    </p:extLst>
+  </p:cSld>
+  <p:clrMapOvr>
+    <a:masterClrMapping/>
+  </p:clrMapOvr>
+</p:notes>
+</file>
+
 <file path=ppt/notesSlides/notesSlide3.xml><?xml version="1.0" encoding="utf-8"?>
 <p:notes xmlns:a="http://schemas.openxmlformats.org/drawingml/2006/main" xmlns:r="http://schemas.openxmlformats.org/officeDocument/2006/relationships" xmlns:p="http://schemas.openxmlformats.org/presentationml/2006/main">
   <p:cSld>
@@ -8270,7 +9720,7 @@
           <a:p>
             <a:fld id="{35A32851-9663-46D8-AEC4-64DFD4E932B5}" type="datetimeFigureOut">
               <a:rPr lang="ko-KR" altLang="en-US" smtClean="0"/>
-              <a:t>2024-02-22</a:t>
+              <a:t>2024-03-06</a:t>
             </a:fld>
             <a:endParaRPr lang="ko-KR" altLang="en-US"/>
           </a:p>
@@ -8438,7 +9888,7 @@
           <a:p>
             <a:fld id="{35A32851-9663-46D8-AEC4-64DFD4E932B5}" type="datetimeFigureOut">
               <a:rPr lang="ko-KR" altLang="en-US" smtClean="0"/>
-              <a:t>2024-02-22</a:t>
+              <a:t>2024-03-06</a:t>
             </a:fld>
             <a:endParaRPr lang="ko-KR" altLang="en-US"/>
           </a:p>
@@ -8616,7 +10066,7 @@
           <a:p>
             <a:fld id="{35A32851-9663-46D8-AEC4-64DFD4E932B5}" type="datetimeFigureOut">
               <a:rPr lang="ko-KR" altLang="en-US" smtClean="0"/>
-              <a:t>2024-02-22</a:t>
+              <a:t>2024-03-06</a:t>
             </a:fld>
             <a:endParaRPr lang="ko-KR" altLang="en-US"/>
           </a:p>
@@ -8979,7 +10429,7 @@
           <a:p>
             <a:fld id="{35A32851-9663-46D8-AEC4-64DFD4E932B5}" type="datetimeFigureOut">
               <a:rPr lang="ko-KR" altLang="en-US" smtClean="0"/>
-              <a:t>2024-02-22</a:t>
+              <a:t>2024-03-06</a:t>
             </a:fld>
             <a:endParaRPr lang="ko-KR" altLang="en-US"/>
           </a:p>
@@ -9224,7 +10674,7 @@
           <a:p>
             <a:fld id="{35A32851-9663-46D8-AEC4-64DFD4E932B5}" type="datetimeFigureOut">
               <a:rPr lang="ko-KR" altLang="en-US" smtClean="0"/>
-              <a:t>2024-02-22</a:t>
+              <a:t>2024-03-06</a:t>
             </a:fld>
             <a:endParaRPr lang="ko-KR" altLang="en-US"/>
           </a:p>
@@ -9453,7 +10903,7 @@
           <a:p>
             <a:fld id="{35A32851-9663-46D8-AEC4-64DFD4E932B5}" type="datetimeFigureOut">
               <a:rPr lang="ko-KR" altLang="en-US" smtClean="0"/>
-              <a:t>2024-02-22</a:t>
+              <a:t>2024-03-06</a:t>
             </a:fld>
             <a:endParaRPr lang="ko-KR" altLang="en-US"/>
           </a:p>
@@ -9817,7 +11267,7 @@
           <a:p>
             <a:fld id="{35A32851-9663-46D8-AEC4-64DFD4E932B5}" type="datetimeFigureOut">
               <a:rPr lang="ko-KR" altLang="en-US" smtClean="0"/>
-              <a:t>2024-02-22</a:t>
+              <a:t>2024-03-06</a:t>
             </a:fld>
             <a:endParaRPr lang="ko-KR" altLang="en-US"/>
           </a:p>
@@ -9934,7 +11384,7 @@
           <a:p>
             <a:fld id="{35A32851-9663-46D8-AEC4-64DFD4E932B5}" type="datetimeFigureOut">
               <a:rPr lang="ko-KR" altLang="en-US" smtClean="0"/>
-              <a:t>2024-02-22</a:t>
+              <a:t>2024-03-06</a:t>
             </a:fld>
             <a:endParaRPr lang="ko-KR" altLang="en-US"/>
           </a:p>
@@ -10029,7 +11479,7 @@
           <a:p>
             <a:fld id="{35A32851-9663-46D8-AEC4-64DFD4E932B5}" type="datetimeFigureOut">
               <a:rPr lang="ko-KR" altLang="en-US" smtClean="0"/>
-              <a:t>2024-02-22</a:t>
+              <a:t>2024-03-06</a:t>
             </a:fld>
             <a:endParaRPr lang="ko-KR" altLang="en-US"/>
           </a:p>
@@ -10304,7 +11754,7 @@
           <a:p>
             <a:fld id="{35A32851-9663-46D8-AEC4-64DFD4E932B5}" type="datetimeFigureOut">
               <a:rPr lang="ko-KR" altLang="en-US" smtClean="0"/>
-              <a:t>2024-02-22</a:t>
+              <a:t>2024-03-06</a:t>
             </a:fld>
             <a:endParaRPr lang="ko-KR" altLang="en-US"/>
           </a:p>
@@ -10556,7 +12006,7 @@
           <a:p>
             <a:fld id="{35A32851-9663-46D8-AEC4-64DFD4E932B5}" type="datetimeFigureOut">
               <a:rPr lang="ko-KR" altLang="en-US" smtClean="0"/>
-              <a:t>2024-02-22</a:t>
+              <a:t>2024-03-06</a:t>
             </a:fld>
             <a:endParaRPr lang="ko-KR" altLang="en-US"/>
           </a:p>
@@ -10767,7 +12217,7 @@
           <a:p>
             <a:fld id="{35A32851-9663-46D8-AEC4-64DFD4E932B5}" type="datetimeFigureOut">
               <a:rPr lang="ko-KR" altLang="en-US" smtClean="0"/>
-              <a:t>2024-02-22</a:t>
+              <a:t>2024-03-06</a:t>
             </a:fld>
             <a:endParaRPr lang="ko-KR" altLang="en-US"/>
           </a:p>
@@ -19645,7 +21095,7 @@
         </p:nvSpPr>
         <p:spPr>
           <a:xfrm>
-            <a:off x="1320130" y="1477115"/>
+            <a:off x="1396330" y="1477115"/>
             <a:ext cx="9471371" cy="523220"/>
           </a:xfrm>
           <a:prstGeom prst="rect">
@@ -19700,7 +21150,7 @@
         </p:nvSpPr>
         <p:spPr>
           <a:xfrm>
-            <a:off x="1472530" y="2388634"/>
+            <a:off x="1396330" y="2175902"/>
             <a:ext cx="9471371" cy="523220"/>
           </a:xfrm>
           <a:prstGeom prst="rect">
@@ -19755,7 +21205,7 @@
         </p:nvSpPr>
         <p:spPr>
           <a:xfrm>
-            <a:off x="1320130" y="4228927"/>
+            <a:off x="1396330" y="3573476"/>
             <a:ext cx="9471371" cy="523220"/>
           </a:xfrm>
           <a:prstGeom prst="rect">
@@ -19838,7 +21288,7 @@
         </p:nvSpPr>
         <p:spPr>
           <a:xfrm>
-            <a:off x="1472530" y="3268530"/>
+            <a:off x="1396330" y="2874689"/>
             <a:ext cx="9471371" cy="523220"/>
           </a:xfrm>
           <a:prstGeom prst="rect">
@@ -19985,7 +21435,7 @@
         </p:nvSpPr>
         <p:spPr>
           <a:xfrm>
-            <a:off x="1320130" y="5189324"/>
+            <a:off x="1396330" y="4272263"/>
             <a:ext cx="9471371" cy="523220"/>
           </a:xfrm>
           <a:prstGeom prst="rect">
@@ -20014,6 +21464,67 @@
                 <a:ea typeface="현대하모니 M" panose="02020603020101020101" pitchFamily="18" charset="-127"/>
               </a:rPr>
               <a:t>Ⅴ. </a:t>
+            </a:r>
+            <a:r>
+              <a:rPr lang="ko-KR" altLang="en-US" sz="2800" b="1" dirty="0">
+                <a:ln>
+                  <a:solidFill>
+                    <a:srgbClr val="4F81BD">
+                      <a:alpha val="0"/>
+                    </a:srgbClr>
+                  </a:solidFill>
+                </a:ln>
+                <a:latin typeface="현대하모니 M" panose="02020603020101020101" pitchFamily="18" charset="-127"/>
+                <a:ea typeface="현대하모니 M" panose="02020603020101020101" pitchFamily="18" charset="-127"/>
+              </a:rPr>
+              <a:t>패밀리리스트 작성 및 검토</a:t>
+            </a:r>
+          </a:p>
+        </p:txBody>
+      </p:sp>
+      <p:sp>
+        <p:nvSpPr>
+          <p:cNvPr id="6" name="직사각형 5">
+            <a:extLst>
+              <a:ext uri="{FF2B5EF4-FFF2-40B4-BE49-F238E27FC236}">
+                <a16:creationId xmlns:a16="http://schemas.microsoft.com/office/drawing/2014/main" id="{A22A6935-5172-4492-B64A-D62D7D1A4FD7}"/>
+              </a:ext>
+            </a:extLst>
+          </p:cNvPr>
+          <p:cNvSpPr/>
+          <p:nvPr/>
+        </p:nvSpPr>
+        <p:spPr>
+          <a:xfrm>
+            <a:off x="1396330" y="4971050"/>
+            <a:ext cx="9471371" cy="523220"/>
+          </a:xfrm>
+          <a:prstGeom prst="rect">
+            <a:avLst/>
+          </a:prstGeom>
+        </p:spPr>
+        <p:txBody>
+          <a:bodyPr wrap="square">
+            <a:spAutoFit/>
+          </a:bodyPr>
+          <a:lstStyle/>
+          <a:p>
+            <a:pPr algn="ctr" defTabSz="900086" eaLnBrk="0" latinLnBrk="0" hangingPunct="0">
+              <a:defRPr/>
+            </a:pPr>
+            <a:r>
+              <a:rPr lang="en-US" altLang="ko-KR" sz="2800" b="1" dirty="0">
+                <a:ln>
+                  <a:solidFill>
+                    <a:srgbClr val="4F81BD">
+                      <a:alpha val="0"/>
+                    </a:srgbClr>
+                  </a:solidFill>
+                </a:ln>
+                <a:latin typeface="현대하모니 M" panose="02020603020101020101" pitchFamily="18" charset="-127"/>
+                <a:ea typeface="현대하모니 M" panose="02020603020101020101" pitchFamily="18" charset="-127"/>
+              </a:rPr>
+              <a:t>Ⅵ. </a:t>
             </a:r>
             <a:r>
               <a:rPr lang="ko-KR" altLang="en-US" sz="2800" b="1" dirty="0">
@@ -20200,7 +21711,7 @@
           </a:bodyPr>
           <a:lstStyle/>
           <a:p>
-            <a:pPr algn="ctr" defTabSz="900086" eaLnBrk="0" latinLnBrk="0" hangingPunct="0">
+            <a:pPr defTabSz="900086" eaLnBrk="0" latinLnBrk="0" hangingPunct="0">
               <a:defRPr/>
             </a:pPr>
             <a:r>
@@ -21273,7 +22784,7 @@
           </a:bodyPr>
           <a:lstStyle/>
           <a:p>
-            <a:pPr algn="ctr" defTabSz="900086" eaLnBrk="0" latinLnBrk="0" hangingPunct="0">
+            <a:pPr defTabSz="900086" eaLnBrk="0" latinLnBrk="0" hangingPunct="0">
               <a:defRPr/>
             </a:pPr>
             <a:r>
@@ -23023,7 +24534,7 @@
           </a:bodyPr>
           <a:lstStyle/>
           <a:p>
-            <a:pPr algn="ctr" defTabSz="900086" eaLnBrk="0" latinLnBrk="0" hangingPunct="0">
+            <a:pPr defTabSz="900086" eaLnBrk="0" latinLnBrk="0" hangingPunct="0">
               <a:defRPr/>
             </a:pPr>
             <a:r>
@@ -24051,7 +25562,7 @@
           </a:bodyPr>
           <a:lstStyle/>
           <a:p>
-            <a:pPr algn="ctr" defTabSz="900086" eaLnBrk="0" latinLnBrk="0" hangingPunct="0">
+            <a:pPr defTabSz="900086" eaLnBrk="0" latinLnBrk="0" hangingPunct="0">
               <a:defRPr/>
             </a:pPr>
             <a:r>
@@ -25619,7 +27130,7 @@
           </a:bodyPr>
           <a:lstStyle/>
           <a:p>
-            <a:pPr algn="ctr" defTabSz="900086" eaLnBrk="0" latinLnBrk="0" hangingPunct="0">
+            <a:pPr defTabSz="900086" eaLnBrk="0" latinLnBrk="0" hangingPunct="0">
               <a:defRPr/>
             </a:pPr>
             <a:r>
@@ -26684,7 +28195,7 @@
           </a:bodyPr>
           <a:lstStyle/>
           <a:p>
-            <a:pPr algn="ctr" defTabSz="900086" eaLnBrk="0" latinLnBrk="0" hangingPunct="0">
+            <a:pPr defTabSz="900086" eaLnBrk="0" latinLnBrk="0" hangingPunct="0">
               <a:defRPr/>
             </a:pPr>
             <a:r>
@@ -27438,7 +28949,7 @@
           </a:bodyPr>
           <a:lstStyle/>
           <a:p>
-            <a:pPr algn="ctr" defTabSz="900086" eaLnBrk="0" latinLnBrk="0" hangingPunct="0">
+            <a:pPr defTabSz="900086" eaLnBrk="0" latinLnBrk="0" hangingPunct="0">
               <a:defRPr/>
             </a:pPr>
             <a:r>
@@ -28302,7 +29813,7 @@
           </a:bodyPr>
           <a:lstStyle/>
           <a:p>
-            <a:pPr algn="ctr" defTabSz="900086" eaLnBrk="0" latinLnBrk="0" hangingPunct="0">
+            <a:pPr defTabSz="900086" eaLnBrk="0" latinLnBrk="0" hangingPunct="0">
               <a:defRPr/>
             </a:pPr>
             <a:r>
@@ -29270,89 +30781,6 @@
       </p:grpSpPr>
       <p:sp>
         <p:nvSpPr>
-          <p:cNvPr id="40" name="직사각형 39"/>
-          <p:cNvSpPr/>
-          <p:nvPr/>
-        </p:nvSpPr>
-        <p:spPr>
-          <a:xfrm>
-            <a:off x="1320132" y="233484"/>
-            <a:ext cx="4503156" cy="369332"/>
-          </a:xfrm>
-          <a:prstGeom prst="rect">
-            <a:avLst/>
-          </a:prstGeom>
-        </p:spPr>
-        <p:txBody>
-          <a:bodyPr wrap="none">
-            <a:spAutoFit/>
-          </a:bodyPr>
-          <a:lstStyle/>
-          <a:p>
-            <a:pPr algn="ctr" defTabSz="900086" eaLnBrk="0" latinLnBrk="0" hangingPunct="0">
-              <a:defRPr/>
-            </a:pPr>
-            <a:r>
-              <a:rPr lang="en-US" altLang="ko-KR" sz="1800" b="1" dirty="0">
-                <a:ln>
-                  <a:solidFill>
-                    <a:srgbClr val="4F81BD">
-                      <a:alpha val="0"/>
-                    </a:srgbClr>
-                  </a:solidFill>
-                </a:ln>
-                <a:latin typeface="현대하모니 M" panose="02020603020101020101" pitchFamily="18" charset="-127"/>
-                <a:ea typeface="현대하모니 M" panose="02020603020101020101" pitchFamily="18" charset="-127"/>
-              </a:rPr>
-              <a:t>Ⅳ. </a:t>
-            </a:r>
-            <a:r>
-              <a:rPr lang="ko-KR" altLang="en-US" sz="1800" b="1" dirty="0">
-                <a:ln>
-                  <a:solidFill>
-                    <a:srgbClr val="4F81BD">
-                      <a:alpha val="0"/>
-                    </a:srgbClr>
-                  </a:solidFill>
-                </a:ln>
-                <a:latin typeface="현대하모니 M" panose="02020603020101020101" pitchFamily="18" charset="-127"/>
-                <a:ea typeface="현대하모니 M" panose="02020603020101020101" pitchFamily="18" charset="-127"/>
-              </a:rPr>
-              <a:t>스케줄을 활용한 마감 </a:t>
-            </a:r>
-            <a:r>
-              <a:rPr lang="ko-KR" altLang="en-US" sz="1800" b="1" dirty="0" err="1">
-                <a:ln>
-                  <a:solidFill>
-                    <a:srgbClr val="4F81BD">
-                      <a:alpha val="0"/>
-                    </a:srgbClr>
-                  </a:solidFill>
-                </a:ln>
-                <a:latin typeface="현대하모니 M" panose="02020603020101020101" pitchFamily="18" charset="-127"/>
-                <a:ea typeface="현대하모니 M" panose="02020603020101020101" pitchFamily="18" charset="-127"/>
-              </a:rPr>
-              <a:t>설계안</a:t>
-            </a:r>
-            <a:r>
-              <a:rPr lang="ko-KR" altLang="en-US" sz="1800" b="1" dirty="0">
-                <a:ln>
-                  <a:solidFill>
-                    <a:srgbClr val="4F81BD">
-                      <a:alpha val="0"/>
-                    </a:srgbClr>
-                  </a:solidFill>
-                </a:ln>
-                <a:latin typeface="현대하모니 M" panose="02020603020101020101" pitchFamily="18" charset="-127"/>
-                <a:ea typeface="현대하모니 M" panose="02020603020101020101" pitchFamily="18" charset="-127"/>
-              </a:rPr>
-              <a:t> 입력 및 출력</a:t>
-            </a:r>
-          </a:p>
-        </p:txBody>
-      </p:sp>
-      <p:sp>
-        <p:nvSpPr>
           <p:cNvPr id="14" name="직사각형 13"/>
           <p:cNvSpPr/>
           <p:nvPr/>
@@ -30338,6 +31766,95 @@
           </a:prstGeom>
         </p:spPr>
       </p:pic>
+      <p:sp>
+        <p:nvSpPr>
+          <p:cNvPr id="4" name="직사각형 3">
+            <a:extLst>
+              <a:ext uri="{FF2B5EF4-FFF2-40B4-BE49-F238E27FC236}">
+                <a16:creationId xmlns:a16="http://schemas.microsoft.com/office/drawing/2014/main" id="{78139135-C892-9849-2E62-2482CDE9FBF7}"/>
+              </a:ext>
+            </a:extLst>
+          </p:cNvPr>
+          <p:cNvSpPr/>
+          <p:nvPr/>
+        </p:nvSpPr>
+        <p:spPr>
+          <a:xfrm>
+            <a:off x="1320132" y="233484"/>
+            <a:ext cx="4503156" cy="369332"/>
+          </a:xfrm>
+          <a:prstGeom prst="rect">
+            <a:avLst/>
+          </a:prstGeom>
+        </p:spPr>
+        <p:txBody>
+          <a:bodyPr wrap="none">
+            <a:spAutoFit/>
+          </a:bodyPr>
+          <a:lstStyle/>
+          <a:p>
+            <a:pPr defTabSz="900086" eaLnBrk="0" latinLnBrk="0" hangingPunct="0">
+              <a:defRPr/>
+            </a:pPr>
+            <a:r>
+              <a:rPr lang="en-US" altLang="ko-KR" sz="1800" b="1" dirty="0">
+                <a:ln>
+                  <a:solidFill>
+                    <a:srgbClr val="4F81BD">
+                      <a:alpha val="0"/>
+                    </a:srgbClr>
+                  </a:solidFill>
+                </a:ln>
+                <a:latin typeface="현대하모니 M" panose="02020603020101020101" pitchFamily="18" charset="-127"/>
+                <a:ea typeface="현대하모니 M" panose="02020603020101020101" pitchFamily="18" charset="-127"/>
+              </a:rPr>
+              <a:t>Ⅳ. </a:t>
+            </a:r>
+            <a:r>
+              <a:rPr lang="ko-KR" altLang="en-US" sz="1800" b="1" dirty="0">
+                <a:ln>
+                  <a:solidFill>
+                    <a:srgbClr val="4F81BD">
+                      <a:alpha val="0"/>
+                    </a:srgbClr>
+                  </a:solidFill>
+                </a:ln>
+                <a:latin typeface="현대하모니 M" panose="02020603020101020101" pitchFamily="18" charset="-127"/>
+                <a:ea typeface="현대하모니 M" panose="02020603020101020101" pitchFamily="18" charset="-127"/>
+              </a:rPr>
+              <a:t>스케줄을 활용한 마감 </a:t>
+            </a:r>
+            <a:r>
+              <a:rPr lang="ko-KR" altLang="en-US" sz="1800" b="1" dirty="0" err="1">
+                <a:ln>
+                  <a:solidFill>
+                    <a:srgbClr val="4F81BD">
+                      <a:alpha val="0"/>
+                    </a:srgbClr>
+                  </a:solidFill>
+                </a:ln>
+                <a:latin typeface="현대하모니 M" panose="02020603020101020101" pitchFamily="18" charset="-127"/>
+                <a:ea typeface="현대하모니 M" panose="02020603020101020101" pitchFamily="18" charset="-127"/>
+              </a:rPr>
+              <a:t>설계안</a:t>
+            </a:r>
+            <a:r>
+              <a:rPr lang="ko-KR" altLang="en-US" sz="1800" b="1" dirty="0">
+                <a:ln>
+                  <a:solidFill>
+                    <a:srgbClr val="4F81BD">
+                      <a:alpha val="0"/>
+                    </a:srgbClr>
+                  </a:solidFill>
+                </a:ln>
+                <a:latin typeface="현대하모니 M" panose="02020603020101020101" pitchFamily="18" charset="-127"/>
+                <a:ea typeface="현대하모니 M" panose="02020603020101020101" pitchFamily="18" charset="-127"/>
+              </a:rPr>
+              <a:t> 입력 및 출력</a:t>
+            </a:r>
+          </a:p>
+        </p:txBody>
+      </p:sp>
     </p:spTree>
     <p:extLst>
       <p:ext uri="{BB962C8B-B14F-4D97-AF65-F5344CB8AC3E}">
@@ -30352,6 +31869,5837 @@
 </file>
 
 <file path=ppt/slides/slide29.xml><?xml version="1.0" encoding="utf-8"?>
+<p:sld xmlns:a="http://schemas.openxmlformats.org/drawingml/2006/main" xmlns:r="http://schemas.openxmlformats.org/officeDocument/2006/relationships" xmlns:p="http://schemas.openxmlformats.org/presentationml/2006/main">
+  <p:cSld>
+    <p:spTree>
+      <p:nvGrpSpPr>
+        <p:cNvPr id="1" name=""/>
+        <p:cNvGrpSpPr/>
+        <p:nvPr/>
+      </p:nvGrpSpPr>
+      <p:grpSpPr>
+        <a:xfrm>
+          <a:off x="0" y="0"/>
+          <a:ext cx="0" cy="0"/>
+          <a:chOff x="0" y="0"/>
+          <a:chExt cx="0" cy="0"/>
+        </a:xfrm>
+      </p:grpSpPr>
+      <p:sp>
+        <p:nvSpPr>
+          <p:cNvPr id="2" name="직사각형 1"/>
+          <p:cNvSpPr/>
+          <p:nvPr/>
+        </p:nvSpPr>
+        <p:spPr>
+          <a:xfrm>
+            <a:off x="1320130" y="2852940"/>
+            <a:ext cx="9471371" cy="646331"/>
+          </a:xfrm>
+          <a:prstGeom prst="rect">
+            <a:avLst/>
+          </a:prstGeom>
+        </p:spPr>
+        <p:txBody>
+          <a:bodyPr wrap="square">
+            <a:spAutoFit/>
+          </a:bodyPr>
+          <a:lstStyle/>
+          <a:p>
+            <a:pPr algn="ctr" defTabSz="900086" eaLnBrk="0" latinLnBrk="0" hangingPunct="0">
+              <a:defRPr/>
+            </a:pPr>
+            <a:r>
+              <a:rPr lang="en-US" altLang="ko-KR" sz="3600" b="1" dirty="0">
+                <a:ln>
+                  <a:solidFill>
+                    <a:srgbClr val="4F81BD">
+                      <a:alpha val="0"/>
+                    </a:srgbClr>
+                  </a:solidFill>
+                </a:ln>
+                <a:latin typeface="현대하모니 M" panose="02020603020101020101" pitchFamily="18" charset="-127"/>
+                <a:ea typeface="현대하모니 M" panose="02020603020101020101" pitchFamily="18" charset="-127"/>
+              </a:rPr>
+              <a:t>Ⅴ. </a:t>
+            </a:r>
+            <a:r>
+              <a:rPr lang="ko-KR" altLang="en-US" sz="3600" b="1" dirty="0">
+                <a:ln>
+                  <a:solidFill>
+                    <a:srgbClr val="4F81BD">
+                      <a:alpha val="0"/>
+                    </a:srgbClr>
+                  </a:solidFill>
+                </a:ln>
+                <a:latin typeface="현대하모니 M" panose="02020603020101020101" pitchFamily="18" charset="-127"/>
+                <a:ea typeface="현대하모니 M" panose="02020603020101020101" pitchFamily="18" charset="-127"/>
+              </a:rPr>
+              <a:t>패밀리리스트 작성 및 검토</a:t>
+            </a:r>
+          </a:p>
+        </p:txBody>
+      </p:sp>
+    </p:spTree>
+    <p:extLst>
+      <p:ext uri="{BB962C8B-B14F-4D97-AF65-F5344CB8AC3E}">
+        <p14:creationId xmlns:p14="http://schemas.microsoft.com/office/powerpoint/2010/main" val="3217022613"/>
+      </p:ext>
+    </p:extLst>
+  </p:cSld>
+  <p:clrMapOvr>
+    <a:masterClrMapping/>
+  </p:clrMapOvr>
+</p:sld>
+</file>
+
+<file path=ppt/slides/slide3.xml><?xml version="1.0" encoding="utf-8"?>
+<p:sld xmlns:a="http://schemas.openxmlformats.org/drawingml/2006/main" xmlns:r="http://schemas.openxmlformats.org/officeDocument/2006/relationships" xmlns:p="http://schemas.openxmlformats.org/presentationml/2006/main">
+  <p:cSld>
+    <p:spTree>
+      <p:nvGrpSpPr>
+        <p:cNvPr id="1" name=""/>
+        <p:cNvGrpSpPr/>
+        <p:nvPr/>
+      </p:nvGrpSpPr>
+      <p:grpSpPr>
+        <a:xfrm>
+          <a:off x="0" y="0"/>
+          <a:ext cx="0" cy="0"/>
+          <a:chOff x="0" y="0"/>
+          <a:chExt cx="0" cy="0"/>
+        </a:xfrm>
+      </p:grpSpPr>
+      <p:sp>
+        <p:nvSpPr>
+          <p:cNvPr id="2" name="직사각형 1"/>
+          <p:cNvSpPr/>
+          <p:nvPr/>
+        </p:nvSpPr>
+        <p:spPr>
+          <a:xfrm>
+            <a:off x="1396330" y="1477115"/>
+            <a:ext cx="9471371" cy="523220"/>
+          </a:xfrm>
+          <a:prstGeom prst="rect">
+            <a:avLst/>
+          </a:prstGeom>
+        </p:spPr>
+        <p:txBody>
+          <a:bodyPr wrap="square">
+            <a:spAutoFit/>
+          </a:bodyPr>
+          <a:lstStyle/>
+          <a:p>
+            <a:pPr algn="ctr" defTabSz="900086" eaLnBrk="0" latinLnBrk="0" hangingPunct="0">
+              <a:defRPr/>
+            </a:pPr>
+            <a:r>
+              <a:rPr lang="en-US" altLang="ko-KR" sz="2800" b="1" dirty="0">
+                <a:ln>
+                  <a:solidFill>
+                    <a:srgbClr val="4F81BD">
+                      <a:alpha val="0"/>
+                    </a:srgbClr>
+                  </a:solidFill>
+                </a:ln>
+                <a:latin typeface="현대하모니 M" panose="02020603020101020101" pitchFamily="18" charset="-127"/>
+                <a:ea typeface="현대하모니 M" panose="02020603020101020101" pitchFamily="18" charset="-127"/>
+              </a:rPr>
+              <a:t>I. </a:t>
+            </a:r>
+            <a:r>
+              <a:rPr lang="ko-KR" altLang="en-US" sz="2800" b="1" dirty="0">
+                <a:ln>
+                  <a:solidFill>
+                    <a:srgbClr val="4F81BD">
+                      <a:alpha val="0"/>
+                    </a:srgbClr>
+                  </a:solidFill>
+                </a:ln>
+                <a:latin typeface="현대하모니 M" panose="02020603020101020101" pitchFamily="18" charset="-127"/>
+                <a:ea typeface="현대하모니 M" panose="02020603020101020101" pitchFamily="18" charset="-127"/>
+              </a:rPr>
+              <a:t>협력업체 작업지시를 위한 기본 세팅</a:t>
+            </a:r>
+          </a:p>
+        </p:txBody>
+      </p:sp>
+      <p:sp>
+        <p:nvSpPr>
+          <p:cNvPr id="3" name="직사각형 2"/>
+          <p:cNvSpPr/>
+          <p:nvPr/>
+        </p:nvSpPr>
+        <p:spPr>
+          <a:xfrm>
+            <a:off x="1396330" y="2406538"/>
+            <a:ext cx="9471371" cy="523220"/>
+          </a:xfrm>
+          <a:prstGeom prst="rect">
+            <a:avLst/>
+          </a:prstGeom>
+        </p:spPr>
+        <p:txBody>
+          <a:bodyPr wrap="square">
+            <a:spAutoFit/>
+          </a:bodyPr>
+          <a:lstStyle/>
+          <a:p>
+            <a:pPr algn="ctr" defTabSz="900086" eaLnBrk="0" latinLnBrk="0" hangingPunct="0">
+              <a:defRPr/>
+            </a:pPr>
+            <a:r>
+              <a:rPr lang="en-US" altLang="ko-KR" sz="2800" b="1" dirty="0">
+                <a:ln>
+                  <a:solidFill>
+                    <a:srgbClr val="4F81BD">
+                      <a:alpha val="0"/>
+                    </a:srgbClr>
+                  </a:solidFill>
+                </a:ln>
+                <a:latin typeface="현대하모니 M" panose="02020603020101020101" pitchFamily="18" charset="-127"/>
+                <a:ea typeface="현대하모니 M" panose="02020603020101020101" pitchFamily="18" charset="-127"/>
+              </a:rPr>
+              <a:t>II. </a:t>
+            </a:r>
+            <a:r>
+              <a:rPr lang="ko-KR" altLang="en-US" sz="2800" b="1" dirty="0">
+                <a:ln>
+                  <a:solidFill>
+                    <a:srgbClr val="4F81BD">
+                      <a:alpha val="0"/>
+                    </a:srgbClr>
+                  </a:solidFill>
+                </a:ln>
+                <a:latin typeface="현대하모니 M" panose="02020603020101020101" pitchFamily="18" charset="-127"/>
+                <a:ea typeface="현대하모니 M" panose="02020603020101020101" pitchFamily="18" charset="-127"/>
+              </a:rPr>
+              <a:t>모델링 접수 후 검토할 사항</a:t>
+            </a:r>
+          </a:p>
+        </p:txBody>
+      </p:sp>
+      <p:sp>
+        <p:nvSpPr>
+          <p:cNvPr id="4" name="직사각형 3"/>
+          <p:cNvSpPr/>
+          <p:nvPr/>
+        </p:nvSpPr>
+        <p:spPr>
+          <a:xfrm>
+            <a:off x="1396330" y="5194808"/>
+            <a:ext cx="9471371" cy="523220"/>
+          </a:xfrm>
+          <a:prstGeom prst="rect">
+            <a:avLst/>
+          </a:prstGeom>
+        </p:spPr>
+        <p:txBody>
+          <a:bodyPr wrap="square">
+            <a:spAutoFit/>
+          </a:bodyPr>
+          <a:lstStyle/>
+          <a:p>
+            <a:pPr algn="ctr" defTabSz="900086" eaLnBrk="0" latinLnBrk="0" hangingPunct="0">
+              <a:defRPr/>
+            </a:pPr>
+            <a:r>
+              <a:rPr lang="en-US" altLang="ko-KR" sz="2800" b="1" dirty="0">
+                <a:ln>
+                  <a:solidFill>
+                    <a:srgbClr val="4F81BD">
+                      <a:alpha val="0"/>
+                    </a:srgbClr>
+                  </a:solidFill>
+                </a:ln>
+                <a:latin typeface="현대하모니 M" panose="02020603020101020101" pitchFamily="18" charset="-127"/>
+                <a:ea typeface="현대하모니 M" panose="02020603020101020101" pitchFamily="18" charset="-127"/>
+              </a:rPr>
+              <a:t>Ⅴ. </a:t>
+            </a:r>
+            <a:r>
+              <a:rPr lang="ko-KR" altLang="en-US" sz="2800" b="1" dirty="0">
+                <a:ln>
+                  <a:solidFill>
+                    <a:srgbClr val="4F81BD">
+                      <a:alpha val="0"/>
+                    </a:srgbClr>
+                  </a:solidFill>
+                </a:ln>
+                <a:latin typeface="현대하모니 M" panose="02020603020101020101" pitchFamily="18" charset="-127"/>
+                <a:ea typeface="현대하모니 M" panose="02020603020101020101" pitchFamily="18" charset="-127"/>
+              </a:rPr>
+              <a:t>물량산출자동화 툴을 이용한 빌딩 별 물량 산출</a:t>
+            </a:r>
+          </a:p>
+        </p:txBody>
+      </p:sp>
+      <p:sp>
+        <p:nvSpPr>
+          <p:cNvPr id="5" name="직사각형 4"/>
+          <p:cNvSpPr/>
+          <p:nvPr/>
+        </p:nvSpPr>
+        <p:spPr>
+          <a:xfrm>
+            <a:off x="1396330" y="3335961"/>
+            <a:ext cx="9471371" cy="523220"/>
+          </a:xfrm>
+          <a:prstGeom prst="rect">
+            <a:avLst/>
+          </a:prstGeom>
+        </p:spPr>
+        <p:txBody>
+          <a:bodyPr wrap="square">
+            <a:spAutoFit/>
+          </a:bodyPr>
+          <a:lstStyle/>
+          <a:p>
+            <a:pPr algn="ctr" defTabSz="900086" eaLnBrk="0" latinLnBrk="0" hangingPunct="0">
+              <a:defRPr/>
+            </a:pPr>
+            <a:r>
+              <a:rPr lang="en-US" altLang="ko-KR" sz="2800" b="1" dirty="0">
+                <a:ln>
+                  <a:solidFill>
+                    <a:srgbClr val="4F81BD">
+                      <a:alpha val="0"/>
+                    </a:srgbClr>
+                  </a:solidFill>
+                </a:ln>
+                <a:latin typeface="현대하모니 M" panose="02020603020101020101" pitchFamily="18" charset="-127"/>
+                <a:ea typeface="현대하모니 M" panose="02020603020101020101" pitchFamily="18" charset="-127"/>
+              </a:rPr>
+              <a:t>III. </a:t>
+            </a:r>
+            <a:r>
+              <a:rPr lang="ko-KR" altLang="en-US" sz="2800" b="1" dirty="0">
+                <a:ln>
+                  <a:solidFill>
+                    <a:srgbClr val="4F81BD">
+                      <a:alpha val="0"/>
+                    </a:srgbClr>
+                  </a:solidFill>
+                </a:ln>
+                <a:latin typeface="현대하모니 M" panose="02020603020101020101" pitchFamily="18" charset="-127"/>
+                <a:ea typeface="현대하모니 M" panose="02020603020101020101" pitchFamily="18" charset="-127"/>
+              </a:rPr>
+              <a:t>실행 모델링 도면화</a:t>
+            </a:r>
+          </a:p>
+        </p:txBody>
+      </p:sp>
+      <p:sp>
+        <p:nvSpPr>
+          <p:cNvPr id="8" name="직사각형 7">
+            <a:extLst>
+              <a:ext uri="{FF2B5EF4-FFF2-40B4-BE49-F238E27FC236}">
+                <a16:creationId xmlns:a16="http://schemas.microsoft.com/office/drawing/2014/main" id="{26E70ACE-BCF7-DD68-2B38-6EA7529A08E3}"/>
+              </a:ext>
+            </a:extLst>
+          </p:cNvPr>
+          <p:cNvSpPr/>
+          <p:nvPr/>
+        </p:nvSpPr>
+        <p:spPr>
+          <a:xfrm>
+            <a:off x="286870" y="633137"/>
+            <a:ext cx="4874795" cy="400110"/>
+          </a:xfrm>
+          <a:prstGeom prst="rect">
+            <a:avLst/>
+          </a:prstGeom>
+        </p:spPr>
+        <p:txBody>
+          <a:bodyPr wrap="square">
+            <a:spAutoFit/>
+          </a:bodyPr>
+          <a:lstStyle/>
+          <a:p>
+            <a:pPr defTabSz="900086" eaLnBrk="0" latinLnBrk="0" hangingPunct="0">
+              <a:defRPr/>
+            </a:pPr>
+            <a:r>
+              <a:rPr lang="en-US" altLang="ko-KR" sz="2000" b="1" dirty="0">
+                <a:ln>
+                  <a:solidFill>
+                    <a:srgbClr val="4F81BD">
+                      <a:alpha val="0"/>
+                    </a:srgbClr>
+                  </a:solidFill>
+                </a:ln>
+                <a:latin typeface="현대하모니 M" panose="02020603020101020101" pitchFamily="18" charset="-127"/>
+                <a:ea typeface="현대하모니 M" panose="02020603020101020101" pitchFamily="18" charset="-127"/>
+              </a:rPr>
+              <a:t>&lt;</a:t>
+            </a:r>
+            <a:r>
+              <a:rPr lang="ko-KR" altLang="en-US" sz="2000" b="1" dirty="0">
+                <a:ln>
+                  <a:solidFill>
+                    <a:srgbClr val="4F81BD">
+                      <a:alpha val="0"/>
+                    </a:srgbClr>
+                  </a:solidFill>
+                </a:ln>
+                <a:latin typeface="현대하모니 M" panose="02020603020101020101" pitchFamily="18" charset="-127"/>
+                <a:ea typeface="현대하모니 M" panose="02020603020101020101" pitchFamily="18" charset="-127"/>
+              </a:rPr>
+              <a:t>실행 베이스 </a:t>
+            </a:r>
+            <a:r>
+              <a:rPr lang="en-US" altLang="ko-KR" sz="2000" b="1" dirty="0">
+                <a:ln>
+                  <a:solidFill>
+                    <a:srgbClr val="4F81BD">
+                      <a:alpha val="0"/>
+                    </a:srgbClr>
+                  </a:solidFill>
+                </a:ln>
+                <a:latin typeface="현대하모니 M" panose="02020603020101020101" pitchFamily="18" charset="-127"/>
+                <a:ea typeface="현대하모니 M" panose="02020603020101020101" pitchFamily="18" charset="-127"/>
+              </a:rPr>
+              <a:t>RC</a:t>
+            </a:r>
+            <a:r>
+              <a:rPr lang="ko-KR" altLang="en-US" sz="2000" b="1" dirty="0">
+                <a:ln>
+                  <a:solidFill>
+                    <a:srgbClr val="4F81BD">
+                      <a:alpha val="0"/>
+                    </a:srgbClr>
+                  </a:solidFill>
+                </a:ln>
+                <a:latin typeface="현대하모니 M" panose="02020603020101020101" pitchFamily="18" charset="-127"/>
+                <a:ea typeface="현대하모니 M" panose="02020603020101020101" pitchFamily="18" charset="-127"/>
+              </a:rPr>
+              <a:t> 모델링</a:t>
+            </a:r>
+            <a:r>
+              <a:rPr lang="en-US" altLang="ko-KR" sz="2000" b="1" dirty="0">
+                <a:ln>
+                  <a:solidFill>
+                    <a:srgbClr val="4F81BD">
+                      <a:alpha val="0"/>
+                    </a:srgbClr>
+                  </a:solidFill>
+                </a:ln>
+                <a:latin typeface="현대하모니 M" panose="02020603020101020101" pitchFamily="18" charset="-127"/>
+                <a:ea typeface="현대하모니 M" panose="02020603020101020101" pitchFamily="18" charset="-127"/>
+              </a:rPr>
+              <a:t>-LOD350&gt;</a:t>
+            </a:r>
+            <a:endParaRPr lang="ko-KR" altLang="en-US" sz="2000" b="1" dirty="0">
+              <a:ln>
+                <a:solidFill>
+                  <a:srgbClr val="4F81BD">
+                    <a:alpha val="0"/>
+                  </a:srgbClr>
+                </a:solidFill>
+              </a:ln>
+              <a:latin typeface="현대하모니 M" panose="02020603020101020101" pitchFamily="18" charset="-127"/>
+              <a:ea typeface="현대하모니 M" panose="02020603020101020101" pitchFamily="18" charset="-127"/>
+            </a:endParaRPr>
+          </a:p>
+        </p:txBody>
+      </p:sp>
+      <p:sp>
+        <p:nvSpPr>
+          <p:cNvPr id="6" name="직사각형 5">
+            <a:extLst>
+              <a:ext uri="{FF2B5EF4-FFF2-40B4-BE49-F238E27FC236}">
+                <a16:creationId xmlns:a16="http://schemas.microsoft.com/office/drawing/2014/main" id="{B4655ECA-4C73-C073-EE74-14F5E3A7251B}"/>
+              </a:ext>
+            </a:extLst>
+          </p:cNvPr>
+          <p:cNvSpPr/>
+          <p:nvPr/>
+        </p:nvSpPr>
+        <p:spPr>
+          <a:xfrm>
+            <a:off x="1396330" y="4265384"/>
+            <a:ext cx="9471371" cy="523220"/>
+          </a:xfrm>
+          <a:prstGeom prst="rect">
+            <a:avLst/>
+          </a:prstGeom>
+        </p:spPr>
+        <p:txBody>
+          <a:bodyPr wrap="square">
+            <a:spAutoFit/>
+          </a:bodyPr>
+          <a:lstStyle/>
+          <a:p>
+            <a:pPr algn="ctr" defTabSz="900086" eaLnBrk="0" latinLnBrk="0" hangingPunct="0">
+              <a:defRPr/>
+            </a:pPr>
+            <a:r>
+              <a:rPr lang="en-US" altLang="ko-KR" sz="2800" b="1" dirty="0">
+                <a:ln>
+                  <a:solidFill>
+                    <a:srgbClr val="4F81BD">
+                      <a:alpha val="0"/>
+                    </a:srgbClr>
+                  </a:solidFill>
+                </a:ln>
+                <a:latin typeface="현대하모니 M" panose="02020603020101020101" pitchFamily="18" charset="-127"/>
+                <a:ea typeface="현대하모니 M" panose="02020603020101020101" pitchFamily="18" charset="-127"/>
+              </a:rPr>
+              <a:t>Ⅳ. </a:t>
+            </a:r>
+            <a:r>
+              <a:rPr lang="ko-KR" altLang="en-US" sz="2800" b="1" dirty="0">
+                <a:ln>
+                  <a:solidFill>
+                    <a:srgbClr val="4F81BD">
+                      <a:alpha val="0"/>
+                    </a:srgbClr>
+                  </a:solidFill>
+                </a:ln>
+                <a:latin typeface="현대하모니 M" panose="02020603020101020101" pitchFamily="18" charset="-127"/>
+                <a:ea typeface="현대하모니 M" panose="02020603020101020101" pitchFamily="18" charset="-127"/>
+              </a:rPr>
+              <a:t>패밀리리스트 작성 및 검토</a:t>
+            </a:r>
+          </a:p>
+        </p:txBody>
+      </p:sp>
+    </p:spTree>
+    <p:extLst>
+      <p:ext uri="{BB962C8B-B14F-4D97-AF65-F5344CB8AC3E}">
+        <p14:creationId xmlns:p14="http://schemas.microsoft.com/office/powerpoint/2010/main" val="3060912237"/>
+      </p:ext>
+    </p:extLst>
+  </p:cSld>
+  <p:clrMapOvr>
+    <a:masterClrMapping/>
+  </p:clrMapOvr>
+</p:sld>
+</file>
+
+<file path=ppt/slides/slide30.xml><?xml version="1.0" encoding="utf-8"?>
+<p:sld xmlns:a="http://schemas.openxmlformats.org/drawingml/2006/main" xmlns:r="http://schemas.openxmlformats.org/officeDocument/2006/relationships" xmlns:p="http://schemas.openxmlformats.org/presentationml/2006/main">
+  <p:cSld>
+    <p:spTree>
+      <p:nvGrpSpPr>
+        <p:cNvPr id="1" name=""/>
+        <p:cNvGrpSpPr/>
+        <p:nvPr/>
+      </p:nvGrpSpPr>
+      <p:grpSpPr>
+        <a:xfrm>
+          <a:off x="0" y="0"/>
+          <a:ext cx="0" cy="0"/>
+          <a:chOff x="0" y="0"/>
+          <a:chExt cx="0" cy="0"/>
+        </a:xfrm>
+      </p:grpSpPr>
+      <p:sp>
+        <p:nvSpPr>
+          <p:cNvPr id="3" name="Rectangle 14">
+            <a:extLst>
+              <a:ext uri="{FF2B5EF4-FFF2-40B4-BE49-F238E27FC236}">
+                <a16:creationId xmlns:a16="http://schemas.microsoft.com/office/drawing/2014/main" id="{64BD2BCE-F294-BEE2-E0EE-059A4D58C2C9}"/>
+              </a:ext>
+            </a:extLst>
+          </p:cNvPr>
+          <p:cNvSpPr>
+            <a:spLocks noChangeArrowheads="1"/>
+          </p:cNvSpPr>
+          <p:nvPr/>
+        </p:nvSpPr>
+        <p:spPr bwMode="auto">
+          <a:xfrm>
+            <a:off x="9221619" y="266582"/>
+            <a:ext cx="1436292" cy="246221"/>
+          </a:xfrm>
+          <a:prstGeom prst="rect">
+            <a:avLst/>
+          </a:prstGeom>
+          <a:noFill/>
+          <a:ln w="12700">
+            <a:noFill/>
+            <a:miter lim="800000"/>
+            <a:headEnd/>
+            <a:tailEnd/>
+          </a:ln>
+        </p:spPr>
+        <p:txBody>
+          <a:bodyPr wrap="none" lIns="0" tIns="0" rIns="0" bIns="0" anchor="ctr">
+            <a:spAutoFit/>
+          </a:bodyPr>
+          <a:lstStyle/>
+          <a:p>
+            <a:pPr defTabSz="900086" eaLnBrk="0" latinLnBrk="0" hangingPunct="0">
+              <a:spcBef>
+                <a:spcPct val="0"/>
+              </a:spcBef>
+              <a:spcAft>
+                <a:spcPct val="0"/>
+              </a:spcAft>
+              <a:defRPr/>
+            </a:pPr>
+            <a:r>
+              <a:rPr kumimoji="1" lang="ko-KR" altLang="en-US" sz="1600">
+                <a:ln>
+                  <a:solidFill>
+                    <a:srgbClr val="4F81BD">
+                      <a:alpha val="0"/>
+                    </a:srgbClr>
+                  </a:solidFill>
+                </a:ln>
+                <a:solidFill>
+                  <a:schemeClr val="tx1">
+                    <a:lumMod val="65000"/>
+                    <a:lumOff val="35000"/>
+                  </a:schemeClr>
+                </a:solidFill>
+                <a:latin typeface="현대하모니 M" panose="02020603020101020101" pitchFamily="18" charset="-127"/>
+                <a:ea typeface="현대하모니 M" panose="02020603020101020101" pitchFamily="18" charset="-127"/>
+              </a:rPr>
+              <a:t>플랜트건축설계팀</a:t>
+            </a:r>
+            <a:endParaRPr kumimoji="1" lang="ko-KR" altLang="en-US" sz="1600" dirty="0">
+              <a:ln>
+                <a:solidFill>
+                  <a:srgbClr val="4F81BD">
+                    <a:alpha val="0"/>
+                  </a:srgbClr>
+                </a:solidFill>
+              </a:ln>
+              <a:solidFill>
+                <a:schemeClr val="tx1">
+                  <a:lumMod val="65000"/>
+                  <a:lumOff val="35000"/>
+                </a:schemeClr>
+              </a:solidFill>
+              <a:latin typeface="현대하모니 M" panose="02020603020101020101" pitchFamily="18" charset="-127"/>
+              <a:ea typeface="현대하모니 M" panose="02020603020101020101" pitchFamily="18" charset="-127"/>
+            </a:endParaRPr>
+          </a:p>
+        </p:txBody>
+      </p:sp>
+      <p:sp>
+        <p:nvSpPr>
+          <p:cNvPr id="27" name="직사각형 26">
+            <a:extLst>
+              <a:ext uri="{FF2B5EF4-FFF2-40B4-BE49-F238E27FC236}">
+                <a16:creationId xmlns:a16="http://schemas.microsoft.com/office/drawing/2014/main" id="{EB1754B9-1403-8BC8-CF60-DBF5B1B00F95}"/>
+              </a:ext>
+            </a:extLst>
+          </p:cNvPr>
+          <p:cNvSpPr/>
+          <p:nvPr/>
+        </p:nvSpPr>
+        <p:spPr>
+          <a:xfrm>
+            <a:off x="358588" y="843803"/>
+            <a:ext cx="1111624" cy="412376"/>
+          </a:xfrm>
+          <a:prstGeom prst="rect">
+            <a:avLst/>
+          </a:prstGeom>
+          <a:noFill/>
+          <a:ln w="38100">
+            <a:solidFill>
+              <a:srgbClr val="FF00FF"/>
+            </a:solidFill>
+          </a:ln>
+        </p:spPr>
+        <p:style>
+          <a:lnRef idx="2">
+            <a:schemeClr val="accent1">
+              <a:shade val="15000"/>
+            </a:schemeClr>
+          </a:lnRef>
+          <a:fillRef idx="1">
+            <a:schemeClr val="accent1"/>
+          </a:fillRef>
+          <a:effectRef idx="0">
+            <a:schemeClr val="accent1"/>
+          </a:effectRef>
+          <a:fontRef idx="minor">
+            <a:schemeClr val="lt1"/>
+          </a:fontRef>
+        </p:style>
+        <p:txBody>
+          <a:bodyPr rtlCol="0" anchor="ctr"/>
+          <a:lstStyle/>
+          <a:p>
+            <a:pPr algn="ctr"/>
+            <a:endParaRPr lang="ko-KR" altLang="en-US"/>
+          </a:p>
+        </p:txBody>
+      </p:sp>
+      <p:sp>
+        <p:nvSpPr>
+          <p:cNvPr id="29" name="TextBox 28">
+            <a:extLst>
+              <a:ext uri="{FF2B5EF4-FFF2-40B4-BE49-F238E27FC236}">
+                <a16:creationId xmlns:a16="http://schemas.microsoft.com/office/drawing/2014/main" id="{AEE99FCC-AA9C-61C0-052A-BC17279CF83F}"/>
+              </a:ext>
+            </a:extLst>
+          </p:cNvPr>
+          <p:cNvSpPr txBox="1"/>
+          <p:nvPr/>
+        </p:nvSpPr>
+        <p:spPr>
+          <a:xfrm>
+            <a:off x="358588" y="1512496"/>
+            <a:ext cx="9219752" cy="3831818"/>
+          </a:xfrm>
+          <a:prstGeom prst="rect">
+            <a:avLst/>
+          </a:prstGeom>
+          <a:noFill/>
+        </p:spPr>
+        <p:txBody>
+          <a:bodyPr wrap="square">
+            <a:spAutoFit/>
+          </a:bodyPr>
+          <a:lstStyle/>
+          <a:p>
+            <a:r>
+              <a:rPr lang="en-US" altLang="ko-KR" sz="900" dirty="0"/>
+              <a:t>A04AM080-00004 Finishing Work Painting Work Floor Painting Oil Based Paint       </a:t>
+            </a:r>
+          </a:p>
+          <a:p>
+            <a:r>
+              <a:rPr lang="en-US" altLang="ko-KR" sz="900" dirty="0"/>
+              <a:t>A04AM080-00005 Finishing Work Painting Work Floor Painting Anti-Dust Paint       </a:t>
+            </a:r>
+          </a:p>
+          <a:p>
+            <a:r>
+              <a:rPr lang="en-US" altLang="ko-KR" sz="900" dirty="0"/>
+              <a:t>A04AM080-00006 Finishing Work Painting Work Floor Painting Epoxy Paint       </a:t>
+            </a:r>
+          </a:p>
+          <a:p>
+            <a:r>
+              <a:rPr lang="en-US" altLang="ko-KR" sz="900" dirty="0"/>
+              <a:t>A04AM080-00007 Finishing Work Painting Work Floor Painting Epoxy Based Sealer       </a:t>
+            </a:r>
+          </a:p>
+          <a:p>
+            <a:r>
+              <a:rPr lang="en-US" altLang="ko-KR" sz="900" dirty="0"/>
+              <a:t>A04AM080-00008 Finishing Work Painting Work Floor Painting Epoxy Lining       </a:t>
+            </a:r>
+          </a:p>
+          <a:p>
+            <a:r>
+              <a:rPr lang="en-US" altLang="ko-KR" sz="900" dirty="0"/>
+              <a:t>A04AM080-00009 Finishing Work Painting Work Floor Painting Road Marker Paint       </a:t>
+            </a:r>
+          </a:p>
+          <a:p>
+            <a:r>
+              <a:rPr lang="en-US" altLang="ko-KR" sz="900" dirty="0"/>
+              <a:t>A04AM080-00010 Finishing Work Painting Work Floor Painting White Strips for Parking Place       </a:t>
+            </a:r>
+          </a:p>
+          <a:p>
+            <a:r>
+              <a:rPr lang="en-US" altLang="ko-KR" sz="900" dirty="0"/>
+              <a:t>A04AM080-00011 Finishing Work Painting Work Floor Painting Chemical Resistant Paint       </a:t>
+            </a:r>
+          </a:p>
+          <a:p>
+            <a:r>
+              <a:rPr lang="en-US" altLang="ko-KR" sz="900" dirty="0"/>
+              <a:t>A04AM080-00012 Finishing Work Painting Work Floor Painting Polyurethane Coating       </a:t>
+            </a:r>
+          </a:p>
+          <a:p>
+            <a:r>
+              <a:rPr lang="en-US" altLang="ko-KR" sz="900" dirty="0"/>
+              <a:t>A04AM081-00001 Finishing Work Painting Work Skirt Painting Acrylic Emulsion Paint       H&lt;150mm</a:t>
+            </a:r>
+          </a:p>
+          <a:p>
+            <a:r>
+              <a:rPr lang="en-US" altLang="ko-KR" sz="900" dirty="0"/>
+              <a:t>A04AM081-00002 Finishing Work Painting Work Skirt Painting Acrylic Emulsion Paint       150mm≤H&lt;200mm</a:t>
+            </a:r>
+          </a:p>
+          <a:p>
+            <a:r>
+              <a:rPr lang="en-US" altLang="ko-KR" sz="900" dirty="0"/>
+              <a:t>A04AM081-00003 Finishing Work Painting Work Skirt Painting Acrylic Emulsion Paint       200mm≤H</a:t>
+            </a:r>
+          </a:p>
+          <a:p>
+            <a:r>
+              <a:rPr lang="en-US" altLang="ko-KR" sz="900" dirty="0"/>
+              <a:t>A04AM081-00004 Finishing Work Painting Work Skirt Painting Acid/Alkaline Resistant Paint       H&lt;150mm</a:t>
+            </a:r>
+          </a:p>
+          <a:p>
+            <a:r>
+              <a:rPr lang="en-US" altLang="ko-KR" sz="900" dirty="0"/>
+              <a:t>A04AM081-00005 Finishing Work Painting Work Skirt Painting Acid/Alkaline Resistant Paint       150mm≤H&lt;200mm</a:t>
+            </a:r>
+          </a:p>
+          <a:p>
+            <a:r>
+              <a:rPr lang="en-US" altLang="ko-KR" sz="900" dirty="0"/>
+              <a:t>A04AM081-00006 Finishing Work Painting Work Skirt Painting Acid/Alkaline Resistant Paint       200mm≤H</a:t>
+            </a:r>
+          </a:p>
+          <a:p>
+            <a:r>
+              <a:rPr lang="en-US" altLang="ko-KR" sz="900" dirty="0"/>
+              <a:t>A04AM081-00007 Finishing Work Painting Work Skirt Painting Epoxy Paint       H&lt;150mm</a:t>
+            </a:r>
+          </a:p>
+          <a:p>
+            <a:r>
+              <a:rPr lang="en-US" altLang="ko-KR" sz="900" dirty="0"/>
+              <a:t>A04AM081-00008 Finishing Work Painting Work Skirt Painting Epoxy Paint       150mm≤H&lt;200mm</a:t>
+            </a:r>
+          </a:p>
+          <a:p>
+            <a:r>
+              <a:rPr lang="en-US" altLang="ko-KR" sz="900" dirty="0"/>
+              <a:t>A04AM081-00009 Finishing Work Painting Work Skirt Painting Epoxy Paint       200mm≤H</a:t>
+            </a:r>
+          </a:p>
+          <a:p>
+            <a:r>
+              <a:rPr lang="en-US" altLang="ko-KR" sz="900" dirty="0"/>
+              <a:t>A04AM081-00010 Finishing Work Painting Work Skirt Painting Chemical Resistant Paint       H&lt;150mm</a:t>
+            </a:r>
+          </a:p>
+          <a:p>
+            <a:r>
+              <a:rPr lang="en-US" altLang="ko-KR" sz="900" dirty="0"/>
+              <a:t>A04AM081-00011 Finishing Work Painting Work Skirt Painting Chemical Resistant Paint       150mm≤H&lt;200mm</a:t>
+            </a:r>
+          </a:p>
+          <a:p>
+            <a:r>
+              <a:rPr lang="en-US" altLang="ko-KR" sz="900" dirty="0"/>
+              <a:t>A04AM081-00012 Finishing Work Painting Work Skirt Painting Chemical Resistant Paint       200mm≤H</a:t>
+            </a:r>
+          </a:p>
+          <a:p>
+            <a:r>
+              <a:rPr lang="en-US" altLang="ko-KR" sz="900" dirty="0"/>
+              <a:t>A04AM081-00013 Finishing Work Painting Work Skirt Painting Polyurethane Coating       H&lt;150mm</a:t>
+            </a:r>
+          </a:p>
+          <a:p>
+            <a:r>
+              <a:rPr lang="en-US" altLang="ko-KR" sz="900" dirty="0"/>
+              <a:t>A04AM081-00014 Finishing Work Painting Work Skirt Painting Polyurethane Coating       150mm≤H&lt;200mm</a:t>
+            </a:r>
+          </a:p>
+          <a:p>
+            <a:r>
+              <a:rPr lang="en-US" altLang="ko-KR" sz="900" dirty="0"/>
+              <a:t>A04AM081-00015 Finishing Work Painting Work Skirt Painting Polyurethane Coating       200mm≤H</a:t>
+            </a:r>
+          </a:p>
+          <a:p>
+            <a:r>
+              <a:rPr lang="en-US" altLang="ko-KR" sz="900" dirty="0"/>
+              <a:t>A04AN082-00001 Finishing Work Tile Work Wall Tile Unglazed Ceramic Tile     w/ Mortar Bond Coat or Adhesive  </a:t>
+            </a:r>
+          </a:p>
+          <a:p>
+            <a:r>
+              <a:rPr lang="en-US" altLang="ko-KR" sz="900" dirty="0"/>
+              <a:t>A04AN082-00002 Finishing Work Tile Work Wall Tile Glazed Ceramic Tile     w/ Mortar Bond Coat or Adhesive  </a:t>
+            </a:r>
+          </a:p>
+          <a:p>
+            <a:r>
+              <a:rPr lang="en-US" altLang="ko-KR" sz="900" dirty="0"/>
+              <a:t>A04AN082-00003 Finishing Work Tile Work Wall Tile Acid/Alkaline Resistant Tile     w/ Mortar Bond Coat or Adhesive </a:t>
+            </a:r>
+          </a:p>
+        </p:txBody>
+      </p:sp>
+      <p:grpSp>
+        <p:nvGrpSpPr>
+          <p:cNvPr id="37" name="그룹 36">
+            <a:extLst>
+              <a:ext uri="{FF2B5EF4-FFF2-40B4-BE49-F238E27FC236}">
+                <a16:creationId xmlns:a16="http://schemas.microsoft.com/office/drawing/2014/main" id="{3D49EBC9-4ACB-DD59-160F-3CCEF2803A96}"/>
+              </a:ext>
+            </a:extLst>
+          </p:cNvPr>
+          <p:cNvGrpSpPr/>
+          <p:nvPr/>
+        </p:nvGrpSpPr>
+        <p:grpSpPr>
+          <a:xfrm>
+            <a:off x="358589" y="843803"/>
+            <a:ext cx="8442512" cy="412376"/>
+            <a:chOff x="358589" y="843803"/>
+            <a:chExt cx="8442512" cy="412376"/>
+          </a:xfrm>
+        </p:grpSpPr>
+        <p:sp>
+          <p:nvSpPr>
+            <p:cNvPr id="32" name="TextBox 31">
+              <a:extLst>
+                <a:ext uri="{FF2B5EF4-FFF2-40B4-BE49-F238E27FC236}">
+                  <a16:creationId xmlns:a16="http://schemas.microsoft.com/office/drawing/2014/main" id="{47508F85-2EBD-721D-1754-F52AC8EFD7C2}"/>
+                </a:ext>
+              </a:extLst>
+            </p:cNvPr>
+            <p:cNvSpPr txBox="1"/>
+            <p:nvPr/>
+          </p:nvSpPr>
+          <p:spPr>
+            <a:xfrm>
+              <a:off x="492005" y="942240"/>
+              <a:ext cx="1345760" cy="230832"/>
+            </a:xfrm>
+            <a:prstGeom prst="rect">
+              <a:avLst/>
+            </a:prstGeom>
+            <a:noFill/>
+          </p:spPr>
+          <p:txBody>
+            <a:bodyPr wrap="square" rtlCol="0">
+              <a:spAutoFit/>
+            </a:bodyPr>
+            <a:lstStyle/>
+            <a:p>
+              <a:r>
+                <a:rPr lang="en-US" altLang="ko-KR" sz="900" dirty="0">
+                  <a:latin typeface="현대하모니 L" panose="02020603020101020101" pitchFamily="18" charset="-127"/>
+                  <a:ea typeface="현대하모니 L" panose="02020603020101020101" pitchFamily="18" charset="-127"/>
+                </a:rPr>
+                <a:t>Work Master</a:t>
+              </a:r>
+            </a:p>
+          </p:txBody>
+        </p:sp>
+        <p:sp>
+          <p:nvSpPr>
+            <p:cNvPr id="33" name="TextBox 32">
+              <a:extLst>
+                <a:ext uri="{FF2B5EF4-FFF2-40B4-BE49-F238E27FC236}">
+                  <a16:creationId xmlns:a16="http://schemas.microsoft.com/office/drawing/2014/main" id="{1C256362-9DE7-0560-7A73-4D7A9C412709}"/>
+                </a:ext>
+              </a:extLst>
+            </p:cNvPr>
+            <p:cNvSpPr txBox="1"/>
+            <p:nvPr/>
+          </p:nvSpPr>
+          <p:spPr>
+            <a:xfrm>
+              <a:off x="2478817" y="942240"/>
+              <a:ext cx="1797574" cy="230832"/>
+            </a:xfrm>
+            <a:prstGeom prst="rect">
+              <a:avLst/>
+            </a:prstGeom>
+            <a:noFill/>
+          </p:spPr>
+          <p:txBody>
+            <a:bodyPr wrap="square" rtlCol="0">
+              <a:spAutoFit/>
+            </a:bodyPr>
+            <a:lstStyle/>
+            <a:p>
+              <a:r>
+                <a:rPr lang="ko-KR" altLang="en-US" sz="900" dirty="0">
+                  <a:latin typeface="현대하모니 L" panose="02020603020101020101" pitchFamily="18" charset="-127"/>
+                  <a:ea typeface="현대하모니 L" panose="02020603020101020101" pitchFamily="18" charset="-127"/>
+                </a:rPr>
+                <a:t>플랜트</a:t>
+              </a:r>
+              <a:r>
+                <a:rPr lang="en-US" altLang="ko-KR" sz="900" dirty="0">
+                  <a:latin typeface="현대하모니 L" panose="02020603020101020101" pitchFamily="18" charset="-127"/>
+                  <a:ea typeface="현대하모니 L" panose="02020603020101020101" pitchFamily="18" charset="-127"/>
+                </a:rPr>
+                <a:t>-</a:t>
+              </a:r>
+              <a:r>
+                <a:rPr lang="ko-KR" altLang="en-US" sz="900" dirty="0">
+                  <a:latin typeface="현대하모니 L" panose="02020603020101020101" pitchFamily="18" charset="-127"/>
+                  <a:ea typeface="현대하모니 L" panose="02020603020101020101" pitchFamily="18" charset="-127"/>
+                </a:rPr>
+                <a:t>건축요소 구성 표준 타입</a:t>
+              </a:r>
+              <a:endParaRPr lang="en-US" altLang="ko-KR" sz="900" dirty="0">
+                <a:latin typeface="현대하모니 L" panose="02020603020101020101" pitchFamily="18" charset="-127"/>
+                <a:ea typeface="현대하모니 L" panose="02020603020101020101" pitchFamily="18" charset="-127"/>
+              </a:endParaRPr>
+            </a:p>
+          </p:txBody>
+        </p:sp>
+        <p:sp>
+          <p:nvSpPr>
+            <p:cNvPr id="34" name="TextBox 33">
+              <a:extLst>
+                <a:ext uri="{FF2B5EF4-FFF2-40B4-BE49-F238E27FC236}">
+                  <a16:creationId xmlns:a16="http://schemas.microsoft.com/office/drawing/2014/main" id="{C849B5AE-E876-727A-7986-F78AF3686BD2}"/>
+                </a:ext>
+              </a:extLst>
+            </p:cNvPr>
+            <p:cNvSpPr txBox="1"/>
+            <p:nvPr/>
+          </p:nvSpPr>
+          <p:spPr>
+            <a:xfrm>
+              <a:off x="4917442" y="942240"/>
+              <a:ext cx="1608863" cy="230832"/>
+            </a:xfrm>
+            <a:prstGeom prst="rect">
+              <a:avLst/>
+            </a:prstGeom>
+            <a:noFill/>
+          </p:spPr>
+          <p:txBody>
+            <a:bodyPr wrap="square" rtlCol="0">
+              <a:spAutoFit/>
+            </a:bodyPr>
+            <a:lstStyle/>
+            <a:p>
+              <a:r>
+                <a:rPr lang="ko-KR" altLang="en-US" sz="900" dirty="0">
+                  <a:latin typeface="현대하모니 L" panose="02020603020101020101" pitchFamily="18" charset="-127"/>
+                  <a:ea typeface="현대하모니 L" panose="02020603020101020101" pitchFamily="18" charset="-127"/>
+                </a:rPr>
+                <a:t>패밀리리스트</a:t>
+              </a:r>
+              <a:r>
+                <a:rPr lang="en-US" altLang="ko-KR" sz="900" dirty="0">
+                  <a:latin typeface="현대하모니 L" panose="02020603020101020101" pitchFamily="18" charset="-127"/>
+                  <a:ea typeface="현대하모니 L" panose="02020603020101020101" pitchFamily="18" charset="-127"/>
+                </a:rPr>
+                <a:t>_</a:t>
+              </a:r>
+              <a:r>
+                <a:rPr lang="ko-KR" altLang="en-US" sz="900" dirty="0">
+                  <a:latin typeface="현대하모니 L" panose="02020603020101020101" pitchFamily="18" charset="-127"/>
+                  <a:ea typeface="현대하모니 L" panose="02020603020101020101" pitchFamily="18" charset="-127"/>
+                </a:rPr>
+                <a:t>표준</a:t>
+              </a:r>
+              <a:r>
+                <a:rPr lang="en-US" altLang="ko-KR" sz="900" dirty="0">
+                  <a:latin typeface="현대하모니 L" panose="02020603020101020101" pitchFamily="18" charset="-127"/>
+                  <a:ea typeface="현대하모니 L" panose="02020603020101020101" pitchFamily="18" charset="-127"/>
+                </a:rPr>
+                <a:t>_</a:t>
+              </a:r>
+              <a:r>
+                <a:rPr lang="ko-KR" altLang="en-US" sz="900" dirty="0">
+                  <a:latin typeface="현대하모니 L" panose="02020603020101020101" pitchFamily="18" charset="-127"/>
+                  <a:ea typeface="현대하모니 L" panose="02020603020101020101" pitchFamily="18" charset="-127"/>
+                </a:rPr>
+                <a:t>구성도</a:t>
+              </a:r>
+              <a:endParaRPr lang="en-US" altLang="ko-KR" sz="900" dirty="0">
+                <a:latin typeface="현대하모니 L" panose="02020603020101020101" pitchFamily="18" charset="-127"/>
+                <a:ea typeface="현대하모니 L" panose="02020603020101020101" pitchFamily="18" charset="-127"/>
+              </a:endParaRPr>
+            </a:p>
+          </p:txBody>
+        </p:sp>
+        <p:sp>
+          <p:nvSpPr>
+            <p:cNvPr id="35" name="TextBox 34">
+              <a:extLst>
+                <a:ext uri="{FF2B5EF4-FFF2-40B4-BE49-F238E27FC236}">
+                  <a16:creationId xmlns:a16="http://schemas.microsoft.com/office/drawing/2014/main" id="{9C9FF0C2-0DA4-0471-FB35-268435B3D73E}"/>
+                </a:ext>
+              </a:extLst>
+            </p:cNvPr>
+            <p:cNvSpPr txBox="1"/>
+            <p:nvPr/>
+          </p:nvSpPr>
+          <p:spPr>
+            <a:xfrm>
+              <a:off x="7051042" y="942240"/>
+              <a:ext cx="1608863" cy="230832"/>
+            </a:xfrm>
+            <a:prstGeom prst="rect">
+              <a:avLst/>
+            </a:prstGeom>
+            <a:noFill/>
+          </p:spPr>
+          <p:txBody>
+            <a:bodyPr wrap="square" rtlCol="0">
+              <a:spAutoFit/>
+            </a:bodyPr>
+            <a:lstStyle/>
+            <a:p>
+              <a:r>
+                <a:rPr lang="ko-KR" altLang="en-US" sz="900" dirty="0">
+                  <a:latin typeface="현대하모니 L" panose="02020603020101020101" pitchFamily="18" charset="-127"/>
+                  <a:ea typeface="현대하모니 L" panose="02020603020101020101" pitchFamily="18" charset="-127"/>
+                </a:rPr>
+                <a:t>패밀리리스트</a:t>
+              </a:r>
+              <a:r>
+                <a:rPr lang="en-US" altLang="ko-KR" sz="900" dirty="0">
+                  <a:latin typeface="현대하모니 L" panose="02020603020101020101" pitchFamily="18" charset="-127"/>
+                  <a:ea typeface="현대하모니 L" panose="02020603020101020101" pitchFamily="18" charset="-127"/>
+                </a:rPr>
+                <a:t>_</a:t>
+              </a:r>
+              <a:r>
+                <a:rPr lang="ko-KR" altLang="en-US" sz="900" dirty="0">
+                  <a:latin typeface="현대하모니 L" panose="02020603020101020101" pitchFamily="18" charset="-127"/>
+                  <a:ea typeface="현대하모니 L" panose="02020603020101020101" pitchFamily="18" charset="-127"/>
+                </a:rPr>
+                <a:t>카테고리별 시트</a:t>
+              </a:r>
+              <a:endParaRPr lang="en-US" altLang="ko-KR" sz="900" dirty="0">
+                <a:latin typeface="현대하모니 L" panose="02020603020101020101" pitchFamily="18" charset="-127"/>
+                <a:ea typeface="현대하모니 L" panose="02020603020101020101" pitchFamily="18" charset="-127"/>
+              </a:endParaRPr>
+            </a:p>
+          </p:txBody>
+        </p:sp>
+        <p:sp>
+          <p:nvSpPr>
+            <p:cNvPr id="36" name="직사각형 35">
+              <a:extLst>
+                <a:ext uri="{FF2B5EF4-FFF2-40B4-BE49-F238E27FC236}">
+                  <a16:creationId xmlns:a16="http://schemas.microsoft.com/office/drawing/2014/main" id="{5B53375A-4095-93B4-1AA9-DF333073153A}"/>
+                </a:ext>
+              </a:extLst>
+            </p:cNvPr>
+            <p:cNvSpPr/>
+            <p:nvPr/>
+          </p:nvSpPr>
+          <p:spPr>
+            <a:xfrm>
+              <a:off x="358589" y="843803"/>
+              <a:ext cx="8442512" cy="412376"/>
+            </a:xfrm>
+            <a:prstGeom prst="rect">
+              <a:avLst/>
+            </a:prstGeom>
+            <a:solidFill>
+              <a:schemeClr val="tx1">
+                <a:lumMod val="50000"/>
+                <a:lumOff val="50000"/>
+                <a:alpha val="28000"/>
+              </a:schemeClr>
+            </a:solidFill>
+            <a:ln>
+              <a:noFill/>
+            </a:ln>
+          </p:spPr>
+          <p:style>
+            <a:lnRef idx="2">
+              <a:schemeClr val="accent1">
+                <a:shade val="15000"/>
+              </a:schemeClr>
+            </a:lnRef>
+            <a:fillRef idx="1">
+              <a:schemeClr val="accent1"/>
+            </a:fillRef>
+            <a:effectRef idx="0">
+              <a:schemeClr val="accent1"/>
+            </a:effectRef>
+            <a:fontRef idx="minor">
+              <a:schemeClr val="lt1"/>
+            </a:fontRef>
+          </p:style>
+          <p:txBody>
+            <a:bodyPr rtlCol="0" anchor="ctr"/>
+            <a:lstStyle/>
+            <a:p>
+              <a:pPr algn="ctr"/>
+              <a:endParaRPr lang="ko-KR" altLang="en-US" dirty="0"/>
+            </a:p>
+          </p:txBody>
+        </p:sp>
+      </p:grpSp>
+      <p:sp>
+        <p:nvSpPr>
+          <p:cNvPr id="39" name="직사각형 38">
+            <a:extLst>
+              <a:ext uri="{FF2B5EF4-FFF2-40B4-BE49-F238E27FC236}">
+                <a16:creationId xmlns:a16="http://schemas.microsoft.com/office/drawing/2014/main" id="{EB9DC302-2579-E01B-D3F2-EEE552D469DF}"/>
+              </a:ext>
+            </a:extLst>
+          </p:cNvPr>
+          <p:cNvSpPr/>
+          <p:nvPr/>
+        </p:nvSpPr>
+        <p:spPr>
+          <a:xfrm>
+            <a:off x="1320132" y="233484"/>
+            <a:ext cx="2956259" cy="369332"/>
+          </a:xfrm>
+          <a:prstGeom prst="rect">
+            <a:avLst/>
+          </a:prstGeom>
+        </p:spPr>
+        <p:txBody>
+          <a:bodyPr wrap="none">
+            <a:spAutoFit/>
+          </a:bodyPr>
+          <a:lstStyle/>
+          <a:p>
+            <a:pPr defTabSz="900086" eaLnBrk="0" latinLnBrk="0" hangingPunct="0">
+              <a:defRPr/>
+            </a:pPr>
+            <a:r>
+              <a:rPr lang="en-US" altLang="ko-KR" sz="1800" b="1" dirty="0">
+                <a:ln>
+                  <a:solidFill>
+                    <a:srgbClr val="4F81BD">
+                      <a:alpha val="0"/>
+                    </a:srgbClr>
+                  </a:solidFill>
+                </a:ln>
+                <a:latin typeface="현대하모니 M" panose="02020603020101020101" pitchFamily="18" charset="-127"/>
+                <a:ea typeface="현대하모니 M" panose="02020603020101020101" pitchFamily="18" charset="-127"/>
+              </a:rPr>
+              <a:t>Ⅴ. </a:t>
+            </a:r>
+            <a:r>
+              <a:rPr lang="ko-KR" altLang="en-US" sz="1800" b="1" dirty="0">
+                <a:ln>
+                  <a:solidFill>
+                    <a:srgbClr val="4F81BD">
+                      <a:alpha val="0"/>
+                    </a:srgbClr>
+                  </a:solidFill>
+                </a:ln>
+                <a:latin typeface="현대하모니 M" panose="02020603020101020101" pitchFamily="18" charset="-127"/>
+                <a:ea typeface="현대하모니 M" panose="02020603020101020101" pitchFamily="18" charset="-127"/>
+              </a:rPr>
+              <a:t>패밀리리스트 작성 및 검토</a:t>
+            </a:r>
+          </a:p>
+        </p:txBody>
+      </p:sp>
+    </p:spTree>
+    <p:extLst>
+      <p:ext uri="{BB962C8B-B14F-4D97-AF65-F5344CB8AC3E}">
+        <p14:creationId xmlns:p14="http://schemas.microsoft.com/office/powerpoint/2010/main" val="2299089576"/>
+      </p:ext>
+    </p:extLst>
+  </p:cSld>
+  <p:clrMapOvr>
+    <a:masterClrMapping/>
+  </p:clrMapOvr>
+</p:sld>
+</file>
+
+<file path=ppt/slides/slide31.xml><?xml version="1.0" encoding="utf-8"?>
+<p:sld xmlns:a="http://schemas.openxmlformats.org/drawingml/2006/main" xmlns:r="http://schemas.openxmlformats.org/officeDocument/2006/relationships" xmlns:p="http://schemas.openxmlformats.org/presentationml/2006/main">
+  <p:cSld>
+    <p:spTree>
+      <p:nvGrpSpPr>
+        <p:cNvPr id="1" name=""/>
+        <p:cNvGrpSpPr/>
+        <p:nvPr/>
+      </p:nvGrpSpPr>
+      <p:grpSpPr>
+        <a:xfrm>
+          <a:off x="0" y="0"/>
+          <a:ext cx="0" cy="0"/>
+          <a:chOff x="0" y="0"/>
+          <a:chExt cx="0" cy="0"/>
+        </a:xfrm>
+      </p:grpSpPr>
+      <p:sp>
+        <p:nvSpPr>
+          <p:cNvPr id="3" name="Rectangle 14">
+            <a:extLst>
+              <a:ext uri="{FF2B5EF4-FFF2-40B4-BE49-F238E27FC236}">
+                <a16:creationId xmlns:a16="http://schemas.microsoft.com/office/drawing/2014/main" id="{64BD2BCE-F294-BEE2-E0EE-059A4D58C2C9}"/>
+              </a:ext>
+            </a:extLst>
+          </p:cNvPr>
+          <p:cNvSpPr>
+            <a:spLocks noChangeArrowheads="1"/>
+          </p:cNvSpPr>
+          <p:nvPr/>
+        </p:nvSpPr>
+        <p:spPr bwMode="auto">
+          <a:xfrm>
+            <a:off x="9221619" y="266582"/>
+            <a:ext cx="1436292" cy="246221"/>
+          </a:xfrm>
+          <a:prstGeom prst="rect">
+            <a:avLst/>
+          </a:prstGeom>
+          <a:noFill/>
+          <a:ln w="12700">
+            <a:noFill/>
+            <a:miter lim="800000"/>
+            <a:headEnd/>
+            <a:tailEnd/>
+          </a:ln>
+        </p:spPr>
+        <p:txBody>
+          <a:bodyPr wrap="none" lIns="0" tIns="0" rIns="0" bIns="0" anchor="ctr">
+            <a:spAutoFit/>
+          </a:bodyPr>
+          <a:lstStyle/>
+          <a:p>
+            <a:pPr defTabSz="900086" eaLnBrk="0" latinLnBrk="0" hangingPunct="0">
+              <a:spcBef>
+                <a:spcPct val="0"/>
+              </a:spcBef>
+              <a:spcAft>
+                <a:spcPct val="0"/>
+              </a:spcAft>
+              <a:defRPr/>
+            </a:pPr>
+            <a:r>
+              <a:rPr kumimoji="1" lang="ko-KR" altLang="en-US" sz="1600">
+                <a:ln>
+                  <a:solidFill>
+                    <a:srgbClr val="4F81BD">
+                      <a:alpha val="0"/>
+                    </a:srgbClr>
+                  </a:solidFill>
+                </a:ln>
+                <a:solidFill>
+                  <a:schemeClr val="tx1">
+                    <a:lumMod val="65000"/>
+                    <a:lumOff val="35000"/>
+                  </a:schemeClr>
+                </a:solidFill>
+                <a:latin typeface="현대하모니 M" panose="02020603020101020101" pitchFamily="18" charset="-127"/>
+                <a:ea typeface="현대하모니 M" panose="02020603020101020101" pitchFamily="18" charset="-127"/>
+              </a:rPr>
+              <a:t>플랜트건축설계팀</a:t>
+            </a:r>
+            <a:endParaRPr kumimoji="1" lang="ko-KR" altLang="en-US" sz="1600" dirty="0">
+              <a:ln>
+                <a:solidFill>
+                  <a:srgbClr val="4F81BD">
+                    <a:alpha val="0"/>
+                  </a:srgbClr>
+                </a:solidFill>
+              </a:ln>
+              <a:solidFill>
+                <a:schemeClr val="tx1">
+                  <a:lumMod val="65000"/>
+                  <a:lumOff val="35000"/>
+                </a:schemeClr>
+              </a:solidFill>
+              <a:latin typeface="현대하모니 M" panose="02020603020101020101" pitchFamily="18" charset="-127"/>
+              <a:ea typeface="현대하모니 M" panose="02020603020101020101" pitchFamily="18" charset="-127"/>
+            </a:endParaRPr>
+          </a:p>
+        </p:txBody>
+      </p:sp>
+      <p:sp>
+        <p:nvSpPr>
+          <p:cNvPr id="4" name="직사각형 3">
+            <a:extLst>
+              <a:ext uri="{FF2B5EF4-FFF2-40B4-BE49-F238E27FC236}">
+                <a16:creationId xmlns:a16="http://schemas.microsoft.com/office/drawing/2014/main" id="{73B1D632-6DFB-0F83-3712-AFC68D2CE58D}"/>
+              </a:ext>
+            </a:extLst>
+          </p:cNvPr>
+          <p:cNvSpPr/>
+          <p:nvPr/>
+        </p:nvSpPr>
+        <p:spPr>
+          <a:xfrm>
+            <a:off x="1320132" y="233484"/>
+            <a:ext cx="2956259" cy="369332"/>
+          </a:xfrm>
+          <a:prstGeom prst="rect">
+            <a:avLst/>
+          </a:prstGeom>
+        </p:spPr>
+        <p:txBody>
+          <a:bodyPr wrap="none">
+            <a:spAutoFit/>
+          </a:bodyPr>
+          <a:lstStyle/>
+          <a:p>
+            <a:pPr defTabSz="900086" eaLnBrk="0" latinLnBrk="0" hangingPunct="0">
+              <a:defRPr/>
+            </a:pPr>
+            <a:r>
+              <a:rPr lang="en-US" altLang="ko-KR" sz="1800" b="1" dirty="0">
+                <a:ln>
+                  <a:solidFill>
+                    <a:srgbClr val="4F81BD">
+                      <a:alpha val="0"/>
+                    </a:srgbClr>
+                  </a:solidFill>
+                </a:ln>
+                <a:latin typeface="현대하모니 M" panose="02020603020101020101" pitchFamily="18" charset="-127"/>
+                <a:ea typeface="현대하모니 M" panose="02020603020101020101" pitchFamily="18" charset="-127"/>
+              </a:rPr>
+              <a:t>Ⅴ. </a:t>
+            </a:r>
+            <a:r>
+              <a:rPr lang="ko-KR" altLang="en-US" sz="1800" b="1" dirty="0">
+                <a:ln>
+                  <a:solidFill>
+                    <a:srgbClr val="4F81BD">
+                      <a:alpha val="0"/>
+                    </a:srgbClr>
+                  </a:solidFill>
+                </a:ln>
+                <a:latin typeface="현대하모니 M" panose="02020603020101020101" pitchFamily="18" charset="-127"/>
+                <a:ea typeface="현대하모니 M" panose="02020603020101020101" pitchFamily="18" charset="-127"/>
+              </a:rPr>
+              <a:t>패밀리리스트 작성 및 검토</a:t>
+            </a:r>
+          </a:p>
+        </p:txBody>
+      </p:sp>
+      <p:graphicFrame>
+        <p:nvGraphicFramePr>
+          <p:cNvPr id="2" name="표 1">
+            <a:extLst>
+              <a:ext uri="{FF2B5EF4-FFF2-40B4-BE49-F238E27FC236}">
+                <a16:creationId xmlns:a16="http://schemas.microsoft.com/office/drawing/2014/main" id="{12C6BB6F-C2BB-4D18-F9CD-9089F0345321}"/>
+              </a:ext>
+            </a:extLst>
+          </p:cNvPr>
+          <p:cNvGraphicFramePr>
+            <a:graphicFrameLocks noGrp="1"/>
+          </p:cNvGraphicFramePr>
+          <p:nvPr>
+            <p:extLst>
+              <p:ext uri="{D42A27DB-BD31-4B8C-83A1-F6EECF244321}">
+                <p14:modId xmlns:p14="http://schemas.microsoft.com/office/powerpoint/2010/main" val="2203850182"/>
+              </p:ext>
+            </p:extLst>
+          </p:nvPr>
+        </p:nvGraphicFramePr>
+        <p:xfrm>
+          <a:off x="623361" y="1512496"/>
+          <a:ext cx="2326028" cy="4351347"/>
+        </p:xfrm>
+        <a:graphic>
+          <a:graphicData uri="http://schemas.openxmlformats.org/drawingml/2006/table">
+            <a:tbl>
+              <a:tblPr>
+                <a:tableStyleId>{2D5ABB26-0587-4C30-8999-92F81FD0307C}</a:tableStyleId>
+              </a:tblPr>
+              <a:tblGrid>
+                <a:gridCol w="2326028">
+                  <a:extLst>
+                    <a:ext uri="{9D8B030D-6E8A-4147-A177-3AD203B41FA5}">
+                      <a16:colId xmlns:a16="http://schemas.microsoft.com/office/drawing/2014/main" val="572641504"/>
+                    </a:ext>
+                  </a:extLst>
+                </a:gridCol>
+              </a:tblGrid>
+              <a:tr h="207207">
+                <a:tc>
+                  <a:txBody>
+                    <a:bodyPr/>
+                    <a:lstStyle/>
+                    <a:p>
+                      <a:pPr algn="l" fontAlgn="ctr"/>
+                      <a:r>
+                        <a:rPr lang="en-US" sz="1100" b="1" u="none" strike="noStrike" dirty="0">
+                          <a:solidFill>
+                            <a:srgbClr val="000000"/>
+                          </a:solidFill>
+                          <a:effectLst/>
+                        </a:rPr>
+                        <a:t>Floors</a:t>
+                      </a:r>
+                      <a:endParaRPr lang="en-US" sz="1100" b="1" i="0" u="none" strike="noStrike" dirty="0">
+                        <a:solidFill>
+                          <a:srgbClr val="000000"/>
+                        </a:solidFill>
+                        <a:effectLst/>
+                        <a:latin typeface="Arial Narrow" panose="020B0606020202030204" pitchFamily="34" charset="0"/>
+                        <a:ea typeface="맑은 고딕" panose="020B0503020000020004" pitchFamily="50" charset="-127"/>
+                      </a:endParaRPr>
+                    </a:p>
+                  </a:txBody>
+                  <a:tcPr marL="0" marR="0" marT="0" marB="0" anchor="ctr"/>
+                </a:tc>
+                <a:extLst>
+                  <a:ext uri="{0D108BD9-81ED-4DB2-BD59-A6C34878D82A}">
+                    <a16:rowId xmlns:a16="http://schemas.microsoft.com/office/drawing/2014/main" val="3126790413"/>
+                  </a:ext>
+                </a:extLst>
+              </a:tr>
+              <a:tr h="207207">
+                <a:tc>
+                  <a:txBody>
+                    <a:bodyPr/>
+                    <a:lstStyle/>
+                    <a:p>
+                      <a:pPr algn="l" fontAlgn="ctr"/>
+                      <a:r>
+                        <a:rPr lang="en-US" sz="1100" b="1" u="none" strike="noStrike">
+                          <a:solidFill>
+                            <a:srgbClr val="000000"/>
+                          </a:solidFill>
+                          <a:effectLst/>
+                        </a:rPr>
+                        <a:t>□ Concrete Slab</a:t>
+                      </a:r>
+                      <a:endParaRPr lang="en-US" sz="1100" b="1" i="0" u="none" strike="noStrike">
+                        <a:solidFill>
+                          <a:srgbClr val="000000"/>
+                        </a:solidFill>
+                        <a:effectLst/>
+                        <a:latin typeface="Arial Narrow" panose="020B0606020202030204" pitchFamily="34" charset="0"/>
+                        <a:ea typeface="맑은 고딕" panose="020B0503020000020004" pitchFamily="50" charset="-127"/>
+                      </a:endParaRPr>
+                    </a:p>
+                  </a:txBody>
+                  <a:tcPr marL="0" marR="0" marT="0" marB="0" anchor="ctr"/>
+                </a:tc>
+                <a:extLst>
+                  <a:ext uri="{0D108BD9-81ED-4DB2-BD59-A6C34878D82A}">
+                    <a16:rowId xmlns:a16="http://schemas.microsoft.com/office/drawing/2014/main" val="378798131"/>
+                  </a:ext>
+                </a:extLst>
+              </a:tr>
+              <a:tr h="207207">
+                <a:tc>
+                  <a:txBody>
+                    <a:bodyPr/>
+                    <a:lstStyle/>
+                    <a:p>
+                      <a:pPr algn="l" fontAlgn="ctr"/>
+                      <a:r>
+                        <a:rPr lang="en-US" sz="1100" b="1" u="none" strike="noStrike" dirty="0">
+                          <a:solidFill>
+                            <a:srgbClr val="0000FF"/>
+                          </a:solidFill>
+                          <a:effectLst/>
+                        </a:rPr>
+                        <a:t>▶ Concrete Slab</a:t>
+                      </a:r>
+                      <a:endParaRPr lang="en-US" sz="1100" b="1" i="0" u="none" strike="noStrike" dirty="0">
+                        <a:solidFill>
+                          <a:srgbClr val="0000FF"/>
+                        </a:solidFill>
+                        <a:effectLst/>
+                        <a:latin typeface="Arial Narrow" panose="020B0606020202030204" pitchFamily="34" charset="0"/>
+                        <a:ea typeface="맑은 고딕" panose="020B0503020000020004" pitchFamily="50" charset="-127"/>
+                      </a:endParaRPr>
+                    </a:p>
+                  </a:txBody>
+                  <a:tcPr marL="141277" marR="0" marT="0" marB="0" anchor="ctr"/>
+                </a:tc>
+                <a:extLst>
+                  <a:ext uri="{0D108BD9-81ED-4DB2-BD59-A6C34878D82A}">
+                    <a16:rowId xmlns:a16="http://schemas.microsoft.com/office/drawing/2014/main" val="4272040939"/>
+                  </a:ext>
+                </a:extLst>
+              </a:tr>
+              <a:tr h="207207">
+                <a:tc>
+                  <a:txBody>
+                    <a:bodyPr/>
+                    <a:lstStyle/>
+                    <a:p>
+                      <a:pPr algn="l" fontAlgn="ctr"/>
+                      <a:endParaRPr lang="pt-BR" sz="1100" b="0" i="0" u="none" strike="noStrike" dirty="0">
+                        <a:solidFill>
+                          <a:srgbClr val="000000"/>
+                        </a:solidFill>
+                        <a:effectLst/>
+                        <a:latin typeface="Arial Narrow" panose="020B0606020202030204" pitchFamily="34" charset="0"/>
+                        <a:ea typeface="맑은 고딕" panose="020B0503020000020004" pitchFamily="50" charset="-127"/>
+                      </a:endParaRPr>
+                    </a:p>
+                  </a:txBody>
+                  <a:tcPr marL="282554" marR="0" marT="0" marB="0" anchor="ctr"/>
+                </a:tc>
+                <a:extLst>
+                  <a:ext uri="{0D108BD9-81ED-4DB2-BD59-A6C34878D82A}">
+                    <a16:rowId xmlns:a16="http://schemas.microsoft.com/office/drawing/2014/main" val="4281624656"/>
+                  </a:ext>
+                </a:extLst>
+              </a:tr>
+              <a:tr h="207207">
+                <a:tc>
+                  <a:txBody>
+                    <a:bodyPr/>
+                    <a:lstStyle/>
+                    <a:p>
+                      <a:pPr algn="l" fontAlgn="ctr"/>
+                      <a:r>
+                        <a:rPr lang="ko-KR" altLang="en-US" sz="1100" b="0" u="none" strike="noStrike">
+                          <a:solidFill>
+                            <a:srgbClr val="000000"/>
+                          </a:solidFill>
+                          <a:effectLst/>
+                        </a:rPr>
+                        <a:t>　</a:t>
+                      </a:r>
+                      <a:endParaRPr lang="ko-KR" altLang="en-US" sz="1100" b="0" i="0" u="none" strike="noStrike">
+                        <a:solidFill>
+                          <a:srgbClr val="000000"/>
+                        </a:solidFill>
+                        <a:effectLst/>
+                        <a:latin typeface="Arial Narrow" panose="020B0606020202030204" pitchFamily="34" charset="0"/>
+                        <a:ea typeface="맑은 고딕" panose="020B0503020000020004" pitchFamily="50" charset="-127"/>
+                      </a:endParaRPr>
+                    </a:p>
+                  </a:txBody>
+                  <a:tcPr marL="0" marR="0" marT="0" marB="0" anchor="ctr"/>
+                </a:tc>
+                <a:extLst>
+                  <a:ext uri="{0D108BD9-81ED-4DB2-BD59-A6C34878D82A}">
+                    <a16:rowId xmlns:a16="http://schemas.microsoft.com/office/drawing/2014/main" val="771899495"/>
+                  </a:ext>
+                </a:extLst>
+              </a:tr>
+              <a:tr h="207207">
+                <a:tc>
+                  <a:txBody>
+                    <a:bodyPr/>
+                    <a:lstStyle/>
+                    <a:p>
+                      <a:pPr algn="l" fontAlgn="ctr"/>
+                      <a:r>
+                        <a:rPr lang="en-US" sz="1100" b="1" u="none" strike="noStrike" dirty="0">
+                          <a:solidFill>
+                            <a:srgbClr val="0000FF"/>
+                          </a:solidFill>
+                          <a:effectLst/>
+                        </a:rPr>
+                        <a:t>▶ Roof Concrete Slab</a:t>
+                      </a:r>
+                      <a:endParaRPr lang="en-US" sz="1100" b="1" i="0" u="none" strike="noStrike" dirty="0">
+                        <a:solidFill>
+                          <a:srgbClr val="0000FF"/>
+                        </a:solidFill>
+                        <a:effectLst/>
+                        <a:latin typeface="Arial Narrow" panose="020B0606020202030204" pitchFamily="34" charset="0"/>
+                        <a:ea typeface="맑은 고딕" panose="020B0503020000020004" pitchFamily="50" charset="-127"/>
+                      </a:endParaRPr>
+                    </a:p>
+                  </a:txBody>
+                  <a:tcPr marL="141277" marR="0" marT="0" marB="0" anchor="ctr"/>
+                </a:tc>
+                <a:extLst>
+                  <a:ext uri="{0D108BD9-81ED-4DB2-BD59-A6C34878D82A}">
+                    <a16:rowId xmlns:a16="http://schemas.microsoft.com/office/drawing/2014/main" val="1542653191"/>
+                  </a:ext>
+                </a:extLst>
+              </a:tr>
+              <a:tr h="207207">
+                <a:tc>
+                  <a:txBody>
+                    <a:bodyPr/>
+                    <a:lstStyle/>
+                    <a:p>
+                      <a:pPr algn="l" fontAlgn="ctr"/>
+                      <a:endParaRPr lang="pt-BR" sz="1100" b="0" i="0" u="none" strike="noStrike" dirty="0">
+                        <a:solidFill>
+                          <a:srgbClr val="000000"/>
+                        </a:solidFill>
+                        <a:effectLst/>
+                        <a:latin typeface="Arial Narrow" panose="020B0606020202030204" pitchFamily="34" charset="0"/>
+                        <a:ea typeface="맑은 고딕" panose="020B0503020000020004" pitchFamily="50" charset="-127"/>
+                      </a:endParaRPr>
+                    </a:p>
+                  </a:txBody>
+                  <a:tcPr marL="282554" marR="0" marT="0" marB="0" anchor="ctr"/>
+                </a:tc>
+                <a:extLst>
+                  <a:ext uri="{0D108BD9-81ED-4DB2-BD59-A6C34878D82A}">
+                    <a16:rowId xmlns:a16="http://schemas.microsoft.com/office/drawing/2014/main" val="2009262577"/>
+                  </a:ext>
+                </a:extLst>
+              </a:tr>
+              <a:tr h="207207">
+                <a:tc>
+                  <a:txBody>
+                    <a:bodyPr/>
+                    <a:lstStyle/>
+                    <a:p>
+                      <a:pPr algn="l" fontAlgn="ctr"/>
+                      <a:r>
+                        <a:rPr lang="ko-KR" altLang="en-US" sz="1100" b="0" u="none" strike="noStrike">
+                          <a:solidFill>
+                            <a:srgbClr val="000000"/>
+                          </a:solidFill>
+                          <a:effectLst/>
+                        </a:rPr>
+                        <a:t>　</a:t>
+                      </a:r>
+                      <a:endParaRPr lang="ko-KR" altLang="en-US" sz="1100" b="0" i="0" u="none" strike="noStrike">
+                        <a:solidFill>
+                          <a:srgbClr val="000000"/>
+                        </a:solidFill>
+                        <a:effectLst/>
+                        <a:latin typeface="Arial Narrow" panose="020B0606020202030204" pitchFamily="34" charset="0"/>
+                        <a:ea typeface="맑은 고딕" panose="020B0503020000020004" pitchFamily="50" charset="-127"/>
+                      </a:endParaRPr>
+                    </a:p>
+                  </a:txBody>
+                  <a:tcPr marL="0" marR="0" marT="0" marB="0" anchor="ctr"/>
+                </a:tc>
+                <a:extLst>
+                  <a:ext uri="{0D108BD9-81ED-4DB2-BD59-A6C34878D82A}">
+                    <a16:rowId xmlns:a16="http://schemas.microsoft.com/office/drawing/2014/main" val="1060518172"/>
+                  </a:ext>
+                </a:extLst>
+              </a:tr>
+              <a:tr h="207207">
+                <a:tc>
+                  <a:txBody>
+                    <a:bodyPr/>
+                    <a:lstStyle/>
+                    <a:p>
+                      <a:pPr algn="l" fontAlgn="ctr"/>
+                      <a:r>
+                        <a:rPr lang="en-US" sz="1100" b="1" u="none" strike="noStrike">
+                          <a:solidFill>
+                            <a:srgbClr val="0000FF"/>
+                          </a:solidFill>
+                          <a:effectLst/>
+                        </a:rPr>
+                        <a:t>▶ Pit, Trench Slab</a:t>
+                      </a:r>
+                      <a:endParaRPr lang="en-US" sz="1100" b="1" i="0" u="none" strike="noStrike">
+                        <a:solidFill>
+                          <a:srgbClr val="0000FF"/>
+                        </a:solidFill>
+                        <a:effectLst/>
+                        <a:latin typeface="Arial Narrow" panose="020B0606020202030204" pitchFamily="34" charset="0"/>
+                        <a:ea typeface="맑은 고딕" panose="020B0503020000020004" pitchFamily="50" charset="-127"/>
+                      </a:endParaRPr>
+                    </a:p>
+                  </a:txBody>
+                  <a:tcPr marL="141277" marR="0" marT="0" marB="0" anchor="ctr"/>
+                </a:tc>
+                <a:extLst>
+                  <a:ext uri="{0D108BD9-81ED-4DB2-BD59-A6C34878D82A}">
+                    <a16:rowId xmlns:a16="http://schemas.microsoft.com/office/drawing/2014/main" val="486717415"/>
+                  </a:ext>
+                </a:extLst>
+              </a:tr>
+              <a:tr h="207207">
+                <a:tc>
+                  <a:txBody>
+                    <a:bodyPr/>
+                    <a:lstStyle/>
+                    <a:p>
+                      <a:pPr algn="l" fontAlgn="ctr"/>
+                      <a:endParaRPr lang="pt-BR" sz="1100" b="0" i="0" u="none" strike="noStrike">
+                        <a:solidFill>
+                          <a:srgbClr val="000000"/>
+                        </a:solidFill>
+                        <a:effectLst/>
+                        <a:latin typeface="Arial Narrow" panose="020B0606020202030204" pitchFamily="34" charset="0"/>
+                        <a:ea typeface="맑은 고딕" panose="020B0503020000020004" pitchFamily="50" charset="-127"/>
+                      </a:endParaRPr>
+                    </a:p>
+                  </a:txBody>
+                  <a:tcPr marL="282554" marR="0" marT="0" marB="0" anchor="ctr"/>
+                </a:tc>
+                <a:extLst>
+                  <a:ext uri="{0D108BD9-81ED-4DB2-BD59-A6C34878D82A}">
+                    <a16:rowId xmlns:a16="http://schemas.microsoft.com/office/drawing/2014/main" val="840401598"/>
+                  </a:ext>
+                </a:extLst>
+              </a:tr>
+              <a:tr h="207207">
+                <a:tc>
+                  <a:txBody>
+                    <a:bodyPr/>
+                    <a:lstStyle/>
+                    <a:p>
+                      <a:pPr algn="l" fontAlgn="ctr"/>
+                      <a:endParaRPr lang="pt-BR" sz="1100" b="0" i="0" u="none" strike="noStrike" dirty="0">
+                        <a:solidFill>
+                          <a:srgbClr val="000000"/>
+                        </a:solidFill>
+                        <a:effectLst/>
+                        <a:latin typeface="Arial Narrow" panose="020B0606020202030204" pitchFamily="34" charset="0"/>
+                        <a:ea typeface="맑은 고딕" panose="020B0503020000020004" pitchFamily="50" charset="-127"/>
+                      </a:endParaRPr>
+                    </a:p>
+                  </a:txBody>
+                  <a:tcPr marL="282554" marR="0" marT="0" marB="0" anchor="ctr"/>
+                </a:tc>
+                <a:extLst>
+                  <a:ext uri="{0D108BD9-81ED-4DB2-BD59-A6C34878D82A}">
+                    <a16:rowId xmlns:a16="http://schemas.microsoft.com/office/drawing/2014/main" val="1395613022"/>
+                  </a:ext>
+                </a:extLst>
+              </a:tr>
+              <a:tr h="207207">
+                <a:tc>
+                  <a:txBody>
+                    <a:bodyPr/>
+                    <a:lstStyle/>
+                    <a:p>
+                      <a:pPr algn="l" fontAlgn="ctr"/>
+                      <a:r>
+                        <a:rPr lang="ko-KR" altLang="en-US" sz="1100" b="0" u="none" strike="noStrike">
+                          <a:solidFill>
+                            <a:srgbClr val="000000"/>
+                          </a:solidFill>
+                          <a:effectLst/>
+                        </a:rPr>
+                        <a:t>　</a:t>
+                      </a:r>
+                      <a:endParaRPr lang="ko-KR" altLang="en-US" sz="1100" b="0" i="0" u="none" strike="noStrike">
+                        <a:solidFill>
+                          <a:srgbClr val="000000"/>
+                        </a:solidFill>
+                        <a:effectLst/>
+                        <a:latin typeface="Arial Narrow" panose="020B0606020202030204" pitchFamily="34" charset="0"/>
+                        <a:ea typeface="맑은 고딕" panose="020B0503020000020004" pitchFamily="50" charset="-127"/>
+                      </a:endParaRPr>
+                    </a:p>
+                  </a:txBody>
+                  <a:tcPr marL="0" marR="0" marT="0" marB="0" anchor="ctr"/>
+                </a:tc>
+                <a:extLst>
+                  <a:ext uri="{0D108BD9-81ED-4DB2-BD59-A6C34878D82A}">
+                    <a16:rowId xmlns:a16="http://schemas.microsoft.com/office/drawing/2014/main" val="1545778906"/>
+                  </a:ext>
+                </a:extLst>
+              </a:tr>
+              <a:tr h="207207">
+                <a:tc>
+                  <a:txBody>
+                    <a:bodyPr/>
+                    <a:lstStyle/>
+                    <a:p>
+                      <a:pPr algn="l" fontAlgn="ctr"/>
+                      <a:r>
+                        <a:rPr lang="en-US" sz="1100" b="1" u="none" strike="noStrike">
+                          <a:solidFill>
+                            <a:srgbClr val="0000FF"/>
+                          </a:solidFill>
+                          <a:effectLst/>
+                        </a:rPr>
+                        <a:t>▶ Turbine Top Deck Slab</a:t>
+                      </a:r>
+                      <a:endParaRPr lang="en-US" sz="1100" b="1" i="0" u="none" strike="noStrike">
+                        <a:solidFill>
+                          <a:srgbClr val="0000FF"/>
+                        </a:solidFill>
+                        <a:effectLst/>
+                        <a:latin typeface="Arial Narrow" panose="020B0606020202030204" pitchFamily="34" charset="0"/>
+                        <a:ea typeface="맑은 고딕" panose="020B0503020000020004" pitchFamily="50" charset="-127"/>
+                      </a:endParaRPr>
+                    </a:p>
+                  </a:txBody>
+                  <a:tcPr marL="141277" marR="0" marT="0" marB="0" anchor="ctr"/>
+                </a:tc>
+                <a:extLst>
+                  <a:ext uri="{0D108BD9-81ED-4DB2-BD59-A6C34878D82A}">
+                    <a16:rowId xmlns:a16="http://schemas.microsoft.com/office/drawing/2014/main" val="2857271619"/>
+                  </a:ext>
+                </a:extLst>
+              </a:tr>
+              <a:tr h="207207">
+                <a:tc>
+                  <a:txBody>
+                    <a:bodyPr/>
+                    <a:lstStyle/>
+                    <a:p>
+                      <a:pPr algn="l" fontAlgn="ctr"/>
+                      <a:endParaRPr lang="en-US" sz="1100" b="0" i="0" u="none" strike="noStrike" dirty="0">
+                        <a:solidFill>
+                          <a:srgbClr val="000000"/>
+                        </a:solidFill>
+                        <a:effectLst/>
+                        <a:latin typeface="Arial Narrow" panose="020B0606020202030204" pitchFamily="34" charset="0"/>
+                        <a:ea typeface="맑은 고딕" panose="020B0503020000020004" pitchFamily="50" charset="-127"/>
+                      </a:endParaRPr>
+                    </a:p>
+                  </a:txBody>
+                  <a:tcPr marL="282554" marR="0" marT="0" marB="0" anchor="ctr"/>
+                </a:tc>
+                <a:extLst>
+                  <a:ext uri="{0D108BD9-81ED-4DB2-BD59-A6C34878D82A}">
+                    <a16:rowId xmlns:a16="http://schemas.microsoft.com/office/drawing/2014/main" val="1179150846"/>
+                  </a:ext>
+                </a:extLst>
+              </a:tr>
+              <a:tr h="207207">
+                <a:tc>
+                  <a:txBody>
+                    <a:bodyPr/>
+                    <a:lstStyle/>
+                    <a:p>
+                      <a:pPr algn="l" fontAlgn="ctr"/>
+                      <a:r>
+                        <a:rPr lang="ko-KR" altLang="en-US" sz="1100" b="0" u="none" strike="noStrike">
+                          <a:solidFill>
+                            <a:srgbClr val="000000"/>
+                          </a:solidFill>
+                          <a:effectLst/>
+                        </a:rPr>
+                        <a:t>　</a:t>
+                      </a:r>
+                      <a:endParaRPr lang="ko-KR" altLang="en-US" sz="1100" b="0" i="0" u="none" strike="noStrike">
+                        <a:solidFill>
+                          <a:srgbClr val="000000"/>
+                        </a:solidFill>
+                        <a:effectLst/>
+                        <a:latin typeface="Arial Narrow" panose="020B0606020202030204" pitchFamily="34" charset="0"/>
+                        <a:ea typeface="맑은 고딕" panose="020B0503020000020004" pitchFamily="50" charset="-127"/>
+                      </a:endParaRPr>
+                    </a:p>
+                  </a:txBody>
+                  <a:tcPr marL="0" marR="0" marT="0" marB="0" anchor="ctr"/>
+                </a:tc>
+                <a:extLst>
+                  <a:ext uri="{0D108BD9-81ED-4DB2-BD59-A6C34878D82A}">
+                    <a16:rowId xmlns:a16="http://schemas.microsoft.com/office/drawing/2014/main" val="2251407365"/>
+                  </a:ext>
+                </a:extLst>
+              </a:tr>
+              <a:tr h="207207">
+                <a:tc>
+                  <a:txBody>
+                    <a:bodyPr/>
+                    <a:lstStyle/>
+                    <a:p>
+                      <a:pPr algn="l" fontAlgn="ctr"/>
+                      <a:r>
+                        <a:rPr lang="en-US" sz="1100" b="1" u="none" strike="noStrike" dirty="0">
+                          <a:solidFill>
+                            <a:srgbClr val="0000FF"/>
+                          </a:solidFill>
+                          <a:effectLst/>
+                        </a:rPr>
+                        <a:t>▶ Concrete Deck Slab</a:t>
+                      </a:r>
+                      <a:endParaRPr lang="en-US" sz="1100" b="1" i="0" u="none" strike="noStrike" dirty="0">
+                        <a:solidFill>
+                          <a:srgbClr val="0000FF"/>
+                        </a:solidFill>
+                        <a:effectLst/>
+                        <a:latin typeface="Arial Narrow" panose="020B0606020202030204" pitchFamily="34" charset="0"/>
+                        <a:ea typeface="맑은 고딕" panose="020B0503020000020004" pitchFamily="50" charset="-127"/>
+                      </a:endParaRPr>
+                    </a:p>
+                  </a:txBody>
+                  <a:tcPr marL="141277" marR="0" marT="0" marB="0" anchor="ctr"/>
+                </a:tc>
+                <a:extLst>
+                  <a:ext uri="{0D108BD9-81ED-4DB2-BD59-A6C34878D82A}">
+                    <a16:rowId xmlns:a16="http://schemas.microsoft.com/office/drawing/2014/main" val="2813835110"/>
+                  </a:ext>
+                </a:extLst>
+              </a:tr>
+              <a:tr h="207207">
+                <a:tc>
+                  <a:txBody>
+                    <a:bodyPr/>
+                    <a:lstStyle/>
+                    <a:p>
+                      <a:pPr algn="l" fontAlgn="ctr"/>
+                      <a:endParaRPr lang="pt-BR" sz="1100" b="0" i="0" u="none" strike="noStrike" dirty="0">
+                        <a:solidFill>
+                          <a:srgbClr val="000000"/>
+                        </a:solidFill>
+                        <a:effectLst/>
+                        <a:latin typeface="Arial Narrow" panose="020B0606020202030204" pitchFamily="34" charset="0"/>
+                        <a:ea typeface="맑은 고딕" panose="020B0503020000020004" pitchFamily="50" charset="-127"/>
+                      </a:endParaRPr>
+                    </a:p>
+                  </a:txBody>
+                  <a:tcPr marL="282554" marR="0" marT="0" marB="0" anchor="ctr"/>
+                </a:tc>
+                <a:extLst>
+                  <a:ext uri="{0D108BD9-81ED-4DB2-BD59-A6C34878D82A}">
+                    <a16:rowId xmlns:a16="http://schemas.microsoft.com/office/drawing/2014/main" val="1985281653"/>
+                  </a:ext>
+                </a:extLst>
+              </a:tr>
+              <a:tr h="207207">
+                <a:tc>
+                  <a:txBody>
+                    <a:bodyPr/>
+                    <a:lstStyle/>
+                    <a:p>
+                      <a:pPr algn="l" fontAlgn="ctr"/>
+                      <a:r>
+                        <a:rPr lang="ko-KR" altLang="en-US" sz="1100" b="0" u="none" strike="noStrike">
+                          <a:solidFill>
+                            <a:srgbClr val="000000"/>
+                          </a:solidFill>
+                          <a:effectLst/>
+                        </a:rPr>
+                        <a:t>　</a:t>
+                      </a:r>
+                      <a:endParaRPr lang="ko-KR" altLang="en-US" sz="1100" b="0" i="0" u="none" strike="noStrike">
+                        <a:solidFill>
+                          <a:srgbClr val="000000"/>
+                        </a:solidFill>
+                        <a:effectLst/>
+                        <a:latin typeface="Arial Narrow" panose="020B0606020202030204" pitchFamily="34" charset="0"/>
+                        <a:ea typeface="맑은 고딕" panose="020B0503020000020004" pitchFamily="50" charset="-127"/>
+                      </a:endParaRPr>
+                    </a:p>
+                  </a:txBody>
+                  <a:tcPr marL="0" marR="0" marT="0" marB="0" anchor="ctr"/>
+                </a:tc>
+                <a:extLst>
+                  <a:ext uri="{0D108BD9-81ED-4DB2-BD59-A6C34878D82A}">
+                    <a16:rowId xmlns:a16="http://schemas.microsoft.com/office/drawing/2014/main" val="3507643319"/>
+                  </a:ext>
+                </a:extLst>
+              </a:tr>
+              <a:tr h="207207">
+                <a:tc>
+                  <a:txBody>
+                    <a:bodyPr/>
+                    <a:lstStyle/>
+                    <a:p>
+                      <a:pPr algn="l" fontAlgn="ctr"/>
+                      <a:r>
+                        <a:rPr lang="en-US" sz="1100" b="1" u="none" strike="noStrike">
+                          <a:solidFill>
+                            <a:srgbClr val="0000FF"/>
+                          </a:solidFill>
+                          <a:effectLst/>
+                        </a:rPr>
+                        <a:t>▶ Roof Concrete Deck Slab</a:t>
+                      </a:r>
+                      <a:endParaRPr lang="en-US" sz="1100" b="1" i="0" u="none" strike="noStrike">
+                        <a:solidFill>
+                          <a:srgbClr val="0000FF"/>
+                        </a:solidFill>
+                        <a:effectLst/>
+                        <a:latin typeface="Arial Narrow" panose="020B0606020202030204" pitchFamily="34" charset="0"/>
+                        <a:ea typeface="맑은 고딕" panose="020B0503020000020004" pitchFamily="50" charset="-127"/>
+                      </a:endParaRPr>
+                    </a:p>
+                  </a:txBody>
+                  <a:tcPr marL="141277" marR="0" marT="0" marB="0" anchor="ctr"/>
+                </a:tc>
+                <a:extLst>
+                  <a:ext uri="{0D108BD9-81ED-4DB2-BD59-A6C34878D82A}">
+                    <a16:rowId xmlns:a16="http://schemas.microsoft.com/office/drawing/2014/main" val="2775564696"/>
+                  </a:ext>
+                </a:extLst>
+              </a:tr>
+              <a:tr h="207207">
+                <a:tc>
+                  <a:txBody>
+                    <a:bodyPr/>
+                    <a:lstStyle/>
+                    <a:p>
+                      <a:pPr algn="l" fontAlgn="ctr"/>
+                      <a:endParaRPr lang="en-US" sz="1100" b="0" i="0" u="none" strike="noStrike" dirty="0">
+                        <a:solidFill>
+                          <a:srgbClr val="000000"/>
+                        </a:solidFill>
+                        <a:effectLst/>
+                        <a:latin typeface="Arial Narrow" panose="020B0606020202030204" pitchFamily="34" charset="0"/>
+                        <a:ea typeface="맑은 고딕" panose="020B0503020000020004" pitchFamily="50" charset="-127"/>
+                      </a:endParaRPr>
+                    </a:p>
+                  </a:txBody>
+                  <a:tcPr marL="282554" marR="0" marT="0" marB="0" anchor="ctr"/>
+                </a:tc>
+                <a:extLst>
+                  <a:ext uri="{0D108BD9-81ED-4DB2-BD59-A6C34878D82A}">
+                    <a16:rowId xmlns:a16="http://schemas.microsoft.com/office/drawing/2014/main" val="331713917"/>
+                  </a:ext>
+                </a:extLst>
+              </a:tr>
+              <a:tr h="207207">
+                <a:tc>
+                  <a:txBody>
+                    <a:bodyPr/>
+                    <a:lstStyle/>
+                    <a:p>
+                      <a:pPr algn="l" fontAlgn="ctr"/>
+                      <a:r>
+                        <a:rPr lang="ko-KR" altLang="en-US" sz="1100" b="0" u="none" strike="noStrike" dirty="0">
+                          <a:solidFill>
+                            <a:srgbClr val="000000"/>
+                          </a:solidFill>
+                          <a:effectLst/>
+                        </a:rPr>
+                        <a:t>　</a:t>
+                      </a:r>
+                      <a:endParaRPr lang="ko-KR" altLang="en-US" sz="1100" b="0" i="0" u="none" strike="noStrike" dirty="0">
+                        <a:solidFill>
+                          <a:srgbClr val="000000"/>
+                        </a:solidFill>
+                        <a:effectLst/>
+                        <a:latin typeface="Arial Narrow" panose="020B0606020202030204" pitchFamily="34" charset="0"/>
+                        <a:ea typeface="맑은 고딕" panose="020B0503020000020004" pitchFamily="50" charset="-127"/>
+                      </a:endParaRPr>
+                    </a:p>
+                  </a:txBody>
+                  <a:tcPr marL="0" marR="0" marT="0" marB="0" anchor="ctr"/>
+                </a:tc>
+                <a:extLst>
+                  <a:ext uri="{0D108BD9-81ED-4DB2-BD59-A6C34878D82A}">
+                    <a16:rowId xmlns:a16="http://schemas.microsoft.com/office/drawing/2014/main" val="1813615520"/>
+                  </a:ext>
+                </a:extLst>
+              </a:tr>
+            </a:tbl>
+          </a:graphicData>
+        </a:graphic>
+      </p:graphicFrame>
+      <p:graphicFrame>
+        <p:nvGraphicFramePr>
+          <p:cNvPr id="5" name="표 4">
+            <a:extLst>
+              <a:ext uri="{FF2B5EF4-FFF2-40B4-BE49-F238E27FC236}">
+                <a16:creationId xmlns:a16="http://schemas.microsoft.com/office/drawing/2014/main" id="{5A868814-8553-DD43-73E9-70E4302133A9}"/>
+              </a:ext>
+            </a:extLst>
+          </p:cNvPr>
+          <p:cNvGraphicFramePr>
+            <a:graphicFrameLocks noGrp="1"/>
+          </p:cNvGraphicFramePr>
+          <p:nvPr>
+            <p:extLst>
+              <p:ext uri="{D42A27DB-BD31-4B8C-83A1-F6EECF244321}">
+                <p14:modId xmlns:p14="http://schemas.microsoft.com/office/powerpoint/2010/main" val="446701782"/>
+              </p:ext>
+            </p:extLst>
+          </p:nvPr>
+        </p:nvGraphicFramePr>
+        <p:xfrm>
+          <a:off x="3976411" y="1731824"/>
+          <a:ext cx="3808056" cy="4243320"/>
+        </p:xfrm>
+        <a:graphic>
+          <a:graphicData uri="http://schemas.openxmlformats.org/drawingml/2006/table">
+            <a:tbl>
+              <a:tblPr>
+                <a:tableStyleId>{2D5ABB26-0587-4C30-8999-92F81FD0307C}</a:tableStyleId>
+              </a:tblPr>
+              <a:tblGrid>
+                <a:gridCol w="3808056">
+                  <a:extLst>
+                    <a:ext uri="{9D8B030D-6E8A-4147-A177-3AD203B41FA5}">
+                      <a16:colId xmlns:a16="http://schemas.microsoft.com/office/drawing/2014/main" val="2858120971"/>
+                    </a:ext>
+                  </a:extLst>
+                </a:gridCol>
+              </a:tblGrid>
+              <a:tr h="195402">
+                <a:tc>
+                  <a:txBody>
+                    <a:bodyPr/>
+                    <a:lstStyle/>
+                    <a:p>
+                      <a:pPr algn="l" fontAlgn="ctr"/>
+                      <a:r>
+                        <a:rPr lang="en-US" sz="1100" b="1" u="none" strike="noStrike" dirty="0">
+                          <a:solidFill>
+                            <a:srgbClr val="000000"/>
+                          </a:solidFill>
+                          <a:effectLst/>
+                        </a:rPr>
+                        <a:t>□ Finish</a:t>
+                      </a:r>
+                      <a:endParaRPr lang="en-US" sz="1100" b="1" i="0" u="none" strike="noStrike" dirty="0">
+                        <a:solidFill>
+                          <a:srgbClr val="000000"/>
+                        </a:solidFill>
+                        <a:effectLst/>
+                        <a:latin typeface="Arial Narrow" panose="020B0606020202030204" pitchFamily="34" charset="0"/>
+                        <a:ea typeface="맑은 고딕" panose="020B0503020000020004" pitchFamily="50" charset="-127"/>
+                      </a:endParaRPr>
+                    </a:p>
+                  </a:txBody>
+                  <a:tcPr marL="0" marR="0" marT="0" marB="0" anchor="ctr"/>
+                </a:tc>
+                <a:extLst>
+                  <a:ext uri="{0D108BD9-81ED-4DB2-BD59-A6C34878D82A}">
+                    <a16:rowId xmlns:a16="http://schemas.microsoft.com/office/drawing/2014/main" val="504047226"/>
+                  </a:ext>
+                </a:extLst>
+              </a:tr>
+              <a:tr h="195402">
+                <a:tc>
+                  <a:txBody>
+                    <a:bodyPr/>
+                    <a:lstStyle/>
+                    <a:p>
+                      <a:pPr algn="l" fontAlgn="ctr"/>
+                      <a:r>
+                        <a:rPr lang="en-US" sz="1100" b="1" u="none" strike="noStrike" dirty="0">
+                          <a:solidFill>
+                            <a:srgbClr val="0000FF"/>
+                          </a:solidFill>
+                          <a:effectLst/>
+                        </a:rPr>
+                        <a:t>▶ Tile</a:t>
+                      </a:r>
+                      <a:endParaRPr lang="en-US" sz="1100" b="1" i="0" u="none" strike="noStrike" dirty="0">
+                        <a:solidFill>
+                          <a:srgbClr val="0000FF"/>
+                        </a:solidFill>
+                        <a:effectLst/>
+                        <a:latin typeface="Arial Narrow" panose="020B0606020202030204" pitchFamily="34" charset="0"/>
+                        <a:ea typeface="맑은 고딕" panose="020B0503020000020004" pitchFamily="50" charset="-127"/>
+                      </a:endParaRPr>
+                    </a:p>
+                  </a:txBody>
+                  <a:tcPr marL="92713" marR="0" marT="0" marB="0" anchor="ctr"/>
+                </a:tc>
+                <a:extLst>
+                  <a:ext uri="{0D108BD9-81ED-4DB2-BD59-A6C34878D82A}">
+                    <a16:rowId xmlns:a16="http://schemas.microsoft.com/office/drawing/2014/main" val="3358799984"/>
+                  </a:ext>
+                </a:extLst>
+              </a:tr>
+              <a:tr h="195402">
+                <a:tc>
+                  <a:txBody>
+                    <a:bodyPr/>
+                    <a:lstStyle/>
+                    <a:p>
+                      <a:pPr algn="l" fontAlgn="ctr"/>
+                      <a:r>
+                        <a:rPr lang="en-US" sz="1100" b="0" u="none" strike="noStrike">
+                          <a:solidFill>
+                            <a:srgbClr val="0000FF"/>
+                          </a:solidFill>
+                          <a:effectLst/>
+                        </a:rPr>
+                        <a:t>[Ceramic Tile]</a:t>
+                      </a:r>
+                      <a:endParaRPr lang="en-US" sz="1100" b="0" i="1" u="none" strike="noStrike">
+                        <a:solidFill>
+                          <a:srgbClr val="0000FF"/>
+                        </a:solidFill>
+                        <a:effectLst/>
+                        <a:latin typeface="Arial Narrow" panose="020B0606020202030204" pitchFamily="34" charset="0"/>
+                        <a:ea typeface="맑은 고딕" panose="020B0503020000020004" pitchFamily="50" charset="-127"/>
+                      </a:endParaRPr>
+                    </a:p>
+                  </a:txBody>
+                  <a:tcPr marL="185426" marR="0" marT="0" marB="0" anchor="ctr"/>
+                </a:tc>
+                <a:extLst>
+                  <a:ext uri="{0D108BD9-81ED-4DB2-BD59-A6C34878D82A}">
+                    <a16:rowId xmlns:a16="http://schemas.microsoft.com/office/drawing/2014/main" val="2870297091"/>
+                  </a:ext>
+                </a:extLst>
+              </a:tr>
+              <a:tr h="195402">
+                <a:tc>
+                  <a:txBody>
+                    <a:bodyPr/>
+                    <a:lstStyle/>
+                    <a:p>
+                      <a:pPr algn="l" fontAlgn="ctr"/>
+                      <a:endParaRPr lang="pt-BR" sz="1100" b="0" i="0" u="none" strike="noStrike" dirty="0">
+                        <a:solidFill>
+                          <a:srgbClr val="000000"/>
+                        </a:solidFill>
+                        <a:effectLst/>
+                        <a:latin typeface="Arial Narrow" panose="020B0606020202030204" pitchFamily="34" charset="0"/>
+                        <a:ea typeface="맑은 고딕" panose="020B0503020000020004" pitchFamily="50" charset="-127"/>
+                      </a:endParaRPr>
+                    </a:p>
+                  </a:txBody>
+                  <a:tcPr marL="185426" marR="0" marT="0" marB="0" anchor="ctr"/>
+                </a:tc>
+                <a:extLst>
+                  <a:ext uri="{0D108BD9-81ED-4DB2-BD59-A6C34878D82A}">
+                    <a16:rowId xmlns:a16="http://schemas.microsoft.com/office/drawing/2014/main" val="513640406"/>
+                  </a:ext>
+                </a:extLst>
+              </a:tr>
+              <a:tr h="195402">
+                <a:tc>
+                  <a:txBody>
+                    <a:bodyPr/>
+                    <a:lstStyle/>
+                    <a:p>
+                      <a:pPr algn="l" fontAlgn="ctr"/>
+                      <a:r>
+                        <a:rPr lang="en-US" sz="1100" b="0" u="none" strike="noStrike" dirty="0">
+                          <a:solidFill>
+                            <a:srgbClr val="0000FF"/>
+                          </a:solidFill>
+                          <a:effectLst/>
+                        </a:rPr>
+                        <a:t>[Acid Resistant Tile]</a:t>
+                      </a:r>
+                      <a:endParaRPr lang="en-US" sz="1100" b="0" i="1" u="none" strike="noStrike" dirty="0">
+                        <a:solidFill>
+                          <a:srgbClr val="0000FF"/>
+                        </a:solidFill>
+                        <a:effectLst/>
+                        <a:latin typeface="Arial Narrow" panose="020B0606020202030204" pitchFamily="34" charset="0"/>
+                        <a:ea typeface="맑은 고딕" panose="020B0503020000020004" pitchFamily="50" charset="-127"/>
+                      </a:endParaRPr>
+                    </a:p>
+                  </a:txBody>
+                  <a:tcPr marL="185426" marR="0" marT="0" marB="0" anchor="ctr"/>
+                </a:tc>
+                <a:extLst>
+                  <a:ext uri="{0D108BD9-81ED-4DB2-BD59-A6C34878D82A}">
+                    <a16:rowId xmlns:a16="http://schemas.microsoft.com/office/drawing/2014/main" val="2850884716"/>
+                  </a:ext>
+                </a:extLst>
+              </a:tr>
+              <a:tr h="195402">
+                <a:tc>
+                  <a:txBody>
+                    <a:bodyPr/>
+                    <a:lstStyle/>
+                    <a:p>
+                      <a:pPr algn="l" fontAlgn="ctr"/>
+                      <a:endParaRPr lang="pt-BR" sz="1100" b="0" i="0" u="none" strike="noStrike" dirty="0">
+                        <a:solidFill>
+                          <a:srgbClr val="000000"/>
+                        </a:solidFill>
+                        <a:effectLst/>
+                        <a:latin typeface="Arial Narrow" panose="020B0606020202030204" pitchFamily="34" charset="0"/>
+                        <a:ea typeface="맑은 고딕" panose="020B0503020000020004" pitchFamily="50" charset="-127"/>
+                      </a:endParaRPr>
+                    </a:p>
+                  </a:txBody>
+                  <a:tcPr marL="185426" marR="0" marT="0" marB="0" anchor="ctr"/>
+                </a:tc>
+                <a:extLst>
+                  <a:ext uri="{0D108BD9-81ED-4DB2-BD59-A6C34878D82A}">
+                    <a16:rowId xmlns:a16="http://schemas.microsoft.com/office/drawing/2014/main" val="3848693585"/>
+                  </a:ext>
+                </a:extLst>
+              </a:tr>
+              <a:tr h="195402">
+                <a:tc>
+                  <a:txBody>
+                    <a:bodyPr/>
+                    <a:lstStyle/>
+                    <a:p>
+                      <a:pPr algn="l" fontAlgn="ctr"/>
+                      <a:endParaRPr lang="pt-BR" sz="1100" b="0" i="0" u="none" strike="noStrike" dirty="0">
+                        <a:solidFill>
+                          <a:srgbClr val="000000"/>
+                        </a:solidFill>
+                        <a:effectLst/>
+                        <a:latin typeface="Arial Narrow" panose="020B0606020202030204" pitchFamily="34" charset="0"/>
+                        <a:ea typeface="맑은 고딕" panose="020B0503020000020004" pitchFamily="50" charset="-127"/>
+                      </a:endParaRPr>
+                    </a:p>
+                  </a:txBody>
+                  <a:tcPr marL="185426" marR="0" marT="0" marB="0" anchor="ctr"/>
+                </a:tc>
+                <a:extLst>
+                  <a:ext uri="{0D108BD9-81ED-4DB2-BD59-A6C34878D82A}">
+                    <a16:rowId xmlns:a16="http://schemas.microsoft.com/office/drawing/2014/main" val="62132767"/>
+                  </a:ext>
+                </a:extLst>
+              </a:tr>
+              <a:tr h="195402">
+                <a:tc>
+                  <a:txBody>
+                    <a:bodyPr/>
+                    <a:lstStyle/>
+                    <a:p>
+                      <a:pPr algn="l" fontAlgn="ctr"/>
+                      <a:r>
+                        <a:rPr lang="en-US" sz="1100" b="0" u="none" strike="noStrike" dirty="0">
+                          <a:solidFill>
+                            <a:srgbClr val="0000FF"/>
+                          </a:solidFill>
+                          <a:effectLst/>
+                        </a:rPr>
+                        <a:t>[Vinyl Tile]</a:t>
+                      </a:r>
+                      <a:endParaRPr lang="en-US" sz="1100" b="0" i="1" u="none" strike="noStrike" dirty="0">
+                        <a:solidFill>
+                          <a:srgbClr val="0000FF"/>
+                        </a:solidFill>
+                        <a:effectLst/>
+                        <a:latin typeface="Arial Narrow" panose="020B0606020202030204" pitchFamily="34" charset="0"/>
+                        <a:ea typeface="맑은 고딕" panose="020B0503020000020004" pitchFamily="50" charset="-127"/>
+                      </a:endParaRPr>
+                    </a:p>
+                  </a:txBody>
+                  <a:tcPr marL="185426" marR="0" marT="0" marB="0" anchor="ctr"/>
+                </a:tc>
+                <a:extLst>
+                  <a:ext uri="{0D108BD9-81ED-4DB2-BD59-A6C34878D82A}">
+                    <a16:rowId xmlns:a16="http://schemas.microsoft.com/office/drawing/2014/main" val="3162135262"/>
+                  </a:ext>
+                </a:extLst>
+              </a:tr>
+              <a:tr h="195402">
+                <a:tc>
+                  <a:txBody>
+                    <a:bodyPr/>
+                    <a:lstStyle/>
+                    <a:p>
+                      <a:pPr algn="l" fontAlgn="ctr"/>
+                      <a:endParaRPr lang="pt-BR" sz="1100" b="0" i="0" u="none" strike="noStrike" dirty="0">
+                        <a:solidFill>
+                          <a:srgbClr val="000000"/>
+                        </a:solidFill>
+                        <a:effectLst/>
+                        <a:latin typeface="Arial Narrow" panose="020B0606020202030204" pitchFamily="34" charset="0"/>
+                        <a:ea typeface="맑은 고딕" panose="020B0503020000020004" pitchFamily="50" charset="-127"/>
+                      </a:endParaRPr>
+                    </a:p>
+                  </a:txBody>
+                  <a:tcPr marL="185426" marR="0" marT="0" marB="0" anchor="ctr"/>
+                </a:tc>
+                <a:extLst>
+                  <a:ext uri="{0D108BD9-81ED-4DB2-BD59-A6C34878D82A}">
+                    <a16:rowId xmlns:a16="http://schemas.microsoft.com/office/drawing/2014/main" val="3425284283"/>
+                  </a:ext>
+                </a:extLst>
+              </a:tr>
+              <a:tr h="195402">
+                <a:tc>
+                  <a:txBody>
+                    <a:bodyPr/>
+                    <a:lstStyle/>
+                    <a:p>
+                      <a:pPr algn="l" fontAlgn="ctr"/>
+                      <a:r>
+                        <a:rPr lang="en-US" sz="1100" b="0" u="none" strike="noStrike" dirty="0">
+                          <a:solidFill>
+                            <a:srgbClr val="0000FF"/>
+                          </a:solidFill>
+                          <a:effectLst/>
+                        </a:rPr>
+                        <a:t>[Etc. Tile]</a:t>
+                      </a:r>
+                      <a:endParaRPr lang="en-US" sz="1100" b="0" i="1" u="none" strike="noStrike" dirty="0">
+                        <a:solidFill>
+                          <a:srgbClr val="0000FF"/>
+                        </a:solidFill>
+                        <a:effectLst/>
+                        <a:latin typeface="Arial Narrow" panose="020B0606020202030204" pitchFamily="34" charset="0"/>
+                        <a:ea typeface="맑은 고딕" panose="020B0503020000020004" pitchFamily="50" charset="-127"/>
+                      </a:endParaRPr>
+                    </a:p>
+                  </a:txBody>
+                  <a:tcPr marL="185426" marR="0" marT="0" marB="0" anchor="ctr"/>
+                </a:tc>
+                <a:extLst>
+                  <a:ext uri="{0D108BD9-81ED-4DB2-BD59-A6C34878D82A}">
+                    <a16:rowId xmlns:a16="http://schemas.microsoft.com/office/drawing/2014/main" val="4137040278"/>
+                  </a:ext>
+                </a:extLst>
+              </a:tr>
+              <a:tr h="195402">
+                <a:tc>
+                  <a:txBody>
+                    <a:bodyPr/>
+                    <a:lstStyle/>
+                    <a:p>
+                      <a:pPr algn="l" fontAlgn="ctr"/>
+                      <a:endParaRPr lang="en-US" altLang="ko-KR" sz="1100" b="0" i="0" u="none" strike="noStrike" dirty="0">
+                        <a:solidFill>
+                          <a:srgbClr val="000000"/>
+                        </a:solidFill>
+                        <a:effectLst/>
+                        <a:latin typeface="Arial Narrow" panose="020B0606020202030204" pitchFamily="34" charset="0"/>
+                        <a:ea typeface="맑은 고딕" panose="020B0503020000020004" pitchFamily="50" charset="-127"/>
+                      </a:endParaRPr>
+                    </a:p>
+                    <a:p>
+                      <a:pPr algn="l" fontAlgn="ctr"/>
+                      <a:endParaRPr lang="ko-KR" altLang="en-US" sz="1100" b="0" i="0" u="none" strike="noStrike" dirty="0">
+                        <a:solidFill>
+                          <a:srgbClr val="000000"/>
+                        </a:solidFill>
+                        <a:effectLst/>
+                        <a:latin typeface="Arial Narrow" panose="020B0606020202030204" pitchFamily="34" charset="0"/>
+                        <a:ea typeface="맑은 고딕" panose="020B0503020000020004" pitchFamily="50" charset="-127"/>
+                      </a:endParaRPr>
+                    </a:p>
+                  </a:txBody>
+                  <a:tcPr marL="185426" marR="0" marT="0" marB="0" anchor="ctr"/>
+                </a:tc>
+                <a:extLst>
+                  <a:ext uri="{0D108BD9-81ED-4DB2-BD59-A6C34878D82A}">
+                    <a16:rowId xmlns:a16="http://schemas.microsoft.com/office/drawing/2014/main" val="1355639087"/>
+                  </a:ext>
+                </a:extLst>
+              </a:tr>
+              <a:tr h="195402">
+                <a:tc>
+                  <a:txBody>
+                    <a:bodyPr/>
+                    <a:lstStyle/>
+                    <a:p>
+                      <a:pPr algn="l" fontAlgn="ctr"/>
+                      <a:r>
+                        <a:rPr lang="en-US" sz="1100" b="1" u="none" strike="noStrike" dirty="0">
+                          <a:solidFill>
+                            <a:srgbClr val="0000FF"/>
+                          </a:solidFill>
+                          <a:effectLst/>
+                        </a:rPr>
+                        <a:t>▶ Mat</a:t>
+                      </a:r>
+                      <a:endParaRPr lang="en-US" sz="1100" b="1" i="0" u="none" strike="noStrike" dirty="0">
+                        <a:solidFill>
+                          <a:srgbClr val="0000FF"/>
+                        </a:solidFill>
+                        <a:effectLst/>
+                        <a:latin typeface="Arial Narrow" panose="020B0606020202030204" pitchFamily="34" charset="0"/>
+                        <a:ea typeface="맑은 고딕" panose="020B0503020000020004" pitchFamily="50" charset="-127"/>
+                      </a:endParaRPr>
+                    </a:p>
+                  </a:txBody>
+                  <a:tcPr marL="92713" marR="0" marT="0" marB="0" anchor="ctr"/>
+                </a:tc>
+                <a:extLst>
+                  <a:ext uri="{0D108BD9-81ED-4DB2-BD59-A6C34878D82A}">
+                    <a16:rowId xmlns:a16="http://schemas.microsoft.com/office/drawing/2014/main" val="3221797096"/>
+                  </a:ext>
+                </a:extLst>
+              </a:tr>
+              <a:tr h="195402">
+                <a:tc>
+                  <a:txBody>
+                    <a:bodyPr/>
+                    <a:lstStyle/>
+                    <a:p>
+                      <a:pPr algn="l" fontAlgn="ctr"/>
+                      <a:endParaRPr lang="pt-BR" sz="1100" b="0" i="0" u="none" strike="noStrike" dirty="0">
+                        <a:solidFill>
+                          <a:srgbClr val="000000"/>
+                        </a:solidFill>
+                        <a:effectLst/>
+                        <a:latin typeface="Arial Narrow" panose="020B0606020202030204" pitchFamily="34" charset="0"/>
+                        <a:ea typeface="맑은 고딕" panose="020B0503020000020004" pitchFamily="50" charset="-127"/>
+                      </a:endParaRPr>
+                    </a:p>
+                  </a:txBody>
+                  <a:tcPr marL="185426" marR="0" marT="0" marB="0" anchor="ctr"/>
+                </a:tc>
+                <a:extLst>
+                  <a:ext uri="{0D108BD9-81ED-4DB2-BD59-A6C34878D82A}">
+                    <a16:rowId xmlns:a16="http://schemas.microsoft.com/office/drawing/2014/main" val="1222229933"/>
+                  </a:ext>
+                </a:extLst>
+              </a:tr>
+              <a:tr h="195402">
+                <a:tc>
+                  <a:txBody>
+                    <a:bodyPr/>
+                    <a:lstStyle/>
+                    <a:p>
+                      <a:pPr algn="l" fontAlgn="ctr"/>
+                      <a:r>
+                        <a:rPr lang="ko-KR" altLang="en-US" sz="1100" b="0" u="none" strike="noStrike" dirty="0">
+                          <a:solidFill>
+                            <a:srgbClr val="000000"/>
+                          </a:solidFill>
+                          <a:effectLst/>
+                        </a:rPr>
+                        <a:t>　</a:t>
+                      </a:r>
+                      <a:endParaRPr lang="ko-KR" altLang="en-US" sz="1100" b="0" i="0" u="none" strike="noStrike" dirty="0">
+                        <a:solidFill>
+                          <a:srgbClr val="000000"/>
+                        </a:solidFill>
+                        <a:effectLst/>
+                        <a:latin typeface="Arial Narrow" panose="020B0606020202030204" pitchFamily="34" charset="0"/>
+                        <a:ea typeface="맑은 고딕" panose="020B0503020000020004" pitchFamily="50" charset="-127"/>
+                      </a:endParaRPr>
+                    </a:p>
+                  </a:txBody>
+                  <a:tcPr marL="0" marR="0" marT="0" marB="0" anchor="ctr"/>
+                </a:tc>
+                <a:extLst>
+                  <a:ext uri="{0D108BD9-81ED-4DB2-BD59-A6C34878D82A}">
+                    <a16:rowId xmlns:a16="http://schemas.microsoft.com/office/drawing/2014/main" val="2437785993"/>
+                  </a:ext>
+                </a:extLst>
+              </a:tr>
+              <a:tr h="195402">
+                <a:tc>
+                  <a:txBody>
+                    <a:bodyPr/>
+                    <a:lstStyle/>
+                    <a:p>
+                      <a:pPr algn="l" fontAlgn="ctr"/>
+                      <a:r>
+                        <a:rPr lang="en-US" sz="1100" b="1" u="none" strike="noStrike" dirty="0">
+                          <a:solidFill>
+                            <a:srgbClr val="0000FF"/>
+                          </a:solidFill>
+                          <a:effectLst/>
+                        </a:rPr>
+                        <a:t>▶ Raised Floor</a:t>
+                      </a:r>
+                      <a:endParaRPr lang="en-US" sz="1100" b="1" i="0" u="none" strike="noStrike" dirty="0">
+                        <a:solidFill>
+                          <a:srgbClr val="0000FF"/>
+                        </a:solidFill>
+                        <a:effectLst/>
+                        <a:latin typeface="Arial Narrow" panose="020B0606020202030204" pitchFamily="34" charset="0"/>
+                        <a:ea typeface="맑은 고딕" panose="020B0503020000020004" pitchFamily="50" charset="-127"/>
+                      </a:endParaRPr>
+                    </a:p>
+                  </a:txBody>
+                  <a:tcPr marL="92713" marR="0" marT="0" marB="0" anchor="ctr"/>
+                </a:tc>
+                <a:extLst>
+                  <a:ext uri="{0D108BD9-81ED-4DB2-BD59-A6C34878D82A}">
+                    <a16:rowId xmlns:a16="http://schemas.microsoft.com/office/drawing/2014/main" val="901864134"/>
+                  </a:ext>
+                </a:extLst>
+              </a:tr>
+              <a:tr h="195402">
+                <a:tc>
+                  <a:txBody>
+                    <a:bodyPr/>
+                    <a:lstStyle/>
+                    <a:p>
+                      <a:pPr algn="l" fontAlgn="ctr"/>
+                      <a:endParaRPr lang="en-US" sz="1100" b="0" i="0" u="none" strike="noStrike" dirty="0">
+                        <a:solidFill>
+                          <a:srgbClr val="000000"/>
+                        </a:solidFill>
+                        <a:effectLst/>
+                        <a:latin typeface="Arial Narrow" panose="020B0606020202030204" pitchFamily="34" charset="0"/>
+                        <a:ea typeface="맑은 고딕" panose="020B0503020000020004" pitchFamily="50" charset="-127"/>
+                      </a:endParaRPr>
+                    </a:p>
+                  </a:txBody>
+                  <a:tcPr marL="185426" marR="0" marT="0" marB="0" anchor="ctr"/>
+                </a:tc>
+                <a:extLst>
+                  <a:ext uri="{0D108BD9-81ED-4DB2-BD59-A6C34878D82A}">
+                    <a16:rowId xmlns:a16="http://schemas.microsoft.com/office/drawing/2014/main" val="1015868737"/>
+                  </a:ext>
+                </a:extLst>
+              </a:tr>
+              <a:tr h="195402">
+                <a:tc>
+                  <a:txBody>
+                    <a:bodyPr/>
+                    <a:lstStyle/>
+                    <a:p>
+                      <a:pPr algn="l" fontAlgn="ctr"/>
+                      <a:r>
+                        <a:rPr lang="ko-KR" altLang="en-US" sz="1100" b="0" u="none" strike="noStrike">
+                          <a:solidFill>
+                            <a:srgbClr val="000000"/>
+                          </a:solidFill>
+                          <a:effectLst/>
+                        </a:rPr>
+                        <a:t>　</a:t>
+                      </a:r>
+                      <a:endParaRPr lang="ko-KR" altLang="en-US" sz="1100" b="0" i="0" u="none" strike="noStrike">
+                        <a:solidFill>
+                          <a:srgbClr val="000000"/>
+                        </a:solidFill>
+                        <a:effectLst/>
+                        <a:latin typeface="Arial Narrow" panose="020B0606020202030204" pitchFamily="34" charset="0"/>
+                        <a:ea typeface="맑은 고딕" panose="020B0503020000020004" pitchFamily="50" charset="-127"/>
+                      </a:endParaRPr>
+                    </a:p>
+                  </a:txBody>
+                  <a:tcPr marL="185426" marR="0" marT="0" marB="0" anchor="ctr"/>
+                </a:tc>
+                <a:extLst>
+                  <a:ext uri="{0D108BD9-81ED-4DB2-BD59-A6C34878D82A}">
+                    <a16:rowId xmlns:a16="http://schemas.microsoft.com/office/drawing/2014/main" val="4249368583"/>
+                  </a:ext>
+                </a:extLst>
+              </a:tr>
+              <a:tr h="195402">
+                <a:tc>
+                  <a:txBody>
+                    <a:bodyPr/>
+                    <a:lstStyle/>
+                    <a:p>
+                      <a:pPr algn="l" fontAlgn="ctr"/>
+                      <a:r>
+                        <a:rPr lang="en-US" sz="1100" b="1" u="none" strike="noStrike">
+                          <a:solidFill>
+                            <a:srgbClr val="0000FF"/>
+                          </a:solidFill>
+                          <a:effectLst/>
+                        </a:rPr>
+                        <a:t>▶ UG Insulation</a:t>
+                      </a:r>
+                      <a:endParaRPr lang="en-US" sz="1100" b="1" i="0" u="none" strike="noStrike">
+                        <a:solidFill>
+                          <a:srgbClr val="0000FF"/>
+                        </a:solidFill>
+                        <a:effectLst/>
+                        <a:latin typeface="Arial Narrow" panose="020B0606020202030204" pitchFamily="34" charset="0"/>
+                        <a:ea typeface="맑은 고딕" panose="020B0503020000020004" pitchFamily="50" charset="-127"/>
+                      </a:endParaRPr>
+                    </a:p>
+                  </a:txBody>
+                  <a:tcPr marL="92713" marR="0" marT="0" marB="0" anchor="ctr"/>
+                </a:tc>
+                <a:extLst>
+                  <a:ext uri="{0D108BD9-81ED-4DB2-BD59-A6C34878D82A}">
+                    <a16:rowId xmlns:a16="http://schemas.microsoft.com/office/drawing/2014/main" val="1803871132"/>
+                  </a:ext>
+                </a:extLst>
+              </a:tr>
+              <a:tr h="195402">
+                <a:tc>
+                  <a:txBody>
+                    <a:bodyPr/>
+                    <a:lstStyle/>
+                    <a:p>
+                      <a:pPr algn="l" fontAlgn="ctr"/>
+                      <a:endParaRPr lang="en-US" sz="1100" b="0" i="0" u="none" strike="noStrike" dirty="0">
+                        <a:solidFill>
+                          <a:srgbClr val="000000"/>
+                        </a:solidFill>
+                        <a:effectLst/>
+                        <a:latin typeface="Arial Narrow" panose="020B0606020202030204" pitchFamily="34" charset="0"/>
+                        <a:ea typeface="맑은 고딕" panose="020B0503020000020004" pitchFamily="50" charset="-127"/>
+                      </a:endParaRPr>
+                    </a:p>
+                  </a:txBody>
+                  <a:tcPr marL="185426" marR="0" marT="0" marB="0" anchor="ctr"/>
+                </a:tc>
+                <a:extLst>
+                  <a:ext uri="{0D108BD9-81ED-4DB2-BD59-A6C34878D82A}">
+                    <a16:rowId xmlns:a16="http://schemas.microsoft.com/office/drawing/2014/main" val="745196956"/>
+                  </a:ext>
+                </a:extLst>
+              </a:tr>
+              <a:tr h="195402">
+                <a:tc>
+                  <a:txBody>
+                    <a:bodyPr/>
+                    <a:lstStyle/>
+                    <a:p>
+                      <a:pPr algn="l" fontAlgn="ctr"/>
+                      <a:r>
+                        <a:rPr lang="ko-KR" altLang="en-US" sz="1100" b="0" u="none" strike="noStrike">
+                          <a:solidFill>
+                            <a:srgbClr val="000000"/>
+                          </a:solidFill>
+                          <a:effectLst/>
+                        </a:rPr>
+                        <a:t>　</a:t>
+                      </a:r>
+                      <a:endParaRPr lang="ko-KR" altLang="en-US" sz="1100" b="0" i="0" u="none" strike="noStrike">
+                        <a:solidFill>
+                          <a:srgbClr val="000000"/>
+                        </a:solidFill>
+                        <a:effectLst/>
+                        <a:latin typeface="Arial Narrow" panose="020B0606020202030204" pitchFamily="34" charset="0"/>
+                        <a:ea typeface="맑은 고딕" panose="020B0503020000020004" pitchFamily="50" charset="-127"/>
+                      </a:endParaRPr>
+                    </a:p>
+                  </a:txBody>
+                  <a:tcPr marL="0" marR="0" marT="0" marB="0" anchor="ctr"/>
+                </a:tc>
+                <a:extLst>
+                  <a:ext uri="{0D108BD9-81ED-4DB2-BD59-A6C34878D82A}">
+                    <a16:rowId xmlns:a16="http://schemas.microsoft.com/office/drawing/2014/main" val="1180574527"/>
+                  </a:ext>
+                </a:extLst>
+              </a:tr>
+              <a:tr h="195402">
+                <a:tc>
+                  <a:txBody>
+                    <a:bodyPr/>
+                    <a:lstStyle/>
+                    <a:p>
+                      <a:pPr algn="l" fontAlgn="ctr"/>
+                      <a:r>
+                        <a:rPr lang="ko-KR" altLang="en-US" sz="1100" b="0" u="none" strike="noStrike" dirty="0">
+                          <a:solidFill>
+                            <a:srgbClr val="000000"/>
+                          </a:solidFill>
+                          <a:effectLst/>
+                        </a:rPr>
+                        <a:t>　</a:t>
+                      </a:r>
+                      <a:endParaRPr lang="ko-KR" altLang="en-US" sz="1100" b="0" i="0" u="none" strike="noStrike" dirty="0">
+                        <a:solidFill>
+                          <a:srgbClr val="000000"/>
+                        </a:solidFill>
+                        <a:effectLst/>
+                        <a:latin typeface="Arial Narrow" panose="020B0606020202030204" pitchFamily="34" charset="0"/>
+                        <a:ea typeface="맑은 고딕" panose="020B0503020000020004" pitchFamily="50" charset="-127"/>
+                      </a:endParaRPr>
+                    </a:p>
+                  </a:txBody>
+                  <a:tcPr marL="0" marR="0" marT="0" marB="0" anchor="ctr"/>
+                </a:tc>
+                <a:extLst>
+                  <a:ext uri="{0D108BD9-81ED-4DB2-BD59-A6C34878D82A}">
+                    <a16:rowId xmlns:a16="http://schemas.microsoft.com/office/drawing/2014/main" val="2044763694"/>
+                  </a:ext>
+                </a:extLst>
+              </a:tr>
+            </a:tbl>
+          </a:graphicData>
+        </a:graphic>
+      </p:graphicFrame>
+      <p:grpSp>
+        <p:nvGrpSpPr>
+          <p:cNvPr id="6" name="그룹 5">
+            <a:extLst>
+              <a:ext uri="{FF2B5EF4-FFF2-40B4-BE49-F238E27FC236}">
+                <a16:creationId xmlns:a16="http://schemas.microsoft.com/office/drawing/2014/main" id="{B9C03137-2489-33D3-C8A5-7831E21D3A32}"/>
+              </a:ext>
+            </a:extLst>
+          </p:cNvPr>
+          <p:cNvGrpSpPr/>
+          <p:nvPr/>
+        </p:nvGrpSpPr>
+        <p:grpSpPr>
+          <a:xfrm>
+            <a:off x="358589" y="843803"/>
+            <a:ext cx="8442512" cy="412376"/>
+            <a:chOff x="358589" y="843803"/>
+            <a:chExt cx="8442512" cy="412376"/>
+          </a:xfrm>
+        </p:grpSpPr>
+        <p:sp>
+          <p:nvSpPr>
+            <p:cNvPr id="7" name="TextBox 6">
+              <a:extLst>
+                <a:ext uri="{FF2B5EF4-FFF2-40B4-BE49-F238E27FC236}">
+                  <a16:creationId xmlns:a16="http://schemas.microsoft.com/office/drawing/2014/main" id="{552F8AB9-A9C5-C47E-5C45-B79B9BFE5F54}"/>
+                </a:ext>
+              </a:extLst>
+            </p:cNvPr>
+            <p:cNvSpPr txBox="1"/>
+            <p:nvPr/>
+          </p:nvSpPr>
+          <p:spPr>
+            <a:xfrm>
+              <a:off x="492005" y="942240"/>
+              <a:ext cx="1345760" cy="230832"/>
+            </a:xfrm>
+            <a:prstGeom prst="rect">
+              <a:avLst/>
+            </a:prstGeom>
+            <a:noFill/>
+          </p:spPr>
+          <p:txBody>
+            <a:bodyPr wrap="square" rtlCol="0">
+              <a:spAutoFit/>
+            </a:bodyPr>
+            <a:lstStyle/>
+            <a:p>
+              <a:r>
+                <a:rPr lang="en-US" altLang="ko-KR" sz="900" dirty="0">
+                  <a:latin typeface="현대하모니 L" panose="02020603020101020101" pitchFamily="18" charset="-127"/>
+                  <a:ea typeface="현대하모니 L" panose="02020603020101020101" pitchFamily="18" charset="-127"/>
+                </a:rPr>
+                <a:t>Work Master</a:t>
+              </a:r>
+            </a:p>
+          </p:txBody>
+        </p:sp>
+        <p:sp>
+          <p:nvSpPr>
+            <p:cNvPr id="9" name="TextBox 8">
+              <a:extLst>
+                <a:ext uri="{FF2B5EF4-FFF2-40B4-BE49-F238E27FC236}">
+                  <a16:creationId xmlns:a16="http://schemas.microsoft.com/office/drawing/2014/main" id="{D4C3DA8C-C5B8-6246-AAC2-0E5B63E5C79C}"/>
+                </a:ext>
+              </a:extLst>
+            </p:cNvPr>
+            <p:cNvSpPr txBox="1"/>
+            <p:nvPr/>
+          </p:nvSpPr>
+          <p:spPr>
+            <a:xfrm>
+              <a:off x="2478817" y="942240"/>
+              <a:ext cx="1797574" cy="230832"/>
+            </a:xfrm>
+            <a:prstGeom prst="rect">
+              <a:avLst/>
+            </a:prstGeom>
+            <a:noFill/>
+          </p:spPr>
+          <p:txBody>
+            <a:bodyPr wrap="square" rtlCol="0">
+              <a:spAutoFit/>
+            </a:bodyPr>
+            <a:lstStyle/>
+            <a:p>
+              <a:r>
+                <a:rPr lang="ko-KR" altLang="en-US" sz="900" dirty="0">
+                  <a:latin typeface="현대하모니 L" panose="02020603020101020101" pitchFamily="18" charset="-127"/>
+                  <a:ea typeface="현대하모니 L" panose="02020603020101020101" pitchFamily="18" charset="-127"/>
+                </a:rPr>
+                <a:t>플랜트</a:t>
+              </a:r>
+              <a:r>
+                <a:rPr lang="en-US" altLang="ko-KR" sz="900" dirty="0">
+                  <a:latin typeface="현대하모니 L" panose="02020603020101020101" pitchFamily="18" charset="-127"/>
+                  <a:ea typeface="현대하모니 L" panose="02020603020101020101" pitchFamily="18" charset="-127"/>
+                </a:rPr>
+                <a:t>-</a:t>
+              </a:r>
+              <a:r>
+                <a:rPr lang="ko-KR" altLang="en-US" sz="900" dirty="0">
+                  <a:latin typeface="현대하모니 L" panose="02020603020101020101" pitchFamily="18" charset="-127"/>
+                  <a:ea typeface="현대하모니 L" panose="02020603020101020101" pitchFamily="18" charset="-127"/>
+                </a:rPr>
+                <a:t>건축요소 구성 표준 타입</a:t>
+              </a:r>
+              <a:endParaRPr lang="en-US" altLang="ko-KR" sz="900" dirty="0">
+                <a:latin typeface="현대하모니 L" panose="02020603020101020101" pitchFamily="18" charset="-127"/>
+                <a:ea typeface="현대하모니 L" panose="02020603020101020101" pitchFamily="18" charset="-127"/>
+              </a:endParaRPr>
+            </a:p>
+          </p:txBody>
+        </p:sp>
+        <p:sp>
+          <p:nvSpPr>
+            <p:cNvPr id="10" name="TextBox 9">
+              <a:extLst>
+                <a:ext uri="{FF2B5EF4-FFF2-40B4-BE49-F238E27FC236}">
+                  <a16:creationId xmlns:a16="http://schemas.microsoft.com/office/drawing/2014/main" id="{C5B1C56E-E339-81EB-303E-0901ED3772C1}"/>
+                </a:ext>
+              </a:extLst>
+            </p:cNvPr>
+            <p:cNvSpPr txBox="1"/>
+            <p:nvPr/>
+          </p:nvSpPr>
+          <p:spPr>
+            <a:xfrm>
+              <a:off x="4917442" y="942240"/>
+              <a:ext cx="1608863" cy="230832"/>
+            </a:xfrm>
+            <a:prstGeom prst="rect">
+              <a:avLst/>
+            </a:prstGeom>
+            <a:noFill/>
+          </p:spPr>
+          <p:txBody>
+            <a:bodyPr wrap="square" rtlCol="0">
+              <a:spAutoFit/>
+            </a:bodyPr>
+            <a:lstStyle/>
+            <a:p>
+              <a:r>
+                <a:rPr lang="ko-KR" altLang="en-US" sz="900" dirty="0">
+                  <a:latin typeface="현대하모니 L" panose="02020603020101020101" pitchFamily="18" charset="-127"/>
+                  <a:ea typeface="현대하모니 L" panose="02020603020101020101" pitchFamily="18" charset="-127"/>
+                </a:rPr>
+                <a:t>패밀리리스트</a:t>
+              </a:r>
+              <a:r>
+                <a:rPr lang="en-US" altLang="ko-KR" sz="900" dirty="0">
+                  <a:latin typeface="현대하모니 L" panose="02020603020101020101" pitchFamily="18" charset="-127"/>
+                  <a:ea typeface="현대하모니 L" panose="02020603020101020101" pitchFamily="18" charset="-127"/>
+                </a:rPr>
+                <a:t>_</a:t>
+              </a:r>
+              <a:r>
+                <a:rPr lang="ko-KR" altLang="en-US" sz="900" dirty="0">
+                  <a:latin typeface="현대하모니 L" panose="02020603020101020101" pitchFamily="18" charset="-127"/>
+                  <a:ea typeface="현대하모니 L" panose="02020603020101020101" pitchFamily="18" charset="-127"/>
+                </a:rPr>
+                <a:t>표준</a:t>
+              </a:r>
+              <a:r>
+                <a:rPr lang="en-US" altLang="ko-KR" sz="900" dirty="0">
+                  <a:latin typeface="현대하모니 L" panose="02020603020101020101" pitchFamily="18" charset="-127"/>
+                  <a:ea typeface="현대하모니 L" panose="02020603020101020101" pitchFamily="18" charset="-127"/>
+                </a:rPr>
+                <a:t>_</a:t>
+              </a:r>
+              <a:r>
+                <a:rPr lang="ko-KR" altLang="en-US" sz="900" dirty="0">
+                  <a:latin typeface="현대하모니 L" panose="02020603020101020101" pitchFamily="18" charset="-127"/>
+                  <a:ea typeface="현대하모니 L" panose="02020603020101020101" pitchFamily="18" charset="-127"/>
+                </a:rPr>
+                <a:t>구성도</a:t>
+              </a:r>
+              <a:endParaRPr lang="en-US" altLang="ko-KR" sz="900" dirty="0">
+                <a:latin typeface="현대하모니 L" panose="02020603020101020101" pitchFamily="18" charset="-127"/>
+                <a:ea typeface="현대하모니 L" panose="02020603020101020101" pitchFamily="18" charset="-127"/>
+              </a:endParaRPr>
+            </a:p>
+          </p:txBody>
+        </p:sp>
+        <p:sp>
+          <p:nvSpPr>
+            <p:cNvPr id="11" name="TextBox 10">
+              <a:extLst>
+                <a:ext uri="{FF2B5EF4-FFF2-40B4-BE49-F238E27FC236}">
+                  <a16:creationId xmlns:a16="http://schemas.microsoft.com/office/drawing/2014/main" id="{8367DD86-2BE1-507F-8356-9D90FA4E8227}"/>
+                </a:ext>
+              </a:extLst>
+            </p:cNvPr>
+            <p:cNvSpPr txBox="1"/>
+            <p:nvPr/>
+          </p:nvSpPr>
+          <p:spPr>
+            <a:xfrm>
+              <a:off x="7051042" y="942240"/>
+              <a:ext cx="1608863" cy="230832"/>
+            </a:xfrm>
+            <a:prstGeom prst="rect">
+              <a:avLst/>
+            </a:prstGeom>
+            <a:noFill/>
+          </p:spPr>
+          <p:txBody>
+            <a:bodyPr wrap="square" rtlCol="0">
+              <a:spAutoFit/>
+            </a:bodyPr>
+            <a:lstStyle/>
+            <a:p>
+              <a:r>
+                <a:rPr lang="ko-KR" altLang="en-US" sz="900" dirty="0">
+                  <a:latin typeface="현대하모니 L" panose="02020603020101020101" pitchFamily="18" charset="-127"/>
+                  <a:ea typeface="현대하모니 L" panose="02020603020101020101" pitchFamily="18" charset="-127"/>
+                </a:rPr>
+                <a:t>패밀리리스트</a:t>
+              </a:r>
+              <a:r>
+                <a:rPr lang="en-US" altLang="ko-KR" sz="900" dirty="0">
+                  <a:latin typeface="현대하모니 L" panose="02020603020101020101" pitchFamily="18" charset="-127"/>
+                  <a:ea typeface="현대하모니 L" panose="02020603020101020101" pitchFamily="18" charset="-127"/>
+                </a:rPr>
+                <a:t>_</a:t>
+              </a:r>
+              <a:r>
+                <a:rPr lang="ko-KR" altLang="en-US" sz="900" dirty="0">
+                  <a:latin typeface="현대하모니 L" panose="02020603020101020101" pitchFamily="18" charset="-127"/>
+                  <a:ea typeface="현대하모니 L" panose="02020603020101020101" pitchFamily="18" charset="-127"/>
+                </a:rPr>
+                <a:t>카테고리별 시트</a:t>
+              </a:r>
+              <a:endParaRPr lang="en-US" altLang="ko-KR" sz="900" dirty="0">
+                <a:latin typeface="현대하모니 L" panose="02020603020101020101" pitchFamily="18" charset="-127"/>
+                <a:ea typeface="현대하모니 L" panose="02020603020101020101" pitchFamily="18" charset="-127"/>
+              </a:endParaRPr>
+            </a:p>
+          </p:txBody>
+        </p:sp>
+        <p:sp>
+          <p:nvSpPr>
+            <p:cNvPr id="12" name="직사각형 11">
+              <a:extLst>
+                <a:ext uri="{FF2B5EF4-FFF2-40B4-BE49-F238E27FC236}">
+                  <a16:creationId xmlns:a16="http://schemas.microsoft.com/office/drawing/2014/main" id="{BBF6D7FB-4471-2D20-48F9-5AA57A5E104E}"/>
+                </a:ext>
+              </a:extLst>
+            </p:cNvPr>
+            <p:cNvSpPr/>
+            <p:nvPr/>
+          </p:nvSpPr>
+          <p:spPr>
+            <a:xfrm>
+              <a:off x="358589" y="843803"/>
+              <a:ext cx="8442512" cy="412376"/>
+            </a:xfrm>
+            <a:prstGeom prst="rect">
+              <a:avLst/>
+            </a:prstGeom>
+            <a:solidFill>
+              <a:schemeClr val="tx1">
+                <a:lumMod val="50000"/>
+                <a:lumOff val="50000"/>
+                <a:alpha val="28000"/>
+              </a:schemeClr>
+            </a:solidFill>
+            <a:ln>
+              <a:noFill/>
+            </a:ln>
+          </p:spPr>
+          <p:style>
+            <a:lnRef idx="2">
+              <a:schemeClr val="accent1">
+                <a:shade val="15000"/>
+              </a:schemeClr>
+            </a:lnRef>
+            <a:fillRef idx="1">
+              <a:schemeClr val="accent1"/>
+            </a:fillRef>
+            <a:effectRef idx="0">
+              <a:schemeClr val="accent1"/>
+            </a:effectRef>
+            <a:fontRef idx="minor">
+              <a:schemeClr val="lt1"/>
+            </a:fontRef>
+          </p:style>
+          <p:txBody>
+            <a:bodyPr rtlCol="0" anchor="ctr"/>
+            <a:lstStyle/>
+            <a:p>
+              <a:pPr algn="ctr"/>
+              <a:endParaRPr lang="ko-KR" altLang="en-US" dirty="0"/>
+            </a:p>
+          </p:txBody>
+        </p:sp>
+      </p:grpSp>
+      <p:sp>
+        <p:nvSpPr>
+          <p:cNvPr id="14" name="직사각형 13">
+            <a:extLst>
+              <a:ext uri="{FF2B5EF4-FFF2-40B4-BE49-F238E27FC236}">
+                <a16:creationId xmlns:a16="http://schemas.microsoft.com/office/drawing/2014/main" id="{5F1F4A44-4DBF-671E-223F-64CC25673981}"/>
+              </a:ext>
+            </a:extLst>
+          </p:cNvPr>
+          <p:cNvSpPr/>
+          <p:nvPr/>
+        </p:nvSpPr>
+        <p:spPr>
+          <a:xfrm>
+            <a:off x="2478816" y="843803"/>
+            <a:ext cx="1608862" cy="412376"/>
+          </a:xfrm>
+          <a:prstGeom prst="rect">
+            <a:avLst/>
+          </a:prstGeom>
+          <a:noFill/>
+          <a:ln w="38100">
+            <a:solidFill>
+              <a:srgbClr val="FF00FF"/>
+            </a:solidFill>
+          </a:ln>
+        </p:spPr>
+        <p:style>
+          <a:lnRef idx="2">
+            <a:schemeClr val="accent1">
+              <a:shade val="15000"/>
+            </a:schemeClr>
+          </a:lnRef>
+          <a:fillRef idx="1">
+            <a:schemeClr val="accent1"/>
+          </a:fillRef>
+          <a:effectRef idx="0">
+            <a:schemeClr val="accent1"/>
+          </a:effectRef>
+          <a:fontRef idx="minor">
+            <a:schemeClr val="lt1"/>
+          </a:fontRef>
+        </p:style>
+        <p:txBody>
+          <a:bodyPr rtlCol="0" anchor="ctr"/>
+          <a:lstStyle/>
+          <a:p>
+            <a:pPr algn="ctr"/>
+            <a:endParaRPr lang="ko-KR" altLang="en-US"/>
+          </a:p>
+        </p:txBody>
+      </p:sp>
+      <p:sp>
+        <p:nvSpPr>
+          <p:cNvPr id="17" name="TextBox 16">
+            <a:extLst>
+              <a:ext uri="{FF2B5EF4-FFF2-40B4-BE49-F238E27FC236}">
+                <a16:creationId xmlns:a16="http://schemas.microsoft.com/office/drawing/2014/main" id="{C658F52C-75C4-2CC4-99F1-C964F158B764}"/>
+              </a:ext>
+            </a:extLst>
+          </p:cNvPr>
+          <p:cNvSpPr txBox="1"/>
+          <p:nvPr/>
+        </p:nvSpPr>
+        <p:spPr>
+          <a:xfrm>
+            <a:off x="6626492" y="2129909"/>
+            <a:ext cx="4765407" cy="600164"/>
+          </a:xfrm>
+          <a:prstGeom prst="rect">
+            <a:avLst/>
+          </a:prstGeom>
+          <a:noFill/>
+        </p:spPr>
+        <p:txBody>
+          <a:bodyPr wrap="square">
+            <a:spAutoFit/>
+          </a:bodyPr>
+          <a:lstStyle/>
+          <a:p>
+            <a:r>
+              <a:rPr lang="ko-KR" altLang="en-US" sz="1100" dirty="0"/>
+              <a:t>□ </a:t>
+            </a:r>
+            <a:r>
+              <a:rPr lang="en-US" altLang="ko-KR" sz="1100" dirty="0"/>
+              <a:t>: </a:t>
+            </a:r>
+            <a:r>
+              <a:rPr lang="ko-KR" altLang="en-US" sz="1100" dirty="0"/>
+              <a:t>기능</a:t>
+            </a:r>
+            <a:r>
+              <a:rPr lang="en-US" altLang="ko-KR" sz="1100" dirty="0"/>
+              <a:t>, </a:t>
+            </a:r>
+            <a:r>
+              <a:rPr lang="ko-KR" altLang="en-US" sz="1100" dirty="0"/>
+              <a:t>구성</a:t>
+            </a:r>
+            <a:r>
+              <a:rPr lang="en-US" altLang="ko-KR" sz="1100" dirty="0"/>
+              <a:t>, </a:t>
+            </a:r>
+            <a:r>
+              <a:rPr lang="ko-KR" altLang="en-US" sz="1100" dirty="0"/>
+              <a:t>역할을 고려한 </a:t>
+            </a:r>
+            <a:r>
+              <a:rPr lang="en-US" altLang="ko-KR" sz="1100" dirty="0"/>
+              <a:t>1</a:t>
+            </a:r>
+            <a:r>
+              <a:rPr lang="ko-KR" altLang="en-US" sz="1100" dirty="0"/>
+              <a:t>차 대분류</a:t>
+            </a:r>
+          </a:p>
+          <a:p>
+            <a:endParaRPr lang="en-US" altLang="ko-KR" sz="1100" dirty="0"/>
+          </a:p>
+          <a:p>
+            <a:r>
+              <a:rPr lang="ko-KR" altLang="en-US" sz="1100" dirty="0"/>
+              <a:t>▶ </a:t>
+            </a:r>
+            <a:r>
+              <a:rPr lang="en-US" altLang="ko-KR" sz="1100" dirty="0"/>
+              <a:t>: Work Master </a:t>
+            </a:r>
+            <a:r>
+              <a:rPr lang="ko-KR" altLang="en-US" sz="1100" dirty="0"/>
+              <a:t>구성 조합이 유사</a:t>
+            </a:r>
+            <a:r>
+              <a:rPr lang="en-US" altLang="ko-KR" sz="1100" dirty="0"/>
+              <a:t>, </a:t>
+            </a:r>
+            <a:r>
+              <a:rPr lang="ko-KR" altLang="en-US" sz="1100" dirty="0"/>
+              <a:t>동일한 건축 요소 그룹 단위</a:t>
+            </a:r>
+          </a:p>
+        </p:txBody>
+      </p:sp>
+      <p:graphicFrame>
+        <p:nvGraphicFramePr>
+          <p:cNvPr id="18" name="표 17">
+            <a:extLst>
+              <a:ext uri="{FF2B5EF4-FFF2-40B4-BE49-F238E27FC236}">
+                <a16:creationId xmlns:a16="http://schemas.microsoft.com/office/drawing/2014/main" id="{E41B8F45-D25B-531A-BCEA-87BF1D7790E6}"/>
+              </a:ext>
+            </a:extLst>
+          </p:cNvPr>
+          <p:cNvGraphicFramePr>
+            <a:graphicFrameLocks noGrp="1"/>
+          </p:cNvGraphicFramePr>
+          <p:nvPr>
+            <p:extLst>
+              <p:ext uri="{D42A27DB-BD31-4B8C-83A1-F6EECF244321}">
+                <p14:modId xmlns:p14="http://schemas.microsoft.com/office/powerpoint/2010/main" val="272648352"/>
+              </p:ext>
+            </p:extLst>
+          </p:nvPr>
+        </p:nvGraphicFramePr>
+        <p:xfrm>
+          <a:off x="2748547" y="1925538"/>
+          <a:ext cx="517525" cy="523875"/>
+        </p:xfrm>
+        <a:graphic>
+          <a:graphicData uri="http://schemas.openxmlformats.org/drawingml/2006/table">
+            <a:tbl>
+              <a:tblPr>
+                <a:tableStyleId>{2D5ABB26-0587-4C30-8999-92F81FD0307C}</a:tableStyleId>
+              </a:tblPr>
+              <a:tblGrid>
+                <a:gridCol w="517525">
+                  <a:extLst>
+                    <a:ext uri="{9D8B030D-6E8A-4147-A177-3AD203B41FA5}">
+                      <a16:colId xmlns:a16="http://schemas.microsoft.com/office/drawing/2014/main" val="3474242970"/>
+                    </a:ext>
+                  </a:extLst>
+                </a:gridCol>
+              </a:tblGrid>
+              <a:tr h="174625">
+                <a:tc>
+                  <a:txBody>
+                    <a:bodyPr/>
+                    <a:lstStyle/>
+                    <a:p>
+                      <a:pPr algn="l" fontAlgn="ctr"/>
+                      <a:r>
+                        <a:rPr lang="ko-KR" altLang="en-US" sz="900" b="0" u="sng" strike="noStrike" dirty="0">
+                          <a:solidFill>
+                            <a:srgbClr val="000000"/>
+                          </a:solidFill>
+                          <a:effectLst/>
+                        </a:rPr>
+                        <a:t>구체</a:t>
+                      </a:r>
+                      <a:endParaRPr lang="ko-KR" altLang="en-US" sz="900" b="0" i="0" u="sng" strike="noStrike" dirty="0">
+                        <a:solidFill>
+                          <a:srgbClr val="000000"/>
+                        </a:solidFill>
+                        <a:effectLst/>
+                        <a:latin typeface="Arial Unicode MS" panose="020B0604020202020204" pitchFamily="50" charset="-127"/>
+                        <a:ea typeface="Arial Unicode MS" panose="020B0604020202020204" pitchFamily="50" charset="-127"/>
+                      </a:endParaRPr>
+                    </a:p>
+                  </a:txBody>
+                  <a:tcPr marL="9525" marR="9525" marT="9525" marB="0" anchor="ctr"/>
+                </a:tc>
+                <a:extLst>
+                  <a:ext uri="{0D108BD9-81ED-4DB2-BD59-A6C34878D82A}">
+                    <a16:rowId xmlns:a16="http://schemas.microsoft.com/office/drawing/2014/main" val="1213210523"/>
+                  </a:ext>
+                </a:extLst>
+              </a:tr>
+              <a:tr h="174625">
+                <a:tc>
+                  <a:txBody>
+                    <a:bodyPr/>
+                    <a:lstStyle/>
+                    <a:p>
+                      <a:pPr algn="l" fontAlgn="ctr"/>
+                      <a:r>
+                        <a:rPr lang="ko-KR" altLang="en-US" sz="900" b="0" u="sng" strike="noStrike" dirty="0">
+                          <a:solidFill>
+                            <a:srgbClr val="000000"/>
+                          </a:solidFill>
+                          <a:effectLst/>
+                        </a:rPr>
+                        <a:t>철근</a:t>
+                      </a:r>
+                      <a:endParaRPr lang="ko-KR" altLang="en-US" sz="900" b="0" i="0" u="sng" strike="noStrike" dirty="0">
+                        <a:solidFill>
+                          <a:srgbClr val="000000"/>
+                        </a:solidFill>
+                        <a:effectLst/>
+                        <a:latin typeface="Arial Unicode MS" panose="020B0604020202020204" pitchFamily="50" charset="-127"/>
+                        <a:ea typeface="Arial Unicode MS" panose="020B0604020202020204" pitchFamily="50" charset="-127"/>
+                      </a:endParaRPr>
+                    </a:p>
+                  </a:txBody>
+                  <a:tcPr marL="9525" marR="9525" marT="9525" marB="0" anchor="ctr"/>
+                </a:tc>
+                <a:extLst>
+                  <a:ext uri="{0D108BD9-81ED-4DB2-BD59-A6C34878D82A}">
+                    <a16:rowId xmlns:a16="http://schemas.microsoft.com/office/drawing/2014/main" val="3785498584"/>
+                  </a:ext>
+                </a:extLst>
+              </a:tr>
+              <a:tr h="174625">
+                <a:tc>
+                  <a:txBody>
+                    <a:bodyPr/>
+                    <a:lstStyle/>
+                    <a:p>
+                      <a:pPr algn="l" fontAlgn="ctr"/>
+                      <a:r>
+                        <a:rPr lang="ko-KR" altLang="en-US" sz="900" b="0" u="sng" strike="noStrike" dirty="0">
+                          <a:solidFill>
+                            <a:srgbClr val="000000"/>
+                          </a:solidFill>
+                          <a:effectLst/>
+                        </a:rPr>
+                        <a:t>거푸집</a:t>
+                      </a:r>
+                      <a:endParaRPr lang="ko-KR" altLang="en-US" sz="900" b="0" i="0" u="sng" strike="noStrike" dirty="0">
+                        <a:solidFill>
+                          <a:srgbClr val="000000"/>
+                        </a:solidFill>
+                        <a:effectLst/>
+                        <a:latin typeface="Arial Unicode MS" panose="020B0604020202020204" pitchFamily="50" charset="-127"/>
+                        <a:ea typeface="Arial Unicode MS" panose="020B0604020202020204" pitchFamily="50" charset="-127"/>
+                      </a:endParaRPr>
+                    </a:p>
+                  </a:txBody>
+                  <a:tcPr marL="9525" marR="9525" marT="9525" marB="0" anchor="ctr"/>
+                </a:tc>
+                <a:extLst>
+                  <a:ext uri="{0D108BD9-81ED-4DB2-BD59-A6C34878D82A}">
+                    <a16:rowId xmlns:a16="http://schemas.microsoft.com/office/drawing/2014/main" val="3764203910"/>
+                  </a:ext>
+                </a:extLst>
+              </a:tr>
+            </a:tbl>
+          </a:graphicData>
+        </a:graphic>
+      </p:graphicFrame>
+      <p:graphicFrame>
+        <p:nvGraphicFramePr>
+          <p:cNvPr id="19" name="표 18">
+            <a:extLst>
+              <a:ext uri="{FF2B5EF4-FFF2-40B4-BE49-F238E27FC236}">
+                <a16:creationId xmlns:a16="http://schemas.microsoft.com/office/drawing/2014/main" id="{16E36CD6-7AF8-9DDD-FED5-1EBE65001CCE}"/>
+              </a:ext>
+            </a:extLst>
+          </p:cNvPr>
+          <p:cNvGraphicFramePr>
+            <a:graphicFrameLocks noGrp="1"/>
+          </p:cNvGraphicFramePr>
+          <p:nvPr>
+            <p:extLst>
+              <p:ext uri="{D42A27DB-BD31-4B8C-83A1-F6EECF244321}">
+                <p14:modId xmlns:p14="http://schemas.microsoft.com/office/powerpoint/2010/main" val="899488432"/>
+              </p:ext>
+            </p:extLst>
+          </p:nvPr>
+        </p:nvGraphicFramePr>
+        <p:xfrm>
+          <a:off x="2748547" y="2618349"/>
+          <a:ext cx="517525" cy="523875"/>
+        </p:xfrm>
+        <a:graphic>
+          <a:graphicData uri="http://schemas.openxmlformats.org/drawingml/2006/table">
+            <a:tbl>
+              <a:tblPr>
+                <a:tableStyleId>{2D5ABB26-0587-4C30-8999-92F81FD0307C}</a:tableStyleId>
+              </a:tblPr>
+              <a:tblGrid>
+                <a:gridCol w="517525">
+                  <a:extLst>
+                    <a:ext uri="{9D8B030D-6E8A-4147-A177-3AD203B41FA5}">
+                      <a16:colId xmlns:a16="http://schemas.microsoft.com/office/drawing/2014/main" val="3474242970"/>
+                    </a:ext>
+                  </a:extLst>
+                </a:gridCol>
+              </a:tblGrid>
+              <a:tr h="174625">
+                <a:tc>
+                  <a:txBody>
+                    <a:bodyPr/>
+                    <a:lstStyle/>
+                    <a:p>
+                      <a:pPr algn="l" fontAlgn="ctr"/>
+                      <a:r>
+                        <a:rPr lang="ko-KR" altLang="en-US" sz="900" b="0" u="sng" strike="noStrike">
+                          <a:solidFill>
+                            <a:srgbClr val="000000"/>
+                          </a:solidFill>
+                          <a:effectLst/>
+                        </a:rPr>
+                        <a:t>구체</a:t>
+                      </a:r>
+                      <a:endParaRPr lang="ko-KR" altLang="en-US" sz="900" b="0" i="0" u="sng" strike="noStrike">
+                        <a:solidFill>
+                          <a:srgbClr val="000000"/>
+                        </a:solidFill>
+                        <a:effectLst/>
+                        <a:latin typeface="Arial Unicode MS" panose="020B0604020202020204" pitchFamily="50" charset="-127"/>
+                        <a:ea typeface="Arial Unicode MS" panose="020B0604020202020204" pitchFamily="50" charset="-127"/>
+                      </a:endParaRPr>
+                    </a:p>
+                  </a:txBody>
+                  <a:tcPr marL="9525" marR="9525" marT="9525" marB="0" anchor="ctr"/>
+                </a:tc>
+                <a:extLst>
+                  <a:ext uri="{0D108BD9-81ED-4DB2-BD59-A6C34878D82A}">
+                    <a16:rowId xmlns:a16="http://schemas.microsoft.com/office/drawing/2014/main" val="1213210523"/>
+                  </a:ext>
+                </a:extLst>
+              </a:tr>
+              <a:tr h="174625">
+                <a:tc>
+                  <a:txBody>
+                    <a:bodyPr/>
+                    <a:lstStyle/>
+                    <a:p>
+                      <a:pPr algn="l" fontAlgn="ctr"/>
+                      <a:r>
+                        <a:rPr lang="ko-KR" altLang="en-US" sz="900" b="0" u="sng" strike="noStrike" dirty="0">
+                          <a:solidFill>
+                            <a:srgbClr val="000000"/>
+                          </a:solidFill>
+                          <a:effectLst/>
+                        </a:rPr>
+                        <a:t>철근</a:t>
+                      </a:r>
+                      <a:endParaRPr lang="ko-KR" altLang="en-US" sz="900" b="0" i="0" u="sng" strike="noStrike" dirty="0">
+                        <a:solidFill>
+                          <a:srgbClr val="000000"/>
+                        </a:solidFill>
+                        <a:effectLst/>
+                        <a:latin typeface="Arial Unicode MS" panose="020B0604020202020204" pitchFamily="50" charset="-127"/>
+                        <a:ea typeface="Arial Unicode MS" panose="020B0604020202020204" pitchFamily="50" charset="-127"/>
+                      </a:endParaRPr>
+                    </a:p>
+                  </a:txBody>
+                  <a:tcPr marL="9525" marR="9525" marT="9525" marB="0" anchor="ctr"/>
+                </a:tc>
+                <a:extLst>
+                  <a:ext uri="{0D108BD9-81ED-4DB2-BD59-A6C34878D82A}">
+                    <a16:rowId xmlns:a16="http://schemas.microsoft.com/office/drawing/2014/main" val="3785498584"/>
+                  </a:ext>
+                </a:extLst>
+              </a:tr>
+              <a:tr h="174625">
+                <a:tc>
+                  <a:txBody>
+                    <a:bodyPr/>
+                    <a:lstStyle/>
+                    <a:p>
+                      <a:pPr algn="l" fontAlgn="ctr"/>
+                      <a:r>
+                        <a:rPr lang="ko-KR" altLang="en-US" sz="900" b="0" u="sng" strike="noStrike" dirty="0">
+                          <a:solidFill>
+                            <a:srgbClr val="000000"/>
+                          </a:solidFill>
+                          <a:effectLst/>
+                        </a:rPr>
+                        <a:t>거푸집</a:t>
+                      </a:r>
+                      <a:endParaRPr lang="ko-KR" altLang="en-US" sz="900" b="0" i="0" u="sng" strike="noStrike" dirty="0">
+                        <a:solidFill>
+                          <a:srgbClr val="000000"/>
+                        </a:solidFill>
+                        <a:effectLst/>
+                        <a:latin typeface="Arial Unicode MS" panose="020B0604020202020204" pitchFamily="50" charset="-127"/>
+                        <a:ea typeface="Arial Unicode MS" panose="020B0604020202020204" pitchFamily="50" charset="-127"/>
+                      </a:endParaRPr>
+                    </a:p>
+                  </a:txBody>
+                  <a:tcPr marL="9525" marR="9525" marT="9525" marB="0" anchor="ctr"/>
+                </a:tc>
+                <a:extLst>
+                  <a:ext uri="{0D108BD9-81ED-4DB2-BD59-A6C34878D82A}">
+                    <a16:rowId xmlns:a16="http://schemas.microsoft.com/office/drawing/2014/main" val="3764203910"/>
+                  </a:ext>
+                </a:extLst>
+              </a:tr>
+            </a:tbl>
+          </a:graphicData>
+        </a:graphic>
+      </p:graphicFrame>
+      <p:graphicFrame>
+        <p:nvGraphicFramePr>
+          <p:cNvPr id="24" name="표 23">
+            <a:extLst>
+              <a:ext uri="{FF2B5EF4-FFF2-40B4-BE49-F238E27FC236}">
+                <a16:creationId xmlns:a16="http://schemas.microsoft.com/office/drawing/2014/main" id="{E747910B-4A61-92EF-73B2-E0F7E40BAA39}"/>
+              </a:ext>
+            </a:extLst>
+          </p:cNvPr>
+          <p:cNvGraphicFramePr>
+            <a:graphicFrameLocks noGrp="1"/>
+          </p:cNvGraphicFramePr>
+          <p:nvPr>
+            <p:extLst>
+              <p:ext uri="{D42A27DB-BD31-4B8C-83A1-F6EECF244321}">
+                <p14:modId xmlns:p14="http://schemas.microsoft.com/office/powerpoint/2010/main" val="851052430"/>
+              </p:ext>
+            </p:extLst>
+          </p:nvPr>
+        </p:nvGraphicFramePr>
+        <p:xfrm>
+          <a:off x="2748547" y="3270206"/>
+          <a:ext cx="711927" cy="695325"/>
+        </p:xfrm>
+        <a:graphic>
+          <a:graphicData uri="http://schemas.openxmlformats.org/drawingml/2006/table">
+            <a:tbl>
+              <a:tblPr>
+                <a:tableStyleId>{2D5ABB26-0587-4C30-8999-92F81FD0307C}</a:tableStyleId>
+              </a:tblPr>
+              <a:tblGrid>
+                <a:gridCol w="711927">
+                  <a:extLst>
+                    <a:ext uri="{9D8B030D-6E8A-4147-A177-3AD203B41FA5}">
+                      <a16:colId xmlns:a16="http://schemas.microsoft.com/office/drawing/2014/main" val="3474242970"/>
+                    </a:ext>
+                  </a:extLst>
+                </a:gridCol>
+              </a:tblGrid>
+              <a:tr h="463425">
+                <a:tc>
+                  <a:txBody>
+                    <a:bodyPr/>
+                    <a:lstStyle/>
+                    <a:p>
+                      <a:pPr algn="l" fontAlgn="ctr"/>
+                      <a:r>
+                        <a:rPr lang="ko-KR" altLang="en-US" sz="900" b="0" i="0" u="sng" strike="noStrike" dirty="0">
+                          <a:solidFill>
+                            <a:srgbClr val="000000"/>
+                          </a:solidFill>
+                          <a:effectLst/>
+                          <a:latin typeface="Arial Unicode MS" panose="020B0604020202020204" pitchFamily="50" charset="-127"/>
+                          <a:ea typeface="Arial Unicode MS" panose="020B0604020202020204" pitchFamily="50" charset="-127"/>
+                        </a:rPr>
+                        <a:t>구체</a:t>
+                      </a:r>
+                    </a:p>
+                    <a:p>
+                      <a:pPr algn="l" fontAlgn="ctr"/>
+                      <a:r>
+                        <a:rPr lang="ko-KR" altLang="en-US" sz="900" b="0" i="0" u="sng" strike="noStrike" dirty="0">
+                          <a:solidFill>
+                            <a:srgbClr val="000000"/>
+                          </a:solidFill>
+                          <a:effectLst/>
+                          <a:latin typeface="Arial Unicode MS" panose="020B0604020202020204" pitchFamily="50" charset="-127"/>
+                          <a:ea typeface="Arial Unicode MS" panose="020B0604020202020204" pitchFamily="50" charset="-127"/>
+                        </a:rPr>
+                        <a:t>철근</a:t>
+                      </a:r>
+                    </a:p>
+                    <a:p>
+                      <a:pPr algn="l" fontAlgn="ctr"/>
+                      <a:r>
+                        <a:rPr lang="ko-KR" altLang="en-US" sz="900" b="0" i="0" u="sng" strike="noStrike" dirty="0">
+                          <a:solidFill>
+                            <a:srgbClr val="000000"/>
+                          </a:solidFill>
+                          <a:effectLst/>
+                          <a:latin typeface="Arial Unicode MS" panose="020B0604020202020204" pitchFamily="50" charset="-127"/>
+                          <a:ea typeface="Arial Unicode MS" panose="020B0604020202020204" pitchFamily="50" charset="-127"/>
+                        </a:rPr>
+                        <a:t>거푸집</a:t>
+                      </a:r>
+                    </a:p>
+                    <a:p>
+                      <a:pPr algn="l" fontAlgn="ctr"/>
+                      <a:r>
+                        <a:rPr lang="ko-KR" altLang="en-US" sz="900" b="0" i="0" u="sng" strike="noStrike" dirty="0">
+                          <a:solidFill>
+                            <a:srgbClr val="000000"/>
+                          </a:solidFill>
+                          <a:effectLst/>
+                          <a:latin typeface="Arial Unicode MS" panose="020B0604020202020204" pitchFamily="50" charset="-127"/>
+                          <a:ea typeface="Arial Unicode MS" panose="020B0604020202020204" pitchFamily="50" charset="-127"/>
+                        </a:rPr>
+                        <a:t>보호층</a:t>
+                      </a:r>
+                    </a:p>
+                    <a:p>
+                      <a:pPr algn="l" fontAlgn="ctr"/>
+                      <a:r>
+                        <a:rPr lang="ko-KR" altLang="en-US" sz="900" b="0" i="0" u="sng" strike="noStrike" dirty="0">
+                          <a:solidFill>
+                            <a:srgbClr val="000000"/>
+                          </a:solidFill>
+                          <a:effectLst/>
+                          <a:latin typeface="Arial Unicode MS" panose="020B0604020202020204" pitchFamily="50" charset="-127"/>
+                          <a:ea typeface="Arial Unicode MS" panose="020B0604020202020204" pitchFamily="50" charset="-127"/>
+                        </a:rPr>
+                        <a:t>페인팅</a:t>
+                      </a:r>
+                    </a:p>
+                  </a:txBody>
+                  <a:tcPr marL="9525" marR="9525" marT="9525" marB="0" anchor="ctr"/>
+                </a:tc>
+                <a:extLst>
+                  <a:ext uri="{0D108BD9-81ED-4DB2-BD59-A6C34878D82A}">
+                    <a16:rowId xmlns:a16="http://schemas.microsoft.com/office/drawing/2014/main" val="1213210523"/>
+                  </a:ext>
+                </a:extLst>
+              </a:tr>
+            </a:tbl>
+          </a:graphicData>
+        </a:graphic>
+      </p:graphicFrame>
+      <p:graphicFrame>
+        <p:nvGraphicFramePr>
+          <p:cNvPr id="28" name="표 27">
+            <a:extLst>
+              <a:ext uri="{FF2B5EF4-FFF2-40B4-BE49-F238E27FC236}">
+                <a16:creationId xmlns:a16="http://schemas.microsoft.com/office/drawing/2014/main" id="{8A787B2E-6BF5-EE8A-79BD-D936EF33796D}"/>
+              </a:ext>
+            </a:extLst>
+          </p:cNvPr>
+          <p:cNvGraphicFramePr>
+            <a:graphicFrameLocks noGrp="1"/>
+          </p:cNvGraphicFramePr>
+          <p:nvPr>
+            <p:extLst>
+              <p:ext uri="{D42A27DB-BD31-4B8C-83A1-F6EECF244321}">
+                <p14:modId xmlns:p14="http://schemas.microsoft.com/office/powerpoint/2010/main" val="2578864227"/>
+              </p:ext>
+            </p:extLst>
+          </p:nvPr>
+        </p:nvGraphicFramePr>
+        <p:xfrm>
+          <a:off x="2748547" y="4620851"/>
+          <a:ext cx="711927" cy="558165"/>
+        </p:xfrm>
+        <a:graphic>
+          <a:graphicData uri="http://schemas.openxmlformats.org/drawingml/2006/table">
+            <a:tbl>
+              <a:tblPr>
+                <a:tableStyleId>{2D5ABB26-0587-4C30-8999-92F81FD0307C}</a:tableStyleId>
+              </a:tblPr>
+              <a:tblGrid>
+                <a:gridCol w="711927">
+                  <a:extLst>
+                    <a:ext uri="{9D8B030D-6E8A-4147-A177-3AD203B41FA5}">
+                      <a16:colId xmlns:a16="http://schemas.microsoft.com/office/drawing/2014/main" val="3474242970"/>
+                    </a:ext>
+                  </a:extLst>
+                </a:gridCol>
+              </a:tblGrid>
+              <a:tr h="463425">
+                <a:tc>
+                  <a:txBody>
+                    <a:bodyPr/>
+                    <a:lstStyle/>
+                    <a:p>
+                      <a:pPr algn="l" fontAlgn="ctr"/>
+                      <a:r>
+                        <a:rPr lang="ko-KR" altLang="en-US" sz="900" b="0" i="0" u="sng" strike="noStrike" dirty="0">
+                          <a:solidFill>
+                            <a:srgbClr val="000000"/>
+                          </a:solidFill>
+                          <a:effectLst/>
+                          <a:latin typeface="Arial Unicode MS" panose="020B0604020202020204" pitchFamily="50" charset="-127"/>
+                          <a:ea typeface="Arial Unicode MS" panose="020B0604020202020204" pitchFamily="50" charset="-127"/>
+                        </a:rPr>
+                        <a:t>구체</a:t>
+                      </a:r>
+                    </a:p>
+                    <a:p>
+                      <a:pPr algn="l" fontAlgn="ctr"/>
+                      <a:r>
+                        <a:rPr lang="ko-KR" altLang="en-US" sz="900" b="0" i="0" u="sng" strike="noStrike" dirty="0">
+                          <a:solidFill>
+                            <a:srgbClr val="000000"/>
+                          </a:solidFill>
+                          <a:effectLst/>
+                          <a:latin typeface="Arial Unicode MS" panose="020B0604020202020204" pitchFamily="50" charset="-127"/>
+                          <a:ea typeface="Arial Unicode MS" panose="020B0604020202020204" pitchFamily="50" charset="-127"/>
+                        </a:rPr>
+                        <a:t>철근</a:t>
+                      </a:r>
+                    </a:p>
+                    <a:p>
+                      <a:pPr algn="l" fontAlgn="ctr"/>
+                      <a:r>
+                        <a:rPr lang="ko-KR" altLang="en-US" sz="900" b="0" i="0" u="sng" strike="noStrike" dirty="0">
+                          <a:solidFill>
+                            <a:srgbClr val="000000"/>
+                          </a:solidFill>
+                          <a:effectLst/>
+                          <a:latin typeface="Arial Unicode MS" panose="020B0604020202020204" pitchFamily="50" charset="-127"/>
+                          <a:ea typeface="Arial Unicode MS" panose="020B0604020202020204" pitchFamily="50" charset="-127"/>
+                        </a:rPr>
+                        <a:t>데크</a:t>
+                      </a:r>
+                      <a:r>
+                        <a:rPr lang="en-US" altLang="ko-KR" sz="900" b="0" i="0" u="sng" strike="noStrike" dirty="0">
+                          <a:solidFill>
+                            <a:srgbClr val="000000"/>
+                          </a:solidFill>
+                          <a:effectLst/>
+                          <a:latin typeface="Arial Unicode MS" panose="020B0604020202020204" pitchFamily="50" charset="-127"/>
+                          <a:ea typeface="Arial Unicode MS" panose="020B0604020202020204" pitchFamily="50" charset="-127"/>
+                        </a:rPr>
+                        <a:t>_</a:t>
+                      </a:r>
+                      <a:r>
+                        <a:rPr lang="ko-KR" altLang="en-US" sz="900" b="0" i="0" u="sng" strike="noStrike" dirty="0">
+                          <a:solidFill>
+                            <a:srgbClr val="000000"/>
+                          </a:solidFill>
+                          <a:effectLst/>
+                          <a:latin typeface="Arial Unicode MS" panose="020B0604020202020204" pitchFamily="50" charset="-127"/>
+                          <a:ea typeface="Arial Unicode MS" panose="020B0604020202020204" pitchFamily="50" charset="-127"/>
+                        </a:rPr>
+                        <a:t>제작</a:t>
+                      </a:r>
+                    </a:p>
+                    <a:p>
+                      <a:pPr algn="l" fontAlgn="ctr"/>
+                      <a:r>
+                        <a:rPr lang="ko-KR" altLang="en-US" sz="900" b="0" i="0" u="sng" strike="noStrike" dirty="0">
+                          <a:solidFill>
+                            <a:srgbClr val="000000"/>
+                          </a:solidFill>
+                          <a:effectLst/>
+                          <a:latin typeface="Arial Unicode MS" panose="020B0604020202020204" pitchFamily="50" charset="-127"/>
+                          <a:ea typeface="Arial Unicode MS" panose="020B0604020202020204" pitchFamily="50" charset="-127"/>
+                        </a:rPr>
+                        <a:t>데크</a:t>
+                      </a:r>
+                      <a:r>
+                        <a:rPr lang="en-US" altLang="ko-KR" sz="900" b="0" i="0" u="sng" strike="noStrike" dirty="0">
+                          <a:solidFill>
+                            <a:srgbClr val="000000"/>
+                          </a:solidFill>
+                          <a:effectLst/>
+                          <a:latin typeface="Arial Unicode MS" panose="020B0604020202020204" pitchFamily="50" charset="-127"/>
+                          <a:ea typeface="Arial Unicode MS" panose="020B0604020202020204" pitchFamily="50" charset="-127"/>
+                        </a:rPr>
+                        <a:t>_</a:t>
+                      </a:r>
+                      <a:r>
+                        <a:rPr lang="ko-KR" altLang="en-US" sz="900" b="0" i="0" u="sng" strike="noStrike" dirty="0">
+                          <a:solidFill>
+                            <a:srgbClr val="000000"/>
+                          </a:solidFill>
+                          <a:effectLst/>
+                          <a:latin typeface="Arial Unicode MS" panose="020B0604020202020204" pitchFamily="50" charset="-127"/>
+                          <a:ea typeface="Arial Unicode MS" panose="020B0604020202020204" pitchFamily="50" charset="-127"/>
+                        </a:rPr>
+                        <a:t>시공</a:t>
+                      </a:r>
+                    </a:p>
+                  </a:txBody>
+                  <a:tcPr marL="9525" marR="9525" marT="9525" marB="0" anchor="ctr"/>
+                </a:tc>
+                <a:extLst>
+                  <a:ext uri="{0D108BD9-81ED-4DB2-BD59-A6C34878D82A}">
+                    <a16:rowId xmlns:a16="http://schemas.microsoft.com/office/drawing/2014/main" val="1213210523"/>
+                  </a:ext>
+                </a:extLst>
+              </a:tr>
+            </a:tbl>
+          </a:graphicData>
+        </a:graphic>
+      </p:graphicFrame>
+      <p:graphicFrame>
+        <p:nvGraphicFramePr>
+          <p:cNvPr id="29" name="표 28">
+            <a:extLst>
+              <a:ext uri="{FF2B5EF4-FFF2-40B4-BE49-F238E27FC236}">
+                <a16:creationId xmlns:a16="http://schemas.microsoft.com/office/drawing/2014/main" id="{40C40E4F-13B9-1DD9-B0E6-21C6E0939B90}"/>
+              </a:ext>
+            </a:extLst>
+          </p:cNvPr>
+          <p:cNvGraphicFramePr>
+            <a:graphicFrameLocks noGrp="1"/>
+          </p:cNvGraphicFramePr>
+          <p:nvPr>
+            <p:extLst>
+              <p:ext uri="{D42A27DB-BD31-4B8C-83A1-F6EECF244321}">
+                <p14:modId xmlns:p14="http://schemas.microsoft.com/office/powerpoint/2010/main" val="295678373"/>
+              </p:ext>
+            </p:extLst>
+          </p:nvPr>
+        </p:nvGraphicFramePr>
+        <p:xfrm>
+          <a:off x="2748547" y="5430683"/>
+          <a:ext cx="711927" cy="558165"/>
+        </p:xfrm>
+        <a:graphic>
+          <a:graphicData uri="http://schemas.openxmlformats.org/drawingml/2006/table">
+            <a:tbl>
+              <a:tblPr>
+                <a:tableStyleId>{2D5ABB26-0587-4C30-8999-92F81FD0307C}</a:tableStyleId>
+              </a:tblPr>
+              <a:tblGrid>
+                <a:gridCol w="711927">
+                  <a:extLst>
+                    <a:ext uri="{9D8B030D-6E8A-4147-A177-3AD203B41FA5}">
+                      <a16:colId xmlns:a16="http://schemas.microsoft.com/office/drawing/2014/main" val="3474242970"/>
+                    </a:ext>
+                  </a:extLst>
+                </a:gridCol>
+              </a:tblGrid>
+              <a:tr h="463425">
+                <a:tc>
+                  <a:txBody>
+                    <a:bodyPr/>
+                    <a:lstStyle/>
+                    <a:p>
+                      <a:pPr algn="l" fontAlgn="ctr"/>
+                      <a:r>
+                        <a:rPr lang="ko-KR" altLang="en-US" sz="900" b="0" i="0" u="sng" strike="noStrike" dirty="0">
+                          <a:solidFill>
+                            <a:srgbClr val="000000"/>
+                          </a:solidFill>
+                          <a:effectLst/>
+                          <a:latin typeface="Arial Unicode MS" panose="020B0604020202020204" pitchFamily="50" charset="-127"/>
+                          <a:ea typeface="Arial Unicode MS" panose="020B0604020202020204" pitchFamily="50" charset="-127"/>
+                        </a:rPr>
+                        <a:t>구체</a:t>
+                      </a:r>
+                    </a:p>
+                    <a:p>
+                      <a:pPr algn="l" fontAlgn="ctr"/>
+                      <a:r>
+                        <a:rPr lang="ko-KR" altLang="en-US" sz="900" b="0" i="0" u="sng" strike="noStrike" dirty="0">
+                          <a:solidFill>
+                            <a:srgbClr val="000000"/>
+                          </a:solidFill>
+                          <a:effectLst/>
+                          <a:latin typeface="Arial Unicode MS" panose="020B0604020202020204" pitchFamily="50" charset="-127"/>
+                          <a:ea typeface="Arial Unicode MS" panose="020B0604020202020204" pitchFamily="50" charset="-127"/>
+                        </a:rPr>
+                        <a:t>철근</a:t>
+                      </a:r>
+                    </a:p>
+                    <a:p>
+                      <a:pPr algn="l" fontAlgn="ctr"/>
+                      <a:r>
+                        <a:rPr lang="ko-KR" altLang="en-US" sz="900" b="0" i="0" u="sng" strike="noStrike" dirty="0">
+                          <a:solidFill>
+                            <a:srgbClr val="000000"/>
+                          </a:solidFill>
+                          <a:effectLst/>
+                          <a:latin typeface="Arial Unicode MS" panose="020B0604020202020204" pitchFamily="50" charset="-127"/>
+                          <a:ea typeface="Arial Unicode MS" panose="020B0604020202020204" pitchFamily="50" charset="-127"/>
+                        </a:rPr>
+                        <a:t>데크</a:t>
+                      </a:r>
+                      <a:r>
+                        <a:rPr lang="en-US" altLang="ko-KR" sz="900" b="0" i="0" u="sng" strike="noStrike" dirty="0">
+                          <a:solidFill>
+                            <a:srgbClr val="000000"/>
+                          </a:solidFill>
+                          <a:effectLst/>
+                          <a:latin typeface="Arial Unicode MS" panose="020B0604020202020204" pitchFamily="50" charset="-127"/>
+                          <a:ea typeface="Arial Unicode MS" panose="020B0604020202020204" pitchFamily="50" charset="-127"/>
+                        </a:rPr>
+                        <a:t>_</a:t>
+                      </a:r>
+                      <a:r>
+                        <a:rPr lang="ko-KR" altLang="en-US" sz="900" b="0" i="0" u="sng" strike="noStrike" dirty="0">
+                          <a:solidFill>
+                            <a:srgbClr val="000000"/>
+                          </a:solidFill>
+                          <a:effectLst/>
+                          <a:latin typeface="Arial Unicode MS" panose="020B0604020202020204" pitchFamily="50" charset="-127"/>
+                          <a:ea typeface="Arial Unicode MS" panose="020B0604020202020204" pitchFamily="50" charset="-127"/>
+                        </a:rPr>
+                        <a:t>제작</a:t>
+                      </a:r>
+                    </a:p>
+                    <a:p>
+                      <a:pPr algn="l" fontAlgn="ctr"/>
+                      <a:r>
+                        <a:rPr lang="ko-KR" altLang="en-US" sz="900" b="0" i="0" u="sng" strike="noStrike" dirty="0">
+                          <a:solidFill>
+                            <a:srgbClr val="000000"/>
+                          </a:solidFill>
+                          <a:effectLst/>
+                          <a:latin typeface="Arial Unicode MS" panose="020B0604020202020204" pitchFamily="50" charset="-127"/>
+                          <a:ea typeface="Arial Unicode MS" panose="020B0604020202020204" pitchFamily="50" charset="-127"/>
+                        </a:rPr>
+                        <a:t>데크</a:t>
+                      </a:r>
+                      <a:r>
+                        <a:rPr lang="en-US" altLang="ko-KR" sz="900" b="0" i="0" u="sng" strike="noStrike" dirty="0">
+                          <a:solidFill>
+                            <a:srgbClr val="000000"/>
+                          </a:solidFill>
+                          <a:effectLst/>
+                          <a:latin typeface="Arial Unicode MS" panose="020B0604020202020204" pitchFamily="50" charset="-127"/>
+                          <a:ea typeface="Arial Unicode MS" panose="020B0604020202020204" pitchFamily="50" charset="-127"/>
+                        </a:rPr>
+                        <a:t>_</a:t>
+                      </a:r>
+                      <a:r>
+                        <a:rPr lang="ko-KR" altLang="en-US" sz="900" b="0" i="0" u="sng" strike="noStrike" dirty="0">
+                          <a:solidFill>
+                            <a:srgbClr val="000000"/>
+                          </a:solidFill>
+                          <a:effectLst/>
+                          <a:latin typeface="Arial Unicode MS" panose="020B0604020202020204" pitchFamily="50" charset="-127"/>
+                          <a:ea typeface="Arial Unicode MS" panose="020B0604020202020204" pitchFamily="50" charset="-127"/>
+                        </a:rPr>
+                        <a:t>시공</a:t>
+                      </a:r>
+                    </a:p>
+                  </a:txBody>
+                  <a:tcPr marL="9525" marR="9525" marT="9525" marB="0" anchor="ctr"/>
+                </a:tc>
+                <a:extLst>
+                  <a:ext uri="{0D108BD9-81ED-4DB2-BD59-A6C34878D82A}">
+                    <a16:rowId xmlns:a16="http://schemas.microsoft.com/office/drawing/2014/main" val="1213210523"/>
+                  </a:ext>
+                </a:extLst>
+              </a:tr>
+            </a:tbl>
+          </a:graphicData>
+        </a:graphic>
+      </p:graphicFrame>
+    </p:spTree>
+    <p:extLst>
+      <p:ext uri="{BB962C8B-B14F-4D97-AF65-F5344CB8AC3E}">
+        <p14:creationId xmlns:p14="http://schemas.microsoft.com/office/powerpoint/2010/main" val="2276976204"/>
+      </p:ext>
+    </p:extLst>
+  </p:cSld>
+  <p:clrMapOvr>
+    <a:masterClrMapping/>
+  </p:clrMapOvr>
+</p:sld>
+</file>
+
+<file path=ppt/slides/slide32.xml><?xml version="1.0" encoding="utf-8"?>
+<p:sld xmlns:a="http://schemas.openxmlformats.org/drawingml/2006/main" xmlns:r="http://schemas.openxmlformats.org/officeDocument/2006/relationships" xmlns:p="http://schemas.openxmlformats.org/presentationml/2006/main">
+  <p:cSld>
+    <p:spTree>
+      <p:nvGrpSpPr>
+        <p:cNvPr id="1" name=""/>
+        <p:cNvGrpSpPr/>
+        <p:nvPr/>
+      </p:nvGrpSpPr>
+      <p:grpSpPr>
+        <a:xfrm>
+          <a:off x="0" y="0"/>
+          <a:ext cx="0" cy="0"/>
+          <a:chOff x="0" y="0"/>
+          <a:chExt cx="0" cy="0"/>
+        </a:xfrm>
+      </p:grpSpPr>
+      <p:sp>
+        <p:nvSpPr>
+          <p:cNvPr id="3" name="Rectangle 14">
+            <a:extLst>
+              <a:ext uri="{FF2B5EF4-FFF2-40B4-BE49-F238E27FC236}">
+                <a16:creationId xmlns:a16="http://schemas.microsoft.com/office/drawing/2014/main" id="{64BD2BCE-F294-BEE2-E0EE-059A4D58C2C9}"/>
+              </a:ext>
+            </a:extLst>
+          </p:cNvPr>
+          <p:cNvSpPr>
+            <a:spLocks noChangeArrowheads="1"/>
+          </p:cNvSpPr>
+          <p:nvPr/>
+        </p:nvSpPr>
+        <p:spPr bwMode="auto">
+          <a:xfrm>
+            <a:off x="9221619" y="266582"/>
+            <a:ext cx="1436292" cy="246221"/>
+          </a:xfrm>
+          <a:prstGeom prst="rect">
+            <a:avLst/>
+          </a:prstGeom>
+          <a:noFill/>
+          <a:ln w="12700">
+            <a:noFill/>
+            <a:miter lim="800000"/>
+            <a:headEnd/>
+            <a:tailEnd/>
+          </a:ln>
+        </p:spPr>
+        <p:txBody>
+          <a:bodyPr wrap="none" lIns="0" tIns="0" rIns="0" bIns="0" anchor="ctr">
+            <a:spAutoFit/>
+          </a:bodyPr>
+          <a:lstStyle/>
+          <a:p>
+            <a:pPr defTabSz="900086" eaLnBrk="0" latinLnBrk="0" hangingPunct="0">
+              <a:spcBef>
+                <a:spcPct val="0"/>
+              </a:spcBef>
+              <a:spcAft>
+                <a:spcPct val="0"/>
+              </a:spcAft>
+              <a:defRPr/>
+            </a:pPr>
+            <a:r>
+              <a:rPr kumimoji="1" lang="ko-KR" altLang="en-US" sz="1600">
+                <a:ln>
+                  <a:solidFill>
+                    <a:srgbClr val="4F81BD">
+                      <a:alpha val="0"/>
+                    </a:srgbClr>
+                  </a:solidFill>
+                </a:ln>
+                <a:solidFill>
+                  <a:schemeClr val="tx1">
+                    <a:lumMod val="65000"/>
+                    <a:lumOff val="35000"/>
+                  </a:schemeClr>
+                </a:solidFill>
+                <a:latin typeface="현대하모니 M" panose="02020603020101020101" pitchFamily="18" charset="-127"/>
+                <a:ea typeface="현대하모니 M" panose="02020603020101020101" pitchFamily="18" charset="-127"/>
+              </a:rPr>
+              <a:t>플랜트건축설계팀</a:t>
+            </a:r>
+            <a:endParaRPr kumimoji="1" lang="ko-KR" altLang="en-US" sz="1600" dirty="0">
+              <a:ln>
+                <a:solidFill>
+                  <a:srgbClr val="4F81BD">
+                    <a:alpha val="0"/>
+                  </a:srgbClr>
+                </a:solidFill>
+              </a:ln>
+              <a:solidFill>
+                <a:schemeClr val="tx1">
+                  <a:lumMod val="65000"/>
+                  <a:lumOff val="35000"/>
+                </a:schemeClr>
+              </a:solidFill>
+              <a:latin typeface="현대하모니 M" panose="02020603020101020101" pitchFamily="18" charset="-127"/>
+              <a:ea typeface="현대하모니 M" panose="02020603020101020101" pitchFamily="18" charset="-127"/>
+            </a:endParaRPr>
+          </a:p>
+        </p:txBody>
+      </p:sp>
+      <p:sp>
+        <p:nvSpPr>
+          <p:cNvPr id="4" name="직사각형 3">
+            <a:extLst>
+              <a:ext uri="{FF2B5EF4-FFF2-40B4-BE49-F238E27FC236}">
+                <a16:creationId xmlns:a16="http://schemas.microsoft.com/office/drawing/2014/main" id="{73B1D632-6DFB-0F83-3712-AFC68D2CE58D}"/>
+              </a:ext>
+            </a:extLst>
+          </p:cNvPr>
+          <p:cNvSpPr/>
+          <p:nvPr/>
+        </p:nvSpPr>
+        <p:spPr>
+          <a:xfrm>
+            <a:off x="1320132" y="233484"/>
+            <a:ext cx="2956259" cy="369332"/>
+          </a:xfrm>
+          <a:prstGeom prst="rect">
+            <a:avLst/>
+          </a:prstGeom>
+        </p:spPr>
+        <p:txBody>
+          <a:bodyPr wrap="none">
+            <a:spAutoFit/>
+          </a:bodyPr>
+          <a:lstStyle/>
+          <a:p>
+            <a:pPr defTabSz="900086" eaLnBrk="0" latinLnBrk="0" hangingPunct="0">
+              <a:defRPr/>
+            </a:pPr>
+            <a:r>
+              <a:rPr lang="en-US" altLang="ko-KR" sz="1800" b="1" dirty="0">
+                <a:ln>
+                  <a:solidFill>
+                    <a:srgbClr val="4F81BD">
+                      <a:alpha val="0"/>
+                    </a:srgbClr>
+                  </a:solidFill>
+                </a:ln>
+                <a:latin typeface="현대하모니 M" panose="02020603020101020101" pitchFamily="18" charset="-127"/>
+                <a:ea typeface="현대하모니 M" panose="02020603020101020101" pitchFamily="18" charset="-127"/>
+              </a:rPr>
+              <a:t>Ⅴ. </a:t>
+            </a:r>
+            <a:r>
+              <a:rPr lang="ko-KR" altLang="en-US" sz="1800" b="1" dirty="0">
+                <a:ln>
+                  <a:solidFill>
+                    <a:srgbClr val="4F81BD">
+                      <a:alpha val="0"/>
+                    </a:srgbClr>
+                  </a:solidFill>
+                </a:ln>
+                <a:latin typeface="현대하모니 M" panose="02020603020101020101" pitchFamily="18" charset="-127"/>
+                <a:ea typeface="현대하모니 M" panose="02020603020101020101" pitchFamily="18" charset="-127"/>
+              </a:rPr>
+              <a:t>패밀리리스트 작성 및 검토</a:t>
+            </a:r>
+          </a:p>
+        </p:txBody>
+      </p:sp>
+      <p:grpSp>
+        <p:nvGrpSpPr>
+          <p:cNvPr id="13" name="그룹 12">
+            <a:extLst>
+              <a:ext uri="{FF2B5EF4-FFF2-40B4-BE49-F238E27FC236}">
+                <a16:creationId xmlns:a16="http://schemas.microsoft.com/office/drawing/2014/main" id="{BCBEF22B-D820-24F1-5AFD-735B48BD40B2}"/>
+              </a:ext>
+            </a:extLst>
+          </p:cNvPr>
+          <p:cNvGrpSpPr/>
+          <p:nvPr/>
+        </p:nvGrpSpPr>
+        <p:grpSpPr>
+          <a:xfrm>
+            <a:off x="358589" y="843803"/>
+            <a:ext cx="8442512" cy="412376"/>
+            <a:chOff x="358589" y="843803"/>
+            <a:chExt cx="8442512" cy="412376"/>
+          </a:xfrm>
+        </p:grpSpPr>
+        <p:sp>
+          <p:nvSpPr>
+            <p:cNvPr id="14" name="TextBox 13">
+              <a:extLst>
+                <a:ext uri="{FF2B5EF4-FFF2-40B4-BE49-F238E27FC236}">
+                  <a16:creationId xmlns:a16="http://schemas.microsoft.com/office/drawing/2014/main" id="{549EAB4A-04C2-6C17-6103-EA40E2BE90A1}"/>
+                </a:ext>
+              </a:extLst>
+            </p:cNvPr>
+            <p:cNvSpPr txBox="1"/>
+            <p:nvPr/>
+          </p:nvSpPr>
+          <p:spPr>
+            <a:xfrm>
+              <a:off x="492005" y="942240"/>
+              <a:ext cx="1345760" cy="230832"/>
+            </a:xfrm>
+            <a:prstGeom prst="rect">
+              <a:avLst/>
+            </a:prstGeom>
+            <a:noFill/>
+          </p:spPr>
+          <p:txBody>
+            <a:bodyPr wrap="square" rtlCol="0">
+              <a:spAutoFit/>
+            </a:bodyPr>
+            <a:lstStyle/>
+            <a:p>
+              <a:r>
+                <a:rPr lang="en-US" altLang="ko-KR" sz="900" dirty="0">
+                  <a:latin typeface="현대하모니 L" panose="02020603020101020101" pitchFamily="18" charset="-127"/>
+                  <a:ea typeface="현대하모니 L" panose="02020603020101020101" pitchFamily="18" charset="-127"/>
+                </a:rPr>
+                <a:t>Work Master</a:t>
+              </a:r>
+            </a:p>
+          </p:txBody>
+        </p:sp>
+        <p:sp>
+          <p:nvSpPr>
+            <p:cNvPr id="16" name="TextBox 15">
+              <a:extLst>
+                <a:ext uri="{FF2B5EF4-FFF2-40B4-BE49-F238E27FC236}">
+                  <a16:creationId xmlns:a16="http://schemas.microsoft.com/office/drawing/2014/main" id="{D7770E60-E623-4413-2F64-CC4CF3E570E8}"/>
+                </a:ext>
+              </a:extLst>
+            </p:cNvPr>
+            <p:cNvSpPr txBox="1"/>
+            <p:nvPr/>
+          </p:nvSpPr>
+          <p:spPr>
+            <a:xfrm>
+              <a:off x="2478817" y="942240"/>
+              <a:ext cx="1797574" cy="230832"/>
+            </a:xfrm>
+            <a:prstGeom prst="rect">
+              <a:avLst/>
+            </a:prstGeom>
+            <a:noFill/>
+          </p:spPr>
+          <p:txBody>
+            <a:bodyPr wrap="square" rtlCol="0">
+              <a:spAutoFit/>
+            </a:bodyPr>
+            <a:lstStyle/>
+            <a:p>
+              <a:r>
+                <a:rPr lang="ko-KR" altLang="en-US" sz="900" dirty="0">
+                  <a:latin typeface="현대하모니 L" panose="02020603020101020101" pitchFamily="18" charset="-127"/>
+                  <a:ea typeface="현대하모니 L" panose="02020603020101020101" pitchFamily="18" charset="-127"/>
+                </a:rPr>
+                <a:t>플랜트</a:t>
+              </a:r>
+              <a:r>
+                <a:rPr lang="en-US" altLang="ko-KR" sz="900" dirty="0">
+                  <a:latin typeface="현대하모니 L" panose="02020603020101020101" pitchFamily="18" charset="-127"/>
+                  <a:ea typeface="현대하모니 L" panose="02020603020101020101" pitchFamily="18" charset="-127"/>
+                </a:rPr>
+                <a:t>-</a:t>
+              </a:r>
+              <a:r>
+                <a:rPr lang="ko-KR" altLang="en-US" sz="900" dirty="0">
+                  <a:latin typeface="현대하모니 L" panose="02020603020101020101" pitchFamily="18" charset="-127"/>
+                  <a:ea typeface="현대하모니 L" panose="02020603020101020101" pitchFamily="18" charset="-127"/>
+                </a:rPr>
+                <a:t>건축요소 구성 표준 타입</a:t>
+              </a:r>
+              <a:endParaRPr lang="en-US" altLang="ko-KR" sz="900" dirty="0">
+                <a:latin typeface="현대하모니 L" panose="02020603020101020101" pitchFamily="18" charset="-127"/>
+                <a:ea typeface="현대하모니 L" panose="02020603020101020101" pitchFamily="18" charset="-127"/>
+              </a:endParaRPr>
+            </a:p>
+          </p:txBody>
+        </p:sp>
+        <p:sp>
+          <p:nvSpPr>
+            <p:cNvPr id="17" name="TextBox 16">
+              <a:extLst>
+                <a:ext uri="{FF2B5EF4-FFF2-40B4-BE49-F238E27FC236}">
+                  <a16:creationId xmlns:a16="http://schemas.microsoft.com/office/drawing/2014/main" id="{358F7DC3-E5E7-B579-DA58-8BA637E1688B}"/>
+                </a:ext>
+              </a:extLst>
+            </p:cNvPr>
+            <p:cNvSpPr txBox="1"/>
+            <p:nvPr/>
+          </p:nvSpPr>
+          <p:spPr>
+            <a:xfrm>
+              <a:off x="4917442" y="942240"/>
+              <a:ext cx="1608863" cy="230832"/>
+            </a:xfrm>
+            <a:prstGeom prst="rect">
+              <a:avLst/>
+            </a:prstGeom>
+            <a:noFill/>
+          </p:spPr>
+          <p:txBody>
+            <a:bodyPr wrap="square" rtlCol="0">
+              <a:spAutoFit/>
+            </a:bodyPr>
+            <a:lstStyle/>
+            <a:p>
+              <a:r>
+                <a:rPr lang="ko-KR" altLang="en-US" sz="900" dirty="0">
+                  <a:latin typeface="현대하모니 L" panose="02020603020101020101" pitchFamily="18" charset="-127"/>
+                  <a:ea typeface="현대하모니 L" panose="02020603020101020101" pitchFamily="18" charset="-127"/>
+                </a:rPr>
+                <a:t>패밀리리스트</a:t>
+              </a:r>
+              <a:r>
+                <a:rPr lang="en-US" altLang="ko-KR" sz="900" dirty="0">
+                  <a:latin typeface="현대하모니 L" panose="02020603020101020101" pitchFamily="18" charset="-127"/>
+                  <a:ea typeface="현대하모니 L" panose="02020603020101020101" pitchFamily="18" charset="-127"/>
+                </a:rPr>
+                <a:t>_</a:t>
+              </a:r>
+              <a:r>
+                <a:rPr lang="ko-KR" altLang="en-US" sz="900" dirty="0">
+                  <a:latin typeface="현대하모니 L" panose="02020603020101020101" pitchFamily="18" charset="-127"/>
+                  <a:ea typeface="현대하모니 L" panose="02020603020101020101" pitchFamily="18" charset="-127"/>
+                </a:rPr>
+                <a:t>표준</a:t>
+              </a:r>
+              <a:r>
+                <a:rPr lang="en-US" altLang="ko-KR" sz="900" dirty="0">
+                  <a:latin typeface="현대하모니 L" panose="02020603020101020101" pitchFamily="18" charset="-127"/>
+                  <a:ea typeface="현대하모니 L" panose="02020603020101020101" pitchFamily="18" charset="-127"/>
+                </a:rPr>
+                <a:t>_</a:t>
+              </a:r>
+              <a:r>
+                <a:rPr lang="ko-KR" altLang="en-US" sz="900" dirty="0">
+                  <a:latin typeface="현대하모니 L" panose="02020603020101020101" pitchFamily="18" charset="-127"/>
+                  <a:ea typeface="현대하모니 L" panose="02020603020101020101" pitchFamily="18" charset="-127"/>
+                </a:rPr>
+                <a:t>구성도</a:t>
+              </a:r>
+              <a:endParaRPr lang="en-US" altLang="ko-KR" sz="900" dirty="0">
+                <a:latin typeface="현대하모니 L" panose="02020603020101020101" pitchFamily="18" charset="-127"/>
+                <a:ea typeface="현대하모니 L" panose="02020603020101020101" pitchFamily="18" charset="-127"/>
+              </a:endParaRPr>
+            </a:p>
+          </p:txBody>
+        </p:sp>
+        <p:sp>
+          <p:nvSpPr>
+            <p:cNvPr id="18" name="TextBox 17">
+              <a:extLst>
+                <a:ext uri="{FF2B5EF4-FFF2-40B4-BE49-F238E27FC236}">
+                  <a16:creationId xmlns:a16="http://schemas.microsoft.com/office/drawing/2014/main" id="{C1F97E88-3EE6-B2D0-059B-A499920D6E1D}"/>
+                </a:ext>
+              </a:extLst>
+            </p:cNvPr>
+            <p:cNvSpPr txBox="1"/>
+            <p:nvPr/>
+          </p:nvSpPr>
+          <p:spPr>
+            <a:xfrm>
+              <a:off x="7051042" y="942240"/>
+              <a:ext cx="1608863" cy="230832"/>
+            </a:xfrm>
+            <a:prstGeom prst="rect">
+              <a:avLst/>
+            </a:prstGeom>
+            <a:noFill/>
+          </p:spPr>
+          <p:txBody>
+            <a:bodyPr wrap="square" rtlCol="0">
+              <a:spAutoFit/>
+            </a:bodyPr>
+            <a:lstStyle/>
+            <a:p>
+              <a:r>
+                <a:rPr lang="ko-KR" altLang="en-US" sz="900" dirty="0">
+                  <a:latin typeface="현대하모니 L" panose="02020603020101020101" pitchFamily="18" charset="-127"/>
+                  <a:ea typeface="현대하모니 L" panose="02020603020101020101" pitchFamily="18" charset="-127"/>
+                </a:rPr>
+                <a:t>패밀리리스트</a:t>
+              </a:r>
+              <a:r>
+                <a:rPr lang="en-US" altLang="ko-KR" sz="900" dirty="0">
+                  <a:latin typeface="현대하모니 L" panose="02020603020101020101" pitchFamily="18" charset="-127"/>
+                  <a:ea typeface="현대하모니 L" panose="02020603020101020101" pitchFamily="18" charset="-127"/>
+                </a:rPr>
+                <a:t>_</a:t>
+              </a:r>
+              <a:r>
+                <a:rPr lang="ko-KR" altLang="en-US" sz="900" dirty="0">
+                  <a:latin typeface="현대하모니 L" panose="02020603020101020101" pitchFamily="18" charset="-127"/>
+                  <a:ea typeface="현대하모니 L" panose="02020603020101020101" pitchFamily="18" charset="-127"/>
+                </a:rPr>
+                <a:t>카테고리별 시트</a:t>
+              </a:r>
+              <a:endParaRPr lang="en-US" altLang="ko-KR" sz="900" dirty="0">
+                <a:latin typeface="현대하모니 L" panose="02020603020101020101" pitchFamily="18" charset="-127"/>
+                <a:ea typeface="현대하모니 L" panose="02020603020101020101" pitchFamily="18" charset="-127"/>
+              </a:endParaRPr>
+            </a:p>
+          </p:txBody>
+        </p:sp>
+        <p:sp>
+          <p:nvSpPr>
+            <p:cNvPr id="19" name="직사각형 18">
+              <a:extLst>
+                <a:ext uri="{FF2B5EF4-FFF2-40B4-BE49-F238E27FC236}">
+                  <a16:creationId xmlns:a16="http://schemas.microsoft.com/office/drawing/2014/main" id="{19DA944F-7AF4-5DCB-8462-646D0B4BE699}"/>
+                </a:ext>
+              </a:extLst>
+            </p:cNvPr>
+            <p:cNvSpPr/>
+            <p:nvPr/>
+          </p:nvSpPr>
+          <p:spPr>
+            <a:xfrm>
+              <a:off x="358589" y="843803"/>
+              <a:ext cx="8442512" cy="412376"/>
+            </a:xfrm>
+            <a:prstGeom prst="rect">
+              <a:avLst/>
+            </a:prstGeom>
+            <a:solidFill>
+              <a:schemeClr val="tx1">
+                <a:lumMod val="50000"/>
+                <a:lumOff val="50000"/>
+                <a:alpha val="28000"/>
+              </a:schemeClr>
+            </a:solidFill>
+            <a:ln>
+              <a:noFill/>
+            </a:ln>
+          </p:spPr>
+          <p:style>
+            <a:lnRef idx="2">
+              <a:schemeClr val="accent1">
+                <a:shade val="15000"/>
+              </a:schemeClr>
+            </a:lnRef>
+            <a:fillRef idx="1">
+              <a:schemeClr val="accent1"/>
+            </a:fillRef>
+            <a:effectRef idx="0">
+              <a:schemeClr val="accent1"/>
+            </a:effectRef>
+            <a:fontRef idx="minor">
+              <a:schemeClr val="lt1"/>
+            </a:fontRef>
+          </p:style>
+          <p:txBody>
+            <a:bodyPr rtlCol="0" anchor="ctr"/>
+            <a:lstStyle/>
+            <a:p>
+              <a:pPr algn="ctr"/>
+              <a:endParaRPr lang="ko-KR" altLang="en-US" dirty="0"/>
+            </a:p>
+          </p:txBody>
+        </p:sp>
+      </p:grpSp>
+      <p:sp>
+        <p:nvSpPr>
+          <p:cNvPr id="20" name="직사각형 19">
+            <a:extLst>
+              <a:ext uri="{FF2B5EF4-FFF2-40B4-BE49-F238E27FC236}">
+                <a16:creationId xmlns:a16="http://schemas.microsoft.com/office/drawing/2014/main" id="{E6B76D41-D916-1CCC-9966-492DB9C0A26F}"/>
+              </a:ext>
+            </a:extLst>
+          </p:cNvPr>
+          <p:cNvSpPr/>
+          <p:nvPr/>
+        </p:nvSpPr>
+        <p:spPr>
+          <a:xfrm>
+            <a:off x="4917441" y="843803"/>
+            <a:ext cx="1435733" cy="412376"/>
+          </a:xfrm>
+          <a:prstGeom prst="rect">
+            <a:avLst/>
+          </a:prstGeom>
+          <a:noFill/>
+          <a:ln w="38100">
+            <a:solidFill>
+              <a:srgbClr val="FF00FF"/>
+            </a:solidFill>
+          </a:ln>
+        </p:spPr>
+        <p:style>
+          <a:lnRef idx="2">
+            <a:schemeClr val="accent1">
+              <a:shade val="15000"/>
+            </a:schemeClr>
+          </a:lnRef>
+          <a:fillRef idx="1">
+            <a:schemeClr val="accent1"/>
+          </a:fillRef>
+          <a:effectRef idx="0">
+            <a:schemeClr val="accent1"/>
+          </a:effectRef>
+          <a:fontRef idx="minor">
+            <a:schemeClr val="lt1"/>
+          </a:fontRef>
+        </p:style>
+        <p:txBody>
+          <a:bodyPr rtlCol="0" anchor="ctr"/>
+          <a:lstStyle/>
+          <a:p>
+            <a:pPr algn="ctr"/>
+            <a:endParaRPr lang="ko-KR" altLang="en-US"/>
+          </a:p>
+        </p:txBody>
+      </p:sp>
+      <p:pic>
+        <p:nvPicPr>
+          <p:cNvPr id="25" name="그림 24">
+            <a:extLst>
+              <a:ext uri="{FF2B5EF4-FFF2-40B4-BE49-F238E27FC236}">
+                <a16:creationId xmlns:a16="http://schemas.microsoft.com/office/drawing/2014/main" id="{6FDEE9C2-D49E-0858-E827-64C028DA3A59}"/>
+              </a:ext>
+            </a:extLst>
+          </p:cNvPr>
+          <p:cNvPicPr>
+            <a:picLocks noChangeAspect="1"/>
+          </p:cNvPicPr>
+          <p:nvPr/>
+        </p:nvPicPr>
+        <p:blipFill>
+          <a:blip r:embed="rId3"/>
+          <a:stretch>
+            <a:fillRect/>
+          </a:stretch>
+        </p:blipFill>
+        <p:spPr>
+          <a:xfrm>
+            <a:off x="1974493" y="1436175"/>
+            <a:ext cx="8243014" cy="4917000"/>
+          </a:xfrm>
+          <a:prstGeom prst="rect">
+            <a:avLst/>
+          </a:prstGeom>
+        </p:spPr>
+      </p:pic>
+      <p:cxnSp>
+        <p:nvCxnSpPr>
+          <p:cNvPr id="29" name="직선 화살표 연결선 28">
+            <a:extLst>
+              <a:ext uri="{FF2B5EF4-FFF2-40B4-BE49-F238E27FC236}">
+                <a16:creationId xmlns:a16="http://schemas.microsoft.com/office/drawing/2014/main" id="{A0AD2213-814A-AB96-9A6C-578C6DABB2ED}"/>
+              </a:ext>
+            </a:extLst>
+          </p:cNvPr>
+          <p:cNvCxnSpPr/>
+          <p:nvPr/>
+        </p:nvCxnSpPr>
+        <p:spPr>
+          <a:xfrm>
+            <a:off x="1524000" y="3281082"/>
+            <a:ext cx="376518" cy="0"/>
+          </a:xfrm>
+          <a:prstGeom prst="straightConnector1">
+            <a:avLst/>
+          </a:prstGeom>
+          <a:ln>
+            <a:tailEnd type="triangle"/>
+          </a:ln>
+        </p:spPr>
+        <p:style>
+          <a:lnRef idx="1">
+            <a:schemeClr val="accent1"/>
+          </a:lnRef>
+          <a:fillRef idx="0">
+            <a:schemeClr val="accent1"/>
+          </a:fillRef>
+          <a:effectRef idx="0">
+            <a:schemeClr val="accent1"/>
+          </a:effectRef>
+          <a:fontRef idx="minor">
+            <a:schemeClr val="tx1"/>
+          </a:fontRef>
+        </p:style>
+      </p:cxnSp>
+      <p:sp>
+        <p:nvSpPr>
+          <p:cNvPr id="30" name="TextBox 29">
+            <a:extLst>
+              <a:ext uri="{FF2B5EF4-FFF2-40B4-BE49-F238E27FC236}">
+                <a16:creationId xmlns:a16="http://schemas.microsoft.com/office/drawing/2014/main" id="{42B123A1-B114-D7CE-4EF0-EC2772C4B658}"/>
+              </a:ext>
+            </a:extLst>
+          </p:cNvPr>
+          <p:cNvSpPr txBox="1"/>
+          <p:nvPr/>
+        </p:nvSpPr>
+        <p:spPr>
+          <a:xfrm>
+            <a:off x="317857" y="3165666"/>
+            <a:ext cx="1206143" cy="230832"/>
+          </a:xfrm>
+          <a:prstGeom prst="rect">
+            <a:avLst/>
+          </a:prstGeom>
+          <a:noFill/>
+        </p:spPr>
+        <p:txBody>
+          <a:bodyPr wrap="square">
+            <a:spAutoFit/>
+          </a:bodyPr>
+          <a:lstStyle/>
+          <a:p>
+            <a:r>
+              <a:rPr lang="ko-KR" altLang="en-US" sz="900" dirty="0">
+                <a:solidFill>
+                  <a:srgbClr val="0000FF"/>
+                </a:solidFill>
+              </a:rPr>
+              <a:t>▶ </a:t>
+            </a:r>
+            <a:r>
+              <a:rPr lang="en-US" altLang="ko-KR" sz="900" dirty="0">
+                <a:solidFill>
+                  <a:srgbClr val="0000FF"/>
+                </a:solidFill>
+              </a:rPr>
+              <a:t>: </a:t>
+            </a:r>
+            <a:r>
+              <a:rPr lang="ko-KR" altLang="en-US" sz="900" dirty="0">
+                <a:solidFill>
+                  <a:srgbClr val="0000FF"/>
+                </a:solidFill>
+              </a:rPr>
+              <a:t>구성 표준 타입</a:t>
+            </a:r>
+          </a:p>
+        </p:txBody>
+      </p:sp>
+      <p:cxnSp>
+        <p:nvCxnSpPr>
+          <p:cNvPr id="31" name="직선 화살표 연결선 30">
+            <a:extLst>
+              <a:ext uri="{FF2B5EF4-FFF2-40B4-BE49-F238E27FC236}">
+                <a16:creationId xmlns:a16="http://schemas.microsoft.com/office/drawing/2014/main" id="{0EA28712-D8E8-CD02-14C2-26336B8086E2}"/>
+              </a:ext>
+            </a:extLst>
+          </p:cNvPr>
+          <p:cNvCxnSpPr/>
+          <p:nvPr/>
+        </p:nvCxnSpPr>
+        <p:spPr>
+          <a:xfrm>
+            <a:off x="1524000" y="4392704"/>
+            <a:ext cx="376518" cy="0"/>
+          </a:xfrm>
+          <a:prstGeom prst="straightConnector1">
+            <a:avLst/>
+          </a:prstGeom>
+          <a:ln>
+            <a:tailEnd type="triangle"/>
+          </a:ln>
+        </p:spPr>
+        <p:style>
+          <a:lnRef idx="1">
+            <a:schemeClr val="accent1"/>
+          </a:lnRef>
+          <a:fillRef idx="0">
+            <a:schemeClr val="accent1"/>
+          </a:fillRef>
+          <a:effectRef idx="0">
+            <a:schemeClr val="accent1"/>
+          </a:effectRef>
+          <a:fontRef idx="minor">
+            <a:schemeClr val="tx1"/>
+          </a:fontRef>
+        </p:style>
+      </p:cxnSp>
+      <p:sp>
+        <p:nvSpPr>
+          <p:cNvPr id="32" name="TextBox 31">
+            <a:extLst>
+              <a:ext uri="{FF2B5EF4-FFF2-40B4-BE49-F238E27FC236}">
+                <a16:creationId xmlns:a16="http://schemas.microsoft.com/office/drawing/2014/main" id="{F7176BAF-84FD-2F9D-9E8B-8C60813A497C}"/>
+              </a:ext>
+            </a:extLst>
+          </p:cNvPr>
+          <p:cNvSpPr txBox="1"/>
+          <p:nvPr/>
+        </p:nvSpPr>
+        <p:spPr>
+          <a:xfrm>
+            <a:off x="250621" y="4277288"/>
+            <a:ext cx="1340614" cy="230832"/>
+          </a:xfrm>
+          <a:prstGeom prst="rect">
+            <a:avLst/>
+          </a:prstGeom>
+          <a:noFill/>
+        </p:spPr>
+        <p:txBody>
+          <a:bodyPr wrap="square">
+            <a:spAutoFit/>
+          </a:bodyPr>
+          <a:lstStyle/>
+          <a:p>
+            <a:r>
+              <a:rPr lang="en-US" altLang="ko-KR" sz="900" dirty="0">
+                <a:solidFill>
+                  <a:schemeClr val="accent2">
+                    <a:lumMod val="75000"/>
+                  </a:schemeClr>
+                </a:solidFill>
+              </a:rPr>
+              <a:t>H_</a:t>
+            </a:r>
+            <a:r>
+              <a:rPr lang="ko-KR" altLang="en-US" sz="900" dirty="0">
+                <a:solidFill>
+                  <a:schemeClr val="accent2">
+                    <a:lumMod val="75000"/>
+                  </a:schemeClr>
+                </a:solidFill>
+              </a:rPr>
+              <a:t> </a:t>
+            </a:r>
+            <a:r>
+              <a:rPr lang="en-US" altLang="ko-KR" sz="900" dirty="0">
+                <a:solidFill>
+                  <a:schemeClr val="accent2">
+                    <a:lumMod val="75000"/>
+                  </a:schemeClr>
+                </a:solidFill>
+              </a:rPr>
+              <a:t>: </a:t>
+            </a:r>
+            <a:r>
+              <a:rPr lang="ko-KR" altLang="en-US" sz="900" dirty="0">
+                <a:solidFill>
+                  <a:schemeClr val="accent2">
+                    <a:lumMod val="75000"/>
+                  </a:schemeClr>
+                </a:solidFill>
+              </a:rPr>
+              <a:t>표준 패밀리 타입</a:t>
+            </a:r>
+          </a:p>
+        </p:txBody>
+      </p:sp>
+      <p:sp>
+        <p:nvSpPr>
+          <p:cNvPr id="33" name="직사각형 32">
+            <a:extLst>
+              <a:ext uri="{FF2B5EF4-FFF2-40B4-BE49-F238E27FC236}">
+                <a16:creationId xmlns:a16="http://schemas.microsoft.com/office/drawing/2014/main" id="{8FE9A0DE-4C15-7F5C-24F4-A902FC217D8D}"/>
+              </a:ext>
+            </a:extLst>
+          </p:cNvPr>
+          <p:cNvSpPr/>
+          <p:nvPr/>
+        </p:nvSpPr>
+        <p:spPr>
+          <a:xfrm>
+            <a:off x="358589" y="3183595"/>
+            <a:ext cx="2904564" cy="214025"/>
+          </a:xfrm>
+          <a:prstGeom prst="rect">
+            <a:avLst/>
+          </a:prstGeom>
+          <a:noFill/>
+          <a:ln w="22225">
+            <a:solidFill>
+              <a:srgbClr val="0000FF"/>
+            </a:solidFill>
+            <a:prstDash val="sysDash"/>
+          </a:ln>
+        </p:spPr>
+        <p:style>
+          <a:lnRef idx="2">
+            <a:schemeClr val="accent1">
+              <a:shade val="15000"/>
+            </a:schemeClr>
+          </a:lnRef>
+          <a:fillRef idx="1">
+            <a:schemeClr val="accent1"/>
+          </a:fillRef>
+          <a:effectRef idx="0">
+            <a:schemeClr val="accent1"/>
+          </a:effectRef>
+          <a:fontRef idx="minor">
+            <a:schemeClr val="lt1"/>
+          </a:fontRef>
+        </p:style>
+        <p:txBody>
+          <a:bodyPr rtlCol="0" anchor="ctr"/>
+          <a:lstStyle/>
+          <a:p>
+            <a:pPr algn="ctr"/>
+            <a:endParaRPr lang="ko-KR" altLang="en-US"/>
+          </a:p>
+        </p:txBody>
+      </p:sp>
+      <p:sp>
+        <p:nvSpPr>
+          <p:cNvPr id="34" name="직사각형 33">
+            <a:extLst>
+              <a:ext uri="{FF2B5EF4-FFF2-40B4-BE49-F238E27FC236}">
+                <a16:creationId xmlns:a16="http://schemas.microsoft.com/office/drawing/2014/main" id="{8C5422F4-E878-2215-6E2E-C555B574CE80}"/>
+              </a:ext>
+            </a:extLst>
+          </p:cNvPr>
+          <p:cNvSpPr/>
+          <p:nvPr/>
+        </p:nvSpPr>
+        <p:spPr>
+          <a:xfrm>
+            <a:off x="250621" y="4205013"/>
+            <a:ext cx="3675920" cy="338967"/>
+          </a:xfrm>
+          <a:prstGeom prst="rect">
+            <a:avLst/>
+          </a:prstGeom>
+          <a:noFill/>
+          <a:ln w="22225">
+            <a:solidFill>
+              <a:schemeClr val="accent2">
+                <a:lumMod val="75000"/>
+              </a:schemeClr>
+            </a:solidFill>
+            <a:prstDash val="sysDash"/>
+          </a:ln>
+        </p:spPr>
+        <p:style>
+          <a:lnRef idx="2">
+            <a:schemeClr val="accent1">
+              <a:shade val="15000"/>
+            </a:schemeClr>
+          </a:lnRef>
+          <a:fillRef idx="1">
+            <a:schemeClr val="accent1"/>
+          </a:fillRef>
+          <a:effectRef idx="0">
+            <a:schemeClr val="accent1"/>
+          </a:effectRef>
+          <a:fontRef idx="minor">
+            <a:schemeClr val="lt1"/>
+          </a:fontRef>
+        </p:style>
+        <p:txBody>
+          <a:bodyPr rtlCol="0" anchor="ctr"/>
+          <a:lstStyle/>
+          <a:p>
+            <a:pPr algn="ctr"/>
+            <a:endParaRPr lang="ko-KR" altLang="en-US"/>
+          </a:p>
+        </p:txBody>
+      </p:sp>
+    </p:spTree>
+    <p:extLst>
+      <p:ext uri="{BB962C8B-B14F-4D97-AF65-F5344CB8AC3E}">
+        <p14:creationId xmlns:p14="http://schemas.microsoft.com/office/powerpoint/2010/main" val="1062808819"/>
+      </p:ext>
+    </p:extLst>
+  </p:cSld>
+  <p:clrMapOvr>
+    <a:masterClrMapping/>
+  </p:clrMapOvr>
+</p:sld>
+</file>
+
+<file path=ppt/slides/slide33.xml><?xml version="1.0" encoding="utf-8"?>
+<p:sld xmlns:a="http://schemas.openxmlformats.org/drawingml/2006/main" xmlns:r="http://schemas.openxmlformats.org/officeDocument/2006/relationships" xmlns:p="http://schemas.openxmlformats.org/presentationml/2006/main">
+  <p:cSld>
+    <p:spTree>
+      <p:nvGrpSpPr>
+        <p:cNvPr id="1" name=""/>
+        <p:cNvGrpSpPr/>
+        <p:nvPr/>
+      </p:nvGrpSpPr>
+      <p:grpSpPr>
+        <a:xfrm>
+          <a:off x="0" y="0"/>
+          <a:ext cx="0" cy="0"/>
+          <a:chOff x="0" y="0"/>
+          <a:chExt cx="0" cy="0"/>
+        </a:xfrm>
+      </p:grpSpPr>
+      <p:sp>
+        <p:nvSpPr>
+          <p:cNvPr id="3" name="Rectangle 14">
+            <a:extLst>
+              <a:ext uri="{FF2B5EF4-FFF2-40B4-BE49-F238E27FC236}">
+                <a16:creationId xmlns:a16="http://schemas.microsoft.com/office/drawing/2014/main" id="{64BD2BCE-F294-BEE2-E0EE-059A4D58C2C9}"/>
+              </a:ext>
+            </a:extLst>
+          </p:cNvPr>
+          <p:cNvSpPr>
+            <a:spLocks noChangeArrowheads="1"/>
+          </p:cNvSpPr>
+          <p:nvPr/>
+        </p:nvSpPr>
+        <p:spPr bwMode="auto">
+          <a:xfrm>
+            <a:off x="9221619" y="266582"/>
+            <a:ext cx="1436292" cy="246221"/>
+          </a:xfrm>
+          <a:prstGeom prst="rect">
+            <a:avLst/>
+          </a:prstGeom>
+          <a:noFill/>
+          <a:ln w="12700">
+            <a:noFill/>
+            <a:miter lim="800000"/>
+            <a:headEnd/>
+            <a:tailEnd/>
+          </a:ln>
+        </p:spPr>
+        <p:txBody>
+          <a:bodyPr wrap="none" lIns="0" tIns="0" rIns="0" bIns="0" anchor="ctr">
+            <a:spAutoFit/>
+          </a:bodyPr>
+          <a:lstStyle/>
+          <a:p>
+            <a:pPr defTabSz="900086" eaLnBrk="0" latinLnBrk="0" hangingPunct="0">
+              <a:spcBef>
+                <a:spcPct val="0"/>
+              </a:spcBef>
+              <a:spcAft>
+                <a:spcPct val="0"/>
+              </a:spcAft>
+              <a:defRPr/>
+            </a:pPr>
+            <a:r>
+              <a:rPr kumimoji="1" lang="ko-KR" altLang="en-US" sz="1600">
+                <a:ln>
+                  <a:solidFill>
+                    <a:srgbClr val="4F81BD">
+                      <a:alpha val="0"/>
+                    </a:srgbClr>
+                  </a:solidFill>
+                </a:ln>
+                <a:solidFill>
+                  <a:schemeClr val="tx1">
+                    <a:lumMod val="65000"/>
+                    <a:lumOff val="35000"/>
+                  </a:schemeClr>
+                </a:solidFill>
+                <a:latin typeface="현대하모니 M" panose="02020603020101020101" pitchFamily="18" charset="-127"/>
+                <a:ea typeface="현대하모니 M" panose="02020603020101020101" pitchFamily="18" charset="-127"/>
+              </a:rPr>
+              <a:t>플랜트건축설계팀</a:t>
+            </a:r>
+            <a:endParaRPr kumimoji="1" lang="ko-KR" altLang="en-US" sz="1600" dirty="0">
+              <a:ln>
+                <a:solidFill>
+                  <a:srgbClr val="4F81BD">
+                    <a:alpha val="0"/>
+                  </a:srgbClr>
+                </a:solidFill>
+              </a:ln>
+              <a:solidFill>
+                <a:schemeClr val="tx1">
+                  <a:lumMod val="65000"/>
+                  <a:lumOff val="35000"/>
+                </a:schemeClr>
+              </a:solidFill>
+              <a:latin typeface="현대하모니 M" panose="02020603020101020101" pitchFamily="18" charset="-127"/>
+              <a:ea typeface="현대하모니 M" panose="02020603020101020101" pitchFamily="18" charset="-127"/>
+            </a:endParaRPr>
+          </a:p>
+        </p:txBody>
+      </p:sp>
+      <p:sp>
+        <p:nvSpPr>
+          <p:cNvPr id="4" name="직사각형 3">
+            <a:extLst>
+              <a:ext uri="{FF2B5EF4-FFF2-40B4-BE49-F238E27FC236}">
+                <a16:creationId xmlns:a16="http://schemas.microsoft.com/office/drawing/2014/main" id="{73B1D632-6DFB-0F83-3712-AFC68D2CE58D}"/>
+              </a:ext>
+            </a:extLst>
+          </p:cNvPr>
+          <p:cNvSpPr/>
+          <p:nvPr/>
+        </p:nvSpPr>
+        <p:spPr>
+          <a:xfrm>
+            <a:off x="1320132" y="233484"/>
+            <a:ext cx="2956259" cy="369332"/>
+          </a:xfrm>
+          <a:prstGeom prst="rect">
+            <a:avLst/>
+          </a:prstGeom>
+        </p:spPr>
+        <p:txBody>
+          <a:bodyPr wrap="none">
+            <a:spAutoFit/>
+          </a:bodyPr>
+          <a:lstStyle/>
+          <a:p>
+            <a:pPr defTabSz="900086" eaLnBrk="0" latinLnBrk="0" hangingPunct="0">
+              <a:defRPr/>
+            </a:pPr>
+            <a:r>
+              <a:rPr lang="en-US" altLang="ko-KR" sz="1800" b="1" dirty="0">
+                <a:ln>
+                  <a:solidFill>
+                    <a:srgbClr val="4F81BD">
+                      <a:alpha val="0"/>
+                    </a:srgbClr>
+                  </a:solidFill>
+                </a:ln>
+                <a:latin typeface="현대하모니 M" panose="02020603020101020101" pitchFamily="18" charset="-127"/>
+                <a:ea typeface="현대하모니 M" panose="02020603020101020101" pitchFamily="18" charset="-127"/>
+              </a:rPr>
+              <a:t>Ⅴ. </a:t>
+            </a:r>
+            <a:r>
+              <a:rPr lang="ko-KR" altLang="en-US" sz="1800" b="1" dirty="0">
+                <a:ln>
+                  <a:solidFill>
+                    <a:srgbClr val="4F81BD">
+                      <a:alpha val="0"/>
+                    </a:srgbClr>
+                  </a:solidFill>
+                </a:ln>
+                <a:latin typeface="현대하모니 M" panose="02020603020101020101" pitchFamily="18" charset="-127"/>
+                <a:ea typeface="현대하모니 M" panose="02020603020101020101" pitchFamily="18" charset="-127"/>
+              </a:rPr>
+              <a:t>패밀리리스트 작성 및 검토</a:t>
+            </a:r>
+          </a:p>
+        </p:txBody>
+      </p:sp>
+      <p:grpSp>
+        <p:nvGrpSpPr>
+          <p:cNvPr id="13" name="그룹 12">
+            <a:extLst>
+              <a:ext uri="{FF2B5EF4-FFF2-40B4-BE49-F238E27FC236}">
+                <a16:creationId xmlns:a16="http://schemas.microsoft.com/office/drawing/2014/main" id="{BCBEF22B-D820-24F1-5AFD-735B48BD40B2}"/>
+              </a:ext>
+            </a:extLst>
+          </p:cNvPr>
+          <p:cNvGrpSpPr/>
+          <p:nvPr/>
+        </p:nvGrpSpPr>
+        <p:grpSpPr>
+          <a:xfrm>
+            <a:off x="358589" y="843803"/>
+            <a:ext cx="8442512" cy="412376"/>
+            <a:chOff x="358589" y="843803"/>
+            <a:chExt cx="8442512" cy="412376"/>
+          </a:xfrm>
+        </p:grpSpPr>
+        <p:sp>
+          <p:nvSpPr>
+            <p:cNvPr id="14" name="TextBox 13">
+              <a:extLst>
+                <a:ext uri="{FF2B5EF4-FFF2-40B4-BE49-F238E27FC236}">
+                  <a16:creationId xmlns:a16="http://schemas.microsoft.com/office/drawing/2014/main" id="{549EAB4A-04C2-6C17-6103-EA40E2BE90A1}"/>
+                </a:ext>
+              </a:extLst>
+            </p:cNvPr>
+            <p:cNvSpPr txBox="1"/>
+            <p:nvPr/>
+          </p:nvSpPr>
+          <p:spPr>
+            <a:xfrm>
+              <a:off x="492005" y="942240"/>
+              <a:ext cx="1345760" cy="230832"/>
+            </a:xfrm>
+            <a:prstGeom prst="rect">
+              <a:avLst/>
+            </a:prstGeom>
+            <a:noFill/>
+          </p:spPr>
+          <p:txBody>
+            <a:bodyPr wrap="square" rtlCol="0">
+              <a:spAutoFit/>
+            </a:bodyPr>
+            <a:lstStyle/>
+            <a:p>
+              <a:r>
+                <a:rPr lang="en-US" altLang="ko-KR" sz="900" dirty="0">
+                  <a:latin typeface="현대하모니 L" panose="02020603020101020101" pitchFamily="18" charset="-127"/>
+                  <a:ea typeface="현대하모니 L" panose="02020603020101020101" pitchFamily="18" charset="-127"/>
+                </a:rPr>
+                <a:t>Work Master</a:t>
+              </a:r>
+            </a:p>
+          </p:txBody>
+        </p:sp>
+        <p:sp>
+          <p:nvSpPr>
+            <p:cNvPr id="16" name="TextBox 15">
+              <a:extLst>
+                <a:ext uri="{FF2B5EF4-FFF2-40B4-BE49-F238E27FC236}">
+                  <a16:creationId xmlns:a16="http://schemas.microsoft.com/office/drawing/2014/main" id="{D7770E60-E623-4413-2F64-CC4CF3E570E8}"/>
+                </a:ext>
+              </a:extLst>
+            </p:cNvPr>
+            <p:cNvSpPr txBox="1"/>
+            <p:nvPr/>
+          </p:nvSpPr>
+          <p:spPr>
+            <a:xfrm>
+              <a:off x="2478817" y="942240"/>
+              <a:ext cx="1797574" cy="230832"/>
+            </a:xfrm>
+            <a:prstGeom prst="rect">
+              <a:avLst/>
+            </a:prstGeom>
+            <a:noFill/>
+          </p:spPr>
+          <p:txBody>
+            <a:bodyPr wrap="square" rtlCol="0">
+              <a:spAutoFit/>
+            </a:bodyPr>
+            <a:lstStyle/>
+            <a:p>
+              <a:r>
+                <a:rPr lang="ko-KR" altLang="en-US" sz="900" dirty="0">
+                  <a:latin typeface="현대하모니 L" panose="02020603020101020101" pitchFamily="18" charset="-127"/>
+                  <a:ea typeface="현대하모니 L" panose="02020603020101020101" pitchFamily="18" charset="-127"/>
+                </a:rPr>
+                <a:t>플랜트</a:t>
+              </a:r>
+              <a:r>
+                <a:rPr lang="en-US" altLang="ko-KR" sz="900" dirty="0">
+                  <a:latin typeface="현대하모니 L" panose="02020603020101020101" pitchFamily="18" charset="-127"/>
+                  <a:ea typeface="현대하모니 L" panose="02020603020101020101" pitchFamily="18" charset="-127"/>
+                </a:rPr>
+                <a:t>-</a:t>
+              </a:r>
+              <a:r>
+                <a:rPr lang="ko-KR" altLang="en-US" sz="900" dirty="0">
+                  <a:latin typeface="현대하모니 L" panose="02020603020101020101" pitchFamily="18" charset="-127"/>
+                  <a:ea typeface="현대하모니 L" panose="02020603020101020101" pitchFamily="18" charset="-127"/>
+                </a:rPr>
+                <a:t>건축요소 구성 표준 타입</a:t>
+              </a:r>
+              <a:endParaRPr lang="en-US" altLang="ko-KR" sz="900" dirty="0">
+                <a:latin typeface="현대하모니 L" panose="02020603020101020101" pitchFamily="18" charset="-127"/>
+                <a:ea typeface="현대하모니 L" panose="02020603020101020101" pitchFamily="18" charset="-127"/>
+              </a:endParaRPr>
+            </a:p>
+          </p:txBody>
+        </p:sp>
+        <p:sp>
+          <p:nvSpPr>
+            <p:cNvPr id="17" name="TextBox 16">
+              <a:extLst>
+                <a:ext uri="{FF2B5EF4-FFF2-40B4-BE49-F238E27FC236}">
+                  <a16:creationId xmlns:a16="http://schemas.microsoft.com/office/drawing/2014/main" id="{358F7DC3-E5E7-B579-DA58-8BA637E1688B}"/>
+                </a:ext>
+              </a:extLst>
+            </p:cNvPr>
+            <p:cNvSpPr txBox="1"/>
+            <p:nvPr/>
+          </p:nvSpPr>
+          <p:spPr>
+            <a:xfrm>
+              <a:off x="4917442" y="942240"/>
+              <a:ext cx="1608863" cy="230832"/>
+            </a:xfrm>
+            <a:prstGeom prst="rect">
+              <a:avLst/>
+            </a:prstGeom>
+            <a:noFill/>
+          </p:spPr>
+          <p:txBody>
+            <a:bodyPr wrap="square" rtlCol="0">
+              <a:spAutoFit/>
+            </a:bodyPr>
+            <a:lstStyle/>
+            <a:p>
+              <a:r>
+                <a:rPr lang="ko-KR" altLang="en-US" sz="900" dirty="0">
+                  <a:latin typeface="현대하모니 L" panose="02020603020101020101" pitchFamily="18" charset="-127"/>
+                  <a:ea typeface="현대하모니 L" panose="02020603020101020101" pitchFamily="18" charset="-127"/>
+                </a:rPr>
+                <a:t>패밀리리스트</a:t>
+              </a:r>
+              <a:r>
+                <a:rPr lang="en-US" altLang="ko-KR" sz="900" dirty="0">
+                  <a:latin typeface="현대하모니 L" panose="02020603020101020101" pitchFamily="18" charset="-127"/>
+                  <a:ea typeface="현대하모니 L" panose="02020603020101020101" pitchFamily="18" charset="-127"/>
+                </a:rPr>
+                <a:t>_</a:t>
+              </a:r>
+              <a:r>
+                <a:rPr lang="ko-KR" altLang="en-US" sz="900" dirty="0">
+                  <a:latin typeface="현대하모니 L" panose="02020603020101020101" pitchFamily="18" charset="-127"/>
+                  <a:ea typeface="현대하모니 L" panose="02020603020101020101" pitchFamily="18" charset="-127"/>
+                </a:rPr>
+                <a:t>표준</a:t>
+              </a:r>
+              <a:r>
+                <a:rPr lang="en-US" altLang="ko-KR" sz="900" dirty="0">
+                  <a:latin typeface="현대하모니 L" panose="02020603020101020101" pitchFamily="18" charset="-127"/>
+                  <a:ea typeface="현대하모니 L" panose="02020603020101020101" pitchFamily="18" charset="-127"/>
+                </a:rPr>
+                <a:t>_</a:t>
+              </a:r>
+              <a:r>
+                <a:rPr lang="ko-KR" altLang="en-US" sz="900" dirty="0">
+                  <a:latin typeface="현대하모니 L" panose="02020603020101020101" pitchFamily="18" charset="-127"/>
+                  <a:ea typeface="현대하모니 L" panose="02020603020101020101" pitchFamily="18" charset="-127"/>
+                </a:rPr>
+                <a:t>구성도</a:t>
+              </a:r>
+              <a:endParaRPr lang="en-US" altLang="ko-KR" sz="900" dirty="0">
+                <a:latin typeface="현대하모니 L" panose="02020603020101020101" pitchFamily="18" charset="-127"/>
+                <a:ea typeface="현대하모니 L" panose="02020603020101020101" pitchFamily="18" charset="-127"/>
+              </a:endParaRPr>
+            </a:p>
+          </p:txBody>
+        </p:sp>
+        <p:sp>
+          <p:nvSpPr>
+            <p:cNvPr id="18" name="TextBox 17">
+              <a:extLst>
+                <a:ext uri="{FF2B5EF4-FFF2-40B4-BE49-F238E27FC236}">
+                  <a16:creationId xmlns:a16="http://schemas.microsoft.com/office/drawing/2014/main" id="{C1F97E88-3EE6-B2D0-059B-A499920D6E1D}"/>
+                </a:ext>
+              </a:extLst>
+            </p:cNvPr>
+            <p:cNvSpPr txBox="1"/>
+            <p:nvPr/>
+          </p:nvSpPr>
+          <p:spPr>
+            <a:xfrm>
+              <a:off x="7051042" y="942240"/>
+              <a:ext cx="1608863" cy="230832"/>
+            </a:xfrm>
+            <a:prstGeom prst="rect">
+              <a:avLst/>
+            </a:prstGeom>
+            <a:noFill/>
+          </p:spPr>
+          <p:txBody>
+            <a:bodyPr wrap="square" rtlCol="0">
+              <a:spAutoFit/>
+            </a:bodyPr>
+            <a:lstStyle/>
+            <a:p>
+              <a:r>
+                <a:rPr lang="ko-KR" altLang="en-US" sz="900" dirty="0">
+                  <a:latin typeface="현대하모니 L" panose="02020603020101020101" pitchFamily="18" charset="-127"/>
+                  <a:ea typeface="현대하모니 L" panose="02020603020101020101" pitchFamily="18" charset="-127"/>
+                </a:rPr>
+                <a:t>패밀리리스트</a:t>
+              </a:r>
+              <a:r>
+                <a:rPr lang="en-US" altLang="ko-KR" sz="900" dirty="0">
+                  <a:latin typeface="현대하모니 L" panose="02020603020101020101" pitchFamily="18" charset="-127"/>
+                  <a:ea typeface="현대하모니 L" panose="02020603020101020101" pitchFamily="18" charset="-127"/>
+                </a:rPr>
+                <a:t>_</a:t>
+              </a:r>
+              <a:r>
+                <a:rPr lang="ko-KR" altLang="en-US" sz="900" dirty="0">
+                  <a:latin typeface="현대하모니 L" panose="02020603020101020101" pitchFamily="18" charset="-127"/>
+                  <a:ea typeface="현대하모니 L" panose="02020603020101020101" pitchFamily="18" charset="-127"/>
+                </a:rPr>
+                <a:t>카테고리별 시트</a:t>
+              </a:r>
+              <a:endParaRPr lang="en-US" altLang="ko-KR" sz="900" dirty="0">
+                <a:latin typeface="현대하모니 L" panose="02020603020101020101" pitchFamily="18" charset="-127"/>
+                <a:ea typeface="현대하모니 L" panose="02020603020101020101" pitchFamily="18" charset="-127"/>
+              </a:endParaRPr>
+            </a:p>
+          </p:txBody>
+        </p:sp>
+        <p:sp>
+          <p:nvSpPr>
+            <p:cNvPr id="19" name="직사각형 18">
+              <a:extLst>
+                <a:ext uri="{FF2B5EF4-FFF2-40B4-BE49-F238E27FC236}">
+                  <a16:creationId xmlns:a16="http://schemas.microsoft.com/office/drawing/2014/main" id="{19DA944F-7AF4-5DCB-8462-646D0B4BE699}"/>
+                </a:ext>
+              </a:extLst>
+            </p:cNvPr>
+            <p:cNvSpPr/>
+            <p:nvPr/>
+          </p:nvSpPr>
+          <p:spPr>
+            <a:xfrm>
+              <a:off x="358589" y="843803"/>
+              <a:ext cx="8442512" cy="412376"/>
+            </a:xfrm>
+            <a:prstGeom prst="rect">
+              <a:avLst/>
+            </a:prstGeom>
+            <a:solidFill>
+              <a:schemeClr val="tx1">
+                <a:lumMod val="50000"/>
+                <a:lumOff val="50000"/>
+                <a:alpha val="28000"/>
+              </a:schemeClr>
+            </a:solidFill>
+            <a:ln>
+              <a:noFill/>
+            </a:ln>
+          </p:spPr>
+          <p:style>
+            <a:lnRef idx="2">
+              <a:schemeClr val="accent1">
+                <a:shade val="15000"/>
+              </a:schemeClr>
+            </a:lnRef>
+            <a:fillRef idx="1">
+              <a:schemeClr val="accent1"/>
+            </a:fillRef>
+            <a:effectRef idx="0">
+              <a:schemeClr val="accent1"/>
+            </a:effectRef>
+            <a:fontRef idx="minor">
+              <a:schemeClr val="lt1"/>
+            </a:fontRef>
+          </p:style>
+          <p:txBody>
+            <a:bodyPr rtlCol="0" anchor="ctr"/>
+            <a:lstStyle/>
+            <a:p>
+              <a:pPr algn="ctr"/>
+              <a:endParaRPr lang="ko-KR" altLang="en-US" dirty="0"/>
+            </a:p>
+          </p:txBody>
+        </p:sp>
+      </p:grpSp>
+      <p:sp>
+        <p:nvSpPr>
+          <p:cNvPr id="20" name="직사각형 19">
+            <a:extLst>
+              <a:ext uri="{FF2B5EF4-FFF2-40B4-BE49-F238E27FC236}">
+                <a16:creationId xmlns:a16="http://schemas.microsoft.com/office/drawing/2014/main" id="{E6B76D41-D916-1CCC-9966-492DB9C0A26F}"/>
+              </a:ext>
+            </a:extLst>
+          </p:cNvPr>
+          <p:cNvSpPr/>
+          <p:nvPr/>
+        </p:nvSpPr>
+        <p:spPr>
+          <a:xfrm>
+            <a:off x="7051042" y="843803"/>
+            <a:ext cx="1608863" cy="412376"/>
+          </a:xfrm>
+          <a:prstGeom prst="rect">
+            <a:avLst/>
+          </a:prstGeom>
+          <a:noFill/>
+          <a:ln w="38100">
+            <a:solidFill>
+              <a:srgbClr val="FF00FF"/>
+            </a:solidFill>
+          </a:ln>
+        </p:spPr>
+        <p:style>
+          <a:lnRef idx="2">
+            <a:schemeClr val="accent1">
+              <a:shade val="15000"/>
+            </a:schemeClr>
+          </a:lnRef>
+          <a:fillRef idx="1">
+            <a:schemeClr val="accent1"/>
+          </a:fillRef>
+          <a:effectRef idx="0">
+            <a:schemeClr val="accent1"/>
+          </a:effectRef>
+          <a:fontRef idx="minor">
+            <a:schemeClr val="lt1"/>
+          </a:fontRef>
+        </p:style>
+        <p:txBody>
+          <a:bodyPr rtlCol="0" anchor="ctr"/>
+          <a:lstStyle/>
+          <a:p>
+            <a:pPr algn="ctr"/>
+            <a:endParaRPr lang="ko-KR" altLang="en-US"/>
+          </a:p>
+        </p:txBody>
+      </p:sp>
+      <p:pic>
+        <p:nvPicPr>
+          <p:cNvPr id="5" name="그림 4">
+            <a:extLst>
+              <a:ext uri="{FF2B5EF4-FFF2-40B4-BE49-F238E27FC236}">
+                <a16:creationId xmlns:a16="http://schemas.microsoft.com/office/drawing/2014/main" id="{38456BA7-72DD-6DF0-2DC5-A10282553993}"/>
+              </a:ext>
+            </a:extLst>
+          </p:cNvPr>
+          <p:cNvPicPr>
+            <a:picLocks noChangeAspect="1"/>
+          </p:cNvPicPr>
+          <p:nvPr/>
+        </p:nvPicPr>
+        <p:blipFill>
+          <a:blip r:embed="rId3"/>
+          <a:stretch>
+            <a:fillRect/>
+          </a:stretch>
+        </p:blipFill>
+        <p:spPr>
+          <a:xfrm>
+            <a:off x="904875" y="1497166"/>
+            <a:ext cx="10382250" cy="4550720"/>
+          </a:xfrm>
+          <a:prstGeom prst="rect">
+            <a:avLst/>
+          </a:prstGeom>
+        </p:spPr>
+      </p:pic>
+      <p:cxnSp>
+        <p:nvCxnSpPr>
+          <p:cNvPr id="9" name="직선 화살표 연결선 8">
+            <a:extLst>
+              <a:ext uri="{FF2B5EF4-FFF2-40B4-BE49-F238E27FC236}">
+                <a16:creationId xmlns:a16="http://schemas.microsoft.com/office/drawing/2014/main" id="{E1AB251B-9E4F-D13E-6993-44FE5644E34D}"/>
+              </a:ext>
+            </a:extLst>
+          </p:cNvPr>
+          <p:cNvCxnSpPr/>
+          <p:nvPr/>
+        </p:nvCxnSpPr>
+        <p:spPr>
+          <a:xfrm>
+            <a:off x="1290917" y="2338029"/>
+            <a:ext cx="376518" cy="0"/>
+          </a:xfrm>
+          <a:prstGeom prst="straightConnector1">
+            <a:avLst/>
+          </a:prstGeom>
+          <a:ln>
+            <a:tailEnd type="triangle"/>
+          </a:ln>
+        </p:spPr>
+        <p:style>
+          <a:lnRef idx="1">
+            <a:schemeClr val="accent1"/>
+          </a:lnRef>
+          <a:fillRef idx="0">
+            <a:schemeClr val="accent1"/>
+          </a:fillRef>
+          <a:effectRef idx="0">
+            <a:schemeClr val="accent1"/>
+          </a:effectRef>
+          <a:fontRef idx="minor">
+            <a:schemeClr val="tx1"/>
+          </a:fontRef>
+        </p:style>
+      </p:cxnSp>
+      <p:sp>
+        <p:nvSpPr>
+          <p:cNvPr id="10" name="TextBox 9">
+            <a:extLst>
+              <a:ext uri="{FF2B5EF4-FFF2-40B4-BE49-F238E27FC236}">
+                <a16:creationId xmlns:a16="http://schemas.microsoft.com/office/drawing/2014/main" id="{7420E937-6FF1-C93D-CC59-9CBFB0CF26BF}"/>
+              </a:ext>
+            </a:extLst>
+          </p:cNvPr>
+          <p:cNvSpPr txBox="1"/>
+          <p:nvPr/>
+        </p:nvSpPr>
+        <p:spPr>
+          <a:xfrm>
+            <a:off x="84774" y="2222613"/>
+            <a:ext cx="1206143" cy="230832"/>
+          </a:xfrm>
+          <a:prstGeom prst="rect">
+            <a:avLst/>
+          </a:prstGeom>
+          <a:noFill/>
+        </p:spPr>
+        <p:txBody>
+          <a:bodyPr wrap="square">
+            <a:spAutoFit/>
+          </a:bodyPr>
+          <a:lstStyle/>
+          <a:p>
+            <a:r>
+              <a:rPr lang="ko-KR" altLang="en-US" sz="900" dirty="0">
+                <a:solidFill>
+                  <a:srgbClr val="0000FF"/>
+                </a:solidFill>
+              </a:rPr>
+              <a:t>▶ </a:t>
+            </a:r>
+            <a:r>
+              <a:rPr lang="en-US" altLang="ko-KR" sz="900" dirty="0">
+                <a:solidFill>
+                  <a:srgbClr val="0000FF"/>
+                </a:solidFill>
+              </a:rPr>
+              <a:t>: </a:t>
+            </a:r>
+            <a:r>
+              <a:rPr lang="ko-KR" altLang="en-US" sz="900" dirty="0">
+                <a:solidFill>
+                  <a:srgbClr val="0000FF"/>
+                </a:solidFill>
+              </a:rPr>
+              <a:t>구성 표준 타입</a:t>
+            </a:r>
+          </a:p>
+        </p:txBody>
+      </p:sp>
+      <p:sp>
+        <p:nvSpPr>
+          <p:cNvPr id="11" name="직사각형 10">
+            <a:extLst>
+              <a:ext uri="{FF2B5EF4-FFF2-40B4-BE49-F238E27FC236}">
+                <a16:creationId xmlns:a16="http://schemas.microsoft.com/office/drawing/2014/main" id="{A0B09EF6-9C25-2492-0F6E-AE7ED635502C}"/>
+              </a:ext>
+            </a:extLst>
+          </p:cNvPr>
+          <p:cNvSpPr/>
+          <p:nvPr/>
+        </p:nvSpPr>
+        <p:spPr>
+          <a:xfrm>
+            <a:off x="125505" y="2240542"/>
+            <a:ext cx="3370729" cy="212903"/>
+          </a:xfrm>
+          <a:prstGeom prst="rect">
+            <a:avLst/>
+          </a:prstGeom>
+          <a:noFill/>
+          <a:ln w="22225">
+            <a:solidFill>
+              <a:srgbClr val="0000FF"/>
+            </a:solidFill>
+            <a:prstDash val="sysDash"/>
+          </a:ln>
+        </p:spPr>
+        <p:style>
+          <a:lnRef idx="2">
+            <a:schemeClr val="accent1">
+              <a:shade val="15000"/>
+            </a:schemeClr>
+          </a:lnRef>
+          <a:fillRef idx="1">
+            <a:schemeClr val="accent1"/>
+          </a:fillRef>
+          <a:effectRef idx="0">
+            <a:schemeClr val="accent1"/>
+          </a:effectRef>
+          <a:fontRef idx="minor">
+            <a:schemeClr val="lt1"/>
+          </a:fontRef>
+        </p:style>
+        <p:txBody>
+          <a:bodyPr rtlCol="0" anchor="ctr"/>
+          <a:lstStyle/>
+          <a:p>
+            <a:pPr algn="ctr"/>
+            <a:endParaRPr lang="ko-KR" altLang="en-US"/>
+          </a:p>
+        </p:txBody>
+      </p:sp>
+      <p:cxnSp>
+        <p:nvCxnSpPr>
+          <p:cNvPr id="12" name="직선 화살표 연결선 11">
+            <a:extLst>
+              <a:ext uri="{FF2B5EF4-FFF2-40B4-BE49-F238E27FC236}">
+                <a16:creationId xmlns:a16="http://schemas.microsoft.com/office/drawing/2014/main" id="{07A60B1A-2250-5E38-CB10-B8B1B5886C5B}"/>
+              </a:ext>
+            </a:extLst>
+          </p:cNvPr>
+          <p:cNvCxnSpPr/>
+          <p:nvPr/>
+        </p:nvCxnSpPr>
+        <p:spPr>
+          <a:xfrm>
+            <a:off x="3989294" y="2659065"/>
+            <a:ext cx="376518" cy="0"/>
+          </a:xfrm>
+          <a:prstGeom prst="straightConnector1">
+            <a:avLst/>
+          </a:prstGeom>
+          <a:ln>
+            <a:headEnd type="triangle"/>
+            <a:tailEnd type="none"/>
+          </a:ln>
+        </p:spPr>
+        <p:style>
+          <a:lnRef idx="1">
+            <a:schemeClr val="accent1"/>
+          </a:lnRef>
+          <a:fillRef idx="0">
+            <a:schemeClr val="accent1"/>
+          </a:fillRef>
+          <a:effectRef idx="0">
+            <a:schemeClr val="accent1"/>
+          </a:effectRef>
+          <a:fontRef idx="minor">
+            <a:schemeClr val="tx1"/>
+          </a:fontRef>
+        </p:style>
+      </p:cxnSp>
+      <p:sp>
+        <p:nvSpPr>
+          <p:cNvPr id="15" name="TextBox 14">
+            <a:extLst>
+              <a:ext uri="{FF2B5EF4-FFF2-40B4-BE49-F238E27FC236}">
+                <a16:creationId xmlns:a16="http://schemas.microsoft.com/office/drawing/2014/main" id="{F7878605-F06E-E79A-B8BD-E9EB7390AEDD}"/>
+              </a:ext>
+            </a:extLst>
+          </p:cNvPr>
+          <p:cNvSpPr txBox="1"/>
+          <p:nvPr/>
+        </p:nvSpPr>
+        <p:spPr>
+          <a:xfrm>
+            <a:off x="4553875" y="2525441"/>
+            <a:ext cx="1340614" cy="230832"/>
+          </a:xfrm>
+          <a:prstGeom prst="rect">
+            <a:avLst/>
+          </a:prstGeom>
+          <a:noFill/>
+        </p:spPr>
+        <p:txBody>
+          <a:bodyPr wrap="square">
+            <a:spAutoFit/>
+          </a:bodyPr>
+          <a:lstStyle/>
+          <a:p>
+            <a:r>
+              <a:rPr lang="en-US" altLang="ko-KR" sz="900" dirty="0">
+                <a:solidFill>
+                  <a:schemeClr val="accent2">
+                    <a:lumMod val="75000"/>
+                  </a:schemeClr>
+                </a:solidFill>
+              </a:rPr>
+              <a:t>H_</a:t>
+            </a:r>
+            <a:r>
+              <a:rPr lang="ko-KR" altLang="en-US" sz="900" dirty="0">
+                <a:solidFill>
+                  <a:schemeClr val="accent2">
+                    <a:lumMod val="75000"/>
+                  </a:schemeClr>
+                </a:solidFill>
+              </a:rPr>
+              <a:t> </a:t>
+            </a:r>
+            <a:r>
+              <a:rPr lang="en-US" altLang="ko-KR" sz="900" dirty="0">
+                <a:solidFill>
+                  <a:schemeClr val="accent2">
+                    <a:lumMod val="75000"/>
+                  </a:schemeClr>
+                </a:solidFill>
+              </a:rPr>
+              <a:t>: </a:t>
+            </a:r>
+            <a:r>
+              <a:rPr lang="ko-KR" altLang="en-US" sz="900" dirty="0">
+                <a:solidFill>
+                  <a:schemeClr val="accent2">
+                    <a:lumMod val="75000"/>
+                  </a:schemeClr>
+                </a:solidFill>
+              </a:rPr>
+              <a:t>표준 패밀리 타입</a:t>
+            </a:r>
+          </a:p>
+        </p:txBody>
+      </p:sp>
+      <p:sp>
+        <p:nvSpPr>
+          <p:cNvPr id="21" name="직사각형 20">
+            <a:extLst>
+              <a:ext uri="{FF2B5EF4-FFF2-40B4-BE49-F238E27FC236}">
+                <a16:creationId xmlns:a16="http://schemas.microsoft.com/office/drawing/2014/main" id="{E9A96C73-EEB4-D3D5-38F3-C0F41989B691}"/>
+              </a:ext>
+            </a:extLst>
+          </p:cNvPr>
+          <p:cNvSpPr/>
+          <p:nvPr/>
+        </p:nvSpPr>
+        <p:spPr>
+          <a:xfrm>
+            <a:off x="2715915" y="2471374"/>
+            <a:ext cx="3675920" cy="361473"/>
+          </a:xfrm>
+          <a:prstGeom prst="rect">
+            <a:avLst/>
+          </a:prstGeom>
+          <a:noFill/>
+          <a:ln w="22225">
+            <a:solidFill>
+              <a:schemeClr val="accent2">
+                <a:lumMod val="75000"/>
+              </a:schemeClr>
+            </a:solidFill>
+            <a:prstDash val="sysDash"/>
+          </a:ln>
+        </p:spPr>
+        <p:style>
+          <a:lnRef idx="2">
+            <a:schemeClr val="accent1">
+              <a:shade val="15000"/>
+            </a:schemeClr>
+          </a:lnRef>
+          <a:fillRef idx="1">
+            <a:schemeClr val="accent1"/>
+          </a:fillRef>
+          <a:effectRef idx="0">
+            <a:schemeClr val="accent1"/>
+          </a:effectRef>
+          <a:fontRef idx="minor">
+            <a:schemeClr val="lt1"/>
+          </a:fontRef>
+        </p:style>
+        <p:txBody>
+          <a:bodyPr rtlCol="0" anchor="ctr"/>
+          <a:lstStyle/>
+          <a:p>
+            <a:pPr algn="ctr"/>
+            <a:endParaRPr lang="ko-KR" altLang="en-US"/>
+          </a:p>
+        </p:txBody>
+      </p:sp>
+      <p:cxnSp>
+        <p:nvCxnSpPr>
+          <p:cNvPr id="22" name="직선 화살표 연결선 21">
+            <a:extLst>
+              <a:ext uri="{FF2B5EF4-FFF2-40B4-BE49-F238E27FC236}">
+                <a16:creationId xmlns:a16="http://schemas.microsoft.com/office/drawing/2014/main" id="{0174D298-863A-C2B4-0B0C-44726E1E3571}"/>
+              </a:ext>
+            </a:extLst>
+          </p:cNvPr>
+          <p:cNvCxnSpPr/>
+          <p:nvPr/>
+        </p:nvCxnSpPr>
+        <p:spPr>
+          <a:xfrm>
+            <a:off x="5156947" y="4837489"/>
+            <a:ext cx="376518" cy="0"/>
+          </a:xfrm>
+          <a:prstGeom prst="straightConnector1">
+            <a:avLst/>
+          </a:prstGeom>
+          <a:ln>
+            <a:headEnd type="triangle"/>
+            <a:tailEnd type="none"/>
+          </a:ln>
+        </p:spPr>
+        <p:style>
+          <a:lnRef idx="1">
+            <a:schemeClr val="accent1"/>
+          </a:lnRef>
+          <a:fillRef idx="0">
+            <a:schemeClr val="accent1"/>
+          </a:fillRef>
+          <a:effectRef idx="0">
+            <a:schemeClr val="accent1"/>
+          </a:effectRef>
+          <a:fontRef idx="minor">
+            <a:schemeClr val="tx1"/>
+          </a:fontRef>
+        </p:style>
+      </p:cxnSp>
+      <p:sp>
+        <p:nvSpPr>
+          <p:cNvPr id="23" name="TextBox 22">
+            <a:extLst>
+              <a:ext uri="{FF2B5EF4-FFF2-40B4-BE49-F238E27FC236}">
+                <a16:creationId xmlns:a16="http://schemas.microsoft.com/office/drawing/2014/main" id="{A4FBE468-8BA0-AF86-E677-B4745501EA1E}"/>
+              </a:ext>
+            </a:extLst>
+          </p:cNvPr>
+          <p:cNvSpPr txBox="1"/>
+          <p:nvPr/>
+        </p:nvSpPr>
+        <p:spPr>
+          <a:xfrm>
+            <a:off x="5469590" y="4758300"/>
+            <a:ext cx="1844489" cy="230832"/>
+          </a:xfrm>
+          <a:prstGeom prst="rect">
+            <a:avLst/>
+          </a:prstGeom>
+          <a:noFill/>
+        </p:spPr>
+        <p:txBody>
+          <a:bodyPr wrap="square">
+            <a:spAutoFit/>
+          </a:bodyPr>
+          <a:lstStyle/>
+          <a:p>
+            <a:r>
+              <a:rPr lang="ko-KR" altLang="en-US" sz="900" dirty="0">
+                <a:solidFill>
+                  <a:srgbClr val="FF00FF"/>
+                </a:solidFill>
+              </a:rPr>
+              <a:t>모델링 실제 적용 패밀리 타입</a:t>
+            </a:r>
+          </a:p>
+        </p:txBody>
+      </p:sp>
+      <p:sp>
+        <p:nvSpPr>
+          <p:cNvPr id="24" name="직사각형 23">
+            <a:extLst>
+              <a:ext uri="{FF2B5EF4-FFF2-40B4-BE49-F238E27FC236}">
+                <a16:creationId xmlns:a16="http://schemas.microsoft.com/office/drawing/2014/main" id="{AB6BE77F-C203-C180-18A4-375194F0B7C7}"/>
+              </a:ext>
+            </a:extLst>
+          </p:cNvPr>
+          <p:cNvSpPr/>
+          <p:nvPr/>
+        </p:nvSpPr>
+        <p:spPr>
+          <a:xfrm>
+            <a:off x="3200400" y="4700588"/>
+            <a:ext cx="4007223" cy="481011"/>
+          </a:xfrm>
+          <a:prstGeom prst="rect">
+            <a:avLst/>
+          </a:prstGeom>
+          <a:noFill/>
+          <a:ln w="22225">
+            <a:solidFill>
+              <a:srgbClr val="FF00FF"/>
+            </a:solidFill>
+            <a:prstDash val="sysDash"/>
+          </a:ln>
+        </p:spPr>
+        <p:style>
+          <a:lnRef idx="2">
+            <a:schemeClr val="accent1">
+              <a:shade val="15000"/>
+            </a:schemeClr>
+          </a:lnRef>
+          <a:fillRef idx="1">
+            <a:schemeClr val="accent1"/>
+          </a:fillRef>
+          <a:effectRef idx="0">
+            <a:schemeClr val="accent1"/>
+          </a:effectRef>
+          <a:fontRef idx="minor">
+            <a:schemeClr val="lt1"/>
+          </a:fontRef>
+        </p:style>
+        <p:txBody>
+          <a:bodyPr rtlCol="0" anchor="ctr"/>
+          <a:lstStyle/>
+          <a:p>
+            <a:pPr algn="ctr"/>
+            <a:endParaRPr lang="ko-KR" altLang="en-US"/>
+          </a:p>
+        </p:txBody>
+      </p:sp>
+    </p:spTree>
+    <p:extLst>
+      <p:ext uri="{BB962C8B-B14F-4D97-AF65-F5344CB8AC3E}">
+        <p14:creationId xmlns:p14="http://schemas.microsoft.com/office/powerpoint/2010/main" val="4215703999"/>
+      </p:ext>
+    </p:extLst>
+  </p:cSld>
+  <p:clrMapOvr>
+    <a:masterClrMapping/>
+  </p:clrMapOvr>
+</p:sld>
+</file>
+
+<file path=ppt/slides/slide34.xml><?xml version="1.0" encoding="utf-8"?>
 <p:sld xmlns:a="http://schemas.openxmlformats.org/drawingml/2006/main" xmlns:r="http://schemas.openxmlformats.org/officeDocument/2006/relationships" xmlns:p="http://schemas.openxmlformats.org/presentationml/2006/main">
   <p:cSld>
     <p:spTree>
@@ -30402,370 +37750,6 @@
     <p:extLst>
       <p:ext uri="{BB962C8B-B14F-4D97-AF65-F5344CB8AC3E}">
         <p14:creationId xmlns:p14="http://schemas.microsoft.com/office/powerpoint/2010/main" val="1663510607"/>
-      </p:ext>
-    </p:extLst>
-  </p:cSld>
-  <p:clrMapOvr>
-    <a:masterClrMapping/>
-  </p:clrMapOvr>
-</p:sld>
-</file>
-
-<file path=ppt/slides/slide3.xml><?xml version="1.0" encoding="utf-8"?>
-<p:sld xmlns:a="http://schemas.openxmlformats.org/drawingml/2006/main" xmlns:r="http://schemas.openxmlformats.org/officeDocument/2006/relationships" xmlns:p="http://schemas.openxmlformats.org/presentationml/2006/main">
-  <p:cSld>
-    <p:spTree>
-      <p:nvGrpSpPr>
-        <p:cNvPr id="1" name=""/>
-        <p:cNvGrpSpPr/>
-        <p:nvPr/>
-      </p:nvGrpSpPr>
-      <p:grpSpPr>
-        <a:xfrm>
-          <a:off x="0" y="0"/>
-          <a:ext cx="0" cy="0"/>
-          <a:chOff x="0" y="0"/>
-          <a:chExt cx="0" cy="0"/>
-        </a:xfrm>
-      </p:grpSpPr>
-      <p:sp>
-        <p:nvSpPr>
-          <p:cNvPr id="2" name="직사각형 1"/>
-          <p:cNvSpPr/>
-          <p:nvPr/>
-        </p:nvSpPr>
-        <p:spPr>
-          <a:xfrm>
-            <a:off x="1320130" y="1477115"/>
-            <a:ext cx="9471371" cy="523220"/>
-          </a:xfrm>
-          <a:prstGeom prst="rect">
-            <a:avLst/>
-          </a:prstGeom>
-        </p:spPr>
-        <p:txBody>
-          <a:bodyPr wrap="square">
-            <a:spAutoFit/>
-          </a:bodyPr>
-          <a:lstStyle/>
-          <a:p>
-            <a:pPr algn="ctr" defTabSz="900086" eaLnBrk="0" latinLnBrk="0" hangingPunct="0">
-              <a:defRPr/>
-            </a:pPr>
-            <a:r>
-              <a:rPr lang="en-US" altLang="ko-KR" sz="2800" b="1" dirty="0">
-                <a:ln>
-                  <a:solidFill>
-                    <a:srgbClr val="4F81BD">
-                      <a:alpha val="0"/>
-                    </a:srgbClr>
-                  </a:solidFill>
-                </a:ln>
-                <a:latin typeface="현대하모니 M" panose="02020603020101020101" pitchFamily="18" charset="-127"/>
-                <a:ea typeface="현대하모니 M" panose="02020603020101020101" pitchFamily="18" charset="-127"/>
-              </a:rPr>
-              <a:t>I. </a:t>
-            </a:r>
-            <a:r>
-              <a:rPr lang="ko-KR" altLang="en-US" sz="2800" b="1" dirty="0">
-                <a:ln>
-                  <a:solidFill>
-                    <a:srgbClr val="4F81BD">
-                      <a:alpha val="0"/>
-                    </a:srgbClr>
-                  </a:solidFill>
-                </a:ln>
-                <a:latin typeface="현대하모니 M" panose="02020603020101020101" pitchFamily="18" charset="-127"/>
-                <a:ea typeface="현대하모니 M" panose="02020603020101020101" pitchFamily="18" charset="-127"/>
-              </a:rPr>
-              <a:t>협력업체 작업지시를 위한 기본 세팅</a:t>
-            </a:r>
-          </a:p>
-        </p:txBody>
-      </p:sp>
-      <p:sp>
-        <p:nvSpPr>
-          <p:cNvPr id="3" name="직사각형 2"/>
-          <p:cNvSpPr/>
-          <p:nvPr/>
-        </p:nvSpPr>
-        <p:spPr>
-          <a:xfrm>
-            <a:off x="1472530" y="2388634"/>
-            <a:ext cx="9471371" cy="523220"/>
-          </a:xfrm>
-          <a:prstGeom prst="rect">
-            <a:avLst/>
-          </a:prstGeom>
-        </p:spPr>
-        <p:txBody>
-          <a:bodyPr wrap="square">
-            <a:spAutoFit/>
-          </a:bodyPr>
-          <a:lstStyle/>
-          <a:p>
-            <a:pPr algn="ctr" defTabSz="900086" eaLnBrk="0" latinLnBrk="0" hangingPunct="0">
-              <a:defRPr/>
-            </a:pPr>
-            <a:r>
-              <a:rPr lang="en-US" altLang="ko-KR" sz="2800" b="1" dirty="0">
-                <a:ln>
-                  <a:solidFill>
-                    <a:srgbClr val="4F81BD">
-                      <a:alpha val="0"/>
-                    </a:srgbClr>
-                  </a:solidFill>
-                </a:ln>
-                <a:latin typeface="현대하모니 M" panose="02020603020101020101" pitchFamily="18" charset="-127"/>
-                <a:ea typeface="현대하모니 M" panose="02020603020101020101" pitchFamily="18" charset="-127"/>
-              </a:rPr>
-              <a:t>II. </a:t>
-            </a:r>
-            <a:r>
-              <a:rPr lang="ko-KR" altLang="en-US" sz="2800" b="1" dirty="0">
-                <a:ln>
-                  <a:solidFill>
-                    <a:srgbClr val="4F81BD">
-                      <a:alpha val="0"/>
-                    </a:srgbClr>
-                  </a:solidFill>
-                </a:ln>
-                <a:latin typeface="현대하모니 M" panose="02020603020101020101" pitchFamily="18" charset="-127"/>
-                <a:ea typeface="현대하모니 M" panose="02020603020101020101" pitchFamily="18" charset="-127"/>
-              </a:rPr>
-              <a:t>모델링 접수 후 검토할 사항</a:t>
-            </a:r>
-          </a:p>
-        </p:txBody>
-      </p:sp>
-      <p:sp>
-        <p:nvSpPr>
-          <p:cNvPr id="4" name="직사각형 3"/>
-          <p:cNvSpPr/>
-          <p:nvPr/>
-        </p:nvSpPr>
-        <p:spPr>
-          <a:xfrm>
-            <a:off x="1320130" y="4228927"/>
-            <a:ext cx="9471371" cy="523220"/>
-          </a:xfrm>
-          <a:prstGeom prst="rect">
-            <a:avLst/>
-          </a:prstGeom>
-        </p:spPr>
-        <p:txBody>
-          <a:bodyPr wrap="square">
-            <a:spAutoFit/>
-          </a:bodyPr>
-          <a:lstStyle/>
-          <a:p>
-            <a:pPr algn="ctr" defTabSz="900086" eaLnBrk="0" latinLnBrk="0" hangingPunct="0">
-              <a:defRPr/>
-            </a:pPr>
-            <a:r>
-              <a:rPr lang="en-US" altLang="ko-KR" sz="2800" b="1" dirty="0">
-                <a:ln>
-                  <a:solidFill>
-                    <a:srgbClr val="4F81BD">
-                      <a:alpha val="0"/>
-                    </a:srgbClr>
-                  </a:solidFill>
-                </a:ln>
-                <a:latin typeface="현대하모니 M" panose="02020603020101020101" pitchFamily="18" charset="-127"/>
-                <a:ea typeface="현대하모니 M" panose="02020603020101020101" pitchFamily="18" charset="-127"/>
-              </a:rPr>
-              <a:t>Ⅳ. </a:t>
-            </a:r>
-            <a:r>
-              <a:rPr lang="ko-KR" altLang="en-US" sz="2800" b="1" dirty="0">
-                <a:ln>
-                  <a:solidFill>
-                    <a:srgbClr val="4F81BD">
-                      <a:alpha val="0"/>
-                    </a:srgbClr>
-                  </a:solidFill>
-                </a:ln>
-                <a:latin typeface="현대하모니 M" panose="02020603020101020101" pitchFamily="18" charset="-127"/>
-                <a:ea typeface="현대하모니 M" panose="02020603020101020101" pitchFamily="18" charset="-127"/>
-              </a:rPr>
-              <a:t>물량산출자동화 툴을 이용한 빌딩 별 물량 산출</a:t>
-            </a:r>
-          </a:p>
-        </p:txBody>
-      </p:sp>
-      <p:sp>
-        <p:nvSpPr>
-          <p:cNvPr id="5" name="직사각형 4"/>
-          <p:cNvSpPr/>
-          <p:nvPr/>
-        </p:nvSpPr>
-        <p:spPr>
-          <a:xfrm>
-            <a:off x="1472530" y="3268530"/>
-            <a:ext cx="9471371" cy="523220"/>
-          </a:xfrm>
-          <a:prstGeom prst="rect">
-            <a:avLst/>
-          </a:prstGeom>
-        </p:spPr>
-        <p:txBody>
-          <a:bodyPr wrap="square">
-            <a:spAutoFit/>
-          </a:bodyPr>
-          <a:lstStyle/>
-          <a:p>
-            <a:pPr algn="ctr" defTabSz="900086" eaLnBrk="0" latinLnBrk="0" hangingPunct="0">
-              <a:defRPr/>
-            </a:pPr>
-            <a:r>
-              <a:rPr lang="en-US" altLang="ko-KR" sz="2800" b="1" dirty="0">
-                <a:ln>
-                  <a:solidFill>
-                    <a:srgbClr val="4F81BD">
-                      <a:alpha val="0"/>
-                    </a:srgbClr>
-                  </a:solidFill>
-                </a:ln>
-                <a:latin typeface="현대하모니 M" panose="02020603020101020101" pitchFamily="18" charset="-127"/>
-                <a:ea typeface="현대하모니 M" panose="02020603020101020101" pitchFamily="18" charset="-127"/>
-              </a:rPr>
-              <a:t>III. </a:t>
-            </a:r>
-            <a:r>
-              <a:rPr lang="ko-KR" altLang="en-US" sz="2800" b="1" dirty="0">
-                <a:ln>
-                  <a:solidFill>
-                    <a:srgbClr val="4F81BD">
-                      <a:alpha val="0"/>
-                    </a:srgbClr>
-                  </a:solidFill>
-                </a:ln>
-                <a:latin typeface="현대하모니 M" panose="02020603020101020101" pitchFamily="18" charset="-127"/>
-                <a:ea typeface="현대하모니 M" panose="02020603020101020101" pitchFamily="18" charset="-127"/>
-              </a:rPr>
-              <a:t>실행 모델링 도면화</a:t>
-            </a:r>
-          </a:p>
-        </p:txBody>
-      </p:sp>
-      <p:sp>
-        <p:nvSpPr>
-          <p:cNvPr id="8" name="직사각형 7">
-            <a:extLst>
-              <a:ext uri="{FF2B5EF4-FFF2-40B4-BE49-F238E27FC236}">
-                <a16:creationId xmlns:a16="http://schemas.microsoft.com/office/drawing/2014/main" id="{26E70ACE-BCF7-DD68-2B38-6EA7529A08E3}"/>
-              </a:ext>
-            </a:extLst>
-          </p:cNvPr>
-          <p:cNvSpPr/>
-          <p:nvPr/>
-        </p:nvSpPr>
-        <p:spPr>
-          <a:xfrm>
-            <a:off x="286870" y="633137"/>
-            <a:ext cx="4874795" cy="400110"/>
-          </a:xfrm>
-          <a:prstGeom prst="rect">
-            <a:avLst/>
-          </a:prstGeom>
-        </p:spPr>
-        <p:txBody>
-          <a:bodyPr wrap="square">
-            <a:spAutoFit/>
-          </a:bodyPr>
-          <a:lstStyle/>
-          <a:p>
-            <a:pPr defTabSz="900086" eaLnBrk="0" latinLnBrk="0" hangingPunct="0">
-              <a:defRPr/>
-            </a:pPr>
-            <a:r>
-              <a:rPr lang="en-US" altLang="ko-KR" sz="2000" b="1" dirty="0">
-                <a:ln>
-                  <a:solidFill>
-                    <a:srgbClr val="4F81BD">
-                      <a:alpha val="0"/>
-                    </a:srgbClr>
-                  </a:solidFill>
-                </a:ln>
-                <a:latin typeface="현대하모니 M" panose="02020603020101020101" pitchFamily="18" charset="-127"/>
-                <a:ea typeface="현대하모니 M" panose="02020603020101020101" pitchFamily="18" charset="-127"/>
-              </a:rPr>
-              <a:t>&lt;</a:t>
-            </a:r>
-            <a:r>
-              <a:rPr lang="ko-KR" altLang="en-US" sz="2000" b="1" dirty="0">
-                <a:ln>
-                  <a:solidFill>
-                    <a:srgbClr val="4F81BD">
-                      <a:alpha val="0"/>
-                    </a:srgbClr>
-                  </a:solidFill>
-                </a:ln>
-                <a:latin typeface="현대하모니 M" panose="02020603020101020101" pitchFamily="18" charset="-127"/>
-                <a:ea typeface="현대하모니 M" panose="02020603020101020101" pitchFamily="18" charset="-127"/>
-              </a:rPr>
-              <a:t>실행 베이스 </a:t>
-            </a:r>
-            <a:r>
-              <a:rPr lang="en-US" altLang="ko-KR" sz="2000" b="1" dirty="0">
-                <a:ln>
-                  <a:solidFill>
-                    <a:srgbClr val="4F81BD">
-                      <a:alpha val="0"/>
-                    </a:srgbClr>
-                  </a:solidFill>
-                </a:ln>
-                <a:latin typeface="현대하모니 M" panose="02020603020101020101" pitchFamily="18" charset="-127"/>
-                <a:ea typeface="현대하모니 M" panose="02020603020101020101" pitchFamily="18" charset="-127"/>
-              </a:rPr>
-              <a:t>RC</a:t>
-            </a:r>
-            <a:r>
-              <a:rPr lang="ko-KR" altLang="en-US" sz="2000" b="1" dirty="0">
-                <a:ln>
-                  <a:solidFill>
-                    <a:srgbClr val="4F81BD">
-                      <a:alpha val="0"/>
-                    </a:srgbClr>
-                  </a:solidFill>
-                </a:ln>
-                <a:latin typeface="현대하모니 M" panose="02020603020101020101" pitchFamily="18" charset="-127"/>
-                <a:ea typeface="현대하모니 M" panose="02020603020101020101" pitchFamily="18" charset="-127"/>
-              </a:rPr>
-              <a:t> 모델링</a:t>
-            </a:r>
-            <a:r>
-              <a:rPr lang="en-US" altLang="ko-KR" sz="2000" b="1" dirty="0">
-                <a:ln>
-                  <a:solidFill>
-                    <a:srgbClr val="4F81BD">
-                      <a:alpha val="0"/>
-                    </a:srgbClr>
-                  </a:solidFill>
-                </a:ln>
-                <a:latin typeface="현대하모니 M" panose="02020603020101020101" pitchFamily="18" charset="-127"/>
-                <a:ea typeface="현대하모니 M" panose="02020603020101020101" pitchFamily="18" charset="-127"/>
-              </a:rPr>
-              <a:t>-LOD350&gt;</a:t>
-            </a:r>
-            <a:endParaRPr lang="ko-KR" altLang="en-US" sz="2000" b="1" dirty="0">
-              <a:ln>
-                <a:solidFill>
-                  <a:srgbClr val="4F81BD">
-                    <a:alpha val="0"/>
-                  </a:srgbClr>
-                </a:solidFill>
-              </a:ln>
-              <a:latin typeface="현대하모니 M" panose="02020603020101020101" pitchFamily="18" charset="-127"/>
-              <a:ea typeface="현대하모니 M" panose="02020603020101020101" pitchFamily="18" charset="-127"/>
-            </a:endParaRPr>
-          </a:p>
-        </p:txBody>
-      </p:sp>
-    </p:spTree>
-    <p:extLst>
-      <p:ext uri="{BB962C8B-B14F-4D97-AF65-F5344CB8AC3E}">
-        <p14:creationId xmlns:p14="http://schemas.microsoft.com/office/powerpoint/2010/main" val="3060912237"/>
       </p:ext>
     </p:extLst>
   </p:cSld>
